--- a/docs/00_jsbasics.pptx
+++ b/docs/00_jsbasics.pptx
@@ -127,7 +127,7 @@
   </p:defaultTextStyle>
   <p:extLst>
     <p:ext uri="{EFAFB233-063F-42B5-8137-9DF3F51BA10A}">
-      <p15:sldGuideLst xmlns:p15="http://schemas.microsoft.com/office/powerpoint/2012/main">
+      <p15:sldGuideLst xmlns:p15="http://schemas.microsoft.com/office/powerpoint/2012/main" xmlns="">
         <p15:guide id="1" orient="horz" pos="2160">
           <p15:clr>
             <a:srgbClr val="A4A3A4"/>
@@ -226,7 +226,7 @@
           <a:p>
             <a:fld id="{CB1C2BA7-0370-4E4B-9997-E70834CB9037}" type="datetimeFigureOut">
               <a:rPr lang="ru-RU" smtClean="0"/>
-              <a:t>09.11.2016</a:t>
+              <a:t>17.11.2016</a:t>
             </a:fld>
             <a:endParaRPr lang="ru-RU"/>
           </a:p>
@@ -1918,7 +1918,7 @@
             <a:fld id="{1D8BD707-D9CF-40AE-B4C6-C98DA3205C09}" type="datetimeFigureOut">
               <a:rPr lang="en-US" smtClean="0"/>
               <a:pPr/>
-              <a:t>11/9/2016</a:t>
+              <a:t>11/17/2016</a:t>
             </a:fld>
             <a:endParaRPr lang="en-US"/>
           </a:p>
@@ -2085,7 +2085,7 @@
             <a:fld id="{1D8BD707-D9CF-40AE-B4C6-C98DA3205C09}" type="datetimeFigureOut">
               <a:rPr lang="en-US" smtClean="0"/>
               <a:pPr/>
-              <a:t>11/9/2016</a:t>
+              <a:t>11/17/2016</a:t>
             </a:fld>
             <a:endParaRPr lang="en-US"/>
           </a:p>
@@ -2262,7 +2262,7 @@
             <a:fld id="{1D8BD707-D9CF-40AE-B4C6-C98DA3205C09}" type="datetimeFigureOut">
               <a:rPr lang="en-US" smtClean="0"/>
               <a:pPr/>
-              <a:t>11/9/2016</a:t>
+              <a:t>11/17/2016</a:t>
             </a:fld>
             <a:endParaRPr lang="en-US"/>
           </a:p>
@@ -2429,7 +2429,7 @@
             <a:fld id="{1D8BD707-D9CF-40AE-B4C6-C98DA3205C09}" type="datetimeFigureOut">
               <a:rPr lang="en-US" smtClean="0"/>
               <a:pPr/>
-              <a:t>11/9/2016</a:t>
+              <a:t>11/17/2016</a:t>
             </a:fld>
             <a:endParaRPr lang="en-US"/>
           </a:p>
@@ -2672,7 +2672,7 @@
             <a:fld id="{1D8BD707-D9CF-40AE-B4C6-C98DA3205C09}" type="datetimeFigureOut">
               <a:rPr lang="en-US" smtClean="0"/>
               <a:pPr/>
-              <a:t>11/9/2016</a:t>
+              <a:t>11/17/2016</a:t>
             </a:fld>
             <a:endParaRPr lang="en-US"/>
           </a:p>
@@ -2957,7 +2957,7 @@
             <a:fld id="{1D8BD707-D9CF-40AE-B4C6-C98DA3205C09}" type="datetimeFigureOut">
               <a:rPr lang="en-US" smtClean="0"/>
               <a:pPr/>
-              <a:t>11/9/2016</a:t>
+              <a:t>11/17/2016</a:t>
             </a:fld>
             <a:endParaRPr lang="en-US"/>
           </a:p>
@@ -3376,7 +3376,7 @@
             <a:fld id="{1D8BD707-D9CF-40AE-B4C6-C98DA3205C09}" type="datetimeFigureOut">
               <a:rPr lang="en-US" smtClean="0"/>
               <a:pPr/>
-              <a:t>11/9/2016</a:t>
+              <a:t>11/17/2016</a:t>
             </a:fld>
             <a:endParaRPr lang="en-US"/>
           </a:p>
@@ -3491,7 +3491,7 @@
             <a:fld id="{1D8BD707-D9CF-40AE-B4C6-C98DA3205C09}" type="datetimeFigureOut">
               <a:rPr lang="en-US" smtClean="0"/>
               <a:pPr/>
-              <a:t>11/9/2016</a:t>
+              <a:t>11/17/2016</a:t>
             </a:fld>
             <a:endParaRPr lang="en-US"/>
           </a:p>
@@ -3583,7 +3583,7 @@
             <a:fld id="{1D8BD707-D9CF-40AE-B4C6-C98DA3205C09}" type="datetimeFigureOut">
               <a:rPr lang="en-US" smtClean="0"/>
               <a:pPr/>
-              <a:t>11/9/2016</a:t>
+              <a:t>11/17/2016</a:t>
             </a:fld>
             <a:endParaRPr lang="en-US"/>
           </a:p>
@@ -3857,7 +3857,7 @@
             <a:fld id="{1D8BD707-D9CF-40AE-B4C6-C98DA3205C09}" type="datetimeFigureOut">
               <a:rPr lang="en-US" smtClean="0"/>
               <a:pPr/>
-              <a:t>11/9/2016</a:t>
+              <a:t>11/17/2016</a:t>
             </a:fld>
             <a:endParaRPr lang="en-US"/>
           </a:p>
@@ -4107,7 +4107,7 @@
             <a:fld id="{1D8BD707-D9CF-40AE-B4C6-C98DA3205C09}" type="datetimeFigureOut">
               <a:rPr lang="en-US" smtClean="0"/>
               <a:pPr/>
-              <a:t>11/9/2016</a:t>
+              <a:t>11/17/2016</a:t>
             </a:fld>
             <a:endParaRPr lang="en-US"/>
           </a:p>
@@ -4322,7 +4322,7 @@
             <a:fld id="{1D8BD707-D9CF-40AE-B4C6-C98DA3205C09}" type="datetimeFigureOut">
               <a:rPr lang="en-US" smtClean="0"/>
               <a:pPr/>
-              <a:t>11/9/2016</a:t>
+              <a:t>11/17/2016</a:t>
             </a:fld>
             <a:endParaRPr lang="en-US"/>
           </a:p>
@@ -4679,6 +4679,14 @@
 <file path=ppt/slides/slide1.xml><?xml version="1.0" encoding="utf-8"?>
 <p:sld xmlns:a="http://schemas.openxmlformats.org/drawingml/2006/main" xmlns:r="http://schemas.openxmlformats.org/officeDocument/2006/relationships" xmlns:p="http://schemas.openxmlformats.org/presentationml/2006/main">
   <p:cSld>
+    <p:bg>
+      <p:bgPr>
+        <a:solidFill>
+          <a:srgbClr val="ECEFF1"/>
+        </a:solidFill>
+        <a:effectLst/>
+      </p:bgPr>
+    </p:bg>
     <p:spTree>
       <p:nvGrpSpPr>
         <p:cNvPr id="1" name=""/>
@@ -4695,61 +4703,81 @@
       </p:grpSpPr>
       <p:sp>
         <p:nvSpPr>
-          <p:cNvPr id="2" name="Title 1"/>
-          <p:cNvSpPr>
-            <a:spLocks noGrp="1"/>
-          </p:cNvSpPr>
-          <p:nvPr>
-            <p:ph type="ctrTitle"/>
+          <p:cNvPr id="3" name="Subtitle 2"/>
+          <p:cNvSpPr>
+            <a:spLocks noGrp="1"/>
+          </p:cNvSpPr>
+          <p:nvPr>
+            <p:ph type="subTitle" idx="1"/>
           </p:nvPr>
         </p:nvSpPr>
         <p:spPr>
-          <a:effectLst/>
+          <a:xfrm>
+            <a:off x="2590800" y="2221136"/>
+            <a:ext cx="4572000" cy="609600"/>
+          </a:xfrm>
         </p:spPr>
         <p:txBody>
           <a:bodyPr/>
           <a:lstStyle/>
           <a:p>
             <a:r>
-              <a:rPr lang="en-US" dirty="0" err="1" smtClean="0">
-                <a:effectLst>
-                  <a:reflection blurRad="12700" stA="33000" endPos="57000" dir="5400000" sy="-100000" algn="bl" rotWithShape="0"/>
-                </a:effectLst>
-                <a:latin typeface="Courier New" panose="02070309020205020404" pitchFamily="49" charset="0"/>
-                <a:cs typeface="Courier New" panose="02070309020205020404" pitchFamily="49" charset="0"/>
+              <a:rPr lang="en-US" dirty="0" smtClean="0"/>
+              <a:t>Basics</a:t>
+            </a:r>
+            <a:endParaRPr lang="ru-RU" dirty="0"/>
+          </a:p>
+        </p:txBody>
+      </p:sp>
+      <p:sp>
+        <p:nvSpPr>
+          <p:cNvPr id="4" name="Snip Single Corner Rectangle 3"/>
+          <p:cNvSpPr/>
+          <p:nvPr/>
+        </p:nvSpPr>
+        <p:spPr>
+          <a:xfrm>
+            <a:off x="0" y="1143000"/>
+            <a:ext cx="8763000" cy="1066800"/>
+          </a:xfrm>
+          <a:prstGeom prst="snip1Rect">
+            <a:avLst/>
+          </a:prstGeom>
+          <a:solidFill>
+            <a:srgbClr val="607D8B"/>
+          </a:solidFill>
+          <a:ln>
+            <a:noFill/>
+          </a:ln>
+        </p:spPr>
+        <p:style>
+          <a:lnRef idx="2">
+            <a:schemeClr val="accent1">
+              <a:shade val="50000"/>
+            </a:schemeClr>
+          </a:lnRef>
+          <a:fillRef idx="1">
+            <a:schemeClr val="accent1"/>
+          </a:fillRef>
+          <a:effectRef idx="0">
+            <a:schemeClr val="accent1"/>
+          </a:effectRef>
+          <a:fontRef idx="minor">
+            <a:schemeClr val="lt1"/>
+          </a:fontRef>
+        </p:style>
+        <p:txBody>
+          <a:bodyPr rtlCol="0" anchor="ctr"/>
+          <a:lstStyle/>
+          <a:p>
+            <a:pPr algn="ctr"/>
+            <a:r>
+              <a:rPr lang="en-US" sz="5400" dirty="0" err="1" smtClean="0">
+                <a:latin typeface="Rockwell" panose="02060603020205020403" pitchFamily="18" charset="0"/>
               </a:rPr>
               <a:t>Javascript</a:t>
             </a:r>
-            <a:endParaRPr lang="ru-RU" dirty="0">
-              <a:effectLst>
-                <a:reflection blurRad="12700" stA="33000" endPos="57000" dir="5400000" sy="-100000" algn="bl" rotWithShape="0"/>
-              </a:effectLst>
-              <a:latin typeface="Courier New" panose="02070309020205020404" pitchFamily="49" charset="0"/>
-              <a:cs typeface="Courier New" panose="02070309020205020404" pitchFamily="49" charset="0"/>
-            </a:endParaRPr>
-          </a:p>
-        </p:txBody>
-      </p:sp>
-      <p:sp>
-        <p:nvSpPr>
-          <p:cNvPr id="3" name="Subtitle 2"/>
-          <p:cNvSpPr>
-            <a:spLocks noGrp="1"/>
-          </p:cNvSpPr>
-          <p:nvPr>
-            <p:ph type="subTitle" idx="1"/>
-          </p:nvPr>
-        </p:nvSpPr>
-        <p:spPr/>
-        <p:txBody>
-          <a:bodyPr/>
-          <a:lstStyle/>
-          <a:p>
-            <a:r>
-              <a:rPr lang="en-US" dirty="0" smtClean="0"/>
-              <a:t>Basics</a:t>
-            </a:r>
-            <a:endParaRPr lang="ru-RU" dirty="0"/>
+            <a:endParaRPr lang="ru-RU" sz="5400" dirty="0"/>
           </a:p>
         </p:txBody>
       </p:sp>
@@ -6823,11 +6851,11 @@
   <p:clrMapOvr>
     <a:masterClrMapping/>
   </p:clrMapOvr>
-  <mc:AlternateContent xmlns:mc="http://schemas.openxmlformats.org/markup-compatibility/2006">
-    <mc:Choice xmlns:p14="http://schemas.microsoft.com/office/powerpoint/2010/main" Requires="p14">
+  <mc:AlternateContent xmlns:mc="http://schemas.openxmlformats.org/markup-compatibility/2006" xmlns:p14="http://schemas.microsoft.com/office/powerpoint/2010/main">
+    <mc:Choice Requires="p14">
       <p:transition spd="slow" p14:dur="2000"/>
     </mc:Choice>
-    <mc:Fallback>
+    <mc:Fallback xmlns="">
       <p:transition spd="slow"/>
     </mc:Fallback>
   </mc:AlternateContent>
@@ -6906,11 +6934,11 @@
   <p:clrMapOvr>
     <a:masterClrMapping/>
   </p:clrMapOvr>
-  <mc:AlternateContent xmlns:mc="http://schemas.openxmlformats.org/markup-compatibility/2006">
-    <mc:Choice xmlns:p14="http://schemas.microsoft.com/office/powerpoint/2010/main" Requires="p14">
+  <mc:AlternateContent xmlns:mc="http://schemas.openxmlformats.org/markup-compatibility/2006" xmlns:p14="http://schemas.microsoft.com/office/powerpoint/2010/main">
+    <mc:Choice Requires="p14">
       <p:transition spd="slow" p14:dur="2000"/>
     </mc:Choice>
-    <mc:Fallback>
+    <mc:Fallback xmlns="">
       <p:transition spd="slow"/>
     </mc:Fallback>
   </mc:AlternateContent>

--- a/docs/00_jsbasics.pptx
+++ b/docs/00_jsbasics.pptx
@@ -127,7 +127,7 @@
   </p:defaultTextStyle>
   <p:extLst>
     <p:ext uri="{EFAFB233-063F-42B5-8137-9DF3F51BA10A}">
-      <p15:sldGuideLst xmlns:p15="http://schemas.microsoft.com/office/powerpoint/2012/main" xmlns="">
+      <p15:sldGuideLst xmlns:p15="http://schemas.microsoft.com/office/powerpoint/2012/main">
         <p15:guide id="1" orient="horz" pos="2160">
           <p15:clr>
             <a:srgbClr val="A4A3A4"/>
@@ -4170,9 +4170,7 @@
     <p:bg>
       <p:bgPr>
         <a:solidFill>
-          <a:schemeClr val="bg1">
-            <a:lumMod val="95000"/>
-          </a:schemeClr>
+          <a:srgbClr val="ECEFF1"/>
         </a:solidFill>
         <a:effectLst/>
       </p:bgPr>
@@ -4679,14 +4677,6 @@
 <file path=ppt/slides/slide1.xml><?xml version="1.0" encoding="utf-8"?>
 <p:sld xmlns:a="http://schemas.openxmlformats.org/drawingml/2006/main" xmlns:r="http://schemas.openxmlformats.org/officeDocument/2006/relationships" xmlns:p="http://schemas.openxmlformats.org/presentationml/2006/main">
   <p:cSld>
-    <p:bg>
-      <p:bgPr>
-        <a:solidFill>
-          <a:srgbClr val="ECEFF1"/>
-        </a:solidFill>
-        <a:effectLst/>
-      </p:bgPr>
-    </p:bg>
     <p:spTree>
       <p:nvGrpSpPr>
         <p:cNvPr id="1" name=""/>
@@ -6716,33 +6706,51 @@
       </p:grpSpPr>
       <p:sp>
         <p:nvSpPr>
-          <p:cNvPr id="6" name="TextBox 5"/>
-          <p:cNvSpPr txBox="1"/>
+          <p:cNvPr id="4" name="Snip Single Corner Rectangle 3"/>
+          <p:cNvSpPr/>
           <p:nvPr/>
         </p:nvSpPr>
         <p:spPr>
           <a:xfrm>
-            <a:off x="1828800" y="1447800"/>
-            <a:ext cx="6553200" cy="646331"/>
+            <a:off x="0" y="1143000"/>
+            <a:ext cx="9144000" cy="1066800"/>
           </a:xfrm>
-          <a:prstGeom prst="rect">
-            <a:avLst/>
+          <a:prstGeom prst="snip1Rect">
+            <a:avLst>
+              <a:gd name="adj" fmla="val 0"/>
+            </a:avLst>
           </a:prstGeom>
-          <a:noFill/>
+          <a:solidFill>
+            <a:srgbClr val="607D8B"/>
+          </a:solidFill>
+          <a:ln>
+            <a:noFill/>
+          </a:ln>
         </p:spPr>
-        <p:txBody>
-          <a:bodyPr wrap="square" rtlCol="0">
-            <a:spAutoFit/>
-          </a:bodyPr>
-          <a:lstStyle/>
-          <a:p>
+        <p:style>
+          <a:lnRef idx="2">
+            <a:schemeClr val="accent1">
+              <a:shade val="50000"/>
+            </a:schemeClr>
+          </a:lnRef>
+          <a:fillRef idx="1">
+            <a:schemeClr val="accent1"/>
+          </a:fillRef>
+          <a:effectRef idx="0">
+            <a:schemeClr val="accent1"/>
+          </a:effectRef>
+          <a:fontRef idx="minor">
+            <a:schemeClr val="lt1"/>
+          </a:fontRef>
+        </p:style>
+        <p:txBody>
+          <a:bodyPr rtlCol="0" anchor="ctr"/>
+          <a:lstStyle/>
+          <a:p>
+            <a:pPr algn="ctr"/>
             <a:r>
               <a:rPr lang="en-US" sz="3600" dirty="0"/>
-              <a:t>object-oriented </a:t>
-            </a:r>
-            <a:r>
-              <a:rPr lang="en-US" sz="3600" dirty="0" smtClean="0"/>
-              <a:t> or functional?</a:t>
+              <a:t>object-oriented  or functional?</a:t>
             </a:r>
             <a:endParaRPr lang="en-US" sz="3600" dirty="0"/>
           </a:p>
@@ -6779,24 +6787,6 @@
 <file path=ppt/slides/slide3.xml><?xml version="1.0" encoding="utf-8"?>
 <p:sld xmlns:a="http://schemas.openxmlformats.org/drawingml/2006/main" xmlns:r="http://schemas.openxmlformats.org/officeDocument/2006/relationships" xmlns:p="http://schemas.openxmlformats.org/presentationml/2006/main">
   <p:cSld>
-    <p:bg>
-      <p:bgPr>
-        <a:gradFill>
-          <a:gsLst>
-            <a:gs pos="0">
-              <a:schemeClr val="bg1"/>
-            </a:gs>
-            <a:gs pos="100000">
-              <a:schemeClr val="bg1">
-                <a:lumMod val="85000"/>
-              </a:schemeClr>
-            </a:gs>
-          </a:gsLst>
-          <a:lin ang="5400000" scaled="1"/>
-        </a:gradFill>
-        <a:effectLst/>
-      </p:bgPr>
-    </p:bg>
     <p:spTree>
       <p:nvGrpSpPr>
         <p:cNvPr id="1" name=""/>

--- a/docs/00_jsbasics.pptx
+++ b/docs/00_jsbasics.pptx
@@ -5,28 +5,14 @@
     <p:sldMasterId id="2147483648" r:id="rId1"/>
   </p:sldMasterIdLst>
   <p:notesMasterIdLst>
-    <p:notesMasterId r:id="rId21"/>
+    <p:notesMasterId r:id="rId7"/>
   </p:notesMasterIdLst>
   <p:sldIdLst>
     <p:sldId id="256" r:id="rId2"/>
     <p:sldId id="257" r:id="rId3"/>
-    <p:sldId id="273" r:id="rId4"/>
-    <p:sldId id="274" r:id="rId5"/>
-    <p:sldId id="269" r:id="rId6"/>
-    <p:sldId id="268" r:id="rId7"/>
-    <p:sldId id="270" r:id="rId8"/>
-    <p:sldId id="271" r:id="rId9"/>
-    <p:sldId id="267" r:id="rId10"/>
-    <p:sldId id="272" r:id="rId11"/>
-    <p:sldId id="258" r:id="rId12"/>
-    <p:sldId id="259" r:id="rId13"/>
-    <p:sldId id="266" r:id="rId14"/>
-    <p:sldId id="261" r:id="rId15"/>
-    <p:sldId id="260" r:id="rId16"/>
-    <p:sldId id="262" r:id="rId17"/>
-    <p:sldId id="263" r:id="rId18"/>
-    <p:sldId id="264" r:id="rId19"/>
-    <p:sldId id="265" r:id="rId20"/>
+    <p:sldId id="275" r:id="rId4"/>
+    <p:sldId id="273" r:id="rId5"/>
+    <p:sldId id="274" r:id="rId6"/>
   </p:sldIdLst>
   <p:sldSz cx="9144000" cy="6858000" type="screen4x3"/>
   <p:notesSz cx="6858000" cy="9144000"/>
@@ -127,7 +113,7 @@
   </p:defaultTextStyle>
   <p:extLst>
     <p:ext uri="{EFAFB233-063F-42B5-8137-9DF3F51BA10A}">
-      <p15:sldGuideLst xmlns:p15="http://schemas.microsoft.com/office/powerpoint/2012/main">
+      <p15:sldGuideLst xmlns:p15="http://schemas.microsoft.com/office/powerpoint/2012/main" xmlns="">
         <p15:guide id="1" orient="horz" pos="2160">
           <p15:clr>
             <a:srgbClr val="A4A3A4"/>
@@ -226,7 +212,7 @@
           <a:p>
             <a:fld id="{CB1C2BA7-0370-4E4B-9997-E70834CB9037}" type="datetimeFigureOut">
               <a:rPr lang="ru-RU" smtClean="0"/>
-              <a:t>17.11.2016</a:t>
+              <a:t>18.11.2016</a:t>
             </a:fld>
             <a:endParaRPr lang="ru-RU"/>
           </a:p>
@@ -586,420 +572,6 @@
 </p:notes>
 </file>
 
-<file path=ppt/notesSlides/notesSlide10.xml><?xml version="1.0" encoding="utf-8"?>
-<p:notes xmlns:a="http://schemas.openxmlformats.org/drawingml/2006/main" xmlns:r="http://schemas.openxmlformats.org/officeDocument/2006/relationships" xmlns:p="http://schemas.openxmlformats.org/presentationml/2006/main">
-  <p:cSld>
-    <p:spTree>
-      <p:nvGrpSpPr>
-        <p:cNvPr id="1" name=""/>
-        <p:cNvGrpSpPr/>
-        <p:nvPr/>
-      </p:nvGrpSpPr>
-      <p:grpSpPr>
-        <a:xfrm>
-          <a:off x="0" y="0"/>
-          <a:ext cx="0" cy="0"/>
-          <a:chOff x="0" y="0"/>
-          <a:chExt cx="0" cy="0"/>
-        </a:xfrm>
-      </p:grpSpPr>
-      <p:sp>
-        <p:nvSpPr>
-          <p:cNvPr id="2" name="Slide Image Placeholder 1"/>
-          <p:cNvSpPr>
-            <a:spLocks noGrp="1" noRot="1" noChangeAspect="1"/>
-          </p:cNvSpPr>
-          <p:nvPr>
-            <p:ph type="sldImg"/>
-          </p:nvPr>
-        </p:nvSpPr>
-        <p:spPr/>
-      </p:sp>
-      <p:sp>
-        <p:nvSpPr>
-          <p:cNvPr id="3" name="Notes Placeholder 2"/>
-          <p:cNvSpPr>
-            <a:spLocks noGrp="1"/>
-          </p:cNvSpPr>
-          <p:nvPr>
-            <p:ph type="body" idx="1"/>
-          </p:nvPr>
-        </p:nvSpPr>
-        <p:spPr/>
-        <p:txBody>
-          <a:bodyPr/>
-          <a:lstStyle/>
-          <a:p>
-            <a:r>
-              <a:rPr lang="en-US" dirty="0" smtClean="0"/>
-              <a:t>ng-if</a:t>
-            </a:r>
-            <a:r>
-              <a:rPr lang="en-US" baseline="0" dirty="0" smtClean="0"/>
-              <a:t> creates a </a:t>
-            </a:r>
-            <a:r>
-              <a:rPr lang="en-US" baseline="0" smtClean="0"/>
-              <a:t>child scope</a:t>
-            </a:r>
-            <a:endParaRPr lang="ru-RU"/>
-          </a:p>
-        </p:txBody>
-      </p:sp>
-      <p:sp>
-        <p:nvSpPr>
-          <p:cNvPr id="4" name="Slide Number Placeholder 3"/>
-          <p:cNvSpPr>
-            <a:spLocks noGrp="1"/>
-          </p:cNvSpPr>
-          <p:nvPr>
-            <p:ph type="sldNum" sz="quarter" idx="10"/>
-          </p:nvPr>
-        </p:nvSpPr>
-        <p:spPr/>
-        <p:txBody>
-          <a:bodyPr/>
-          <a:lstStyle/>
-          <a:p>
-            <a:fld id="{DA8CAE91-5FC7-41E5-8054-44424FFBB7AB}" type="slidenum">
-              <a:rPr lang="ru-RU" smtClean="0"/>
-              <a:t>15</a:t>
-            </a:fld>
-            <a:endParaRPr lang="ru-RU"/>
-          </a:p>
-        </p:txBody>
-      </p:sp>
-    </p:spTree>
-    <p:extLst>
-      <p:ext uri="{BB962C8B-B14F-4D97-AF65-F5344CB8AC3E}">
-        <p14:creationId xmlns:p14="http://schemas.microsoft.com/office/powerpoint/2010/main" val="2358394981"/>
-      </p:ext>
-    </p:extLst>
-  </p:cSld>
-  <p:clrMapOvr>
-    <a:masterClrMapping/>
-  </p:clrMapOvr>
-</p:notes>
-</file>
-
-<file path=ppt/notesSlides/notesSlide11.xml><?xml version="1.0" encoding="utf-8"?>
-<p:notes xmlns:a="http://schemas.openxmlformats.org/drawingml/2006/main" xmlns:r="http://schemas.openxmlformats.org/officeDocument/2006/relationships" xmlns:p="http://schemas.openxmlformats.org/presentationml/2006/main">
-  <p:cSld>
-    <p:spTree>
-      <p:nvGrpSpPr>
-        <p:cNvPr id="1" name=""/>
-        <p:cNvGrpSpPr/>
-        <p:nvPr/>
-      </p:nvGrpSpPr>
-      <p:grpSpPr>
-        <a:xfrm>
-          <a:off x="0" y="0"/>
-          <a:ext cx="0" cy="0"/>
-          <a:chOff x="0" y="0"/>
-          <a:chExt cx="0" cy="0"/>
-        </a:xfrm>
-      </p:grpSpPr>
-      <p:sp>
-        <p:nvSpPr>
-          <p:cNvPr id="2" name="Slide Image Placeholder 1"/>
-          <p:cNvSpPr>
-            <a:spLocks noGrp="1" noRot="1" noChangeAspect="1"/>
-          </p:cNvSpPr>
-          <p:nvPr>
-            <p:ph type="sldImg"/>
-          </p:nvPr>
-        </p:nvSpPr>
-        <p:spPr/>
-      </p:sp>
-      <p:sp>
-        <p:nvSpPr>
-          <p:cNvPr id="3" name="Notes Placeholder 2"/>
-          <p:cNvSpPr>
-            <a:spLocks noGrp="1"/>
-          </p:cNvSpPr>
-          <p:nvPr>
-            <p:ph type="body" idx="1"/>
-          </p:nvPr>
-        </p:nvSpPr>
-        <p:spPr/>
-        <p:txBody>
-          <a:bodyPr/>
-          <a:lstStyle/>
-          <a:p>
-            <a:r>
-              <a:rPr lang="en-US" dirty="0" smtClean="0"/>
-              <a:t>Nothing to do with</a:t>
-            </a:r>
-            <a:r>
-              <a:rPr lang="en-US" baseline="0" dirty="0" smtClean="0"/>
-              <a:t> java</a:t>
-            </a:r>
-          </a:p>
-          <a:p>
-            <a:r>
-              <a:rPr lang="en-US" baseline="0" dirty="0" smtClean="0"/>
-              <a:t>Not a scripting </a:t>
-            </a:r>
-            <a:r>
-              <a:rPr lang="en-US" baseline="0" dirty="0" err="1" smtClean="0"/>
-              <a:t>lang</a:t>
-            </a:r>
-            <a:r>
-              <a:rPr lang="en-US" baseline="0" dirty="0" smtClean="0"/>
-              <a:t> anymore</a:t>
-            </a:r>
-            <a:endParaRPr lang="en-US" dirty="0"/>
-          </a:p>
-        </p:txBody>
-      </p:sp>
-      <p:sp>
-        <p:nvSpPr>
-          <p:cNvPr id="4" name="Slide Number Placeholder 3"/>
-          <p:cNvSpPr>
-            <a:spLocks noGrp="1"/>
-          </p:cNvSpPr>
-          <p:nvPr>
-            <p:ph type="sldNum" sz="quarter" idx="10"/>
-          </p:nvPr>
-        </p:nvSpPr>
-        <p:spPr/>
-        <p:txBody>
-          <a:bodyPr/>
-          <a:lstStyle/>
-          <a:p>
-            <a:fld id="{DA8CAE91-5FC7-41E5-8054-44424FFBB7AB}" type="slidenum">
-              <a:rPr lang="ru-RU" smtClean="0"/>
-              <a:t>17</a:t>
-            </a:fld>
-            <a:endParaRPr lang="ru-RU"/>
-          </a:p>
-        </p:txBody>
-      </p:sp>
-    </p:spTree>
-    <p:extLst>
-      <p:ext uri="{BB962C8B-B14F-4D97-AF65-F5344CB8AC3E}">
-        <p14:creationId xmlns:p14="http://schemas.microsoft.com/office/powerpoint/2010/main" val="3609066261"/>
-      </p:ext>
-    </p:extLst>
-  </p:cSld>
-  <p:clrMapOvr>
-    <a:masterClrMapping/>
-  </p:clrMapOvr>
-</p:notes>
-</file>
-
-<file path=ppt/notesSlides/notesSlide12.xml><?xml version="1.0" encoding="utf-8"?>
-<p:notes xmlns:a="http://schemas.openxmlformats.org/drawingml/2006/main" xmlns:r="http://schemas.openxmlformats.org/officeDocument/2006/relationships" xmlns:p="http://schemas.openxmlformats.org/presentationml/2006/main">
-  <p:cSld>
-    <p:spTree>
-      <p:nvGrpSpPr>
-        <p:cNvPr id="1" name=""/>
-        <p:cNvGrpSpPr/>
-        <p:nvPr/>
-      </p:nvGrpSpPr>
-      <p:grpSpPr>
-        <a:xfrm>
-          <a:off x="0" y="0"/>
-          <a:ext cx="0" cy="0"/>
-          <a:chOff x="0" y="0"/>
-          <a:chExt cx="0" cy="0"/>
-        </a:xfrm>
-      </p:grpSpPr>
-      <p:sp>
-        <p:nvSpPr>
-          <p:cNvPr id="2" name="Slide Image Placeholder 1"/>
-          <p:cNvSpPr>
-            <a:spLocks noGrp="1" noRot="1" noChangeAspect="1"/>
-          </p:cNvSpPr>
-          <p:nvPr>
-            <p:ph type="sldImg"/>
-          </p:nvPr>
-        </p:nvSpPr>
-        <p:spPr/>
-      </p:sp>
-      <p:sp>
-        <p:nvSpPr>
-          <p:cNvPr id="3" name="Notes Placeholder 2"/>
-          <p:cNvSpPr>
-            <a:spLocks noGrp="1"/>
-          </p:cNvSpPr>
-          <p:nvPr>
-            <p:ph type="body" idx="1"/>
-          </p:nvPr>
-        </p:nvSpPr>
-        <p:spPr/>
-        <p:txBody>
-          <a:bodyPr/>
-          <a:lstStyle/>
-          <a:p>
-            <a:r>
-              <a:rPr lang="en-US" dirty="0" smtClean="0"/>
-              <a:t>Nothing to do with</a:t>
-            </a:r>
-            <a:r>
-              <a:rPr lang="en-US" baseline="0" dirty="0" smtClean="0"/>
-              <a:t> java</a:t>
-            </a:r>
-          </a:p>
-          <a:p>
-            <a:r>
-              <a:rPr lang="en-US" baseline="0" dirty="0" smtClean="0"/>
-              <a:t>Not a scripting </a:t>
-            </a:r>
-            <a:r>
-              <a:rPr lang="en-US" baseline="0" dirty="0" err="1" smtClean="0"/>
-              <a:t>lang</a:t>
-            </a:r>
-            <a:r>
-              <a:rPr lang="en-US" baseline="0" dirty="0" smtClean="0"/>
-              <a:t> anymore</a:t>
-            </a:r>
-            <a:endParaRPr lang="en-US" dirty="0"/>
-          </a:p>
-        </p:txBody>
-      </p:sp>
-      <p:sp>
-        <p:nvSpPr>
-          <p:cNvPr id="4" name="Slide Number Placeholder 3"/>
-          <p:cNvSpPr>
-            <a:spLocks noGrp="1"/>
-          </p:cNvSpPr>
-          <p:nvPr>
-            <p:ph type="sldNum" sz="quarter" idx="10"/>
-          </p:nvPr>
-        </p:nvSpPr>
-        <p:spPr/>
-        <p:txBody>
-          <a:bodyPr/>
-          <a:lstStyle/>
-          <a:p>
-            <a:fld id="{DA8CAE91-5FC7-41E5-8054-44424FFBB7AB}" type="slidenum">
-              <a:rPr lang="ru-RU" smtClean="0"/>
-              <a:t>18</a:t>
-            </a:fld>
-            <a:endParaRPr lang="ru-RU"/>
-          </a:p>
-        </p:txBody>
-      </p:sp>
-    </p:spTree>
-    <p:extLst>
-      <p:ext uri="{BB962C8B-B14F-4D97-AF65-F5344CB8AC3E}">
-        <p14:creationId xmlns:p14="http://schemas.microsoft.com/office/powerpoint/2010/main" val="1226178349"/>
-      </p:ext>
-    </p:extLst>
-  </p:cSld>
-  <p:clrMapOvr>
-    <a:masterClrMapping/>
-  </p:clrMapOvr>
-</p:notes>
-</file>
-
-<file path=ppt/notesSlides/notesSlide13.xml><?xml version="1.0" encoding="utf-8"?>
-<p:notes xmlns:a="http://schemas.openxmlformats.org/drawingml/2006/main" xmlns:r="http://schemas.openxmlformats.org/officeDocument/2006/relationships" xmlns:p="http://schemas.openxmlformats.org/presentationml/2006/main">
-  <p:cSld>
-    <p:spTree>
-      <p:nvGrpSpPr>
-        <p:cNvPr id="1" name=""/>
-        <p:cNvGrpSpPr/>
-        <p:nvPr/>
-      </p:nvGrpSpPr>
-      <p:grpSpPr>
-        <a:xfrm>
-          <a:off x="0" y="0"/>
-          <a:ext cx="0" cy="0"/>
-          <a:chOff x="0" y="0"/>
-          <a:chExt cx="0" cy="0"/>
-        </a:xfrm>
-      </p:grpSpPr>
-      <p:sp>
-        <p:nvSpPr>
-          <p:cNvPr id="2" name="Slide Image Placeholder 1"/>
-          <p:cNvSpPr>
-            <a:spLocks noGrp="1" noRot="1" noChangeAspect="1"/>
-          </p:cNvSpPr>
-          <p:nvPr>
-            <p:ph type="sldImg"/>
-          </p:nvPr>
-        </p:nvSpPr>
-        <p:spPr/>
-      </p:sp>
-      <p:sp>
-        <p:nvSpPr>
-          <p:cNvPr id="3" name="Notes Placeholder 2"/>
-          <p:cNvSpPr>
-            <a:spLocks noGrp="1"/>
-          </p:cNvSpPr>
-          <p:nvPr>
-            <p:ph type="body" idx="1"/>
-          </p:nvPr>
-        </p:nvSpPr>
-        <p:spPr/>
-        <p:txBody>
-          <a:bodyPr/>
-          <a:lstStyle/>
-          <a:p>
-            <a:r>
-              <a:rPr lang="en-US" dirty="0" smtClean="0"/>
-              <a:t>Nothing to do with</a:t>
-            </a:r>
-            <a:r>
-              <a:rPr lang="en-US" baseline="0" dirty="0" smtClean="0"/>
-              <a:t> java</a:t>
-            </a:r>
-          </a:p>
-          <a:p>
-            <a:r>
-              <a:rPr lang="en-US" baseline="0" dirty="0" smtClean="0"/>
-              <a:t>Not a scripting </a:t>
-            </a:r>
-            <a:r>
-              <a:rPr lang="en-US" baseline="0" dirty="0" err="1" smtClean="0"/>
-              <a:t>lang</a:t>
-            </a:r>
-            <a:r>
-              <a:rPr lang="en-US" baseline="0" dirty="0" smtClean="0"/>
-              <a:t> anymore</a:t>
-            </a:r>
-            <a:endParaRPr lang="en-US" dirty="0"/>
-          </a:p>
-        </p:txBody>
-      </p:sp>
-      <p:sp>
-        <p:nvSpPr>
-          <p:cNvPr id="4" name="Slide Number Placeholder 3"/>
-          <p:cNvSpPr>
-            <a:spLocks noGrp="1"/>
-          </p:cNvSpPr>
-          <p:nvPr>
-            <p:ph type="sldNum" sz="quarter" idx="10"/>
-          </p:nvPr>
-        </p:nvSpPr>
-        <p:spPr/>
-        <p:txBody>
-          <a:bodyPr/>
-          <a:lstStyle/>
-          <a:p>
-            <a:fld id="{DA8CAE91-5FC7-41E5-8054-44424FFBB7AB}" type="slidenum">
-              <a:rPr lang="ru-RU" smtClean="0"/>
-              <a:t>19</a:t>
-            </a:fld>
-            <a:endParaRPr lang="ru-RU"/>
-          </a:p>
-        </p:txBody>
-      </p:sp>
-    </p:spTree>
-    <p:extLst>
-      <p:ext uri="{BB962C8B-B14F-4D97-AF65-F5344CB8AC3E}">
-        <p14:creationId xmlns:p14="http://schemas.microsoft.com/office/powerpoint/2010/main" val="359482980"/>
-      </p:ext>
-    </p:extLst>
-  </p:cSld>
-  <p:clrMapOvr>
-    <a:masterClrMapping/>
-  </p:clrMapOvr>
-</p:notes>
-</file>
-
 <file path=ppt/notesSlides/notesSlide2.xml><?xml version="1.0" encoding="utf-8"?>
 <p:notes xmlns:a="http://schemas.openxmlformats.org/drawingml/2006/main" xmlns:r="http://schemas.openxmlformats.org/officeDocument/2006/relationships" xmlns:p="http://schemas.openxmlformats.org/presentationml/2006/main">
   <p:cSld>
@@ -1082,7 +654,7 @@
     </p:spTree>
     <p:extLst>
       <p:ext uri="{BB962C8B-B14F-4D97-AF65-F5344CB8AC3E}">
-        <p14:creationId xmlns:p14="http://schemas.microsoft.com/office/powerpoint/2010/main" val="1050277035"/>
+        <p14:creationId xmlns:p14="http://schemas.microsoft.com/office/powerpoint/2010/main" val="2938410662"/>
       </p:ext>
     </p:extLst>
   </p:cSld>
@@ -1174,7 +746,7 @@
     </p:spTree>
     <p:extLst>
       <p:ext uri="{BB962C8B-B14F-4D97-AF65-F5344CB8AC3E}">
-        <p14:creationId xmlns:p14="http://schemas.microsoft.com/office/powerpoint/2010/main" val="508674738"/>
+        <p14:creationId xmlns:p14="http://schemas.microsoft.com/office/powerpoint/2010/main" val="1050277035"/>
       </p:ext>
     </p:extLst>
   </p:cSld>
@@ -1266,467 +838,7 @@
     </p:spTree>
     <p:extLst>
       <p:ext uri="{BB962C8B-B14F-4D97-AF65-F5344CB8AC3E}">
-        <p14:creationId xmlns:p14="http://schemas.microsoft.com/office/powerpoint/2010/main" val="4275814761"/>
-      </p:ext>
-    </p:extLst>
-  </p:cSld>
-  <p:clrMapOvr>
-    <a:masterClrMapping/>
-  </p:clrMapOvr>
-</p:notes>
-</file>
-
-<file path=ppt/notesSlides/notesSlide5.xml><?xml version="1.0" encoding="utf-8"?>
-<p:notes xmlns:a="http://schemas.openxmlformats.org/drawingml/2006/main" xmlns:r="http://schemas.openxmlformats.org/officeDocument/2006/relationships" xmlns:p="http://schemas.openxmlformats.org/presentationml/2006/main">
-  <p:cSld>
-    <p:spTree>
-      <p:nvGrpSpPr>
-        <p:cNvPr id="1" name=""/>
-        <p:cNvGrpSpPr/>
-        <p:nvPr/>
-      </p:nvGrpSpPr>
-      <p:grpSpPr>
-        <a:xfrm>
-          <a:off x="0" y="0"/>
-          <a:ext cx="0" cy="0"/>
-          <a:chOff x="0" y="0"/>
-          <a:chExt cx="0" cy="0"/>
-        </a:xfrm>
-      </p:grpSpPr>
-      <p:sp>
-        <p:nvSpPr>
-          <p:cNvPr id="2" name="Slide Image Placeholder 1"/>
-          <p:cNvSpPr>
-            <a:spLocks noGrp="1" noRot="1" noChangeAspect="1"/>
-          </p:cNvSpPr>
-          <p:nvPr>
-            <p:ph type="sldImg"/>
-          </p:nvPr>
-        </p:nvSpPr>
-        <p:spPr/>
-      </p:sp>
-      <p:sp>
-        <p:nvSpPr>
-          <p:cNvPr id="3" name="Notes Placeholder 2"/>
-          <p:cNvSpPr>
-            <a:spLocks noGrp="1"/>
-          </p:cNvSpPr>
-          <p:nvPr>
-            <p:ph type="body" idx="1"/>
-          </p:nvPr>
-        </p:nvSpPr>
-        <p:spPr/>
-        <p:txBody>
-          <a:bodyPr/>
-          <a:lstStyle/>
-          <a:p>
-            <a:r>
-              <a:rPr lang="en-US" dirty="0" smtClean="0"/>
-              <a:t>make</a:t>
-            </a:r>
-            <a:r>
-              <a:rPr lang="en-US" baseline="0" dirty="0" smtClean="0"/>
-              <a:t> picture of ctrl + view</a:t>
-            </a:r>
-            <a:endParaRPr lang="ru-RU" dirty="0"/>
-          </a:p>
-        </p:txBody>
-      </p:sp>
-      <p:sp>
-        <p:nvSpPr>
-          <p:cNvPr id="4" name="Slide Number Placeholder 3"/>
-          <p:cNvSpPr>
-            <a:spLocks noGrp="1"/>
-          </p:cNvSpPr>
-          <p:nvPr>
-            <p:ph type="sldNum" sz="quarter" idx="10"/>
-          </p:nvPr>
-        </p:nvSpPr>
-        <p:spPr/>
-        <p:txBody>
-          <a:bodyPr/>
-          <a:lstStyle/>
-          <a:p>
-            <a:fld id="{DA8CAE91-5FC7-41E5-8054-44424FFBB7AB}" type="slidenum">
-              <a:rPr lang="ru-RU" smtClean="0"/>
-              <a:t>6</a:t>
-            </a:fld>
-            <a:endParaRPr lang="ru-RU"/>
-          </a:p>
-        </p:txBody>
-      </p:sp>
-    </p:spTree>
-    <p:extLst>
-      <p:ext uri="{BB962C8B-B14F-4D97-AF65-F5344CB8AC3E}">
-        <p14:creationId xmlns:p14="http://schemas.microsoft.com/office/powerpoint/2010/main" val="1631308460"/>
-      </p:ext>
-    </p:extLst>
-  </p:cSld>
-  <p:clrMapOvr>
-    <a:masterClrMapping/>
-  </p:clrMapOvr>
-</p:notes>
-</file>
-
-<file path=ppt/notesSlides/notesSlide6.xml><?xml version="1.0" encoding="utf-8"?>
-<p:notes xmlns:a="http://schemas.openxmlformats.org/drawingml/2006/main" xmlns:r="http://schemas.openxmlformats.org/officeDocument/2006/relationships" xmlns:p="http://schemas.openxmlformats.org/presentationml/2006/main">
-  <p:cSld>
-    <p:spTree>
-      <p:nvGrpSpPr>
-        <p:cNvPr id="1" name=""/>
-        <p:cNvGrpSpPr/>
-        <p:nvPr/>
-      </p:nvGrpSpPr>
-      <p:grpSpPr>
-        <a:xfrm>
-          <a:off x="0" y="0"/>
-          <a:ext cx="0" cy="0"/>
-          <a:chOff x="0" y="0"/>
-          <a:chExt cx="0" cy="0"/>
-        </a:xfrm>
-      </p:grpSpPr>
-      <p:sp>
-        <p:nvSpPr>
-          <p:cNvPr id="2" name="Slide Image Placeholder 1"/>
-          <p:cNvSpPr>
-            <a:spLocks noGrp="1" noRot="1" noChangeAspect="1"/>
-          </p:cNvSpPr>
-          <p:nvPr>
-            <p:ph type="sldImg"/>
-          </p:nvPr>
-        </p:nvSpPr>
-        <p:spPr/>
-      </p:sp>
-      <p:sp>
-        <p:nvSpPr>
-          <p:cNvPr id="3" name="Notes Placeholder 2"/>
-          <p:cNvSpPr>
-            <a:spLocks noGrp="1"/>
-          </p:cNvSpPr>
-          <p:nvPr>
-            <p:ph type="body" idx="1"/>
-          </p:nvPr>
-        </p:nvSpPr>
-        <p:spPr/>
-        <p:txBody>
-          <a:bodyPr/>
-          <a:lstStyle/>
-          <a:p>
-            <a:r>
-              <a:rPr lang="en-US" dirty="0" smtClean="0"/>
-              <a:t>make</a:t>
-            </a:r>
-            <a:r>
-              <a:rPr lang="en-US" baseline="0" dirty="0" smtClean="0"/>
-              <a:t> picture of ctrl + view</a:t>
-            </a:r>
-            <a:endParaRPr lang="ru-RU" dirty="0"/>
-          </a:p>
-        </p:txBody>
-      </p:sp>
-      <p:sp>
-        <p:nvSpPr>
-          <p:cNvPr id="4" name="Slide Number Placeholder 3"/>
-          <p:cNvSpPr>
-            <a:spLocks noGrp="1"/>
-          </p:cNvSpPr>
-          <p:nvPr>
-            <p:ph type="sldNum" sz="quarter" idx="10"/>
-          </p:nvPr>
-        </p:nvSpPr>
-        <p:spPr/>
-        <p:txBody>
-          <a:bodyPr/>
-          <a:lstStyle/>
-          <a:p>
-            <a:fld id="{DA8CAE91-5FC7-41E5-8054-44424FFBB7AB}" type="slidenum">
-              <a:rPr lang="ru-RU" smtClean="0"/>
-              <a:t>7</a:t>
-            </a:fld>
-            <a:endParaRPr lang="ru-RU"/>
-          </a:p>
-        </p:txBody>
-      </p:sp>
-    </p:spTree>
-    <p:extLst>
-      <p:ext uri="{BB962C8B-B14F-4D97-AF65-F5344CB8AC3E}">
-        <p14:creationId xmlns:p14="http://schemas.microsoft.com/office/powerpoint/2010/main" val="3500800206"/>
-      </p:ext>
-    </p:extLst>
-  </p:cSld>
-  <p:clrMapOvr>
-    <a:masterClrMapping/>
-  </p:clrMapOvr>
-</p:notes>
-</file>
-
-<file path=ppt/notesSlides/notesSlide7.xml><?xml version="1.0" encoding="utf-8"?>
-<p:notes xmlns:a="http://schemas.openxmlformats.org/drawingml/2006/main" xmlns:r="http://schemas.openxmlformats.org/officeDocument/2006/relationships" xmlns:p="http://schemas.openxmlformats.org/presentationml/2006/main">
-  <p:cSld>
-    <p:spTree>
-      <p:nvGrpSpPr>
-        <p:cNvPr id="1" name=""/>
-        <p:cNvGrpSpPr/>
-        <p:nvPr/>
-      </p:nvGrpSpPr>
-      <p:grpSpPr>
-        <a:xfrm>
-          <a:off x="0" y="0"/>
-          <a:ext cx="0" cy="0"/>
-          <a:chOff x="0" y="0"/>
-          <a:chExt cx="0" cy="0"/>
-        </a:xfrm>
-      </p:grpSpPr>
-      <p:sp>
-        <p:nvSpPr>
-          <p:cNvPr id="2" name="Slide Image Placeholder 1"/>
-          <p:cNvSpPr>
-            <a:spLocks noGrp="1" noRot="1" noChangeAspect="1"/>
-          </p:cNvSpPr>
-          <p:nvPr>
-            <p:ph type="sldImg"/>
-          </p:nvPr>
-        </p:nvSpPr>
-        <p:spPr/>
-      </p:sp>
-      <p:sp>
-        <p:nvSpPr>
-          <p:cNvPr id="3" name="Notes Placeholder 2"/>
-          <p:cNvSpPr>
-            <a:spLocks noGrp="1"/>
-          </p:cNvSpPr>
-          <p:nvPr>
-            <p:ph type="body" idx="1"/>
-          </p:nvPr>
-        </p:nvSpPr>
-        <p:spPr/>
-        <p:txBody>
-          <a:bodyPr/>
-          <a:lstStyle/>
-          <a:p>
-            <a:r>
-              <a:rPr lang="en-US" dirty="0" smtClean="0"/>
-              <a:t>make</a:t>
-            </a:r>
-            <a:r>
-              <a:rPr lang="en-US" baseline="0" dirty="0" smtClean="0"/>
-              <a:t> picture of ctrl + view</a:t>
-            </a:r>
-            <a:endParaRPr lang="ru-RU" dirty="0"/>
-          </a:p>
-        </p:txBody>
-      </p:sp>
-      <p:sp>
-        <p:nvSpPr>
-          <p:cNvPr id="4" name="Slide Number Placeholder 3"/>
-          <p:cNvSpPr>
-            <a:spLocks noGrp="1"/>
-          </p:cNvSpPr>
-          <p:nvPr>
-            <p:ph type="sldNum" sz="quarter" idx="10"/>
-          </p:nvPr>
-        </p:nvSpPr>
-        <p:spPr/>
-        <p:txBody>
-          <a:bodyPr/>
-          <a:lstStyle/>
-          <a:p>
-            <a:fld id="{DA8CAE91-5FC7-41E5-8054-44424FFBB7AB}" type="slidenum">
-              <a:rPr lang="ru-RU" smtClean="0"/>
-              <a:t>8</a:t>
-            </a:fld>
-            <a:endParaRPr lang="ru-RU"/>
-          </a:p>
-        </p:txBody>
-      </p:sp>
-    </p:spTree>
-    <p:extLst>
-      <p:ext uri="{BB962C8B-B14F-4D97-AF65-F5344CB8AC3E}">
-        <p14:creationId xmlns:p14="http://schemas.microsoft.com/office/powerpoint/2010/main" val="4149209114"/>
-      </p:ext>
-    </p:extLst>
-  </p:cSld>
-  <p:clrMapOvr>
-    <a:masterClrMapping/>
-  </p:clrMapOvr>
-</p:notes>
-</file>
-
-<file path=ppt/notesSlides/notesSlide8.xml><?xml version="1.0" encoding="utf-8"?>
-<p:notes xmlns:a="http://schemas.openxmlformats.org/drawingml/2006/main" xmlns:r="http://schemas.openxmlformats.org/officeDocument/2006/relationships" xmlns:p="http://schemas.openxmlformats.org/presentationml/2006/main">
-  <p:cSld>
-    <p:spTree>
-      <p:nvGrpSpPr>
-        <p:cNvPr id="1" name=""/>
-        <p:cNvGrpSpPr/>
-        <p:nvPr/>
-      </p:nvGrpSpPr>
-      <p:grpSpPr>
-        <a:xfrm>
-          <a:off x="0" y="0"/>
-          <a:ext cx="0" cy="0"/>
-          <a:chOff x="0" y="0"/>
-          <a:chExt cx="0" cy="0"/>
-        </a:xfrm>
-      </p:grpSpPr>
-      <p:sp>
-        <p:nvSpPr>
-          <p:cNvPr id="2" name="Slide Image Placeholder 1"/>
-          <p:cNvSpPr>
-            <a:spLocks noGrp="1" noRot="1" noChangeAspect="1"/>
-          </p:cNvSpPr>
-          <p:nvPr>
-            <p:ph type="sldImg"/>
-          </p:nvPr>
-        </p:nvSpPr>
-        <p:spPr/>
-      </p:sp>
-      <p:sp>
-        <p:nvSpPr>
-          <p:cNvPr id="3" name="Notes Placeholder 2"/>
-          <p:cNvSpPr>
-            <a:spLocks noGrp="1"/>
-          </p:cNvSpPr>
-          <p:nvPr>
-            <p:ph type="body" idx="1"/>
-          </p:nvPr>
-        </p:nvSpPr>
-        <p:spPr/>
-        <p:txBody>
-          <a:bodyPr/>
-          <a:lstStyle/>
-          <a:p>
-            <a:r>
-              <a:rPr lang="en-US" dirty="0" smtClean="0"/>
-              <a:t>make</a:t>
-            </a:r>
-            <a:r>
-              <a:rPr lang="en-US" baseline="0" dirty="0" smtClean="0"/>
-              <a:t> picture of ctrl + view</a:t>
-            </a:r>
-            <a:endParaRPr lang="ru-RU" dirty="0"/>
-          </a:p>
-        </p:txBody>
-      </p:sp>
-      <p:sp>
-        <p:nvSpPr>
-          <p:cNvPr id="4" name="Slide Number Placeholder 3"/>
-          <p:cNvSpPr>
-            <a:spLocks noGrp="1"/>
-          </p:cNvSpPr>
-          <p:nvPr>
-            <p:ph type="sldNum" sz="quarter" idx="10"/>
-          </p:nvPr>
-        </p:nvSpPr>
-        <p:spPr/>
-        <p:txBody>
-          <a:bodyPr/>
-          <a:lstStyle/>
-          <a:p>
-            <a:fld id="{DA8CAE91-5FC7-41E5-8054-44424FFBB7AB}" type="slidenum">
-              <a:rPr lang="ru-RU" smtClean="0"/>
-              <a:t>9</a:t>
-            </a:fld>
-            <a:endParaRPr lang="ru-RU"/>
-          </a:p>
-        </p:txBody>
-      </p:sp>
-    </p:spTree>
-    <p:extLst>
-      <p:ext uri="{BB962C8B-B14F-4D97-AF65-F5344CB8AC3E}">
-        <p14:creationId xmlns:p14="http://schemas.microsoft.com/office/powerpoint/2010/main" val="2208590362"/>
-      </p:ext>
-    </p:extLst>
-  </p:cSld>
-  <p:clrMapOvr>
-    <a:masterClrMapping/>
-  </p:clrMapOvr>
-</p:notes>
-</file>
-
-<file path=ppt/notesSlides/notesSlide9.xml><?xml version="1.0" encoding="utf-8"?>
-<p:notes xmlns:a="http://schemas.openxmlformats.org/drawingml/2006/main" xmlns:r="http://schemas.openxmlformats.org/officeDocument/2006/relationships" xmlns:p="http://schemas.openxmlformats.org/presentationml/2006/main">
-  <p:cSld>
-    <p:spTree>
-      <p:nvGrpSpPr>
-        <p:cNvPr id="1" name=""/>
-        <p:cNvGrpSpPr/>
-        <p:nvPr/>
-      </p:nvGrpSpPr>
-      <p:grpSpPr>
-        <a:xfrm>
-          <a:off x="0" y="0"/>
-          <a:ext cx="0" cy="0"/>
-          <a:chOff x="0" y="0"/>
-          <a:chExt cx="0" cy="0"/>
-        </a:xfrm>
-      </p:grpSpPr>
-      <p:sp>
-        <p:nvSpPr>
-          <p:cNvPr id="2" name="Slide Image Placeholder 1"/>
-          <p:cNvSpPr>
-            <a:spLocks noGrp="1" noRot="1" noChangeAspect="1"/>
-          </p:cNvSpPr>
-          <p:nvPr>
-            <p:ph type="sldImg"/>
-          </p:nvPr>
-        </p:nvSpPr>
-        <p:spPr/>
-      </p:sp>
-      <p:sp>
-        <p:nvSpPr>
-          <p:cNvPr id="3" name="Notes Placeholder 2"/>
-          <p:cNvSpPr>
-            <a:spLocks noGrp="1"/>
-          </p:cNvSpPr>
-          <p:nvPr>
-            <p:ph type="body" idx="1"/>
-          </p:nvPr>
-        </p:nvSpPr>
-        <p:spPr/>
-        <p:txBody>
-          <a:bodyPr/>
-          <a:lstStyle/>
-          <a:p>
-            <a:r>
-              <a:rPr lang="en-US" dirty="0" smtClean="0"/>
-              <a:t>make</a:t>
-            </a:r>
-            <a:r>
-              <a:rPr lang="en-US" baseline="0" dirty="0" smtClean="0"/>
-              <a:t> picture of ctrl + view</a:t>
-            </a:r>
-            <a:endParaRPr lang="ru-RU" dirty="0"/>
-          </a:p>
-        </p:txBody>
-      </p:sp>
-      <p:sp>
-        <p:nvSpPr>
-          <p:cNvPr id="4" name="Slide Number Placeholder 3"/>
-          <p:cNvSpPr>
-            <a:spLocks noGrp="1"/>
-          </p:cNvSpPr>
-          <p:nvPr>
-            <p:ph type="sldNum" sz="quarter" idx="10"/>
-          </p:nvPr>
-        </p:nvSpPr>
-        <p:spPr/>
-        <p:txBody>
-          <a:bodyPr/>
-          <a:lstStyle/>
-          <a:p>
-            <a:fld id="{DA8CAE91-5FC7-41E5-8054-44424FFBB7AB}" type="slidenum">
-              <a:rPr lang="ru-RU" smtClean="0"/>
-              <a:t>10</a:t>
-            </a:fld>
-            <a:endParaRPr lang="ru-RU"/>
-          </a:p>
-        </p:txBody>
-      </p:sp>
-    </p:spTree>
-    <p:extLst>
-      <p:ext uri="{BB962C8B-B14F-4D97-AF65-F5344CB8AC3E}">
-        <p14:creationId xmlns:p14="http://schemas.microsoft.com/office/powerpoint/2010/main" val="4140982790"/>
+        <p14:creationId xmlns:p14="http://schemas.microsoft.com/office/powerpoint/2010/main" val="508674738"/>
       </p:ext>
     </p:extLst>
   </p:cSld>
@@ -1918,7 +1030,7 @@
             <a:fld id="{1D8BD707-D9CF-40AE-B4C6-C98DA3205C09}" type="datetimeFigureOut">
               <a:rPr lang="en-US" smtClean="0"/>
               <a:pPr/>
-              <a:t>11/17/2016</a:t>
+              <a:t>11/18/2016</a:t>
             </a:fld>
             <a:endParaRPr lang="en-US"/>
           </a:p>
@@ -2085,7 +1197,7 @@
             <a:fld id="{1D8BD707-D9CF-40AE-B4C6-C98DA3205C09}" type="datetimeFigureOut">
               <a:rPr lang="en-US" smtClean="0"/>
               <a:pPr/>
-              <a:t>11/17/2016</a:t>
+              <a:t>11/18/2016</a:t>
             </a:fld>
             <a:endParaRPr lang="en-US"/>
           </a:p>
@@ -2262,7 +1374,7 @@
             <a:fld id="{1D8BD707-D9CF-40AE-B4C6-C98DA3205C09}" type="datetimeFigureOut">
               <a:rPr lang="en-US" smtClean="0"/>
               <a:pPr/>
-              <a:t>11/17/2016</a:t>
+              <a:t>11/18/2016</a:t>
             </a:fld>
             <a:endParaRPr lang="en-US"/>
           </a:p>
@@ -2429,7 +1541,7 @@
             <a:fld id="{1D8BD707-D9CF-40AE-B4C6-C98DA3205C09}" type="datetimeFigureOut">
               <a:rPr lang="en-US" smtClean="0"/>
               <a:pPr/>
-              <a:t>11/17/2016</a:t>
+              <a:t>11/18/2016</a:t>
             </a:fld>
             <a:endParaRPr lang="en-US"/>
           </a:p>
@@ -2672,7 +1784,7 @@
             <a:fld id="{1D8BD707-D9CF-40AE-B4C6-C98DA3205C09}" type="datetimeFigureOut">
               <a:rPr lang="en-US" smtClean="0"/>
               <a:pPr/>
-              <a:t>11/17/2016</a:t>
+              <a:t>11/18/2016</a:t>
             </a:fld>
             <a:endParaRPr lang="en-US"/>
           </a:p>
@@ -2957,7 +2069,7 @@
             <a:fld id="{1D8BD707-D9CF-40AE-B4C6-C98DA3205C09}" type="datetimeFigureOut">
               <a:rPr lang="en-US" smtClean="0"/>
               <a:pPr/>
-              <a:t>11/17/2016</a:t>
+              <a:t>11/18/2016</a:t>
             </a:fld>
             <a:endParaRPr lang="en-US"/>
           </a:p>
@@ -3376,7 +2488,7 @@
             <a:fld id="{1D8BD707-D9CF-40AE-B4C6-C98DA3205C09}" type="datetimeFigureOut">
               <a:rPr lang="en-US" smtClean="0"/>
               <a:pPr/>
-              <a:t>11/17/2016</a:t>
+              <a:t>11/18/2016</a:t>
             </a:fld>
             <a:endParaRPr lang="en-US"/>
           </a:p>
@@ -3491,7 +2603,7 @@
             <a:fld id="{1D8BD707-D9CF-40AE-B4C6-C98DA3205C09}" type="datetimeFigureOut">
               <a:rPr lang="en-US" smtClean="0"/>
               <a:pPr/>
-              <a:t>11/17/2016</a:t>
+              <a:t>11/18/2016</a:t>
             </a:fld>
             <a:endParaRPr lang="en-US"/>
           </a:p>
@@ -3583,7 +2695,7 @@
             <a:fld id="{1D8BD707-D9CF-40AE-B4C6-C98DA3205C09}" type="datetimeFigureOut">
               <a:rPr lang="en-US" smtClean="0"/>
               <a:pPr/>
-              <a:t>11/17/2016</a:t>
+              <a:t>11/18/2016</a:t>
             </a:fld>
             <a:endParaRPr lang="en-US"/>
           </a:p>
@@ -3857,7 +2969,7 @@
             <a:fld id="{1D8BD707-D9CF-40AE-B4C6-C98DA3205C09}" type="datetimeFigureOut">
               <a:rPr lang="en-US" smtClean="0"/>
               <a:pPr/>
-              <a:t>11/17/2016</a:t>
+              <a:t>11/18/2016</a:t>
             </a:fld>
             <a:endParaRPr lang="en-US"/>
           </a:p>
@@ -4107,7 +3219,7 @@
             <a:fld id="{1D8BD707-D9CF-40AE-B4C6-C98DA3205C09}" type="datetimeFigureOut">
               <a:rPr lang="en-US" smtClean="0"/>
               <a:pPr/>
-              <a:t>11/17/2016</a:t>
+              <a:t>11/18/2016</a:t>
             </a:fld>
             <a:endParaRPr lang="en-US"/>
           </a:p>
@@ -4320,7 +3432,7 @@
             <a:fld id="{1D8BD707-D9CF-40AE-B4C6-C98DA3205C09}" type="datetimeFigureOut">
               <a:rPr lang="en-US" smtClean="0"/>
               <a:pPr/>
-              <a:t>11/17/2016</a:t>
+              <a:t>11/18/2016</a:t>
             </a:fld>
             <a:endParaRPr lang="en-US"/>
           </a:p>
@@ -4791,1902 +3903,6 @@
 </p:sld>
 </file>
 
-<file path=ppt/slides/slide10.xml><?xml version="1.0" encoding="utf-8"?>
-<p:sld xmlns:a="http://schemas.openxmlformats.org/drawingml/2006/main" xmlns:r="http://schemas.openxmlformats.org/officeDocument/2006/relationships" xmlns:p="http://schemas.openxmlformats.org/presentationml/2006/main">
-  <p:cSld>
-    <p:spTree>
-      <p:nvGrpSpPr>
-        <p:cNvPr id="1" name=""/>
-        <p:cNvGrpSpPr/>
-        <p:nvPr/>
-      </p:nvGrpSpPr>
-      <p:grpSpPr>
-        <a:xfrm>
-          <a:off x="0" y="0"/>
-          <a:ext cx="0" cy="0"/>
-          <a:chOff x="0" y="0"/>
-          <a:chExt cx="0" cy="0"/>
-        </a:xfrm>
-      </p:grpSpPr>
-      <p:sp>
-        <p:nvSpPr>
-          <p:cNvPr id="2" name="Title 1"/>
-          <p:cNvSpPr>
-            <a:spLocks noGrp="1"/>
-          </p:cNvSpPr>
-          <p:nvPr>
-            <p:ph type="title"/>
-          </p:nvPr>
-        </p:nvSpPr>
-        <p:spPr/>
-        <p:txBody>
-          <a:bodyPr/>
-          <a:lstStyle/>
-          <a:p>
-            <a:r>
-              <a:rPr lang="en-US" dirty="0" smtClean="0">
-                <a:latin typeface="Courier New" panose="02070309020205020404" pitchFamily="49" charset="0"/>
-                <a:cs typeface="Courier New" panose="02070309020205020404" pitchFamily="49" charset="0"/>
-              </a:rPr>
-              <a:t>$ build-in services</a:t>
-            </a:r>
-            <a:endParaRPr lang="ru-RU" dirty="0">
-              <a:latin typeface="Courier New" panose="02070309020205020404" pitchFamily="49" charset="0"/>
-              <a:cs typeface="Courier New" panose="02070309020205020404" pitchFamily="49" charset="0"/>
-            </a:endParaRPr>
-          </a:p>
-        </p:txBody>
-      </p:sp>
-      <p:sp>
-        <p:nvSpPr>
-          <p:cNvPr id="3" name="Content Placeholder 2"/>
-          <p:cNvSpPr>
-            <a:spLocks noGrp="1"/>
-          </p:cNvSpPr>
-          <p:nvPr>
-            <p:ph idx="1"/>
-          </p:nvPr>
-        </p:nvSpPr>
-        <p:spPr>
-          <a:xfrm>
-            <a:off x="457200" y="1600200"/>
-            <a:ext cx="8229600" cy="3809999"/>
-          </a:xfrm>
-        </p:spPr>
-        <p:txBody>
-          <a:bodyPr>
-            <a:normAutofit/>
-          </a:bodyPr>
-          <a:lstStyle/>
-          <a:p>
-            <a:r>
-              <a:rPr lang="en-US" dirty="0" smtClean="0"/>
-              <a:t>services are lazy-initialized</a:t>
-            </a:r>
-          </a:p>
-          <a:p>
-            <a:r>
-              <a:rPr lang="en-US" dirty="0" smtClean="0"/>
-              <a:t>build-in services always start with </a:t>
-            </a:r>
-            <a:r>
-              <a:rPr lang="en-US" dirty="0" smtClean="0">
-                <a:latin typeface="Courier New" panose="02070309020205020404" pitchFamily="49" charset="0"/>
-                <a:cs typeface="Courier New" panose="02070309020205020404" pitchFamily="49" charset="0"/>
-              </a:rPr>
-              <a:t>$</a:t>
-            </a:r>
-          </a:p>
-          <a:p>
-            <a:endParaRPr lang="ru-RU" dirty="0">
-              <a:latin typeface="+mj-lt"/>
-              <a:cs typeface="Courier New" panose="02070309020205020404" pitchFamily="49" charset="0"/>
-            </a:endParaRPr>
-          </a:p>
-        </p:txBody>
-      </p:sp>
-    </p:spTree>
-    <p:extLst>
-      <p:ext uri="{BB962C8B-B14F-4D97-AF65-F5344CB8AC3E}">
-        <p14:creationId xmlns:p14="http://schemas.microsoft.com/office/powerpoint/2010/main" val="1584952820"/>
-      </p:ext>
-    </p:extLst>
-  </p:cSld>
-  <p:clrMapOvr>
-    <a:masterClrMapping/>
-  </p:clrMapOvr>
-  <mc:AlternateContent xmlns:mc="http://schemas.openxmlformats.org/markup-compatibility/2006" xmlns:p14="http://schemas.microsoft.com/office/powerpoint/2010/main">
-    <mc:Choice Requires="p14">
-      <p:transition spd="slow" p14:dur="2000"/>
-    </mc:Choice>
-    <mc:Fallback xmlns="">
-      <p:transition spd="slow"/>
-    </mc:Fallback>
-  </mc:AlternateContent>
-  <p:timing>
-    <p:tnLst>
-      <p:par>
-        <p:cTn id="1" dur="indefinite" restart="never" nodeType="tmRoot"/>
-      </p:par>
-    </p:tnLst>
-  </p:timing>
-</p:sld>
-</file>
-
-<file path=ppt/slides/slide11.xml><?xml version="1.0" encoding="utf-8"?>
-<p:sld xmlns:a="http://schemas.openxmlformats.org/drawingml/2006/main" xmlns:r="http://schemas.openxmlformats.org/officeDocument/2006/relationships" xmlns:p="http://schemas.openxmlformats.org/presentationml/2006/main">
-  <p:cSld>
-    <p:spTree>
-      <p:nvGrpSpPr>
-        <p:cNvPr id="1" name=""/>
-        <p:cNvGrpSpPr/>
-        <p:nvPr/>
-      </p:nvGrpSpPr>
-      <p:grpSpPr>
-        <a:xfrm>
-          <a:off x="0" y="0"/>
-          <a:ext cx="0" cy="0"/>
-          <a:chOff x="0" y="0"/>
-          <a:chExt cx="0" cy="0"/>
-        </a:xfrm>
-      </p:grpSpPr>
-      <p:sp>
-        <p:nvSpPr>
-          <p:cNvPr id="2" name="Title 1"/>
-          <p:cNvSpPr>
-            <a:spLocks noGrp="1"/>
-          </p:cNvSpPr>
-          <p:nvPr>
-            <p:ph type="title"/>
-          </p:nvPr>
-        </p:nvSpPr>
-        <p:spPr/>
-        <p:txBody>
-          <a:bodyPr/>
-          <a:lstStyle/>
-          <a:p>
-            <a:r>
-              <a:rPr lang="en-US" dirty="0" smtClean="0">
-                <a:latin typeface="Courier New" panose="02070309020205020404" pitchFamily="49" charset="0"/>
-                <a:cs typeface="Courier New" panose="02070309020205020404" pitchFamily="49" charset="0"/>
-              </a:rPr>
-              <a:t>Application lifecycle</a:t>
-            </a:r>
-            <a:endParaRPr lang="ru-RU" dirty="0">
-              <a:latin typeface="Courier New" panose="02070309020205020404" pitchFamily="49" charset="0"/>
-              <a:cs typeface="Courier New" panose="02070309020205020404" pitchFamily="49" charset="0"/>
-            </a:endParaRPr>
-          </a:p>
-        </p:txBody>
-      </p:sp>
-      <p:sp>
-        <p:nvSpPr>
-          <p:cNvPr id="3" name="Content Placeholder 2"/>
-          <p:cNvSpPr>
-            <a:spLocks noGrp="1"/>
-          </p:cNvSpPr>
-          <p:nvPr>
-            <p:ph idx="1"/>
-          </p:nvPr>
-        </p:nvSpPr>
-        <p:spPr/>
-        <p:txBody>
-          <a:bodyPr/>
-          <a:lstStyle/>
-          <a:p>
-            <a:r>
-              <a:rPr lang="en-US" dirty="0" smtClean="0"/>
-              <a:t>starts the app, creates $</a:t>
-            </a:r>
-            <a:r>
-              <a:rPr lang="en-US" dirty="0" err="1" smtClean="0"/>
-              <a:t>rootScope</a:t>
-            </a:r>
-            <a:endParaRPr lang="en-US" dirty="0" smtClean="0"/>
-          </a:p>
-          <a:p>
-            <a:r>
-              <a:rPr lang="en-US" dirty="0" smtClean="0"/>
-              <a:t>“compiles” the DOM, searches for directives</a:t>
-            </a:r>
-          </a:p>
-          <a:p>
-            <a:r>
-              <a:rPr lang="en-US" dirty="0" smtClean="0"/>
-              <a:t>creates the scopes tree that “mirrors” the DOM</a:t>
-            </a:r>
-            <a:endParaRPr lang="ru-RU" dirty="0"/>
-          </a:p>
-        </p:txBody>
-      </p:sp>
-    </p:spTree>
-    <p:extLst>
-      <p:ext uri="{BB962C8B-B14F-4D97-AF65-F5344CB8AC3E}">
-        <p14:creationId xmlns:p14="http://schemas.microsoft.com/office/powerpoint/2010/main" val="1797790202"/>
-      </p:ext>
-    </p:extLst>
-  </p:cSld>
-  <p:clrMapOvr>
-    <a:masterClrMapping/>
-  </p:clrMapOvr>
-  <p:timing>
-    <p:tnLst>
-      <p:par>
-        <p:cTn id="1" dur="indefinite" restart="never" nodeType="tmRoot"/>
-      </p:par>
-    </p:tnLst>
-  </p:timing>
-</p:sld>
-</file>
-
-<file path=ppt/slides/slide12.xml><?xml version="1.0" encoding="utf-8"?>
-<p:sld xmlns:a="http://schemas.openxmlformats.org/drawingml/2006/main" xmlns:r="http://schemas.openxmlformats.org/officeDocument/2006/relationships" xmlns:p="http://schemas.openxmlformats.org/presentationml/2006/main">
-  <p:cSld>
-    <p:spTree>
-      <p:nvGrpSpPr>
-        <p:cNvPr id="1" name=""/>
-        <p:cNvGrpSpPr/>
-        <p:nvPr/>
-      </p:nvGrpSpPr>
-      <p:grpSpPr>
-        <a:xfrm>
-          <a:off x="0" y="0"/>
-          <a:ext cx="0" cy="0"/>
-          <a:chOff x="0" y="0"/>
-          <a:chExt cx="0" cy="0"/>
-        </a:xfrm>
-      </p:grpSpPr>
-      <p:sp>
-        <p:nvSpPr>
-          <p:cNvPr id="2" name="Title 1"/>
-          <p:cNvSpPr>
-            <a:spLocks noGrp="1"/>
-          </p:cNvSpPr>
-          <p:nvPr>
-            <p:ph type="title"/>
-          </p:nvPr>
-        </p:nvSpPr>
-        <p:spPr/>
-        <p:txBody>
-          <a:bodyPr/>
-          <a:lstStyle/>
-          <a:p>
-            <a:r>
-              <a:rPr lang="en-US" dirty="0" smtClean="0">
-                <a:latin typeface="Courier New" panose="02070309020205020404" pitchFamily="49" charset="0"/>
-                <a:cs typeface="Courier New" panose="02070309020205020404" pitchFamily="49" charset="0"/>
-              </a:rPr>
-              <a:t>Modules</a:t>
-            </a:r>
-            <a:endParaRPr lang="ru-RU" dirty="0">
-              <a:latin typeface="Courier New" panose="02070309020205020404" pitchFamily="49" charset="0"/>
-              <a:cs typeface="Courier New" panose="02070309020205020404" pitchFamily="49" charset="0"/>
-            </a:endParaRPr>
-          </a:p>
-        </p:txBody>
-      </p:sp>
-      <p:sp>
-        <p:nvSpPr>
-          <p:cNvPr id="3" name="Content Placeholder 2"/>
-          <p:cNvSpPr>
-            <a:spLocks noGrp="1"/>
-          </p:cNvSpPr>
-          <p:nvPr>
-            <p:ph idx="1"/>
-          </p:nvPr>
-        </p:nvSpPr>
-        <p:spPr>
-          <a:xfrm>
-            <a:off x="457200" y="1600201"/>
-            <a:ext cx="8229600" cy="755400"/>
-          </a:xfrm>
-        </p:spPr>
-        <p:txBody>
-          <a:bodyPr>
-            <a:normAutofit/>
-          </a:bodyPr>
-          <a:lstStyle/>
-          <a:p>
-            <a:pPr marL="0" indent="0">
-              <a:buNone/>
-            </a:pPr>
-            <a:r>
-              <a:rPr lang="en-US" sz="1600" dirty="0" smtClean="0">
-                <a:latin typeface="Courier New" panose="02070309020205020404" pitchFamily="49" charset="0"/>
-                <a:cs typeface="Courier New" panose="02070309020205020404" pitchFamily="49" charset="0"/>
-              </a:rPr>
-              <a:t>create model with 2 arguments</a:t>
-            </a:r>
-            <a:endParaRPr lang="ru-RU" sz="1600" dirty="0">
-              <a:latin typeface="Courier New" panose="02070309020205020404" pitchFamily="49" charset="0"/>
-              <a:cs typeface="Courier New" panose="02070309020205020404" pitchFamily="49" charset="0"/>
-            </a:endParaRPr>
-          </a:p>
-        </p:txBody>
-      </p:sp>
-      <p:sp>
-        <p:nvSpPr>
-          <p:cNvPr id="13" name="Rectangle 9"/>
-          <p:cNvSpPr>
-            <a:spLocks noChangeArrowheads="1"/>
-          </p:cNvSpPr>
-          <p:nvPr/>
-        </p:nvSpPr>
-        <p:spPr bwMode="auto">
-          <a:xfrm>
-            <a:off x="0" y="2057400"/>
-            <a:ext cx="9144000" cy="540000"/>
-          </a:xfrm>
-          <a:prstGeom prst="rect">
-            <a:avLst/>
-          </a:prstGeom>
-          <a:solidFill>
-            <a:srgbClr val="FFFFFF"/>
-          </a:solidFill>
-          <a:ln w="3175" cap="rnd" cmpd="dbl">
-            <a:solidFill>
-              <a:schemeClr val="bg1">
-                <a:lumMod val="95000"/>
-              </a:schemeClr>
-            </a:solidFill>
-            <a:bevel/>
-            <a:headEnd/>
-            <a:tailEnd/>
-          </a:ln>
-          <a:effectLst/>
-          <a:extLst>
-            <a:ext uri="{AF507438-7753-43E0-B8FC-AC1667EBCBE1}">
-              <a14:hiddenEffects xmlns:a14="http://schemas.microsoft.com/office/drawing/2010/main">
-                <a:effectLst>
-                  <a:outerShdw dist="35921" dir="2700000" algn="ctr" rotWithShape="0">
-                    <a:schemeClr val="bg2"/>
-                  </a:outerShdw>
-                </a:effectLst>
-              </a14:hiddenEffects>
-            </a:ext>
-          </a:extLst>
-        </p:spPr>
-        <p:txBody>
-          <a:bodyPr vert="horz" wrap="square" lIns="91440" tIns="45720" rIns="91440" bIns="45720" numCol="1" anchor="ctr" anchorCtr="0" compatLnSpc="1">
-            <a:prstTxWarp prst="textNoShape">
-              <a:avLst/>
-            </a:prstTxWarp>
-            <a:spAutoFit/>
-          </a:bodyPr>
-          <a:lstStyle/>
-          <a:p>
-            <a:pPr lvl="0" eaLnBrk="0" fontAlgn="base" hangingPunct="0">
-              <a:spcBef>
-                <a:spcPct val="0"/>
-              </a:spcBef>
-              <a:spcAft>
-                <a:spcPct val="0"/>
-              </a:spcAft>
-            </a:pPr>
-            <a:r>
-              <a:rPr lang="en-US" altLang="en-US" sz="1400" b="1" dirty="0" err="1">
-                <a:solidFill>
-                  <a:srgbClr val="660E7A"/>
-                </a:solidFill>
-                <a:latin typeface="Courier New" panose="02070309020205020404" pitchFamily="49" charset="0"/>
-                <a:cs typeface="Courier New" panose="02070309020205020404" pitchFamily="49" charset="0"/>
-              </a:rPr>
-              <a:t>angular</a:t>
-            </a:r>
-            <a:r>
-              <a:rPr kumimoji="0" lang="en-US" altLang="en-US" sz="1400" b="0" i="0" u="none" strike="noStrike" cap="none" normalizeH="0" baseline="0" dirty="0" err="1" smtClean="0">
-                <a:ln>
-                  <a:noFill/>
-                </a:ln>
-                <a:solidFill>
-                  <a:srgbClr val="000000"/>
-                </a:solidFill>
-                <a:effectLst>
-                  <a:reflection endPos="0" dist="50800" dir="5400000" sy="-100000" algn="bl" rotWithShape="0"/>
-                </a:effectLst>
-                <a:latin typeface="Courier New" panose="02070309020205020404" pitchFamily="49" charset="0"/>
-                <a:cs typeface="Courier New" panose="02070309020205020404" pitchFamily="49" charset="0"/>
-              </a:rPr>
-              <a:t>.module</a:t>
-            </a:r>
-            <a:r>
-              <a:rPr kumimoji="0" lang="en-US" altLang="en-US" sz="1400" b="0" i="0" u="none" strike="noStrike" cap="none" normalizeH="0" baseline="0" dirty="0" smtClean="0">
-                <a:ln>
-                  <a:noFill/>
-                </a:ln>
-                <a:solidFill>
-                  <a:srgbClr val="000000"/>
-                </a:solidFill>
-                <a:effectLst>
-                  <a:reflection endPos="0" dist="50800" dir="5400000" sy="-100000" algn="bl" rotWithShape="0"/>
-                </a:effectLst>
-                <a:latin typeface="Courier New" panose="02070309020205020404" pitchFamily="49" charset="0"/>
-                <a:cs typeface="Courier New" panose="02070309020205020404" pitchFamily="49" charset="0"/>
-              </a:rPr>
-              <a:t>(</a:t>
-            </a:r>
-            <a:r>
-              <a:rPr kumimoji="0" lang="en-US" altLang="en-US" sz="1400" b="1" i="0" u="none" strike="noStrike" cap="none" normalizeH="0" baseline="0" dirty="0" smtClean="0">
-                <a:ln>
-                  <a:noFill/>
-                </a:ln>
-                <a:solidFill>
-                  <a:srgbClr val="008000"/>
-                </a:solidFill>
-                <a:effectLst>
-                  <a:reflection endPos="0" dist="50800" dir="5400000" sy="-100000" algn="bl" rotWithShape="0"/>
-                </a:effectLst>
-                <a:latin typeface="Courier New" panose="02070309020205020404" pitchFamily="49" charset="0"/>
-                <a:cs typeface="Courier New" panose="02070309020205020404" pitchFamily="49" charset="0"/>
-              </a:rPr>
-              <a:t>‘app'</a:t>
-            </a:r>
-            <a:r>
-              <a:rPr kumimoji="0" lang="en-US" altLang="en-US" sz="1400" b="0" i="0" u="none" strike="noStrike" cap="none" normalizeH="0" baseline="0" dirty="0" smtClean="0">
-                <a:ln>
-                  <a:noFill/>
-                </a:ln>
-                <a:solidFill>
-                  <a:srgbClr val="000000"/>
-                </a:solidFill>
-                <a:effectLst>
-                  <a:reflection endPos="0" dist="50800" dir="5400000" sy="-100000" algn="bl" rotWithShape="0"/>
-                </a:effectLst>
-                <a:latin typeface="Courier New" panose="02070309020205020404" pitchFamily="49" charset="0"/>
-                <a:cs typeface="Courier New" panose="02070309020205020404" pitchFamily="49" charset="0"/>
-              </a:rPr>
-              <a:t>, []);</a:t>
-            </a:r>
-            <a:endParaRPr kumimoji="0" lang="en-US" altLang="en-US" sz="3200" b="0" i="0" u="none" strike="noStrike" cap="none" normalizeH="0" baseline="0" dirty="0" smtClean="0">
-              <a:ln>
-                <a:noFill/>
-              </a:ln>
-              <a:solidFill>
-                <a:schemeClr val="tx1"/>
-              </a:solidFill>
-              <a:effectLst>
-                <a:reflection endPos="0" dist="50800" dir="5400000" sy="-100000" algn="bl" rotWithShape="0"/>
-              </a:effectLst>
-              <a:latin typeface="Arial" panose="020B0604020202020204" pitchFamily="34" charset="0"/>
-            </a:endParaRPr>
-          </a:p>
-        </p:txBody>
-      </p:sp>
-      <p:sp>
-        <p:nvSpPr>
-          <p:cNvPr id="15" name="Rectangle 9"/>
-          <p:cNvSpPr>
-            <a:spLocks noChangeArrowheads="1"/>
-          </p:cNvSpPr>
-          <p:nvPr/>
-        </p:nvSpPr>
-        <p:spPr bwMode="auto">
-          <a:xfrm>
-            <a:off x="0" y="4343400"/>
-            <a:ext cx="9144000" cy="738664"/>
-          </a:xfrm>
-          <a:prstGeom prst="rect">
-            <a:avLst/>
-          </a:prstGeom>
-          <a:solidFill>
-            <a:srgbClr val="FFFFFF"/>
-          </a:solidFill>
-          <a:ln>
-            <a:noFill/>
-          </a:ln>
-          <a:effectLst/>
-          <a:extLst>
-            <a:ext uri="{91240B29-F687-4F45-9708-019B960494DF}">
-              <a14:hiddenLine xmlns:a14="http://schemas.microsoft.com/office/drawing/2010/main" w="9525">
-                <a:solidFill>
-                  <a:schemeClr val="tx1"/>
-                </a:solidFill>
-                <a:miter lim="800000"/>
-                <a:headEnd/>
-                <a:tailEnd/>
-              </a14:hiddenLine>
-            </a:ext>
-            <a:ext uri="{AF507438-7753-43E0-B8FC-AC1667EBCBE1}">
-              <a14:hiddenEffects xmlns:a14="http://schemas.microsoft.com/office/drawing/2010/main">
-                <a:effectLst>
-                  <a:outerShdw dist="35921" dir="2700000" algn="ctr" rotWithShape="0">
-                    <a:schemeClr val="bg2"/>
-                  </a:outerShdw>
-                </a:effectLst>
-              </a14:hiddenEffects>
-            </a:ext>
-          </a:extLst>
-        </p:spPr>
-        <p:txBody>
-          <a:bodyPr vert="horz" wrap="square" lIns="91440" tIns="45720" rIns="91440" bIns="45720" numCol="1" anchor="ctr" anchorCtr="0" compatLnSpc="1">
-            <a:prstTxWarp prst="textNoShape">
-              <a:avLst/>
-            </a:prstTxWarp>
-            <a:spAutoFit/>
-          </a:bodyPr>
-          <a:lstStyle/>
-          <a:p>
-            <a:pPr lvl="0" eaLnBrk="0" fontAlgn="base" hangingPunct="0">
-              <a:spcBef>
-                <a:spcPct val="0"/>
-              </a:spcBef>
-              <a:spcAft>
-                <a:spcPct val="0"/>
-              </a:spcAft>
-            </a:pPr>
-            <a:r>
-              <a:rPr lang="en-US" altLang="en-US" sz="1400" b="1" dirty="0" err="1">
-                <a:solidFill>
-                  <a:srgbClr val="660E7A"/>
-                </a:solidFill>
-                <a:latin typeface="Courier New" panose="02070309020205020404" pitchFamily="49" charset="0"/>
-                <a:cs typeface="Courier New" panose="02070309020205020404" pitchFamily="49" charset="0"/>
-              </a:rPr>
-              <a:t>angular</a:t>
-            </a:r>
-            <a:r>
-              <a:rPr lang="en-US" altLang="en-US" sz="1400" dirty="0" err="1" smtClean="0">
-                <a:solidFill>
-                  <a:srgbClr val="000000"/>
-                </a:solidFill>
-                <a:latin typeface="Courier New" panose="02070309020205020404" pitchFamily="49" charset="0"/>
-                <a:cs typeface="Courier New" panose="02070309020205020404" pitchFamily="49" charset="0"/>
-              </a:rPr>
-              <a:t>.module</a:t>
-            </a:r>
-            <a:r>
-              <a:rPr lang="en-US" altLang="en-US" sz="1400" dirty="0">
-                <a:solidFill>
-                  <a:srgbClr val="000000"/>
-                </a:solidFill>
-                <a:latin typeface="Courier New" panose="02070309020205020404" pitchFamily="49" charset="0"/>
-                <a:cs typeface="Courier New" panose="02070309020205020404" pitchFamily="49" charset="0"/>
-              </a:rPr>
-              <a:t>(</a:t>
-            </a:r>
-            <a:r>
-              <a:rPr lang="en-US" altLang="en-US" sz="1400" b="1" dirty="0">
-                <a:solidFill>
-                  <a:srgbClr val="008000"/>
-                </a:solidFill>
-                <a:latin typeface="Courier New" panose="02070309020205020404" pitchFamily="49" charset="0"/>
-                <a:cs typeface="Courier New" panose="02070309020205020404" pitchFamily="49" charset="0"/>
-              </a:rPr>
-              <a:t>'app'</a:t>
-            </a:r>
-            <a:r>
-              <a:rPr lang="en-US" altLang="en-US" sz="1400" dirty="0">
-                <a:solidFill>
-                  <a:srgbClr val="000000"/>
-                </a:solidFill>
-                <a:latin typeface="Courier New" panose="02070309020205020404" pitchFamily="49" charset="0"/>
-                <a:cs typeface="Courier New" panose="02070309020205020404" pitchFamily="49" charset="0"/>
-              </a:rPr>
-              <a:t>).</a:t>
-            </a:r>
-            <a:r>
-              <a:rPr lang="en-US" altLang="en-US" sz="1400" dirty="0">
-                <a:solidFill>
-                  <a:srgbClr val="7A7A43"/>
-                </a:solidFill>
-                <a:latin typeface="Courier New" panose="02070309020205020404" pitchFamily="49" charset="0"/>
-                <a:cs typeface="Courier New" panose="02070309020205020404" pitchFamily="49" charset="0"/>
-              </a:rPr>
-              <a:t>controller</a:t>
-            </a:r>
-            <a:r>
-              <a:rPr lang="en-US" altLang="en-US" sz="1400" dirty="0">
-                <a:solidFill>
-                  <a:srgbClr val="000000"/>
-                </a:solidFill>
-                <a:latin typeface="Courier New" panose="02070309020205020404" pitchFamily="49" charset="0"/>
-                <a:cs typeface="Courier New" panose="02070309020205020404" pitchFamily="49" charset="0"/>
-              </a:rPr>
-              <a:t>(</a:t>
-            </a:r>
-            <a:r>
-              <a:rPr lang="en-US" altLang="en-US" sz="1400" b="1" dirty="0">
-                <a:solidFill>
-                  <a:srgbClr val="008000"/>
-                </a:solidFill>
-                <a:latin typeface="Courier New" panose="02070309020205020404" pitchFamily="49" charset="0"/>
-                <a:cs typeface="Courier New" panose="02070309020205020404" pitchFamily="49" charset="0"/>
-              </a:rPr>
-              <a:t>'ctrl'</a:t>
-            </a:r>
-            <a:r>
-              <a:rPr lang="en-US" altLang="en-US" sz="1400" dirty="0">
-                <a:solidFill>
-                  <a:srgbClr val="000000"/>
-                </a:solidFill>
-                <a:latin typeface="Courier New" panose="02070309020205020404" pitchFamily="49" charset="0"/>
-                <a:cs typeface="Courier New" panose="02070309020205020404" pitchFamily="49" charset="0"/>
-              </a:rPr>
-              <a:t>, </a:t>
-            </a:r>
-            <a:r>
-              <a:rPr lang="en-US" altLang="en-US" sz="1400" b="1" dirty="0">
-                <a:solidFill>
-                  <a:srgbClr val="000080"/>
-                </a:solidFill>
-                <a:latin typeface="Courier New" panose="02070309020205020404" pitchFamily="49" charset="0"/>
-                <a:cs typeface="Courier New" panose="02070309020205020404" pitchFamily="49" charset="0"/>
-              </a:rPr>
-              <a:t>function</a:t>
-            </a:r>
-            <a:r>
-              <a:rPr lang="en-US" altLang="en-US" sz="1400" dirty="0">
-                <a:solidFill>
-                  <a:srgbClr val="000000"/>
-                </a:solidFill>
-                <a:latin typeface="Courier New" panose="02070309020205020404" pitchFamily="49" charset="0"/>
-                <a:cs typeface="Courier New" panose="02070309020205020404" pitchFamily="49" charset="0"/>
-              </a:rPr>
-              <a:t>($scope) {</a:t>
-            </a:r>
-            <a:br>
-              <a:rPr lang="en-US" altLang="en-US" sz="1400" dirty="0">
-                <a:solidFill>
-                  <a:srgbClr val="000000"/>
-                </a:solidFill>
-                <a:latin typeface="Courier New" panose="02070309020205020404" pitchFamily="49" charset="0"/>
-                <a:cs typeface="Courier New" panose="02070309020205020404" pitchFamily="49" charset="0"/>
-              </a:rPr>
-            </a:br>
-            <a:r>
-              <a:rPr lang="en-US" altLang="en-US" sz="1400" dirty="0">
-                <a:solidFill>
-                  <a:srgbClr val="000000"/>
-                </a:solidFill>
-                <a:latin typeface="Courier New" panose="02070309020205020404" pitchFamily="49" charset="0"/>
-                <a:cs typeface="Courier New" panose="02070309020205020404" pitchFamily="49" charset="0"/>
-              </a:rPr>
-              <a:t>    $scope.</a:t>
-            </a:r>
-            <a:r>
-              <a:rPr lang="en-US" altLang="en-US" sz="1400" b="1" dirty="0">
-                <a:solidFill>
-                  <a:srgbClr val="660E7A"/>
-                </a:solidFill>
-                <a:latin typeface="Courier New" panose="02070309020205020404" pitchFamily="49" charset="0"/>
-                <a:cs typeface="Courier New" panose="02070309020205020404" pitchFamily="49" charset="0"/>
-              </a:rPr>
-              <a:t>name </a:t>
-            </a:r>
-            <a:r>
-              <a:rPr lang="en-US" altLang="en-US" sz="1400" dirty="0">
-                <a:solidFill>
-                  <a:srgbClr val="000000"/>
-                </a:solidFill>
-                <a:latin typeface="Courier New" panose="02070309020205020404" pitchFamily="49" charset="0"/>
-                <a:cs typeface="Courier New" panose="02070309020205020404" pitchFamily="49" charset="0"/>
-              </a:rPr>
-              <a:t>= </a:t>
-            </a:r>
-            <a:r>
-              <a:rPr lang="en-US" altLang="en-US" sz="1400" b="1" dirty="0">
-                <a:solidFill>
-                  <a:srgbClr val="008000"/>
-                </a:solidFill>
-                <a:latin typeface="Courier New" panose="02070309020205020404" pitchFamily="49" charset="0"/>
-                <a:cs typeface="Courier New" panose="02070309020205020404" pitchFamily="49" charset="0"/>
-              </a:rPr>
-              <a:t>'Alexey'</a:t>
-            </a:r>
-            <a:r>
-              <a:rPr lang="en-US" altLang="en-US" sz="1400" dirty="0">
-                <a:solidFill>
-                  <a:srgbClr val="000000"/>
-                </a:solidFill>
-                <a:latin typeface="Courier New" panose="02070309020205020404" pitchFamily="49" charset="0"/>
-                <a:cs typeface="Courier New" panose="02070309020205020404" pitchFamily="49" charset="0"/>
-              </a:rPr>
-              <a:t>;</a:t>
-            </a:r>
-            <a:br>
-              <a:rPr lang="en-US" altLang="en-US" sz="1400" dirty="0">
-                <a:solidFill>
-                  <a:srgbClr val="000000"/>
-                </a:solidFill>
-                <a:latin typeface="Courier New" panose="02070309020205020404" pitchFamily="49" charset="0"/>
-                <a:cs typeface="Courier New" panose="02070309020205020404" pitchFamily="49" charset="0"/>
-              </a:rPr>
-            </a:br>
-            <a:r>
-              <a:rPr lang="en-US" altLang="en-US" sz="1400" dirty="0">
-                <a:solidFill>
-                  <a:srgbClr val="000000"/>
-                </a:solidFill>
-                <a:latin typeface="Courier New" panose="02070309020205020404" pitchFamily="49" charset="0"/>
-                <a:cs typeface="Courier New" panose="02070309020205020404" pitchFamily="49" charset="0"/>
-              </a:rPr>
-              <a:t>});</a:t>
-            </a:r>
-            <a:endParaRPr lang="en-US" altLang="en-US" sz="3200" dirty="0">
-              <a:latin typeface="Arial" panose="020B0604020202020204" pitchFamily="34" charset="0"/>
-            </a:endParaRPr>
-          </a:p>
-        </p:txBody>
-      </p:sp>
-      <p:sp>
-        <p:nvSpPr>
-          <p:cNvPr id="18" name="Rectangle 9"/>
-          <p:cNvSpPr>
-            <a:spLocks noChangeArrowheads="1"/>
-          </p:cNvSpPr>
-          <p:nvPr/>
-        </p:nvSpPr>
-        <p:spPr bwMode="auto">
-          <a:xfrm>
-            <a:off x="0" y="3200400"/>
-            <a:ext cx="9144000" cy="307777"/>
-          </a:xfrm>
-          <a:prstGeom prst="rect">
-            <a:avLst/>
-          </a:prstGeom>
-          <a:solidFill>
-            <a:srgbClr val="FFFFFF"/>
-          </a:solidFill>
-          <a:ln>
-            <a:noFill/>
-          </a:ln>
-          <a:effectLst/>
-          <a:extLst>
-            <a:ext uri="{91240B29-F687-4F45-9708-019B960494DF}">
-              <a14:hiddenLine xmlns:a14="http://schemas.microsoft.com/office/drawing/2010/main" w="9525">
-                <a:solidFill>
-                  <a:schemeClr val="tx1"/>
-                </a:solidFill>
-                <a:miter lim="800000"/>
-                <a:headEnd/>
-                <a:tailEnd/>
-              </a14:hiddenLine>
-            </a:ext>
-            <a:ext uri="{AF507438-7753-43E0-B8FC-AC1667EBCBE1}">
-              <a14:hiddenEffects xmlns:a14="http://schemas.microsoft.com/office/drawing/2010/main">
-                <a:effectLst>
-                  <a:outerShdw dist="35921" dir="2700000" algn="ctr" rotWithShape="0">
-                    <a:schemeClr val="bg2"/>
-                  </a:outerShdw>
-                </a:effectLst>
-              </a14:hiddenEffects>
-            </a:ext>
-          </a:extLst>
-        </p:spPr>
-        <p:txBody>
-          <a:bodyPr vert="horz" wrap="square" lIns="91440" tIns="45720" rIns="91440" bIns="45720" numCol="1" anchor="ctr" anchorCtr="0" compatLnSpc="1">
-            <a:prstTxWarp prst="textNoShape">
-              <a:avLst/>
-            </a:prstTxWarp>
-            <a:spAutoFit/>
-          </a:bodyPr>
-          <a:lstStyle/>
-          <a:p>
-            <a:pPr lvl="0" eaLnBrk="0" fontAlgn="base" hangingPunct="0">
-              <a:spcBef>
-                <a:spcPct val="0"/>
-              </a:spcBef>
-              <a:spcAft>
-                <a:spcPct val="0"/>
-              </a:spcAft>
-            </a:pPr>
-            <a:r>
-              <a:rPr lang="en-US" altLang="en-US" sz="1400" b="1" dirty="0" err="1">
-                <a:solidFill>
-                  <a:srgbClr val="000080"/>
-                </a:solidFill>
-                <a:latin typeface="Courier New" panose="02070309020205020404" pitchFamily="49" charset="0"/>
-                <a:cs typeface="Courier New" panose="02070309020205020404" pitchFamily="49" charset="0"/>
-              </a:rPr>
-              <a:t>var</a:t>
-            </a:r>
-            <a:r>
-              <a:rPr lang="en-US" altLang="en-US" sz="1400" b="1" dirty="0">
-                <a:solidFill>
-                  <a:srgbClr val="000080"/>
-                </a:solidFill>
-                <a:latin typeface="Courier New" panose="02070309020205020404" pitchFamily="49" charset="0"/>
-                <a:cs typeface="Courier New" panose="02070309020205020404" pitchFamily="49" charset="0"/>
-              </a:rPr>
-              <a:t> </a:t>
-            </a:r>
-            <a:r>
-              <a:rPr lang="en-US" altLang="en-US" sz="1400" dirty="0">
-                <a:solidFill>
-                  <a:srgbClr val="458383"/>
-                </a:solidFill>
-                <a:latin typeface="Courier New" panose="02070309020205020404" pitchFamily="49" charset="0"/>
-                <a:cs typeface="Courier New" panose="02070309020205020404" pitchFamily="49" charset="0"/>
-              </a:rPr>
-              <a:t>module </a:t>
-            </a:r>
-            <a:r>
-              <a:rPr lang="en-US" altLang="en-US" sz="1400" dirty="0">
-                <a:solidFill>
-                  <a:srgbClr val="000000"/>
-                </a:solidFill>
-                <a:latin typeface="Courier New" panose="02070309020205020404" pitchFamily="49" charset="0"/>
-                <a:cs typeface="Courier New" panose="02070309020205020404" pitchFamily="49" charset="0"/>
-              </a:rPr>
-              <a:t>= </a:t>
-            </a:r>
-            <a:r>
-              <a:rPr lang="en-US" altLang="en-US" sz="1400" b="1" dirty="0" err="1">
-                <a:solidFill>
-                  <a:srgbClr val="660E7A"/>
-                </a:solidFill>
-                <a:latin typeface="Courier New" panose="02070309020205020404" pitchFamily="49" charset="0"/>
-                <a:cs typeface="Courier New" panose="02070309020205020404" pitchFamily="49" charset="0"/>
-              </a:rPr>
-              <a:t>angular</a:t>
-            </a:r>
-            <a:r>
-              <a:rPr lang="en-US" altLang="en-US" sz="1400" dirty="0" err="1">
-                <a:solidFill>
-                  <a:srgbClr val="000000"/>
-                </a:solidFill>
-                <a:latin typeface="Courier New" panose="02070309020205020404" pitchFamily="49" charset="0"/>
-                <a:cs typeface="Courier New" panose="02070309020205020404" pitchFamily="49" charset="0"/>
-              </a:rPr>
-              <a:t>.module</a:t>
-            </a:r>
-            <a:r>
-              <a:rPr lang="en-US" altLang="en-US" sz="1400" dirty="0">
-                <a:solidFill>
-                  <a:srgbClr val="000000"/>
-                </a:solidFill>
-                <a:latin typeface="Courier New" panose="02070309020205020404" pitchFamily="49" charset="0"/>
-                <a:cs typeface="Courier New" panose="02070309020205020404" pitchFamily="49" charset="0"/>
-              </a:rPr>
-              <a:t>(</a:t>
-            </a:r>
-            <a:r>
-              <a:rPr lang="en-US" altLang="en-US" sz="1400" b="1" dirty="0">
-                <a:solidFill>
-                  <a:srgbClr val="008000"/>
-                </a:solidFill>
-                <a:latin typeface="Courier New" panose="02070309020205020404" pitchFamily="49" charset="0"/>
-                <a:cs typeface="Courier New" panose="02070309020205020404" pitchFamily="49" charset="0"/>
-              </a:rPr>
-              <a:t>'app'</a:t>
-            </a:r>
-            <a:r>
-              <a:rPr lang="en-US" altLang="en-US" sz="1400" dirty="0">
-                <a:solidFill>
-                  <a:srgbClr val="000000"/>
-                </a:solidFill>
-                <a:latin typeface="Courier New" panose="02070309020205020404" pitchFamily="49" charset="0"/>
-                <a:cs typeface="Courier New" panose="02070309020205020404" pitchFamily="49" charset="0"/>
-              </a:rPr>
-              <a:t>);</a:t>
-            </a:r>
-            <a:endParaRPr lang="en-US" altLang="en-US" sz="3200" dirty="0">
-              <a:latin typeface="Arial" panose="020B0604020202020204" pitchFamily="34" charset="0"/>
-            </a:endParaRPr>
-          </a:p>
-        </p:txBody>
-      </p:sp>
-      <p:sp>
-        <p:nvSpPr>
-          <p:cNvPr id="21" name="Content Placeholder 2"/>
-          <p:cNvSpPr txBox="1">
-            <a:spLocks/>
-          </p:cNvSpPr>
-          <p:nvPr/>
-        </p:nvSpPr>
-        <p:spPr>
-          <a:xfrm>
-            <a:off x="457200" y="2743200"/>
-            <a:ext cx="8229600" cy="755400"/>
-          </a:xfrm>
-          <a:prstGeom prst="rect">
-            <a:avLst/>
-          </a:prstGeom>
-        </p:spPr>
-        <p:txBody>
-          <a:bodyPr vert="horz" lIns="91440" tIns="45720" rIns="91440" bIns="45720" rtlCol="0">
-            <a:normAutofit/>
-          </a:bodyPr>
-          <a:lstStyle>
-            <a:lvl1pPr marL="342900" indent="-342900" algn="l" defTabSz="914400" rtl="0" eaLnBrk="1" latinLnBrk="0" hangingPunct="1">
-              <a:spcBef>
-                <a:spcPct val="20000"/>
-              </a:spcBef>
-              <a:buFont typeface="Arial" pitchFamily="34" charset="0"/>
-              <a:buChar char="•"/>
-              <a:defRPr sz="3200" kern="1200">
-                <a:solidFill>
-                  <a:schemeClr val="tx1"/>
-                </a:solidFill>
-                <a:latin typeface="+mn-lt"/>
-                <a:ea typeface="+mn-ea"/>
-                <a:cs typeface="+mn-cs"/>
-              </a:defRPr>
-            </a:lvl1pPr>
-            <a:lvl2pPr marL="742950" indent="-285750" algn="l" defTabSz="914400" rtl="0" eaLnBrk="1" latinLnBrk="0" hangingPunct="1">
-              <a:spcBef>
-                <a:spcPct val="20000"/>
-              </a:spcBef>
-              <a:buFont typeface="Arial" pitchFamily="34" charset="0"/>
-              <a:buChar char="–"/>
-              <a:defRPr sz="2800" kern="1200">
-                <a:solidFill>
-                  <a:schemeClr val="tx1"/>
-                </a:solidFill>
-                <a:latin typeface="+mn-lt"/>
-                <a:ea typeface="+mn-ea"/>
-                <a:cs typeface="+mn-cs"/>
-              </a:defRPr>
-            </a:lvl2pPr>
-            <a:lvl3pPr marL="1143000" indent="-228600" algn="l" defTabSz="914400" rtl="0" eaLnBrk="1" latinLnBrk="0" hangingPunct="1">
-              <a:spcBef>
-                <a:spcPct val="20000"/>
-              </a:spcBef>
-              <a:buFont typeface="Arial" pitchFamily="34" charset="0"/>
-              <a:buChar char="•"/>
-              <a:defRPr sz="2400" kern="1200">
-                <a:solidFill>
-                  <a:schemeClr val="tx1"/>
-                </a:solidFill>
-                <a:latin typeface="+mn-lt"/>
-                <a:ea typeface="+mn-ea"/>
-                <a:cs typeface="+mn-cs"/>
-              </a:defRPr>
-            </a:lvl3pPr>
-            <a:lvl4pPr marL="1600200" indent="-228600" algn="l" defTabSz="914400" rtl="0" eaLnBrk="1" latinLnBrk="0" hangingPunct="1">
-              <a:spcBef>
-                <a:spcPct val="20000"/>
-              </a:spcBef>
-              <a:buFont typeface="Arial" pitchFamily="34" charset="0"/>
-              <a:buChar char="–"/>
-              <a:defRPr sz="2000" kern="1200">
-                <a:solidFill>
-                  <a:schemeClr val="tx1"/>
-                </a:solidFill>
-                <a:latin typeface="+mn-lt"/>
-                <a:ea typeface="+mn-ea"/>
-                <a:cs typeface="+mn-cs"/>
-              </a:defRPr>
-            </a:lvl4pPr>
-            <a:lvl5pPr marL="2057400" indent="-228600" algn="l" defTabSz="914400" rtl="0" eaLnBrk="1" latinLnBrk="0" hangingPunct="1">
-              <a:spcBef>
-                <a:spcPct val="20000"/>
-              </a:spcBef>
-              <a:buFont typeface="Arial" pitchFamily="34" charset="0"/>
-              <a:buChar char="»"/>
-              <a:defRPr sz="2000" kern="1200">
-                <a:solidFill>
-                  <a:schemeClr val="tx1"/>
-                </a:solidFill>
-                <a:latin typeface="+mn-lt"/>
-                <a:ea typeface="+mn-ea"/>
-                <a:cs typeface="+mn-cs"/>
-              </a:defRPr>
-            </a:lvl5pPr>
-            <a:lvl6pPr marL="2514600" indent="-228600" algn="l" defTabSz="914400" rtl="0" eaLnBrk="1" latinLnBrk="0" hangingPunct="1">
-              <a:spcBef>
-                <a:spcPct val="20000"/>
-              </a:spcBef>
-              <a:buFont typeface="Arial" pitchFamily="34" charset="0"/>
-              <a:buChar char="•"/>
-              <a:defRPr sz="2000" kern="1200">
-                <a:solidFill>
-                  <a:schemeClr val="tx1"/>
-                </a:solidFill>
-                <a:latin typeface="+mn-lt"/>
-                <a:ea typeface="+mn-ea"/>
-                <a:cs typeface="+mn-cs"/>
-              </a:defRPr>
-            </a:lvl6pPr>
-            <a:lvl7pPr marL="2971800" indent="-228600" algn="l" defTabSz="914400" rtl="0" eaLnBrk="1" latinLnBrk="0" hangingPunct="1">
-              <a:spcBef>
-                <a:spcPct val="20000"/>
-              </a:spcBef>
-              <a:buFont typeface="Arial" pitchFamily="34" charset="0"/>
-              <a:buChar char="•"/>
-              <a:defRPr sz="2000" kern="1200">
-                <a:solidFill>
-                  <a:schemeClr val="tx1"/>
-                </a:solidFill>
-                <a:latin typeface="+mn-lt"/>
-                <a:ea typeface="+mn-ea"/>
-                <a:cs typeface="+mn-cs"/>
-              </a:defRPr>
-            </a:lvl7pPr>
-            <a:lvl8pPr marL="3429000" indent="-228600" algn="l" defTabSz="914400" rtl="0" eaLnBrk="1" latinLnBrk="0" hangingPunct="1">
-              <a:spcBef>
-                <a:spcPct val="20000"/>
-              </a:spcBef>
-              <a:buFont typeface="Arial" pitchFamily="34" charset="0"/>
-              <a:buChar char="•"/>
-              <a:defRPr sz="2000" kern="1200">
-                <a:solidFill>
-                  <a:schemeClr val="tx1"/>
-                </a:solidFill>
-                <a:latin typeface="+mn-lt"/>
-                <a:ea typeface="+mn-ea"/>
-                <a:cs typeface="+mn-cs"/>
-              </a:defRPr>
-            </a:lvl8pPr>
-            <a:lvl9pPr marL="3886200" indent="-228600" algn="l" defTabSz="914400" rtl="0" eaLnBrk="1" latinLnBrk="0" hangingPunct="1">
-              <a:spcBef>
-                <a:spcPct val="20000"/>
-              </a:spcBef>
-              <a:buFont typeface="Arial" pitchFamily="34" charset="0"/>
-              <a:buChar char="•"/>
-              <a:defRPr sz="2000" kern="1200">
-                <a:solidFill>
-                  <a:schemeClr val="tx1"/>
-                </a:solidFill>
-                <a:latin typeface="+mn-lt"/>
-                <a:ea typeface="+mn-ea"/>
-                <a:cs typeface="+mn-cs"/>
-              </a:defRPr>
-            </a:lvl9pPr>
-          </a:lstStyle>
-          <a:p>
-            <a:pPr marL="0" indent="0">
-              <a:buNone/>
-            </a:pPr>
-            <a:r>
-              <a:rPr lang="en-US" sz="1600" dirty="0">
-                <a:latin typeface="Courier New" panose="02070309020205020404" pitchFamily="49" charset="0"/>
-                <a:cs typeface="Courier New" panose="02070309020205020404" pitchFamily="49" charset="0"/>
-              </a:rPr>
-              <a:t>get the created model with 1 </a:t>
-            </a:r>
-            <a:r>
-              <a:rPr lang="en-US" sz="1600" dirty="0" err="1">
-                <a:latin typeface="Courier New" panose="02070309020205020404" pitchFamily="49" charset="0"/>
-                <a:cs typeface="Courier New" panose="02070309020205020404" pitchFamily="49" charset="0"/>
-              </a:rPr>
-              <a:t>arg</a:t>
-            </a:r>
-            <a:endParaRPr lang="ru-RU" sz="1600" dirty="0">
-              <a:latin typeface="Courier New" panose="02070309020205020404" pitchFamily="49" charset="0"/>
-              <a:cs typeface="Courier New" panose="02070309020205020404" pitchFamily="49" charset="0"/>
-            </a:endParaRPr>
-          </a:p>
-        </p:txBody>
-      </p:sp>
-      <p:sp>
-        <p:nvSpPr>
-          <p:cNvPr id="22" name="Content Placeholder 2"/>
-          <p:cNvSpPr txBox="1">
-            <a:spLocks/>
-          </p:cNvSpPr>
-          <p:nvPr/>
-        </p:nvSpPr>
-        <p:spPr>
-          <a:xfrm>
-            <a:off x="457200" y="3892800"/>
-            <a:ext cx="8229600" cy="755400"/>
-          </a:xfrm>
-          <a:prstGeom prst="rect">
-            <a:avLst/>
-          </a:prstGeom>
-        </p:spPr>
-        <p:txBody>
-          <a:bodyPr vert="horz" lIns="91440" tIns="45720" rIns="91440" bIns="45720" rtlCol="0">
-            <a:normAutofit/>
-          </a:bodyPr>
-          <a:lstStyle>
-            <a:lvl1pPr marL="342900" indent="-342900" algn="l" defTabSz="914400" rtl="0" eaLnBrk="1" latinLnBrk="0" hangingPunct="1">
-              <a:spcBef>
-                <a:spcPct val="20000"/>
-              </a:spcBef>
-              <a:buFont typeface="Arial" pitchFamily="34" charset="0"/>
-              <a:buChar char="•"/>
-              <a:defRPr sz="3200" kern="1200">
-                <a:solidFill>
-                  <a:schemeClr val="tx1"/>
-                </a:solidFill>
-                <a:latin typeface="+mn-lt"/>
-                <a:ea typeface="+mn-ea"/>
-                <a:cs typeface="+mn-cs"/>
-              </a:defRPr>
-            </a:lvl1pPr>
-            <a:lvl2pPr marL="742950" indent="-285750" algn="l" defTabSz="914400" rtl="0" eaLnBrk="1" latinLnBrk="0" hangingPunct="1">
-              <a:spcBef>
-                <a:spcPct val="20000"/>
-              </a:spcBef>
-              <a:buFont typeface="Arial" pitchFamily="34" charset="0"/>
-              <a:buChar char="–"/>
-              <a:defRPr sz="2800" kern="1200">
-                <a:solidFill>
-                  <a:schemeClr val="tx1"/>
-                </a:solidFill>
-                <a:latin typeface="+mn-lt"/>
-                <a:ea typeface="+mn-ea"/>
-                <a:cs typeface="+mn-cs"/>
-              </a:defRPr>
-            </a:lvl2pPr>
-            <a:lvl3pPr marL="1143000" indent="-228600" algn="l" defTabSz="914400" rtl="0" eaLnBrk="1" latinLnBrk="0" hangingPunct="1">
-              <a:spcBef>
-                <a:spcPct val="20000"/>
-              </a:spcBef>
-              <a:buFont typeface="Arial" pitchFamily="34" charset="0"/>
-              <a:buChar char="•"/>
-              <a:defRPr sz="2400" kern="1200">
-                <a:solidFill>
-                  <a:schemeClr val="tx1"/>
-                </a:solidFill>
-                <a:latin typeface="+mn-lt"/>
-                <a:ea typeface="+mn-ea"/>
-                <a:cs typeface="+mn-cs"/>
-              </a:defRPr>
-            </a:lvl3pPr>
-            <a:lvl4pPr marL="1600200" indent="-228600" algn="l" defTabSz="914400" rtl="0" eaLnBrk="1" latinLnBrk="0" hangingPunct="1">
-              <a:spcBef>
-                <a:spcPct val="20000"/>
-              </a:spcBef>
-              <a:buFont typeface="Arial" pitchFamily="34" charset="0"/>
-              <a:buChar char="–"/>
-              <a:defRPr sz="2000" kern="1200">
-                <a:solidFill>
-                  <a:schemeClr val="tx1"/>
-                </a:solidFill>
-                <a:latin typeface="+mn-lt"/>
-                <a:ea typeface="+mn-ea"/>
-                <a:cs typeface="+mn-cs"/>
-              </a:defRPr>
-            </a:lvl4pPr>
-            <a:lvl5pPr marL="2057400" indent="-228600" algn="l" defTabSz="914400" rtl="0" eaLnBrk="1" latinLnBrk="0" hangingPunct="1">
-              <a:spcBef>
-                <a:spcPct val="20000"/>
-              </a:spcBef>
-              <a:buFont typeface="Arial" pitchFamily="34" charset="0"/>
-              <a:buChar char="»"/>
-              <a:defRPr sz="2000" kern="1200">
-                <a:solidFill>
-                  <a:schemeClr val="tx1"/>
-                </a:solidFill>
-                <a:latin typeface="+mn-lt"/>
-                <a:ea typeface="+mn-ea"/>
-                <a:cs typeface="+mn-cs"/>
-              </a:defRPr>
-            </a:lvl5pPr>
-            <a:lvl6pPr marL="2514600" indent="-228600" algn="l" defTabSz="914400" rtl="0" eaLnBrk="1" latinLnBrk="0" hangingPunct="1">
-              <a:spcBef>
-                <a:spcPct val="20000"/>
-              </a:spcBef>
-              <a:buFont typeface="Arial" pitchFamily="34" charset="0"/>
-              <a:buChar char="•"/>
-              <a:defRPr sz="2000" kern="1200">
-                <a:solidFill>
-                  <a:schemeClr val="tx1"/>
-                </a:solidFill>
-                <a:latin typeface="+mn-lt"/>
-                <a:ea typeface="+mn-ea"/>
-                <a:cs typeface="+mn-cs"/>
-              </a:defRPr>
-            </a:lvl6pPr>
-            <a:lvl7pPr marL="2971800" indent="-228600" algn="l" defTabSz="914400" rtl="0" eaLnBrk="1" latinLnBrk="0" hangingPunct="1">
-              <a:spcBef>
-                <a:spcPct val="20000"/>
-              </a:spcBef>
-              <a:buFont typeface="Arial" pitchFamily="34" charset="0"/>
-              <a:buChar char="•"/>
-              <a:defRPr sz="2000" kern="1200">
-                <a:solidFill>
-                  <a:schemeClr val="tx1"/>
-                </a:solidFill>
-                <a:latin typeface="+mn-lt"/>
-                <a:ea typeface="+mn-ea"/>
-                <a:cs typeface="+mn-cs"/>
-              </a:defRPr>
-            </a:lvl7pPr>
-            <a:lvl8pPr marL="3429000" indent="-228600" algn="l" defTabSz="914400" rtl="0" eaLnBrk="1" latinLnBrk="0" hangingPunct="1">
-              <a:spcBef>
-                <a:spcPct val="20000"/>
-              </a:spcBef>
-              <a:buFont typeface="Arial" pitchFamily="34" charset="0"/>
-              <a:buChar char="•"/>
-              <a:defRPr sz="2000" kern="1200">
-                <a:solidFill>
-                  <a:schemeClr val="tx1"/>
-                </a:solidFill>
-                <a:latin typeface="+mn-lt"/>
-                <a:ea typeface="+mn-ea"/>
-                <a:cs typeface="+mn-cs"/>
-              </a:defRPr>
-            </a:lvl8pPr>
-            <a:lvl9pPr marL="3886200" indent="-228600" algn="l" defTabSz="914400" rtl="0" eaLnBrk="1" latinLnBrk="0" hangingPunct="1">
-              <a:spcBef>
-                <a:spcPct val="20000"/>
-              </a:spcBef>
-              <a:buFont typeface="Arial" pitchFamily="34" charset="0"/>
-              <a:buChar char="•"/>
-              <a:defRPr sz="2000" kern="1200">
-                <a:solidFill>
-                  <a:schemeClr val="tx1"/>
-                </a:solidFill>
-                <a:latin typeface="+mn-lt"/>
-                <a:ea typeface="+mn-ea"/>
-                <a:cs typeface="+mn-cs"/>
-              </a:defRPr>
-            </a:lvl9pPr>
-          </a:lstStyle>
-          <a:p>
-            <a:pPr marL="0" indent="0">
-              <a:buNone/>
-            </a:pPr>
-            <a:r>
-              <a:rPr lang="en-US" sz="1600" dirty="0">
-                <a:latin typeface="Courier New" panose="02070309020205020404" pitchFamily="49" charset="0"/>
-                <a:cs typeface="Courier New" panose="02070309020205020404" pitchFamily="49" charset="0"/>
-              </a:rPr>
-              <a:t>call controller function on module instance</a:t>
-            </a:r>
-            <a:endParaRPr lang="ru-RU" sz="1600" dirty="0">
-              <a:latin typeface="Courier New" panose="02070309020205020404" pitchFamily="49" charset="0"/>
-              <a:cs typeface="Courier New" panose="02070309020205020404" pitchFamily="49" charset="0"/>
-            </a:endParaRPr>
-          </a:p>
-        </p:txBody>
-      </p:sp>
-    </p:spTree>
-    <p:extLst>
-      <p:ext uri="{BB962C8B-B14F-4D97-AF65-F5344CB8AC3E}">
-        <p14:creationId xmlns:p14="http://schemas.microsoft.com/office/powerpoint/2010/main" val="555352574"/>
-      </p:ext>
-    </p:extLst>
-  </p:cSld>
-  <p:clrMapOvr>
-    <a:masterClrMapping/>
-  </p:clrMapOvr>
-  <p:timing>
-    <p:tnLst>
-      <p:par>
-        <p:cTn id="1" dur="indefinite" restart="never" nodeType="tmRoot"/>
-      </p:par>
-    </p:tnLst>
-  </p:timing>
-</p:sld>
-</file>
-
-<file path=ppt/slides/slide13.xml><?xml version="1.0" encoding="utf-8"?>
-<p:sld xmlns:a="http://schemas.openxmlformats.org/drawingml/2006/main" xmlns:r="http://schemas.openxmlformats.org/officeDocument/2006/relationships" xmlns:p="http://schemas.openxmlformats.org/presentationml/2006/main">
-  <p:cSld>
-    <p:spTree>
-      <p:nvGrpSpPr>
-        <p:cNvPr id="1" name=""/>
-        <p:cNvGrpSpPr/>
-        <p:nvPr/>
-      </p:nvGrpSpPr>
-      <p:grpSpPr>
-        <a:xfrm>
-          <a:off x="0" y="0"/>
-          <a:ext cx="0" cy="0"/>
-          <a:chOff x="0" y="0"/>
-          <a:chExt cx="0" cy="0"/>
-        </a:xfrm>
-      </p:grpSpPr>
-      <p:sp>
-        <p:nvSpPr>
-          <p:cNvPr id="2" name="Title 1"/>
-          <p:cNvSpPr>
-            <a:spLocks noGrp="1"/>
-          </p:cNvSpPr>
-          <p:nvPr>
-            <p:ph type="title"/>
-          </p:nvPr>
-        </p:nvSpPr>
-        <p:spPr/>
-        <p:txBody>
-          <a:bodyPr/>
-          <a:lstStyle/>
-          <a:p>
-            <a:r>
-              <a:rPr lang="en-US" dirty="0" smtClean="0">
-                <a:latin typeface="Courier New" panose="02070309020205020404" pitchFamily="49" charset="0"/>
-                <a:cs typeface="Courier New" panose="02070309020205020404" pitchFamily="49" charset="0"/>
-              </a:rPr>
-              <a:t>Directives</a:t>
-            </a:r>
-            <a:endParaRPr lang="ru-RU" dirty="0">
-              <a:latin typeface="Courier New" panose="02070309020205020404" pitchFamily="49" charset="0"/>
-              <a:cs typeface="Courier New" panose="02070309020205020404" pitchFamily="49" charset="0"/>
-            </a:endParaRPr>
-          </a:p>
-        </p:txBody>
-      </p:sp>
-      <p:sp>
-        <p:nvSpPr>
-          <p:cNvPr id="3" name="Content Placeholder 2"/>
-          <p:cNvSpPr>
-            <a:spLocks noGrp="1"/>
-          </p:cNvSpPr>
-          <p:nvPr>
-            <p:ph idx="1"/>
-          </p:nvPr>
-        </p:nvSpPr>
-        <p:spPr/>
-        <p:txBody>
-          <a:bodyPr/>
-          <a:lstStyle/>
-          <a:p>
-            <a:r>
-              <a:rPr lang="en-US" dirty="0" smtClean="0"/>
-              <a:t>separated scopes are useful when writing reusable components (like XHTML templates)</a:t>
-            </a:r>
-          </a:p>
-          <a:p>
-            <a:r>
-              <a:rPr lang="en-US" dirty="0" smtClean="0"/>
-              <a:t>these components are called directives</a:t>
-            </a:r>
-            <a:endParaRPr lang="ru-RU" dirty="0"/>
-          </a:p>
-        </p:txBody>
-      </p:sp>
-    </p:spTree>
-    <p:extLst>
-      <p:ext uri="{BB962C8B-B14F-4D97-AF65-F5344CB8AC3E}">
-        <p14:creationId xmlns:p14="http://schemas.microsoft.com/office/powerpoint/2010/main" val="1059718523"/>
-      </p:ext>
-    </p:extLst>
-  </p:cSld>
-  <p:clrMapOvr>
-    <a:masterClrMapping/>
-  </p:clrMapOvr>
-  <p:timing>
-    <p:tnLst>
-      <p:par>
-        <p:cTn id="1" dur="indefinite" restart="never" nodeType="tmRoot"/>
-      </p:par>
-    </p:tnLst>
-  </p:timing>
-</p:sld>
-</file>
-
-<file path=ppt/slides/slide14.xml><?xml version="1.0" encoding="utf-8"?>
-<p:sld xmlns:a="http://schemas.openxmlformats.org/drawingml/2006/main" xmlns:r="http://schemas.openxmlformats.org/officeDocument/2006/relationships" xmlns:p="http://schemas.openxmlformats.org/presentationml/2006/main">
-  <p:cSld>
-    <p:spTree>
-      <p:nvGrpSpPr>
-        <p:cNvPr id="1" name=""/>
-        <p:cNvGrpSpPr/>
-        <p:nvPr/>
-      </p:nvGrpSpPr>
-      <p:grpSpPr>
-        <a:xfrm>
-          <a:off x="0" y="0"/>
-          <a:ext cx="0" cy="0"/>
-          <a:chOff x="0" y="0"/>
-          <a:chExt cx="0" cy="0"/>
-        </a:xfrm>
-      </p:grpSpPr>
-      <p:sp>
-        <p:nvSpPr>
-          <p:cNvPr id="2" name="Title 1"/>
-          <p:cNvSpPr>
-            <a:spLocks noGrp="1"/>
-          </p:cNvSpPr>
-          <p:nvPr>
-            <p:ph type="title"/>
-          </p:nvPr>
-        </p:nvSpPr>
-        <p:spPr/>
-        <p:txBody>
-          <a:bodyPr/>
-          <a:lstStyle/>
-          <a:p>
-            <a:r>
-              <a:rPr lang="en-US" dirty="0" smtClean="0">
-                <a:latin typeface="Courier New" panose="02070309020205020404" pitchFamily="49" charset="0"/>
-                <a:cs typeface="Courier New" panose="02070309020205020404" pitchFamily="49" charset="0"/>
-              </a:rPr>
-              <a:t>Directives are hard</a:t>
-            </a:r>
-            <a:endParaRPr lang="ru-RU" dirty="0">
-              <a:latin typeface="Courier New" panose="02070309020205020404" pitchFamily="49" charset="0"/>
-              <a:cs typeface="Courier New" panose="02070309020205020404" pitchFamily="49" charset="0"/>
-            </a:endParaRPr>
-          </a:p>
-        </p:txBody>
-      </p:sp>
-      <p:pic>
-        <p:nvPicPr>
-          <p:cNvPr id="5" name="Content Placeholder 4"/>
-          <p:cNvPicPr>
-            <a:picLocks noGrp="1" noChangeAspect="1"/>
-          </p:cNvPicPr>
-          <p:nvPr>
-            <p:ph idx="1"/>
-          </p:nvPr>
-        </p:nvPicPr>
-        <p:blipFill>
-          <a:blip r:embed="rId2">
-            <a:extLst>
-              <a:ext uri="{28A0092B-C50C-407E-A947-70E740481C1C}">
-                <a14:useLocalDpi xmlns:a14="http://schemas.microsoft.com/office/drawing/2010/main" val="0"/>
-              </a:ext>
-            </a:extLst>
-          </a:blip>
-          <a:stretch>
-            <a:fillRect/>
-          </a:stretch>
-        </p:blipFill>
-        <p:spPr>
-          <a:xfrm>
-            <a:off x="1714500" y="2105819"/>
-            <a:ext cx="5715000" cy="3514725"/>
-          </a:xfrm>
-        </p:spPr>
-      </p:pic>
-    </p:spTree>
-    <p:extLst>
-      <p:ext uri="{BB962C8B-B14F-4D97-AF65-F5344CB8AC3E}">
-        <p14:creationId xmlns:p14="http://schemas.microsoft.com/office/powerpoint/2010/main" val="865190789"/>
-      </p:ext>
-    </p:extLst>
-  </p:cSld>
-  <p:clrMapOvr>
-    <a:masterClrMapping/>
-  </p:clrMapOvr>
-</p:sld>
-</file>
-
-<file path=ppt/slides/slide15.xml><?xml version="1.0" encoding="utf-8"?>
-<p:sld xmlns:a="http://schemas.openxmlformats.org/drawingml/2006/main" xmlns:r="http://schemas.openxmlformats.org/officeDocument/2006/relationships" xmlns:p="http://schemas.openxmlformats.org/presentationml/2006/main">
-  <p:cSld>
-    <p:spTree>
-      <p:nvGrpSpPr>
-        <p:cNvPr id="1" name=""/>
-        <p:cNvGrpSpPr/>
-        <p:nvPr/>
-      </p:nvGrpSpPr>
-      <p:grpSpPr>
-        <a:xfrm>
-          <a:off x="0" y="0"/>
-          <a:ext cx="0" cy="0"/>
-          <a:chOff x="0" y="0"/>
-          <a:chExt cx="0" cy="0"/>
-        </a:xfrm>
-      </p:grpSpPr>
-      <p:sp>
-        <p:nvSpPr>
-          <p:cNvPr id="2" name="Title 1"/>
-          <p:cNvSpPr>
-            <a:spLocks noGrp="1"/>
-          </p:cNvSpPr>
-          <p:nvPr>
-            <p:ph type="title"/>
-          </p:nvPr>
-        </p:nvSpPr>
-        <p:spPr/>
-        <p:txBody>
-          <a:bodyPr/>
-          <a:lstStyle/>
-          <a:p>
-            <a:r>
-              <a:rPr lang="en-US" dirty="0" smtClean="0"/>
-              <a:t>Scope inheritance</a:t>
-            </a:r>
-            <a:endParaRPr lang="ru-RU" dirty="0"/>
-          </a:p>
-        </p:txBody>
-      </p:sp>
-      <p:sp>
-        <p:nvSpPr>
-          <p:cNvPr id="3" name="Content Placeholder 2"/>
-          <p:cNvSpPr>
-            <a:spLocks noGrp="1"/>
-          </p:cNvSpPr>
-          <p:nvPr>
-            <p:ph idx="1"/>
-          </p:nvPr>
-        </p:nvSpPr>
-        <p:spPr/>
-        <p:txBody>
-          <a:bodyPr/>
-          <a:lstStyle/>
-          <a:p>
-            <a:r>
-              <a:rPr lang="en-US" dirty="0" smtClean="0"/>
-              <a:t>parent scope </a:t>
-            </a:r>
-            <a:r>
-              <a:rPr lang="en-US" dirty="0" err="1" smtClean="0"/>
-              <a:t>vars</a:t>
-            </a:r>
-            <a:r>
-              <a:rPr lang="en-US" dirty="0" smtClean="0"/>
-              <a:t> in inherited in child scope</a:t>
-            </a:r>
-          </a:p>
-          <a:p>
-            <a:r>
-              <a:rPr lang="en-US" dirty="0" smtClean="0"/>
-              <a:t>unless it’s an isolated scope</a:t>
-            </a:r>
-          </a:p>
-          <a:p>
-            <a:r>
-              <a:rPr lang="en-US" dirty="0" smtClean="0"/>
-              <a:t>scopes are inherited using prototype</a:t>
-            </a:r>
-            <a:endParaRPr lang="ru-RU" dirty="0"/>
-          </a:p>
-        </p:txBody>
-      </p:sp>
-    </p:spTree>
-    <p:extLst>
-      <p:ext uri="{BB962C8B-B14F-4D97-AF65-F5344CB8AC3E}">
-        <p14:creationId xmlns:p14="http://schemas.microsoft.com/office/powerpoint/2010/main" val="3403269080"/>
-      </p:ext>
-    </p:extLst>
-  </p:cSld>
-  <p:clrMapOvr>
-    <a:masterClrMapping/>
-  </p:clrMapOvr>
-</p:sld>
-</file>
-
-<file path=ppt/slides/slide16.xml><?xml version="1.0" encoding="utf-8"?>
-<p:sld xmlns:a="http://schemas.openxmlformats.org/drawingml/2006/main" xmlns:r="http://schemas.openxmlformats.org/officeDocument/2006/relationships" xmlns:p="http://schemas.openxmlformats.org/presentationml/2006/main">
-  <p:cSld>
-    <p:spTree>
-      <p:nvGrpSpPr>
-        <p:cNvPr id="1" name=""/>
-        <p:cNvGrpSpPr/>
-        <p:nvPr/>
-      </p:nvGrpSpPr>
-      <p:grpSpPr>
-        <a:xfrm>
-          <a:off x="0" y="0"/>
-          <a:ext cx="0" cy="0"/>
-          <a:chOff x="0" y="0"/>
-          <a:chExt cx="0" cy="0"/>
-        </a:xfrm>
-      </p:grpSpPr>
-      <p:sp>
-        <p:nvSpPr>
-          <p:cNvPr id="2" name="Title 1"/>
-          <p:cNvSpPr>
-            <a:spLocks noGrp="1"/>
-          </p:cNvSpPr>
-          <p:nvPr>
-            <p:ph type="title"/>
-          </p:nvPr>
-        </p:nvSpPr>
-        <p:spPr/>
-        <p:txBody>
-          <a:bodyPr/>
-          <a:lstStyle/>
-          <a:p>
-            <a:r>
-              <a:rPr lang="en-US" dirty="0" smtClean="0">
-                <a:latin typeface="Courier New" panose="02070309020205020404" pitchFamily="49" charset="0"/>
-                <a:cs typeface="Courier New" panose="02070309020205020404" pitchFamily="49" charset="0"/>
-              </a:rPr>
-              <a:t>HTML 5</a:t>
-            </a:r>
-            <a:endParaRPr lang="en-US" dirty="0">
-              <a:latin typeface="Courier New" panose="02070309020205020404" pitchFamily="49" charset="0"/>
-              <a:cs typeface="Courier New" panose="02070309020205020404" pitchFamily="49" charset="0"/>
-            </a:endParaRPr>
-          </a:p>
-        </p:txBody>
-      </p:sp>
-      <p:sp>
-        <p:nvSpPr>
-          <p:cNvPr id="3" name="Content Placeholder 2"/>
-          <p:cNvSpPr>
-            <a:spLocks noGrp="1"/>
-          </p:cNvSpPr>
-          <p:nvPr>
-            <p:ph idx="1"/>
-          </p:nvPr>
-        </p:nvSpPr>
-        <p:spPr/>
-        <p:txBody>
-          <a:bodyPr/>
-          <a:lstStyle/>
-          <a:p>
-            <a:r>
-              <a:rPr lang="en-US" dirty="0"/>
-              <a:t>&lt;applet</a:t>
-            </a:r>
-            <a:r>
-              <a:rPr lang="en-US" dirty="0" smtClean="0"/>
-              <a:t>&gt; removed (&lt;object&gt; instead)</a:t>
-            </a:r>
-            <a:endParaRPr lang="en-US" dirty="0"/>
-          </a:p>
-        </p:txBody>
-      </p:sp>
-    </p:spTree>
-    <p:extLst>
-      <p:ext uri="{BB962C8B-B14F-4D97-AF65-F5344CB8AC3E}">
-        <p14:creationId xmlns:p14="http://schemas.microsoft.com/office/powerpoint/2010/main" val="2612680553"/>
-      </p:ext>
-    </p:extLst>
-  </p:cSld>
-  <p:clrMapOvr>
-    <a:masterClrMapping/>
-  </p:clrMapOvr>
-</p:sld>
-</file>
-
-<file path=ppt/slides/slide17.xml><?xml version="1.0" encoding="utf-8"?>
-<p:sld xmlns:a="http://schemas.openxmlformats.org/drawingml/2006/main" xmlns:r="http://schemas.openxmlformats.org/officeDocument/2006/relationships" xmlns:p="http://schemas.openxmlformats.org/presentationml/2006/main">
-  <p:cSld>
-    <p:spTree>
-      <p:nvGrpSpPr>
-        <p:cNvPr id="1" name=""/>
-        <p:cNvGrpSpPr/>
-        <p:nvPr/>
-      </p:nvGrpSpPr>
-      <p:grpSpPr>
-        <a:xfrm>
-          <a:off x="0" y="0"/>
-          <a:ext cx="0" cy="0"/>
-          <a:chOff x="0" y="0"/>
-          <a:chExt cx="0" cy="0"/>
-        </a:xfrm>
-      </p:grpSpPr>
-      <p:sp>
-        <p:nvSpPr>
-          <p:cNvPr id="2" name="Title 1"/>
-          <p:cNvSpPr>
-            <a:spLocks noGrp="1"/>
-          </p:cNvSpPr>
-          <p:nvPr>
-            <p:ph type="title"/>
-          </p:nvPr>
-        </p:nvSpPr>
-        <p:spPr/>
-        <p:txBody>
-          <a:bodyPr/>
-          <a:lstStyle/>
-          <a:p>
-            <a:r>
-              <a:rPr lang="en-US" dirty="0" err="1" smtClean="0"/>
-              <a:t>Javascript</a:t>
-            </a:r>
-            <a:endParaRPr lang="en-US" dirty="0"/>
-          </a:p>
-        </p:txBody>
-      </p:sp>
-      <p:sp>
-        <p:nvSpPr>
-          <p:cNvPr id="3" name="Content Placeholder 2"/>
-          <p:cNvSpPr>
-            <a:spLocks noGrp="1"/>
-          </p:cNvSpPr>
-          <p:nvPr>
-            <p:ph idx="1"/>
-          </p:nvPr>
-        </p:nvSpPr>
-        <p:spPr/>
-        <p:txBody>
-          <a:bodyPr/>
-          <a:lstStyle/>
-          <a:p>
-            <a:r>
-              <a:rPr lang="en-US" dirty="0" smtClean="0"/>
-              <a:t>Java? </a:t>
-            </a:r>
-          </a:p>
-          <a:p>
-            <a:r>
-              <a:rPr lang="en-US" dirty="0" smtClean="0"/>
-              <a:t>Scripting?</a:t>
-            </a:r>
-            <a:endParaRPr lang="en-US" dirty="0"/>
-          </a:p>
-        </p:txBody>
-      </p:sp>
-    </p:spTree>
-    <p:extLst>
-      <p:ext uri="{BB962C8B-B14F-4D97-AF65-F5344CB8AC3E}">
-        <p14:creationId xmlns:p14="http://schemas.microsoft.com/office/powerpoint/2010/main" val="3725139495"/>
-      </p:ext>
-    </p:extLst>
-  </p:cSld>
-  <p:clrMapOvr>
-    <a:masterClrMapping/>
-  </p:clrMapOvr>
-</p:sld>
-</file>
-
-<file path=ppt/slides/slide18.xml><?xml version="1.0" encoding="utf-8"?>
-<p:sld xmlns:a="http://schemas.openxmlformats.org/drawingml/2006/main" xmlns:r="http://schemas.openxmlformats.org/officeDocument/2006/relationships" xmlns:p="http://schemas.openxmlformats.org/presentationml/2006/main">
-  <p:cSld>
-    <p:spTree>
-      <p:nvGrpSpPr>
-        <p:cNvPr id="1" name=""/>
-        <p:cNvGrpSpPr/>
-        <p:nvPr/>
-      </p:nvGrpSpPr>
-      <p:grpSpPr>
-        <a:xfrm>
-          <a:off x="0" y="0"/>
-          <a:ext cx="0" cy="0"/>
-          <a:chOff x="0" y="0"/>
-          <a:chExt cx="0" cy="0"/>
-        </a:xfrm>
-      </p:grpSpPr>
-      <p:sp>
-        <p:nvSpPr>
-          <p:cNvPr id="2" name="Title 1"/>
-          <p:cNvSpPr>
-            <a:spLocks noGrp="1"/>
-          </p:cNvSpPr>
-          <p:nvPr>
-            <p:ph type="title"/>
-          </p:nvPr>
-        </p:nvSpPr>
-        <p:spPr/>
-        <p:txBody>
-          <a:bodyPr/>
-          <a:lstStyle/>
-          <a:p>
-            <a:r>
-              <a:rPr lang="en-US" dirty="0" smtClean="0"/>
-              <a:t>Semantics</a:t>
-            </a:r>
-            <a:endParaRPr lang="en-US" dirty="0"/>
-          </a:p>
-        </p:txBody>
-      </p:sp>
-      <p:sp>
-        <p:nvSpPr>
-          <p:cNvPr id="3" name="Content Placeholder 2"/>
-          <p:cNvSpPr>
-            <a:spLocks noGrp="1"/>
-          </p:cNvSpPr>
-          <p:nvPr>
-            <p:ph idx="1"/>
-          </p:nvPr>
-        </p:nvSpPr>
-        <p:spPr/>
-        <p:txBody>
-          <a:bodyPr/>
-          <a:lstStyle/>
-          <a:p>
-            <a:r>
-              <a:rPr lang="en-US" dirty="0" smtClean="0"/>
-              <a:t>extends HTML with clarity</a:t>
-            </a:r>
-          </a:p>
-          <a:p>
-            <a:r>
-              <a:rPr lang="en-US" dirty="0" smtClean="0"/>
-              <a:t>custom behavioral notations (directives)</a:t>
-            </a:r>
-            <a:endParaRPr lang="en-US" dirty="0"/>
-          </a:p>
-        </p:txBody>
-      </p:sp>
-    </p:spTree>
-    <p:extLst>
-      <p:ext uri="{BB962C8B-B14F-4D97-AF65-F5344CB8AC3E}">
-        <p14:creationId xmlns:p14="http://schemas.microsoft.com/office/powerpoint/2010/main" val="3478444464"/>
-      </p:ext>
-    </p:extLst>
-  </p:cSld>
-  <p:clrMapOvr>
-    <a:masterClrMapping/>
-  </p:clrMapOvr>
-</p:sld>
-</file>
-
-<file path=ppt/slides/slide19.xml><?xml version="1.0" encoding="utf-8"?>
-<p:sld xmlns:a="http://schemas.openxmlformats.org/drawingml/2006/main" xmlns:r="http://schemas.openxmlformats.org/officeDocument/2006/relationships" xmlns:p="http://schemas.openxmlformats.org/presentationml/2006/main">
-  <p:cSld>
-    <p:spTree>
-      <p:nvGrpSpPr>
-        <p:cNvPr id="1" name=""/>
-        <p:cNvGrpSpPr/>
-        <p:nvPr/>
-      </p:nvGrpSpPr>
-      <p:grpSpPr>
-        <a:xfrm>
-          <a:off x="0" y="0"/>
-          <a:ext cx="0" cy="0"/>
-          <a:chOff x="0" y="0"/>
-          <a:chExt cx="0" cy="0"/>
-        </a:xfrm>
-      </p:grpSpPr>
-      <p:sp>
-        <p:nvSpPr>
-          <p:cNvPr id="2" name="Title 1"/>
-          <p:cNvSpPr>
-            <a:spLocks noGrp="1"/>
-          </p:cNvSpPr>
-          <p:nvPr>
-            <p:ph type="title"/>
-          </p:nvPr>
-        </p:nvSpPr>
-        <p:spPr/>
-        <p:txBody>
-          <a:bodyPr/>
-          <a:lstStyle/>
-          <a:p>
-            <a:r>
-              <a:rPr lang="en-US" dirty="0" smtClean="0"/>
-              <a:t>Angular 1 vs 2</a:t>
-            </a:r>
-            <a:endParaRPr lang="en-US" dirty="0"/>
-          </a:p>
-        </p:txBody>
-      </p:sp>
-      <p:sp>
-        <p:nvSpPr>
-          <p:cNvPr id="3" name="Content Placeholder 2"/>
-          <p:cNvSpPr>
-            <a:spLocks noGrp="1"/>
-          </p:cNvSpPr>
-          <p:nvPr>
-            <p:ph idx="1"/>
-          </p:nvPr>
-        </p:nvSpPr>
-        <p:spPr/>
-        <p:txBody>
-          <a:bodyPr/>
-          <a:lstStyle/>
-          <a:p>
-            <a:pPr marL="0" indent="0">
-              <a:buNone/>
-            </a:pPr>
-            <a:r>
-              <a:rPr lang="en-US" dirty="0" smtClean="0"/>
-              <a:t>(what people say)</a:t>
-            </a:r>
-          </a:p>
-          <a:p>
-            <a:r>
-              <a:rPr lang="en-US" dirty="0" smtClean="0"/>
-              <a:t>2 is too raw</a:t>
-            </a:r>
-          </a:p>
-          <a:p>
-            <a:r>
-              <a:rPr lang="en-US" dirty="0" smtClean="0"/>
-              <a:t>1 can be upgraded using </a:t>
-            </a:r>
-            <a:r>
-              <a:rPr lang="en-US" dirty="0" err="1" smtClean="0"/>
-              <a:t>ngForward</a:t>
-            </a:r>
-            <a:endParaRPr lang="en-US" dirty="0" smtClean="0"/>
-          </a:p>
-          <a:p>
-            <a:r>
-              <a:rPr lang="en-US" dirty="0" smtClean="0"/>
-              <a:t>2 has better performance</a:t>
-            </a:r>
-          </a:p>
-          <a:p>
-            <a:r>
-              <a:rPr lang="en-US" dirty="0" smtClean="0"/>
-              <a:t>1 will still be supported</a:t>
-            </a:r>
-          </a:p>
-          <a:p>
-            <a:r>
-              <a:rPr lang="en-US" dirty="0" smtClean="0"/>
-              <a:t>2 uses TS and ES6</a:t>
-            </a:r>
-          </a:p>
-        </p:txBody>
-      </p:sp>
-    </p:spTree>
-    <p:extLst>
-      <p:ext uri="{BB962C8B-B14F-4D97-AF65-F5344CB8AC3E}">
-        <p14:creationId xmlns:p14="http://schemas.microsoft.com/office/powerpoint/2010/main" val="1269660243"/>
-      </p:ext>
-    </p:extLst>
-  </p:cSld>
-  <p:clrMapOvr>
-    <a:masterClrMapping/>
-  </p:clrMapOvr>
-</p:sld>
-</file>
-
 <file path=ppt/slides/slide2.xml><?xml version="1.0" encoding="utf-8"?>
 <p:sld xmlns:a="http://schemas.openxmlformats.org/drawingml/2006/main" xmlns:r="http://schemas.openxmlformats.org/officeDocument/2006/relationships" xmlns:p="http://schemas.openxmlformats.org/presentationml/2006/main">
   <p:cSld>
@@ -6706,14 +3922,14 @@
       </p:grpSpPr>
       <p:sp>
         <p:nvSpPr>
-          <p:cNvPr id="4" name="Snip Single Corner Rectangle 3"/>
+          <p:cNvPr id="5" name="Snip Single Corner Rectangle 4"/>
           <p:cNvSpPr/>
           <p:nvPr/>
         </p:nvSpPr>
         <p:spPr>
           <a:xfrm>
-            <a:off x="0" y="1143000"/>
-            <a:ext cx="9144000" cy="1066800"/>
+            <a:off x="430120" y="1143000"/>
+            <a:ext cx="8283759" cy="914400"/>
           </a:xfrm>
           <a:prstGeom prst="snip1Rect">
             <a:avLst>
@@ -6752,7 +3968,6 @@
               <a:rPr lang="en-US" sz="3600" dirty="0"/>
               <a:t>object-oriented  or functional?</a:t>
             </a:r>
-            <a:endParaRPr lang="en-US" sz="3600" dirty="0"/>
           </a:p>
         </p:txBody>
       </p:sp>
@@ -6803,38 +4018,59 @@
       </p:grpSpPr>
       <p:sp>
         <p:nvSpPr>
-          <p:cNvPr id="6" name="TextBox 5"/>
-          <p:cNvSpPr txBox="1"/>
+          <p:cNvPr id="5" name="Snip Single Corner Rectangle 4"/>
+          <p:cNvSpPr/>
           <p:nvPr/>
         </p:nvSpPr>
         <p:spPr>
           <a:xfrm>
-            <a:off x="1981200" y="1447800"/>
-            <a:ext cx="6553200" cy="646331"/>
+            <a:off x="430120" y="1143000"/>
+            <a:ext cx="8283759" cy="914400"/>
           </a:xfrm>
-          <a:prstGeom prst="rect">
-            <a:avLst/>
+          <a:prstGeom prst="snip1Rect">
+            <a:avLst>
+              <a:gd name="adj" fmla="val 0"/>
+            </a:avLst>
           </a:prstGeom>
-          <a:noFill/>
+          <a:solidFill>
+            <a:srgbClr val="607D8B"/>
+          </a:solidFill>
+          <a:ln>
+            <a:noFill/>
+          </a:ln>
         </p:spPr>
-        <p:txBody>
-          <a:bodyPr wrap="square" rtlCol="0">
-            <a:spAutoFit/>
-          </a:bodyPr>
-          <a:lstStyle/>
-          <a:p>
-            <a:r>
-              <a:rPr lang="en-US" sz="3600" dirty="0" smtClean="0"/>
-              <a:t>execute outside browser?</a:t>
-            </a:r>
-            <a:endParaRPr lang="en-US" sz="3600" dirty="0"/>
+        <p:style>
+          <a:lnRef idx="2">
+            <a:schemeClr val="accent1">
+              <a:shade val="50000"/>
+            </a:schemeClr>
+          </a:lnRef>
+          <a:fillRef idx="1">
+            <a:schemeClr val="accent1"/>
+          </a:fillRef>
+          <a:effectRef idx="0">
+            <a:schemeClr val="accent1"/>
+          </a:effectRef>
+          <a:fontRef idx="minor">
+            <a:schemeClr val="lt1"/>
+          </a:fontRef>
+        </p:style>
+        <p:txBody>
+          <a:bodyPr rtlCol="0" anchor="ctr"/>
+          <a:lstStyle/>
+          <a:p>
+            <a:pPr algn="ctr"/>
+            <a:r>
+              <a:rPr lang="en-US" sz="3600" dirty="0"/>
+              <a:t>object-oriented  or functional?</a:t>
+            </a:r>
           </a:p>
         </p:txBody>
       </p:sp>
     </p:spTree>
     <p:extLst>
       <p:ext uri="{BB962C8B-B14F-4D97-AF65-F5344CB8AC3E}">
-        <p14:creationId xmlns:p14="http://schemas.microsoft.com/office/powerpoint/2010/main" val="1158507301"/>
+        <p14:creationId xmlns:p14="http://schemas.microsoft.com/office/powerpoint/2010/main" val="3080645392"/>
       </p:ext>
     </p:extLst>
   </p:cSld>
@@ -6884,7 +4120,7 @@
         </p:nvSpPr>
         <p:spPr>
           <a:xfrm>
-            <a:off x="1828800" y="1447800"/>
+            <a:off x="1981200" y="1447800"/>
             <a:ext cx="6553200" cy="646331"/>
           </a:xfrm>
           <a:prstGeom prst="rect">
@@ -6900,15 +4136,7 @@
           <a:p>
             <a:r>
               <a:rPr lang="en-US" sz="3600" dirty="0" smtClean="0"/>
-              <a:t>multithreading in </a:t>
-            </a:r>
-            <a:r>
-              <a:rPr lang="en-US" sz="3600" dirty="0" err="1" smtClean="0"/>
-              <a:t>javascript</a:t>
-            </a:r>
-            <a:r>
-              <a:rPr lang="en-US" sz="3600" dirty="0" smtClean="0"/>
-              <a:t>?</a:t>
+              <a:t>execute outside browser?</a:t>
             </a:r>
             <a:endParaRPr lang="en-US" sz="3600" dirty="0"/>
           </a:p>
@@ -6917,7 +4145,7 @@
     </p:spTree>
     <p:extLst>
       <p:ext uri="{BB962C8B-B14F-4D97-AF65-F5344CB8AC3E}">
-        <p14:creationId xmlns:p14="http://schemas.microsoft.com/office/powerpoint/2010/main" val="2311485577"/>
+        <p14:creationId xmlns:p14="http://schemas.microsoft.com/office/powerpoint/2010/main" val="1158507301"/>
       </p:ext>
     </p:extLst>
   </p:cSld>
@@ -6959,554 +4187,48 @@
           <a:chExt cx="0" cy="0"/>
         </a:xfrm>
       </p:grpSpPr>
-      <p:pic>
-        <p:nvPicPr>
-          <p:cNvPr id="1026" name="Picture 2" descr="https://docs.angularjs.org/img/One_Way_Data_Binding.png"/>
-          <p:cNvPicPr>
-            <a:picLocks noChangeAspect="1" noChangeArrowheads="1"/>
-          </p:cNvPicPr>
+      <p:sp>
+        <p:nvSpPr>
+          <p:cNvPr id="6" name="TextBox 5"/>
+          <p:cNvSpPr txBox="1"/>
           <p:nvPr/>
-        </p:nvPicPr>
-        <p:blipFill>
-          <a:blip r:embed="rId3">
-            <a:extLst>
-              <a:ext uri="{28A0092B-C50C-407E-A947-70E740481C1C}">
-                <a14:useLocalDpi xmlns:a14="http://schemas.microsoft.com/office/drawing/2010/main" val="0"/>
-              </a:ext>
-            </a:extLst>
-          </a:blip>
-          <a:srcRect/>
-          <a:stretch>
-            <a:fillRect/>
-          </a:stretch>
-        </p:blipFill>
-        <p:spPr bwMode="auto">
+        </p:nvSpPr>
+        <p:spPr>
           <a:xfrm>
-            <a:off x="533400" y="457200"/>
-            <a:ext cx="3810000" cy="2428875"/>
+            <a:off x="1828800" y="1447800"/>
+            <a:ext cx="6553200" cy="646331"/>
           </a:xfrm>
           <a:prstGeom prst="rect">
             <a:avLst/>
           </a:prstGeom>
           <a:noFill/>
-          <a:extLst>
-            <a:ext uri="{909E8E84-426E-40DD-AFC4-6F175D3DCCD1}">
-              <a14:hiddenFill xmlns:a14="http://schemas.microsoft.com/office/drawing/2010/main">
-                <a:solidFill>
-                  <a:srgbClr val="FFFFFF"/>
-                </a:solidFill>
-              </a14:hiddenFill>
-            </a:ext>
-          </a:extLst>
         </p:spPr>
-      </p:pic>
-      <p:pic>
-        <p:nvPicPr>
-          <p:cNvPr id="1028" name="Picture 4" descr="https://docs.angularjs.org/img/Two_Way_Data_Binding.png"/>
-          <p:cNvPicPr>
-            <a:picLocks noChangeAspect="1" noChangeArrowheads="1"/>
-          </p:cNvPicPr>
-          <p:nvPr/>
-        </p:nvPicPr>
-        <p:blipFill>
-          <a:blip r:embed="rId4">
-            <a:extLst>
-              <a:ext uri="{28A0092B-C50C-407E-A947-70E740481C1C}">
-                <a14:useLocalDpi xmlns:a14="http://schemas.microsoft.com/office/drawing/2010/main" val="0"/>
-              </a:ext>
-            </a:extLst>
-          </a:blip>
-          <a:srcRect/>
-          <a:stretch>
-            <a:fillRect/>
-          </a:stretch>
-        </p:blipFill>
-        <p:spPr bwMode="auto">
-          <a:xfrm>
-            <a:off x="533400" y="3352800"/>
-            <a:ext cx="3810000" cy="2762251"/>
-          </a:xfrm>
-          <a:prstGeom prst="rect">
-            <a:avLst/>
-          </a:prstGeom>
-          <a:noFill/>
-          <a:extLst>
-            <a:ext uri="{909E8E84-426E-40DD-AFC4-6F175D3DCCD1}">
-              <a14:hiddenFill xmlns:a14="http://schemas.microsoft.com/office/drawing/2010/main">
-                <a:solidFill>
-                  <a:srgbClr val="FFFFFF"/>
-                </a:solidFill>
-              </a14:hiddenFill>
-            </a:ext>
-          </a:extLst>
-        </p:spPr>
-      </p:pic>
+        <p:txBody>
+          <a:bodyPr wrap="square" rtlCol="0">
+            <a:spAutoFit/>
+          </a:bodyPr>
+          <a:lstStyle/>
+          <a:p>
+            <a:r>
+              <a:rPr lang="en-US" sz="3600" dirty="0" smtClean="0"/>
+              <a:t>multithreading in </a:t>
+            </a:r>
+            <a:r>
+              <a:rPr lang="en-US" sz="3600" dirty="0" err="1" smtClean="0"/>
+              <a:t>javascript</a:t>
+            </a:r>
+            <a:r>
+              <a:rPr lang="en-US" sz="3600" dirty="0" smtClean="0"/>
+              <a:t>?</a:t>
+            </a:r>
+            <a:endParaRPr lang="en-US" sz="3600" dirty="0"/>
+          </a:p>
+        </p:txBody>
+      </p:sp>
     </p:spTree>
     <p:extLst>
       <p:ext uri="{BB962C8B-B14F-4D97-AF65-F5344CB8AC3E}">
-        <p14:creationId xmlns:p14="http://schemas.microsoft.com/office/powerpoint/2010/main" val="2052117727"/>
-      </p:ext>
-    </p:extLst>
-  </p:cSld>
-  <p:clrMapOvr>
-    <a:masterClrMapping/>
-  </p:clrMapOvr>
-  <mc:AlternateContent xmlns:mc="http://schemas.openxmlformats.org/markup-compatibility/2006" xmlns:p14="http://schemas.microsoft.com/office/powerpoint/2010/main">
-    <mc:Choice Requires="p14">
-      <p:transition spd="slow" p14:dur="2000"/>
-    </mc:Choice>
-    <mc:Fallback xmlns="">
-      <p:transition spd="slow"/>
-    </mc:Fallback>
-  </mc:AlternateContent>
-  <p:timing>
-    <p:tnLst>
-      <p:par>
-        <p:cTn id="1" dur="indefinite" restart="never" nodeType="tmRoot"/>
-      </p:par>
-    </p:tnLst>
-  </p:timing>
-</p:sld>
-</file>
-
-<file path=ppt/slides/slide6.xml><?xml version="1.0" encoding="utf-8"?>
-<p:sld xmlns:a="http://schemas.openxmlformats.org/drawingml/2006/main" xmlns:r="http://schemas.openxmlformats.org/officeDocument/2006/relationships" xmlns:p="http://schemas.openxmlformats.org/presentationml/2006/main">
-  <p:cSld>
-    <p:spTree>
-      <p:nvGrpSpPr>
-        <p:cNvPr id="1" name=""/>
-        <p:cNvGrpSpPr/>
-        <p:nvPr/>
-      </p:nvGrpSpPr>
-      <p:grpSpPr>
-        <a:xfrm>
-          <a:off x="0" y="0"/>
-          <a:ext cx="0" cy="0"/>
-          <a:chOff x="0" y="0"/>
-          <a:chExt cx="0" cy="0"/>
-        </a:xfrm>
-      </p:grpSpPr>
-      <p:sp>
-        <p:nvSpPr>
-          <p:cNvPr id="2" name="Title 1"/>
-          <p:cNvSpPr>
-            <a:spLocks noGrp="1"/>
-          </p:cNvSpPr>
-          <p:nvPr>
-            <p:ph type="title"/>
-          </p:nvPr>
-        </p:nvSpPr>
-        <p:spPr/>
-        <p:txBody>
-          <a:bodyPr/>
-          <a:lstStyle/>
-          <a:p>
-            <a:r>
-              <a:rPr lang="en-US" dirty="0" smtClean="0">
-                <a:latin typeface="Courier New" panose="02070309020205020404" pitchFamily="49" charset="0"/>
-                <a:cs typeface="Courier New" panose="02070309020205020404" pitchFamily="49" charset="0"/>
-              </a:rPr>
-              <a:t>MVVM</a:t>
-            </a:r>
-            <a:endParaRPr lang="ru-RU" dirty="0">
-              <a:latin typeface="Courier New" panose="02070309020205020404" pitchFamily="49" charset="0"/>
-              <a:cs typeface="Courier New" panose="02070309020205020404" pitchFamily="49" charset="0"/>
-            </a:endParaRPr>
-          </a:p>
-        </p:txBody>
-      </p:sp>
-      <p:sp>
-        <p:nvSpPr>
-          <p:cNvPr id="3" name="Content Placeholder 2"/>
-          <p:cNvSpPr>
-            <a:spLocks noGrp="1"/>
-          </p:cNvSpPr>
-          <p:nvPr>
-            <p:ph idx="1"/>
-          </p:nvPr>
-        </p:nvSpPr>
-        <p:spPr>
-          <a:xfrm>
-            <a:off x="457200" y="1600200"/>
-            <a:ext cx="8229600" cy="3809999"/>
-          </a:xfrm>
-        </p:spPr>
-        <p:txBody>
-          <a:bodyPr>
-            <a:normAutofit/>
-          </a:bodyPr>
-          <a:lstStyle/>
-          <a:p>
-            <a:r>
-              <a:rPr lang="en-US" dirty="0" smtClean="0"/>
-              <a:t>JS – model</a:t>
-            </a:r>
-          </a:p>
-          <a:p>
-            <a:r>
-              <a:rPr lang="en-US" dirty="0" smtClean="0"/>
-              <a:t>HTML – view</a:t>
-            </a:r>
-          </a:p>
-          <a:p>
-            <a:r>
-              <a:rPr lang="en-US" dirty="0" smtClean="0"/>
-              <a:t>$scope – view model – shared object between view and model</a:t>
-            </a:r>
-            <a:endParaRPr lang="ru-RU" dirty="0"/>
-          </a:p>
-        </p:txBody>
-      </p:sp>
-    </p:spTree>
-    <p:extLst>
-      <p:ext uri="{BB962C8B-B14F-4D97-AF65-F5344CB8AC3E}">
-        <p14:creationId xmlns:p14="http://schemas.microsoft.com/office/powerpoint/2010/main" val="1498899927"/>
-      </p:ext>
-    </p:extLst>
-  </p:cSld>
-  <p:clrMapOvr>
-    <a:masterClrMapping/>
-  </p:clrMapOvr>
-  <mc:AlternateContent xmlns:mc="http://schemas.openxmlformats.org/markup-compatibility/2006" xmlns:p14="http://schemas.microsoft.com/office/powerpoint/2010/main">
-    <mc:Choice Requires="p14">
-      <p:transition spd="slow" p14:dur="2000"/>
-    </mc:Choice>
-    <mc:Fallback xmlns="">
-      <p:transition spd="slow"/>
-    </mc:Fallback>
-  </mc:AlternateContent>
-  <p:timing>
-    <p:tnLst>
-      <p:par>
-        <p:cTn id="1" dur="indefinite" restart="never" nodeType="tmRoot"/>
-      </p:par>
-    </p:tnLst>
-  </p:timing>
-</p:sld>
-</file>
-
-<file path=ppt/slides/slide7.xml><?xml version="1.0" encoding="utf-8"?>
-<p:sld xmlns:a="http://schemas.openxmlformats.org/drawingml/2006/main" xmlns:r="http://schemas.openxmlformats.org/officeDocument/2006/relationships" xmlns:p="http://schemas.openxmlformats.org/presentationml/2006/main">
-  <p:cSld>
-    <p:spTree>
-      <p:nvGrpSpPr>
-        <p:cNvPr id="1" name=""/>
-        <p:cNvGrpSpPr/>
-        <p:nvPr/>
-      </p:nvGrpSpPr>
-      <p:grpSpPr>
-        <a:xfrm>
-          <a:off x="0" y="0"/>
-          <a:ext cx="0" cy="0"/>
-          <a:chOff x="0" y="0"/>
-          <a:chExt cx="0" cy="0"/>
-        </a:xfrm>
-      </p:grpSpPr>
-      <p:sp>
-        <p:nvSpPr>
-          <p:cNvPr id="2" name="Title 1"/>
-          <p:cNvSpPr>
-            <a:spLocks noGrp="1"/>
-          </p:cNvSpPr>
-          <p:nvPr>
-            <p:ph type="title"/>
-          </p:nvPr>
-        </p:nvSpPr>
-        <p:spPr/>
-        <p:txBody>
-          <a:bodyPr/>
-          <a:lstStyle/>
-          <a:p>
-            <a:r>
-              <a:rPr lang="en-US" dirty="0" smtClean="0">
-                <a:latin typeface="Courier New" panose="02070309020205020404" pitchFamily="49" charset="0"/>
-                <a:cs typeface="Courier New" panose="02070309020205020404" pitchFamily="49" charset="0"/>
-              </a:rPr>
-              <a:t>Controllers</a:t>
-            </a:r>
-            <a:endParaRPr lang="ru-RU" dirty="0">
-              <a:latin typeface="Courier New" panose="02070309020205020404" pitchFamily="49" charset="0"/>
-              <a:cs typeface="Courier New" panose="02070309020205020404" pitchFamily="49" charset="0"/>
-            </a:endParaRPr>
-          </a:p>
-        </p:txBody>
-      </p:sp>
-      <p:sp>
-        <p:nvSpPr>
-          <p:cNvPr id="4" name="Content Placeholder 3"/>
-          <p:cNvSpPr>
-            <a:spLocks noGrp="1"/>
-          </p:cNvSpPr>
-          <p:nvPr>
-            <p:ph idx="1"/>
-          </p:nvPr>
-        </p:nvSpPr>
-        <p:spPr/>
-        <p:txBody>
-          <a:bodyPr/>
-          <a:lstStyle/>
-          <a:p>
-            <a:endParaRPr lang="en-US"/>
-          </a:p>
-        </p:txBody>
-      </p:sp>
-    </p:spTree>
-    <p:extLst>
-      <p:ext uri="{BB962C8B-B14F-4D97-AF65-F5344CB8AC3E}">
-        <p14:creationId xmlns:p14="http://schemas.microsoft.com/office/powerpoint/2010/main" val="589420582"/>
-      </p:ext>
-    </p:extLst>
-  </p:cSld>
-  <p:clrMapOvr>
-    <a:masterClrMapping/>
-  </p:clrMapOvr>
-  <mc:AlternateContent xmlns:mc="http://schemas.openxmlformats.org/markup-compatibility/2006" xmlns:p14="http://schemas.microsoft.com/office/powerpoint/2010/main">
-    <mc:Choice Requires="p14">
-      <p:transition spd="slow" p14:dur="2000"/>
-    </mc:Choice>
-    <mc:Fallback xmlns="">
-      <p:transition spd="slow"/>
-    </mc:Fallback>
-  </mc:AlternateContent>
-  <p:timing>
-    <p:tnLst>
-      <p:par>
-        <p:cTn id="1" dur="indefinite" restart="never" nodeType="tmRoot"/>
-      </p:par>
-    </p:tnLst>
-  </p:timing>
-</p:sld>
-</file>
-
-<file path=ppt/slides/slide8.xml><?xml version="1.0" encoding="utf-8"?>
-<p:sld xmlns:a="http://schemas.openxmlformats.org/drawingml/2006/main" xmlns:r="http://schemas.openxmlformats.org/officeDocument/2006/relationships" xmlns:p="http://schemas.openxmlformats.org/presentationml/2006/main">
-  <p:cSld>
-    <p:spTree>
-      <p:nvGrpSpPr>
-        <p:cNvPr id="1" name=""/>
-        <p:cNvGrpSpPr/>
-        <p:nvPr/>
-      </p:nvGrpSpPr>
-      <p:grpSpPr>
-        <a:xfrm>
-          <a:off x="0" y="0"/>
-          <a:ext cx="0" cy="0"/>
-          <a:chOff x="0" y="0"/>
-          <a:chExt cx="0" cy="0"/>
-        </a:xfrm>
-      </p:grpSpPr>
-      <p:sp>
-        <p:nvSpPr>
-          <p:cNvPr id="2" name="Title 1"/>
-          <p:cNvSpPr>
-            <a:spLocks noGrp="1"/>
-          </p:cNvSpPr>
-          <p:nvPr>
-            <p:ph type="title"/>
-          </p:nvPr>
-        </p:nvSpPr>
-        <p:spPr/>
-        <p:txBody>
-          <a:bodyPr>
-            <a:normAutofit/>
-          </a:bodyPr>
-          <a:lstStyle/>
-          <a:p>
-            <a:r>
-              <a:rPr lang="en-US" dirty="0" smtClean="0">
-                <a:latin typeface="Courier New" panose="02070309020205020404" pitchFamily="49" charset="0"/>
-                <a:cs typeface="Courier New" panose="02070309020205020404" pitchFamily="49" charset="0"/>
-              </a:rPr>
-              <a:t>[Dependency injection]</a:t>
-            </a:r>
-            <a:endParaRPr lang="ru-RU" dirty="0">
-              <a:latin typeface="Courier New" panose="02070309020205020404" pitchFamily="49" charset="0"/>
-              <a:cs typeface="Courier New" panose="02070309020205020404" pitchFamily="49" charset="0"/>
-            </a:endParaRPr>
-          </a:p>
-        </p:txBody>
-      </p:sp>
-      <p:pic>
-        <p:nvPicPr>
-          <p:cNvPr id="1026" name="Picture 2" descr="https://docs.angularjs.org/img/guide/concepts-module-injector.png"/>
-          <p:cNvPicPr>
-            <a:picLocks noChangeAspect="1" noChangeArrowheads="1"/>
-          </p:cNvPicPr>
-          <p:nvPr/>
-        </p:nvPicPr>
-        <p:blipFill>
-          <a:blip r:embed="rId3">
-            <a:extLst>
-              <a:ext uri="{28A0092B-C50C-407E-A947-70E740481C1C}">
-                <a14:useLocalDpi xmlns:a14="http://schemas.microsoft.com/office/drawing/2010/main" val="0"/>
-              </a:ext>
-            </a:extLst>
-          </a:blip>
-          <a:srcRect/>
-          <a:stretch>
-            <a:fillRect/>
-          </a:stretch>
-        </p:blipFill>
-        <p:spPr bwMode="auto">
-          <a:xfrm>
-            <a:off x="5534025" y="1981200"/>
-            <a:ext cx="3152775" cy="2552700"/>
-          </a:xfrm>
-          <a:prstGeom prst="rect">
-            <a:avLst/>
-          </a:prstGeom>
-          <a:noFill/>
-          <a:extLst>
-            <a:ext uri="{909E8E84-426E-40DD-AFC4-6F175D3DCCD1}">
-              <a14:hiddenFill xmlns:a14="http://schemas.microsoft.com/office/drawing/2010/main">
-                <a:solidFill>
-                  <a:srgbClr val="FFFFFF"/>
-                </a:solidFill>
-              </a14:hiddenFill>
-            </a:ext>
-          </a:extLst>
-        </p:spPr>
-      </p:pic>
-    </p:spTree>
-    <p:extLst>
-      <p:ext uri="{BB962C8B-B14F-4D97-AF65-F5344CB8AC3E}">
-        <p14:creationId xmlns:p14="http://schemas.microsoft.com/office/powerpoint/2010/main" val="366578720"/>
-      </p:ext>
-    </p:extLst>
-  </p:cSld>
-  <p:clrMapOvr>
-    <a:masterClrMapping/>
-  </p:clrMapOvr>
-  <mc:AlternateContent xmlns:mc="http://schemas.openxmlformats.org/markup-compatibility/2006" xmlns:p14="http://schemas.microsoft.com/office/powerpoint/2010/main">
-    <mc:Choice Requires="p14">
-      <p:transition spd="slow" p14:dur="2000"/>
-    </mc:Choice>
-    <mc:Fallback xmlns="">
-      <p:transition spd="slow"/>
-    </mc:Fallback>
-  </mc:AlternateContent>
-  <p:timing>
-    <p:tnLst>
-      <p:par>
-        <p:cTn id="1" dur="indefinite" restart="never" nodeType="tmRoot"/>
-      </p:par>
-    </p:tnLst>
-  </p:timing>
-</p:sld>
-</file>
-
-<file path=ppt/slides/slide9.xml><?xml version="1.0" encoding="utf-8"?>
-<p:sld xmlns:a="http://schemas.openxmlformats.org/drawingml/2006/main" xmlns:r="http://schemas.openxmlformats.org/officeDocument/2006/relationships" xmlns:p="http://schemas.openxmlformats.org/presentationml/2006/main">
-  <p:cSld>
-    <p:spTree>
-      <p:nvGrpSpPr>
-        <p:cNvPr id="1" name=""/>
-        <p:cNvGrpSpPr/>
-        <p:nvPr/>
-      </p:nvGrpSpPr>
-      <p:grpSpPr>
-        <a:xfrm>
-          <a:off x="0" y="0"/>
-          <a:ext cx="0" cy="0"/>
-          <a:chOff x="0" y="0"/>
-          <a:chExt cx="0" cy="0"/>
-        </a:xfrm>
-      </p:grpSpPr>
-      <p:sp>
-        <p:nvSpPr>
-          <p:cNvPr id="2" name="Title 1"/>
-          <p:cNvSpPr>
-            <a:spLocks noGrp="1"/>
-          </p:cNvSpPr>
-          <p:nvPr>
-            <p:ph type="title"/>
-          </p:nvPr>
-        </p:nvSpPr>
-        <p:spPr/>
-        <p:txBody>
-          <a:bodyPr/>
-          <a:lstStyle/>
-          <a:p>
-            <a:r>
-              <a:rPr lang="en-US" dirty="0" smtClean="0">
-                <a:latin typeface="Courier New" panose="02070309020205020404" pitchFamily="49" charset="0"/>
-                <a:cs typeface="Courier New" panose="02070309020205020404" pitchFamily="49" charset="0"/>
-              </a:rPr>
-              <a:t>$scope</a:t>
-            </a:r>
-            <a:endParaRPr lang="ru-RU" dirty="0">
-              <a:latin typeface="Courier New" panose="02070309020205020404" pitchFamily="49" charset="0"/>
-              <a:cs typeface="Courier New" panose="02070309020205020404" pitchFamily="49" charset="0"/>
-            </a:endParaRPr>
-          </a:p>
-        </p:txBody>
-      </p:sp>
-      <p:sp>
-        <p:nvSpPr>
-          <p:cNvPr id="3" name="Content Placeholder 2"/>
-          <p:cNvSpPr>
-            <a:spLocks noGrp="1"/>
-          </p:cNvSpPr>
-          <p:nvPr>
-            <p:ph idx="1"/>
-          </p:nvPr>
-        </p:nvSpPr>
-        <p:spPr>
-          <a:xfrm>
-            <a:off x="457200" y="1600200"/>
-            <a:ext cx="8229600" cy="3809999"/>
-          </a:xfrm>
-        </p:spPr>
-        <p:txBody>
-          <a:bodyPr>
-            <a:normAutofit/>
-          </a:bodyPr>
-          <a:lstStyle/>
-          <a:p>
-            <a:r>
-              <a:rPr lang="en-US" dirty="0"/>
-              <a:t>In an AngularJS application, the controller and view share an object called a </a:t>
-            </a:r>
-            <a:r>
-              <a:rPr lang="en-US" dirty="0" smtClean="0"/>
-              <a:t>scope</a:t>
-            </a:r>
-          </a:p>
-          <a:p>
-            <a:r>
-              <a:rPr lang="en-US" dirty="0" smtClean="0"/>
-              <a:t>scope has </a:t>
-            </a:r>
-            <a:r>
-              <a:rPr lang="en-US" dirty="0"/>
-              <a:t>two-way data </a:t>
-            </a:r>
-            <a:r>
-              <a:rPr lang="en-US" dirty="0" smtClean="0"/>
-              <a:t>binding</a:t>
-            </a:r>
-          </a:p>
-          <a:p>
-            <a:r>
-              <a:rPr lang="en-US" dirty="0"/>
-              <a:t>$</a:t>
-            </a:r>
-            <a:r>
-              <a:rPr lang="en-US" dirty="0" err="1" smtClean="0"/>
-              <a:t>rootScope</a:t>
-            </a:r>
-            <a:r>
-              <a:rPr lang="en-US" dirty="0" smtClean="0"/>
-              <a:t> is always created on app start</a:t>
-            </a:r>
-            <a:endParaRPr lang="ru-RU" dirty="0"/>
-          </a:p>
-        </p:txBody>
-      </p:sp>
-    </p:spTree>
-    <p:extLst>
-      <p:ext uri="{BB962C8B-B14F-4D97-AF65-F5344CB8AC3E}">
-        <p14:creationId xmlns:p14="http://schemas.microsoft.com/office/powerpoint/2010/main" val="2019787567"/>
+        <p14:creationId xmlns:p14="http://schemas.microsoft.com/office/powerpoint/2010/main" val="2311485577"/>
       </p:ext>
     </p:extLst>
   </p:cSld>

--- a/docs/00_jsbasics.pptx
+++ b/docs/00_jsbasics.pptx
@@ -5,14 +5,19 @@
     <p:sldMasterId id="2147483648" r:id="rId1"/>
   </p:sldMasterIdLst>
   <p:notesMasterIdLst>
-    <p:notesMasterId r:id="rId7"/>
+    <p:notesMasterId r:id="rId12"/>
   </p:notesMasterIdLst>
   <p:sldIdLst>
-    <p:sldId id="256" r:id="rId2"/>
-    <p:sldId id="257" r:id="rId3"/>
-    <p:sldId id="275" r:id="rId4"/>
-    <p:sldId id="273" r:id="rId5"/>
-    <p:sldId id="274" r:id="rId6"/>
+    <p:sldId id="257" r:id="rId2"/>
+    <p:sldId id="277" r:id="rId3"/>
+    <p:sldId id="256" r:id="rId4"/>
+    <p:sldId id="280" r:id="rId5"/>
+    <p:sldId id="279" r:id="rId6"/>
+    <p:sldId id="278" r:id="rId7"/>
+    <p:sldId id="276" r:id="rId8"/>
+    <p:sldId id="275" r:id="rId9"/>
+    <p:sldId id="273" r:id="rId10"/>
+    <p:sldId id="274" r:id="rId11"/>
   </p:sldIdLst>
   <p:sldSz cx="9144000" cy="6858000" type="screen4x3"/>
   <p:notesSz cx="6858000" cy="9144000"/>
@@ -113,7 +118,7 @@
   </p:defaultTextStyle>
   <p:extLst>
     <p:ext uri="{EFAFB233-063F-42B5-8137-9DF3F51BA10A}">
-      <p15:sldGuideLst xmlns:p15="http://schemas.microsoft.com/office/powerpoint/2012/main" xmlns="">
+      <p15:sldGuideLst xmlns:p15="http://schemas.microsoft.com/office/powerpoint/2012/main">
         <p15:guide id="1" orient="horz" pos="2160">
           <p15:clr>
             <a:srgbClr val="A4A3A4"/>
@@ -212,7 +217,7 @@
           <a:p>
             <a:fld id="{CB1C2BA7-0370-4E4B-9997-E70834CB9037}" type="datetimeFigureOut">
               <a:rPr lang="ru-RU" smtClean="0"/>
-              <a:t>18.11.2016</a:t>
+              <a:t>20.11.2016</a:t>
             </a:fld>
             <a:endParaRPr lang="ru-RU"/>
           </a:p>
@@ -553,7 +558,7 @@
           <a:p>
             <a:fld id="{DA8CAE91-5FC7-41E5-8054-44424FFBB7AB}" type="slidenum">
               <a:rPr lang="ru-RU" smtClean="0"/>
-              <a:t>2</a:t>
+              <a:t>1</a:t>
             </a:fld>
             <a:endParaRPr lang="ru-RU"/>
           </a:p>
@@ -645,7 +650,7 @@
           <a:p>
             <a:fld id="{DA8CAE91-5FC7-41E5-8054-44424FFBB7AB}" type="slidenum">
               <a:rPr lang="ru-RU" smtClean="0"/>
-              <a:t>3</a:t>
+              <a:t>2</a:t>
             </a:fld>
             <a:endParaRPr lang="ru-RU"/>
           </a:p>
@@ -654,7 +659,7 @@
     </p:spTree>
     <p:extLst>
       <p:ext uri="{BB962C8B-B14F-4D97-AF65-F5344CB8AC3E}">
-        <p14:creationId xmlns:p14="http://schemas.microsoft.com/office/powerpoint/2010/main" val="2938410662"/>
+        <p14:creationId xmlns:p14="http://schemas.microsoft.com/office/powerpoint/2010/main" val="23424365"/>
       </p:ext>
     </p:extLst>
   </p:cSld>
@@ -737,7 +742,7 @@
           <a:p>
             <a:fld id="{DA8CAE91-5FC7-41E5-8054-44424FFBB7AB}" type="slidenum">
               <a:rPr lang="ru-RU" smtClean="0"/>
-              <a:t>4</a:t>
+              <a:t>7</a:t>
             </a:fld>
             <a:endParaRPr lang="ru-RU"/>
           </a:p>
@@ -746,7 +751,7 @@
     </p:spTree>
     <p:extLst>
       <p:ext uri="{BB962C8B-B14F-4D97-AF65-F5344CB8AC3E}">
-        <p14:creationId xmlns:p14="http://schemas.microsoft.com/office/powerpoint/2010/main" val="1050277035"/>
+        <p14:creationId xmlns:p14="http://schemas.microsoft.com/office/powerpoint/2010/main" val="3324808074"/>
       </p:ext>
     </p:extLst>
   </p:cSld>
@@ -829,7 +834,191 @@
           <a:p>
             <a:fld id="{DA8CAE91-5FC7-41E5-8054-44424FFBB7AB}" type="slidenum">
               <a:rPr lang="ru-RU" smtClean="0"/>
-              <a:t>5</a:t>
+              <a:t>8</a:t>
+            </a:fld>
+            <a:endParaRPr lang="ru-RU"/>
+          </a:p>
+        </p:txBody>
+      </p:sp>
+    </p:spTree>
+    <p:extLst>
+      <p:ext uri="{BB962C8B-B14F-4D97-AF65-F5344CB8AC3E}">
+        <p14:creationId xmlns:p14="http://schemas.microsoft.com/office/powerpoint/2010/main" val="2938410662"/>
+      </p:ext>
+    </p:extLst>
+  </p:cSld>
+  <p:clrMapOvr>
+    <a:masterClrMapping/>
+  </p:clrMapOvr>
+</p:notes>
+</file>
+
+<file path=ppt/notesSlides/notesSlide5.xml><?xml version="1.0" encoding="utf-8"?>
+<p:notes xmlns:a="http://schemas.openxmlformats.org/drawingml/2006/main" xmlns:r="http://schemas.openxmlformats.org/officeDocument/2006/relationships" xmlns:p="http://schemas.openxmlformats.org/presentationml/2006/main">
+  <p:cSld>
+    <p:spTree>
+      <p:nvGrpSpPr>
+        <p:cNvPr id="1" name=""/>
+        <p:cNvGrpSpPr/>
+        <p:nvPr/>
+      </p:nvGrpSpPr>
+      <p:grpSpPr>
+        <a:xfrm>
+          <a:off x="0" y="0"/>
+          <a:ext cx="0" cy="0"/>
+          <a:chOff x="0" y="0"/>
+          <a:chExt cx="0" cy="0"/>
+        </a:xfrm>
+      </p:grpSpPr>
+      <p:sp>
+        <p:nvSpPr>
+          <p:cNvPr id="2" name="Slide Image Placeholder 1"/>
+          <p:cNvSpPr>
+            <a:spLocks noGrp="1" noRot="1" noChangeAspect="1"/>
+          </p:cNvSpPr>
+          <p:nvPr>
+            <p:ph type="sldImg"/>
+          </p:nvPr>
+        </p:nvSpPr>
+        <p:spPr/>
+      </p:sp>
+      <p:sp>
+        <p:nvSpPr>
+          <p:cNvPr id="3" name="Notes Placeholder 2"/>
+          <p:cNvSpPr>
+            <a:spLocks noGrp="1"/>
+          </p:cNvSpPr>
+          <p:nvPr>
+            <p:ph type="body" idx="1"/>
+          </p:nvPr>
+        </p:nvSpPr>
+        <p:spPr/>
+        <p:txBody>
+          <a:bodyPr/>
+          <a:lstStyle/>
+          <a:p>
+            <a:r>
+              <a:rPr lang="en-US" dirty="0" smtClean="0"/>
+              <a:t>make</a:t>
+            </a:r>
+            <a:r>
+              <a:rPr lang="en-US" baseline="0" dirty="0" smtClean="0"/>
+              <a:t> picture of ctrl + view</a:t>
+            </a:r>
+            <a:endParaRPr lang="ru-RU" dirty="0"/>
+          </a:p>
+        </p:txBody>
+      </p:sp>
+      <p:sp>
+        <p:nvSpPr>
+          <p:cNvPr id="4" name="Slide Number Placeholder 3"/>
+          <p:cNvSpPr>
+            <a:spLocks noGrp="1"/>
+          </p:cNvSpPr>
+          <p:nvPr>
+            <p:ph type="sldNum" sz="quarter" idx="10"/>
+          </p:nvPr>
+        </p:nvSpPr>
+        <p:spPr/>
+        <p:txBody>
+          <a:bodyPr/>
+          <a:lstStyle/>
+          <a:p>
+            <a:fld id="{DA8CAE91-5FC7-41E5-8054-44424FFBB7AB}" type="slidenum">
+              <a:rPr lang="ru-RU" smtClean="0"/>
+              <a:t>9</a:t>
+            </a:fld>
+            <a:endParaRPr lang="ru-RU"/>
+          </a:p>
+        </p:txBody>
+      </p:sp>
+    </p:spTree>
+    <p:extLst>
+      <p:ext uri="{BB962C8B-B14F-4D97-AF65-F5344CB8AC3E}">
+        <p14:creationId xmlns:p14="http://schemas.microsoft.com/office/powerpoint/2010/main" val="1050277035"/>
+      </p:ext>
+    </p:extLst>
+  </p:cSld>
+  <p:clrMapOvr>
+    <a:masterClrMapping/>
+  </p:clrMapOvr>
+</p:notes>
+</file>
+
+<file path=ppt/notesSlides/notesSlide6.xml><?xml version="1.0" encoding="utf-8"?>
+<p:notes xmlns:a="http://schemas.openxmlformats.org/drawingml/2006/main" xmlns:r="http://schemas.openxmlformats.org/officeDocument/2006/relationships" xmlns:p="http://schemas.openxmlformats.org/presentationml/2006/main">
+  <p:cSld>
+    <p:spTree>
+      <p:nvGrpSpPr>
+        <p:cNvPr id="1" name=""/>
+        <p:cNvGrpSpPr/>
+        <p:nvPr/>
+      </p:nvGrpSpPr>
+      <p:grpSpPr>
+        <a:xfrm>
+          <a:off x="0" y="0"/>
+          <a:ext cx="0" cy="0"/>
+          <a:chOff x="0" y="0"/>
+          <a:chExt cx="0" cy="0"/>
+        </a:xfrm>
+      </p:grpSpPr>
+      <p:sp>
+        <p:nvSpPr>
+          <p:cNvPr id="2" name="Slide Image Placeholder 1"/>
+          <p:cNvSpPr>
+            <a:spLocks noGrp="1" noRot="1" noChangeAspect="1"/>
+          </p:cNvSpPr>
+          <p:nvPr>
+            <p:ph type="sldImg"/>
+          </p:nvPr>
+        </p:nvSpPr>
+        <p:spPr/>
+      </p:sp>
+      <p:sp>
+        <p:nvSpPr>
+          <p:cNvPr id="3" name="Notes Placeholder 2"/>
+          <p:cNvSpPr>
+            <a:spLocks noGrp="1"/>
+          </p:cNvSpPr>
+          <p:nvPr>
+            <p:ph type="body" idx="1"/>
+          </p:nvPr>
+        </p:nvSpPr>
+        <p:spPr/>
+        <p:txBody>
+          <a:bodyPr/>
+          <a:lstStyle/>
+          <a:p>
+            <a:r>
+              <a:rPr lang="en-US" dirty="0" smtClean="0"/>
+              <a:t>make</a:t>
+            </a:r>
+            <a:r>
+              <a:rPr lang="en-US" baseline="0" dirty="0" smtClean="0"/>
+              <a:t> picture of ctrl + view</a:t>
+            </a:r>
+            <a:endParaRPr lang="ru-RU" dirty="0"/>
+          </a:p>
+        </p:txBody>
+      </p:sp>
+      <p:sp>
+        <p:nvSpPr>
+          <p:cNvPr id="4" name="Slide Number Placeholder 3"/>
+          <p:cNvSpPr>
+            <a:spLocks noGrp="1"/>
+          </p:cNvSpPr>
+          <p:nvPr>
+            <p:ph type="sldNum" sz="quarter" idx="10"/>
+          </p:nvPr>
+        </p:nvSpPr>
+        <p:spPr/>
+        <p:txBody>
+          <a:bodyPr/>
+          <a:lstStyle/>
+          <a:p>
+            <a:fld id="{DA8CAE91-5FC7-41E5-8054-44424FFBB7AB}" type="slidenum">
+              <a:rPr lang="ru-RU" smtClean="0"/>
+              <a:t>10</a:t>
             </a:fld>
             <a:endParaRPr lang="ru-RU"/>
           </a:p>
@@ -1030,7 +1219,7 @@
             <a:fld id="{1D8BD707-D9CF-40AE-B4C6-C98DA3205C09}" type="datetimeFigureOut">
               <a:rPr lang="en-US" smtClean="0"/>
               <a:pPr/>
-              <a:t>11/18/2016</a:t>
+              <a:t>11/20/2016</a:t>
             </a:fld>
             <a:endParaRPr lang="en-US"/>
           </a:p>
@@ -1197,7 +1386,7 @@
             <a:fld id="{1D8BD707-D9CF-40AE-B4C6-C98DA3205C09}" type="datetimeFigureOut">
               <a:rPr lang="en-US" smtClean="0"/>
               <a:pPr/>
-              <a:t>11/18/2016</a:t>
+              <a:t>11/20/2016</a:t>
             </a:fld>
             <a:endParaRPr lang="en-US"/>
           </a:p>
@@ -1374,7 +1563,7 @@
             <a:fld id="{1D8BD707-D9CF-40AE-B4C6-C98DA3205C09}" type="datetimeFigureOut">
               <a:rPr lang="en-US" smtClean="0"/>
               <a:pPr/>
-              <a:t>11/18/2016</a:t>
+              <a:t>11/20/2016</a:t>
             </a:fld>
             <a:endParaRPr lang="en-US"/>
           </a:p>
@@ -1541,7 +1730,7 @@
             <a:fld id="{1D8BD707-D9CF-40AE-B4C6-C98DA3205C09}" type="datetimeFigureOut">
               <a:rPr lang="en-US" smtClean="0"/>
               <a:pPr/>
-              <a:t>11/18/2016</a:t>
+              <a:t>11/20/2016</a:t>
             </a:fld>
             <a:endParaRPr lang="en-US"/>
           </a:p>
@@ -1784,7 +1973,7 @@
             <a:fld id="{1D8BD707-D9CF-40AE-B4C6-C98DA3205C09}" type="datetimeFigureOut">
               <a:rPr lang="en-US" smtClean="0"/>
               <a:pPr/>
-              <a:t>11/18/2016</a:t>
+              <a:t>11/20/2016</a:t>
             </a:fld>
             <a:endParaRPr lang="en-US"/>
           </a:p>
@@ -2069,7 +2258,7 @@
             <a:fld id="{1D8BD707-D9CF-40AE-B4C6-C98DA3205C09}" type="datetimeFigureOut">
               <a:rPr lang="en-US" smtClean="0"/>
               <a:pPr/>
-              <a:t>11/18/2016</a:t>
+              <a:t>11/20/2016</a:t>
             </a:fld>
             <a:endParaRPr lang="en-US"/>
           </a:p>
@@ -2488,7 +2677,7 @@
             <a:fld id="{1D8BD707-D9CF-40AE-B4C6-C98DA3205C09}" type="datetimeFigureOut">
               <a:rPr lang="en-US" smtClean="0"/>
               <a:pPr/>
-              <a:t>11/18/2016</a:t>
+              <a:t>11/20/2016</a:t>
             </a:fld>
             <a:endParaRPr lang="en-US"/>
           </a:p>
@@ -2603,7 +2792,7 @@
             <a:fld id="{1D8BD707-D9CF-40AE-B4C6-C98DA3205C09}" type="datetimeFigureOut">
               <a:rPr lang="en-US" smtClean="0"/>
               <a:pPr/>
-              <a:t>11/18/2016</a:t>
+              <a:t>11/20/2016</a:t>
             </a:fld>
             <a:endParaRPr lang="en-US"/>
           </a:p>
@@ -2695,7 +2884,7 @@
             <a:fld id="{1D8BD707-D9CF-40AE-B4C6-C98DA3205C09}" type="datetimeFigureOut">
               <a:rPr lang="en-US" smtClean="0"/>
               <a:pPr/>
-              <a:t>11/18/2016</a:t>
+              <a:t>11/20/2016</a:t>
             </a:fld>
             <a:endParaRPr lang="en-US"/>
           </a:p>
@@ -2969,7 +3158,7 @@
             <a:fld id="{1D8BD707-D9CF-40AE-B4C6-C98DA3205C09}" type="datetimeFigureOut">
               <a:rPr lang="en-US" smtClean="0"/>
               <a:pPr/>
-              <a:t>11/18/2016</a:t>
+              <a:t>11/20/2016</a:t>
             </a:fld>
             <a:endParaRPr lang="en-US"/>
           </a:p>
@@ -3219,7 +3408,7 @@
             <a:fld id="{1D8BD707-D9CF-40AE-B4C6-C98DA3205C09}" type="datetimeFigureOut">
               <a:rPr lang="en-US" smtClean="0"/>
               <a:pPr/>
-              <a:t>11/18/2016</a:t>
+              <a:t>11/20/2016</a:t>
             </a:fld>
             <a:endParaRPr lang="en-US"/>
           </a:p>
@@ -3432,7 +3621,7 @@
             <a:fld id="{1D8BD707-D9CF-40AE-B4C6-C98DA3205C09}" type="datetimeFigureOut">
               <a:rPr lang="en-US" smtClean="0"/>
               <a:pPr/>
-              <a:t>11/18/2016</a:t>
+              <a:t>11/20/2016</a:t>
             </a:fld>
             <a:endParaRPr lang="en-US"/>
           </a:p>
@@ -3803,6 +3992,1134 @@
           <a:chExt cx="0" cy="0"/>
         </a:xfrm>
       </p:grpSpPr>
+      <p:pic>
+        <p:nvPicPr>
+          <p:cNvPr id="2050" name="Picture 2" descr="http://hop.ie/talks/angular-intro/images/angularjs.jpeg"/>
+          <p:cNvPicPr>
+            <a:picLocks noChangeAspect="1" noChangeArrowheads="1"/>
+          </p:cNvPicPr>
+          <p:nvPr/>
+        </p:nvPicPr>
+        <p:blipFill>
+          <a:blip r:embed="rId3" cstate="print">
+            <a:extLst>
+              <a:ext uri="{28A0092B-C50C-407E-A947-70E740481C1C}">
+                <a14:useLocalDpi xmlns:a14="http://schemas.microsoft.com/office/drawing/2010/main" val="0"/>
+              </a:ext>
+            </a:extLst>
+          </a:blip>
+          <a:srcRect/>
+          <a:stretch>
+            <a:fillRect/>
+          </a:stretch>
+        </p:blipFill>
+        <p:spPr bwMode="auto">
+          <a:xfrm>
+            <a:off x="1028699" y="2209800"/>
+            <a:ext cx="7086600" cy="1843035"/>
+          </a:xfrm>
+          <a:prstGeom prst="rect">
+            <a:avLst/>
+          </a:prstGeom>
+          <a:noFill/>
+          <a:extLst>
+            <a:ext uri="{909E8E84-426E-40DD-AFC4-6F175D3DCCD1}">
+              <a14:hiddenFill xmlns:a14="http://schemas.microsoft.com/office/drawing/2010/main">
+                <a:solidFill>
+                  <a:srgbClr val="FFFFFF"/>
+                </a:solidFill>
+              </a14:hiddenFill>
+            </a:ext>
+          </a:extLst>
+        </p:spPr>
+      </p:pic>
+    </p:spTree>
+    <p:extLst>
+      <p:ext uri="{BB962C8B-B14F-4D97-AF65-F5344CB8AC3E}">
+        <p14:creationId xmlns:p14="http://schemas.microsoft.com/office/powerpoint/2010/main" val="3356693845"/>
+      </p:ext>
+    </p:extLst>
+  </p:cSld>
+  <p:clrMapOvr>
+    <a:masterClrMapping/>
+  </p:clrMapOvr>
+  <mc:AlternateContent xmlns:mc="http://schemas.openxmlformats.org/markup-compatibility/2006" xmlns:p14="http://schemas.microsoft.com/office/powerpoint/2010/main">
+    <mc:Choice Requires="p14">
+      <p:transition spd="slow" p14:dur="2000"/>
+    </mc:Choice>
+    <mc:Fallback xmlns="">
+      <p:transition spd="slow"/>
+    </mc:Fallback>
+  </mc:AlternateContent>
+  <p:timing>
+    <p:tnLst>
+      <p:par>
+        <p:cTn id="1" dur="indefinite" restart="never" nodeType="tmRoot"/>
+      </p:par>
+    </p:tnLst>
+  </p:timing>
+</p:sld>
+</file>
+
+<file path=ppt/slides/slide10.xml><?xml version="1.0" encoding="utf-8"?>
+<p:sld xmlns:a="http://schemas.openxmlformats.org/drawingml/2006/main" xmlns:r="http://schemas.openxmlformats.org/officeDocument/2006/relationships" xmlns:p="http://schemas.openxmlformats.org/presentationml/2006/main">
+  <p:cSld>
+    <p:spTree>
+      <p:nvGrpSpPr>
+        <p:cNvPr id="1" name=""/>
+        <p:cNvGrpSpPr/>
+        <p:nvPr/>
+      </p:nvGrpSpPr>
+      <p:grpSpPr>
+        <a:xfrm>
+          <a:off x="0" y="0"/>
+          <a:ext cx="0" cy="0"/>
+          <a:chOff x="0" y="0"/>
+          <a:chExt cx="0" cy="0"/>
+        </a:xfrm>
+      </p:grpSpPr>
+      <p:sp>
+        <p:nvSpPr>
+          <p:cNvPr id="6" name="TextBox 5"/>
+          <p:cNvSpPr txBox="1"/>
+          <p:nvPr/>
+        </p:nvSpPr>
+        <p:spPr>
+          <a:xfrm>
+            <a:off x="1828800" y="1447800"/>
+            <a:ext cx="6553200" cy="646331"/>
+          </a:xfrm>
+          <a:prstGeom prst="rect">
+            <a:avLst/>
+          </a:prstGeom>
+          <a:noFill/>
+        </p:spPr>
+        <p:txBody>
+          <a:bodyPr wrap="square" rtlCol="0">
+            <a:spAutoFit/>
+          </a:bodyPr>
+          <a:lstStyle/>
+          <a:p>
+            <a:r>
+              <a:rPr lang="en-US" sz="3600" dirty="0" smtClean="0"/>
+              <a:t>multithreading in </a:t>
+            </a:r>
+            <a:r>
+              <a:rPr lang="en-US" sz="3600" dirty="0" err="1" smtClean="0"/>
+              <a:t>javascript</a:t>
+            </a:r>
+            <a:r>
+              <a:rPr lang="en-US" sz="3600" dirty="0" smtClean="0"/>
+              <a:t>?</a:t>
+            </a:r>
+            <a:endParaRPr lang="en-US" sz="3600" dirty="0"/>
+          </a:p>
+        </p:txBody>
+      </p:sp>
+    </p:spTree>
+    <p:extLst>
+      <p:ext uri="{BB962C8B-B14F-4D97-AF65-F5344CB8AC3E}">
+        <p14:creationId xmlns:p14="http://schemas.microsoft.com/office/powerpoint/2010/main" val="2311485577"/>
+      </p:ext>
+    </p:extLst>
+  </p:cSld>
+  <p:clrMapOvr>
+    <a:masterClrMapping/>
+  </p:clrMapOvr>
+  <mc:AlternateContent xmlns:mc="http://schemas.openxmlformats.org/markup-compatibility/2006" xmlns:p14="http://schemas.microsoft.com/office/powerpoint/2010/main">
+    <mc:Choice Requires="p14">
+      <p:transition spd="slow" p14:dur="2000"/>
+    </mc:Choice>
+    <mc:Fallback xmlns="">
+      <p:transition spd="slow"/>
+    </mc:Fallback>
+  </mc:AlternateContent>
+  <p:timing>
+    <p:tnLst>
+      <p:par>
+        <p:cTn id="1" dur="indefinite" restart="never" nodeType="tmRoot"/>
+      </p:par>
+    </p:tnLst>
+  </p:timing>
+</p:sld>
+</file>
+
+<file path=ppt/slides/slide2.xml><?xml version="1.0" encoding="utf-8"?>
+<p:sld xmlns:a="http://schemas.openxmlformats.org/drawingml/2006/main" xmlns:r="http://schemas.openxmlformats.org/officeDocument/2006/relationships" xmlns:p="http://schemas.openxmlformats.org/presentationml/2006/main">
+  <p:cSld>
+    <p:spTree>
+      <p:nvGrpSpPr>
+        <p:cNvPr id="1" name=""/>
+        <p:cNvGrpSpPr/>
+        <p:nvPr/>
+      </p:nvGrpSpPr>
+      <p:grpSpPr>
+        <a:xfrm>
+          <a:off x="0" y="0"/>
+          <a:ext cx="0" cy="0"/>
+          <a:chOff x="0" y="0"/>
+          <a:chExt cx="0" cy="0"/>
+        </a:xfrm>
+      </p:grpSpPr>
+      <p:pic>
+        <p:nvPicPr>
+          <p:cNvPr id="2050" name="Picture 2" descr="http://hop.ie/talks/angular-intro/images/angularjs.jpeg"/>
+          <p:cNvPicPr>
+            <a:picLocks noChangeAspect="1" noChangeArrowheads="1"/>
+          </p:cNvPicPr>
+          <p:nvPr/>
+        </p:nvPicPr>
+        <p:blipFill>
+          <a:blip r:embed="rId3" cstate="print">
+            <a:extLst>
+              <a:ext uri="{28A0092B-C50C-407E-A947-70E740481C1C}">
+                <a14:useLocalDpi xmlns:a14="http://schemas.microsoft.com/office/drawing/2010/main" val="0"/>
+              </a:ext>
+            </a:extLst>
+          </a:blip>
+          <a:srcRect/>
+          <a:stretch>
+            <a:fillRect/>
+          </a:stretch>
+        </p:blipFill>
+        <p:spPr bwMode="auto">
+          <a:xfrm>
+            <a:off x="1028699" y="2209800"/>
+            <a:ext cx="7086600" cy="1843035"/>
+          </a:xfrm>
+          <a:prstGeom prst="rect">
+            <a:avLst/>
+          </a:prstGeom>
+          <a:noFill/>
+          <a:extLst>
+            <a:ext uri="{909E8E84-426E-40DD-AFC4-6F175D3DCCD1}">
+              <a14:hiddenFill xmlns:a14="http://schemas.microsoft.com/office/drawing/2010/main">
+                <a:solidFill>
+                  <a:srgbClr val="FFFFFF"/>
+                </a:solidFill>
+              </a14:hiddenFill>
+            </a:ext>
+          </a:extLst>
+        </p:spPr>
+      </p:pic>
+      <p:cxnSp>
+        <p:nvCxnSpPr>
+          <p:cNvPr id="3" name="Straight Connector 2"/>
+          <p:cNvCxnSpPr/>
+          <p:nvPr/>
+        </p:nvCxnSpPr>
+        <p:spPr>
+          <a:xfrm flipV="1">
+            <a:off x="1028699" y="1447800"/>
+            <a:ext cx="7106701" cy="2605035"/>
+          </a:xfrm>
+          <a:prstGeom prst="line">
+            <a:avLst/>
+          </a:prstGeom>
+        </p:spPr>
+        <p:style>
+          <a:lnRef idx="3">
+            <a:schemeClr val="accent2"/>
+          </a:lnRef>
+          <a:fillRef idx="0">
+            <a:schemeClr val="accent2"/>
+          </a:fillRef>
+          <a:effectRef idx="2">
+            <a:schemeClr val="accent2"/>
+          </a:effectRef>
+          <a:fontRef idx="minor">
+            <a:schemeClr val="tx1"/>
+          </a:fontRef>
+        </p:style>
+      </p:cxnSp>
+      <p:cxnSp>
+        <p:nvCxnSpPr>
+          <p:cNvPr id="5" name="Straight Connector 4"/>
+          <p:cNvCxnSpPr/>
+          <p:nvPr/>
+        </p:nvCxnSpPr>
+        <p:spPr>
+          <a:xfrm>
+            <a:off x="1295400" y="1447800"/>
+            <a:ext cx="6819899" cy="3048000"/>
+          </a:xfrm>
+          <a:prstGeom prst="line">
+            <a:avLst/>
+          </a:prstGeom>
+        </p:spPr>
+        <p:style>
+          <a:lnRef idx="3">
+            <a:schemeClr val="accent2"/>
+          </a:lnRef>
+          <a:fillRef idx="0">
+            <a:schemeClr val="accent2"/>
+          </a:fillRef>
+          <a:effectRef idx="2">
+            <a:schemeClr val="accent2"/>
+          </a:effectRef>
+          <a:fontRef idx="minor">
+            <a:schemeClr val="tx1"/>
+          </a:fontRef>
+        </p:style>
+      </p:cxnSp>
+      <p:sp>
+        <p:nvSpPr>
+          <p:cNvPr id="9" name="Rectangle 8"/>
+          <p:cNvSpPr/>
+          <p:nvPr/>
+        </p:nvSpPr>
+        <p:spPr>
+          <a:xfrm>
+            <a:off x="3592320" y="4724400"/>
+            <a:ext cx="4103880" cy="707886"/>
+          </a:xfrm>
+          <a:prstGeom prst="rect">
+            <a:avLst/>
+          </a:prstGeom>
+        </p:spPr>
+        <p:txBody>
+          <a:bodyPr wrap="none">
+            <a:spAutoFit/>
+          </a:bodyPr>
+          <a:lstStyle/>
+          <a:p>
+            <a:pPr algn="ctr"/>
+            <a:r>
+              <a:rPr lang="en-US" sz="4000" dirty="0" err="1" smtClean="0">
+                <a:latin typeface="Rockwell" panose="02060603020205020403" pitchFamily="18" charset="0"/>
+              </a:rPr>
+              <a:t>Javascript</a:t>
+            </a:r>
+            <a:r>
+              <a:rPr lang="en-US" sz="4000" dirty="0" smtClean="0">
+                <a:latin typeface="Rockwell" panose="02060603020205020403" pitchFamily="18" charset="0"/>
+              </a:rPr>
+              <a:t> basics</a:t>
+            </a:r>
+            <a:endParaRPr lang="ru-RU" sz="4000" dirty="0"/>
+          </a:p>
+        </p:txBody>
+      </p:sp>
+    </p:spTree>
+    <p:extLst>
+      <p:ext uri="{BB962C8B-B14F-4D97-AF65-F5344CB8AC3E}">
+        <p14:creationId xmlns:p14="http://schemas.microsoft.com/office/powerpoint/2010/main" val="3660581023"/>
+      </p:ext>
+    </p:extLst>
+  </p:cSld>
+  <p:clrMapOvr>
+    <a:masterClrMapping/>
+  </p:clrMapOvr>
+  <mc:AlternateContent xmlns:mc="http://schemas.openxmlformats.org/markup-compatibility/2006">
+    <mc:Choice xmlns:p14="http://schemas.microsoft.com/office/powerpoint/2010/main" Requires="p14">
+      <p:transition spd="slow" p14:dur="2000"/>
+    </mc:Choice>
+    <mc:Fallback>
+      <p:transition spd="slow"/>
+    </mc:Fallback>
+  </mc:AlternateContent>
+  <p:timing>
+    <p:tnLst>
+      <p:par>
+        <p:cTn id="1" dur="indefinite" restart="never" nodeType="tmRoot"/>
+      </p:par>
+    </p:tnLst>
+  </p:timing>
+</p:sld>
+</file>
+
+<file path=ppt/slides/slide3.xml><?xml version="1.0" encoding="utf-8"?>
+<p:sld xmlns:a="http://schemas.openxmlformats.org/drawingml/2006/main" xmlns:r="http://schemas.openxmlformats.org/officeDocument/2006/relationships" xmlns:p="http://schemas.openxmlformats.org/presentationml/2006/main">
+  <p:cSld>
+    <p:spTree>
+      <p:nvGrpSpPr>
+        <p:cNvPr id="1" name=""/>
+        <p:cNvGrpSpPr/>
+        <p:nvPr/>
+      </p:nvGrpSpPr>
+      <p:grpSpPr>
+        <a:xfrm>
+          <a:off x="0" y="0"/>
+          <a:ext cx="0" cy="0"/>
+          <a:chOff x="0" y="0"/>
+          <a:chExt cx="0" cy="0"/>
+        </a:xfrm>
+      </p:grpSpPr>
+      <p:sp>
+        <p:nvSpPr>
+          <p:cNvPr id="5" name="Rectangle 4"/>
+          <p:cNvSpPr/>
+          <p:nvPr/>
+        </p:nvSpPr>
+        <p:spPr>
+          <a:xfrm>
+            <a:off x="260775" y="609600"/>
+            <a:ext cx="8491171" cy="707886"/>
+          </a:xfrm>
+          <a:prstGeom prst="rect">
+            <a:avLst/>
+          </a:prstGeom>
+        </p:spPr>
+        <p:txBody>
+          <a:bodyPr wrap="none">
+            <a:spAutoFit/>
+          </a:bodyPr>
+          <a:lstStyle/>
+          <a:p>
+            <a:pPr algn="ctr"/>
+            <a:r>
+              <a:rPr lang="en-US" sz="4000" dirty="0" smtClean="0">
+                <a:latin typeface="Rockwell" panose="02060603020205020403" pitchFamily="18" charset="0"/>
+              </a:rPr>
+              <a:t>What do we know about </a:t>
+            </a:r>
+            <a:r>
+              <a:rPr lang="en-US" sz="4000" dirty="0" err="1" smtClean="0">
+                <a:latin typeface="Rockwell" panose="02060603020205020403" pitchFamily="18" charset="0"/>
+              </a:rPr>
+              <a:t>javascript</a:t>
+            </a:r>
+            <a:r>
+              <a:rPr lang="en-US" sz="4000" dirty="0" smtClean="0">
+                <a:latin typeface="Rockwell" panose="02060603020205020403" pitchFamily="18" charset="0"/>
+              </a:rPr>
+              <a:t>?</a:t>
+            </a:r>
+            <a:endParaRPr lang="ru-RU" sz="4000" dirty="0"/>
+          </a:p>
+        </p:txBody>
+      </p:sp>
+      <p:sp>
+        <p:nvSpPr>
+          <p:cNvPr id="14" name="TextBox 13"/>
+          <p:cNvSpPr txBox="1"/>
+          <p:nvPr/>
+        </p:nvSpPr>
+        <p:spPr>
+          <a:xfrm rot="20463772">
+            <a:off x="625092" y="1752540"/>
+            <a:ext cx="2133600" cy="369332"/>
+          </a:xfrm>
+          <a:prstGeom prst="rect">
+            <a:avLst/>
+          </a:prstGeom>
+          <a:noFill/>
+        </p:spPr>
+        <p:txBody>
+          <a:bodyPr wrap="square" rtlCol="0">
+            <a:spAutoFit/>
+          </a:bodyPr>
+          <a:lstStyle/>
+          <a:p>
+            <a:r>
+              <a:rPr lang="en-US" dirty="0" smtClean="0"/>
+              <a:t>It runs in browsers</a:t>
+            </a:r>
+            <a:endParaRPr lang="en-US" dirty="0"/>
+          </a:p>
+        </p:txBody>
+      </p:sp>
+      <p:sp>
+        <p:nvSpPr>
+          <p:cNvPr id="15" name="TextBox 14"/>
+          <p:cNvSpPr txBox="1"/>
+          <p:nvPr/>
+        </p:nvSpPr>
+        <p:spPr>
+          <a:xfrm rot="20873258">
+            <a:off x="2356317" y="2811321"/>
+            <a:ext cx="2803908" cy="369332"/>
+          </a:xfrm>
+          <a:prstGeom prst="rect">
+            <a:avLst/>
+          </a:prstGeom>
+          <a:noFill/>
+        </p:spPr>
+        <p:txBody>
+          <a:bodyPr wrap="square" rtlCol="0">
+            <a:spAutoFit/>
+          </a:bodyPr>
+          <a:lstStyle/>
+          <a:p>
+            <a:r>
+              <a:rPr lang="en-US" dirty="0" smtClean="0"/>
+              <a:t>Interpreted, not compiled</a:t>
+            </a:r>
+            <a:endParaRPr lang="en-US" dirty="0"/>
+          </a:p>
+        </p:txBody>
+      </p:sp>
+      <p:sp>
+        <p:nvSpPr>
+          <p:cNvPr id="16" name="TextBox 15"/>
+          <p:cNvSpPr txBox="1"/>
+          <p:nvPr/>
+        </p:nvSpPr>
+        <p:spPr>
+          <a:xfrm rot="20545607">
+            <a:off x="1601331" y="2131242"/>
+            <a:ext cx="2877963" cy="369332"/>
+          </a:xfrm>
+          <a:prstGeom prst="rect">
+            <a:avLst/>
+          </a:prstGeom>
+          <a:noFill/>
+        </p:spPr>
+        <p:txBody>
+          <a:bodyPr wrap="square" rtlCol="0">
+            <a:spAutoFit/>
+          </a:bodyPr>
+          <a:lstStyle/>
+          <a:p>
+            <a:r>
+              <a:rPr lang="en-US" dirty="0" smtClean="0"/>
+              <a:t>Makes web pages dynamic</a:t>
+            </a:r>
+            <a:endParaRPr lang="en-US" dirty="0"/>
+          </a:p>
+        </p:txBody>
+      </p:sp>
+    </p:spTree>
+    <p:extLst>
+      <p:ext uri="{BB962C8B-B14F-4D97-AF65-F5344CB8AC3E}">
+        <p14:creationId xmlns:p14="http://schemas.microsoft.com/office/powerpoint/2010/main" val="1148697483"/>
+      </p:ext>
+    </p:extLst>
+  </p:cSld>
+  <p:clrMapOvr>
+    <a:masterClrMapping/>
+  </p:clrMapOvr>
+  <p:timing>
+    <p:tnLst>
+      <p:par>
+        <p:cTn id="1" dur="indefinite" restart="never" nodeType="tmRoot"/>
+      </p:par>
+    </p:tnLst>
+  </p:timing>
+</p:sld>
+</file>
+
+<file path=ppt/slides/slide4.xml><?xml version="1.0" encoding="utf-8"?>
+<p:sld xmlns:a="http://schemas.openxmlformats.org/drawingml/2006/main" xmlns:r="http://schemas.openxmlformats.org/officeDocument/2006/relationships" xmlns:p="http://schemas.openxmlformats.org/presentationml/2006/main">
+  <p:cSld>
+    <p:bg>
+      <p:bgPr>
+        <a:noFill/>
+        <a:effectLst/>
+      </p:bgPr>
+    </p:bg>
+    <p:spTree>
+      <p:nvGrpSpPr>
+        <p:cNvPr id="1" name=""/>
+        <p:cNvGrpSpPr/>
+        <p:nvPr/>
+      </p:nvGrpSpPr>
+      <p:grpSpPr>
+        <a:xfrm>
+          <a:off x="0" y="0"/>
+          <a:ext cx="0" cy="0"/>
+          <a:chOff x="0" y="0"/>
+          <a:chExt cx="0" cy="0"/>
+        </a:xfrm>
+      </p:grpSpPr>
+      <p:sp>
+        <p:nvSpPr>
+          <p:cNvPr id="5" name="Rectangle 4"/>
+          <p:cNvSpPr/>
+          <p:nvPr/>
+        </p:nvSpPr>
+        <p:spPr>
+          <a:xfrm>
+            <a:off x="2961389" y="609600"/>
+            <a:ext cx="3089948" cy="707886"/>
+          </a:xfrm>
+          <a:prstGeom prst="rect">
+            <a:avLst/>
+          </a:prstGeom>
+        </p:spPr>
+        <p:txBody>
+          <a:bodyPr wrap="none">
+            <a:spAutoFit/>
+          </a:bodyPr>
+          <a:lstStyle/>
+          <a:p>
+            <a:pPr algn="ctr"/>
+            <a:r>
+              <a:rPr lang="en-US" sz="4000" dirty="0" err="1" smtClean="0">
+                <a:latin typeface="Rockwell" panose="02060603020205020403" pitchFamily="18" charset="0"/>
+              </a:rPr>
+              <a:t>ECMAScript</a:t>
+            </a:r>
+            <a:endParaRPr lang="ru-RU" sz="4000" dirty="0"/>
+          </a:p>
+        </p:txBody>
+      </p:sp>
+      <p:sp>
+        <p:nvSpPr>
+          <p:cNvPr id="15" name="TextBox 14"/>
+          <p:cNvSpPr txBox="1"/>
+          <p:nvPr/>
+        </p:nvSpPr>
+        <p:spPr>
+          <a:xfrm>
+            <a:off x="2514600" y="1317486"/>
+            <a:ext cx="4191000" cy="369332"/>
+          </a:xfrm>
+          <a:prstGeom prst="rect">
+            <a:avLst/>
+          </a:prstGeom>
+          <a:noFill/>
+        </p:spPr>
+        <p:txBody>
+          <a:bodyPr wrap="square" rtlCol="0">
+            <a:spAutoFit/>
+          </a:bodyPr>
+          <a:lstStyle/>
+          <a:p>
+            <a:r>
+              <a:rPr lang="en-US" dirty="0" smtClean="0"/>
+              <a:t>specification for the </a:t>
+            </a:r>
+            <a:r>
+              <a:rPr lang="en-US" dirty="0" err="1" smtClean="0"/>
+              <a:t>Javascript</a:t>
+            </a:r>
+            <a:r>
+              <a:rPr lang="en-US" dirty="0" smtClean="0"/>
+              <a:t> language</a:t>
+            </a:r>
+            <a:endParaRPr lang="en-US" dirty="0"/>
+          </a:p>
+        </p:txBody>
+      </p:sp>
+    </p:spTree>
+    <p:extLst>
+      <p:ext uri="{BB962C8B-B14F-4D97-AF65-F5344CB8AC3E}">
+        <p14:creationId xmlns:p14="http://schemas.microsoft.com/office/powerpoint/2010/main" val="88473522"/>
+      </p:ext>
+    </p:extLst>
+  </p:cSld>
+  <p:clrMapOvr>
+    <a:masterClrMapping/>
+  </p:clrMapOvr>
+  <p:timing>
+    <p:tnLst>
+      <p:par>
+        <p:cTn id="1" dur="indefinite" restart="never" nodeType="tmRoot"/>
+      </p:par>
+    </p:tnLst>
+  </p:timing>
+</p:sld>
+</file>
+
+<file path=ppt/slides/slide5.xml><?xml version="1.0" encoding="utf-8"?>
+<p:sld xmlns:a="http://schemas.openxmlformats.org/drawingml/2006/main" xmlns:r="http://schemas.openxmlformats.org/officeDocument/2006/relationships" xmlns:p="http://schemas.openxmlformats.org/presentationml/2006/main">
+  <p:cSld>
+    <p:spTree>
+      <p:nvGrpSpPr>
+        <p:cNvPr id="1" name=""/>
+        <p:cNvGrpSpPr/>
+        <p:nvPr/>
+      </p:nvGrpSpPr>
+      <p:grpSpPr>
+        <a:xfrm>
+          <a:off x="0" y="0"/>
+          <a:ext cx="0" cy="0"/>
+          <a:chOff x="0" y="0"/>
+          <a:chExt cx="0" cy="0"/>
+        </a:xfrm>
+      </p:grpSpPr>
+      <p:sp>
+        <p:nvSpPr>
+          <p:cNvPr id="5" name="Rectangle 4"/>
+          <p:cNvSpPr/>
+          <p:nvPr/>
+        </p:nvSpPr>
+        <p:spPr>
+          <a:xfrm>
+            <a:off x="260775" y="609600"/>
+            <a:ext cx="8491171" cy="707886"/>
+          </a:xfrm>
+          <a:prstGeom prst="rect">
+            <a:avLst/>
+          </a:prstGeom>
+        </p:spPr>
+        <p:txBody>
+          <a:bodyPr wrap="none">
+            <a:spAutoFit/>
+          </a:bodyPr>
+          <a:lstStyle/>
+          <a:p>
+            <a:pPr algn="ctr"/>
+            <a:r>
+              <a:rPr lang="en-US" sz="4000" dirty="0" smtClean="0">
+                <a:latin typeface="Rockwell" panose="02060603020205020403" pitchFamily="18" charset="0"/>
+              </a:rPr>
+              <a:t>What do we know about </a:t>
+            </a:r>
+            <a:r>
+              <a:rPr lang="en-US" sz="4000" dirty="0" err="1" smtClean="0">
+                <a:latin typeface="Rockwell" panose="02060603020205020403" pitchFamily="18" charset="0"/>
+              </a:rPr>
+              <a:t>javascript</a:t>
+            </a:r>
+            <a:r>
+              <a:rPr lang="en-US" sz="4000" dirty="0" smtClean="0">
+                <a:latin typeface="Rockwell" panose="02060603020205020403" pitchFamily="18" charset="0"/>
+              </a:rPr>
+              <a:t>?</a:t>
+            </a:r>
+            <a:endParaRPr lang="ru-RU" sz="4000" dirty="0"/>
+          </a:p>
+        </p:txBody>
+      </p:sp>
+      <p:pic>
+        <p:nvPicPr>
+          <p:cNvPr id="6" name="Picture 5"/>
+          <p:cNvPicPr>
+            <a:picLocks noChangeAspect="1"/>
+          </p:cNvPicPr>
+          <p:nvPr/>
+        </p:nvPicPr>
+        <p:blipFill>
+          <a:blip r:embed="rId2"/>
+          <a:stretch>
+            <a:fillRect/>
+          </a:stretch>
+        </p:blipFill>
+        <p:spPr>
+          <a:xfrm>
+            <a:off x="3733800" y="1655921"/>
+            <a:ext cx="4348741" cy="1752600"/>
+          </a:xfrm>
+          <a:prstGeom prst="rect">
+            <a:avLst/>
+          </a:prstGeom>
+        </p:spPr>
+      </p:pic>
+      <p:sp>
+        <p:nvSpPr>
+          <p:cNvPr id="7" name="Rectangle 1"/>
+          <p:cNvSpPr>
+            <a:spLocks noChangeArrowheads="1"/>
+          </p:cNvSpPr>
+          <p:nvPr/>
+        </p:nvSpPr>
+        <p:spPr bwMode="auto">
+          <a:xfrm>
+            <a:off x="762115" y="2286000"/>
+            <a:ext cx="1338828" cy="246221"/>
+          </a:xfrm>
+          <a:prstGeom prst="rect">
+            <a:avLst/>
+          </a:prstGeom>
+          <a:solidFill>
+            <a:srgbClr val="FFFFFF"/>
+          </a:solidFill>
+          <a:ln>
+            <a:noFill/>
+          </a:ln>
+          <a:effectLst/>
+          <a:extLst>
+            <a:ext uri="{91240B29-F687-4F45-9708-019B960494DF}">
+              <a14:hiddenLine xmlns:a14="http://schemas.microsoft.com/office/drawing/2010/main" w="9525">
+                <a:solidFill>
+                  <a:schemeClr val="tx1"/>
+                </a:solidFill>
+                <a:miter lim="800000"/>
+                <a:headEnd/>
+                <a:tailEnd/>
+              </a14:hiddenLine>
+            </a:ext>
+            <a:ext uri="{AF507438-7753-43E0-B8FC-AC1667EBCBE1}">
+              <a14:hiddenEffects xmlns:a14="http://schemas.microsoft.com/office/drawing/2010/main">
+                <a:effectLst>
+                  <a:outerShdw dist="35921" dir="2700000" algn="ctr" rotWithShape="0">
+                    <a:schemeClr val="bg2"/>
+                  </a:outerShdw>
+                </a:effectLst>
+              </a14:hiddenEffects>
+            </a:ext>
+          </a:extLst>
+        </p:spPr>
+        <p:txBody>
+          <a:bodyPr vert="horz" wrap="none" lIns="91440" tIns="45720" rIns="91440" bIns="45720" numCol="1" anchor="ctr" anchorCtr="0" compatLnSpc="1">
+            <a:prstTxWarp prst="textNoShape">
+              <a:avLst/>
+            </a:prstTxWarp>
+            <a:spAutoFit/>
+          </a:bodyPr>
+          <a:lstStyle/>
+          <a:p>
+            <a:pPr marL="0" marR="0" lvl="0" indent="0" algn="l" defTabSz="914400" rtl="0" eaLnBrk="0" fontAlgn="base" latinLnBrk="0" hangingPunct="0">
+              <a:lnSpc>
+                <a:spcPct val="100000"/>
+              </a:lnSpc>
+              <a:spcBef>
+                <a:spcPct val="0"/>
+              </a:spcBef>
+              <a:spcAft>
+                <a:spcPct val="0"/>
+              </a:spcAft>
+              <a:buClrTx/>
+              <a:buSzTx/>
+              <a:buFontTx/>
+              <a:buNone/>
+              <a:tabLst/>
+            </a:pPr>
+            <a:r>
+              <a:rPr kumimoji="0" lang="en-US" altLang="en-US" sz="1000" b="0" i="1" u="none" strike="noStrike" cap="none" normalizeH="0" baseline="0" dirty="0" smtClean="0">
+                <a:ln>
+                  <a:noFill/>
+                </a:ln>
+                <a:solidFill>
+                  <a:srgbClr val="000000"/>
+                </a:solidFill>
+                <a:effectLst/>
+                <a:latin typeface="Courier New" panose="02070309020205020404" pitchFamily="49" charset="0"/>
+                <a:cs typeface="Courier New" panose="02070309020205020404" pitchFamily="49" charset="0"/>
+              </a:rPr>
+              <a:t>alert</a:t>
+            </a:r>
+            <a:r>
+              <a:rPr kumimoji="0" lang="en-US" altLang="en-US" sz="1000" b="0" i="0" u="none" strike="noStrike" cap="none" normalizeH="0" baseline="0" dirty="0" smtClean="0">
+                <a:ln>
+                  <a:noFill/>
+                </a:ln>
+                <a:solidFill>
+                  <a:srgbClr val="000000"/>
+                </a:solidFill>
+                <a:effectLst/>
+                <a:latin typeface="Courier New" panose="02070309020205020404" pitchFamily="49" charset="0"/>
+                <a:cs typeface="Courier New" panose="02070309020205020404" pitchFamily="49" charset="0"/>
+              </a:rPr>
+              <a:t>(</a:t>
+            </a:r>
+            <a:r>
+              <a:rPr kumimoji="0" lang="en-US" altLang="en-US" sz="1000" b="1" i="0" u="none" strike="noStrike" cap="none" normalizeH="0" baseline="0" dirty="0" smtClean="0">
+                <a:ln>
+                  <a:noFill/>
+                </a:ln>
+                <a:solidFill>
+                  <a:srgbClr val="008000"/>
+                </a:solidFill>
+                <a:effectLst/>
+                <a:latin typeface="Courier New" panose="02070309020205020404" pitchFamily="49" charset="0"/>
+                <a:cs typeface="Courier New" panose="02070309020205020404" pitchFamily="49" charset="0"/>
+              </a:rPr>
+              <a:t>'hello'</a:t>
+            </a:r>
+            <a:r>
+              <a:rPr kumimoji="0" lang="en-US" altLang="en-US" sz="1000" b="0" i="0" u="none" strike="noStrike" cap="none" normalizeH="0" baseline="0" dirty="0" smtClean="0">
+                <a:ln>
+                  <a:noFill/>
+                </a:ln>
+                <a:solidFill>
+                  <a:srgbClr val="000000"/>
+                </a:solidFill>
+                <a:effectLst/>
+                <a:latin typeface="Courier New" panose="02070309020205020404" pitchFamily="49" charset="0"/>
+                <a:cs typeface="Courier New" panose="02070309020205020404" pitchFamily="49" charset="0"/>
+              </a:rPr>
+              <a:t>);</a:t>
+            </a:r>
+          </a:p>
+        </p:txBody>
+      </p:sp>
+      <p:cxnSp>
+        <p:nvCxnSpPr>
+          <p:cNvPr id="9" name="Straight Arrow Connector 8"/>
+          <p:cNvCxnSpPr/>
+          <p:nvPr/>
+        </p:nvCxnSpPr>
+        <p:spPr>
+          <a:xfrm>
+            <a:off x="2438400" y="2409110"/>
+            <a:ext cx="990600" cy="0"/>
+          </a:xfrm>
+          <a:prstGeom prst="straightConnector1">
+            <a:avLst/>
+          </a:prstGeom>
+          <a:ln>
+            <a:tailEnd type="triangle"/>
+          </a:ln>
+        </p:spPr>
+        <p:style>
+          <a:lnRef idx="1">
+            <a:schemeClr val="dk1"/>
+          </a:lnRef>
+          <a:fillRef idx="0">
+            <a:schemeClr val="dk1"/>
+          </a:fillRef>
+          <a:effectRef idx="0">
+            <a:schemeClr val="dk1"/>
+          </a:effectRef>
+          <a:fontRef idx="minor">
+            <a:schemeClr val="tx1"/>
+          </a:fontRef>
+        </p:style>
+      </p:cxnSp>
+      <p:pic>
+        <p:nvPicPr>
+          <p:cNvPr id="10" name="Picture 9"/>
+          <p:cNvPicPr>
+            <a:picLocks noChangeAspect="1"/>
+          </p:cNvPicPr>
+          <p:nvPr/>
+        </p:nvPicPr>
+        <p:blipFill>
+          <a:blip r:embed="rId3"/>
+          <a:stretch>
+            <a:fillRect/>
+          </a:stretch>
+        </p:blipFill>
+        <p:spPr>
+          <a:xfrm>
+            <a:off x="4114800" y="3886199"/>
+            <a:ext cx="1981200" cy="476250"/>
+          </a:xfrm>
+          <a:prstGeom prst="rect">
+            <a:avLst/>
+          </a:prstGeom>
+        </p:spPr>
+      </p:pic>
+      <p:sp>
+        <p:nvSpPr>
+          <p:cNvPr id="11" name="Rectangle 2"/>
+          <p:cNvSpPr>
+            <a:spLocks noChangeArrowheads="1"/>
+          </p:cNvSpPr>
+          <p:nvPr/>
+        </p:nvSpPr>
+        <p:spPr bwMode="auto">
+          <a:xfrm>
+            <a:off x="318280" y="4001214"/>
+            <a:ext cx="3108543" cy="246221"/>
+          </a:xfrm>
+          <a:prstGeom prst="rect">
+            <a:avLst/>
+          </a:prstGeom>
+          <a:solidFill>
+            <a:srgbClr val="FFFFFF"/>
+          </a:solidFill>
+          <a:ln>
+            <a:noFill/>
+          </a:ln>
+          <a:effectLst/>
+          <a:extLst>
+            <a:ext uri="{91240B29-F687-4F45-9708-019B960494DF}">
+              <a14:hiddenLine xmlns:a14="http://schemas.microsoft.com/office/drawing/2010/main" w="9525">
+                <a:solidFill>
+                  <a:schemeClr val="tx1"/>
+                </a:solidFill>
+                <a:miter lim="800000"/>
+                <a:headEnd/>
+                <a:tailEnd/>
+              </a14:hiddenLine>
+            </a:ext>
+            <a:ext uri="{AF507438-7753-43E0-B8FC-AC1667EBCBE1}">
+              <a14:hiddenEffects xmlns:a14="http://schemas.microsoft.com/office/drawing/2010/main">
+                <a:effectLst>
+                  <a:outerShdw dist="35921" dir="2700000" algn="ctr" rotWithShape="0">
+                    <a:schemeClr val="bg2"/>
+                  </a:outerShdw>
+                </a:effectLst>
+              </a14:hiddenEffects>
+            </a:ext>
+          </a:extLst>
+        </p:spPr>
+        <p:txBody>
+          <a:bodyPr vert="horz" wrap="none" lIns="91440" tIns="45720" rIns="91440" bIns="45720" numCol="1" anchor="ctr" anchorCtr="0" compatLnSpc="1">
+            <a:prstTxWarp prst="textNoShape">
+              <a:avLst/>
+            </a:prstTxWarp>
+            <a:spAutoFit/>
+          </a:bodyPr>
+          <a:lstStyle/>
+          <a:p>
+            <a:pPr marL="0" marR="0" lvl="0" indent="0" algn="l" defTabSz="914400" rtl="0" eaLnBrk="0" fontAlgn="base" latinLnBrk="0" hangingPunct="0">
+              <a:lnSpc>
+                <a:spcPct val="100000"/>
+              </a:lnSpc>
+              <a:spcBef>
+                <a:spcPct val="0"/>
+              </a:spcBef>
+              <a:spcAft>
+                <a:spcPct val="0"/>
+              </a:spcAft>
+              <a:buClrTx/>
+              <a:buSzTx/>
+              <a:buFontTx/>
+              <a:buNone/>
+              <a:tabLst/>
+            </a:pPr>
+            <a:r>
+              <a:rPr kumimoji="0" lang="en-US" altLang="en-US" sz="1000" b="1" i="1" u="none" strike="noStrike" cap="none" normalizeH="0" baseline="0" dirty="0" smtClean="0">
+                <a:ln>
+                  <a:noFill/>
+                </a:ln>
+                <a:solidFill>
+                  <a:srgbClr val="660E7A"/>
+                </a:solidFill>
+                <a:effectLst/>
+                <a:latin typeface="Courier New" panose="02070309020205020404" pitchFamily="49" charset="0"/>
+                <a:cs typeface="Courier New" panose="02070309020205020404" pitchFamily="49" charset="0"/>
+              </a:rPr>
+              <a:t>console</a:t>
+            </a:r>
+            <a:r>
+              <a:rPr kumimoji="0" lang="en-US" altLang="en-US" sz="1000" b="0" i="0" u="none" strike="noStrike" cap="none" normalizeH="0" baseline="0" dirty="0" smtClean="0">
+                <a:ln>
+                  <a:noFill/>
+                </a:ln>
+                <a:solidFill>
+                  <a:srgbClr val="000000"/>
+                </a:solidFill>
+                <a:effectLst/>
+                <a:latin typeface="Courier New" panose="02070309020205020404" pitchFamily="49" charset="0"/>
+                <a:cs typeface="Courier New" panose="02070309020205020404" pitchFamily="49" charset="0"/>
+              </a:rPr>
+              <a:t>.</a:t>
+            </a:r>
+            <a:r>
+              <a:rPr kumimoji="0" lang="en-US" altLang="en-US" sz="1000" b="0" i="0" u="none" strike="noStrike" cap="none" normalizeH="0" baseline="0" dirty="0" smtClean="0">
+                <a:ln>
+                  <a:noFill/>
+                </a:ln>
+                <a:solidFill>
+                  <a:srgbClr val="7A7A43"/>
+                </a:solidFill>
+                <a:effectLst/>
+                <a:latin typeface="Courier New" panose="02070309020205020404" pitchFamily="49" charset="0"/>
+                <a:cs typeface="Courier New" panose="02070309020205020404" pitchFamily="49" charset="0"/>
+              </a:rPr>
+              <a:t>log</a:t>
+            </a:r>
+            <a:r>
+              <a:rPr kumimoji="0" lang="en-US" altLang="en-US" sz="1000" b="0" i="0" u="none" strike="noStrike" cap="none" normalizeH="0" baseline="0" dirty="0" smtClean="0">
+                <a:ln>
+                  <a:noFill/>
+                </a:ln>
+                <a:solidFill>
+                  <a:srgbClr val="000000"/>
+                </a:solidFill>
+                <a:effectLst/>
+                <a:latin typeface="Courier New" panose="02070309020205020404" pitchFamily="49" charset="0"/>
+                <a:cs typeface="Courier New" panose="02070309020205020404" pitchFamily="49" charset="0"/>
+              </a:rPr>
+              <a:t>(</a:t>
+            </a:r>
+            <a:r>
+              <a:rPr kumimoji="0" lang="en-US" altLang="en-US" sz="1000" b="1" i="0" u="none" strike="noStrike" cap="none" normalizeH="0" baseline="0" dirty="0" smtClean="0">
+                <a:ln>
+                  <a:noFill/>
+                </a:ln>
+                <a:solidFill>
+                  <a:srgbClr val="008000"/>
+                </a:solidFill>
+                <a:effectLst/>
+                <a:latin typeface="Courier New" panose="02070309020205020404" pitchFamily="49" charset="0"/>
+                <a:cs typeface="Courier New" panose="02070309020205020404" pitchFamily="49" charset="0"/>
+              </a:rPr>
+              <a:t>'the quick brown fox...'</a:t>
+            </a:r>
+            <a:r>
+              <a:rPr kumimoji="0" lang="en-US" altLang="en-US" sz="1000" b="0" i="0" u="none" strike="noStrike" cap="none" normalizeH="0" baseline="0" dirty="0" smtClean="0">
+                <a:ln>
+                  <a:noFill/>
+                </a:ln>
+                <a:solidFill>
+                  <a:srgbClr val="000000"/>
+                </a:solidFill>
+                <a:effectLst/>
+                <a:latin typeface="Courier New" panose="02070309020205020404" pitchFamily="49" charset="0"/>
+                <a:cs typeface="Courier New" panose="02070309020205020404" pitchFamily="49" charset="0"/>
+              </a:rPr>
+              <a:t>);</a:t>
+            </a:r>
+            <a:endParaRPr kumimoji="0" lang="en-US" altLang="en-US" sz="1800" b="0" i="0" u="none" strike="noStrike" cap="none" normalizeH="0" baseline="0" dirty="0" smtClean="0">
+              <a:ln>
+                <a:noFill/>
+              </a:ln>
+              <a:solidFill>
+                <a:schemeClr val="tx1"/>
+              </a:solidFill>
+              <a:effectLst/>
+              <a:latin typeface="Arial" panose="020B0604020202020204" pitchFamily="34" charset="0"/>
+            </a:endParaRPr>
+          </a:p>
+        </p:txBody>
+      </p:sp>
+      <p:cxnSp>
+        <p:nvCxnSpPr>
+          <p:cNvPr id="13" name="Straight Arrow Connector 12"/>
+          <p:cNvCxnSpPr/>
+          <p:nvPr/>
+        </p:nvCxnSpPr>
+        <p:spPr>
+          <a:xfrm>
+            <a:off x="3581400" y="4124324"/>
+            <a:ext cx="381000" cy="0"/>
+          </a:xfrm>
+          <a:prstGeom prst="straightConnector1">
+            <a:avLst/>
+          </a:prstGeom>
+          <a:ln>
+            <a:tailEnd type="triangle"/>
+          </a:ln>
+        </p:spPr>
+        <p:style>
+          <a:lnRef idx="1">
+            <a:schemeClr val="dk1"/>
+          </a:lnRef>
+          <a:fillRef idx="0">
+            <a:schemeClr val="dk1"/>
+          </a:fillRef>
+          <a:effectRef idx="0">
+            <a:schemeClr val="dk1"/>
+          </a:effectRef>
+          <a:fontRef idx="minor">
+            <a:schemeClr val="tx1"/>
+          </a:fontRef>
+        </p:style>
+      </p:cxnSp>
+    </p:spTree>
+    <p:extLst>
+      <p:ext uri="{BB962C8B-B14F-4D97-AF65-F5344CB8AC3E}">
+        <p14:creationId xmlns:p14="http://schemas.microsoft.com/office/powerpoint/2010/main" val="886915716"/>
+      </p:ext>
+    </p:extLst>
+  </p:cSld>
+  <p:clrMapOvr>
+    <a:masterClrMapping/>
+  </p:clrMapOvr>
+  <p:timing>
+    <p:tnLst>
+      <p:par>
+        <p:cTn id="1" dur="indefinite" restart="never" nodeType="tmRoot"/>
+      </p:par>
+    </p:tnLst>
+  </p:timing>
+</p:sld>
+</file>
+
+<file path=ppt/slides/slide6.xml><?xml version="1.0" encoding="utf-8"?>
+<p:sld xmlns:a="http://schemas.openxmlformats.org/drawingml/2006/main" xmlns:r="http://schemas.openxmlformats.org/officeDocument/2006/relationships" xmlns:p="http://schemas.openxmlformats.org/presentationml/2006/main">
+  <p:cSld>
+    <p:spTree>
+      <p:nvGrpSpPr>
+        <p:cNvPr id="1" name=""/>
+        <p:cNvGrpSpPr/>
+        <p:nvPr/>
+      </p:nvGrpSpPr>
+      <p:grpSpPr>
+        <a:xfrm>
+          <a:off x="0" y="0"/>
+          <a:ext cx="0" cy="0"/>
+          <a:chOff x="0" y="0"/>
+          <a:chExt cx="0" cy="0"/>
+        </a:xfrm>
+      </p:grpSpPr>
       <p:sp>
         <p:nvSpPr>
           <p:cNvPr id="3" name="Subtitle 2"/>
@@ -3886,7 +5203,7 @@
     </p:spTree>
     <p:extLst>
       <p:ext uri="{BB962C8B-B14F-4D97-AF65-F5344CB8AC3E}">
-        <p14:creationId xmlns:p14="http://schemas.microsoft.com/office/powerpoint/2010/main" val="1148697483"/>
+        <p14:creationId xmlns:p14="http://schemas.microsoft.com/office/powerpoint/2010/main" val="2055313366"/>
       </p:ext>
     </p:extLst>
   </p:cSld>
@@ -3903,7 +5220,7 @@
 </p:sld>
 </file>
 
-<file path=ppt/slides/slide2.xml><?xml version="1.0" encoding="utf-8"?>
+<file path=ppt/slides/slide7.xml><?xml version="1.0" encoding="utf-8"?>
 <p:sld xmlns:a="http://schemas.openxmlformats.org/drawingml/2006/main" xmlns:r="http://schemas.openxmlformats.org/officeDocument/2006/relationships" xmlns:p="http://schemas.openxmlformats.org/presentationml/2006/main">
   <p:cSld>
     <p:spTree>
@@ -3974,18 +5291,18 @@
     </p:spTree>
     <p:extLst>
       <p:ext uri="{BB962C8B-B14F-4D97-AF65-F5344CB8AC3E}">
-        <p14:creationId xmlns:p14="http://schemas.microsoft.com/office/powerpoint/2010/main" val="3356693845"/>
+        <p14:creationId xmlns:p14="http://schemas.microsoft.com/office/powerpoint/2010/main" val="2426448394"/>
       </p:ext>
     </p:extLst>
   </p:cSld>
   <p:clrMapOvr>
     <a:masterClrMapping/>
   </p:clrMapOvr>
-  <mc:AlternateContent xmlns:mc="http://schemas.openxmlformats.org/markup-compatibility/2006" xmlns:p14="http://schemas.microsoft.com/office/powerpoint/2010/main">
-    <mc:Choice Requires="p14">
+  <mc:AlternateContent xmlns:mc="http://schemas.openxmlformats.org/markup-compatibility/2006">
+    <mc:Choice xmlns:p14="http://schemas.microsoft.com/office/powerpoint/2010/main" Requires="p14">
       <p:transition spd="slow" p14:dur="2000"/>
     </mc:Choice>
-    <mc:Fallback xmlns="">
+    <mc:Fallback>
       <p:transition spd="slow"/>
     </mc:Fallback>
   </mc:AlternateContent>
@@ -3999,7 +5316,7 @@
 </p:sld>
 </file>
 
-<file path=ppt/slides/slide3.xml><?xml version="1.0" encoding="utf-8"?>
+<file path=ppt/slides/slide8.xml><?xml version="1.0" encoding="utf-8"?>
 <p:sld xmlns:a="http://schemas.openxmlformats.org/drawingml/2006/main" xmlns:r="http://schemas.openxmlformats.org/officeDocument/2006/relationships" xmlns:p="http://schemas.openxmlformats.org/presentationml/2006/main">
   <p:cSld>
     <p:spTree>
@@ -4018,52 +5335,1125 @@
       </p:grpSpPr>
       <p:sp>
         <p:nvSpPr>
-          <p:cNvPr id="5" name="Snip Single Corner Rectangle 4"/>
-          <p:cNvSpPr/>
+          <p:cNvPr id="6" name="Rectangle 3"/>
+          <p:cNvSpPr>
+            <a:spLocks noChangeArrowheads="1"/>
+          </p:cNvSpPr>
           <p:nvPr/>
         </p:nvSpPr>
-        <p:spPr>
+        <p:spPr bwMode="auto">
           <a:xfrm>
-            <a:off x="430120" y="1143000"/>
-            <a:ext cx="8283759" cy="914400"/>
+            <a:off x="1143000" y="2514600"/>
+            <a:ext cx="5109091" cy="1631216"/>
           </a:xfrm>
-          <a:prstGeom prst="snip1Rect">
-            <a:avLst>
-              <a:gd name="adj" fmla="val 0"/>
-            </a:avLst>
+          <a:prstGeom prst="rect">
+            <a:avLst/>
           </a:prstGeom>
           <a:solidFill>
-            <a:srgbClr val="607D8B"/>
+            <a:srgbClr val="FFFFFF"/>
           </a:solidFill>
           <a:ln>
             <a:noFill/>
           </a:ln>
+          <a:effectLst/>
+          <a:extLst>
+            <a:ext uri="{91240B29-F687-4F45-9708-019B960494DF}">
+              <a14:hiddenLine xmlns:a14="http://schemas.microsoft.com/office/drawing/2010/main" w="9525">
+                <a:solidFill>
+                  <a:schemeClr val="tx1"/>
+                </a:solidFill>
+                <a:miter lim="800000"/>
+                <a:headEnd/>
+                <a:tailEnd/>
+              </a14:hiddenLine>
+            </a:ext>
+            <a:ext uri="{AF507438-7753-43E0-B8FC-AC1667EBCBE1}">
+              <a14:hiddenEffects xmlns:a14="http://schemas.microsoft.com/office/drawing/2010/main">
+                <a:effectLst>
+                  <a:outerShdw dist="35921" dir="2700000" algn="ctr" rotWithShape="0">
+                    <a:schemeClr val="bg2"/>
+                  </a:outerShdw>
+                </a:effectLst>
+              </a14:hiddenEffects>
+            </a:ext>
+          </a:extLst>
         </p:spPr>
-        <p:style>
-          <a:lnRef idx="2">
-            <a:schemeClr val="accent1">
-              <a:shade val="50000"/>
-            </a:schemeClr>
-          </a:lnRef>
-          <a:fillRef idx="1">
-            <a:schemeClr val="accent1"/>
-          </a:fillRef>
-          <a:effectRef idx="0">
-            <a:schemeClr val="accent1"/>
-          </a:effectRef>
-          <a:fontRef idx="minor">
-            <a:schemeClr val="lt1"/>
-          </a:fontRef>
-        </p:style>
-        <p:txBody>
-          <a:bodyPr rtlCol="0" anchor="ctr"/>
-          <a:lstStyle/>
-          <a:p>
-            <a:pPr algn="ctr"/>
-            <a:r>
-              <a:rPr lang="en-US" sz="3600" dirty="0"/>
-              <a:t>object-oriented  or functional?</a:t>
-            </a:r>
+        <p:txBody>
+          <a:bodyPr vert="horz" wrap="none" lIns="91440" tIns="45720" rIns="91440" bIns="45720" numCol="1" anchor="ctr" anchorCtr="0" compatLnSpc="1">
+            <a:prstTxWarp prst="textNoShape">
+              <a:avLst/>
+            </a:prstTxWarp>
+            <a:spAutoFit/>
+          </a:bodyPr>
+          <a:lstStyle/>
+          <a:p>
+            <a:pPr marL="0" marR="0" lvl="0" indent="0" algn="l" defTabSz="914400" rtl="0" eaLnBrk="0" fontAlgn="base" latinLnBrk="0" hangingPunct="0">
+              <a:lnSpc>
+                <a:spcPct val="100000"/>
+              </a:lnSpc>
+              <a:spcBef>
+                <a:spcPct val="0"/>
+              </a:spcBef>
+              <a:spcAft>
+                <a:spcPct val="0"/>
+              </a:spcAft>
+              <a:buClrTx/>
+              <a:buSzTx/>
+              <a:buFontTx/>
+              <a:buNone/>
+              <a:tabLst/>
+            </a:pPr>
+            <a:r>
+              <a:rPr kumimoji="0" lang="en-US" altLang="en-US" sz="1000" b="1" i="0" u="none" strike="noStrike" cap="none" normalizeH="0" baseline="0" dirty="0" err="1" smtClean="0">
+                <a:ln>
+                  <a:noFill/>
+                </a:ln>
+                <a:solidFill>
+                  <a:srgbClr val="000080"/>
+                </a:solidFill>
+                <a:effectLst/>
+                <a:latin typeface="Courier New" panose="02070309020205020404" pitchFamily="49" charset="0"/>
+                <a:cs typeface="Courier New" panose="02070309020205020404" pitchFamily="49" charset="0"/>
+              </a:rPr>
+              <a:t>var</a:t>
+            </a:r>
+            <a:r>
+              <a:rPr kumimoji="0" lang="en-US" altLang="en-US" sz="1000" b="1" i="0" u="none" strike="noStrike" cap="none" normalizeH="0" baseline="0" dirty="0" smtClean="0">
+                <a:ln>
+                  <a:noFill/>
+                </a:ln>
+                <a:solidFill>
+                  <a:srgbClr val="000080"/>
+                </a:solidFill>
+                <a:effectLst/>
+                <a:latin typeface="Courier New" panose="02070309020205020404" pitchFamily="49" charset="0"/>
+                <a:cs typeface="Courier New" panose="02070309020205020404" pitchFamily="49" charset="0"/>
+              </a:rPr>
+              <a:t> </a:t>
+            </a:r>
+            <a:r>
+              <a:rPr kumimoji="0" lang="en-US" altLang="en-US" sz="1000" b="1" i="1" u="none" strike="noStrike" cap="none" normalizeH="0" baseline="0" dirty="0" smtClean="0">
+                <a:ln>
+                  <a:noFill/>
+                </a:ln>
+                <a:solidFill>
+                  <a:srgbClr val="660E7A"/>
+                </a:solidFill>
+                <a:effectLst/>
+                <a:latin typeface="Courier New" panose="02070309020205020404" pitchFamily="49" charset="0"/>
+                <a:cs typeface="Courier New" panose="02070309020205020404" pitchFamily="49" charset="0"/>
+              </a:rPr>
+              <a:t>sex </a:t>
+            </a:r>
+            <a:r>
+              <a:rPr kumimoji="0" lang="en-US" altLang="en-US" sz="1000" b="0" i="0" u="none" strike="noStrike" cap="none" normalizeH="0" baseline="0" dirty="0" smtClean="0">
+                <a:ln>
+                  <a:noFill/>
+                </a:ln>
+                <a:solidFill>
+                  <a:srgbClr val="000000"/>
+                </a:solidFill>
+                <a:effectLst/>
+                <a:latin typeface="Courier New" panose="02070309020205020404" pitchFamily="49" charset="0"/>
+                <a:cs typeface="Courier New" panose="02070309020205020404" pitchFamily="49" charset="0"/>
+              </a:rPr>
+              <a:t>= </a:t>
+            </a:r>
+            <a:r>
+              <a:rPr kumimoji="0" lang="en-US" altLang="en-US" sz="1000" b="0" i="0" u="none" strike="noStrike" cap="none" normalizeH="0" baseline="0" dirty="0" err="1" smtClean="0">
+                <a:ln>
+                  <a:noFill/>
+                </a:ln>
+                <a:solidFill>
+                  <a:srgbClr val="000000"/>
+                </a:solidFill>
+                <a:effectLst/>
+                <a:latin typeface="Courier New" panose="02070309020205020404" pitchFamily="49" charset="0"/>
+                <a:cs typeface="Courier New" panose="02070309020205020404" pitchFamily="49" charset="0"/>
+              </a:rPr>
+              <a:t>addPersonData.sex</a:t>
+            </a:r>
+            <a:r>
+              <a:rPr kumimoji="0" lang="en-US" altLang="en-US" sz="1000" b="0" i="0" u="none" strike="noStrike" cap="none" normalizeH="0" baseline="0" dirty="0" smtClean="0">
+                <a:ln>
+                  <a:noFill/>
+                </a:ln>
+                <a:solidFill>
+                  <a:srgbClr val="000000"/>
+                </a:solidFill>
+                <a:effectLst/>
+                <a:latin typeface="Courier New" panose="02070309020205020404" pitchFamily="49" charset="0"/>
+                <a:cs typeface="Courier New" panose="02070309020205020404" pitchFamily="49" charset="0"/>
+              </a:rPr>
+              <a:t>;</a:t>
+            </a:r>
+            <a:br>
+              <a:rPr kumimoji="0" lang="en-US" altLang="en-US" sz="1000" b="0" i="0" u="none" strike="noStrike" cap="none" normalizeH="0" baseline="0" dirty="0" smtClean="0">
+                <a:ln>
+                  <a:noFill/>
+                </a:ln>
+                <a:solidFill>
+                  <a:srgbClr val="000000"/>
+                </a:solidFill>
+                <a:effectLst/>
+                <a:latin typeface="Courier New" panose="02070309020205020404" pitchFamily="49" charset="0"/>
+                <a:cs typeface="Courier New" panose="02070309020205020404" pitchFamily="49" charset="0"/>
+              </a:rPr>
+            </a:br>
+            <a:r>
+              <a:rPr kumimoji="0" lang="en-US" altLang="en-US" sz="1000" b="1" i="0" u="none" strike="noStrike" cap="none" normalizeH="0" baseline="0" dirty="0" smtClean="0">
+                <a:ln>
+                  <a:noFill/>
+                </a:ln>
+                <a:solidFill>
+                  <a:srgbClr val="000080"/>
+                </a:solidFill>
+                <a:effectLst/>
+                <a:latin typeface="Courier New" panose="02070309020205020404" pitchFamily="49" charset="0"/>
+                <a:cs typeface="Courier New" panose="02070309020205020404" pitchFamily="49" charset="0"/>
+              </a:rPr>
+              <a:t>if </a:t>
+            </a:r>
+            <a:r>
+              <a:rPr kumimoji="0" lang="en-US" altLang="en-US" sz="1000" b="0" i="0" u="none" strike="noStrike" cap="none" normalizeH="0" baseline="0" dirty="0" smtClean="0">
+                <a:ln>
+                  <a:noFill/>
+                </a:ln>
+                <a:solidFill>
+                  <a:srgbClr val="000000"/>
+                </a:solidFill>
+                <a:effectLst/>
+                <a:latin typeface="Courier New" panose="02070309020205020404" pitchFamily="49" charset="0"/>
+                <a:cs typeface="Courier New" panose="02070309020205020404" pitchFamily="49" charset="0"/>
+              </a:rPr>
+              <a:t>(</a:t>
+            </a:r>
+            <a:r>
+              <a:rPr kumimoji="0" lang="en-US" altLang="en-US" sz="1000" b="0" i="0" u="none" strike="noStrike" cap="none" normalizeH="0" baseline="0" dirty="0" err="1" smtClean="0">
+                <a:ln>
+                  <a:noFill/>
+                </a:ln>
+                <a:solidFill>
+                  <a:srgbClr val="000000"/>
+                </a:solidFill>
+                <a:effectLst/>
+                <a:latin typeface="Courier New" panose="02070309020205020404" pitchFamily="49" charset="0"/>
+                <a:cs typeface="Courier New" panose="02070309020205020404" pitchFamily="49" charset="0"/>
+              </a:rPr>
+              <a:t>rt</a:t>
+            </a:r>
+            <a:r>
+              <a:rPr kumimoji="0" lang="en-US" altLang="en-US" sz="1000" b="0" i="0" u="none" strike="noStrike" cap="none" normalizeH="0" baseline="0" dirty="0" smtClean="0">
+                <a:ln>
+                  <a:noFill/>
+                </a:ln>
+                <a:solidFill>
+                  <a:srgbClr val="000000"/>
+                </a:solidFill>
+                <a:effectLst/>
+                <a:latin typeface="Courier New" panose="02070309020205020404" pitchFamily="49" charset="0"/>
+                <a:cs typeface="Courier New" panose="02070309020205020404" pitchFamily="49" charset="0"/>
+              </a:rPr>
+              <a:t> == </a:t>
+            </a:r>
+            <a:r>
+              <a:rPr kumimoji="0" lang="en-US" altLang="en-US" sz="1000" b="1" i="0" u="none" strike="noStrike" cap="none" normalizeH="0" baseline="0" dirty="0" smtClean="0">
+                <a:ln>
+                  <a:noFill/>
+                </a:ln>
+                <a:solidFill>
+                  <a:srgbClr val="008000"/>
+                </a:solidFill>
+                <a:effectLst/>
+                <a:latin typeface="Courier New" panose="02070309020205020404" pitchFamily="49" charset="0"/>
+                <a:cs typeface="Courier New" panose="02070309020205020404" pitchFamily="49" charset="0"/>
+              </a:rPr>
+              <a:t>'DESCENDANT'</a:t>
+            </a:r>
+            <a:r>
+              <a:rPr kumimoji="0" lang="en-US" altLang="en-US" sz="1000" b="0" i="0" u="none" strike="noStrike" cap="none" normalizeH="0" baseline="0" dirty="0" smtClean="0">
+                <a:ln>
+                  <a:noFill/>
+                </a:ln>
+                <a:solidFill>
+                  <a:srgbClr val="000000"/>
+                </a:solidFill>
+                <a:effectLst/>
+                <a:latin typeface="Courier New" panose="02070309020205020404" pitchFamily="49" charset="0"/>
+                <a:cs typeface="Courier New" panose="02070309020205020404" pitchFamily="49" charset="0"/>
+              </a:rPr>
+              <a:t>) {</a:t>
+            </a:r>
+            <a:br>
+              <a:rPr kumimoji="0" lang="en-US" altLang="en-US" sz="1000" b="0" i="0" u="none" strike="noStrike" cap="none" normalizeH="0" baseline="0" dirty="0" smtClean="0">
+                <a:ln>
+                  <a:noFill/>
+                </a:ln>
+                <a:solidFill>
+                  <a:srgbClr val="000000"/>
+                </a:solidFill>
+                <a:effectLst/>
+                <a:latin typeface="Courier New" panose="02070309020205020404" pitchFamily="49" charset="0"/>
+                <a:cs typeface="Courier New" panose="02070309020205020404" pitchFamily="49" charset="0"/>
+              </a:rPr>
+            </a:br>
+            <a:r>
+              <a:rPr kumimoji="0" lang="en-US" altLang="en-US" sz="1000" b="0" i="0" u="none" strike="noStrike" cap="none" normalizeH="0" baseline="0" dirty="0" smtClean="0">
+                <a:ln>
+                  <a:noFill/>
+                </a:ln>
+                <a:solidFill>
+                  <a:srgbClr val="000000"/>
+                </a:solidFill>
+                <a:effectLst/>
+                <a:latin typeface="Courier New" panose="02070309020205020404" pitchFamily="49" charset="0"/>
+                <a:cs typeface="Courier New" panose="02070309020205020404" pitchFamily="49" charset="0"/>
+              </a:rPr>
+              <a:t>    $</a:t>
+            </a:r>
+            <a:r>
+              <a:rPr kumimoji="0" lang="en-US" altLang="en-US" sz="1000" b="0" i="0" u="none" strike="noStrike" cap="none" normalizeH="0" baseline="0" dirty="0" err="1" smtClean="0">
+                <a:ln>
+                  <a:noFill/>
+                </a:ln>
+                <a:solidFill>
+                  <a:srgbClr val="000000"/>
+                </a:solidFill>
+                <a:effectLst/>
+                <a:latin typeface="Courier New" panose="02070309020205020404" pitchFamily="49" charset="0"/>
+                <a:cs typeface="Courier New" panose="02070309020205020404" pitchFamily="49" charset="0"/>
+              </a:rPr>
+              <a:t>scope.</a:t>
+            </a:r>
+            <a:r>
+              <a:rPr kumimoji="0" lang="en-US" altLang="en-US" sz="1000" b="1" i="0" u="none" strike="noStrike" cap="none" normalizeH="0" baseline="0" dirty="0" err="1" smtClean="0">
+                <a:ln>
+                  <a:noFill/>
+                </a:ln>
+                <a:solidFill>
+                  <a:srgbClr val="660E7A"/>
+                </a:solidFill>
+                <a:effectLst/>
+                <a:latin typeface="Courier New" panose="02070309020205020404" pitchFamily="49" charset="0"/>
+                <a:cs typeface="Courier New" panose="02070309020205020404" pitchFamily="49" charset="0"/>
+              </a:rPr>
+              <a:t>clanFieldDisabled</a:t>
+            </a:r>
+            <a:r>
+              <a:rPr kumimoji="0" lang="en-US" altLang="en-US" sz="1000" b="1" i="0" u="none" strike="noStrike" cap="none" normalizeH="0" baseline="0" dirty="0" smtClean="0">
+                <a:ln>
+                  <a:noFill/>
+                </a:ln>
+                <a:solidFill>
+                  <a:srgbClr val="660E7A"/>
+                </a:solidFill>
+                <a:effectLst/>
+                <a:latin typeface="Courier New" panose="02070309020205020404" pitchFamily="49" charset="0"/>
+                <a:cs typeface="Courier New" panose="02070309020205020404" pitchFamily="49" charset="0"/>
+              </a:rPr>
+              <a:t> </a:t>
+            </a:r>
+            <a:r>
+              <a:rPr kumimoji="0" lang="en-US" altLang="en-US" sz="1000" b="0" i="0" u="none" strike="noStrike" cap="none" normalizeH="0" baseline="0" dirty="0" smtClean="0">
+                <a:ln>
+                  <a:noFill/>
+                </a:ln>
+                <a:solidFill>
+                  <a:srgbClr val="000000"/>
+                </a:solidFill>
+                <a:effectLst/>
+                <a:latin typeface="Courier New" panose="02070309020205020404" pitchFamily="49" charset="0"/>
+                <a:cs typeface="Courier New" panose="02070309020205020404" pitchFamily="49" charset="0"/>
+              </a:rPr>
+              <a:t>= </a:t>
+            </a:r>
+            <a:r>
+              <a:rPr kumimoji="0" lang="en-US" altLang="en-US" sz="1000" b="1" i="1" u="none" strike="noStrike" cap="none" normalizeH="0" baseline="0" dirty="0" smtClean="0">
+                <a:ln>
+                  <a:noFill/>
+                </a:ln>
+                <a:solidFill>
+                  <a:srgbClr val="660E7A"/>
+                </a:solidFill>
+                <a:effectLst/>
+                <a:latin typeface="Courier New" panose="02070309020205020404" pitchFamily="49" charset="0"/>
+                <a:cs typeface="Courier New" panose="02070309020205020404" pitchFamily="49" charset="0"/>
+              </a:rPr>
+              <a:t>sex</a:t>
+            </a:r>
+            <a:r>
+              <a:rPr kumimoji="0" lang="en-US" altLang="en-US" sz="1000" b="0" i="0" u="none" strike="noStrike" cap="none" normalizeH="0" baseline="0" dirty="0" smtClean="0">
+                <a:ln>
+                  <a:noFill/>
+                </a:ln>
+                <a:solidFill>
+                  <a:srgbClr val="000000"/>
+                </a:solidFill>
+                <a:effectLst/>
+                <a:latin typeface="Courier New" panose="02070309020205020404" pitchFamily="49" charset="0"/>
+                <a:cs typeface="Courier New" panose="02070309020205020404" pitchFamily="49" charset="0"/>
+              </a:rPr>
+              <a:t>;</a:t>
+            </a:r>
+            <a:br>
+              <a:rPr kumimoji="0" lang="en-US" altLang="en-US" sz="1000" b="0" i="0" u="none" strike="noStrike" cap="none" normalizeH="0" baseline="0" dirty="0" smtClean="0">
+                <a:ln>
+                  <a:noFill/>
+                </a:ln>
+                <a:solidFill>
+                  <a:srgbClr val="000000"/>
+                </a:solidFill>
+                <a:effectLst/>
+                <a:latin typeface="Courier New" panose="02070309020205020404" pitchFamily="49" charset="0"/>
+                <a:cs typeface="Courier New" panose="02070309020205020404" pitchFamily="49" charset="0"/>
+              </a:rPr>
+            </a:br>
+            <a:r>
+              <a:rPr kumimoji="0" lang="en-US" altLang="en-US" sz="1000" b="0" i="0" u="none" strike="noStrike" cap="none" normalizeH="0" baseline="0" dirty="0" smtClean="0">
+                <a:ln>
+                  <a:noFill/>
+                </a:ln>
+                <a:solidFill>
+                  <a:srgbClr val="000000"/>
+                </a:solidFill>
+                <a:effectLst/>
+                <a:latin typeface="Courier New" panose="02070309020205020404" pitchFamily="49" charset="0"/>
+                <a:cs typeface="Courier New" panose="02070309020205020404" pitchFamily="49" charset="0"/>
+              </a:rPr>
+              <a:t>} </a:t>
+            </a:r>
+            <a:r>
+              <a:rPr kumimoji="0" lang="en-US" altLang="en-US" sz="1000" b="1" i="0" u="none" strike="noStrike" cap="none" normalizeH="0" baseline="0" dirty="0" smtClean="0">
+                <a:ln>
+                  <a:noFill/>
+                </a:ln>
+                <a:solidFill>
+                  <a:srgbClr val="000080"/>
+                </a:solidFill>
+                <a:effectLst/>
+                <a:latin typeface="Courier New" panose="02070309020205020404" pitchFamily="49" charset="0"/>
+                <a:cs typeface="Courier New" panose="02070309020205020404" pitchFamily="49" charset="0"/>
+              </a:rPr>
+              <a:t>else if </a:t>
+            </a:r>
+            <a:r>
+              <a:rPr kumimoji="0" lang="en-US" altLang="en-US" sz="1000" b="0" i="0" u="none" strike="noStrike" cap="none" normalizeH="0" baseline="0" dirty="0" smtClean="0">
+                <a:ln>
+                  <a:noFill/>
+                </a:ln>
+                <a:solidFill>
+                  <a:srgbClr val="000000"/>
+                </a:solidFill>
+                <a:effectLst/>
+                <a:latin typeface="Courier New" panose="02070309020205020404" pitchFamily="49" charset="0"/>
+                <a:cs typeface="Courier New" panose="02070309020205020404" pitchFamily="49" charset="0"/>
+              </a:rPr>
+              <a:t>(</a:t>
+            </a:r>
+            <a:r>
+              <a:rPr kumimoji="0" lang="en-US" altLang="en-US" sz="1000" b="0" i="0" u="none" strike="noStrike" cap="none" normalizeH="0" baseline="0" dirty="0" err="1" smtClean="0">
+                <a:ln>
+                  <a:noFill/>
+                </a:ln>
+                <a:solidFill>
+                  <a:srgbClr val="000000"/>
+                </a:solidFill>
+                <a:effectLst/>
+                <a:latin typeface="Courier New" panose="02070309020205020404" pitchFamily="49" charset="0"/>
+                <a:cs typeface="Courier New" panose="02070309020205020404" pitchFamily="49" charset="0"/>
+              </a:rPr>
+              <a:t>rt</a:t>
+            </a:r>
+            <a:r>
+              <a:rPr kumimoji="0" lang="en-US" altLang="en-US" sz="1000" b="0" i="0" u="none" strike="noStrike" cap="none" normalizeH="0" baseline="0" dirty="0" smtClean="0">
+                <a:ln>
+                  <a:noFill/>
+                </a:ln>
+                <a:solidFill>
+                  <a:srgbClr val="000000"/>
+                </a:solidFill>
+                <a:effectLst/>
+                <a:latin typeface="Courier New" panose="02070309020205020404" pitchFamily="49" charset="0"/>
+                <a:cs typeface="Courier New" panose="02070309020205020404" pitchFamily="49" charset="0"/>
+              </a:rPr>
+              <a:t> == </a:t>
+            </a:r>
+            <a:r>
+              <a:rPr kumimoji="0" lang="en-US" altLang="en-US" sz="1000" b="1" i="0" u="none" strike="noStrike" cap="none" normalizeH="0" baseline="0" dirty="0" smtClean="0">
+                <a:ln>
+                  <a:noFill/>
+                </a:ln>
+                <a:solidFill>
+                  <a:srgbClr val="008000"/>
+                </a:solidFill>
+                <a:effectLst/>
+                <a:latin typeface="Courier New" panose="02070309020205020404" pitchFamily="49" charset="0"/>
+                <a:cs typeface="Courier New" panose="02070309020205020404" pitchFamily="49" charset="0"/>
+              </a:rPr>
+              <a:t>'PREDECESSOR'</a:t>
+            </a:r>
+            <a:r>
+              <a:rPr kumimoji="0" lang="en-US" altLang="en-US" sz="1000" b="0" i="0" u="none" strike="noStrike" cap="none" normalizeH="0" baseline="0" dirty="0" smtClean="0">
+                <a:ln>
+                  <a:noFill/>
+                </a:ln>
+                <a:solidFill>
+                  <a:srgbClr val="000000"/>
+                </a:solidFill>
+                <a:effectLst/>
+                <a:latin typeface="Courier New" panose="02070309020205020404" pitchFamily="49" charset="0"/>
+                <a:cs typeface="Courier New" panose="02070309020205020404" pitchFamily="49" charset="0"/>
+              </a:rPr>
+              <a:t>) {</a:t>
+            </a:r>
+            <a:br>
+              <a:rPr kumimoji="0" lang="en-US" altLang="en-US" sz="1000" b="0" i="0" u="none" strike="noStrike" cap="none" normalizeH="0" baseline="0" dirty="0" smtClean="0">
+                <a:ln>
+                  <a:noFill/>
+                </a:ln>
+                <a:solidFill>
+                  <a:srgbClr val="000000"/>
+                </a:solidFill>
+                <a:effectLst/>
+                <a:latin typeface="Courier New" panose="02070309020205020404" pitchFamily="49" charset="0"/>
+                <a:cs typeface="Courier New" panose="02070309020205020404" pitchFamily="49" charset="0"/>
+              </a:rPr>
+            </a:br>
+            <a:r>
+              <a:rPr kumimoji="0" lang="en-US" altLang="en-US" sz="1000" b="0" i="0" u="none" strike="noStrike" cap="none" normalizeH="0" baseline="0" dirty="0" smtClean="0">
+                <a:ln>
+                  <a:noFill/>
+                </a:ln>
+                <a:solidFill>
+                  <a:srgbClr val="000000"/>
+                </a:solidFill>
+                <a:effectLst/>
+                <a:latin typeface="Courier New" panose="02070309020205020404" pitchFamily="49" charset="0"/>
+                <a:cs typeface="Courier New" panose="02070309020205020404" pitchFamily="49" charset="0"/>
+              </a:rPr>
+              <a:t>    $</a:t>
+            </a:r>
+            <a:r>
+              <a:rPr kumimoji="0" lang="en-US" altLang="en-US" sz="1000" b="0" i="0" u="none" strike="noStrike" cap="none" normalizeH="0" baseline="0" dirty="0" err="1" smtClean="0">
+                <a:ln>
+                  <a:noFill/>
+                </a:ln>
+                <a:solidFill>
+                  <a:srgbClr val="000000"/>
+                </a:solidFill>
+                <a:effectLst/>
+                <a:latin typeface="Courier New" panose="02070309020205020404" pitchFamily="49" charset="0"/>
+                <a:cs typeface="Courier New" panose="02070309020205020404" pitchFamily="49" charset="0"/>
+              </a:rPr>
+              <a:t>scope.</a:t>
+            </a:r>
+            <a:r>
+              <a:rPr kumimoji="0" lang="en-US" altLang="en-US" sz="1000" b="1" i="0" u="none" strike="noStrike" cap="none" normalizeH="0" baseline="0" dirty="0" err="1" smtClean="0">
+                <a:ln>
+                  <a:noFill/>
+                </a:ln>
+                <a:solidFill>
+                  <a:srgbClr val="660E7A"/>
+                </a:solidFill>
+                <a:effectLst/>
+                <a:latin typeface="Courier New" panose="02070309020205020404" pitchFamily="49" charset="0"/>
+                <a:cs typeface="Courier New" panose="02070309020205020404" pitchFamily="49" charset="0"/>
+              </a:rPr>
+              <a:t>clanFieldDisabled</a:t>
+            </a:r>
+            <a:r>
+              <a:rPr kumimoji="0" lang="en-US" altLang="en-US" sz="1000" b="1" i="0" u="none" strike="noStrike" cap="none" normalizeH="0" baseline="0" dirty="0" smtClean="0">
+                <a:ln>
+                  <a:noFill/>
+                </a:ln>
+                <a:solidFill>
+                  <a:srgbClr val="660E7A"/>
+                </a:solidFill>
+                <a:effectLst/>
+                <a:latin typeface="Courier New" panose="02070309020205020404" pitchFamily="49" charset="0"/>
+                <a:cs typeface="Courier New" panose="02070309020205020404" pitchFamily="49" charset="0"/>
+              </a:rPr>
+              <a:t> </a:t>
+            </a:r>
+            <a:r>
+              <a:rPr kumimoji="0" lang="en-US" altLang="en-US" sz="1000" b="0" i="0" u="none" strike="noStrike" cap="none" normalizeH="0" baseline="0" dirty="0" smtClean="0">
+                <a:ln>
+                  <a:noFill/>
+                </a:ln>
+                <a:solidFill>
+                  <a:srgbClr val="000000"/>
+                </a:solidFill>
+                <a:effectLst/>
+                <a:latin typeface="Courier New" panose="02070309020205020404" pitchFamily="49" charset="0"/>
+                <a:cs typeface="Courier New" panose="02070309020205020404" pitchFamily="49" charset="0"/>
+              </a:rPr>
+              <a:t>= </a:t>
+            </a:r>
+            <a:r>
+              <a:rPr kumimoji="0" lang="en-US" altLang="en-US" sz="1000" b="1" i="0" u="none" strike="noStrike" cap="none" normalizeH="0" baseline="0" dirty="0" smtClean="0">
+                <a:ln>
+                  <a:noFill/>
+                </a:ln>
+                <a:solidFill>
+                  <a:srgbClr val="000080"/>
+                </a:solidFill>
+                <a:effectLst/>
+                <a:latin typeface="Courier New" panose="02070309020205020404" pitchFamily="49" charset="0"/>
+                <a:cs typeface="Courier New" panose="02070309020205020404" pitchFamily="49" charset="0"/>
+              </a:rPr>
+              <a:t>true</a:t>
+            </a:r>
+            <a:r>
+              <a:rPr kumimoji="0" lang="en-US" altLang="en-US" sz="1000" b="0" i="0" u="none" strike="noStrike" cap="none" normalizeH="0" baseline="0" dirty="0" smtClean="0">
+                <a:ln>
+                  <a:noFill/>
+                </a:ln>
+                <a:solidFill>
+                  <a:srgbClr val="000000"/>
+                </a:solidFill>
+                <a:effectLst/>
+                <a:latin typeface="Courier New" panose="02070309020205020404" pitchFamily="49" charset="0"/>
+                <a:cs typeface="Courier New" panose="02070309020205020404" pitchFamily="49" charset="0"/>
+              </a:rPr>
+              <a:t>;</a:t>
+            </a:r>
+            <a:br>
+              <a:rPr kumimoji="0" lang="en-US" altLang="en-US" sz="1000" b="0" i="0" u="none" strike="noStrike" cap="none" normalizeH="0" baseline="0" dirty="0" smtClean="0">
+                <a:ln>
+                  <a:noFill/>
+                </a:ln>
+                <a:solidFill>
+                  <a:srgbClr val="000000"/>
+                </a:solidFill>
+                <a:effectLst/>
+                <a:latin typeface="Courier New" panose="02070309020205020404" pitchFamily="49" charset="0"/>
+                <a:cs typeface="Courier New" panose="02070309020205020404" pitchFamily="49" charset="0"/>
+              </a:rPr>
+            </a:br>
+            <a:r>
+              <a:rPr kumimoji="0" lang="en-US" altLang="en-US" sz="1000" b="0" i="0" u="none" strike="noStrike" cap="none" normalizeH="0" baseline="0" dirty="0" smtClean="0">
+                <a:ln>
+                  <a:noFill/>
+                </a:ln>
+                <a:solidFill>
+                  <a:srgbClr val="000000"/>
+                </a:solidFill>
+                <a:effectLst/>
+                <a:latin typeface="Courier New" panose="02070309020205020404" pitchFamily="49" charset="0"/>
+                <a:cs typeface="Courier New" panose="02070309020205020404" pitchFamily="49" charset="0"/>
+              </a:rPr>
+              <a:t>} </a:t>
+            </a:r>
+            <a:r>
+              <a:rPr kumimoji="0" lang="en-US" altLang="en-US" sz="1000" b="1" i="0" u="none" strike="noStrike" cap="none" normalizeH="0" baseline="0" dirty="0" smtClean="0">
+                <a:ln>
+                  <a:noFill/>
+                </a:ln>
+                <a:solidFill>
+                  <a:srgbClr val="000080"/>
+                </a:solidFill>
+                <a:effectLst/>
+                <a:latin typeface="Courier New" panose="02070309020205020404" pitchFamily="49" charset="0"/>
+                <a:cs typeface="Courier New" panose="02070309020205020404" pitchFamily="49" charset="0"/>
+              </a:rPr>
+              <a:t>else if </a:t>
+            </a:r>
+            <a:r>
+              <a:rPr kumimoji="0" lang="en-US" altLang="en-US" sz="1000" b="0" i="0" u="none" strike="noStrike" cap="none" normalizeH="0" baseline="0" dirty="0" smtClean="0">
+                <a:ln>
+                  <a:noFill/>
+                </a:ln>
+                <a:solidFill>
+                  <a:srgbClr val="000000"/>
+                </a:solidFill>
+                <a:effectLst/>
+                <a:latin typeface="Courier New" panose="02070309020205020404" pitchFamily="49" charset="0"/>
+                <a:cs typeface="Courier New" panose="02070309020205020404" pitchFamily="49" charset="0"/>
+              </a:rPr>
+              <a:t>(</a:t>
+            </a:r>
+            <a:r>
+              <a:rPr kumimoji="0" lang="en-US" altLang="en-US" sz="1000" b="0" i="0" u="none" strike="noStrike" cap="none" normalizeH="0" baseline="0" dirty="0" err="1" smtClean="0">
+                <a:ln>
+                  <a:noFill/>
+                </a:ln>
+                <a:solidFill>
+                  <a:srgbClr val="000000"/>
+                </a:solidFill>
+                <a:effectLst/>
+                <a:latin typeface="Courier New" panose="02070309020205020404" pitchFamily="49" charset="0"/>
+                <a:cs typeface="Courier New" panose="02070309020205020404" pitchFamily="49" charset="0"/>
+              </a:rPr>
+              <a:t>rt</a:t>
+            </a:r>
+            <a:r>
+              <a:rPr kumimoji="0" lang="en-US" altLang="en-US" sz="1000" b="0" i="0" u="none" strike="noStrike" cap="none" normalizeH="0" baseline="0" dirty="0" smtClean="0">
+                <a:ln>
+                  <a:noFill/>
+                </a:ln>
+                <a:solidFill>
+                  <a:srgbClr val="000000"/>
+                </a:solidFill>
+                <a:effectLst/>
+                <a:latin typeface="Courier New" panose="02070309020205020404" pitchFamily="49" charset="0"/>
+                <a:cs typeface="Courier New" panose="02070309020205020404" pitchFamily="49" charset="0"/>
+              </a:rPr>
+              <a:t> == </a:t>
+            </a:r>
+            <a:r>
+              <a:rPr kumimoji="0" lang="en-US" altLang="en-US" sz="1000" b="1" i="0" u="none" strike="noStrike" cap="none" normalizeH="0" baseline="0" dirty="0" smtClean="0">
+                <a:ln>
+                  <a:noFill/>
+                </a:ln>
+                <a:solidFill>
+                  <a:srgbClr val="008000"/>
+                </a:solidFill>
+                <a:effectLst/>
+                <a:latin typeface="Courier New" panose="02070309020205020404" pitchFamily="49" charset="0"/>
+                <a:cs typeface="Courier New" panose="02070309020205020404" pitchFamily="49" charset="0"/>
+              </a:rPr>
+              <a:t>'SIBLING'</a:t>
+            </a:r>
+            <a:r>
+              <a:rPr kumimoji="0" lang="en-US" altLang="en-US" sz="1000" b="0" i="0" u="none" strike="noStrike" cap="none" normalizeH="0" baseline="0" dirty="0" smtClean="0">
+                <a:ln>
+                  <a:noFill/>
+                </a:ln>
+                <a:solidFill>
+                  <a:srgbClr val="000000"/>
+                </a:solidFill>
+                <a:effectLst/>
+                <a:latin typeface="Courier New" panose="02070309020205020404" pitchFamily="49" charset="0"/>
+                <a:cs typeface="Courier New" panose="02070309020205020404" pitchFamily="49" charset="0"/>
+              </a:rPr>
+              <a:t>) {</a:t>
+            </a:r>
+            <a:br>
+              <a:rPr kumimoji="0" lang="en-US" altLang="en-US" sz="1000" b="0" i="0" u="none" strike="noStrike" cap="none" normalizeH="0" baseline="0" dirty="0" smtClean="0">
+                <a:ln>
+                  <a:noFill/>
+                </a:ln>
+                <a:solidFill>
+                  <a:srgbClr val="000000"/>
+                </a:solidFill>
+                <a:effectLst/>
+                <a:latin typeface="Courier New" panose="02070309020205020404" pitchFamily="49" charset="0"/>
+                <a:cs typeface="Courier New" panose="02070309020205020404" pitchFamily="49" charset="0"/>
+              </a:rPr>
+            </a:br>
+            <a:r>
+              <a:rPr kumimoji="0" lang="en-US" altLang="en-US" sz="1000" b="0" i="0" u="none" strike="noStrike" cap="none" normalizeH="0" baseline="0" dirty="0" smtClean="0">
+                <a:ln>
+                  <a:noFill/>
+                </a:ln>
+                <a:solidFill>
+                  <a:srgbClr val="000000"/>
+                </a:solidFill>
+                <a:effectLst/>
+                <a:latin typeface="Courier New" panose="02070309020205020404" pitchFamily="49" charset="0"/>
+                <a:cs typeface="Courier New" panose="02070309020205020404" pitchFamily="49" charset="0"/>
+              </a:rPr>
+              <a:t>    $</a:t>
+            </a:r>
+            <a:r>
+              <a:rPr kumimoji="0" lang="en-US" altLang="en-US" sz="1000" b="0" i="0" u="none" strike="noStrike" cap="none" normalizeH="0" baseline="0" dirty="0" err="1" smtClean="0">
+                <a:ln>
+                  <a:noFill/>
+                </a:ln>
+                <a:solidFill>
+                  <a:srgbClr val="000000"/>
+                </a:solidFill>
+                <a:effectLst/>
+                <a:latin typeface="Courier New" panose="02070309020205020404" pitchFamily="49" charset="0"/>
+                <a:cs typeface="Courier New" panose="02070309020205020404" pitchFamily="49" charset="0"/>
+              </a:rPr>
+              <a:t>scope.</a:t>
+            </a:r>
+            <a:r>
+              <a:rPr kumimoji="0" lang="en-US" altLang="en-US" sz="1000" b="1" i="0" u="none" strike="noStrike" cap="none" normalizeH="0" baseline="0" dirty="0" err="1" smtClean="0">
+                <a:ln>
+                  <a:noFill/>
+                </a:ln>
+                <a:solidFill>
+                  <a:srgbClr val="660E7A"/>
+                </a:solidFill>
+                <a:effectLst/>
+                <a:latin typeface="Courier New" panose="02070309020205020404" pitchFamily="49" charset="0"/>
+                <a:cs typeface="Courier New" panose="02070309020205020404" pitchFamily="49" charset="0"/>
+              </a:rPr>
+              <a:t>clanFieldDisabled</a:t>
+            </a:r>
+            <a:r>
+              <a:rPr kumimoji="0" lang="en-US" altLang="en-US" sz="1000" b="1" i="0" u="none" strike="noStrike" cap="none" normalizeH="0" baseline="0" dirty="0" smtClean="0">
+                <a:ln>
+                  <a:noFill/>
+                </a:ln>
+                <a:solidFill>
+                  <a:srgbClr val="660E7A"/>
+                </a:solidFill>
+                <a:effectLst/>
+                <a:latin typeface="Courier New" panose="02070309020205020404" pitchFamily="49" charset="0"/>
+                <a:cs typeface="Courier New" panose="02070309020205020404" pitchFamily="49" charset="0"/>
+              </a:rPr>
+              <a:t> </a:t>
+            </a:r>
+            <a:r>
+              <a:rPr kumimoji="0" lang="en-US" altLang="en-US" sz="1000" b="0" i="0" u="none" strike="noStrike" cap="none" normalizeH="0" baseline="0" dirty="0" smtClean="0">
+                <a:ln>
+                  <a:noFill/>
+                </a:ln>
+                <a:solidFill>
+                  <a:srgbClr val="000000"/>
+                </a:solidFill>
+                <a:effectLst/>
+                <a:latin typeface="Courier New" panose="02070309020205020404" pitchFamily="49" charset="0"/>
+                <a:cs typeface="Courier New" panose="02070309020205020404" pitchFamily="49" charset="0"/>
+              </a:rPr>
+              <a:t>= </a:t>
+            </a:r>
+            <a:r>
+              <a:rPr kumimoji="0" lang="en-US" altLang="en-US" sz="1000" b="1" i="0" u="none" strike="noStrike" cap="none" normalizeH="0" baseline="0" dirty="0" smtClean="0">
+                <a:ln>
+                  <a:noFill/>
+                </a:ln>
+                <a:solidFill>
+                  <a:srgbClr val="000080"/>
+                </a:solidFill>
+                <a:effectLst/>
+                <a:latin typeface="Courier New" panose="02070309020205020404" pitchFamily="49" charset="0"/>
+                <a:cs typeface="Courier New" panose="02070309020205020404" pitchFamily="49" charset="0"/>
+              </a:rPr>
+              <a:t>true</a:t>
+            </a:r>
+            <a:r>
+              <a:rPr kumimoji="0" lang="en-US" altLang="en-US" sz="1000" b="0" i="0" u="none" strike="noStrike" cap="none" normalizeH="0" baseline="0" dirty="0" smtClean="0">
+                <a:ln>
+                  <a:noFill/>
+                </a:ln>
+                <a:solidFill>
+                  <a:srgbClr val="000000"/>
+                </a:solidFill>
+                <a:effectLst/>
+                <a:latin typeface="Courier New" panose="02070309020205020404" pitchFamily="49" charset="0"/>
+                <a:cs typeface="Courier New" panose="02070309020205020404" pitchFamily="49" charset="0"/>
+              </a:rPr>
+              <a:t>;</a:t>
+            </a:r>
+            <a:br>
+              <a:rPr kumimoji="0" lang="en-US" altLang="en-US" sz="1000" b="0" i="0" u="none" strike="noStrike" cap="none" normalizeH="0" baseline="0" dirty="0" smtClean="0">
+                <a:ln>
+                  <a:noFill/>
+                </a:ln>
+                <a:solidFill>
+                  <a:srgbClr val="000000"/>
+                </a:solidFill>
+                <a:effectLst/>
+                <a:latin typeface="Courier New" panose="02070309020205020404" pitchFamily="49" charset="0"/>
+                <a:cs typeface="Courier New" panose="02070309020205020404" pitchFamily="49" charset="0"/>
+              </a:rPr>
+            </a:br>
+            <a:r>
+              <a:rPr kumimoji="0" lang="en-US" altLang="en-US" sz="1000" b="0" i="0" u="none" strike="noStrike" cap="none" normalizeH="0" baseline="0" dirty="0" smtClean="0">
+                <a:ln>
+                  <a:noFill/>
+                </a:ln>
+                <a:solidFill>
+                  <a:srgbClr val="000000"/>
+                </a:solidFill>
+                <a:effectLst/>
+                <a:latin typeface="Courier New" panose="02070309020205020404" pitchFamily="49" charset="0"/>
+                <a:cs typeface="Courier New" panose="02070309020205020404" pitchFamily="49" charset="0"/>
+              </a:rPr>
+              <a:t>} </a:t>
+            </a:r>
+            <a:r>
+              <a:rPr kumimoji="0" lang="en-US" altLang="en-US" sz="1000" b="1" i="0" u="none" strike="noStrike" cap="none" normalizeH="0" baseline="0" dirty="0" smtClean="0">
+                <a:ln>
+                  <a:noFill/>
+                </a:ln>
+                <a:solidFill>
+                  <a:srgbClr val="000080"/>
+                </a:solidFill>
+                <a:effectLst/>
+                <a:latin typeface="Courier New" panose="02070309020205020404" pitchFamily="49" charset="0"/>
+                <a:cs typeface="Courier New" panose="02070309020205020404" pitchFamily="49" charset="0"/>
+              </a:rPr>
+              <a:t>else if </a:t>
+            </a:r>
+            <a:r>
+              <a:rPr kumimoji="0" lang="en-US" altLang="en-US" sz="1000" b="0" i="0" u="none" strike="noStrike" cap="none" normalizeH="0" baseline="0" dirty="0" smtClean="0">
+                <a:ln>
+                  <a:noFill/>
+                </a:ln>
+                <a:solidFill>
+                  <a:srgbClr val="000000"/>
+                </a:solidFill>
+                <a:effectLst/>
+                <a:latin typeface="Courier New" panose="02070309020205020404" pitchFamily="49" charset="0"/>
+                <a:cs typeface="Courier New" panose="02070309020205020404" pitchFamily="49" charset="0"/>
+              </a:rPr>
+              <a:t>(</a:t>
+            </a:r>
+            <a:r>
+              <a:rPr kumimoji="0" lang="en-US" altLang="en-US" sz="1000" b="0" i="0" u="none" strike="noStrike" cap="none" normalizeH="0" baseline="0" dirty="0" err="1" smtClean="0">
+                <a:ln>
+                  <a:noFill/>
+                </a:ln>
+                <a:solidFill>
+                  <a:srgbClr val="000000"/>
+                </a:solidFill>
+                <a:effectLst/>
+                <a:latin typeface="Courier New" panose="02070309020205020404" pitchFamily="49" charset="0"/>
+                <a:cs typeface="Courier New" panose="02070309020205020404" pitchFamily="49" charset="0"/>
+              </a:rPr>
+              <a:t>rt</a:t>
+            </a:r>
+            <a:r>
+              <a:rPr kumimoji="0" lang="en-US" altLang="en-US" sz="1000" b="0" i="0" u="none" strike="noStrike" cap="none" normalizeH="0" baseline="0" dirty="0" smtClean="0">
+                <a:ln>
+                  <a:noFill/>
+                </a:ln>
+                <a:solidFill>
+                  <a:srgbClr val="000000"/>
+                </a:solidFill>
+                <a:effectLst/>
+                <a:latin typeface="Courier New" panose="02070309020205020404" pitchFamily="49" charset="0"/>
+                <a:cs typeface="Courier New" panose="02070309020205020404" pitchFamily="49" charset="0"/>
+              </a:rPr>
+              <a:t> == </a:t>
+            </a:r>
+            <a:r>
+              <a:rPr kumimoji="0" lang="en-US" altLang="en-US" sz="1000" b="1" i="0" u="none" strike="noStrike" cap="none" normalizeH="0" baseline="0" dirty="0" smtClean="0">
+                <a:ln>
+                  <a:noFill/>
+                </a:ln>
+                <a:solidFill>
+                  <a:srgbClr val="008000"/>
+                </a:solidFill>
+                <a:effectLst/>
+                <a:latin typeface="Courier New" panose="02070309020205020404" pitchFamily="49" charset="0"/>
+                <a:cs typeface="Courier New" panose="02070309020205020404" pitchFamily="49" charset="0"/>
+              </a:rPr>
+              <a:t>'ACTUAL_MARRIAGE' </a:t>
+            </a:r>
+            <a:r>
+              <a:rPr kumimoji="0" lang="en-US" altLang="en-US" sz="1000" b="0" i="0" u="none" strike="noStrike" cap="none" normalizeH="0" baseline="0" dirty="0" smtClean="0">
+                <a:ln>
+                  <a:noFill/>
+                </a:ln>
+                <a:solidFill>
+                  <a:srgbClr val="000000"/>
+                </a:solidFill>
+                <a:effectLst/>
+                <a:latin typeface="Courier New" panose="02070309020205020404" pitchFamily="49" charset="0"/>
+                <a:cs typeface="Courier New" panose="02070309020205020404" pitchFamily="49" charset="0"/>
+              </a:rPr>
+              <a:t>|| </a:t>
+            </a:r>
+            <a:r>
+              <a:rPr kumimoji="0" lang="en-US" altLang="en-US" sz="1000" b="0" i="0" u="none" strike="noStrike" cap="none" normalizeH="0" baseline="0" dirty="0" err="1" smtClean="0">
+                <a:ln>
+                  <a:noFill/>
+                </a:ln>
+                <a:solidFill>
+                  <a:srgbClr val="000000"/>
+                </a:solidFill>
+                <a:effectLst/>
+                <a:latin typeface="Courier New" panose="02070309020205020404" pitchFamily="49" charset="0"/>
+                <a:cs typeface="Courier New" panose="02070309020205020404" pitchFamily="49" charset="0"/>
+              </a:rPr>
+              <a:t>rt</a:t>
+            </a:r>
+            <a:r>
+              <a:rPr kumimoji="0" lang="en-US" altLang="en-US" sz="1000" b="0" i="0" u="none" strike="noStrike" cap="none" normalizeH="0" baseline="0" dirty="0" smtClean="0">
+                <a:ln>
+                  <a:noFill/>
+                </a:ln>
+                <a:solidFill>
+                  <a:srgbClr val="000000"/>
+                </a:solidFill>
+                <a:effectLst/>
+                <a:latin typeface="Courier New" panose="02070309020205020404" pitchFamily="49" charset="0"/>
+                <a:cs typeface="Courier New" panose="02070309020205020404" pitchFamily="49" charset="0"/>
+              </a:rPr>
+              <a:t> == </a:t>
+            </a:r>
+            <a:r>
+              <a:rPr kumimoji="0" lang="en-US" altLang="en-US" sz="1000" b="1" i="0" u="none" strike="noStrike" cap="none" normalizeH="0" baseline="0" dirty="0" smtClean="0">
+                <a:ln>
+                  <a:noFill/>
+                </a:ln>
+                <a:solidFill>
+                  <a:srgbClr val="008000"/>
+                </a:solidFill>
+                <a:effectLst/>
+                <a:latin typeface="Courier New" panose="02070309020205020404" pitchFamily="49" charset="0"/>
+                <a:cs typeface="Courier New" panose="02070309020205020404" pitchFamily="49" charset="0"/>
+              </a:rPr>
+              <a:t>'BROKEN_MARRIAGE'</a:t>
+            </a:r>
+            <a:r>
+              <a:rPr kumimoji="0" lang="en-US" altLang="en-US" sz="1000" b="0" i="0" u="none" strike="noStrike" cap="none" normalizeH="0" baseline="0" dirty="0" smtClean="0">
+                <a:ln>
+                  <a:noFill/>
+                </a:ln>
+                <a:solidFill>
+                  <a:srgbClr val="000000"/>
+                </a:solidFill>
+                <a:effectLst/>
+                <a:latin typeface="Courier New" panose="02070309020205020404" pitchFamily="49" charset="0"/>
+                <a:cs typeface="Courier New" panose="02070309020205020404" pitchFamily="49" charset="0"/>
+              </a:rPr>
+              <a:t>) {</a:t>
+            </a:r>
+            <a:br>
+              <a:rPr kumimoji="0" lang="en-US" altLang="en-US" sz="1000" b="0" i="0" u="none" strike="noStrike" cap="none" normalizeH="0" baseline="0" dirty="0" smtClean="0">
+                <a:ln>
+                  <a:noFill/>
+                </a:ln>
+                <a:solidFill>
+                  <a:srgbClr val="000000"/>
+                </a:solidFill>
+                <a:effectLst/>
+                <a:latin typeface="Courier New" panose="02070309020205020404" pitchFamily="49" charset="0"/>
+                <a:cs typeface="Courier New" panose="02070309020205020404" pitchFamily="49" charset="0"/>
+              </a:rPr>
+            </a:br>
+            <a:r>
+              <a:rPr kumimoji="0" lang="en-US" altLang="en-US" sz="1000" b="0" i="0" u="none" strike="noStrike" cap="none" normalizeH="0" baseline="0" dirty="0" smtClean="0">
+                <a:ln>
+                  <a:noFill/>
+                </a:ln>
+                <a:solidFill>
+                  <a:srgbClr val="000000"/>
+                </a:solidFill>
+                <a:effectLst/>
+                <a:latin typeface="Courier New" panose="02070309020205020404" pitchFamily="49" charset="0"/>
+                <a:cs typeface="Courier New" panose="02070309020205020404" pitchFamily="49" charset="0"/>
+              </a:rPr>
+              <a:t>    $</a:t>
+            </a:r>
+            <a:r>
+              <a:rPr kumimoji="0" lang="en-US" altLang="en-US" sz="1000" b="0" i="0" u="none" strike="noStrike" cap="none" normalizeH="0" baseline="0" dirty="0" err="1" smtClean="0">
+                <a:ln>
+                  <a:noFill/>
+                </a:ln>
+                <a:solidFill>
+                  <a:srgbClr val="000000"/>
+                </a:solidFill>
+                <a:effectLst/>
+                <a:latin typeface="Courier New" panose="02070309020205020404" pitchFamily="49" charset="0"/>
+                <a:cs typeface="Courier New" panose="02070309020205020404" pitchFamily="49" charset="0"/>
+              </a:rPr>
+              <a:t>scope.</a:t>
+            </a:r>
+            <a:r>
+              <a:rPr kumimoji="0" lang="en-US" altLang="en-US" sz="1000" b="1" i="0" u="none" strike="noStrike" cap="none" normalizeH="0" baseline="0" dirty="0" err="1" smtClean="0">
+                <a:ln>
+                  <a:noFill/>
+                </a:ln>
+                <a:solidFill>
+                  <a:srgbClr val="660E7A"/>
+                </a:solidFill>
+                <a:effectLst/>
+                <a:latin typeface="Courier New" panose="02070309020205020404" pitchFamily="49" charset="0"/>
+                <a:cs typeface="Courier New" panose="02070309020205020404" pitchFamily="49" charset="0"/>
+              </a:rPr>
+              <a:t>clanFieldDisabled</a:t>
+            </a:r>
+            <a:r>
+              <a:rPr kumimoji="0" lang="en-US" altLang="en-US" sz="1000" b="1" i="0" u="none" strike="noStrike" cap="none" normalizeH="0" baseline="0" dirty="0" smtClean="0">
+                <a:ln>
+                  <a:noFill/>
+                </a:ln>
+                <a:solidFill>
+                  <a:srgbClr val="660E7A"/>
+                </a:solidFill>
+                <a:effectLst/>
+                <a:latin typeface="Courier New" panose="02070309020205020404" pitchFamily="49" charset="0"/>
+                <a:cs typeface="Courier New" panose="02070309020205020404" pitchFamily="49" charset="0"/>
+              </a:rPr>
+              <a:t> </a:t>
+            </a:r>
+            <a:r>
+              <a:rPr kumimoji="0" lang="en-US" altLang="en-US" sz="1000" b="0" i="0" u="none" strike="noStrike" cap="none" normalizeH="0" baseline="0" dirty="0" smtClean="0">
+                <a:ln>
+                  <a:noFill/>
+                </a:ln>
+                <a:solidFill>
+                  <a:srgbClr val="000000"/>
+                </a:solidFill>
+                <a:effectLst/>
+                <a:latin typeface="Courier New" panose="02070309020205020404" pitchFamily="49" charset="0"/>
+                <a:cs typeface="Courier New" panose="02070309020205020404" pitchFamily="49" charset="0"/>
+              </a:rPr>
+              <a:t>= </a:t>
+            </a:r>
+            <a:r>
+              <a:rPr kumimoji="0" lang="en-US" altLang="en-US" sz="1000" b="1" i="0" u="none" strike="noStrike" cap="none" normalizeH="0" baseline="0" dirty="0" smtClean="0">
+                <a:ln>
+                  <a:noFill/>
+                </a:ln>
+                <a:solidFill>
+                  <a:srgbClr val="000080"/>
+                </a:solidFill>
+                <a:effectLst/>
+                <a:latin typeface="Courier New" panose="02070309020205020404" pitchFamily="49" charset="0"/>
+                <a:cs typeface="Courier New" panose="02070309020205020404" pitchFamily="49" charset="0"/>
+              </a:rPr>
+              <a:t>false</a:t>
+            </a:r>
+            <a:r>
+              <a:rPr kumimoji="0" lang="en-US" altLang="en-US" sz="1000" b="0" i="0" u="none" strike="noStrike" cap="none" normalizeH="0" baseline="0" dirty="0" smtClean="0">
+                <a:ln>
+                  <a:noFill/>
+                </a:ln>
+                <a:solidFill>
+                  <a:srgbClr val="000000"/>
+                </a:solidFill>
+                <a:effectLst/>
+                <a:latin typeface="Courier New" panose="02070309020205020404" pitchFamily="49" charset="0"/>
+                <a:cs typeface="Courier New" panose="02070309020205020404" pitchFamily="49" charset="0"/>
+              </a:rPr>
+              <a:t>;</a:t>
+            </a:r>
+            <a:br>
+              <a:rPr kumimoji="0" lang="en-US" altLang="en-US" sz="1000" b="0" i="0" u="none" strike="noStrike" cap="none" normalizeH="0" baseline="0" dirty="0" smtClean="0">
+                <a:ln>
+                  <a:noFill/>
+                </a:ln>
+                <a:solidFill>
+                  <a:srgbClr val="000000"/>
+                </a:solidFill>
+                <a:effectLst/>
+                <a:latin typeface="Courier New" panose="02070309020205020404" pitchFamily="49" charset="0"/>
+                <a:cs typeface="Courier New" panose="02070309020205020404" pitchFamily="49" charset="0"/>
+              </a:rPr>
+            </a:br>
+            <a:r>
+              <a:rPr kumimoji="0" lang="en-US" altLang="en-US" sz="1000" b="0" i="0" u="none" strike="noStrike" cap="none" normalizeH="0" baseline="0" dirty="0" smtClean="0">
+                <a:ln>
+                  <a:noFill/>
+                </a:ln>
+                <a:solidFill>
+                  <a:srgbClr val="000000"/>
+                </a:solidFill>
+                <a:effectLst/>
+                <a:latin typeface="Courier New" panose="02070309020205020404" pitchFamily="49" charset="0"/>
+                <a:cs typeface="Courier New" panose="02070309020205020404" pitchFamily="49" charset="0"/>
+              </a:rPr>
+              <a:t>}</a:t>
+            </a:r>
+            <a:endParaRPr kumimoji="0" lang="en-US" altLang="en-US" sz="1800" b="0" i="0" u="none" strike="noStrike" cap="none" normalizeH="0" baseline="0" dirty="0" smtClean="0">
+              <a:ln>
+                <a:noFill/>
+              </a:ln>
+              <a:solidFill>
+                <a:schemeClr val="tx1"/>
+              </a:solidFill>
+              <a:effectLst/>
+              <a:latin typeface="Arial" panose="020B0604020202020204" pitchFamily="34" charset="0"/>
+            </a:endParaRPr>
           </a:p>
         </p:txBody>
       </p:sp>
@@ -4095,7 +6485,7 @@
 </p:sld>
 </file>
 
-<file path=ppt/slides/slide4.xml><?xml version="1.0" encoding="utf-8"?>
+<file path=ppt/slides/slide9.xml><?xml version="1.0" encoding="utf-8"?>
 <p:sld xmlns:a="http://schemas.openxmlformats.org/drawingml/2006/main" xmlns:r="http://schemas.openxmlformats.org/officeDocument/2006/relationships" xmlns:p="http://schemas.openxmlformats.org/presentationml/2006/main">
   <p:cSld>
     <p:spTree>
@@ -4146,89 +6536,6 @@
     <p:extLst>
       <p:ext uri="{BB962C8B-B14F-4D97-AF65-F5344CB8AC3E}">
         <p14:creationId xmlns:p14="http://schemas.microsoft.com/office/powerpoint/2010/main" val="1158507301"/>
-      </p:ext>
-    </p:extLst>
-  </p:cSld>
-  <p:clrMapOvr>
-    <a:masterClrMapping/>
-  </p:clrMapOvr>
-  <mc:AlternateContent xmlns:mc="http://schemas.openxmlformats.org/markup-compatibility/2006" xmlns:p14="http://schemas.microsoft.com/office/powerpoint/2010/main">
-    <mc:Choice Requires="p14">
-      <p:transition spd="slow" p14:dur="2000"/>
-    </mc:Choice>
-    <mc:Fallback xmlns="">
-      <p:transition spd="slow"/>
-    </mc:Fallback>
-  </mc:AlternateContent>
-  <p:timing>
-    <p:tnLst>
-      <p:par>
-        <p:cTn id="1" dur="indefinite" restart="never" nodeType="tmRoot"/>
-      </p:par>
-    </p:tnLst>
-  </p:timing>
-</p:sld>
-</file>
-
-<file path=ppt/slides/slide5.xml><?xml version="1.0" encoding="utf-8"?>
-<p:sld xmlns:a="http://schemas.openxmlformats.org/drawingml/2006/main" xmlns:r="http://schemas.openxmlformats.org/officeDocument/2006/relationships" xmlns:p="http://schemas.openxmlformats.org/presentationml/2006/main">
-  <p:cSld>
-    <p:spTree>
-      <p:nvGrpSpPr>
-        <p:cNvPr id="1" name=""/>
-        <p:cNvGrpSpPr/>
-        <p:nvPr/>
-      </p:nvGrpSpPr>
-      <p:grpSpPr>
-        <a:xfrm>
-          <a:off x="0" y="0"/>
-          <a:ext cx="0" cy="0"/>
-          <a:chOff x="0" y="0"/>
-          <a:chExt cx="0" cy="0"/>
-        </a:xfrm>
-      </p:grpSpPr>
-      <p:sp>
-        <p:nvSpPr>
-          <p:cNvPr id="6" name="TextBox 5"/>
-          <p:cNvSpPr txBox="1"/>
-          <p:nvPr/>
-        </p:nvSpPr>
-        <p:spPr>
-          <a:xfrm>
-            <a:off x="1828800" y="1447800"/>
-            <a:ext cx="6553200" cy="646331"/>
-          </a:xfrm>
-          <a:prstGeom prst="rect">
-            <a:avLst/>
-          </a:prstGeom>
-          <a:noFill/>
-        </p:spPr>
-        <p:txBody>
-          <a:bodyPr wrap="square" rtlCol="0">
-            <a:spAutoFit/>
-          </a:bodyPr>
-          <a:lstStyle/>
-          <a:p>
-            <a:r>
-              <a:rPr lang="en-US" sz="3600" dirty="0" smtClean="0"/>
-              <a:t>multithreading in </a:t>
-            </a:r>
-            <a:r>
-              <a:rPr lang="en-US" sz="3600" dirty="0" err="1" smtClean="0"/>
-              <a:t>javascript</a:t>
-            </a:r>
-            <a:r>
-              <a:rPr lang="en-US" sz="3600" dirty="0" smtClean="0"/>
-              <a:t>?</a:t>
-            </a:r>
-            <a:endParaRPr lang="en-US" sz="3600" dirty="0"/>
-          </a:p>
-        </p:txBody>
-      </p:sp>
-    </p:spTree>
-    <p:extLst>
-      <p:ext uri="{BB962C8B-B14F-4D97-AF65-F5344CB8AC3E}">
-        <p14:creationId xmlns:p14="http://schemas.microsoft.com/office/powerpoint/2010/main" val="2311485577"/>
       </p:ext>
     </p:extLst>
   </p:cSld>

--- a/docs/00_jsbasics.pptx
+++ b/docs/00_jsbasics.pptx
@@ -5,19 +5,25 @@
     <p:sldMasterId id="2147483648" r:id="rId1"/>
   </p:sldMasterIdLst>
   <p:notesMasterIdLst>
-    <p:notesMasterId r:id="rId12"/>
+    <p:notesMasterId r:id="rId18"/>
   </p:notesMasterIdLst>
   <p:sldIdLst>
-    <p:sldId id="257" r:id="rId2"/>
-    <p:sldId id="277" r:id="rId3"/>
-    <p:sldId id="256" r:id="rId4"/>
-    <p:sldId id="280" r:id="rId5"/>
-    <p:sldId id="279" r:id="rId6"/>
-    <p:sldId id="278" r:id="rId7"/>
-    <p:sldId id="276" r:id="rId8"/>
-    <p:sldId id="275" r:id="rId9"/>
-    <p:sldId id="273" r:id="rId10"/>
-    <p:sldId id="274" r:id="rId11"/>
+    <p:sldId id="277" r:id="rId2"/>
+    <p:sldId id="256" r:id="rId3"/>
+    <p:sldId id="280" r:id="rId4"/>
+    <p:sldId id="285" r:id="rId5"/>
+    <p:sldId id="284" r:id="rId6"/>
+    <p:sldId id="287" r:id="rId7"/>
+    <p:sldId id="286" r:id="rId8"/>
+    <p:sldId id="282" r:id="rId9"/>
+    <p:sldId id="281" r:id="rId10"/>
+    <p:sldId id="283" r:id="rId11"/>
+    <p:sldId id="279" r:id="rId12"/>
+    <p:sldId id="278" r:id="rId13"/>
+    <p:sldId id="276" r:id="rId14"/>
+    <p:sldId id="275" r:id="rId15"/>
+    <p:sldId id="273" r:id="rId16"/>
+    <p:sldId id="274" r:id="rId17"/>
   </p:sldIdLst>
   <p:sldSz cx="9144000" cy="6858000" type="screen4x3"/>
   <p:notesSz cx="6858000" cy="9144000"/>
@@ -118,7 +124,7 @@
   </p:defaultTextStyle>
   <p:extLst>
     <p:ext uri="{EFAFB233-063F-42B5-8137-9DF3F51BA10A}">
-      <p15:sldGuideLst xmlns:p15="http://schemas.microsoft.com/office/powerpoint/2012/main">
+      <p15:sldGuideLst xmlns:p15="http://schemas.microsoft.com/office/powerpoint/2012/main" xmlns="">
         <p15:guide id="1" orient="horz" pos="2160">
           <p15:clr>
             <a:srgbClr val="A4A3A4"/>
@@ -217,7 +223,7 @@
           <a:p>
             <a:fld id="{CB1C2BA7-0370-4E4B-9997-E70834CB9037}" type="datetimeFigureOut">
               <a:rPr lang="ru-RU" smtClean="0"/>
-              <a:t>20.11.2016</a:t>
+              <a:t>21.11.2016</a:t>
             </a:fld>
             <a:endParaRPr lang="ru-RU"/>
           </a:p>
@@ -567,7 +573,7 @@
     </p:spTree>
     <p:extLst>
       <p:ext uri="{BB962C8B-B14F-4D97-AF65-F5344CB8AC3E}">
-        <p14:creationId xmlns:p14="http://schemas.microsoft.com/office/powerpoint/2010/main" val="2938410662"/>
+        <p14:creationId xmlns:p14="http://schemas.microsoft.com/office/powerpoint/2010/main" val="23424365"/>
       </p:ext>
     </p:extLst>
   </p:cSld>
@@ -650,7 +656,7 @@
           <a:p>
             <a:fld id="{DA8CAE91-5FC7-41E5-8054-44424FFBB7AB}" type="slidenum">
               <a:rPr lang="ru-RU" smtClean="0"/>
-              <a:t>2</a:t>
+              <a:t>13</a:t>
             </a:fld>
             <a:endParaRPr lang="ru-RU"/>
           </a:p>
@@ -659,7 +665,7 @@
     </p:spTree>
     <p:extLst>
       <p:ext uri="{BB962C8B-B14F-4D97-AF65-F5344CB8AC3E}">
-        <p14:creationId xmlns:p14="http://schemas.microsoft.com/office/powerpoint/2010/main" val="23424365"/>
+        <p14:creationId xmlns:p14="http://schemas.microsoft.com/office/powerpoint/2010/main" val="3324808074"/>
       </p:ext>
     </p:extLst>
   </p:cSld>
@@ -742,7 +748,7 @@
           <a:p>
             <a:fld id="{DA8CAE91-5FC7-41E5-8054-44424FFBB7AB}" type="slidenum">
               <a:rPr lang="ru-RU" smtClean="0"/>
-              <a:t>7</a:t>
+              <a:t>14</a:t>
             </a:fld>
             <a:endParaRPr lang="ru-RU"/>
           </a:p>
@@ -751,7 +757,7 @@
     </p:spTree>
     <p:extLst>
       <p:ext uri="{BB962C8B-B14F-4D97-AF65-F5344CB8AC3E}">
-        <p14:creationId xmlns:p14="http://schemas.microsoft.com/office/powerpoint/2010/main" val="3324808074"/>
+        <p14:creationId xmlns:p14="http://schemas.microsoft.com/office/powerpoint/2010/main" val="2938410662"/>
       </p:ext>
     </p:extLst>
   </p:cSld>
@@ -834,7 +840,7 @@
           <a:p>
             <a:fld id="{DA8CAE91-5FC7-41E5-8054-44424FFBB7AB}" type="slidenum">
               <a:rPr lang="ru-RU" smtClean="0"/>
-              <a:t>8</a:t>
+              <a:t>15</a:t>
             </a:fld>
             <a:endParaRPr lang="ru-RU"/>
           </a:p>
@@ -843,7 +849,7 @@
     </p:spTree>
     <p:extLst>
       <p:ext uri="{BB962C8B-B14F-4D97-AF65-F5344CB8AC3E}">
-        <p14:creationId xmlns:p14="http://schemas.microsoft.com/office/powerpoint/2010/main" val="2938410662"/>
+        <p14:creationId xmlns:p14="http://schemas.microsoft.com/office/powerpoint/2010/main" val="1050277035"/>
       </p:ext>
     </p:extLst>
   </p:cSld>
@@ -926,99 +932,7 @@
           <a:p>
             <a:fld id="{DA8CAE91-5FC7-41E5-8054-44424FFBB7AB}" type="slidenum">
               <a:rPr lang="ru-RU" smtClean="0"/>
-              <a:t>9</a:t>
-            </a:fld>
-            <a:endParaRPr lang="ru-RU"/>
-          </a:p>
-        </p:txBody>
-      </p:sp>
-    </p:spTree>
-    <p:extLst>
-      <p:ext uri="{BB962C8B-B14F-4D97-AF65-F5344CB8AC3E}">
-        <p14:creationId xmlns:p14="http://schemas.microsoft.com/office/powerpoint/2010/main" val="1050277035"/>
-      </p:ext>
-    </p:extLst>
-  </p:cSld>
-  <p:clrMapOvr>
-    <a:masterClrMapping/>
-  </p:clrMapOvr>
-</p:notes>
-</file>
-
-<file path=ppt/notesSlides/notesSlide6.xml><?xml version="1.0" encoding="utf-8"?>
-<p:notes xmlns:a="http://schemas.openxmlformats.org/drawingml/2006/main" xmlns:r="http://schemas.openxmlformats.org/officeDocument/2006/relationships" xmlns:p="http://schemas.openxmlformats.org/presentationml/2006/main">
-  <p:cSld>
-    <p:spTree>
-      <p:nvGrpSpPr>
-        <p:cNvPr id="1" name=""/>
-        <p:cNvGrpSpPr/>
-        <p:nvPr/>
-      </p:nvGrpSpPr>
-      <p:grpSpPr>
-        <a:xfrm>
-          <a:off x="0" y="0"/>
-          <a:ext cx="0" cy="0"/>
-          <a:chOff x="0" y="0"/>
-          <a:chExt cx="0" cy="0"/>
-        </a:xfrm>
-      </p:grpSpPr>
-      <p:sp>
-        <p:nvSpPr>
-          <p:cNvPr id="2" name="Slide Image Placeholder 1"/>
-          <p:cNvSpPr>
-            <a:spLocks noGrp="1" noRot="1" noChangeAspect="1"/>
-          </p:cNvSpPr>
-          <p:nvPr>
-            <p:ph type="sldImg"/>
-          </p:nvPr>
-        </p:nvSpPr>
-        <p:spPr/>
-      </p:sp>
-      <p:sp>
-        <p:nvSpPr>
-          <p:cNvPr id="3" name="Notes Placeholder 2"/>
-          <p:cNvSpPr>
-            <a:spLocks noGrp="1"/>
-          </p:cNvSpPr>
-          <p:nvPr>
-            <p:ph type="body" idx="1"/>
-          </p:nvPr>
-        </p:nvSpPr>
-        <p:spPr/>
-        <p:txBody>
-          <a:bodyPr/>
-          <a:lstStyle/>
-          <a:p>
-            <a:r>
-              <a:rPr lang="en-US" dirty="0" smtClean="0"/>
-              <a:t>make</a:t>
-            </a:r>
-            <a:r>
-              <a:rPr lang="en-US" baseline="0" dirty="0" smtClean="0"/>
-              <a:t> picture of ctrl + view</a:t>
-            </a:r>
-            <a:endParaRPr lang="ru-RU" dirty="0"/>
-          </a:p>
-        </p:txBody>
-      </p:sp>
-      <p:sp>
-        <p:nvSpPr>
-          <p:cNvPr id="4" name="Slide Number Placeholder 3"/>
-          <p:cNvSpPr>
-            <a:spLocks noGrp="1"/>
-          </p:cNvSpPr>
-          <p:nvPr>
-            <p:ph type="sldNum" sz="quarter" idx="10"/>
-          </p:nvPr>
-        </p:nvSpPr>
-        <p:spPr/>
-        <p:txBody>
-          <a:bodyPr/>
-          <a:lstStyle/>
-          <a:p>
-            <a:fld id="{DA8CAE91-5FC7-41E5-8054-44424FFBB7AB}" type="slidenum">
-              <a:rPr lang="ru-RU" smtClean="0"/>
-              <a:t>10</a:t>
+              <a:t>16</a:t>
             </a:fld>
             <a:endParaRPr lang="ru-RU"/>
           </a:p>
@@ -1219,7 +1133,7 @@
             <a:fld id="{1D8BD707-D9CF-40AE-B4C6-C98DA3205C09}" type="datetimeFigureOut">
               <a:rPr lang="en-US" smtClean="0"/>
               <a:pPr/>
-              <a:t>11/20/2016</a:t>
+              <a:t>11/21/2016</a:t>
             </a:fld>
             <a:endParaRPr lang="en-US"/>
           </a:p>
@@ -1386,7 +1300,7 @@
             <a:fld id="{1D8BD707-D9CF-40AE-B4C6-C98DA3205C09}" type="datetimeFigureOut">
               <a:rPr lang="en-US" smtClean="0"/>
               <a:pPr/>
-              <a:t>11/20/2016</a:t>
+              <a:t>11/21/2016</a:t>
             </a:fld>
             <a:endParaRPr lang="en-US"/>
           </a:p>
@@ -1563,7 +1477,7 @@
             <a:fld id="{1D8BD707-D9CF-40AE-B4C6-C98DA3205C09}" type="datetimeFigureOut">
               <a:rPr lang="en-US" smtClean="0"/>
               <a:pPr/>
-              <a:t>11/20/2016</a:t>
+              <a:t>11/21/2016</a:t>
             </a:fld>
             <a:endParaRPr lang="en-US"/>
           </a:p>
@@ -1730,7 +1644,7 @@
             <a:fld id="{1D8BD707-D9CF-40AE-B4C6-C98DA3205C09}" type="datetimeFigureOut">
               <a:rPr lang="en-US" smtClean="0"/>
               <a:pPr/>
-              <a:t>11/20/2016</a:t>
+              <a:t>11/21/2016</a:t>
             </a:fld>
             <a:endParaRPr lang="en-US"/>
           </a:p>
@@ -1973,7 +1887,7 @@
             <a:fld id="{1D8BD707-D9CF-40AE-B4C6-C98DA3205C09}" type="datetimeFigureOut">
               <a:rPr lang="en-US" smtClean="0"/>
               <a:pPr/>
-              <a:t>11/20/2016</a:t>
+              <a:t>11/21/2016</a:t>
             </a:fld>
             <a:endParaRPr lang="en-US"/>
           </a:p>
@@ -2258,7 +2172,7 @@
             <a:fld id="{1D8BD707-D9CF-40AE-B4C6-C98DA3205C09}" type="datetimeFigureOut">
               <a:rPr lang="en-US" smtClean="0"/>
               <a:pPr/>
-              <a:t>11/20/2016</a:t>
+              <a:t>11/21/2016</a:t>
             </a:fld>
             <a:endParaRPr lang="en-US"/>
           </a:p>
@@ -2677,7 +2591,7 @@
             <a:fld id="{1D8BD707-D9CF-40AE-B4C6-C98DA3205C09}" type="datetimeFigureOut">
               <a:rPr lang="en-US" smtClean="0"/>
               <a:pPr/>
-              <a:t>11/20/2016</a:t>
+              <a:t>11/21/2016</a:t>
             </a:fld>
             <a:endParaRPr lang="en-US"/>
           </a:p>
@@ -2792,7 +2706,7 @@
             <a:fld id="{1D8BD707-D9CF-40AE-B4C6-C98DA3205C09}" type="datetimeFigureOut">
               <a:rPr lang="en-US" smtClean="0"/>
               <a:pPr/>
-              <a:t>11/20/2016</a:t>
+              <a:t>11/21/2016</a:t>
             </a:fld>
             <a:endParaRPr lang="en-US"/>
           </a:p>
@@ -2884,7 +2798,7 @@
             <a:fld id="{1D8BD707-D9CF-40AE-B4C6-C98DA3205C09}" type="datetimeFigureOut">
               <a:rPr lang="en-US" smtClean="0"/>
               <a:pPr/>
-              <a:t>11/20/2016</a:t>
+              <a:t>11/21/2016</a:t>
             </a:fld>
             <a:endParaRPr lang="en-US"/>
           </a:p>
@@ -3158,7 +3072,7 @@
             <a:fld id="{1D8BD707-D9CF-40AE-B4C6-C98DA3205C09}" type="datetimeFigureOut">
               <a:rPr lang="en-US" smtClean="0"/>
               <a:pPr/>
-              <a:t>11/20/2016</a:t>
+              <a:t>11/21/2016</a:t>
             </a:fld>
             <a:endParaRPr lang="en-US"/>
           </a:p>
@@ -3408,7 +3322,7 @@
             <a:fld id="{1D8BD707-D9CF-40AE-B4C6-C98DA3205C09}" type="datetimeFigureOut">
               <a:rPr lang="en-US" smtClean="0"/>
               <a:pPr/>
-              <a:t>11/20/2016</a:t>
+              <a:t>11/21/2016</a:t>
             </a:fld>
             <a:endParaRPr lang="en-US"/>
           </a:p>
@@ -3471,7 +3385,7 @@
     <p:bg>
       <p:bgPr>
         <a:solidFill>
-          <a:srgbClr val="ECEFF1"/>
+          <a:schemeClr val="bg1"/>
         </a:solidFill>
         <a:effectLst/>
       </p:bgPr>
@@ -3621,7 +3535,7 @@
             <a:fld id="{1D8BD707-D9CF-40AE-B4C6-C98DA3205C09}" type="datetimeFigureOut">
               <a:rPr lang="en-US" smtClean="0"/>
               <a:pPr/>
-              <a:t>11/20/2016</a:t>
+              <a:t>11/21/2016</a:t>
             </a:fld>
             <a:endParaRPr lang="en-US"/>
           </a:p>
@@ -3978,175 +3892,14 @@
 <file path=ppt/slides/slide1.xml><?xml version="1.0" encoding="utf-8"?>
 <p:sld xmlns:a="http://schemas.openxmlformats.org/drawingml/2006/main" xmlns:r="http://schemas.openxmlformats.org/officeDocument/2006/relationships" xmlns:p="http://schemas.openxmlformats.org/presentationml/2006/main">
   <p:cSld>
-    <p:spTree>
-      <p:nvGrpSpPr>
-        <p:cNvPr id="1" name=""/>
-        <p:cNvGrpSpPr/>
-        <p:nvPr/>
-      </p:nvGrpSpPr>
-      <p:grpSpPr>
-        <a:xfrm>
-          <a:off x="0" y="0"/>
-          <a:ext cx="0" cy="0"/>
-          <a:chOff x="0" y="0"/>
-          <a:chExt cx="0" cy="0"/>
-        </a:xfrm>
-      </p:grpSpPr>
-      <p:pic>
-        <p:nvPicPr>
-          <p:cNvPr id="2050" name="Picture 2" descr="http://hop.ie/talks/angular-intro/images/angularjs.jpeg"/>
-          <p:cNvPicPr>
-            <a:picLocks noChangeAspect="1" noChangeArrowheads="1"/>
-          </p:cNvPicPr>
-          <p:nvPr/>
-        </p:nvPicPr>
-        <p:blipFill>
-          <a:blip r:embed="rId3" cstate="print">
-            <a:extLst>
-              <a:ext uri="{28A0092B-C50C-407E-A947-70E740481C1C}">
-                <a14:useLocalDpi xmlns:a14="http://schemas.microsoft.com/office/drawing/2010/main" val="0"/>
-              </a:ext>
-            </a:extLst>
-          </a:blip>
-          <a:srcRect/>
-          <a:stretch>
-            <a:fillRect/>
-          </a:stretch>
-        </p:blipFill>
-        <p:spPr bwMode="auto">
-          <a:xfrm>
-            <a:off x="1028699" y="2209800"/>
-            <a:ext cx="7086600" cy="1843035"/>
-          </a:xfrm>
-          <a:prstGeom prst="rect">
-            <a:avLst/>
-          </a:prstGeom>
-          <a:noFill/>
-          <a:extLst>
-            <a:ext uri="{909E8E84-426E-40DD-AFC4-6F175D3DCCD1}">
-              <a14:hiddenFill xmlns:a14="http://schemas.microsoft.com/office/drawing/2010/main">
-                <a:solidFill>
-                  <a:srgbClr val="FFFFFF"/>
-                </a:solidFill>
-              </a14:hiddenFill>
-            </a:ext>
-          </a:extLst>
-        </p:spPr>
-      </p:pic>
-    </p:spTree>
-    <p:extLst>
-      <p:ext uri="{BB962C8B-B14F-4D97-AF65-F5344CB8AC3E}">
-        <p14:creationId xmlns:p14="http://schemas.microsoft.com/office/powerpoint/2010/main" val="3356693845"/>
-      </p:ext>
-    </p:extLst>
-  </p:cSld>
-  <p:clrMapOvr>
-    <a:masterClrMapping/>
-  </p:clrMapOvr>
-  <mc:AlternateContent xmlns:mc="http://schemas.openxmlformats.org/markup-compatibility/2006" xmlns:p14="http://schemas.microsoft.com/office/powerpoint/2010/main">
-    <mc:Choice Requires="p14">
-      <p:transition spd="slow" p14:dur="2000"/>
-    </mc:Choice>
-    <mc:Fallback xmlns="">
-      <p:transition spd="slow"/>
-    </mc:Fallback>
-  </mc:AlternateContent>
-  <p:timing>
-    <p:tnLst>
-      <p:par>
-        <p:cTn id="1" dur="indefinite" restart="never" nodeType="tmRoot"/>
-      </p:par>
-    </p:tnLst>
-  </p:timing>
-</p:sld>
-</file>
-
-<file path=ppt/slides/slide10.xml><?xml version="1.0" encoding="utf-8"?>
-<p:sld xmlns:a="http://schemas.openxmlformats.org/drawingml/2006/main" xmlns:r="http://schemas.openxmlformats.org/officeDocument/2006/relationships" xmlns:p="http://schemas.openxmlformats.org/presentationml/2006/main">
-  <p:cSld>
-    <p:spTree>
-      <p:nvGrpSpPr>
-        <p:cNvPr id="1" name=""/>
-        <p:cNvGrpSpPr/>
-        <p:nvPr/>
-      </p:nvGrpSpPr>
-      <p:grpSpPr>
-        <a:xfrm>
-          <a:off x="0" y="0"/>
-          <a:ext cx="0" cy="0"/>
-          <a:chOff x="0" y="0"/>
-          <a:chExt cx="0" cy="0"/>
-        </a:xfrm>
-      </p:grpSpPr>
-      <p:sp>
-        <p:nvSpPr>
-          <p:cNvPr id="6" name="TextBox 5"/>
-          <p:cNvSpPr txBox="1"/>
-          <p:nvPr/>
-        </p:nvSpPr>
-        <p:spPr>
-          <a:xfrm>
-            <a:off x="1828800" y="1447800"/>
-            <a:ext cx="6553200" cy="646331"/>
-          </a:xfrm>
-          <a:prstGeom prst="rect">
-            <a:avLst/>
-          </a:prstGeom>
-          <a:noFill/>
-        </p:spPr>
-        <p:txBody>
-          <a:bodyPr wrap="square" rtlCol="0">
-            <a:spAutoFit/>
-          </a:bodyPr>
-          <a:lstStyle/>
-          <a:p>
-            <a:r>
-              <a:rPr lang="en-US" sz="3600" dirty="0" smtClean="0"/>
-              <a:t>multithreading in </a:t>
-            </a:r>
-            <a:r>
-              <a:rPr lang="en-US" sz="3600" dirty="0" err="1" smtClean="0"/>
-              <a:t>javascript</a:t>
-            </a:r>
-            <a:r>
-              <a:rPr lang="en-US" sz="3600" dirty="0" smtClean="0"/>
-              <a:t>?</a:t>
-            </a:r>
-            <a:endParaRPr lang="en-US" sz="3600" dirty="0"/>
-          </a:p>
-        </p:txBody>
-      </p:sp>
-    </p:spTree>
-    <p:extLst>
-      <p:ext uri="{BB962C8B-B14F-4D97-AF65-F5344CB8AC3E}">
-        <p14:creationId xmlns:p14="http://schemas.microsoft.com/office/powerpoint/2010/main" val="2311485577"/>
-      </p:ext>
-    </p:extLst>
-  </p:cSld>
-  <p:clrMapOvr>
-    <a:masterClrMapping/>
-  </p:clrMapOvr>
-  <mc:AlternateContent xmlns:mc="http://schemas.openxmlformats.org/markup-compatibility/2006" xmlns:p14="http://schemas.microsoft.com/office/powerpoint/2010/main">
-    <mc:Choice Requires="p14">
-      <p:transition spd="slow" p14:dur="2000"/>
-    </mc:Choice>
-    <mc:Fallback xmlns="">
-      <p:transition spd="slow"/>
-    </mc:Fallback>
-  </mc:AlternateContent>
-  <p:timing>
-    <p:tnLst>
-      <p:par>
-        <p:cTn id="1" dur="indefinite" restart="never" nodeType="tmRoot"/>
-      </p:par>
-    </p:tnLst>
-  </p:timing>
-</p:sld>
-</file>
-
-<file path=ppt/slides/slide2.xml><?xml version="1.0" encoding="utf-8"?>
-<p:sld xmlns:a="http://schemas.openxmlformats.org/drawingml/2006/main" xmlns:r="http://schemas.openxmlformats.org/officeDocument/2006/relationships" xmlns:p="http://schemas.openxmlformats.org/presentationml/2006/main">
-  <p:cSld>
+    <p:bg>
+      <p:bgPr>
+        <a:solidFill>
+          <a:srgbClr val="ECEFF1"/>
+        </a:solidFill>
+        <a:effectLst/>
+      </p:bgPr>
+    </p:bg>
     <p:spTree>
       <p:nvGrpSpPr>
         <p:cNvPr id="1" name=""/>
@@ -4310,25 +4063,150 @@
   <p:clrMapOvr>
     <a:masterClrMapping/>
   </p:clrMapOvr>
-  <mc:AlternateContent xmlns:mc="http://schemas.openxmlformats.org/markup-compatibility/2006">
-    <mc:Choice xmlns:p14="http://schemas.microsoft.com/office/powerpoint/2010/main" Requires="p14">
+  <mc:AlternateContent xmlns:mc="http://schemas.openxmlformats.org/markup-compatibility/2006" xmlns:p14="http://schemas.microsoft.com/office/powerpoint/2010/main">
+    <mc:Choice Requires="p14">
       <p:transition spd="slow" p14:dur="2000"/>
     </mc:Choice>
-    <mc:Fallback>
+    <mc:Fallback xmlns="">
       <p:transition spd="slow"/>
     </mc:Fallback>
   </mc:AlternateContent>
   <p:timing>
     <p:tnLst>
       <p:par>
-        <p:cTn id="1" dur="indefinite" restart="never" nodeType="tmRoot"/>
+        <p:cTn id="1" dur="indefinite" restart="never" nodeType="tmRoot">
+          <p:childTnLst>
+            <p:seq concurrent="1" nextAc="seek">
+              <p:cTn id="2" dur="indefinite" nodeType="mainSeq">
+                <p:childTnLst>
+                  <p:par>
+                    <p:cTn id="3" fill="hold">
+                      <p:stCondLst>
+                        <p:cond delay="indefinite"/>
+                      </p:stCondLst>
+                      <p:childTnLst>
+                        <p:par>
+                          <p:cTn id="4" fill="hold">
+                            <p:stCondLst>
+                              <p:cond delay="0"/>
+                            </p:stCondLst>
+                            <p:childTnLst>
+                              <p:par>
+                                <p:cTn id="5" presetID="1" presetClass="entr" presetSubtype="0" fill="hold" nodeType="clickEffect">
+                                  <p:stCondLst>
+                                    <p:cond delay="0"/>
+                                  </p:stCondLst>
+                                  <p:childTnLst>
+                                    <p:set>
+                                      <p:cBhvr>
+                                        <p:cTn id="6" dur="1" fill="hold">
+                                          <p:stCondLst>
+                                            <p:cond delay="0"/>
+                                          </p:stCondLst>
+                                        </p:cTn>
+                                        <p:tgtEl>
+                                          <p:spTgt spid="5"/>
+                                        </p:tgtEl>
+                                        <p:attrNameLst>
+                                          <p:attrName>style.visibility</p:attrName>
+                                        </p:attrNameLst>
+                                      </p:cBhvr>
+                                      <p:to>
+                                        <p:strVal val="visible"/>
+                                      </p:to>
+                                    </p:set>
+                                  </p:childTnLst>
+                                </p:cTn>
+                              </p:par>
+                              <p:par>
+                                <p:cTn id="7" presetID="1" presetClass="entr" presetSubtype="0" fill="hold" nodeType="withEffect">
+                                  <p:stCondLst>
+                                    <p:cond delay="0"/>
+                                  </p:stCondLst>
+                                  <p:childTnLst>
+                                    <p:set>
+                                      <p:cBhvr>
+                                        <p:cTn id="8" dur="1" fill="hold">
+                                          <p:stCondLst>
+                                            <p:cond delay="0"/>
+                                          </p:stCondLst>
+                                        </p:cTn>
+                                        <p:tgtEl>
+                                          <p:spTgt spid="3"/>
+                                        </p:tgtEl>
+                                        <p:attrNameLst>
+                                          <p:attrName>style.visibility</p:attrName>
+                                        </p:attrNameLst>
+                                      </p:cBhvr>
+                                      <p:to>
+                                        <p:strVal val="visible"/>
+                                      </p:to>
+                                    </p:set>
+                                  </p:childTnLst>
+                                </p:cTn>
+                              </p:par>
+                              <p:par>
+                                <p:cTn id="9" presetID="1" presetClass="entr" presetSubtype="0" fill="hold" grpId="0" nodeType="withEffect">
+                                  <p:stCondLst>
+                                    <p:cond delay="0"/>
+                                  </p:stCondLst>
+                                  <p:childTnLst>
+                                    <p:set>
+                                      <p:cBhvr>
+                                        <p:cTn id="10" dur="1" fill="hold">
+                                          <p:stCondLst>
+                                            <p:cond delay="0"/>
+                                          </p:stCondLst>
+                                        </p:cTn>
+                                        <p:tgtEl>
+                                          <p:spTgt spid="9"/>
+                                        </p:tgtEl>
+                                        <p:attrNameLst>
+                                          <p:attrName>style.visibility</p:attrName>
+                                        </p:attrNameLst>
+                                      </p:cBhvr>
+                                      <p:to>
+                                        <p:strVal val="visible"/>
+                                      </p:to>
+                                    </p:set>
+                                  </p:childTnLst>
+                                </p:cTn>
+                              </p:par>
+                            </p:childTnLst>
+                          </p:cTn>
+                        </p:par>
+                      </p:childTnLst>
+                    </p:cTn>
+                  </p:par>
+                </p:childTnLst>
+              </p:cTn>
+              <p:prevCondLst>
+                <p:cond evt="onPrev" delay="0">
+                  <p:tgtEl>
+                    <p:sldTgt/>
+                  </p:tgtEl>
+                </p:cond>
+              </p:prevCondLst>
+              <p:nextCondLst>
+                <p:cond evt="onNext" delay="0">
+                  <p:tgtEl>
+                    <p:sldTgt/>
+                  </p:tgtEl>
+                </p:cond>
+              </p:nextCondLst>
+            </p:seq>
+          </p:childTnLst>
+        </p:cTn>
       </p:par>
     </p:tnLst>
+    <p:bldLst>
+      <p:bldP spid="9" grpId="0"/>
+    </p:bldLst>
   </p:timing>
 </p:sld>
 </file>
 
-<file path=ppt/slides/slide3.xml><?xml version="1.0" encoding="utf-8"?>
+<file path=ppt/slides/slide10.xml><?xml version="1.0" encoding="utf-8"?>
 <p:sld xmlns:a="http://schemas.openxmlformats.org/drawingml/2006/main" xmlns:r="http://schemas.openxmlformats.org/officeDocument/2006/relationships" xmlns:p="http://schemas.openxmlformats.org/presentationml/2006/main">
   <p:cSld>
     <p:spTree>
@@ -4353,8 +4231,8 @@
         </p:nvSpPr>
         <p:spPr>
           <a:xfrm>
-            <a:off x="260775" y="609600"/>
-            <a:ext cx="8491171" cy="707886"/>
+            <a:off x="2946453" y="609600"/>
+            <a:ext cx="3119829" cy="707886"/>
           </a:xfrm>
           <a:prstGeom prst="rect">
             <a:avLst/>
@@ -4371,118 +4249,58 @@
               <a:rPr lang="en-US" sz="4000" dirty="0" smtClean="0">
                 <a:latin typeface="Rockwell" panose="02060603020205020403" pitchFamily="18" charset="0"/>
               </a:rPr>
-              <a:t>What do we know about </a:t>
-            </a:r>
-            <a:r>
-              <a:rPr lang="en-US" sz="4000" dirty="0" err="1" smtClean="0">
-                <a:latin typeface="Rockwell" panose="02060603020205020403" pitchFamily="18" charset="0"/>
-              </a:rPr>
-              <a:t>javascript</a:t>
-            </a:r>
-            <a:r>
-              <a:rPr lang="en-US" sz="4000" dirty="0" smtClean="0">
-                <a:latin typeface="Rockwell" panose="02060603020205020403" pitchFamily="18" charset="0"/>
-              </a:rPr>
-              <a:t>?</a:t>
+              <a:t>Event queue</a:t>
             </a:r>
             <a:endParaRPr lang="ru-RU" sz="4000" dirty="0"/>
           </a:p>
         </p:txBody>
       </p:sp>
-      <p:sp>
-        <p:nvSpPr>
-          <p:cNvPr id="14" name="TextBox 13"/>
-          <p:cNvSpPr txBox="1"/>
+      <p:pic>
+        <p:nvPicPr>
+          <p:cNvPr id="4098" name="Picture 2" descr="Photograph of drivers running to their cars, Ards Tourist Trophy Race, 1929"/>
+          <p:cNvPicPr>
+            <a:picLocks noChangeAspect="1" noChangeArrowheads="1"/>
+          </p:cNvPicPr>
           <p:nvPr/>
-        </p:nvSpPr>
-        <p:spPr>
-          <a:xfrm rot="20463772">
-            <a:off x="625092" y="1752540"/>
-            <a:ext cx="2133600" cy="369332"/>
+        </p:nvPicPr>
+        <p:blipFill rotWithShape="1">
+          <a:blip r:embed="rId2" cstate="print">
+            <a:extLst>
+              <a:ext uri="{28A0092B-C50C-407E-A947-70E740481C1C}">
+                <a14:useLocalDpi xmlns:a14="http://schemas.microsoft.com/office/drawing/2010/main" val="0"/>
+              </a:ext>
+            </a:extLst>
+          </a:blip>
+          <a:srcRect l="3744" t="4017" r="3768" b="5804"/>
+          <a:stretch/>
+        </p:blipFill>
+        <p:spPr bwMode="auto">
+          <a:xfrm>
+            <a:off x="2743200" y="2362200"/>
+            <a:ext cx="3982552" cy="2954797"/>
           </a:xfrm>
           <a:prstGeom prst="rect">
             <a:avLst/>
           </a:prstGeom>
           <a:noFill/>
+          <a:ln>
+            <a:noFill/>
+          </a:ln>
+          <a:extLst>
+            <a:ext uri="{909E8E84-426E-40DD-AFC4-6F175D3DCCD1}">
+              <a14:hiddenFill xmlns:a14="http://schemas.microsoft.com/office/drawing/2010/main">
+                <a:solidFill>
+                  <a:srgbClr val="FFFFFF"/>
+                </a:solidFill>
+              </a14:hiddenFill>
+            </a:ext>
+          </a:extLst>
         </p:spPr>
-        <p:txBody>
-          <a:bodyPr wrap="square" rtlCol="0">
-            <a:spAutoFit/>
-          </a:bodyPr>
-          <a:lstStyle/>
-          <a:p>
-            <a:r>
-              <a:rPr lang="en-US" dirty="0" smtClean="0"/>
-              <a:t>It runs in browsers</a:t>
-            </a:r>
-            <a:endParaRPr lang="en-US" dirty="0"/>
-          </a:p>
-        </p:txBody>
-      </p:sp>
-      <p:sp>
-        <p:nvSpPr>
-          <p:cNvPr id="15" name="TextBox 14"/>
-          <p:cNvSpPr txBox="1"/>
-          <p:nvPr/>
-        </p:nvSpPr>
-        <p:spPr>
-          <a:xfrm rot="20873258">
-            <a:off x="2356317" y="2811321"/>
-            <a:ext cx="2803908" cy="369332"/>
-          </a:xfrm>
-          <a:prstGeom prst="rect">
-            <a:avLst/>
-          </a:prstGeom>
-          <a:noFill/>
-        </p:spPr>
-        <p:txBody>
-          <a:bodyPr wrap="square" rtlCol="0">
-            <a:spAutoFit/>
-          </a:bodyPr>
-          <a:lstStyle/>
-          <a:p>
-            <a:r>
-              <a:rPr lang="en-US" dirty="0" smtClean="0"/>
-              <a:t>Interpreted, not compiled</a:t>
-            </a:r>
-            <a:endParaRPr lang="en-US" dirty="0"/>
-          </a:p>
-        </p:txBody>
-      </p:sp>
-      <p:sp>
-        <p:nvSpPr>
-          <p:cNvPr id="16" name="TextBox 15"/>
-          <p:cNvSpPr txBox="1"/>
-          <p:nvPr/>
-        </p:nvSpPr>
-        <p:spPr>
-          <a:xfrm rot="20545607">
-            <a:off x="1601331" y="2131242"/>
-            <a:ext cx="2877963" cy="369332"/>
-          </a:xfrm>
-          <a:prstGeom prst="rect">
-            <a:avLst/>
-          </a:prstGeom>
-          <a:noFill/>
-        </p:spPr>
-        <p:txBody>
-          <a:bodyPr wrap="square" rtlCol="0">
-            <a:spAutoFit/>
-          </a:bodyPr>
-          <a:lstStyle/>
-          <a:p>
-            <a:r>
-              <a:rPr lang="en-US" dirty="0" smtClean="0"/>
-              <a:t>Makes web pages dynamic</a:t>
-            </a:r>
-            <a:endParaRPr lang="en-US" dirty="0"/>
-          </a:p>
-        </p:txBody>
-      </p:sp>
+      </p:pic>
     </p:spTree>
     <p:extLst>
       <p:ext uri="{BB962C8B-B14F-4D97-AF65-F5344CB8AC3E}">
-        <p14:creationId xmlns:p14="http://schemas.microsoft.com/office/powerpoint/2010/main" val="1148697483"/>
+        <p14:creationId xmlns:p14="http://schemas.microsoft.com/office/powerpoint/2010/main" val="3586241966"/>
       </p:ext>
     </p:extLst>
   </p:cSld>
@@ -4499,120 +4317,7 @@
 </p:sld>
 </file>
 
-<file path=ppt/slides/slide4.xml><?xml version="1.0" encoding="utf-8"?>
-<p:sld xmlns:a="http://schemas.openxmlformats.org/drawingml/2006/main" xmlns:r="http://schemas.openxmlformats.org/officeDocument/2006/relationships" xmlns:p="http://schemas.openxmlformats.org/presentationml/2006/main">
-  <p:cSld>
-    <p:bg>
-      <p:bgPr>
-        <a:noFill/>
-        <a:effectLst/>
-      </p:bgPr>
-    </p:bg>
-    <p:spTree>
-      <p:nvGrpSpPr>
-        <p:cNvPr id="1" name=""/>
-        <p:cNvGrpSpPr/>
-        <p:nvPr/>
-      </p:nvGrpSpPr>
-      <p:grpSpPr>
-        <a:xfrm>
-          <a:off x="0" y="0"/>
-          <a:ext cx="0" cy="0"/>
-          <a:chOff x="0" y="0"/>
-          <a:chExt cx="0" cy="0"/>
-        </a:xfrm>
-      </p:grpSpPr>
-      <p:sp>
-        <p:nvSpPr>
-          <p:cNvPr id="5" name="Rectangle 4"/>
-          <p:cNvSpPr/>
-          <p:nvPr/>
-        </p:nvSpPr>
-        <p:spPr>
-          <a:xfrm>
-            <a:off x="2961389" y="609600"/>
-            <a:ext cx="3089948" cy="707886"/>
-          </a:xfrm>
-          <a:prstGeom prst="rect">
-            <a:avLst/>
-          </a:prstGeom>
-        </p:spPr>
-        <p:txBody>
-          <a:bodyPr wrap="none">
-            <a:spAutoFit/>
-          </a:bodyPr>
-          <a:lstStyle/>
-          <a:p>
-            <a:pPr algn="ctr"/>
-            <a:r>
-              <a:rPr lang="en-US" sz="4000" dirty="0" err="1" smtClean="0">
-                <a:latin typeface="Rockwell" panose="02060603020205020403" pitchFamily="18" charset="0"/>
-              </a:rPr>
-              <a:t>ECMAScript</a:t>
-            </a:r>
-            <a:endParaRPr lang="ru-RU" sz="4000" dirty="0"/>
-          </a:p>
-        </p:txBody>
-      </p:sp>
-      <p:sp>
-        <p:nvSpPr>
-          <p:cNvPr id="15" name="TextBox 14"/>
-          <p:cNvSpPr txBox="1"/>
-          <p:nvPr/>
-        </p:nvSpPr>
-        <p:spPr>
-          <a:xfrm>
-            <a:off x="2514600" y="1317486"/>
-            <a:ext cx="4191000" cy="369332"/>
-          </a:xfrm>
-          <a:prstGeom prst="rect">
-            <a:avLst/>
-          </a:prstGeom>
-          <a:noFill/>
-        </p:spPr>
-        <p:txBody>
-          <a:bodyPr wrap="square" rtlCol="0">
-            <a:spAutoFit/>
-          </a:bodyPr>
-          <a:lstStyle/>
-          <a:p>
-            <a:r>
-              <a:rPr lang="en-US" dirty="0" smtClean="0"/>
-              <a:t>specification for the </a:t>
-            </a:r>
-            <a:r>
-              <a:rPr lang="en-US" dirty="0" err="1" smtClean="0"/>
-              <a:t>Javascript</a:t>
-            </a:r>
-            <a:r>
-              <a:rPr lang="en-US" dirty="0" smtClean="0"/>
-              <a:t> language</a:t>
-            </a:r>
-            <a:endParaRPr lang="en-US" dirty="0"/>
-          </a:p>
-        </p:txBody>
-      </p:sp>
-    </p:spTree>
-    <p:extLst>
-      <p:ext uri="{BB962C8B-B14F-4D97-AF65-F5344CB8AC3E}">
-        <p14:creationId xmlns:p14="http://schemas.microsoft.com/office/powerpoint/2010/main" val="88473522"/>
-      </p:ext>
-    </p:extLst>
-  </p:cSld>
-  <p:clrMapOvr>
-    <a:masterClrMapping/>
-  </p:clrMapOvr>
-  <p:timing>
-    <p:tnLst>
-      <p:par>
-        <p:cTn id="1" dur="indefinite" restart="never" nodeType="tmRoot"/>
-      </p:par>
-    </p:tnLst>
-  </p:timing>
-</p:sld>
-</file>
-
-<file path=ppt/slides/slide5.xml><?xml version="1.0" encoding="utf-8"?>
+<file path=ppt/slides/slide11.xml><?xml version="1.0" encoding="utf-8"?>
 <p:sld xmlns:a="http://schemas.openxmlformats.org/drawingml/2006/main" xmlns:r="http://schemas.openxmlformats.org/officeDocument/2006/relationships" xmlns:p="http://schemas.openxmlformats.org/presentationml/2006/main">
   <p:cSld>
     <p:spTree>
@@ -5103,7 +4808,7 @@
 </p:sld>
 </file>
 
-<file path=ppt/slides/slide6.xml><?xml version="1.0" encoding="utf-8"?>
+<file path=ppt/slides/slide12.xml><?xml version="1.0" encoding="utf-8"?>
 <p:sld xmlns:a="http://schemas.openxmlformats.org/drawingml/2006/main" xmlns:r="http://schemas.openxmlformats.org/officeDocument/2006/relationships" xmlns:p="http://schemas.openxmlformats.org/presentationml/2006/main">
   <p:cSld>
     <p:spTree>
@@ -5220,7 +4925,7 @@
 </p:sld>
 </file>
 
-<file path=ppt/slides/slide7.xml><?xml version="1.0" encoding="utf-8"?>
+<file path=ppt/slides/slide13.xml><?xml version="1.0" encoding="utf-8"?>
 <p:sld xmlns:a="http://schemas.openxmlformats.org/drawingml/2006/main" xmlns:r="http://schemas.openxmlformats.org/officeDocument/2006/relationships" xmlns:p="http://schemas.openxmlformats.org/presentationml/2006/main">
   <p:cSld>
     <p:spTree>
@@ -5298,11 +5003,11 @@
   <p:clrMapOvr>
     <a:masterClrMapping/>
   </p:clrMapOvr>
-  <mc:AlternateContent xmlns:mc="http://schemas.openxmlformats.org/markup-compatibility/2006">
-    <mc:Choice xmlns:p14="http://schemas.microsoft.com/office/powerpoint/2010/main" Requires="p14">
+  <mc:AlternateContent xmlns:mc="http://schemas.openxmlformats.org/markup-compatibility/2006" xmlns:p14="http://schemas.microsoft.com/office/powerpoint/2010/main">
+    <mc:Choice Requires="p14">
       <p:transition spd="slow" p14:dur="2000"/>
     </mc:Choice>
-    <mc:Fallback>
+    <mc:Fallback xmlns="">
       <p:transition spd="slow"/>
     </mc:Fallback>
   </mc:AlternateContent>
@@ -5316,7 +5021,7 @@
 </p:sld>
 </file>
 
-<file path=ppt/slides/slide8.xml><?xml version="1.0" encoding="utf-8"?>
+<file path=ppt/slides/slide14.xml><?xml version="1.0" encoding="utf-8"?>
 <p:sld xmlns:a="http://schemas.openxmlformats.org/drawingml/2006/main" xmlns:r="http://schemas.openxmlformats.org/officeDocument/2006/relationships" xmlns:p="http://schemas.openxmlformats.org/presentationml/2006/main">
   <p:cSld>
     <p:spTree>
@@ -6485,7 +6190,7 @@
 </p:sld>
 </file>
 
-<file path=ppt/slides/slide9.xml><?xml version="1.0" encoding="utf-8"?>
+<file path=ppt/slides/slide15.xml><?xml version="1.0" encoding="utf-8"?>
 <p:sld xmlns:a="http://schemas.openxmlformats.org/drawingml/2006/main" xmlns:r="http://schemas.openxmlformats.org/officeDocument/2006/relationships" xmlns:p="http://schemas.openxmlformats.org/presentationml/2006/main">
   <p:cSld>
     <p:spTree>
@@ -6550,6 +6255,7629 @@
       <p:transition spd="slow"/>
     </mc:Fallback>
   </mc:AlternateContent>
+  <p:timing>
+    <p:tnLst>
+      <p:par>
+        <p:cTn id="1" dur="indefinite" restart="never" nodeType="tmRoot"/>
+      </p:par>
+    </p:tnLst>
+  </p:timing>
+</p:sld>
+</file>
+
+<file path=ppt/slides/slide16.xml><?xml version="1.0" encoding="utf-8"?>
+<p:sld xmlns:a="http://schemas.openxmlformats.org/drawingml/2006/main" xmlns:r="http://schemas.openxmlformats.org/officeDocument/2006/relationships" xmlns:p="http://schemas.openxmlformats.org/presentationml/2006/main">
+  <p:cSld>
+    <p:spTree>
+      <p:nvGrpSpPr>
+        <p:cNvPr id="1" name=""/>
+        <p:cNvGrpSpPr/>
+        <p:nvPr/>
+      </p:nvGrpSpPr>
+      <p:grpSpPr>
+        <a:xfrm>
+          <a:off x="0" y="0"/>
+          <a:ext cx="0" cy="0"/>
+          <a:chOff x="0" y="0"/>
+          <a:chExt cx="0" cy="0"/>
+        </a:xfrm>
+      </p:grpSpPr>
+      <p:sp>
+        <p:nvSpPr>
+          <p:cNvPr id="6" name="TextBox 5"/>
+          <p:cNvSpPr txBox="1"/>
+          <p:nvPr/>
+        </p:nvSpPr>
+        <p:spPr>
+          <a:xfrm>
+            <a:off x="1828800" y="1447800"/>
+            <a:ext cx="6553200" cy="646331"/>
+          </a:xfrm>
+          <a:prstGeom prst="rect">
+            <a:avLst/>
+          </a:prstGeom>
+          <a:noFill/>
+        </p:spPr>
+        <p:txBody>
+          <a:bodyPr wrap="square" rtlCol="0">
+            <a:spAutoFit/>
+          </a:bodyPr>
+          <a:lstStyle/>
+          <a:p>
+            <a:r>
+              <a:rPr lang="en-US" sz="3600" dirty="0" smtClean="0"/>
+              <a:t>multithreading in </a:t>
+            </a:r>
+            <a:r>
+              <a:rPr lang="en-US" sz="3600" dirty="0" err="1" smtClean="0"/>
+              <a:t>javascript</a:t>
+            </a:r>
+            <a:r>
+              <a:rPr lang="en-US" sz="3600" dirty="0" smtClean="0"/>
+              <a:t>?</a:t>
+            </a:r>
+            <a:endParaRPr lang="en-US" sz="3600" dirty="0"/>
+          </a:p>
+        </p:txBody>
+      </p:sp>
+    </p:spTree>
+    <p:extLst>
+      <p:ext uri="{BB962C8B-B14F-4D97-AF65-F5344CB8AC3E}">
+        <p14:creationId xmlns:p14="http://schemas.microsoft.com/office/powerpoint/2010/main" val="2311485577"/>
+      </p:ext>
+    </p:extLst>
+  </p:cSld>
+  <p:clrMapOvr>
+    <a:masterClrMapping/>
+  </p:clrMapOvr>
+  <mc:AlternateContent xmlns:mc="http://schemas.openxmlformats.org/markup-compatibility/2006" xmlns:p14="http://schemas.microsoft.com/office/powerpoint/2010/main">
+    <mc:Choice Requires="p14">
+      <p:transition spd="slow" p14:dur="2000"/>
+    </mc:Choice>
+    <mc:Fallback xmlns="">
+      <p:transition spd="slow"/>
+    </mc:Fallback>
+  </mc:AlternateContent>
+  <p:timing>
+    <p:tnLst>
+      <p:par>
+        <p:cTn id="1" dur="indefinite" restart="never" nodeType="tmRoot"/>
+      </p:par>
+    </p:tnLst>
+  </p:timing>
+</p:sld>
+</file>
+
+<file path=ppt/slides/slide2.xml><?xml version="1.0" encoding="utf-8"?>
+<p:sld xmlns:a="http://schemas.openxmlformats.org/drawingml/2006/main" xmlns:r="http://schemas.openxmlformats.org/officeDocument/2006/relationships" xmlns:p="http://schemas.openxmlformats.org/presentationml/2006/main">
+  <p:cSld>
+    <p:spTree>
+      <p:nvGrpSpPr>
+        <p:cNvPr id="1" name=""/>
+        <p:cNvGrpSpPr/>
+        <p:nvPr/>
+      </p:nvGrpSpPr>
+      <p:grpSpPr>
+        <a:xfrm>
+          <a:off x="0" y="0"/>
+          <a:ext cx="0" cy="0"/>
+          <a:chOff x="0" y="0"/>
+          <a:chExt cx="0" cy="0"/>
+        </a:xfrm>
+      </p:grpSpPr>
+      <p:sp>
+        <p:nvSpPr>
+          <p:cNvPr id="5" name="Rectangle 4"/>
+          <p:cNvSpPr/>
+          <p:nvPr/>
+        </p:nvSpPr>
+        <p:spPr>
+          <a:xfrm>
+            <a:off x="260775" y="609600"/>
+            <a:ext cx="8491171" cy="707886"/>
+          </a:xfrm>
+          <a:prstGeom prst="rect">
+            <a:avLst/>
+          </a:prstGeom>
+        </p:spPr>
+        <p:txBody>
+          <a:bodyPr wrap="none">
+            <a:spAutoFit/>
+          </a:bodyPr>
+          <a:lstStyle/>
+          <a:p>
+            <a:pPr algn="ctr"/>
+            <a:r>
+              <a:rPr lang="en-US" sz="4000" dirty="0" smtClean="0">
+                <a:latin typeface="Rockwell" panose="02060603020205020403" pitchFamily="18" charset="0"/>
+              </a:rPr>
+              <a:t>What do we know about </a:t>
+            </a:r>
+            <a:r>
+              <a:rPr lang="en-US" sz="4000" dirty="0" err="1" smtClean="0">
+                <a:latin typeface="Rockwell" panose="02060603020205020403" pitchFamily="18" charset="0"/>
+              </a:rPr>
+              <a:t>javascript</a:t>
+            </a:r>
+            <a:r>
+              <a:rPr lang="en-US" sz="4000" dirty="0" smtClean="0">
+                <a:latin typeface="Rockwell" panose="02060603020205020403" pitchFamily="18" charset="0"/>
+              </a:rPr>
+              <a:t>?</a:t>
+            </a:r>
+            <a:endParaRPr lang="ru-RU" sz="4000" dirty="0"/>
+          </a:p>
+        </p:txBody>
+      </p:sp>
+      <p:sp>
+        <p:nvSpPr>
+          <p:cNvPr id="14" name="TextBox 13"/>
+          <p:cNvSpPr txBox="1"/>
+          <p:nvPr/>
+        </p:nvSpPr>
+        <p:spPr>
+          <a:xfrm rot="20463772">
+            <a:off x="625092" y="1752540"/>
+            <a:ext cx="2133600" cy="369332"/>
+          </a:xfrm>
+          <a:prstGeom prst="rect">
+            <a:avLst/>
+          </a:prstGeom>
+          <a:noFill/>
+        </p:spPr>
+        <p:txBody>
+          <a:bodyPr wrap="square" rtlCol="0">
+            <a:spAutoFit/>
+          </a:bodyPr>
+          <a:lstStyle/>
+          <a:p>
+            <a:r>
+              <a:rPr lang="en-US" dirty="0" smtClean="0"/>
+              <a:t>It runs in browsers</a:t>
+            </a:r>
+            <a:endParaRPr lang="en-US" dirty="0"/>
+          </a:p>
+        </p:txBody>
+      </p:sp>
+      <p:sp>
+        <p:nvSpPr>
+          <p:cNvPr id="15" name="TextBox 14"/>
+          <p:cNvSpPr txBox="1"/>
+          <p:nvPr/>
+        </p:nvSpPr>
+        <p:spPr>
+          <a:xfrm rot="20873258">
+            <a:off x="2356317" y="2811321"/>
+            <a:ext cx="2803908" cy="369332"/>
+          </a:xfrm>
+          <a:prstGeom prst="rect">
+            <a:avLst/>
+          </a:prstGeom>
+          <a:noFill/>
+        </p:spPr>
+        <p:txBody>
+          <a:bodyPr wrap="square" rtlCol="0">
+            <a:spAutoFit/>
+          </a:bodyPr>
+          <a:lstStyle/>
+          <a:p>
+            <a:r>
+              <a:rPr lang="en-US" dirty="0" smtClean="0"/>
+              <a:t>Interpreted, not compiled</a:t>
+            </a:r>
+            <a:endParaRPr lang="en-US" dirty="0"/>
+          </a:p>
+        </p:txBody>
+      </p:sp>
+      <p:sp>
+        <p:nvSpPr>
+          <p:cNvPr id="16" name="TextBox 15"/>
+          <p:cNvSpPr txBox="1"/>
+          <p:nvPr/>
+        </p:nvSpPr>
+        <p:spPr>
+          <a:xfrm rot="20545607">
+            <a:off x="1601331" y="2131242"/>
+            <a:ext cx="2877963" cy="369332"/>
+          </a:xfrm>
+          <a:prstGeom prst="rect">
+            <a:avLst/>
+          </a:prstGeom>
+          <a:noFill/>
+        </p:spPr>
+        <p:txBody>
+          <a:bodyPr wrap="square" rtlCol="0">
+            <a:spAutoFit/>
+          </a:bodyPr>
+          <a:lstStyle/>
+          <a:p>
+            <a:r>
+              <a:rPr lang="en-US" dirty="0" smtClean="0"/>
+              <a:t>Makes web pages dynamic</a:t>
+            </a:r>
+            <a:endParaRPr lang="en-US" dirty="0"/>
+          </a:p>
+        </p:txBody>
+      </p:sp>
+      <p:sp>
+        <p:nvSpPr>
+          <p:cNvPr id="6" name="TextBox 5"/>
+          <p:cNvSpPr txBox="1"/>
+          <p:nvPr/>
+        </p:nvSpPr>
+        <p:spPr>
+          <a:xfrm>
+            <a:off x="2064938" y="4252462"/>
+            <a:ext cx="4335862" cy="461665"/>
+          </a:xfrm>
+          <a:prstGeom prst="rect">
+            <a:avLst/>
+          </a:prstGeom>
+          <a:noFill/>
+        </p:spPr>
+        <p:txBody>
+          <a:bodyPr wrap="square" rtlCol="0">
+            <a:spAutoFit/>
+          </a:bodyPr>
+          <a:lstStyle/>
+          <a:p>
+            <a:r>
+              <a:rPr lang="en-US" sz="2400" dirty="0" smtClean="0"/>
+              <a:t>Object-oriented or functional ??</a:t>
+            </a:r>
+            <a:endParaRPr lang="en-US" sz="2400" dirty="0"/>
+          </a:p>
+        </p:txBody>
+      </p:sp>
+      <p:sp>
+        <p:nvSpPr>
+          <p:cNvPr id="2" name="Rectangle 2"/>
+          <p:cNvSpPr>
+            <a:spLocks noChangeArrowheads="1"/>
+          </p:cNvSpPr>
+          <p:nvPr/>
+        </p:nvSpPr>
+        <p:spPr bwMode="auto">
+          <a:xfrm>
+            <a:off x="2591271" y="4989147"/>
+            <a:ext cx="2925481" cy="338554"/>
+          </a:xfrm>
+          <a:prstGeom prst="rect">
+            <a:avLst/>
+          </a:prstGeom>
+          <a:solidFill>
+            <a:srgbClr val="F5F2F0"/>
+          </a:solidFill>
+          <a:ln>
+            <a:noFill/>
+          </a:ln>
+          <a:effectLst/>
+          <a:extLst>
+            <a:ext uri="{91240B29-F687-4F45-9708-019B960494DF}">
+              <a14:hiddenLine xmlns:a14="http://schemas.microsoft.com/office/drawing/2010/main" w="9525">
+                <a:solidFill>
+                  <a:schemeClr val="tx1"/>
+                </a:solidFill>
+                <a:miter lim="800000"/>
+                <a:headEnd/>
+                <a:tailEnd/>
+              </a14:hiddenLine>
+            </a:ext>
+            <a:ext uri="{AF507438-7753-43E0-B8FC-AC1667EBCBE1}">
+              <a14:hiddenEffects xmlns:a14="http://schemas.microsoft.com/office/drawing/2010/main">
+                <a:effectLst>
+                  <a:outerShdw dist="35921" dir="2700000" algn="ctr" rotWithShape="0">
+                    <a:schemeClr val="bg2"/>
+                  </a:outerShdw>
+                </a:effectLst>
+              </a14:hiddenEffects>
+            </a:ext>
+          </a:extLst>
+        </p:spPr>
+        <p:txBody>
+          <a:bodyPr vert="horz" wrap="none" lIns="0" tIns="0" rIns="0" bIns="0" numCol="1" anchor="ctr" anchorCtr="0" compatLnSpc="1">
+            <a:prstTxWarp prst="textNoShape">
+              <a:avLst/>
+            </a:prstTxWarp>
+            <a:spAutoFit/>
+          </a:bodyPr>
+          <a:lstStyle/>
+          <a:p>
+            <a:pPr marL="0" marR="0" lvl="0" indent="0" algn="l" defTabSz="914400" rtl="0" eaLnBrk="1" fontAlgn="base" latinLnBrk="0" hangingPunct="1">
+              <a:lnSpc>
+                <a:spcPct val="100000"/>
+              </a:lnSpc>
+              <a:spcBef>
+                <a:spcPct val="0"/>
+              </a:spcBef>
+              <a:spcAft>
+                <a:spcPct val="0"/>
+              </a:spcAft>
+              <a:buClrTx/>
+              <a:buSzTx/>
+              <a:buFontTx/>
+              <a:buNone/>
+              <a:tabLst/>
+            </a:pPr>
+            <a:r>
+              <a:rPr kumimoji="0" lang="ru-RU" altLang="ru-RU" sz="1100" b="0" i="0" u="none" strike="noStrike" cap="none" normalizeH="0" baseline="0" dirty="0" smtClean="0">
+                <a:ln>
+                  <a:noFill/>
+                </a:ln>
+                <a:solidFill>
+                  <a:srgbClr val="0077AA"/>
+                </a:solidFill>
+                <a:effectLst/>
+                <a:latin typeface="Courier New" pitchFamily="49" charset="0"/>
+                <a:cs typeface="Courier New" pitchFamily="49" charset="0"/>
+              </a:rPr>
+              <a:t>var</a:t>
+            </a:r>
+            <a:r>
+              <a:rPr kumimoji="0" lang="ru-RU" altLang="ru-RU" sz="1100" b="0" i="0" u="none" strike="noStrike" cap="none" normalizeH="0" baseline="0" dirty="0" smtClean="0">
+                <a:ln>
+                  <a:noFill/>
+                </a:ln>
+                <a:solidFill>
+                  <a:srgbClr val="000000"/>
+                </a:solidFill>
+                <a:effectLst/>
+                <a:latin typeface="Consolas" pitchFamily="49" charset="0"/>
+                <a:cs typeface="Consolas" pitchFamily="49" charset="0"/>
+              </a:rPr>
+              <a:t> a </a:t>
+            </a:r>
+            <a:r>
+              <a:rPr kumimoji="0" lang="ru-RU" altLang="ru-RU" sz="1100" b="0" i="0" u="none" strike="noStrike" cap="none" normalizeH="0" baseline="0" dirty="0" smtClean="0">
+                <a:ln>
+                  <a:noFill/>
+                </a:ln>
+                <a:solidFill>
+                  <a:srgbClr val="A67F59"/>
+                </a:solidFill>
+                <a:effectLst/>
+                <a:latin typeface="Courier New" pitchFamily="49" charset="0"/>
+                <a:cs typeface="Courier New" pitchFamily="49" charset="0"/>
+              </a:rPr>
+              <a:t>=</a:t>
+            </a:r>
+            <a:r>
+              <a:rPr kumimoji="0" lang="ru-RU" altLang="ru-RU" sz="1100" b="0" i="0" u="none" strike="noStrike" cap="none" normalizeH="0" baseline="0" dirty="0" smtClean="0">
+                <a:ln>
+                  <a:noFill/>
+                </a:ln>
+                <a:solidFill>
+                  <a:srgbClr val="000000"/>
+                </a:solidFill>
+                <a:effectLst/>
+                <a:latin typeface="Consolas" pitchFamily="49" charset="0"/>
+                <a:cs typeface="Consolas" pitchFamily="49" charset="0"/>
+              </a:rPr>
+              <a:t> </a:t>
+            </a:r>
+            <a:r>
+              <a:rPr kumimoji="0" lang="ru-RU" altLang="ru-RU" sz="1100" b="0" i="0" u="none" strike="noStrike" cap="none" normalizeH="0" baseline="0" dirty="0" smtClean="0">
+                <a:ln>
+                  <a:noFill/>
+                </a:ln>
+                <a:solidFill>
+                  <a:srgbClr val="999999"/>
+                </a:solidFill>
+                <a:effectLst/>
+                <a:latin typeface="Courier New" pitchFamily="49" charset="0"/>
+                <a:cs typeface="Courier New" pitchFamily="49" charset="0"/>
+              </a:rPr>
+              <a:t>{};</a:t>
+            </a:r>
+            <a:r>
+              <a:rPr kumimoji="0" lang="ru-RU" altLang="ru-RU" sz="1100" b="0" i="0" u="none" strike="noStrike" cap="none" normalizeH="0" baseline="0" dirty="0" smtClean="0">
+                <a:ln>
+                  <a:noFill/>
+                </a:ln>
+                <a:solidFill>
+                  <a:srgbClr val="000000"/>
+                </a:solidFill>
+                <a:effectLst/>
+                <a:latin typeface="Consolas" pitchFamily="49" charset="0"/>
+                <a:cs typeface="Consolas" pitchFamily="49" charset="0"/>
+              </a:rPr>
+              <a:t> </a:t>
+            </a:r>
+            <a:r>
+              <a:rPr kumimoji="0" lang="ru-RU" altLang="ru-RU" sz="1100" b="0" i="0" u="none" strike="noStrike" cap="none" normalizeH="0" baseline="0" dirty="0" smtClean="0">
+                <a:ln>
+                  <a:noFill/>
+                </a:ln>
+                <a:solidFill>
+                  <a:srgbClr val="708090"/>
+                </a:solidFill>
+                <a:effectLst/>
+                <a:latin typeface="Courier New" pitchFamily="49" charset="0"/>
+                <a:cs typeface="Courier New" pitchFamily="49" charset="0"/>
+              </a:rPr>
+              <a:t>// create a new object</a:t>
+            </a:r>
+            <a:r>
+              <a:rPr kumimoji="0" lang="ru-RU" altLang="ru-RU" sz="1100" b="0" i="0" u="none" strike="noStrike" cap="none" normalizeH="0" baseline="0" dirty="0" smtClean="0">
+                <a:ln>
+                  <a:noFill/>
+                </a:ln>
+                <a:solidFill>
+                  <a:srgbClr val="000000"/>
+                </a:solidFill>
+                <a:effectLst/>
+                <a:latin typeface="Consolas" pitchFamily="49" charset="0"/>
+                <a:cs typeface="Consolas" pitchFamily="49" charset="0"/>
+              </a:rPr>
+              <a:t> </a:t>
+            </a:r>
+            <a:endParaRPr kumimoji="0" lang="en-US" altLang="ru-RU" sz="1100" b="0" i="0" u="none" strike="noStrike" cap="none" normalizeH="0" baseline="0" dirty="0" smtClean="0">
+              <a:ln>
+                <a:noFill/>
+              </a:ln>
+              <a:solidFill>
+                <a:srgbClr val="000000"/>
+              </a:solidFill>
+              <a:effectLst/>
+              <a:latin typeface="Consolas" pitchFamily="49" charset="0"/>
+              <a:cs typeface="Consolas" pitchFamily="49" charset="0"/>
+            </a:endParaRPr>
+          </a:p>
+          <a:p>
+            <a:pPr marL="0" marR="0" lvl="0" indent="0" algn="l" defTabSz="914400" rtl="0" eaLnBrk="1" fontAlgn="base" latinLnBrk="0" hangingPunct="1">
+              <a:lnSpc>
+                <a:spcPct val="100000"/>
+              </a:lnSpc>
+              <a:spcBef>
+                <a:spcPct val="0"/>
+              </a:spcBef>
+              <a:spcAft>
+                <a:spcPct val="0"/>
+              </a:spcAft>
+              <a:buClrTx/>
+              <a:buSzTx/>
+              <a:buFontTx/>
+              <a:buNone/>
+              <a:tabLst/>
+            </a:pPr>
+            <a:r>
+              <a:rPr kumimoji="0" lang="ru-RU" altLang="ru-RU" sz="1100" b="0" i="0" u="none" strike="noStrike" cap="none" normalizeH="0" baseline="0" dirty="0" smtClean="0">
+                <a:ln>
+                  <a:noFill/>
+                </a:ln>
+                <a:solidFill>
+                  <a:srgbClr val="000000"/>
+                </a:solidFill>
+                <a:effectLst/>
+                <a:latin typeface="Consolas" pitchFamily="49" charset="0"/>
+                <a:cs typeface="Consolas" pitchFamily="49" charset="0"/>
+              </a:rPr>
+              <a:t>a</a:t>
+            </a:r>
+            <a:r>
+              <a:rPr kumimoji="0" lang="ru-RU" altLang="ru-RU" sz="1100" b="0" i="0" u="none" strike="noStrike" cap="none" normalizeH="0" baseline="0" dirty="0" smtClean="0">
+                <a:ln>
+                  <a:noFill/>
+                </a:ln>
+                <a:solidFill>
+                  <a:srgbClr val="999999"/>
+                </a:solidFill>
+                <a:effectLst/>
+                <a:latin typeface="Courier New" pitchFamily="49" charset="0"/>
+                <a:cs typeface="Courier New" pitchFamily="49" charset="0"/>
+              </a:rPr>
+              <a:t>.</a:t>
+            </a:r>
+            <a:r>
+              <a:rPr kumimoji="0" lang="ru-RU" altLang="ru-RU" sz="1100" b="0" i="0" u="none" strike="noStrike" cap="none" normalizeH="0" baseline="0" dirty="0" smtClean="0">
+                <a:ln>
+                  <a:noFill/>
+                </a:ln>
+                <a:solidFill>
+                  <a:srgbClr val="000000"/>
+                </a:solidFill>
+                <a:effectLst/>
+                <a:latin typeface="Consolas" pitchFamily="49" charset="0"/>
+                <a:cs typeface="Consolas" pitchFamily="49" charset="0"/>
+              </a:rPr>
+              <a:t>b </a:t>
+            </a:r>
+            <a:r>
+              <a:rPr kumimoji="0" lang="ru-RU" altLang="ru-RU" sz="1100" b="0" i="0" u="none" strike="noStrike" cap="none" normalizeH="0" baseline="0" dirty="0" smtClean="0">
+                <a:ln>
+                  <a:noFill/>
+                </a:ln>
+                <a:solidFill>
+                  <a:srgbClr val="A67F59"/>
+                </a:solidFill>
+                <a:effectLst/>
+                <a:latin typeface="Courier New" pitchFamily="49" charset="0"/>
+                <a:cs typeface="Courier New" pitchFamily="49" charset="0"/>
+              </a:rPr>
+              <a:t>=</a:t>
+            </a:r>
+            <a:r>
+              <a:rPr kumimoji="0" lang="ru-RU" altLang="ru-RU" sz="1100" b="0" i="0" u="none" strike="noStrike" cap="none" normalizeH="0" baseline="0" dirty="0" smtClean="0">
+                <a:ln>
+                  <a:noFill/>
+                </a:ln>
+                <a:solidFill>
+                  <a:srgbClr val="000000"/>
+                </a:solidFill>
+                <a:effectLst/>
+                <a:latin typeface="Consolas" pitchFamily="49" charset="0"/>
+                <a:cs typeface="Consolas" pitchFamily="49" charset="0"/>
+              </a:rPr>
+              <a:t> </a:t>
+            </a:r>
+            <a:r>
+              <a:rPr kumimoji="0" lang="ru-RU" altLang="ru-RU" sz="1100" b="0" i="0" u="none" strike="noStrike" cap="none" normalizeH="0" baseline="0" dirty="0" smtClean="0">
+                <a:ln>
+                  <a:noFill/>
+                </a:ln>
+                <a:solidFill>
+                  <a:srgbClr val="669900"/>
+                </a:solidFill>
+                <a:effectLst/>
+                <a:latin typeface="Courier New" pitchFamily="49" charset="0"/>
+                <a:cs typeface="Courier New" pitchFamily="49" charset="0"/>
+              </a:rPr>
+              <a:t>'hello'</a:t>
+            </a:r>
+            <a:r>
+              <a:rPr kumimoji="0" lang="ru-RU" altLang="ru-RU" sz="1100" b="0" i="0" u="none" strike="noStrike" cap="none" normalizeH="0" baseline="0" dirty="0" smtClean="0">
+                <a:ln>
+                  <a:noFill/>
+                </a:ln>
+                <a:solidFill>
+                  <a:srgbClr val="999999"/>
+                </a:solidFill>
+                <a:effectLst/>
+                <a:latin typeface="Courier New" pitchFamily="49" charset="0"/>
+                <a:cs typeface="Courier New" pitchFamily="49" charset="0"/>
+              </a:rPr>
+              <a:t>;</a:t>
+            </a:r>
+            <a:r>
+              <a:rPr kumimoji="0" lang="ru-RU" altLang="ru-RU" sz="600" b="0" i="0" u="none" strike="noStrike" cap="none" normalizeH="0" baseline="0" dirty="0" smtClean="0">
+                <a:ln>
+                  <a:noFill/>
+                </a:ln>
+                <a:solidFill>
+                  <a:schemeClr val="tx1"/>
+                </a:solidFill>
+                <a:effectLst/>
+                <a:latin typeface="Arial" pitchFamily="34" charset="0"/>
+                <a:cs typeface="Arial" pitchFamily="34" charset="0"/>
+              </a:rPr>
+              <a:t> </a:t>
+            </a:r>
+            <a:endParaRPr kumimoji="0" lang="ru-RU" altLang="ru-RU" sz="1800" b="0" i="0" u="none" strike="noStrike" cap="none" normalizeH="0" baseline="0" dirty="0" smtClean="0">
+              <a:ln>
+                <a:noFill/>
+              </a:ln>
+              <a:solidFill>
+                <a:schemeClr val="tx1"/>
+              </a:solidFill>
+              <a:effectLst/>
+              <a:latin typeface="Arial" pitchFamily="34" charset="0"/>
+              <a:cs typeface="Arial" pitchFamily="34" charset="0"/>
+            </a:endParaRPr>
+          </a:p>
+        </p:txBody>
+      </p:sp>
+      <p:sp>
+        <p:nvSpPr>
+          <p:cNvPr id="3" name="Rectangle 3"/>
+          <p:cNvSpPr>
+            <a:spLocks noChangeArrowheads="1"/>
+          </p:cNvSpPr>
+          <p:nvPr/>
+        </p:nvSpPr>
+        <p:spPr bwMode="auto">
+          <a:xfrm>
+            <a:off x="2591271" y="5562600"/>
+            <a:ext cx="1905971" cy="338554"/>
+          </a:xfrm>
+          <a:prstGeom prst="rect">
+            <a:avLst/>
+          </a:prstGeom>
+          <a:solidFill>
+            <a:srgbClr val="F5F2F0"/>
+          </a:solidFill>
+          <a:ln>
+            <a:noFill/>
+          </a:ln>
+          <a:effectLst/>
+          <a:extLst>
+            <a:ext uri="{91240B29-F687-4F45-9708-019B960494DF}">
+              <a14:hiddenLine xmlns:a14="http://schemas.microsoft.com/office/drawing/2010/main" w="9525">
+                <a:solidFill>
+                  <a:schemeClr val="tx1"/>
+                </a:solidFill>
+                <a:miter lim="800000"/>
+                <a:headEnd/>
+                <a:tailEnd/>
+              </a14:hiddenLine>
+            </a:ext>
+            <a:ext uri="{AF507438-7753-43E0-B8FC-AC1667EBCBE1}">
+              <a14:hiddenEffects xmlns:a14="http://schemas.microsoft.com/office/drawing/2010/main">
+                <a:effectLst>
+                  <a:outerShdw dist="35921" dir="2700000" algn="ctr" rotWithShape="0">
+                    <a:schemeClr val="bg2"/>
+                  </a:outerShdw>
+                </a:effectLst>
+              </a14:hiddenEffects>
+            </a:ext>
+          </a:extLst>
+        </p:spPr>
+        <p:txBody>
+          <a:bodyPr vert="horz" wrap="none" lIns="0" tIns="0" rIns="0" bIns="0" numCol="1" anchor="ctr" anchorCtr="0" compatLnSpc="1">
+            <a:prstTxWarp prst="textNoShape">
+              <a:avLst/>
+            </a:prstTxWarp>
+            <a:spAutoFit/>
+          </a:bodyPr>
+          <a:lstStyle/>
+          <a:p>
+            <a:pPr marL="0" marR="0" lvl="0" indent="0" algn="l" defTabSz="914400" rtl="0" eaLnBrk="1" fontAlgn="base" latinLnBrk="0" hangingPunct="1">
+              <a:lnSpc>
+                <a:spcPct val="100000"/>
+              </a:lnSpc>
+              <a:spcBef>
+                <a:spcPct val="0"/>
+              </a:spcBef>
+              <a:spcAft>
+                <a:spcPct val="0"/>
+              </a:spcAft>
+              <a:buClrTx/>
+              <a:buSzTx/>
+              <a:buFontTx/>
+              <a:buNone/>
+              <a:tabLst/>
+            </a:pPr>
+            <a:r>
+              <a:rPr kumimoji="0" lang="ru-RU" altLang="ru-RU" sz="1100" b="0" i="0" u="none" strike="noStrike" cap="none" normalizeH="0" baseline="0" dirty="0" smtClean="0">
+                <a:ln>
+                  <a:noFill/>
+                </a:ln>
+                <a:solidFill>
+                  <a:srgbClr val="0077AA"/>
+                </a:solidFill>
+                <a:effectLst/>
+                <a:latin typeface="Courier New" pitchFamily="49" charset="0"/>
+                <a:cs typeface="Courier New" pitchFamily="49" charset="0"/>
+              </a:rPr>
+              <a:t>var</a:t>
+            </a:r>
+            <a:r>
+              <a:rPr kumimoji="0" lang="ru-RU" altLang="ru-RU" sz="1100" b="0" i="0" u="none" strike="noStrike" cap="none" normalizeH="0" baseline="0" dirty="0" smtClean="0">
+                <a:ln>
+                  <a:noFill/>
+                </a:ln>
+                <a:solidFill>
+                  <a:srgbClr val="000000"/>
+                </a:solidFill>
+                <a:effectLst/>
+                <a:latin typeface="Consolas" pitchFamily="49" charset="0"/>
+                <a:cs typeface="Consolas" pitchFamily="49" charset="0"/>
+              </a:rPr>
+              <a:t> a </a:t>
+            </a:r>
+            <a:r>
+              <a:rPr kumimoji="0" lang="ru-RU" altLang="ru-RU" sz="1100" b="0" i="0" u="none" strike="noStrike" cap="none" normalizeH="0" baseline="0" dirty="0" smtClean="0">
+                <a:ln>
+                  <a:noFill/>
+                </a:ln>
+                <a:solidFill>
+                  <a:srgbClr val="A67F59"/>
+                </a:solidFill>
+                <a:effectLst/>
+                <a:latin typeface="Courier New" pitchFamily="49" charset="0"/>
+                <a:cs typeface="Courier New" pitchFamily="49" charset="0"/>
+              </a:rPr>
+              <a:t>=</a:t>
+            </a:r>
+            <a:r>
+              <a:rPr kumimoji="0" lang="ru-RU" altLang="ru-RU" sz="1100" b="0" i="0" u="none" strike="noStrike" cap="none" normalizeH="0" baseline="0" dirty="0" smtClean="0">
+                <a:ln>
+                  <a:noFill/>
+                </a:ln>
+                <a:solidFill>
+                  <a:srgbClr val="000000"/>
+                </a:solidFill>
+                <a:effectLst/>
+                <a:latin typeface="Consolas" pitchFamily="49" charset="0"/>
+                <a:cs typeface="Consolas" pitchFamily="49" charset="0"/>
+              </a:rPr>
+              <a:t> </a:t>
+            </a:r>
+            <a:r>
+              <a:rPr kumimoji="0" lang="ru-RU" altLang="ru-RU" sz="1100" b="0" i="0" u="none" strike="noStrike" cap="none" normalizeH="0" baseline="0" dirty="0" smtClean="0">
+                <a:ln>
+                  <a:noFill/>
+                </a:ln>
+                <a:solidFill>
+                  <a:srgbClr val="0077AA"/>
+                </a:solidFill>
+                <a:effectLst/>
+                <a:latin typeface="Courier New" pitchFamily="49" charset="0"/>
+                <a:cs typeface="Courier New" pitchFamily="49" charset="0"/>
+              </a:rPr>
+              <a:t>function</a:t>
+            </a:r>
+            <a:r>
+              <a:rPr kumimoji="0" lang="ru-RU" altLang="ru-RU" sz="1100" b="0" i="0" u="none" strike="noStrike" cap="none" normalizeH="0" baseline="0" dirty="0" smtClean="0">
+                <a:ln>
+                  <a:noFill/>
+                </a:ln>
+                <a:solidFill>
+                  <a:srgbClr val="999999"/>
+                </a:solidFill>
+                <a:effectLst/>
+                <a:latin typeface="Courier New" pitchFamily="49" charset="0"/>
+                <a:cs typeface="Courier New" pitchFamily="49" charset="0"/>
+              </a:rPr>
+              <a:t>()</a:t>
+            </a:r>
+            <a:r>
+              <a:rPr kumimoji="0" lang="ru-RU" altLang="ru-RU" sz="1100" b="0" i="0" u="none" strike="noStrike" cap="none" normalizeH="0" baseline="0" dirty="0" smtClean="0">
+                <a:ln>
+                  <a:noFill/>
+                </a:ln>
+                <a:solidFill>
+                  <a:srgbClr val="000000"/>
+                </a:solidFill>
+                <a:effectLst/>
+                <a:latin typeface="Consolas" pitchFamily="49" charset="0"/>
+                <a:cs typeface="Consolas" pitchFamily="49" charset="0"/>
+              </a:rPr>
+              <a:t> </a:t>
+            </a:r>
+            <a:r>
+              <a:rPr kumimoji="0" lang="ru-RU" altLang="ru-RU" sz="1100" b="0" i="0" u="none" strike="noStrike" cap="none" normalizeH="0" baseline="0" dirty="0" smtClean="0">
+                <a:ln>
+                  <a:noFill/>
+                </a:ln>
+                <a:solidFill>
+                  <a:srgbClr val="999999"/>
+                </a:solidFill>
+                <a:effectLst/>
+                <a:latin typeface="Courier New" pitchFamily="49" charset="0"/>
+                <a:cs typeface="Courier New" pitchFamily="49" charset="0"/>
+              </a:rPr>
+              <a:t>{};</a:t>
+            </a:r>
+            <a:r>
+              <a:rPr kumimoji="0" lang="ru-RU" altLang="ru-RU" sz="1100" b="0" i="0" u="none" strike="noStrike" cap="none" normalizeH="0" baseline="0" dirty="0" smtClean="0">
+                <a:ln>
+                  <a:noFill/>
+                </a:ln>
+                <a:solidFill>
+                  <a:srgbClr val="000000"/>
+                </a:solidFill>
+                <a:effectLst/>
+                <a:latin typeface="Consolas" pitchFamily="49" charset="0"/>
+                <a:cs typeface="Consolas" pitchFamily="49" charset="0"/>
+              </a:rPr>
+              <a:t> </a:t>
+            </a:r>
+            <a:endParaRPr kumimoji="0" lang="en-US" altLang="ru-RU" sz="1100" b="0" i="0" u="none" strike="noStrike" cap="none" normalizeH="0" baseline="0" dirty="0" smtClean="0">
+              <a:ln>
+                <a:noFill/>
+              </a:ln>
+              <a:solidFill>
+                <a:srgbClr val="000000"/>
+              </a:solidFill>
+              <a:effectLst/>
+              <a:latin typeface="Consolas" pitchFamily="49" charset="0"/>
+              <a:cs typeface="Consolas" pitchFamily="49" charset="0"/>
+            </a:endParaRPr>
+          </a:p>
+          <a:p>
+            <a:pPr marL="0" marR="0" lvl="0" indent="0" algn="l" defTabSz="914400" rtl="0" eaLnBrk="1" fontAlgn="base" latinLnBrk="0" hangingPunct="1">
+              <a:lnSpc>
+                <a:spcPct val="100000"/>
+              </a:lnSpc>
+              <a:spcBef>
+                <a:spcPct val="0"/>
+              </a:spcBef>
+              <a:spcAft>
+                <a:spcPct val="0"/>
+              </a:spcAft>
+              <a:buClrTx/>
+              <a:buSzTx/>
+              <a:buFontTx/>
+              <a:buNone/>
+              <a:tabLst/>
+            </a:pPr>
+            <a:r>
+              <a:rPr kumimoji="0" lang="ru-RU" altLang="ru-RU" sz="1100" b="0" i="0" u="none" strike="noStrike" cap="none" normalizeH="0" baseline="0" dirty="0" smtClean="0">
+                <a:ln>
+                  <a:noFill/>
+                </a:ln>
+                <a:solidFill>
+                  <a:srgbClr val="000000"/>
+                </a:solidFill>
+                <a:effectLst/>
+                <a:latin typeface="Consolas" pitchFamily="49" charset="0"/>
+                <a:cs typeface="Consolas" pitchFamily="49" charset="0"/>
+              </a:rPr>
+              <a:t>a</a:t>
+            </a:r>
+            <a:r>
+              <a:rPr kumimoji="0" lang="ru-RU" altLang="ru-RU" sz="1100" b="0" i="0" u="none" strike="noStrike" cap="none" normalizeH="0" baseline="0" dirty="0" smtClean="0">
+                <a:ln>
+                  <a:noFill/>
+                </a:ln>
+                <a:solidFill>
+                  <a:srgbClr val="999999"/>
+                </a:solidFill>
+                <a:effectLst/>
+                <a:latin typeface="Courier New" pitchFamily="49" charset="0"/>
+                <a:cs typeface="Courier New" pitchFamily="49" charset="0"/>
+              </a:rPr>
+              <a:t>.</a:t>
+            </a:r>
+            <a:r>
+              <a:rPr kumimoji="0" lang="ru-RU" altLang="ru-RU" sz="1100" b="0" i="0" u="none" strike="noStrike" cap="none" normalizeH="0" baseline="0" dirty="0" smtClean="0">
+                <a:ln>
+                  <a:noFill/>
+                </a:ln>
+                <a:solidFill>
+                  <a:srgbClr val="000000"/>
+                </a:solidFill>
+                <a:effectLst/>
+                <a:latin typeface="Consolas" pitchFamily="49" charset="0"/>
+                <a:cs typeface="Consolas" pitchFamily="49" charset="0"/>
+              </a:rPr>
+              <a:t>b </a:t>
+            </a:r>
+            <a:r>
+              <a:rPr kumimoji="0" lang="ru-RU" altLang="ru-RU" sz="1100" b="0" i="0" u="none" strike="noStrike" cap="none" normalizeH="0" baseline="0" dirty="0" smtClean="0">
+                <a:ln>
+                  <a:noFill/>
+                </a:ln>
+                <a:solidFill>
+                  <a:srgbClr val="A67F59"/>
+                </a:solidFill>
+                <a:effectLst/>
+                <a:latin typeface="Courier New" pitchFamily="49" charset="0"/>
+                <a:cs typeface="Courier New" pitchFamily="49" charset="0"/>
+              </a:rPr>
+              <a:t>=</a:t>
+            </a:r>
+            <a:r>
+              <a:rPr kumimoji="0" lang="ru-RU" altLang="ru-RU" sz="1100" b="0" i="0" u="none" strike="noStrike" cap="none" normalizeH="0" baseline="0" dirty="0" smtClean="0">
+                <a:ln>
+                  <a:noFill/>
+                </a:ln>
+                <a:solidFill>
+                  <a:srgbClr val="000000"/>
+                </a:solidFill>
+                <a:effectLst/>
+                <a:latin typeface="Consolas" pitchFamily="49" charset="0"/>
+                <a:cs typeface="Consolas" pitchFamily="49" charset="0"/>
+              </a:rPr>
+              <a:t> </a:t>
+            </a:r>
+            <a:r>
+              <a:rPr kumimoji="0" lang="ru-RU" altLang="ru-RU" sz="1100" b="0" i="0" u="none" strike="noStrike" cap="none" normalizeH="0" baseline="0" dirty="0" smtClean="0">
+                <a:ln>
+                  <a:noFill/>
+                </a:ln>
+                <a:solidFill>
+                  <a:srgbClr val="669900"/>
+                </a:solidFill>
+                <a:effectLst/>
+                <a:latin typeface="Courier New" pitchFamily="49" charset="0"/>
+                <a:cs typeface="Courier New" pitchFamily="49" charset="0"/>
+              </a:rPr>
+              <a:t>'hello'</a:t>
+            </a:r>
+            <a:r>
+              <a:rPr kumimoji="0" lang="ru-RU" altLang="ru-RU" sz="1100" b="0" i="0" u="none" strike="noStrike" cap="none" normalizeH="0" baseline="0" dirty="0" smtClean="0">
+                <a:ln>
+                  <a:noFill/>
+                </a:ln>
+                <a:solidFill>
+                  <a:srgbClr val="999999"/>
+                </a:solidFill>
+                <a:effectLst/>
+                <a:latin typeface="Courier New" pitchFamily="49" charset="0"/>
+                <a:cs typeface="Courier New" pitchFamily="49" charset="0"/>
+              </a:rPr>
+              <a:t>;</a:t>
+            </a:r>
+            <a:r>
+              <a:rPr kumimoji="0" lang="ru-RU" altLang="ru-RU" sz="600" b="0" i="0" u="none" strike="noStrike" cap="none" normalizeH="0" baseline="0" dirty="0" smtClean="0">
+                <a:ln>
+                  <a:noFill/>
+                </a:ln>
+                <a:solidFill>
+                  <a:schemeClr val="tx1"/>
+                </a:solidFill>
+                <a:effectLst/>
+                <a:latin typeface="Arial" pitchFamily="34" charset="0"/>
+                <a:cs typeface="Arial" pitchFamily="34" charset="0"/>
+              </a:rPr>
+              <a:t> </a:t>
+            </a:r>
+            <a:endParaRPr kumimoji="0" lang="ru-RU" altLang="ru-RU" sz="1800" b="0" i="0" u="none" strike="noStrike" cap="none" normalizeH="0" baseline="0" dirty="0" smtClean="0">
+              <a:ln>
+                <a:noFill/>
+              </a:ln>
+              <a:solidFill>
+                <a:schemeClr val="tx1"/>
+              </a:solidFill>
+              <a:effectLst/>
+              <a:latin typeface="Arial" pitchFamily="34" charset="0"/>
+              <a:cs typeface="Arial" pitchFamily="34" charset="0"/>
+            </a:endParaRPr>
+          </a:p>
+        </p:txBody>
+      </p:sp>
+      <p:sp>
+        <p:nvSpPr>
+          <p:cNvPr id="9" name="TextBox 8"/>
+          <p:cNvSpPr txBox="1"/>
+          <p:nvPr/>
+        </p:nvSpPr>
+        <p:spPr>
+          <a:xfrm>
+            <a:off x="5781124" y="4989147"/>
+            <a:ext cx="1676400" cy="307777"/>
+          </a:xfrm>
+          <a:prstGeom prst="rect">
+            <a:avLst/>
+          </a:prstGeom>
+          <a:noFill/>
+        </p:spPr>
+        <p:txBody>
+          <a:bodyPr wrap="square" rtlCol="0">
+            <a:spAutoFit/>
+          </a:bodyPr>
+          <a:lstStyle/>
+          <a:p>
+            <a:r>
+              <a:rPr lang="en-US" sz="1400" dirty="0" smtClean="0"/>
+              <a:t>is it</a:t>
+            </a:r>
+            <a:r>
+              <a:rPr lang="en-US" sz="1400" dirty="0" smtClean="0"/>
+              <a:t> ok?</a:t>
+            </a:r>
+            <a:endParaRPr lang="en-US" sz="1400" dirty="0"/>
+          </a:p>
+        </p:txBody>
+      </p:sp>
+      <p:sp>
+        <p:nvSpPr>
+          <p:cNvPr id="10" name="TextBox 9"/>
+          <p:cNvSpPr txBox="1"/>
+          <p:nvPr/>
+        </p:nvSpPr>
+        <p:spPr>
+          <a:xfrm>
+            <a:off x="4897582" y="5593377"/>
+            <a:ext cx="1676400" cy="307777"/>
+          </a:xfrm>
+          <a:prstGeom prst="rect">
+            <a:avLst/>
+          </a:prstGeom>
+          <a:noFill/>
+        </p:spPr>
+        <p:txBody>
+          <a:bodyPr wrap="square" rtlCol="0">
+            <a:spAutoFit/>
+          </a:bodyPr>
+          <a:lstStyle/>
+          <a:p>
+            <a:r>
+              <a:rPr lang="en-US" sz="1400" dirty="0" smtClean="0"/>
+              <a:t>and this??</a:t>
+            </a:r>
+            <a:endParaRPr lang="en-US" sz="1400" dirty="0"/>
+          </a:p>
+        </p:txBody>
+      </p:sp>
+      <p:sp>
+        <p:nvSpPr>
+          <p:cNvPr id="11" name="TextBox 10"/>
+          <p:cNvSpPr txBox="1"/>
+          <p:nvPr/>
+        </p:nvSpPr>
+        <p:spPr>
+          <a:xfrm rot="19914995">
+            <a:off x="1934708" y="5528742"/>
+            <a:ext cx="388688" cy="307777"/>
+          </a:xfrm>
+          <a:prstGeom prst="rect">
+            <a:avLst/>
+          </a:prstGeom>
+          <a:noFill/>
+        </p:spPr>
+        <p:txBody>
+          <a:bodyPr wrap="square" rtlCol="0">
+            <a:spAutoFit/>
+          </a:bodyPr>
+          <a:lstStyle/>
+          <a:p>
+            <a:r>
+              <a:rPr lang="en-US" sz="1400" dirty="0" smtClean="0"/>
+              <a:t>?</a:t>
+            </a:r>
+            <a:endParaRPr lang="en-US" sz="1400" dirty="0"/>
+          </a:p>
+        </p:txBody>
+      </p:sp>
+      <p:sp>
+        <p:nvSpPr>
+          <p:cNvPr id="12" name="TextBox 11"/>
+          <p:cNvSpPr txBox="1"/>
+          <p:nvPr/>
+        </p:nvSpPr>
+        <p:spPr>
+          <a:xfrm rot="222270">
+            <a:off x="3615760" y="5951052"/>
+            <a:ext cx="388688" cy="307777"/>
+          </a:xfrm>
+          <a:prstGeom prst="rect">
+            <a:avLst/>
+          </a:prstGeom>
+          <a:noFill/>
+        </p:spPr>
+        <p:txBody>
+          <a:bodyPr wrap="square" rtlCol="0">
+            <a:spAutoFit/>
+          </a:bodyPr>
+          <a:lstStyle/>
+          <a:p>
+            <a:r>
+              <a:rPr lang="en-US" sz="1400" dirty="0" smtClean="0"/>
+              <a:t>?</a:t>
+            </a:r>
+            <a:endParaRPr lang="en-US" sz="1400" dirty="0"/>
+          </a:p>
+        </p:txBody>
+      </p:sp>
+      <p:sp>
+        <p:nvSpPr>
+          <p:cNvPr id="13" name="TextBox 12"/>
+          <p:cNvSpPr txBox="1"/>
+          <p:nvPr/>
+        </p:nvSpPr>
+        <p:spPr>
+          <a:xfrm rot="20365161">
+            <a:off x="2617811" y="5926533"/>
+            <a:ext cx="388688" cy="307777"/>
+          </a:xfrm>
+          <a:prstGeom prst="rect">
+            <a:avLst/>
+          </a:prstGeom>
+          <a:noFill/>
+        </p:spPr>
+        <p:txBody>
+          <a:bodyPr wrap="square" rtlCol="0">
+            <a:spAutoFit/>
+          </a:bodyPr>
+          <a:lstStyle/>
+          <a:p>
+            <a:r>
+              <a:rPr lang="en-US" sz="1400" dirty="0" smtClean="0"/>
+              <a:t>?</a:t>
+            </a:r>
+            <a:endParaRPr lang="en-US" sz="1400" dirty="0"/>
+          </a:p>
+        </p:txBody>
+      </p:sp>
+      <p:sp>
+        <p:nvSpPr>
+          <p:cNvPr id="17" name="TextBox 16"/>
+          <p:cNvSpPr txBox="1"/>
+          <p:nvPr/>
+        </p:nvSpPr>
+        <p:spPr>
+          <a:xfrm>
+            <a:off x="2022891" y="5848117"/>
+            <a:ext cx="388688" cy="307777"/>
+          </a:xfrm>
+          <a:prstGeom prst="rect">
+            <a:avLst/>
+          </a:prstGeom>
+          <a:noFill/>
+        </p:spPr>
+        <p:txBody>
+          <a:bodyPr wrap="square" rtlCol="0">
+            <a:spAutoFit/>
+          </a:bodyPr>
+          <a:lstStyle/>
+          <a:p>
+            <a:r>
+              <a:rPr lang="en-US" sz="1400" dirty="0" smtClean="0"/>
+              <a:t>?</a:t>
+            </a:r>
+            <a:endParaRPr lang="en-US" sz="1400" dirty="0"/>
+          </a:p>
+        </p:txBody>
+      </p:sp>
+      <p:sp>
+        <p:nvSpPr>
+          <p:cNvPr id="18" name="TextBox 17"/>
+          <p:cNvSpPr txBox="1"/>
+          <p:nvPr/>
+        </p:nvSpPr>
+        <p:spPr>
+          <a:xfrm>
+            <a:off x="2217235" y="5399623"/>
+            <a:ext cx="388688" cy="307777"/>
+          </a:xfrm>
+          <a:prstGeom prst="rect">
+            <a:avLst/>
+          </a:prstGeom>
+          <a:noFill/>
+        </p:spPr>
+        <p:txBody>
+          <a:bodyPr wrap="square" rtlCol="0">
+            <a:spAutoFit/>
+          </a:bodyPr>
+          <a:lstStyle/>
+          <a:p>
+            <a:r>
+              <a:rPr lang="en-US" sz="1400" dirty="0" smtClean="0"/>
+              <a:t>?</a:t>
+            </a:r>
+            <a:endParaRPr lang="en-US" sz="1400" dirty="0"/>
+          </a:p>
+        </p:txBody>
+      </p:sp>
+      <p:sp>
+        <p:nvSpPr>
+          <p:cNvPr id="19" name="TextBox 18"/>
+          <p:cNvSpPr txBox="1"/>
+          <p:nvPr/>
+        </p:nvSpPr>
+        <p:spPr>
+          <a:xfrm rot="388425">
+            <a:off x="4467895" y="5389166"/>
+            <a:ext cx="388688" cy="307777"/>
+          </a:xfrm>
+          <a:prstGeom prst="rect">
+            <a:avLst/>
+          </a:prstGeom>
+          <a:noFill/>
+        </p:spPr>
+        <p:txBody>
+          <a:bodyPr wrap="square" rtlCol="0">
+            <a:spAutoFit/>
+          </a:bodyPr>
+          <a:lstStyle/>
+          <a:p>
+            <a:r>
+              <a:rPr lang="en-US" sz="1400" dirty="0" smtClean="0"/>
+              <a:t>?</a:t>
+            </a:r>
+            <a:endParaRPr lang="en-US" sz="1400" dirty="0"/>
+          </a:p>
+        </p:txBody>
+      </p:sp>
+      <p:sp>
+        <p:nvSpPr>
+          <p:cNvPr id="20" name="TextBox 19"/>
+          <p:cNvSpPr txBox="1"/>
+          <p:nvPr/>
+        </p:nvSpPr>
+        <p:spPr>
+          <a:xfrm rot="741824">
+            <a:off x="4638569" y="5537768"/>
+            <a:ext cx="388688" cy="307777"/>
+          </a:xfrm>
+          <a:prstGeom prst="rect">
+            <a:avLst/>
+          </a:prstGeom>
+          <a:noFill/>
+        </p:spPr>
+        <p:txBody>
+          <a:bodyPr wrap="square" rtlCol="0">
+            <a:spAutoFit/>
+          </a:bodyPr>
+          <a:lstStyle/>
+          <a:p>
+            <a:r>
+              <a:rPr lang="en-US" sz="1400" dirty="0" smtClean="0"/>
+              <a:t>?</a:t>
+            </a:r>
+            <a:endParaRPr lang="en-US" sz="1400" dirty="0"/>
+          </a:p>
+        </p:txBody>
+      </p:sp>
+      <p:sp>
+        <p:nvSpPr>
+          <p:cNvPr id="21" name="TextBox 20"/>
+          <p:cNvSpPr txBox="1"/>
+          <p:nvPr/>
+        </p:nvSpPr>
+        <p:spPr>
+          <a:xfrm rot="2360207">
+            <a:off x="4550758" y="5747267"/>
+            <a:ext cx="388688" cy="307777"/>
+          </a:xfrm>
+          <a:prstGeom prst="rect">
+            <a:avLst/>
+          </a:prstGeom>
+          <a:noFill/>
+        </p:spPr>
+        <p:txBody>
+          <a:bodyPr wrap="square" rtlCol="0">
+            <a:spAutoFit/>
+          </a:bodyPr>
+          <a:lstStyle/>
+          <a:p>
+            <a:r>
+              <a:rPr lang="en-US" sz="1400" dirty="0" smtClean="0"/>
+              <a:t>?</a:t>
+            </a:r>
+            <a:endParaRPr lang="en-US" sz="1400" dirty="0"/>
+          </a:p>
+        </p:txBody>
+      </p:sp>
+      <p:sp>
+        <p:nvSpPr>
+          <p:cNvPr id="22" name="TextBox 21"/>
+          <p:cNvSpPr txBox="1"/>
+          <p:nvPr/>
+        </p:nvSpPr>
+        <p:spPr>
+          <a:xfrm>
+            <a:off x="6573982" y="5588178"/>
+            <a:ext cx="1676400" cy="307777"/>
+          </a:xfrm>
+          <a:prstGeom prst="rect">
+            <a:avLst/>
+          </a:prstGeom>
+          <a:noFill/>
+        </p:spPr>
+        <p:txBody>
+          <a:bodyPr wrap="square" rtlCol="0">
+            <a:spAutoFit/>
+          </a:bodyPr>
+          <a:lstStyle/>
+          <a:p>
+            <a:r>
+              <a:rPr lang="en-US" sz="1400" dirty="0" smtClean="0"/>
+              <a:t>functions are object</a:t>
+            </a:r>
+            <a:endParaRPr lang="en-US" sz="1400" dirty="0"/>
+          </a:p>
+        </p:txBody>
+      </p:sp>
+      <p:cxnSp>
+        <p:nvCxnSpPr>
+          <p:cNvPr id="7" name="Straight Arrow Connector 6"/>
+          <p:cNvCxnSpPr/>
+          <p:nvPr/>
+        </p:nvCxnSpPr>
+        <p:spPr>
+          <a:xfrm flipV="1">
+            <a:off x="5867400" y="5731877"/>
+            <a:ext cx="609600" cy="15388"/>
+          </a:xfrm>
+          <a:prstGeom prst="straightConnector1">
+            <a:avLst/>
+          </a:prstGeom>
+          <a:ln>
+            <a:tailEnd type="arrow"/>
+          </a:ln>
+        </p:spPr>
+        <p:style>
+          <a:lnRef idx="1">
+            <a:schemeClr val="accent1"/>
+          </a:lnRef>
+          <a:fillRef idx="0">
+            <a:schemeClr val="accent1"/>
+          </a:fillRef>
+          <a:effectRef idx="0">
+            <a:schemeClr val="accent1"/>
+          </a:effectRef>
+          <a:fontRef idx="minor">
+            <a:schemeClr val="tx1"/>
+          </a:fontRef>
+        </p:style>
+      </p:cxnSp>
+      <p:sp>
+        <p:nvSpPr>
+          <p:cNvPr id="23" name="TextBox 22"/>
+          <p:cNvSpPr txBox="1"/>
+          <p:nvPr/>
+        </p:nvSpPr>
+        <p:spPr>
+          <a:xfrm>
+            <a:off x="6619324" y="5883589"/>
+            <a:ext cx="1676400" cy="276999"/>
+          </a:xfrm>
+          <a:prstGeom prst="rect">
+            <a:avLst/>
+          </a:prstGeom>
+          <a:noFill/>
+        </p:spPr>
+        <p:txBody>
+          <a:bodyPr wrap="square" rtlCol="0">
+            <a:spAutoFit/>
+          </a:bodyPr>
+          <a:lstStyle/>
+          <a:p>
+            <a:r>
+              <a:rPr lang="en-US" sz="1200" dirty="0" smtClean="0"/>
+              <a:t>(first class citizens)</a:t>
+            </a:r>
+            <a:endParaRPr lang="en-US" sz="1200" dirty="0"/>
+          </a:p>
+        </p:txBody>
+      </p:sp>
+      <p:sp>
+        <p:nvSpPr>
+          <p:cNvPr id="8" name="Rectangle 4"/>
+          <p:cNvSpPr>
+            <a:spLocks noChangeArrowheads="1"/>
+          </p:cNvSpPr>
+          <p:nvPr/>
+        </p:nvSpPr>
+        <p:spPr bwMode="auto">
+          <a:xfrm>
+            <a:off x="5334000" y="1937206"/>
+            <a:ext cx="3050515" cy="1862048"/>
+          </a:xfrm>
+          <a:prstGeom prst="rect">
+            <a:avLst/>
+          </a:prstGeom>
+          <a:solidFill>
+            <a:srgbClr val="F5F2F0"/>
+          </a:solidFill>
+          <a:ln>
+            <a:noFill/>
+          </a:ln>
+          <a:effectLst/>
+          <a:extLst>
+            <a:ext uri="{91240B29-F687-4F45-9708-019B960494DF}">
+              <a14:hiddenLine xmlns:a14="http://schemas.microsoft.com/office/drawing/2010/main" w="9525">
+                <a:solidFill>
+                  <a:schemeClr val="tx1"/>
+                </a:solidFill>
+                <a:miter lim="800000"/>
+                <a:headEnd/>
+                <a:tailEnd/>
+              </a14:hiddenLine>
+            </a:ext>
+            <a:ext uri="{AF507438-7753-43E0-B8FC-AC1667EBCBE1}">
+              <a14:hiddenEffects xmlns:a14="http://schemas.microsoft.com/office/drawing/2010/main">
+                <a:effectLst>
+                  <a:outerShdw dist="35921" dir="2700000" algn="ctr" rotWithShape="0">
+                    <a:schemeClr val="bg2"/>
+                  </a:outerShdw>
+                </a:effectLst>
+              </a14:hiddenEffects>
+            </a:ext>
+          </a:extLst>
+        </p:spPr>
+        <p:txBody>
+          <a:bodyPr vert="horz" wrap="none" lIns="0" tIns="0" rIns="0" bIns="0" numCol="1" anchor="ctr" anchorCtr="0" compatLnSpc="1">
+            <a:prstTxWarp prst="textNoShape">
+              <a:avLst/>
+            </a:prstTxWarp>
+            <a:spAutoFit/>
+          </a:bodyPr>
+          <a:lstStyle/>
+          <a:p>
+            <a:pPr marL="0" marR="0" lvl="0" indent="0" algn="l" defTabSz="914400" rtl="0" eaLnBrk="1" fontAlgn="base" latinLnBrk="0" hangingPunct="1">
+              <a:lnSpc>
+                <a:spcPct val="100000"/>
+              </a:lnSpc>
+              <a:spcBef>
+                <a:spcPct val="0"/>
+              </a:spcBef>
+              <a:spcAft>
+                <a:spcPct val="0"/>
+              </a:spcAft>
+              <a:buClrTx/>
+              <a:buSzTx/>
+              <a:buFontTx/>
+              <a:buNone/>
+              <a:tabLst/>
+            </a:pPr>
+            <a:r>
+              <a:rPr kumimoji="0" lang="ru-RU" altLang="ru-RU" sz="1100" b="0" i="0" u="none" strike="noStrike" cap="none" normalizeH="0" baseline="0" dirty="0" smtClean="0">
+                <a:ln>
+                  <a:noFill/>
+                </a:ln>
+                <a:solidFill>
+                  <a:srgbClr val="0077AA"/>
+                </a:solidFill>
+                <a:effectLst/>
+                <a:latin typeface="Courier New" pitchFamily="49" charset="0"/>
+                <a:cs typeface="Courier New" pitchFamily="49" charset="0"/>
+              </a:rPr>
+              <a:t>function</a:t>
+            </a:r>
+            <a:r>
+              <a:rPr kumimoji="0" lang="ru-RU" altLang="ru-RU" sz="1100" b="0" i="0" u="none" strike="noStrike" cap="none" normalizeH="0" baseline="0" dirty="0" smtClean="0">
+                <a:ln>
+                  <a:noFill/>
+                </a:ln>
+                <a:solidFill>
+                  <a:srgbClr val="000000"/>
+                </a:solidFill>
+                <a:effectLst/>
+                <a:latin typeface="Consolas" pitchFamily="49" charset="0"/>
+                <a:cs typeface="Consolas" pitchFamily="49" charset="0"/>
+              </a:rPr>
+              <a:t> </a:t>
+            </a:r>
+            <a:r>
+              <a:rPr kumimoji="0" lang="ru-RU" altLang="ru-RU" sz="1100" b="0" i="0" u="none" strike="noStrike" cap="none" normalizeH="0" baseline="0" dirty="0" smtClean="0">
+                <a:ln>
+                  <a:noFill/>
+                </a:ln>
+                <a:solidFill>
+                  <a:srgbClr val="DD4A68"/>
+                </a:solidFill>
+                <a:effectLst/>
+                <a:latin typeface="Courier New" pitchFamily="49" charset="0"/>
+                <a:cs typeface="Courier New" pitchFamily="49" charset="0"/>
+              </a:rPr>
+              <a:t>doIfTrue</a:t>
+            </a:r>
+            <a:r>
+              <a:rPr kumimoji="0" lang="ru-RU" altLang="ru-RU" sz="1100" b="0" i="0" u="none" strike="noStrike" cap="none" normalizeH="0" baseline="0" dirty="0" smtClean="0">
+                <a:ln>
+                  <a:noFill/>
+                </a:ln>
+                <a:solidFill>
+                  <a:srgbClr val="999999"/>
+                </a:solidFill>
+                <a:effectLst/>
+                <a:latin typeface="Courier New" pitchFamily="49" charset="0"/>
+                <a:cs typeface="Courier New" pitchFamily="49" charset="0"/>
+              </a:rPr>
+              <a:t>(</a:t>
+            </a:r>
+            <a:r>
+              <a:rPr kumimoji="0" lang="ru-RU" altLang="ru-RU" sz="1100" b="0" i="0" u="none" strike="noStrike" cap="none" normalizeH="0" baseline="0" dirty="0" smtClean="0">
+                <a:ln>
+                  <a:noFill/>
+                </a:ln>
+                <a:solidFill>
+                  <a:srgbClr val="000000"/>
+                </a:solidFill>
+                <a:effectLst/>
+                <a:latin typeface="Consolas" pitchFamily="49" charset="0"/>
+                <a:cs typeface="Consolas" pitchFamily="49" charset="0"/>
+              </a:rPr>
+              <a:t>isTrue</a:t>
+            </a:r>
+            <a:r>
+              <a:rPr kumimoji="0" lang="ru-RU" altLang="ru-RU" sz="1100" b="0" i="0" u="none" strike="noStrike" cap="none" normalizeH="0" baseline="0" dirty="0" smtClean="0">
+                <a:ln>
+                  <a:noFill/>
+                </a:ln>
+                <a:solidFill>
+                  <a:srgbClr val="999999"/>
+                </a:solidFill>
+                <a:effectLst/>
+                <a:latin typeface="Courier New" pitchFamily="49" charset="0"/>
+                <a:cs typeface="Courier New" pitchFamily="49" charset="0"/>
+              </a:rPr>
+              <a:t>,</a:t>
+            </a:r>
+            <a:r>
+              <a:rPr kumimoji="0" lang="ru-RU" altLang="ru-RU" sz="1100" b="0" i="0" u="none" strike="noStrike" cap="none" normalizeH="0" baseline="0" dirty="0" smtClean="0">
+                <a:ln>
+                  <a:noFill/>
+                </a:ln>
+                <a:solidFill>
+                  <a:srgbClr val="000000"/>
+                </a:solidFill>
+                <a:effectLst/>
+                <a:latin typeface="Consolas" pitchFamily="49" charset="0"/>
+                <a:cs typeface="Consolas" pitchFamily="49" charset="0"/>
+              </a:rPr>
+              <a:t> whatToDo</a:t>
+            </a:r>
+            <a:r>
+              <a:rPr kumimoji="0" lang="ru-RU" altLang="ru-RU" sz="1100" b="0" i="0" u="none" strike="noStrike" cap="none" normalizeH="0" baseline="0" dirty="0" smtClean="0">
+                <a:ln>
+                  <a:noFill/>
+                </a:ln>
+                <a:solidFill>
+                  <a:srgbClr val="999999"/>
+                </a:solidFill>
+                <a:effectLst/>
+                <a:latin typeface="Courier New" pitchFamily="49" charset="0"/>
+                <a:cs typeface="Courier New" pitchFamily="49" charset="0"/>
+              </a:rPr>
+              <a:t>)</a:t>
+            </a:r>
+            <a:r>
+              <a:rPr kumimoji="0" lang="ru-RU" altLang="ru-RU" sz="1100" b="0" i="0" u="none" strike="noStrike" cap="none" normalizeH="0" baseline="0" dirty="0" smtClean="0">
+                <a:ln>
+                  <a:noFill/>
+                </a:ln>
+                <a:solidFill>
+                  <a:srgbClr val="000000"/>
+                </a:solidFill>
+                <a:effectLst/>
+                <a:latin typeface="Consolas" pitchFamily="49" charset="0"/>
+                <a:cs typeface="Consolas" pitchFamily="49" charset="0"/>
+              </a:rPr>
+              <a:t> </a:t>
+            </a:r>
+            <a:r>
+              <a:rPr kumimoji="0" lang="ru-RU" altLang="ru-RU" sz="1100" b="0" i="0" u="none" strike="noStrike" cap="none" normalizeH="0" baseline="0" dirty="0" smtClean="0">
+                <a:ln>
+                  <a:noFill/>
+                </a:ln>
+                <a:solidFill>
+                  <a:srgbClr val="999999"/>
+                </a:solidFill>
+                <a:effectLst/>
+                <a:latin typeface="Courier New" pitchFamily="49" charset="0"/>
+                <a:cs typeface="Courier New" pitchFamily="49" charset="0"/>
+              </a:rPr>
+              <a:t>{</a:t>
+            </a:r>
+            <a:endParaRPr kumimoji="0" lang="en-US" altLang="ru-RU" sz="1100" b="0" i="0" u="none" strike="noStrike" cap="none" normalizeH="0" baseline="0" dirty="0" smtClean="0">
+              <a:ln>
+                <a:noFill/>
+              </a:ln>
+              <a:solidFill>
+                <a:srgbClr val="999999"/>
+              </a:solidFill>
+              <a:effectLst/>
+              <a:latin typeface="Courier New" pitchFamily="49" charset="0"/>
+              <a:cs typeface="Courier New" pitchFamily="49" charset="0"/>
+            </a:endParaRPr>
+          </a:p>
+          <a:p>
+            <a:pPr lvl="0" fontAlgn="base">
+              <a:spcBef>
+                <a:spcPct val="0"/>
+              </a:spcBef>
+              <a:spcAft>
+                <a:spcPct val="0"/>
+              </a:spcAft>
+            </a:pPr>
+            <a:r>
+              <a:rPr lang="en-US" altLang="ru-RU" sz="1100" dirty="0">
+                <a:solidFill>
+                  <a:srgbClr val="000000"/>
+                </a:solidFill>
+                <a:latin typeface="Consolas" pitchFamily="49" charset="0"/>
+                <a:cs typeface="Consolas" pitchFamily="49" charset="0"/>
+              </a:rPr>
+              <a:t> </a:t>
+            </a:r>
+            <a:r>
+              <a:rPr lang="en-US" altLang="ru-RU" sz="1100" dirty="0" smtClean="0">
+                <a:solidFill>
+                  <a:srgbClr val="000000"/>
+                </a:solidFill>
+                <a:latin typeface="Consolas" pitchFamily="49" charset="0"/>
+                <a:cs typeface="Consolas" pitchFamily="49" charset="0"/>
+              </a:rPr>
+              <a:t> </a:t>
+            </a:r>
+            <a:r>
+              <a:rPr kumimoji="0" lang="ru-RU" altLang="ru-RU" sz="1100" b="0" i="0" u="none" strike="noStrike" cap="none" normalizeH="0" baseline="0" dirty="0" smtClean="0">
+                <a:ln>
+                  <a:noFill/>
+                </a:ln>
+                <a:solidFill>
+                  <a:srgbClr val="0077AA"/>
+                </a:solidFill>
+                <a:effectLst/>
+                <a:latin typeface="Courier New" pitchFamily="49" charset="0"/>
+                <a:cs typeface="Courier New" pitchFamily="49" charset="0"/>
+              </a:rPr>
+              <a:t>if</a:t>
+            </a:r>
+            <a:r>
+              <a:rPr kumimoji="0" lang="ru-RU" altLang="ru-RU" sz="1100" b="0" i="0" u="none" strike="noStrike" cap="none" normalizeH="0" baseline="0" dirty="0" smtClean="0">
+                <a:ln>
+                  <a:noFill/>
+                </a:ln>
+                <a:solidFill>
+                  <a:srgbClr val="999999"/>
+                </a:solidFill>
+                <a:effectLst/>
+                <a:latin typeface="Courier New" pitchFamily="49" charset="0"/>
+                <a:cs typeface="Courier New" pitchFamily="49" charset="0"/>
+              </a:rPr>
+              <a:t>(</a:t>
+            </a:r>
+            <a:r>
+              <a:rPr kumimoji="0" lang="ru-RU" altLang="ru-RU" sz="1100" b="0" i="0" u="none" strike="noStrike" cap="none" normalizeH="0" baseline="0" dirty="0" smtClean="0">
+                <a:ln>
+                  <a:noFill/>
+                </a:ln>
+                <a:solidFill>
+                  <a:srgbClr val="000000"/>
+                </a:solidFill>
+                <a:effectLst/>
+                <a:latin typeface="Consolas" pitchFamily="49" charset="0"/>
+                <a:cs typeface="Consolas" pitchFamily="49" charset="0"/>
+              </a:rPr>
+              <a:t>isTrue</a:t>
+            </a:r>
+            <a:r>
+              <a:rPr kumimoji="0" lang="ru-RU" altLang="ru-RU" sz="1100" b="0" i="0" u="none" strike="noStrike" cap="none" normalizeH="0" baseline="0" dirty="0" smtClean="0">
+                <a:ln>
+                  <a:noFill/>
+                </a:ln>
+                <a:solidFill>
+                  <a:srgbClr val="999999"/>
+                </a:solidFill>
+                <a:effectLst/>
+                <a:latin typeface="Courier New" pitchFamily="49" charset="0"/>
+                <a:cs typeface="Courier New" pitchFamily="49" charset="0"/>
+              </a:rPr>
+              <a:t>)</a:t>
+            </a:r>
+            <a:r>
+              <a:rPr kumimoji="0" lang="ru-RU" altLang="ru-RU" sz="1100" b="0" i="0" u="none" strike="noStrike" cap="none" normalizeH="0" baseline="0" dirty="0" smtClean="0">
+                <a:ln>
+                  <a:noFill/>
+                </a:ln>
+                <a:solidFill>
+                  <a:srgbClr val="000000"/>
+                </a:solidFill>
+                <a:effectLst/>
+                <a:latin typeface="Consolas" pitchFamily="49" charset="0"/>
+                <a:cs typeface="Consolas" pitchFamily="49" charset="0"/>
+              </a:rPr>
+              <a:t> </a:t>
+            </a:r>
+            <a:r>
+              <a:rPr lang="ru-RU" altLang="ru-RU" sz="1100" dirty="0">
+                <a:solidFill>
+                  <a:srgbClr val="999999"/>
+                </a:solidFill>
+                <a:latin typeface="Courier New" pitchFamily="49" charset="0"/>
+                <a:cs typeface="Courier New" pitchFamily="49" charset="0"/>
+              </a:rPr>
+              <a:t>{</a:t>
+            </a:r>
+            <a:endParaRPr kumimoji="0" lang="en-US" altLang="ru-RU" sz="1100" b="0" i="0" u="none" strike="noStrike" cap="none" normalizeH="0" baseline="0" dirty="0" smtClean="0">
+              <a:ln>
+                <a:noFill/>
+              </a:ln>
+              <a:solidFill>
+                <a:srgbClr val="000000"/>
+              </a:solidFill>
+              <a:effectLst/>
+              <a:latin typeface="Consolas" pitchFamily="49" charset="0"/>
+              <a:cs typeface="Consolas" pitchFamily="49" charset="0"/>
+            </a:endParaRPr>
+          </a:p>
+          <a:p>
+            <a:pPr marL="0" marR="0" lvl="0" indent="0" algn="l" defTabSz="914400" rtl="0" eaLnBrk="1" fontAlgn="base" latinLnBrk="0" hangingPunct="1">
+              <a:lnSpc>
+                <a:spcPct val="100000"/>
+              </a:lnSpc>
+              <a:spcBef>
+                <a:spcPct val="0"/>
+              </a:spcBef>
+              <a:spcAft>
+                <a:spcPct val="0"/>
+              </a:spcAft>
+              <a:buClrTx/>
+              <a:buSzTx/>
+              <a:buFontTx/>
+              <a:buNone/>
+              <a:tabLst/>
+            </a:pPr>
+            <a:r>
+              <a:rPr lang="en-US" altLang="ru-RU" sz="1100" dirty="0">
+                <a:solidFill>
+                  <a:srgbClr val="000000"/>
+                </a:solidFill>
+                <a:latin typeface="Consolas" pitchFamily="49" charset="0"/>
+                <a:cs typeface="Consolas" pitchFamily="49" charset="0"/>
+              </a:rPr>
+              <a:t> </a:t>
+            </a:r>
+            <a:r>
+              <a:rPr lang="en-US" altLang="ru-RU" sz="1100" dirty="0" smtClean="0">
+                <a:solidFill>
+                  <a:srgbClr val="000000"/>
+                </a:solidFill>
+                <a:latin typeface="Consolas" pitchFamily="49" charset="0"/>
+                <a:cs typeface="Consolas" pitchFamily="49" charset="0"/>
+              </a:rPr>
+              <a:t>    </a:t>
+            </a:r>
+            <a:r>
+              <a:rPr kumimoji="0" lang="ru-RU" altLang="ru-RU" sz="1100" b="0" i="0" u="none" strike="noStrike" cap="none" normalizeH="0" baseline="0" dirty="0" smtClean="0">
+                <a:ln>
+                  <a:noFill/>
+                </a:ln>
+                <a:solidFill>
+                  <a:srgbClr val="DD4A68"/>
+                </a:solidFill>
+                <a:effectLst/>
+                <a:latin typeface="Courier New" pitchFamily="49" charset="0"/>
+                <a:cs typeface="Courier New" pitchFamily="49" charset="0"/>
+              </a:rPr>
+              <a:t>whatToDo</a:t>
+            </a:r>
+            <a:r>
+              <a:rPr kumimoji="0" lang="ru-RU" altLang="ru-RU" sz="1100" b="0" i="0" u="none" strike="noStrike" cap="none" normalizeH="0" baseline="0" dirty="0" smtClean="0">
+                <a:ln>
+                  <a:noFill/>
+                </a:ln>
+                <a:solidFill>
+                  <a:srgbClr val="999999"/>
+                </a:solidFill>
+                <a:effectLst/>
+                <a:latin typeface="Courier New" pitchFamily="49" charset="0"/>
+                <a:cs typeface="Courier New" pitchFamily="49" charset="0"/>
+              </a:rPr>
+              <a:t>();</a:t>
+            </a:r>
+            <a:endParaRPr kumimoji="0" lang="en-US" altLang="ru-RU" sz="1100" b="0" i="0" u="none" strike="noStrike" cap="none" normalizeH="0" baseline="0" dirty="0" smtClean="0">
+              <a:ln>
+                <a:noFill/>
+              </a:ln>
+              <a:solidFill>
+                <a:srgbClr val="999999"/>
+              </a:solidFill>
+              <a:effectLst/>
+              <a:latin typeface="Courier New" pitchFamily="49" charset="0"/>
+              <a:cs typeface="Courier New" pitchFamily="49" charset="0"/>
+            </a:endParaRPr>
+          </a:p>
+          <a:p>
+            <a:pPr lvl="0" fontAlgn="base">
+              <a:spcBef>
+                <a:spcPct val="0"/>
+              </a:spcBef>
+              <a:spcAft>
+                <a:spcPct val="0"/>
+              </a:spcAft>
+            </a:pPr>
+            <a:r>
+              <a:rPr lang="en-US" altLang="ru-RU" sz="1100" dirty="0" smtClean="0">
+                <a:solidFill>
+                  <a:srgbClr val="999999"/>
+                </a:solidFill>
+                <a:latin typeface="Courier New" pitchFamily="49" charset="0"/>
+                <a:cs typeface="Courier New" pitchFamily="49" charset="0"/>
+              </a:rPr>
+              <a:t>  </a:t>
+            </a:r>
+            <a:r>
+              <a:rPr lang="ru-RU" altLang="ru-RU" sz="1100" dirty="0" smtClean="0">
+                <a:solidFill>
+                  <a:srgbClr val="999999"/>
+                </a:solidFill>
+                <a:latin typeface="Courier New" pitchFamily="49" charset="0"/>
+                <a:cs typeface="Courier New" pitchFamily="49" charset="0"/>
+              </a:rPr>
+              <a:t>}</a:t>
+            </a:r>
+            <a:endParaRPr kumimoji="0" lang="en-US" altLang="ru-RU" sz="1100" b="0" i="0" u="none" strike="noStrike" cap="none" normalizeH="0" baseline="0" dirty="0" smtClean="0">
+              <a:ln>
+                <a:noFill/>
+              </a:ln>
+              <a:solidFill>
+                <a:srgbClr val="999999"/>
+              </a:solidFill>
+              <a:effectLst/>
+              <a:latin typeface="Courier New" pitchFamily="49" charset="0"/>
+              <a:cs typeface="Courier New" pitchFamily="49" charset="0"/>
+            </a:endParaRPr>
+          </a:p>
+          <a:p>
+            <a:pPr marL="0" marR="0" lvl="0" indent="0" algn="l" defTabSz="914400" rtl="0" eaLnBrk="1" fontAlgn="base" latinLnBrk="0" hangingPunct="1">
+              <a:lnSpc>
+                <a:spcPct val="100000"/>
+              </a:lnSpc>
+              <a:spcBef>
+                <a:spcPct val="0"/>
+              </a:spcBef>
+              <a:spcAft>
+                <a:spcPct val="0"/>
+              </a:spcAft>
+              <a:buClrTx/>
+              <a:buSzTx/>
+              <a:buFontTx/>
+              <a:buNone/>
+              <a:tabLst/>
+            </a:pPr>
+            <a:r>
+              <a:rPr kumimoji="0" lang="ru-RU" altLang="ru-RU" sz="1100" b="0" i="0" u="none" strike="noStrike" cap="none" normalizeH="0" baseline="0" dirty="0" smtClean="0">
+                <a:ln>
+                  <a:noFill/>
+                </a:ln>
+                <a:solidFill>
+                  <a:srgbClr val="999999"/>
+                </a:solidFill>
+                <a:effectLst/>
+                <a:latin typeface="Courier New" pitchFamily="49" charset="0"/>
+                <a:cs typeface="Courier New" pitchFamily="49" charset="0"/>
+              </a:rPr>
+              <a:t>}</a:t>
+            </a:r>
+            <a:r>
+              <a:rPr kumimoji="0" lang="ru-RU" altLang="ru-RU" sz="1100" b="0" i="0" u="none" strike="noStrike" cap="none" normalizeH="0" baseline="0" dirty="0" smtClean="0">
+                <a:ln>
+                  <a:noFill/>
+                </a:ln>
+                <a:solidFill>
+                  <a:srgbClr val="000000"/>
+                </a:solidFill>
+                <a:effectLst/>
+                <a:latin typeface="Consolas" pitchFamily="49" charset="0"/>
+                <a:cs typeface="Consolas" pitchFamily="49" charset="0"/>
+              </a:rPr>
+              <a:t> </a:t>
+            </a:r>
+            <a:endParaRPr kumimoji="0" lang="en-US" altLang="ru-RU" sz="1100" b="0" i="0" u="none" strike="noStrike" cap="none" normalizeH="0" baseline="0" dirty="0" smtClean="0">
+              <a:ln>
+                <a:noFill/>
+              </a:ln>
+              <a:solidFill>
+                <a:srgbClr val="000000"/>
+              </a:solidFill>
+              <a:effectLst/>
+              <a:latin typeface="Consolas" pitchFamily="49" charset="0"/>
+              <a:cs typeface="Consolas" pitchFamily="49" charset="0"/>
+            </a:endParaRPr>
+          </a:p>
+          <a:p>
+            <a:pPr marL="0" marR="0" lvl="0" indent="0" algn="l" defTabSz="914400" rtl="0" eaLnBrk="1" fontAlgn="base" latinLnBrk="0" hangingPunct="1">
+              <a:lnSpc>
+                <a:spcPct val="100000"/>
+              </a:lnSpc>
+              <a:spcBef>
+                <a:spcPct val="0"/>
+              </a:spcBef>
+              <a:spcAft>
+                <a:spcPct val="0"/>
+              </a:spcAft>
+              <a:buClrTx/>
+              <a:buSzTx/>
+              <a:buFontTx/>
+              <a:buNone/>
+              <a:tabLst/>
+            </a:pPr>
+            <a:r>
+              <a:rPr kumimoji="0" lang="ru-RU" altLang="ru-RU" sz="1100" b="0" i="0" u="none" strike="noStrike" cap="none" normalizeH="0" baseline="0" dirty="0" smtClean="0">
+                <a:ln>
+                  <a:noFill/>
+                </a:ln>
+                <a:solidFill>
+                  <a:srgbClr val="DD4A68"/>
+                </a:solidFill>
+                <a:effectLst/>
+                <a:latin typeface="Courier New" pitchFamily="49" charset="0"/>
+                <a:cs typeface="Courier New" pitchFamily="49" charset="0"/>
+              </a:rPr>
+              <a:t>doIfTrue</a:t>
+            </a:r>
+            <a:r>
+              <a:rPr kumimoji="0" lang="ru-RU" altLang="ru-RU" sz="1100" b="0" i="0" u="none" strike="noStrike" cap="none" normalizeH="0" baseline="0" dirty="0" smtClean="0">
+                <a:ln>
+                  <a:noFill/>
+                </a:ln>
+                <a:solidFill>
+                  <a:srgbClr val="999999"/>
+                </a:solidFill>
+                <a:effectLst/>
+                <a:latin typeface="Courier New" pitchFamily="49" charset="0"/>
+                <a:cs typeface="Courier New" pitchFamily="49" charset="0"/>
+              </a:rPr>
+              <a:t>(</a:t>
+            </a:r>
+            <a:r>
+              <a:rPr kumimoji="0" lang="ru-RU" altLang="ru-RU" sz="1100" b="0" i="0" u="none" strike="noStrike" cap="none" normalizeH="0" baseline="0" dirty="0" smtClean="0">
+                <a:ln>
+                  <a:noFill/>
+                </a:ln>
+                <a:solidFill>
+                  <a:srgbClr val="990055"/>
+                </a:solidFill>
+                <a:effectLst/>
+                <a:latin typeface="Courier New" pitchFamily="49" charset="0"/>
+                <a:cs typeface="Courier New" pitchFamily="49" charset="0"/>
+              </a:rPr>
+              <a:t>true</a:t>
+            </a:r>
+            <a:r>
+              <a:rPr kumimoji="0" lang="ru-RU" altLang="ru-RU" sz="1100" b="0" i="0" u="none" strike="noStrike" cap="none" normalizeH="0" baseline="0" dirty="0" smtClean="0">
+                <a:ln>
+                  <a:noFill/>
+                </a:ln>
+                <a:solidFill>
+                  <a:srgbClr val="999999"/>
+                </a:solidFill>
+                <a:effectLst/>
+                <a:latin typeface="Courier New" pitchFamily="49" charset="0"/>
+                <a:cs typeface="Courier New" pitchFamily="49" charset="0"/>
+              </a:rPr>
+              <a:t>,</a:t>
+            </a:r>
+            <a:r>
+              <a:rPr kumimoji="0" lang="ru-RU" altLang="ru-RU" sz="1100" b="0" i="0" u="none" strike="noStrike" cap="none" normalizeH="0" baseline="0" dirty="0" smtClean="0">
+                <a:ln>
+                  <a:noFill/>
+                </a:ln>
+                <a:solidFill>
+                  <a:srgbClr val="000000"/>
+                </a:solidFill>
+                <a:effectLst/>
+                <a:latin typeface="Consolas" pitchFamily="49" charset="0"/>
+                <a:cs typeface="Consolas" pitchFamily="49" charset="0"/>
+              </a:rPr>
+              <a:t> </a:t>
+            </a:r>
+            <a:r>
+              <a:rPr kumimoji="0" lang="ru-RU" altLang="ru-RU" sz="1100" b="0" i="0" u="none" strike="noStrike" cap="none" normalizeH="0" baseline="0" dirty="0" smtClean="0">
+                <a:ln>
+                  <a:noFill/>
+                </a:ln>
+                <a:solidFill>
+                  <a:srgbClr val="0077AA"/>
+                </a:solidFill>
+                <a:effectLst/>
+                <a:latin typeface="Courier New" pitchFamily="49" charset="0"/>
+                <a:cs typeface="Courier New" pitchFamily="49" charset="0"/>
+              </a:rPr>
+              <a:t>function</a:t>
+            </a:r>
+            <a:r>
+              <a:rPr kumimoji="0" lang="ru-RU" altLang="ru-RU" sz="1100" b="0" i="0" u="none" strike="noStrike" cap="none" normalizeH="0" baseline="0" dirty="0" smtClean="0">
+                <a:ln>
+                  <a:noFill/>
+                </a:ln>
+                <a:solidFill>
+                  <a:srgbClr val="999999"/>
+                </a:solidFill>
+                <a:effectLst/>
+                <a:latin typeface="Courier New" pitchFamily="49" charset="0"/>
+                <a:cs typeface="Courier New" pitchFamily="49" charset="0"/>
+              </a:rPr>
+              <a:t>()</a:t>
+            </a:r>
+            <a:r>
+              <a:rPr kumimoji="0" lang="ru-RU" altLang="ru-RU" sz="1100" b="0" i="0" u="none" strike="noStrike" cap="none" normalizeH="0" baseline="0" dirty="0" smtClean="0">
+                <a:ln>
+                  <a:noFill/>
+                </a:ln>
+                <a:solidFill>
+                  <a:srgbClr val="000000"/>
+                </a:solidFill>
+                <a:effectLst/>
+                <a:latin typeface="Consolas" pitchFamily="49" charset="0"/>
+                <a:cs typeface="Consolas" pitchFamily="49" charset="0"/>
+              </a:rPr>
+              <a:t> </a:t>
+            </a:r>
+            <a:r>
+              <a:rPr kumimoji="0" lang="ru-RU" altLang="ru-RU" sz="1100" b="0" i="0" u="none" strike="noStrike" cap="none" normalizeH="0" baseline="0" dirty="0" smtClean="0">
+                <a:ln>
+                  <a:noFill/>
+                </a:ln>
+                <a:solidFill>
+                  <a:srgbClr val="999999"/>
+                </a:solidFill>
+                <a:effectLst/>
+                <a:latin typeface="Courier New" pitchFamily="49" charset="0"/>
+                <a:cs typeface="Courier New" pitchFamily="49" charset="0"/>
+              </a:rPr>
+              <a:t>{</a:t>
+            </a:r>
+            <a:endParaRPr kumimoji="0" lang="en-US" altLang="ru-RU" sz="1100" b="0" i="0" u="none" strike="noStrike" cap="none" normalizeH="0" baseline="0" dirty="0" smtClean="0">
+              <a:ln>
+                <a:noFill/>
+              </a:ln>
+              <a:solidFill>
+                <a:srgbClr val="999999"/>
+              </a:solidFill>
+              <a:effectLst/>
+              <a:latin typeface="Courier New" pitchFamily="49" charset="0"/>
+              <a:cs typeface="Courier New" pitchFamily="49" charset="0"/>
+            </a:endParaRPr>
+          </a:p>
+          <a:p>
+            <a:pPr fontAlgn="base">
+              <a:spcBef>
+                <a:spcPct val="0"/>
+              </a:spcBef>
+              <a:spcAft>
+                <a:spcPct val="0"/>
+              </a:spcAft>
+            </a:pPr>
+            <a:r>
+              <a:rPr lang="en-US" altLang="ru-RU" sz="1100" dirty="0">
+                <a:solidFill>
+                  <a:srgbClr val="999999"/>
+                </a:solidFill>
+                <a:latin typeface="Courier New" pitchFamily="49" charset="0"/>
+                <a:cs typeface="Courier New" pitchFamily="49" charset="0"/>
+              </a:rPr>
+              <a:t> </a:t>
+            </a:r>
+            <a:r>
+              <a:rPr lang="en-US" altLang="ru-RU" sz="1100" dirty="0" smtClean="0">
+                <a:solidFill>
+                  <a:srgbClr val="999999"/>
+                </a:solidFill>
+                <a:latin typeface="Courier New" pitchFamily="49" charset="0"/>
+                <a:cs typeface="Courier New" pitchFamily="49" charset="0"/>
+              </a:rPr>
+              <a:t> </a:t>
+            </a:r>
+            <a:r>
+              <a:rPr kumimoji="0" lang="ru-RU" altLang="ru-RU" sz="1100" b="0" i="0" u="none" strike="noStrike" cap="none" normalizeH="0" baseline="0" dirty="0" smtClean="0">
+                <a:ln>
+                  <a:noFill/>
+                </a:ln>
+                <a:solidFill>
+                  <a:srgbClr val="DD4A68"/>
+                </a:solidFill>
+                <a:effectLst/>
+                <a:latin typeface="Courier New" pitchFamily="49" charset="0"/>
+                <a:cs typeface="Courier New" pitchFamily="49" charset="0"/>
+              </a:rPr>
+              <a:t>alert</a:t>
+            </a:r>
+            <a:r>
+              <a:rPr kumimoji="0" lang="ru-RU" altLang="ru-RU" sz="1100" b="0" i="0" u="none" strike="noStrike" cap="none" normalizeH="0" baseline="0" dirty="0" smtClean="0">
+                <a:ln>
+                  <a:noFill/>
+                </a:ln>
+                <a:solidFill>
+                  <a:srgbClr val="999999"/>
+                </a:solidFill>
+                <a:effectLst/>
+                <a:latin typeface="Courier New" pitchFamily="49" charset="0"/>
+                <a:cs typeface="Courier New" pitchFamily="49" charset="0"/>
+              </a:rPr>
+              <a:t>(</a:t>
+            </a:r>
+            <a:r>
+              <a:rPr kumimoji="0" lang="ru-RU" altLang="ru-RU" sz="1100" b="0" i="0" u="none" strike="noStrike" cap="none" normalizeH="0" baseline="0" dirty="0" smtClean="0">
+                <a:ln>
+                  <a:noFill/>
+                </a:ln>
+                <a:solidFill>
+                  <a:srgbClr val="669900"/>
+                </a:solidFill>
+                <a:effectLst/>
+                <a:latin typeface="Courier New" pitchFamily="49" charset="0"/>
+                <a:cs typeface="Courier New" pitchFamily="49" charset="0"/>
+              </a:rPr>
+              <a:t>'hello'</a:t>
+            </a:r>
+            <a:r>
+              <a:rPr kumimoji="0" lang="ru-RU" altLang="ru-RU" sz="1100" b="0" i="0" u="none" strike="noStrike" cap="none" normalizeH="0" baseline="0" dirty="0" smtClean="0">
+                <a:ln>
+                  <a:noFill/>
+                </a:ln>
+                <a:solidFill>
+                  <a:srgbClr val="999999"/>
+                </a:solidFill>
+                <a:effectLst/>
+                <a:latin typeface="Courier New" pitchFamily="49" charset="0"/>
+                <a:cs typeface="Courier New" pitchFamily="49" charset="0"/>
+              </a:rPr>
+              <a:t>);</a:t>
+            </a:r>
+            <a:r>
+              <a:rPr lang="ru-RU" altLang="ru-RU" sz="1100" dirty="0">
+                <a:solidFill>
+                  <a:srgbClr val="708090"/>
+                </a:solidFill>
+                <a:latin typeface="Courier New" pitchFamily="49" charset="0"/>
+                <a:cs typeface="Courier New" pitchFamily="49" charset="0"/>
+              </a:rPr>
+              <a:t> // alerts "world"</a:t>
+            </a:r>
+            <a:r>
+              <a:rPr lang="ru-RU" altLang="ru-RU" sz="1100" dirty="0">
+                <a:solidFill>
+                  <a:srgbClr val="000000"/>
+                </a:solidFill>
+                <a:latin typeface="Consolas" pitchFamily="49" charset="0"/>
+                <a:cs typeface="Consolas" pitchFamily="49" charset="0"/>
+              </a:rPr>
+              <a:t> </a:t>
+            </a:r>
+            <a:endParaRPr lang="en-US" altLang="ru-RU" sz="1100" dirty="0">
+              <a:solidFill>
+                <a:srgbClr val="000000"/>
+              </a:solidFill>
+              <a:latin typeface="Consolas" pitchFamily="49" charset="0"/>
+              <a:cs typeface="Consolas" pitchFamily="49" charset="0"/>
+            </a:endParaRPr>
+          </a:p>
+          <a:p>
+            <a:pPr marL="0" marR="0" lvl="0" indent="0" algn="l" defTabSz="914400" rtl="0" eaLnBrk="1" fontAlgn="base" latinLnBrk="0" hangingPunct="1">
+              <a:lnSpc>
+                <a:spcPct val="100000"/>
+              </a:lnSpc>
+              <a:spcBef>
+                <a:spcPct val="0"/>
+              </a:spcBef>
+              <a:spcAft>
+                <a:spcPct val="0"/>
+              </a:spcAft>
+              <a:buClrTx/>
+              <a:buSzTx/>
+              <a:buFontTx/>
+              <a:buNone/>
+              <a:tabLst/>
+            </a:pPr>
+            <a:r>
+              <a:rPr kumimoji="0" lang="ru-RU" altLang="ru-RU" sz="1100" b="0" i="0" u="none" strike="noStrike" cap="none" normalizeH="0" baseline="0" dirty="0" smtClean="0">
+                <a:ln>
+                  <a:noFill/>
+                </a:ln>
+                <a:solidFill>
+                  <a:srgbClr val="999999"/>
+                </a:solidFill>
+                <a:effectLst/>
+                <a:latin typeface="Courier New" pitchFamily="49" charset="0"/>
+                <a:cs typeface="Courier New" pitchFamily="49" charset="0"/>
+              </a:rPr>
+              <a:t>});</a:t>
+            </a:r>
+            <a:endParaRPr kumimoji="0" lang="en-US" altLang="ru-RU" sz="1100" b="0" i="0" u="none" strike="noStrike" cap="none" normalizeH="0" baseline="0" dirty="0" smtClean="0">
+              <a:ln>
+                <a:noFill/>
+              </a:ln>
+              <a:solidFill>
+                <a:srgbClr val="999999"/>
+              </a:solidFill>
+              <a:effectLst/>
+              <a:latin typeface="Courier New" pitchFamily="49" charset="0"/>
+              <a:cs typeface="Courier New" pitchFamily="49" charset="0"/>
+            </a:endParaRPr>
+          </a:p>
+          <a:p>
+            <a:pPr marL="0" marR="0" lvl="0" indent="0" algn="l" defTabSz="914400" rtl="0" eaLnBrk="1" fontAlgn="base" latinLnBrk="0" hangingPunct="1">
+              <a:lnSpc>
+                <a:spcPct val="100000"/>
+              </a:lnSpc>
+              <a:spcBef>
+                <a:spcPct val="0"/>
+              </a:spcBef>
+              <a:spcAft>
+                <a:spcPct val="0"/>
+              </a:spcAft>
+              <a:buClrTx/>
+              <a:buSzTx/>
+              <a:buFontTx/>
+              <a:buNone/>
+              <a:tabLst/>
+            </a:pPr>
+            <a:r>
+              <a:rPr kumimoji="0" lang="ru-RU" altLang="ru-RU" sz="1100" b="0" i="0" u="none" strike="noStrike" cap="none" normalizeH="0" baseline="0" dirty="0" smtClean="0">
+                <a:ln>
+                  <a:noFill/>
+                </a:ln>
+                <a:solidFill>
+                  <a:srgbClr val="DD4A68"/>
+                </a:solidFill>
+                <a:effectLst/>
+                <a:latin typeface="Courier New" pitchFamily="49" charset="0"/>
+                <a:cs typeface="Courier New" pitchFamily="49" charset="0"/>
+              </a:rPr>
+              <a:t>doIfTrue</a:t>
+            </a:r>
+            <a:r>
+              <a:rPr kumimoji="0" lang="ru-RU" altLang="ru-RU" sz="1100" b="0" i="0" u="none" strike="noStrike" cap="none" normalizeH="0" baseline="0" dirty="0" smtClean="0">
+                <a:ln>
+                  <a:noFill/>
+                </a:ln>
+                <a:solidFill>
+                  <a:srgbClr val="999999"/>
+                </a:solidFill>
+                <a:effectLst/>
+                <a:latin typeface="Courier New" pitchFamily="49" charset="0"/>
+                <a:cs typeface="Courier New" pitchFamily="49" charset="0"/>
+              </a:rPr>
+              <a:t>(</a:t>
+            </a:r>
+            <a:r>
+              <a:rPr kumimoji="0" lang="ru-RU" altLang="ru-RU" sz="1100" b="0" i="0" u="none" strike="noStrike" cap="none" normalizeH="0" baseline="0" dirty="0" smtClean="0">
+                <a:ln>
+                  <a:noFill/>
+                </a:ln>
+                <a:solidFill>
+                  <a:srgbClr val="990055"/>
+                </a:solidFill>
+                <a:effectLst/>
+                <a:latin typeface="Courier New" pitchFamily="49" charset="0"/>
+                <a:cs typeface="Courier New" pitchFamily="49" charset="0"/>
+              </a:rPr>
+              <a:t>false</a:t>
+            </a:r>
+            <a:r>
+              <a:rPr kumimoji="0" lang="ru-RU" altLang="ru-RU" sz="1100" b="0" i="0" u="none" strike="noStrike" cap="none" normalizeH="0" baseline="0" dirty="0" smtClean="0">
+                <a:ln>
+                  <a:noFill/>
+                </a:ln>
+                <a:solidFill>
+                  <a:srgbClr val="999999"/>
+                </a:solidFill>
+                <a:effectLst/>
+                <a:latin typeface="Courier New" pitchFamily="49" charset="0"/>
+                <a:cs typeface="Courier New" pitchFamily="49" charset="0"/>
+              </a:rPr>
+              <a:t>,</a:t>
+            </a:r>
+            <a:r>
+              <a:rPr kumimoji="0" lang="ru-RU" altLang="ru-RU" sz="1100" b="0" i="0" u="none" strike="noStrike" cap="none" normalizeH="0" baseline="0" dirty="0" smtClean="0">
+                <a:ln>
+                  <a:noFill/>
+                </a:ln>
+                <a:solidFill>
+                  <a:srgbClr val="000000"/>
+                </a:solidFill>
+                <a:effectLst/>
+                <a:latin typeface="Consolas" pitchFamily="49" charset="0"/>
+                <a:cs typeface="Consolas" pitchFamily="49" charset="0"/>
+              </a:rPr>
+              <a:t> </a:t>
+            </a:r>
+            <a:r>
+              <a:rPr kumimoji="0" lang="ru-RU" altLang="ru-RU" sz="1100" b="0" i="0" u="none" strike="noStrike" cap="none" normalizeH="0" baseline="0" dirty="0" smtClean="0">
+                <a:ln>
+                  <a:noFill/>
+                </a:ln>
+                <a:solidFill>
+                  <a:srgbClr val="0077AA"/>
+                </a:solidFill>
+                <a:effectLst/>
+                <a:latin typeface="Courier New" pitchFamily="49" charset="0"/>
+                <a:cs typeface="Courier New" pitchFamily="49" charset="0"/>
+              </a:rPr>
+              <a:t>function</a:t>
+            </a:r>
+            <a:r>
+              <a:rPr kumimoji="0" lang="ru-RU" altLang="ru-RU" sz="1100" b="0" i="0" u="none" strike="noStrike" cap="none" normalizeH="0" baseline="0" dirty="0" smtClean="0">
+                <a:ln>
+                  <a:noFill/>
+                </a:ln>
+                <a:solidFill>
+                  <a:srgbClr val="999999"/>
+                </a:solidFill>
+                <a:effectLst/>
+                <a:latin typeface="Courier New" pitchFamily="49" charset="0"/>
+                <a:cs typeface="Courier New" pitchFamily="49" charset="0"/>
+              </a:rPr>
+              <a:t>()</a:t>
+            </a:r>
+            <a:r>
+              <a:rPr kumimoji="0" lang="ru-RU" altLang="ru-RU" sz="1100" b="0" i="0" u="none" strike="noStrike" cap="none" normalizeH="0" baseline="0" dirty="0" smtClean="0">
+                <a:ln>
+                  <a:noFill/>
+                </a:ln>
+                <a:solidFill>
+                  <a:srgbClr val="000000"/>
+                </a:solidFill>
+                <a:effectLst/>
+                <a:latin typeface="Consolas" pitchFamily="49" charset="0"/>
+                <a:cs typeface="Consolas" pitchFamily="49" charset="0"/>
+              </a:rPr>
+              <a:t> </a:t>
+            </a:r>
+            <a:r>
+              <a:rPr kumimoji="0" lang="ru-RU" altLang="ru-RU" sz="1100" b="0" i="0" u="none" strike="noStrike" cap="none" normalizeH="0" baseline="0" dirty="0" smtClean="0">
+                <a:ln>
+                  <a:noFill/>
+                </a:ln>
+                <a:solidFill>
+                  <a:srgbClr val="999999"/>
+                </a:solidFill>
+                <a:effectLst/>
+                <a:latin typeface="Courier New" pitchFamily="49" charset="0"/>
+                <a:cs typeface="Courier New" pitchFamily="49" charset="0"/>
+              </a:rPr>
+              <a:t>{</a:t>
+            </a:r>
+            <a:endParaRPr kumimoji="0" lang="en-US" altLang="ru-RU" sz="1100" b="0" i="0" u="none" strike="noStrike" cap="none" normalizeH="0" baseline="0" dirty="0" smtClean="0">
+              <a:ln>
+                <a:noFill/>
+              </a:ln>
+              <a:solidFill>
+                <a:srgbClr val="999999"/>
+              </a:solidFill>
+              <a:effectLst/>
+              <a:latin typeface="Courier New" pitchFamily="49" charset="0"/>
+              <a:cs typeface="Courier New" pitchFamily="49" charset="0"/>
+            </a:endParaRPr>
+          </a:p>
+          <a:p>
+            <a:pPr lvl="0" fontAlgn="base">
+              <a:spcBef>
+                <a:spcPct val="0"/>
+              </a:spcBef>
+              <a:spcAft>
+                <a:spcPct val="0"/>
+              </a:spcAft>
+            </a:pPr>
+            <a:r>
+              <a:rPr lang="en-US" altLang="ru-RU" sz="1100" dirty="0">
+                <a:solidFill>
+                  <a:srgbClr val="999999"/>
+                </a:solidFill>
+                <a:latin typeface="Courier New" pitchFamily="49" charset="0"/>
+                <a:cs typeface="Courier New" pitchFamily="49" charset="0"/>
+              </a:rPr>
+              <a:t> </a:t>
+            </a:r>
+            <a:r>
+              <a:rPr lang="en-US" altLang="ru-RU" sz="1100" dirty="0" smtClean="0">
+                <a:solidFill>
+                  <a:srgbClr val="999999"/>
+                </a:solidFill>
+                <a:latin typeface="Courier New" pitchFamily="49" charset="0"/>
+                <a:cs typeface="Courier New" pitchFamily="49" charset="0"/>
+              </a:rPr>
+              <a:t> </a:t>
+            </a:r>
+            <a:r>
+              <a:rPr kumimoji="0" lang="ru-RU" altLang="ru-RU" sz="1100" b="0" i="0" u="none" strike="noStrike" cap="none" normalizeH="0" baseline="0" dirty="0" smtClean="0">
+                <a:ln>
+                  <a:noFill/>
+                </a:ln>
+                <a:solidFill>
+                  <a:srgbClr val="DD4A68"/>
+                </a:solidFill>
+                <a:effectLst/>
+                <a:latin typeface="Courier New" pitchFamily="49" charset="0"/>
+                <a:cs typeface="Courier New" pitchFamily="49" charset="0"/>
+              </a:rPr>
+              <a:t>alert</a:t>
+            </a:r>
+            <a:r>
+              <a:rPr kumimoji="0" lang="ru-RU" altLang="ru-RU" sz="1100" b="0" i="0" u="none" strike="noStrike" cap="none" normalizeH="0" baseline="0" dirty="0" smtClean="0">
+                <a:ln>
+                  <a:noFill/>
+                </a:ln>
+                <a:solidFill>
+                  <a:srgbClr val="999999"/>
+                </a:solidFill>
+                <a:effectLst/>
+                <a:latin typeface="Courier New" pitchFamily="49" charset="0"/>
+                <a:cs typeface="Courier New" pitchFamily="49" charset="0"/>
+              </a:rPr>
+              <a:t>(</a:t>
+            </a:r>
+            <a:r>
+              <a:rPr kumimoji="0" lang="ru-RU" altLang="ru-RU" sz="1100" b="0" i="0" u="none" strike="noStrike" cap="none" normalizeH="0" baseline="0" dirty="0" smtClean="0">
+                <a:ln>
+                  <a:noFill/>
+                </a:ln>
+                <a:solidFill>
+                  <a:srgbClr val="669900"/>
+                </a:solidFill>
+                <a:effectLst/>
+                <a:latin typeface="Courier New" pitchFamily="49" charset="0"/>
+                <a:cs typeface="Courier New" pitchFamily="49" charset="0"/>
+              </a:rPr>
+              <a:t>'world'</a:t>
+            </a:r>
+            <a:r>
+              <a:rPr kumimoji="0" lang="ru-RU" altLang="ru-RU" sz="1100" b="0" i="0" u="none" strike="noStrike" cap="none" normalizeH="0" baseline="0" dirty="0" smtClean="0">
+                <a:ln>
+                  <a:noFill/>
+                </a:ln>
+                <a:solidFill>
+                  <a:srgbClr val="999999"/>
+                </a:solidFill>
+                <a:effectLst/>
+                <a:latin typeface="Courier New" pitchFamily="49" charset="0"/>
+                <a:cs typeface="Courier New" pitchFamily="49" charset="0"/>
+              </a:rPr>
+              <a:t>);</a:t>
+            </a:r>
+            <a:r>
+              <a:rPr kumimoji="0" lang="ru-RU" altLang="ru-RU" sz="1100" b="0" i="0" u="none" strike="noStrike" cap="none" normalizeH="0" baseline="0" dirty="0" smtClean="0">
+                <a:ln>
+                  <a:noFill/>
+                </a:ln>
+                <a:solidFill>
+                  <a:srgbClr val="000000"/>
+                </a:solidFill>
+                <a:effectLst/>
+                <a:latin typeface="Consolas" pitchFamily="49" charset="0"/>
+                <a:cs typeface="Consolas" pitchFamily="49" charset="0"/>
+              </a:rPr>
+              <a:t> </a:t>
+            </a:r>
+            <a:r>
+              <a:rPr kumimoji="0" lang="ru-RU" altLang="ru-RU" sz="1100" b="0" i="0" u="none" strike="noStrike" cap="none" normalizeH="0" baseline="0" dirty="0" smtClean="0">
+                <a:ln>
+                  <a:noFill/>
+                </a:ln>
+                <a:solidFill>
+                  <a:srgbClr val="708090"/>
+                </a:solidFill>
+                <a:effectLst/>
+                <a:latin typeface="Courier New" pitchFamily="49" charset="0"/>
+                <a:cs typeface="Courier New" pitchFamily="49" charset="0"/>
+              </a:rPr>
+              <a:t>// does nothing</a:t>
+            </a:r>
+            <a:endParaRPr kumimoji="0" lang="en-US" altLang="ru-RU" sz="1100" b="0" i="0" u="none" strike="noStrike" cap="none" normalizeH="0" baseline="0" dirty="0" smtClean="0">
+              <a:ln>
+                <a:noFill/>
+              </a:ln>
+              <a:solidFill>
+                <a:srgbClr val="708090"/>
+              </a:solidFill>
+              <a:effectLst/>
+              <a:latin typeface="Courier New" pitchFamily="49" charset="0"/>
+              <a:cs typeface="Courier New" pitchFamily="49" charset="0"/>
+            </a:endParaRPr>
+          </a:p>
+          <a:p>
+            <a:pPr lvl="0" fontAlgn="base">
+              <a:spcBef>
+                <a:spcPct val="0"/>
+              </a:spcBef>
+              <a:spcAft>
+                <a:spcPct val="0"/>
+              </a:spcAft>
+            </a:pPr>
+            <a:r>
+              <a:rPr lang="ru-RU" altLang="ru-RU" sz="1100" dirty="0" smtClean="0">
+                <a:solidFill>
+                  <a:srgbClr val="999999"/>
+                </a:solidFill>
+                <a:latin typeface="Courier New" pitchFamily="49" charset="0"/>
+                <a:cs typeface="Courier New" pitchFamily="49" charset="0"/>
+              </a:rPr>
+              <a:t>});</a:t>
+            </a:r>
+            <a:endParaRPr kumimoji="0" lang="en-US" altLang="ru-RU" sz="1100" b="0" i="0" u="none" strike="noStrike" cap="none" normalizeH="0" baseline="0" dirty="0" smtClean="0">
+              <a:ln>
+                <a:noFill/>
+              </a:ln>
+              <a:solidFill>
+                <a:srgbClr val="708090"/>
+              </a:solidFill>
+              <a:effectLst/>
+              <a:latin typeface="Courier New" pitchFamily="49" charset="0"/>
+              <a:cs typeface="Courier New" pitchFamily="49" charset="0"/>
+            </a:endParaRPr>
+          </a:p>
+        </p:txBody>
+      </p:sp>
+      <p:cxnSp>
+        <p:nvCxnSpPr>
+          <p:cNvPr id="32" name="Straight Arrow Connector 31"/>
+          <p:cNvCxnSpPr/>
+          <p:nvPr/>
+        </p:nvCxnSpPr>
+        <p:spPr>
+          <a:xfrm flipH="1" flipV="1">
+            <a:off x="7010400" y="3899425"/>
+            <a:ext cx="458457" cy="1656854"/>
+          </a:xfrm>
+          <a:prstGeom prst="straightConnector1">
+            <a:avLst/>
+          </a:prstGeom>
+          <a:ln>
+            <a:tailEnd type="arrow"/>
+          </a:ln>
+        </p:spPr>
+        <p:style>
+          <a:lnRef idx="1">
+            <a:schemeClr val="accent1"/>
+          </a:lnRef>
+          <a:fillRef idx="0">
+            <a:schemeClr val="accent1"/>
+          </a:fillRef>
+          <a:effectRef idx="0">
+            <a:schemeClr val="accent1"/>
+          </a:effectRef>
+          <a:fontRef idx="minor">
+            <a:schemeClr val="tx1"/>
+          </a:fontRef>
+        </p:style>
+      </p:cxnSp>
+    </p:spTree>
+    <p:extLst>
+      <p:ext uri="{BB962C8B-B14F-4D97-AF65-F5344CB8AC3E}">
+        <p14:creationId xmlns:p14="http://schemas.microsoft.com/office/powerpoint/2010/main" val="1148697483"/>
+      </p:ext>
+    </p:extLst>
+  </p:cSld>
+  <p:clrMapOvr>
+    <a:masterClrMapping/>
+  </p:clrMapOvr>
+  <p:timing>
+    <p:tnLst>
+      <p:par>
+        <p:cTn id="1" dur="indefinite" restart="never" nodeType="tmRoot">
+          <p:childTnLst>
+            <p:seq concurrent="1" nextAc="seek">
+              <p:cTn id="2" dur="indefinite" nodeType="mainSeq">
+                <p:childTnLst>
+                  <p:par>
+                    <p:cTn id="3" fill="hold">
+                      <p:stCondLst>
+                        <p:cond delay="indefinite"/>
+                      </p:stCondLst>
+                      <p:childTnLst>
+                        <p:par>
+                          <p:cTn id="4" fill="hold">
+                            <p:stCondLst>
+                              <p:cond delay="0"/>
+                            </p:stCondLst>
+                            <p:childTnLst>
+                              <p:par>
+                                <p:cTn id="5" presetID="1" presetClass="entr" presetSubtype="0" fill="hold" grpId="0" nodeType="clickEffect">
+                                  <p:stCondLst>
+                                    <p:cond delay="0"/>
+                                  </p:stCondLst>
+                                  <p:childTnLst>
+                                    <p:set>
+                                      <p:cBhvr>
+                                        <p:cTn id="6" dur="1" fill="hold">
+                                          <p:stCondLst>
+                                            <p:cond delay="0"/>
+                                          </p:stCondLst>
+                                        </p:cTn>
+                                        <p:tgtEl>
+                                          <p:spTgt spid="14"/>
+                                        </p:tgtEl>
+                                        <p:attrNameLst>
+                                          <p:attrName>style.visibility</p:attrName>
+                                        </p:attrNameLst>
+                                      </p:cBhvr>
+                                      <p:to>
+                                        <p:strVal val="visible"/>
+                                      </p:to>
+                                    </p:set>
+                                  </p:childTnLst>
+                                </p:cTn>
+                              </p:par>
+                            </p:childTnLst>
+                          </p:cTn>
+                        </p:par>
+                      </p:childTnLst>
+                    </p:cTn>
+                  </p:par>
+                  <p:par>
+                    <p:cTn id="7" fill="hold">
+                      <p:stCondLst>
+                        <p:cond delay="indefinite"/>
+                      </p:stCondLst>
+                      <p:childTnLst>
+                        <p:par>
+                          <p:cTn id="8" fill="hold">
+                            <p:stCondLst>
+                              <p:cond delay="0"/>
+                            </p:stCondLst>
+                            <p:childTnLst>
+                              <p:par>
+                                <p:cTn id="9" presetID="1" presetClass="entr" presetSubtype="0" fill="hold" grpId="0" nodeType="clickEffect">
+                                  <p:stCondLst>
+                                    <p:cond delay="0"/>
+                                  </p:stCondLst>
+                                  <p:childTnLst>
+                                    <p:set>
+                                      <p:cBhvr>
+                                        <p:cTn id="10" dur="1" fill="hold">
+                                          <p:stCondLst>
+                                            <p:cond delay="0"/>
+                                          </p:stCondLst>
+                                        </p:cTn>
+                                        <p:tgtEl>
+                                          <p:spTgt spid="16"/>
+                                        </p:tgtEl>
+                                        <p:attrNameLst>
+                                          <p:attrName>style.visibility</p:attrName>
+                                        </p:attrNameLst>
+                                      </p:cBhvr>
+                                      <p:to>
+                                        <p:strVal val="visible"/>
+                                      </p:to>
+                                    </p:set>
+                                  </p:childTnLst>
+                                </p:cTn>
+                              </p:par>
+                            </p:childTnLst>
+                          </p:cTn>
+                        </p:par>
+                      </p:childTnLst>
+                    </p:cTn>
+                  </p:par>
+                  <p:par>
+                    <p:cTn id="11" fill="hold">
+                      <p:stCondLst>
+                        <p:cond delay="indefinite"/>
+                      </p:stCondLst>
+                      <p:childTnLst>
+                        <p:par>
+                          <p:cTn id="12" fill="hold">
+                            <p:stCondLst>
+                              <p:cond delay="0"/>
+                            </p:stCondLst>
+                            <p:childTnLst>
+                              <p:par>
+                                <p:cTn id="13" presetID="1" presetClass="entr" presetSubtype="0" fill="hold" grpId="0" nodeType="clickEffect">
+                                  <p:stCondLst>
+                                    <p:cond delay="0"/>
+                                  </p:stCondLst>
+                                  <p:childTnLst>
+                                    <p:set>
+                                      <p:cBhvr>
+                                        <p:cTn id="14" dur="1" fill="hold">
+                                          <p:stCondLst>
+                                            <p:cond delay="0"/>
+                                          </p:stCondLst>
+                                        </p:cTn>
+                                        <p:tgtEl>
+                                          <p:spTgt spid="15"/>
+                                        </p:tgtEl>
+                                        <p:attrNameLst>
+                                          <p:attrName>style.visibility</p:attrName>
+                                        </p:attrNameLst>
+                                      </p:cBhvr>
+                                      <p:to>
+                                        <p:strVal val="visible"/>
+                                      </p:to>
+                                    </p:set>
+                                  </p:childTnLst>
+                                </p:cTn>
+                              </p:par>
+                            </p:childTnLst>
+                          </p:cTn>
+                        </p:par>
+                      </p:childTnLst>
+                    </p:cTn>
+                  </p:par>
+                  <p:par>
+                    <p:cTn id="15" fill="hold">
+                      <p:stCondLst>
+                        <p:cond delay="indefinite"/>
+                      </p:stCondLst>
+                      <p:childTnLst>
+                        <p:par>
+                          <p:cTn id="16" fill="hold">
+                            <p:stCondLst>
+                              <p:cond delay="0"/>
+                            </p:stCondLst>
+                            <p:childTnLst>
+                              <p:par>
+                                <p:cTn id="17" presetID="1" presetClass="entr" presetSubtype="0" fill="hold" grpId="0" nodeType="clickEffect">
+                                  <p:stCondLst>
+                                    <p:cond delay="0"/>
+                                  </p:stCondLst>
+                                  <p:childTnLst>
+                                    <p:set>
+                                      <p:cBhvr>
+                                        <p:cTn id="18" dur="1" fill="hold">
+                                          <p:stCondLst>
+                                            <p:cond delay="0"/>
+                                          </p:stCondLst>
+                                        </p:cTn>
+                                        <p:tgtEl>
+                                          <p:spTgt spid="6"/>
+                                        </p:tgtEl>
+                                        <p:attrNameLst>
+                                          <p:attrName>style.visibility</p:attrName>
+                                        </p:attrNameLst>
+                                      </p:cBhvr>
+                                      <p:to>
+                                        <p:strVal val="visible"/>
+                                      </p:to>
+                                    </p:set>
+                                  </p:childTnLst>
+                                </p:cTn>
+                              </p:par>
+                            </p:childTnLst>
+                          </p:cTn>
+                        </p:par>
+                      </p:childTnLst>
+                    </p:cTn>
+                  </p:par>
+                  <p:par>
+                    <p:cTn id="19" fill="hold">
+                      <p:stCondLst>
+                        <p:cond delay="indefinite"/>
+                      </p:stCondLst>
+                      <p:childTnLst>
+                        <p:par>
+                          <p:cTn id="20" fill="hold">
+                            <p:stCondLst>
+                              <p:cond delay="0"/>
+                            </p:stCondLst>
+                            <p:childTnLst>
+                              <p:par>
+                                <p:cTn id="21" presetID="1" presetClass="entr" presetSubtype="0" fill="hold" grpId="0" nodeType="clickEffect">
+                                  <p:stCondLst>
+                                    <p:cond delay="0"/>
+                                  </p:stCondLst>
+                                  <p:childTnLst>
+                                    <p:set>
+                                      <p:cBhvr>
+                                        <p:cTn id="22" dur="1" fill="hold">
+                                          <p:stCondLst>
+                                            <p:cond delay="0"/>
+                                          </p:stCondLst>
+                                        </p:cTn>
+                                        <p:tgtEl>
+                                          <p:spTgt spid="2"/>
+                                        </p:tgtEl>
+                                        <p:attrNameLst>
+                                          <p:attrName>style.visibility</p:attrName>
+                                        </p:attrNameLst>
+                                      </p:cBhvr>
+                                      <p:to>
+                                        <p:strVal val="visible"/>
+                                      </p:to>
+                                    </p:set>
+                                  </p:childTnLst>
+                                </p:cTn>
+                              </p:par>
+                              <p:par>
+                                <p:cTn id="23" presetID="1" presetClass="entr" presetSubtype="0" fill="hold" grpId="0" nodeType="withEffect">
+                                  <p:stCondLst>
+                                    <p:cond delay="0"/>
+                                  </p:stCondLst>
+                                  <p:childTnLst>
+                                    <p:set>
+                                      <p:cBhvr>
+                                        <p:cTn id="24" dur="1" fill="hold">
+                                          <p:stCondLst>
+                                            <p:cond delay="0"/>
+                                          </p:stCondLst>
+                                        </p:cTn>
+                                        <p:tgtEl>
+                                          <p:spTgt spid="9"/>
+                                        </p:tgtEl>
+                                        <p:attrNameLst>
+                                          <p:attrName>style.visibility</p:attrName>
+                                        </p:attrNameLst>
+                                      </p:cBhvr>
+                                      <p:to>
+                                        <p:strVal val="visible"/>
+                                      </p:to>
+                                    </p:set>
+                                  </p:childTnLst>
+                                </p:cTn>
+                              </p:par>
+                            </p:childTnLst>
+                          </p:cTn>
+                        </p:par>
+                      </p:childTnLst>
+                    </p:cTn>
+                  </p:par>
+                  <p:par>
+                    <p:cTn id="25" fill="hold">
+                      <p:stCondLst>
+                        <p:cond delay="indefinite"/>
+                      </p:stCondLst>
+                      <p:childTnLst>
+                        <p:par>
+                          <p:cTn id="26" fill="hold">
+                            <p:stCondLst>
+                              <p:cond delay="0"/>
+                            </p:stCondLst>
+                            <p:childTnLst>
+                              <p:par>
+                                <p:cTn id="27" presetID="1" presetClass="entr" presetSubtype="0" fill="hold" grpId="0" nodeType="clickEffect">
+                                  <p:stCondLst>
+                                    <p:cond delay="0"/>
+                                  </p:stCondLst>
+                                  <p:childTnLst>
+                                    <p:set>
+                                      <p:cBhvr>
+                                        <p:cTn id="28" dur="1" fill="hold">
+                                          <p:stCondLst>
+                                            <p:cond delay="0"/>
+                                          </p:stCondLst>
+                                        </p:cTn>
+                                        <p:tgtEl>
+                                          <p:spTgt spid="11"/>
+                                        </p:tgtEl>
+                                        <p:attrNameLst>
+                                          <p:attrName>style.visibility</p:attrName>
+                                        </p:attrNameLst>
+                                      </p:cBhvr>
+                                      <p:to>
+                                        <p:strVal val="visible"/>
+                                      </p:to>
+                                    </p:set>
+                                  </p:childTnLst>
+                                </p:cTn>
+                              </p:par>
+                              <p:par>
+                                <p:cTn id="29" presetID="1" presetClass="entr" presetSubtype="0" fill="hold" grpId="0" nodeType="withEffect">
+                                  <p:stCondLst>
+                                    <p:cond delay="0"/>
+                                  </p:stCondLst>
+                                  <p:childTnLst>
+                                    <p:set>
+                                      <p:cBhvr>
+                                        <p:cTn id="30" dur="1" fill="hold">
+                                          <p:stCondLst>
+                                            <p:cond delay="0"/>
+                                          </p:stCondLst>
+                                        </p:cTn>
+                                        <p:tgtEl>
+                                          <p:spTgt spid="10"/>
+                                        </p:tgtEl>
+                                        <p:attrNameLst>
+                                          <p:attrName>style.visibility</p:attrName>
+                                        </p:attrNameLst>
+                                      </p:cBhvr>
+                                      <p:to>
+                                        <p:strVal val="visible"/>
+                                      </p:to>
+                                    </p:set>
+                                  </p:childTnLst>
+                                </p:cTn>
+                              </p:par>
+                              <p:par>
+                                <p:cTn id="31" presetID="1" presetClass="entr" presetSubtype="0" fill="hold" grpId="0" nodeType="withEffect">
+                                  <p:stCondLst>
+                                    <p:cond delay="0"/>
+                                  </p:stCondLst>
+                                  <p:childTnLst>
+                                    <p:set>
+                                      <p:cBhvr>
+                                        <p:cTn id="32" dur="1" fill="hold">
+                                          <p:stCondLst>
+                                            <p:cond delay="0"/>
+                                          </p:stCondLst>
+                                        </p:cTn>
+                                        <p:tgtEl>
+                                          <p:spTgt spid="3"/>
+                                        </p:tgtEl>
+                                        <p:attrNameLst>
+                                          <p:attrName>style.visibility</p:attrName>
+                                        </p:attrNameLst>
+                                      </p:cBhvr>
+                                      <p:to>
+                                        <p:strVal val="visible"/>
+                                      </p:to>
+                                    </p:set>
+                                  </p:childTnLst>
+                                </p:cTn>
+                              </p:par>
+                              <p:par>
+                                <p:cTn id="33" presetID="1" presetClass="entr" presetSubtype="0" fill="hold" grpId="0" nodeType="withEffect">
+                                  <p:stCondLst>
+                                    <p:cond delay="0"/>
+                                  </p:stCondLst>
+                                  <p:childTnLst>
+                                    <p:set>
+                                      <p:cBhvr>
+                                        <p:cTn id="34" dur="1" fill="hold">
+                                          <p:stCondLst>
+                                            <p:cond delay="0"/>
+                                          </p:stCondLst>
+                                        </p:cTn>
+                                        <p:tgtEl>
+                                          <p:spTgt spid="12"/>
+                                        </p:tgtEl>
+                                        <p:attrNameLst>
+                                          <p:attrName>style.visibility</p:attrName>
+                                        </p:attrNameLst>
+                                      </p:cBhvr>
+                                      <p:to>
+                                        <p:strVal val="visible"/>
+                                      </p:to>
+                                    </p:set>
+                                  </p:childTnLst>
+                                </p:cTn>
+                              </p:par>
+                              <p:par>
+                                <p:cTn id="35" presetID="1" presetClass="entr" presetSubtype="0" fill="hold" grpId="0" nodeType="withEffect">
+                                  <p:stCondLst>
+                                    <p:cond delay="0"/>
+                                  </p:stCondLst>
+                                  <p:childTnLst>
+                                    <p:set>
+                                      <p:cBhvr>
+                                        <p:cTn id="36" dur="1" fill="hold">
+                                          <p:stCondLst>
+                                            <p:cond delay="0"/>
+                                          </p:stCondLst>
+                                        </p:cTn>
+                                        <p:tgtEl>
+                                          <p:spTgt spid="13"/>
+                                        </p:tgtEl>
+                                        <p:attrNameLst>
+                                          <p:attrName>style.visibility</p:attrName>
+                                        </p:attrNameLst>
+                                      </p:cBhvr>
+                                      <p:to>
+                                        <p:strVal val="visible"/>
+                                      </p:to>
+                                    </p:set>
+                                  </p:childTnLst>
+                                </p:cTn>
+                              </p:par>
+                              <p:par>
+                                <p:cTn id="37" presetID="1" presetClass="entr" presetSubtype="0" fill="hold" grpId="0" nodeType="withEffect">
+                                  <p:stCondLst>
+                                    <p:cond delay="0"/>
+                                  </p:stCondLst>
+                                  <p:childTnLst>
+                                    <p:set>
+                                      <p:cBhvr>
+                                        <p:cTn id="38" dur="1" fill="hold">
+                                          <p:stCondLst>
+                                            <p:cond delay="0"/>
+                                          </p:stCondLst>
+                                        </p:cTn>
+                                        <p:tgtEl>
+                                          <p:spTgt spid="17"/>
+                                        </p:tgtEl>
+                                        <p:attrNameLst>
+                                          <p:attrName>style.visibility</p:attrName>
+                                        </p:attrNameLst>
+                                      </p:cBhvr>
+                                      <p:to>
+                                        <p:strVal val="visible"/>
+                                      </p:to>
+                                    </p:set>
+                                  </p:childTnLst>
+                                </p:cTn>
+                              </p:par>
+                              <p:par>
+                                <p:cTn id="39" presetID="1" presetClass="entr" presetSubtype="0" fill="hold" grpId="0" nodeType="withEffect">
+                                  <p:stCondLst>
+                                    <p:cond delay="0"/>
+                                  </p:stCondLst>
+                                  <p:childTnLst>
+                                    <p:set>
+                                      <p:cBhvr>
+                                        <p:cTn id="40" dur="1" fill="hold">
+                                          <p:stCondLst>
+                                            <p:cond delay="0"/>
+                                          </p:stCondLst>
+                                        </p:cTn>
+                                        <p:tgtEl>
+                                          <p:spTgt spid="18"/>
+                                        </p:tgtEl>
+                                        <p:attrNameLst>
+                                          <p:attrName>style.visibility</p:attrName>
+                                        </p:attrNameLst>
+                                      </p:cBhvr>
+                                      <p:to>
+                                        <p:strVal val="visible"/>
+                                      </p:to>
+                                    </p:set>
+                                  </p:childTnLst>
+                                </p:cTn>
+                              </p:par>
+                              <p:par>
+                                <p:cTn id="41" presetID="1" presetClass="entr" presetSubtype="0" fill="hold" grpId="0" nodeType="withEffect">
+                                  <p:stCondLst>
+                                    <p:cond delay="0"/>
+                                  </p:stCondLst>
+                                  <p:childTnLst>
+                                    <p:set>
+                                      <p:cBhvr>
+                                        <p:cTn id="42" dur="1" fill="hold">
+                                          <p:stCondLst>
+                                            <p:cond delay="0"/>
+                                          </p:stCondLst>
+                                        </p:cTn>
+                                        <p:tgtEl>
+                                          <p:spTgt spid="19"/>
+                                        </p:tgtEl>
+                                        <p:attrNameLst>
+                                          <p:attrName>style.visibility</p:attrName>
+                                        </p:attrNameLst>
+                                      </p:cBhvr>
+                                      <p:to>
+                                        <p:strVal val="visible"/>
+                                      </p:to>
+                                    </p:set>
+                                  </p:childTnLst>
+                                </p:cTn>
+                              </p:par>
+                              <p:par>
+                                <p:cTn id="43" presetID="1" presetClass="entr" presetSubtype="0" fill="hold" grpId="0" nodeType="withEffect">
+                                  <p:stCondLst>
+                                    <p:cond delay="0"/>
+                                  </p:stCondLst>
+                                  <p:childTnLst>
+                                    <p:set>
+                                      <p:cBhvr>
+                                        <p:cTn id="44" dur="1" fill="hold">
+                                          <p:stCondLst>
+                                            <p:cond delay="0"/>
+                                          </p:stCondLst>
+                                        </p:cTn>
+                                        <p:tgtEl>
+                                          <p:spTgt spid="20"/>
+                                        </p:tgtEl>
+                                        <p:attrNameLst>
+                                          <p:attrName>style.visibility</p:attrName>
+                                        </p:attrNameLst>
+                                      </p:cBhvr>
+                                      <p:to>
+                                        <p:strVal val="visible"/>
+                                      </p:to>
+                                    </p:set>
+                                  </p:childTnLst>
+                                </p:cTn>
+                              </p:par>
+                              <p:par>
+                                <p:cTn id="45" presetID="1" presetClass="entr" presetSubtype="0" fill="hold" grpId="0" nodeType="withEffect">
+                                  <p:stCondLst>
+                                    <p:cond delay="0"/>
+                                  </p:stCondLst>
+                                  <p:childTnLst>
+                                    <p:set>
+                                      <p:cBhvr>
+                                        <p:cTn id="46" dur="1" fill="hold">
+                                          <p:stCondLst>
+                                            <p:cond delay="0"/>
+                                          </p:stCondLst>
+                                        </p:cTn>
+                                        <p:tgtEl>
+                                          <p:spTgt spid="21"/>
+                                        </p:tgtEl>
+                                        <p:attrNameLst>
+                                          <p:attrName>style.visibility</p:attrName>
+                                        </p:attrNameLst>
+                                      </p:cBhvr>
+                                      <p:to>
+                                        <p:strVal val="visible"/>
+                                      </p:to>
+                                    </p:set>
+                                  </p:childTnLst>
+                                </p:cTn>
+                              </p:par>
+                            </p:childTnLst>
+                          </p:cTn>
+                        </p:par>
+                      </p:childTnLst>
+                    </p:cTn>
+                  </p:par>
+                  <p:par>
+                    <p:cTn id="47" fill="hold">
+                      <p:stCondLst>
+                        <p:cond delay="indefinite"/>
+                      </p:stCondLst>
+                      <p:childTnLst>
+                        <p:par>
+                          <p:cTn id="48" fill="hold">
+                            <p:stCondLst>
+                              <p:cond delay="0"/>
+                            </p:stCondLst>
+                            <p:childTnLst>
+                              <p:par>
+                                <p:cTn id="49" presetID="1" presetClass="entr" presetSubtype="0" fill="hold" grpId="0" nodeType="clickEffect">
+                                  <p:stCondLst>
+                                    <p:cond delay="0"/>
+                                  </p:stCondLst>
+                                  <p:childTnLst>
+                                    <p:set>
+                                      <p:cBhvr>
+                                        <p:cTn id="50" dur="1" fill="hold">
+                                          <p:stCondLst>
+                                            <p:cond delay="0"/>
+                                          </p:stCondLst>
+                                        </p:cTn>
+                                        <p:tgtEl>
+                                          <p:spTgt spid="22"/>
+                                        </p:tgtEl>
+                                        <p:attrNameLst>
+                                          <p:attrName>style.visibility</p:attrName>
+                                        </p:attrNameLst>
+                                      </p:cBhvr>
+                                      <p:to>
+                                        <p:strVal val="visible"/>
+                                      </p:to>
+                                    </p:set>
+                                  </p:childTnLst>
+                                </p:cTn>
+                              </p:par>
+                              <p:par>
+                                <p:cTn id="51" presetID="1" presetClass="entr" presetSubtype="0" fill="hold" nodeType="withEffect">
+                                  <p:stCondLst>
+                                    <p:cond delay="0"/>
+                                  </p:stCondLst>
+                                  <p:childTnLst>
+                                    <p:set>
+                                      <p:cBhvr>
+                                        <p:cTn id="52" dur="1" fill="hold">
+                                          <p:stCondLst>
+                                            <p:cond delay="0"/>
+                                          </p:stCondLst>
+                                        </p:cTn>
+                                        <p:tgtEl>
+                                          <p:spTgt spid="7"/>
+                                        </p:tgtEl>
+                                        <p:attrNameLst>
+                                          <p:attrName>style.visibility</p:attrName>
+                                        </p:attrNameLst>
+                                      </p:cBhvr>
+                                      <p:to>
+                                        <p:strVal val="visible"/>
+                                      </p:to>
+                                    </p:set>
+                                  </p:childTnLst>
+                                </p:cTn>
+                              </p:par>
+                              <p:par>
+                                <p:cTn id="53" presetID="1" presetClass="entr" presetSubtype="0" fill="hold" grpId="0" nodeType="withEffect">
+                                  <p:stCondLst>
+                                    <p:cond delay="0"/>
+                                  </p:stCondLst>
+                                  <p:childTnLst>
+                                    <p:set>
+                                      <p:cBhvr>
+                                        <p:cTn id="54" dur="1" fill="hold">
+                                          <p:stCondLst>
+                                            <p:cond delay="0"/>
+                                          </p:stCondLst>
+                                        </p:cTn>
+                                        <p:tgtEl>
+                                          <p:spTgt spid="23"/>
+                                        </p:tgtEl>
+                                        <p:attrNameLst>
+                                          <p:attrName>style.visibility</p:attrName>
+                                        </p:attrNameLst>
+                                      </p:cBhvr>
+                                      <p:to>
+                                        <p:strVal val="visible"/>
+                                      </p:to>
+                                    </p:set>
+                                  </p:childTnLst>
+                                </p:cTn>
+                              </p:par>
+                            </p:childTnLst>
+                          </p:cTn>
+                        </p:par>
+                      </p:childTnLst>
+                    </p:cTn>
+                  </p:par>
+                  <p:par>
+                    <p:cTn id="55" fill="hold">
+                      <p:stCondLst>
+                        <p:cond delay="indefinite"/>
+                      </p:stCondLst>
+                      <p:childTnLst>
+                        <p:par>
+                          <p:cTn id="56" fill="hold">
+                            <p:stCondLst>
+                              <p:cond delay="0"/>
+                            </p:stCondLst>
+                            <p:childTnLst>
+                              <p:par>
+                                <p:cTn id="57" presetID="1" presetClass="entr" presetSubtype="0" fill="hold" nodeType="clickEffect">
+                                  <p:stCondLst>
+                                    <p:cond delay="0"/>
+                                  </p:stCondLst>
+                                  <p:childTnLst>
+                                    <p:set>
+                                      <p:cBhvr>
+                                        <p:cTn id="58" dur="1" fill="hold">
+                                          <p:stCondLst>
+                                            <p:cond delay="0"/>
+                                          </p:stCondLst>
+                                        </p:cTn>
+                                        <p:tgtEl>
+                                          <p:spTgt spid="32"/>
+                                        </p:tgtEl>
+                                        <p:attrNameLst>
+                                          <p:attrName>style.visibility</p:attrName>
+                                        </p:attrNameLst>
+                                      </p:cBhvr>
+                                      <p:to>
+                                        <p:strVal val="visible"/>
+                                      </p:to>
+                                    </p:set>
+                                  </p:childTnLst>
+                                </p:cTn>
+                              </p:par>
+                              <p:par>
+                                <p:cTn id="59" presetID="1" presetClass="entr" presetSubtype="0" fill="hold" grpId="0" nodeType="withEffect">
+                                  <p:stCondLst>
+                                    <p:cond delay="0"/>
+                                  </p:stCondLst>
+                                  <p:childTnLst>
+                                    <p:set>
+                                      <p:cBhvr>
+                                        <p:cTn id="60" dur="1" fill="hold">
+                                          <p:stCondLst>
+                                            <p:cond delay="0"/>
+                                          </p:stCondLst>
+                                        </p:cTn>
+                                        <p:tgtEl>
+                                          <p:spTgt spid="8"/>
+                                        </p:tgtEl>
+                                        <p:attrNameLst>
+                                          <p:attrName>style.visibility</p:attrName>
+                                        </p:attrNameLst>
+                                      </p:cBhvr>
+                                      <p:to>
+                                        <p:strVal val="visible"/>
+                                      </p:to>
+                                    </p:set>
+                                  </p:childTnLst>
+                                </p:cTn>
+                              </p:par>
+                            </p:childTnLst>
+                          </p:cTn>
+                        </p:par>
+                      </p:childTnLst>
+                    </p:cTn>
+                  </p:par>
+                </p:childTnLst>
+              </p:cTn>
+              <p:prevCondLst>
+                <p:cond evt="onPrev" delay="0">
+                  <p:tgtEl>
+                    <p:sldTgt/>
+                  </p:tgtEl>
+                </p:cond>
+              </p:prevCondLst>
+              <p:nextCondLst>
+                <p:cond evt="onNext" delay="0">
+                  <p:tgtEl>
+                    <p:sldTgt/>
+                  </p:tgtEl>
+                </p:cond>
+              </p:nextCondLst>
+            </p:seq>
+          </p:childTnLst>
+        </p:cTn>
+      </p:par>
+    </p:tnLst>
+    <p:bldLst>
+      <p:bldP spid="14" grpId="0"/>
+      <p:bldP spid="15" grpId="0"/>
+      <p:bldP spid="16" grpId="0"/>
+      <p:bldP spid="6" grpId="0"/>
+      <p:bldP spid="2" grpId="0" animBg="1"/>
+      <p:bldP spid="3" grpId="0" animBg="1"/>
+      <p:bldP spid="9" grpId="0"/>
+      <p:bldP spid="10" grpId="0"/>
+      <p:bldP spid="11" grpId="0"/>
+      <p:bldP spid="12" grpId="0"/>
+      <p:bldP spid="13" grpId="0"/>
+      <p:bldP spid="17" grpId="0"/>
+      <p:bldP spid="18" grpId="0"/>
+      <p:bldP spid="19" grpId="0"/>
+      <p:bldP spid="20" grpId="0"/>
+      <p:bldP spid="21" grpId="0"/>
+      <p:bldP spid="22" grpId="0"/>
+      <p:bldP spid="23" grpId="0"/>
+      <p:bldP spid="8" grpId="0" animBg="1"/>
+    </p:bldLst>
+  </p:timing>
+</p:sld>
+</file>
+
+<file path=ppt/slides/slide3.xml><?xml version="1.0" encoding="utf-8"?>
+<p:sld xmlns:a="http://schemas.openxmlformats.org/drawingml/2006/main" xmlns:r="http://schemas.openxmlformats.org/officeDocument/2006/relationships" xmlns:p="http://schemas.openxmlformats.org/presentationml/2006/main">
+  <p:cSld>
+    <p:spTree>
+      <p:nvGrpSpPr>
+        <p:cNvPr id="1" name=""/>
+        <p:cNvGrpSpPr/>
+        <p:nvPr/>
+      </p:nvGrpSpPr>
+      <p:grpSpPr>
+        <a:xfrm>
+          <a:off x="0" y="0"/>
+          <a:ext cx="0" cy="0"/>
+          <a:chOff x="0" y="0"/>
+          <a:chExt cx="0" cy="0"/>
+        </a:xfrm>
+      </p:grpSpPr>
+      <p:sp>
+        <p:nvSpPr>
+          <p:cNvPr id="3" name="Rectangle 2"/>
+          <p:cNvSpPr/>
+          <p:nvPr/>
+        </p:nvSpPr>
+        <p:spPr>
+          <a:xfrm>
+            <a:off x="2733124" y="5255809"/>
+            <a:ext cx="3810000" cy="1104278"/>
+          </a:xfrm>
+          <a:prstGeom prst="rect">
+            <a:avLst/>
+          </a:prstGeom>
+          <a:solidFill>
+            <a:srgbClr val="ECEFF1"/>
+          </a:solidFill>
+          <a:ln>
+            <a:noFill/>
+          </a:ln>
+        </p:spPr>
+        <p:style>
+          <a:lnRef idx="2">
+            <a:schemeClr val="accent1">
+              <a:shade val="50000"/>
+            </a:schemeClr>
+          </a:lnRef>
+          <a:fillRef idx="1">
+            <a:schemeClr val="accent1"/>
+          </a:fillRef>
+          <a:effectRef idx="0">
+            <a:schemeClr val="accent1"/>
+          </a:effectRef>
+          <a:fontRef idx="minor">
+            <a:schemeClr val="lt1"/>
+          </a:fontRef>
+        </p:style>
+        <p:txBody>
+          <a:bodyPr rtlCol="0" anchor="ctr"/>
+          <a:lstStyle/>
+          <a:p>
+            <a:pPr algn="ctr"/>
+            <a:endParaRPr lang="ru-RU"/>
+          </a:p>
+        </p:txBody>
+      </p:sp>
+      <p:sp>
+        <p:nvSpPr>
+          <p:cNvPr id="15" name="TextBox 14"/>
+          <p:cNvSpPr txBox="1"/>
+          <p:nvPr/>
+        </p:nvSpPr>
+        <p:spPr>
+          <a:xfrm>
+            <a:off x="343082" y="1524000"/>
+            <a:ext cx="4305118" cy="369332"/>
+          </a:xfrm>
+          <a:prstGeom prst="rect">
+            <a:avLst/>
+          </a:prstGeom>
+          <a:noFill/>
+        </p:spPr>
+        <p:txBody>
+          <a:bodyPr wrap="square" rtlCol="0">
+            <a:spAutoFit/>
+          </a:bodyPr>
+          <a:lstStyle/>
+          <a:p>
+            <a:r>
+              <a:rPr lang="en-US" dirty="0" smtClean="0"/>
+              <a:t>callback = </a:t>
+            </a:r>
+            <a:r>
+              <a:rPr lang="en-US" dirty="0" smtClean="0">
+                <a:solidFill>
+                  <a:srgbClr val="FF0000"/>
+                </a:solidFill>
+              </a:rPr>
+              <a:t>function</a:t>
+            </a:r>
+            <a:r>
+              <a:rPr lang="en-US" dirty="0" smtClean="0"/>
+              <a:t> with delayed execution</a:t>
+            </a:r>
+            <a:endParaRPr lang="en-US" dirty="0"/>
+          </a:p>
+        </p:txBody>
+      </p:sp>
+      <p:sp>
+        <p:nvSpPr>
+          <p:cNvPr id="6" name="TextBox 5"/>
+          <p:cNvSpPr txBox="1"/>
+          <p:nvPr/>
+        </p:nvSpPr>
+        <p:spPr>
+          <a:xfrm>
+            <a:off x="343082" y="1981200"/>
+            <a:ext cx="3314518" cy="369332"/>
+          </a:xfrm>
+          <a:prstGeom prst="rect">
+            <a:avLst/>
+          </a:prstGeom>
+          <a:noFill/>
+        </p:spPr>
+        <p:txBody>
+          <a:bodyPr wrap="square" rtlCol="0">
+            <a:spAutoFit/>
+          </a:bodyPr>
+          <a:lstStyle/>
+          <a:p>
+            <a:r>
+              <a:rPr lang="en-US" dirty="0" smtClean="0"/>
+              <a:t>make callback instead of waiting </a:t>
+            </a:r>
+            <a:endParaRPr lang="en-US" dirty="0"/>
+          </a:p>
+        </p:txBody>
+      </p:sp>
+      <p:sp>
+        <p:nvSpPr>
+          <p:cNvPr id="2" name="Rectangle 1"/>
+          <p:cNvSpPr>
+            <a:spLocks noChangeArrowheads="1"/>
+          </p:cNvSpPr>
+          <p:nvPr/>
+        </p:nvSpPr>
+        <p:spPr bwMode="auto">
+          <a:xfrm>
+            <a:off x="609600" y="2527825"/>
+            <a:ext cx="3493264" cy="1631216"/>
+          </a:xfrm>
+          <a:prstGeom prst="rect">
+            <a:avLst/>
+          </a:prstGeom>
+          <a:solidFill>
+            <a:srgbClr val="F5F2F0"/>
+          </a:solidFill>
+          <a:ln>
+            <a:noFill/>
+          </a:ln>
+          <a:effectLst/>
+        </p:spPr>
+        <p:txBody>
+          <a:bodyPr vert="horz" wrap="none" lIns="91440" tIns="45720" rIns="91440" bIns="45720" numCol="1" anchor="ctr" anchorCtr="0" compatLnSpc="1">
+            <a:prstTxWarp prst="textNoShape">
+              <a:avLst/>
+            </a:prstTxWarp>
+            <a:spAutoFit/>
+          </a:bodyPr>
+          <a:lstStyle/>
+          <a:p>
+            <a:pPr marL="0" marR="0" lvl="0" indent="0" algn="l" defTabSz="914400" rtl="0" eaLnBrk="1" fontAlgn="base" latinLnBrk="0" hangingPunct="1">
+              <a:lnSpc>
+                <a:spcPct val="100000"/>
+              </a:lnSpc>
+              <a:spcBef>
+                <a:spcPct val="0"/>
+              </a:spcBef>
+              <a:spcAft>
+                <a:spcPct val="0"/>
+              </a:spcAft>
+              <a:buClrTx/>
+              <a:buSzTx/>
+              <a:buFontTx/>
+              <a:buNone/>
+              <a:tabLst/>
+            </a:pPr>
+            <a:r>
+              <a:rPr kumimoji="0" lang="ru-RU" altLang="ru-RU" sz="1000" b="1" i="0" u="none" strike="noStrike" cap="none" normalizeH="0" baseline="0" dirty="0" smtClean="0">
+                <a:ln>
+                  <a:noFill/>
+                </a:ln>
+                <a:solidFill>
+                  <a:srgbClr val="000080"/>
+                </a:solidFill>
+                <a:effectLst/>
+                <a:latin typeface="Courier New" pitchFamily="49" charset="0"/>
+                <a:cs typeface="Courier New" pitchFamily="49" charset="0"/>
+              </a:rPr>
+              <a:t>function </a:t>
+            </a:r>
+            <a:r>
+              <a:rPr kumimoji="0" lang="ru-RU" altLang="ru-RU" sz="1000" b="0" i="1" u="none" strike="noStrike" cap="none" normalizeH="0" baseline="0" dirty="0" smtClean="0">
+                <a:ln>
+                  <a:noFill/>
+                </a:ln>
+                <a:solidFill>
+                  <a:srgbClr val="000000"/>
+                </a:solidFill>
+                <a:effectLst/>
+                <a:latin typeface="Courier New" pitchFamily="49" charset="0"/>
+                <a:cs typeface="Courier New" pitchFamily="49" charset="0"/>
+              </a:rPr>
+              <a:t>getData</a:t>
+            </a:r>
+            <a:r>
+              <a:rPr kumimoji="0" lang="ru-RU" altLang="ru-RU" sz="1000" b="0" i="0" u="none" strike="noStrike" cap="none" normalizeH="0" baseline="0" dirty="0" smtClean="0">
+                <a:ln>
+                  <a:noFill/>
+                </a:ln>
+                <a:solidFill>
+                  <a:srgbClr val="000000"/>
+                </a:solidFill>
+                <a:effectLst/>
+                <a:latin typeface="Courier New" pitchFamily="49" charset="0"/>
+                <a:cs typeface="Courier New" pitchFamily="49" charset="0"/>
+              </a:rPr>
+              <a:t>(callback) {</a:t>
+            </a:r>
+            <a:br>
+              <a:rPr kumimoji="0" lang="ru-RU" altLang="ru-RU" sz="1000" b="0" i="0" u="none" strike="noStrike" cap="none" normalizeH="0" baseline="0" dirty="0" smtClean="0">
+                <a:ln>
+                  <a:noFill/>
+                </a:ln>
+                <a:solidFill>
+                  <a:srgbClr val="000000"/>
+                </a:solidFill>
+                <a:effectLst/>
+                <a:latin typeface="Courier New" pitchFamily="49" charset="0"/>
+                <a:cs typeface="Courier New" pitchFamily="49" charset="0"/>
+              </a:rPr>
+            </a:br>
+            <a:r>
+              <a:rPr kumimoji="0" lang="ru-RU" altLang="ru-RU" sz="1000" b="0" i="0" u="none" strike="noStrike" cap="none" normalizeH="0" baseline="0" dirty="0" smtClean="0">
+                <a:ln>
+                  <a:noFill/>
+                </a:ln>
+                <a:solidFill>
+                  <a:srgbClr val="000000"/>
+                </a:solidFill>
+                <a:effectLst/>
+                <a:latin typeface="Courier New" pitchFamily="49" charset="0"/>
+                <a:cs typeface="Courier New" pitchFamily="49" charset="0"/>
+              </a:rPr>
+              <a:t>    </a:t>
+            </a:r>
+            <a:r>
+              <a:rPr kumimoji="0" lang="ru-RU" altLang="ru-RU" sz="1000" b="1" i="1" u="none" strike="noStrike" cap="none" normalizeH="0" baseline="0" dirty="0" smtClean="0">
+                <a:ln>
+                  <a:noFill/>
+                </a:ln>
+                <a:solidFill>
+                  <a:srgbClr val="660E7A"/>
+                </a:solidFill>
+                <a:effectLst/>
+                <a:latin typeface="Courier New" pitchFamily="49" charset="0"/>
+                <a:cs typeface="Courier New" pitchFamily="49" charset="0"/>
+              </a:rPr>
+              <a:t>console</a:t>
+            </a:r>
+            <a:r>
+              <a:rPr kumimoji="0" lang="ru-RU" altLang="ru-RU" sz="1000" b="0" i="0" u="none" strike="noStrike" cap="none" normalizeH="0" baseline="0" dirty="0" smtClean="0">
+                <a:ln>
+                  <a:noFill/>
+                </a:ln>
+                <a:solidFill>
+                  <a:srgbClr val="000000"/>
+                </a:solidFill>
+                <a:effectLst/>
+                <a:latin typeface="Courier New" pitchFamily="49" charset="0"/>
+                <a:cs typeface="Courier New" pitchFamily="49" charset="0"/>
+              </a:rPr>
+              <a:t>.</a:t>
+            </a:r>
+            <a:r>
+              <a:rPr kumimoji="0" lang="ru-RU" altLang="ru-RU" sz="1000" b="0" i="0" u="none" strike="noStrike" cap="none" normalizeH="0" baseline="0" dirty="0" smtClean="0">
+                <a:ln>
+                  <a:noFill/>
+                </a:ln>
+                <a:solidFill>
+                  <a:srgbClr val="7A7A43"/>
+                </a:solidFill>
+                <a:effectLst/>
+                <a:latin typeface="Courier New" pitchFamily="49" charset="0"/>
+                <a:cs typeface="Courier New" pitchFamily="49" charset="0"/>
+              </a:rPr>
+              <a:t>log</a:t>
+            </a:r>
+            <a:r>
+              <a:rPr kumimoji="0" lang="ru-RU" altLang="ru-RU" sz="1000" b="0" i="0" u="none" strike="noStrike" cap="none" normalizeH="0" baseline="0" dirty="0" smtClean="0">
+                <a:ln>
+                  <a:noFill/>
+                </a:ln>
+                <a:solidFill>
+                  <a:srgbClr val="000000"/>
+                </a:solidFill>
+                <a:effectLst/>
+                <a:latin typeface="Courier New" pitchFamily="49" charset="0"/>
+                <a:cs typeface="Courier New" pitchFamily="49" charset="0"/>
+              </a:rPr>
+              <a:t>(</a:t>
+            </a:r>
+            <a:r>
+              <a:rPr kumimoji="0" lang="ru-RU" altLang="ru-RU" sz="1000" b="1" i="0" u="none" strike="noStrike" cap="none" normalizeH="0" baseline="0" dirty="0" smtClean="0">
+                <a:ln>
+                  <a:noFill/>
+                </a:ln>
+                <a:solidFill>
+                  <a:srgbClr val="008000"/>
+                </a:solidFill>
+                <a:effectLst/>
+                <a:latin typeface="Courier New" pitchFamily="49" charset="0"/>
+                <a:cs typeface="Courier New" pitchFamily="49" charset="0"/>
+              </a:rPr>
+              <a:t>'long process start...'</a:t>
+            </a:r>
+            <a:r>
+              <a:rPr kumimoji="0" lang="ru-RU" altLang="ru-RU" sz="1000" b="0" i="0" u="none" strike="noStrike" cap="none" normalizeH="0" baseline="0" dirty="0" smtClean="0">
+                <a:ln>
+                  <a:noFill/>
+                </a:ln>
+                <a:solidFill>
+                  <a:srgbClr val="000000"/>
+                </a:solidFill>
+                <a:effectLst/>
+                <a:latin typeface="Courier New" pitchFamily="49" charset="0"/>
+                <a:cs typeface="Courier New" pitchFamily="49" charset="0"/>
+              </a:rPr>
+              <a:t>);</a:t>
+            </a:r>
+            <a:br>
+              <a:rPr kumimoji="0" lang="ru-RU" altLang="ru-RU" sz="1000" b="0" i="0" u="none" strike="noStrike" cap="none" normalizeH="0" baseline="0" dirty="0" smtClean="0">
+                <a:ln>
+                  <a:noFill/>
+                </a:ln>
+                <a:solidFill>
+                  <a:srgbClr val="000000"/>
+                </a:solidFill>
+                <a:effectLst/>
+                <a:latin typeface="Courier New" pitchFamily="49" charset="0"/>
+                <a:cs typeface="Courier New" pitchFamily="49" charset="0"/>
+              </a:rPr>
+            </a:br>
+            <a:r>
+              <a:rPr kumimoji="0" lang="ru-RU" altLang="ru-RU" sz="1000" b="0" i="0" u="none" strike="noStrike" cap="none" normalizeH="0" baseline="0" dirty="0" smtClean="0">
+                <a:ln>
+                  <a:noFill/>
+                </a:ln>
+                <a:solidFill>
+                  <a:srgbClr val="000000"/>
+                </a:solidFill>
+                <a:effectLst/>
+                <a:latin typeface="Courier New" pitchFamily="49" charset="0"/>
+                <a:cs typeface="Courier New" pitchFamily="49" charset="0"/>
+              </a:rPr>
+              <a:t>    </a:t>
+            </a:r>
+            <a:r>
+              <a:rPr kumimoji="0" lang="ru-RU" altLang="ru-RU" sz="1000" b="0" i="1" u="none" strike="noStrike" cap="none" normalizeH="0" baseline="0" dirty="0" smtClean="0">
+                <a:ln>
+                  <a:noFill/>
+                </a:ln>
+                <a:solidFill>
+                  <a:srgbClr val="000000"/>
+                </a:solidFill>
+                <a:effectLst/>
+                <a:latin typeface="Courier New" pitchFamily="49" charset="0"/>
+                <a:cs typeface="Courier New" pitchFamily="49" charset="0"/>
+              </a:rPr>
+              <a:t>setTimeout</a:t>
+            </a:r>
+            <a:r>
+              <a:rPr kumimoji="0" lang="ru-RU" altLang="ru-RU" sz="1000" b="0" i="0" u="none" strike="noStrike" cap="none" normalizeH="0" baseline="0" dirty="0" smtClean="0">
+                <a:ln>
+                  <a:noFill/>
+                </a:ln>
+                <a:solidFill>
+                  <a:srgbClr val="000000"/>
+                </a:solidFill>
+                <a:effectLst/>
+                <a:latin typeface="Courier New" pitchFamily="49" charset="0"/>
+                <a:cs typeface="Courier New" pitchFamily="49" charset="0"/>
+              </a:rPr>
+              <a:t>(</a:t>
+            </a:r>
+            <a:r>
+              <a:rPr kumimoji="0" lang="ru-RU" altLang="ru-RU" sz="1000" b="1" i="0" u="none" strike="noStrike" cap="none" normalizeH="0" baseline="0" dirty="0" smtClean="0">
+                <a:ln>
+                  <a:noFill/>
+                </a:ln>
+                <a:solidFill>
+                  <a:srgbClr val="FF0000"/>
+                </a:solidFill>
+                <a:effectLst/>
+                <a:latin typeface="Courier New" pitchFamily="49" charset="0"/>
+                <a:cs typeface="Courier New" pitchFamily="49" charset="0"/>
+              </a:rPr>
+              <a:t>function</a:t>
+            </a:r>
+            <a:r>
+              <a:rPr kumimoji="0" lang="ru-RU" altLang="ru-RU" sz="1000" b="0" i="0" u="none" strike="noStrike" cap="none" normalizeH="0" baseline="0" dirty="0" smtClean="0">
+                <a:ln>
+                  <a:noFill/>
+                </a:ln>
+                <a:solidFill>
+                  <a:srgbClr val="000000"/>
+                </a:solidFill>
+                <a:effectLst/>
+                <a:latin typeface="Courier New" pitchFamily="49" charset="0"/>
+                <a:cs typeface="Courier New" pitchFamily="49" charset="0"/>
+              </a:rPr>
+              <a:t>() {</a:t>
+            </a:r>
+            <a:br>
+              <a:rPr kumimoji="0" lang="ru-RU" altLang="ru-RU" sz="1000" b="0" i="0" u="none" strike="noStrike" cap="none" normalizeH="0" baseline="0" dirty="0" smtClean="0">
+                <a:ln>
+                  <a:noFill/>
+                </a:ln>
+                <a:solidFill>
+                  <a:srgbClr val="000000"/>
+                </a:solidFill>
+                <a:effectLst/>
+                <a:latin typeface="Courier New" pitchFamily="49" charset="0"/>
+                <a:cs typeface="Courier New" pitchFamily="49" charset="0"/>
+              </a:rPr>
+            </a:br>
+            <a:r>
+              <a:rPr kumimoji="0" lang="ru-RU" altLang="ru-RU" sz="1000" b="0" i="0" u="none" strike="noStrike" cap="none" normalizeH="0" baseline="0" dirty="0" smtClean="0">
+                <a:ln>
+                  <a:noFill/>
+                </a:ln>
+                <a:solidFill>
+                  <a:srgbClr val="000000"/>
+                </a:solidFill>
+                <a:effectLst/>
+                <a:latin typeface="Courier New" pitchFamily="49" charset="0"/>
+                <a:cs typeface="Courier New" pitchFamily="49" charset="0"/>
+              </a:rPr>
+              <a:t>        </a:t>
+            </a:r>
+            <a:r>
+              <a:rPr kumimoji="0" lang="ru-RU" altLang="ru-RU" sz="1000" b="1" i="1" u="none" strike="noStrike" cap="none" normalizeH="0" baseline="0" dirty="0" smtClean="0">
+                <a:ln>
+                  <a:noFill/>
+                </a:ln>
+                <a:solidFill>
+                  <a:srgbClr val="660E7A"/>
+                </a:solidFill>
+                <a:effectLst/>
+                <a:latin typeface="Courier New" pitchFamily="49" charset="0"/>
+                <a:cs typeface="Courier New" pitchFamily="49" charset="0"/>
+              </a:rPr>
+              <a:t>console</a:t>
+            </a:r>
+            <a:r>
+              <a:rPr kumimoji="0" lang="ru-RU" altLang="ru-RU" sz="1000" b="0" i="0" u="none" strike="noStrike" cap="none" normalizeH="0" baseline="0" dirty="0" smtClean="0">
+                <a:ln>
+                  <a:noFill/>
+                </a:ln>
+                <a:solidFill>
+                  <a:srgbClr val="000000"/>
+                </a:solidFill>
+                <a:effectLst/>
+                <a:latin typeface="Courier New" pitchFamily="49" charset="0"/>
+                <a:cs typeface="Courier New" pitchFamily="49" charset="0"/>
+              </a:rPr>
+              <a:t>.</a:t>
+            </a:r>
+            <a:r>
+              <a:rPr kumimoji="0" lang="ru-RU" altLang="ru-RU" sz="1000" b="0" i="0" u="none" strike="noStrike" cap="none" normalizeH="0" baseline="0" dirty="0" smtClean="0">
+                <a:ln>
+                  <a:noFill/>
+                </a:ln>
+                <a:solidFill>
+                  <a:srgbClr val="7A7A43"/>
+                </a:solidFill>
+                <a:effectLst/>
+                <a:latin typeface="Courier New" pitchFamily="49" charset="0"/>
+                <a:cs typeface="Courier New" pitchFamily="49" charset="0"/>
+              </a:rPr>
+              <a:t>log</a:t>
+            </a:r>
+            <a:r>
+              <a:rPr kumimoji="0" lang="ru-RU" altLang="ru-RU" sz="1000" b="0" i="0" u="none" strike="noStrike" cap="none" normalizeH="0" baseline="0" dirty="0" smtClean="0">
+                <a:ln>
+                  <a:noFill/>
+                </a:ln>
+                <a:solidFill>
+                  <a:srgbClr val="000000"/>
+                </a:solidFill>
+                <a:effectLst/>
+                <a:latin typeface="Courier New" pitchFamily="49" charset="0"/>
+                <a:cs typeface="Courier New" pitchFamily="49" charset="0"/>
+              </a:rPr>
+              <a:t>(</a:t>
+            </a:r>
+            <a:r>
+              <a:rPr kumimoji="0" lang="ru-RU" altLang="ru-RU" sz="1000" b="1" i="0" u="none" strike="noStrike" cap="none" normalizeH="0" baseline="0" dirty="0" smtClean="0">
+                <a:ln>
+                  <a:noFill/>
+                </a:ln>
+                <a:solidFill>
+                  <a:srgbClr val="008000"/>
+                </a:solidFill>
+                <a:effectLst/>
+                <a:latin typeface="Courier New" pitchFamily="49" charset="0"/>
+                <a:cs typeface="Courier New" pitchFamily="49" charset="0"/>
+              </a:rPr>
+              <a:t>'...long process end'</a:t>
+            </a:r>
+            <a:r>
+              <a:rPr kumimoji="0" lang="ru-RU" altLang="ru-RU" sz="1000" b="0" i="0" u="none" strike="noStrike" cap="none" normalizeH="0" baseline="0" dirty="0" smtClean="0">
+                <a:ln>
+                  <a:noFill/>
+                </a:ln>
+                <a:solidFill>
+                  <a:srgbClr val="000000"/>
+                </a:solidFill>
+                <a:effectLst/>
+                <a:latin typeface="Courier New" pitchFamily="49" charset="0"/>
+                <a:cs typeface="Courier New" pitchFamily="49" charset="0"/>
+              </a:rPr>
+              <a:t>);</a:t>
+            </a:r>
+            <a:br>
+              <a:rPr kumimoji="0" lang="ru-RU" altLang="ru-RU" sz="1000" b="0" i="0" u="none" strike="noStrike" cap="none" normalizeH="0" baseline="0" dirty="0" smtClean="0">
+                <a:ln>
+                  <a:noFill/>
+                </a:ln>
+                <a:solidFill>
+                  <a:srgbClr val="000000"/>
+                </a:solidFill>
+                <a:effectLst/>
+                <a:latin typeface="Courier New" pitchFamily="49" charset="0"/>
+                <a:cs typeface="Courier New" pitchFamily="49" charset="0"/>
+              </a:rPr>
+            </a:br>
+            <a:r>
+              <a:rPr kumimoji="0" lang="ru-RU" altLang="ru-RU" sz="1000" b="0" i="0" u="none" strike="noStrike" cap="none" normalizeH="0" baseline="0" dirty="0" smtClean="0">
+                <a:ln>
+                  <a:noFill/>
+                </a:ln>
+                <a:solidFill>
+                  <a:srgbClr val="000000"/>
+                </a:solidFill>
+                <a:effectLst/>
+                <a:latin typeface="Courier New" pitchFamily="49" charset="0"/>
+                <a:cs typeface="Courier New" pitchFamily="49" charset="0"/>
+              </a:rPr>
+              <a:t>        callback();</a:t>
+            </a:r>
+            <a:br>
+              <a:rPr kumimoji="0" lang="ru-RU" altLang="ru-RU" sz="1000" b="0" i="0" u="none" strike="noStrike" cap="none" normalizeH="0" baseline="0" dirty="0" smtClean="0">
+                <a:ln>
+                  <a:noFill/>
+                </a:ln>
+                <a:solidFill>
+                  <a:srgbClr val="000000"/>
+                </a:solidFill>
+                <a:effectLst/>
+                <a:latin typeface="Courier New" pitchFamily="49" charset="0"/>
+                <a:cs typeface="Courier New" pitchFamily="49" charset="0"/>
+              </a:rPr>
+            </a:br>
+            <a:r>
+              <a:rPr kumimoji="0" lang="ru-RU" altLang="ru-RU" sz="1000" b="0" i="0" u="none" strike="noStrike" cap="none" normalizeH="0" baseline="0" dirty="0" smtClean="0">
+                <a:ln>
+                  <a:noFill/>
+                </a:ln>
+                <a:solidFill>
+                  <a:srgbClr val="000000"/>
+                </a:solidFill>
+                <a:effectLst/>
+                <a:latin typeface="Courier New" pitchFamily="49" charset="0"/>
+                <a:cs typeface="Courier New" pitchFamily="49" charset="0"/>
+              </a:rPr>
+              <a:t>    }, </a:t>
+            </a:r>
+            <a:r>
+              <a:rPr kumimoji="0" lang="ru-RU" altLang="ru-RU" sz="1000" b="0" i="0" u="none" strike="noStrike" cap="none" normalizeH="0" baseline="0" dirty="0" smtClean="0">
+                <a:ln>
+                  <a:noFill/>
+                </a:ln>
+                <a:solidFill>
+                  <a:srgbClr val="0000FF"/>
+                </a:solidFill>
+                <a:effectLst/>
+                <a:latin typeface="Courier New" pitchFamily="49" charset="0"/>
+                <a:cs typeface="Courier New" pitchFamily="49" charset="0"/>
+              </a:rPr>
+              <a:t>2000</a:t>
+            </a:r>
+            <a:r>
+              <a:rPr kumimoji="0" lang="ru-RU" altLang="ru-RU" sz="1000" b="0" i="0" u="none" strike="noStrike" cap="none" normalizeH="0" baseline="0" dirty="0" smtClean="0">
+                <a:ln>
+                  <a:noFill/>
+                </a:ln>
+                <a:solidFill>
+                  <a:srgbClr val="000000"/>
+                </a:solidFill>
+                <a:effectLst/>
+                <a:latin typeface="Courier New" pitchFamily="49" charset="0"/>
+                <a:cs typeface="Courier New" pitchFamily="49" charset="0"/>
+              </a:rPr>
+              <a:t>);</a:t>
+            </a:r>
+            <a:br>
+              <a:rPr kumimoji="0" lang="ru-RU" altLang="ru-RU" sz="1000" b="0" i="0" u="none" strike="noStrike" cap="none" normalizeH="0" baseline="0" dirty="0" smtClean="0">
+                <a:ln>
+                  <a:noFill/>
+                </a:ln>
+                <a:solidFill>
+                  <a:srgbClr val="000000"/>
+                </a:solidFill>
+                <a:effectLst/>
+                <a:latin typeface="Courier New" pitchFamily="49" charset="0"/>
+                <a:cs typeface="Courier New" pitchFamily="49" charset="0"/>
+              </a:rPr>
+            </a:br>
+            <a:r>
+              <a:rPr kumimoji="0" lang="ru-RU" altLang="ru-RU" sz="1000" b="0" i="0" u="none" strike="noStrike" cap="none" normalizeH="0" baseline="0" dirty="0" smtClean="0">
+                <a:ln>
+                  <a:noFill/>
+                </a:ln>
+                <a:solidFill>
+                  <a:srgbClr val="000000"/>
+                </a:solidFill>
+                <a:effectLst/>
+                <a:latin typeface="Courier New" pitchFamily="49" charset="0"/>
+                <a:cs typeface="Courier New" pitchFamily="49" charset="0"/>
+              </a:rPr>
+              <a:t>}</a:t>
+            </a:r>
+            <a:br>
+              <a:rPr kumimoji="0" lang="ru-RU" altLang="ru-RU" sz="1000" b="0" i="0" u="none" strike="noStrike" cap="none" normalizeH="0" baseline="0" dirty="0" smtClean="0">
+                <a:ln>
+                  <a:noFill/>
+                </a:ln>
+                <a:solidFill>
+                  <a:srgbClr val="000000"/>
+                </a:solidFill>
+                <a:effectLst/>
+                <a:latin typeface="Courier New" pitchFamily="49" charset="0"/>
+                <a:cs typeface="Courier New" pitchFamily="49" charset="0"/>
+              </a:rPr>
+            </a:br>
+            <a:r>
+              <a:rPr kumimoji="0" lang="ru-RU" altLang="ru-RU" sz="1000" b="0" i="1" u="none" strike="noStrike" cap="none" normalizeH="0" baseline="0" dirty="0" smtClean="0">
+                <a:ln>
+                  <a:noFill/>
+                </a:ln>
+                <a:solidFill>
+                  <a:srgbClr val="000000"/>
+                </a:solidFill>
+                <a:effectLst/>
+                <a:latin typeface="Courier New" pitchFamily="49" charset="0"/>
+                <a:cs typeface="Courier New" pitchFamily="49" charset="0"/>
+              </a:rPr>
+              <a:t>getData</a:t>
+            </a:r>
+            <a:r>
+              <a:rPr kumimoji="0" lang="ru-RU" altLang="ru-RU" sz="1000" b="0" i="0" u="none" strike="noStrike" cap="none" normalizeH="0" baseline="0" dirty="0" smtClean="0">
+                <a:ln>
+                  <a:noFill/>
+                </a:ln>
+                <a:solidFill>
+                  <a:srgbClr val="000000"/>
+                </a:solidFill>
+                <a:effectLst/>
+                <a:latin typeface="Courier New" pitchFamily="49" charset="0"/>
+                <a:cs typeface="Courier New" pitchFamily="49" charset="0"/>
+              </a:rPr>
+              <a:t>(</a:t>
+            </a:r>
+            <a:r>
+              <a:rPr kumimoji="0" lang="ru-RU" altLang="ru-RU" sz="1000" b="1" i="0" u="none" strike="noStrike" cap="none" normalizeH="0" baseline="0" dirty="0" smtClean="0">
+                <a:ln>
+                  <a:noFill/>
+                </a:ln>
+                <a:solidFill>
+                  <a:srgbClr val="FF0000"/>
+                </a:solidFill>
+                <a:effectLst/>
+                <a:latin typeface="Courier New" pitchFamily="49" charset="0"/>
+                <a:cs typeface="Courier New" pitchFamily="49" charset="0"/>
+              </a:rPr>
+              <a:t>function</a:t>
+            </a:r>
+            <a:r>
+              <a:rPr kumimoji="0" lang="ru-RU" altLang="ru-RU" sz="1000" b="0" i="0" u="none" strike="noStrike" cap="none" normalizeH="0" baseline="0" dirty="0" smtClean="0">
+                <a:ln>
+                  <a:noFill/>
+                </a:ln>
+                <a:solidFill>
+                  <a:srgbClr val="000000"/>
+                </a:solidFill>
+                <a:effectLst/>
+                <a:latin typeface="Courier New" pitchFamily="49" charset="0"/>
+                <a:cs typeface="Courier New" pitchFamily="49" charset="0"/>
+              </a:rPr>
+              <a:t>(data) {</a:t>
+            </a:r>
+            <a:br>
+              <a:rPr kumimoji="0" lang="ru-RU" altLang="ru-RU" sz="1000" b="0" i="0" u="none" strike="noStrike" cap="none" normalizeH="0" baseline="0" dirty="0" smtClean="0">
+                <a:ln>
+                  <a:noFill/>
+                </a:ln>
+                <a:solidFill>
+                  <a:srgbClr val="000000"/>
+                </a:solidFill>
+                <a:effectLst/>
+                <a:latin typeface="Courier New" pitchFamily="49" charset="0"/>
+                <a:cs typeface="Courier New" pitchFamily="49" charset="0"/>
+              </a:rPr>
+            </a:br>
+            <a:r>
+              <a:rPr kumimoji="0" lang="ru-RU" altLang="ru-RU" sz="1000" b="0" i="0" u="none" strike="noStrike" cap="none" normalizeH="0" baseline="0" dirty="0" smtClean="0">
+                <a:ln>
+                  <a:noFill/>
+                </a:ln>
+                <a:solidFill>
+                  <a:srgbClr val="000000"/>
+                </a:solidFill>
+                <a:effectLst/>
+                <a:latin typeface="Courier New" pitchFamily="49" charset="0"/>
+                <a:cs typeface="Courier New" pitchFamily="49" charset="0"/>
+              </a:rPr>
+              <a:t>    </a:t>
+            </a:r>
+            <a:r>
+              <a:rPr kumimoji="0" lang="ru-RU" altLang="ru-RU" sz="1000" b="1" i="1" u="none" strike="noStrike" cap="none" normalizeH="0" baseline="0" dirty="0" smtClean="0">
+                <a:ln>
+                  <a:noFill/>
+                </a:ln>
+                <a:solidFill>
+                  <a:srgbClr val="660E7A"/>
+                </a:solidFill>
+                <a:effectLst/>
+                <a:latin typeface="Courier New" pitchFamily="49" charset="0"/>
+                <a:cs typeface="Courier New" pitchFamily="49" charset="0"/>
+              </a:rPr>
+              <a:t>console</a:t>
+            </a:r>
+            <a:r>
+              <a:rPr kumimoji="0" lang="ru-RU" altLang="ru-RU" sz="1000" b="0" i="0" u="none" strike="noStrike" cap="none" normalizeH="0" baseline="0" dirty="0" smtClean="0">
+                <a:ln>
+                  <a:noFill/>
+                </a:ln>
+                <a:solidFill>
+                  <a:srgbClr val="000000"/>
+                </a:solidFill>
+                <a:effectLst/>
+                <a:latin typeface="Courier New" pitchFamily="49" charset="0"/>
+                <a:cs typeface="Courier New" pitchFamily="49" charset="0"/>
+              </a:rPr>
+              <a:t>.</a:t>
+            </a:r>
+            <a:r>
+              <a:rPr kumimoji="0" lang="ru-RU" altLang="ru-RU" sz="1000" b="0" i="0" u="none" strike="noStrike" cap="none" normalizeH="0" baseline="0" dirty="0" smtClean="0">
+                <a:ln>
+                  <a:noFill/>
+                </a:ln>
+                <a:solidFill>
+                  <a:srgbClr val="7A7A43"/>
+                </a:solidFill>
+                <a:effectLst/>
+                <a:latin typeface="Courier New" pitchFamily="49" charset="0"/>
+                <a:cs typeface="Courier New" pitchFamily="49" charset="0"/>
+              </a:rPr>
+              <a:t>log</a:t>
+            </a:r>
+            <a:r>
+              <a:rPr kumimoji="0" lang="ru-RU" altLang="ru-RU" sz="1000" b="0" i="0" u="none" strike="noStrike" cap="none" normalizeH="0" baseline="0" dirty="0" smtClean="0">
+                <a:ln>
+                  <a:noFill/>
+                </a:ln>
+                <a:solidFill>
+                  <a:srgbClr val="000000"/>
+                </a:solidFill>
+                <a:effectLst/>
+                <a:latin typeface="Courier New" pitchFamily="49" charset="0"/>
+                <a:cs typeface="Courier New" pitchFamily="49" charset="0"/>
+              </a:rPr>
+              <a:t>(</a:t>
+            </a:r>
+            <a:r>
+              <a:rPr kumimoji="0" lang="ru-RU" altLang="ru-RU" sz="1000" b="1" i="0" u="none" strike="noStrike" cap="none" normalizeH="0" baseline="0" dirty="0" smtClean="0">
+                <a:ln>
+                  <a:noFill/>
+                </a:ln>
+                <a:solidFill>
+                  <a:srgbClr val="008000"/>
+                </a:solidFill>
+                <a:effectLst/>
+                <a:latin typeface="Courier New" pitchFamily="49" charset="0"/>
+                <a:cs typeface="Courier New" pitchFamily="49" charset="0"/>
+              </a:rPr>
+              <a:t>'The data is: ' </a:t>
+            </a:r>
+            <a:r>
+              <a:rPr kumimoji="0" lang="ru-RU" altLang="ru-RU" sz="1000" b="0" i="0" u="none" strike="noStrike" cap="none" normalizeH="0" baseline="0" dirty="0" smtClean="0">
+                <a:ln>
+                  <a:noFill/>
+                </a:ln>
+                <a:solidFill>
+                  <a:srgbClr val="000000"/>
+                </a:solidFill>
+                <a:effectLst/>
+                <a:latin typeface="Courier New" pitchFamily="49" charset="0"/>
+                <a:cs typeface="Courier New" pitchFamily="49" charset="0"/>
+              </a:rPr>
+              <a:t>+ data);</a:t>
+            </a:r>
+            <a:br>
+              <a:rPr kumimoji="0" lang="ru-RU" altLang="ru-RU" sz="1000" b="0" i="0" u="none" strike="noStrike" cap="none" normalizeH="0" baseline="0" dirty="0" smtClean="0">
+                <a:ln>
+                  <a:noFill/>
+                </a:ln>
+                <a:solidFill>
+                  <a:srgbClr val="000000"/>
+                </a:solidFill>
+                <a:effectLst/>
+                <a:latin typeface="Courier New" pitchFamily="49" charset="0"/>
+                <a:cs typeface="Courier New" pitchFamily="49" charset="0"/>
+              </a:rPr>
+            </a:br>
+            <a:r>
+              <a:rPr kumimoji="0" lang="ru-RU" altLang="ru-RU" sz="1000" b="0" i="0" u="none" strike="noStrike" cap="none" normalizeH="0" baseline="0" dirty="0" smtClean="0">
+                <a:ln>
+                  <a:noFill/>
+                </a:ln>
+                <a:solidFill>
+                  <a:srgbClr val="000000"/>
+                </a:solidFill>
+                <a:effectLst/>
+                <a:latin typeface="Courier New" pitchFamily="49" charset="0"/>
+                <a:cs typeface="Courier New" pitchFamily="49" charset="0"/>
+              </a:rPr>
+              <a:t>});</a:t>
+            </a:r>
+            <a:endParaRPr kumimoji="0" lang="ru-RU" altLang="ru-RU" sz="1800" b="0" i="0" u="none" strike="noStrike" cap="none" normalizeH="0" baseline="0" dirty="0" smtClean="0">
+              <a:ln>
+                <a:noFill/>
+              </a:ln>
+              <a:solidFill>
+                <a:schemeClr val="tx1"/>
+              </a:solidFill>
+              <a:effectLst/>
+              <a:latin typeface="Arial" pitchFamily="34" charset="0"/>
+              <a:cs typeface="Arial" pitchFamily="34" charset="0"/>
+            </a:endParaRPr>
+          </a:p>
+        </p:txBody>
+      </p:sp>
+      <p:sp>
+        <p:nvSpPr>
+          <p:cNvPr id="7" name="TextBox 6"/>
+          <p:cNvSpPr txBox="1"/>
+          <p:nvPr/>
+        </p:nvSpPr>
+        <p:spPr>
+          <a:xfrm>
+            <a:off x="1066800" y="4495800"/>
+            <a:ext cx="2656427" cy="369332"/>
+          </a:xfrm>
+          <a:prstGeom prst="rect">
+            <a:avLst/>
+          </a:prstGeom>
+          <a:noFill/>
+        </p:spPr>
+        <p:txBody>
+          <a:bodyPr wrap="square" rtlCol="0">
+            <a:spAutoFit/>
+          </a:bodyPr>
+          <a:lstStyle/>
+          <a:p>
+            <a:r>
+              <a:rPr lang="en-US" dirty="0">
+                <a:hlinkClick r:id="rId2"/>
+              </a:rPr>
+              <a:t>http://callbackhell.com/</a:t>
+            </a:r>
+            <a:endParaRPr lang="en-US" dirty="0"/>
+          </a:p>
+        </p:txBody>
+      </p:sp>
+      <p:sp>
+        <p:nvSpPr>
+          <p:cNvPr id="4" name="Rectangle 3"/>
+          <p:cNvSpPr/>
+          <p:nvPr/>
+        </p:nvSpPr>
+        <p:spPr>
+          <a:xfrm>
+            <a:off x="285250" y="609600"/>
+            <a:ext cx="8442247" cy="707886"/>
+          </a:xfrm>
+          <a:prstGeom prst="rect">
+            <a:avLst/>
+          </a:prstGeom>
+        </p:spPr>
+        <p:txBody>
+          <a:bodyPr wrap="none">
+            <a:spAutoFit/>
+          </a:bodyPr>
+          <a:lstStyle/>
+          <a:p>
+            <a:pPr algn="ctr"/>
+            <a:r>
+              <a:rPr lang="en-US" sz="4000" dirty="0" smtClean="0">
+                <a:latin typeface="Rockwell" panose="02060603020205020403" pitchFamily="18" charset="0"/>
+              </a:rPr>
+              <a:t>Don’t call us – we will call you back</a:t>
+            </a:r>
+            <a:endParaRPr lang="ru-RU" sz="4000" dirty="0"/>
+          </a:p>
+        </p:txBody>
+      </p:sp>
+      <p:sp>
+        <p:nvSpPr>
+          <p:cNvPr id="10" name="TextBox 9"/>
+          <p:cNvSpPr txBox="1"/>
+          <p:nvPr/>
+        </p:nvSpPr>
+        <p:spPr>
+          <a:xfrm>
+            <a:off x="2861775" y="5486400"/>
+            <a:ext cx="3819579" cy="646331"/>
+          </a:xfrm>
+          <a:prstGeom prst="rect">
+            <a:avLst/>
+          </a:prstGeom>
+          <a:noFill/>
+        </p:spPr>
+        <p:txBody>
+          <a:bodyPr wrap="square" rtlCol="0">
+            <a:spAutoFit/>
+          </a:bodyPr>
+          <a:lstStyle/>
+          <a:p>
+            <a:r>
+              <a:rPr lang="en-US" dirty="0" smtClean="0"/>
+              <a:t>callbacks is the only way to organize the function execution dependency</a:t>
+            </a:r>
+            <a:endParaRPr lang="en-US" dirty="0"/>
+          </a:p>
+        </p:txBody>
+      </p:sp>
+      <p:sp>
+        <p:nvSpPr>
+          <p:cNvPr id="16" name="TextBox 15"/>
+          <p:cNvSpPr txBox="1"/>
+          <p:nvPr/>
+        </p:nvSpPr>
+        <p:spPr>
+          <a:xfrm>
+            <a:off x="4885865" y="1611868"/>
+            <a:ext cx="3314518" cy="369332"/>
+          </a:xfrm>
+          <a:prstGeom prst="rect">
+            <a:avLst/>
+          </a:prstGeom>
+          <a:noFill/>
+        </p:spPr>
+        <p:txBody>
+          <a:bodyPr wrap="square" rtlCol="0">
+            <a:spAutoFit/>
+          </a:bodyPr>
+          <a:lstStyle/>
+          <a:p>
+            <a:r>
+              <a:rPr lang="en-US" dirty="0" smtClean="0"/>
+              <a:t>there is no wait()</a:t>
+            </a:r>
+            <a:endParaRPr lang="en-US" dirty="0"/>
+          </a:p>
+        </p:txBody>
+      </p:sp>
+    </p:spTree>
+    <p:extLst>
+      <p:ext uri="{BB962C8B-B14F-4D97-AF65-F5344CB8AC3E}">
+        <p14:creationId xmlns:p14="http://schemas.microsoft.com/office/powerpoint/2010/main" val="88473522"/>
+      </p:ext>
+    </p:extLst>
+  </p:cSld>
+  <p:clrMapOvr>
+    <a:masterClrMapping/>
+  </p:clrMapOvr>
+  <p:timing>
+    <p:tnLst>
+      <p:par>
+        <p:cTn id="1" dur="indefinite" restart="never" nodeType="tmRoot">
+          <p:childTnLst>
+            <p:seq concurrent="1" nextAc="seek">
+              <p:cTn id="2" dur="indefinite" nodeType="mainSeq">
+                <p:childTnLst>
+                  <p:par>
+                    <p:cTn id="3" fill="hold">
+                      <p:stCondLst>
+                        <p:cond delay="indefinite"/>
+                      </p:stCondLst>
+                      <p:childTnLst>
+                        <p:par>
+                          <p:cTn id="4" fill="hold">
+                            <p:stCondLst>
+                              <p:cond delay="0"/>
+                            </p:stCondLst>
+                            <p:childTnLst>
+                              <p:par>
+                                <p:cTn id="5" presetID="1" presetClass="entr" presetSubtype="0" fill="hold" grpId="0" nodeType="clickEffect">
+                                  <p:stCondLst>
+                                    <p:cond delay="0"/>
+                                  </p:stCondLst>
+                                  <p:childTnLst>
+                                    <p:set>
+                                      <p:cBhvr>
+                                        <p:cTn id="6" dur="1" fill="hold">
+                                          <p:stCondLst>
+                                            <p:cond delay="0"/>
+                                          </p:stCondLst>
+                                        </p:cTn>
+                                        <p:tgtEl>
+                                          <p:spTgt spid="15"/>
+                                        </p:tgtEl>
+                                        <p:attrNameLst>
+                                          <p:attrName>style.visibility</p:attrName>
+                                        </p:attrNameLst>
+                                      </p:cBhvr>
+                                      <p:to>
+                                        <p:strVal val="visible"/>
+                                      </p:to>
+                                    </p:set>
+                                  </p:childTnLst>
+                                </p:cTn>
+                              </p:par>
+                            </p:childTnLst>
+                          </p:cTn>
+                        </p:par>
+                      </p:childTnLst>
+                    </p:cTn>
+                  </p:par>
+                  <p:par>
+                    <p:cTn id="7" fill="hold">
+                      <p:stCondLst>
+                        <p:cond delay="indefinite"/>
+                      </p:stCondLst>
+                      <p:childTnLst>
+                        <p:par>
+                          <p:cTn id="8" fill="hold">
+                            <p:stCondLst>
+                              <p:cond delay="0"/>
+                            </p:stCondLst>
+                            <p:childTnLst>
+                              <p:par>
+                                <p:cTn id="9" presetID="1" presetClass="entr" presetSubtype="0" fill="hold" grpId="0" nodeType="clickEffect">
+                                  <p:stCondLst>
+                                    <p:cond delay="0"/>
+                                  </p:stCondLst>
+                                  <p:childTnLst>
+                                    <p:set>
+                                      <p:cBhvr>
+                                        <p:cTn id="10" dur="1" fill="hold">
+                                          <p:stCondLst>
+                                            <p:cond delay="0"/>
+                                          </p:stCondLst>
+                                        </p:cTn>
+                                        <p:tgtEl>
+                                          <p:spTgt spid="6"/>
+                                        </p:tgtEl>
+                                        <p:attrNameLst>
+                                          <p:attrName>style.visibility</p:attrName>
+                                        </p:attrNameLst>
+                                      </p:cBhvr>
+                                      <p:to>
+                                        <p:strVal val="visible"/>
+                                      </p:to>
+                                    </p:set>
+                                  </p:childTnLst>
+                                </p:cTn>
+                              </p:par>
+                              <p:par>
+                                <p:cTn id="11" presetID="1" presetClass="entr" presetSubtype="0" fill="hold" grpId="0" nodeType="withEffect">
+                                  <p:stCondLst>
+                                    <p:cond delay="0"/>
+                                  </p:stCondLst>
+                                  <p:childTnLst>
+                                    <p:set>
+                                      <p:cBhvr>
+                                        <p:cTn id="12" dur="1" fill="hold">
+                                          <p:stCondLst>
+                                            <p:cond delay="0"/>
+                                          </p:stCondLst>
+                                        </p:cTn>
+                                        <p:tgtEl>
+                                          <p:spTgt spid="2"/>
+                                        </p:tgtEl>
+                                        <p:attrNameLst>
+                                          <p:attrName>style.visibility</p:attrName>
+                                        </p:attrNameLst>
+                                      </p:cBhvr>
+                                      <p:to>
+                                        <p:strVal val="visible"/>
+                                      </p:to>
+                                    </p:set>
+                                  </p:childTnLst>
+                                </p:cTn>
+                              </p:par>
+                            </p:childTnLst>
+                          </p:cTn>
+                        </p:par>
+                      </p:childTnLst>
+                    </p:cTn>
+                  </p:par>
+                  <p:par>
+                    <p:cTn id="13" fill="hold">
+                      <p:stCondLst>
+                        <p:cond delay="indefinite"/>
+                      </p:stCondLst>
+                      <p:childTnLst>
+                        <p:par>
+                          <p:cTn id="14" fill="hold">
+                            <p:stCondLst>
+                              <p:cond delay="0"/>
+                            </p:stCondLst>
+                            <p:childTnLst>
+                              <p:par>
+                                <p:cTn id="15" presetID="1" presetClass="entr" presetSubtype="0" fill="hold" grpId="0" nodeType="clickEffect">
+                                  <p:stCondLst>
+                                    <p:cond delay="0"/>
+                                  </p:stCondLst>
+                                  <p:childTnLst>
+                                    <p:set>
+                                      <p:cBhvr>
+                                        <p:cTn id="16" dur="1" fill="hold">
+                                          <p:stCondLst>
+                                            <p:cond delay="0"/>
+                                          </p:stCondLst>
+                                        </p:cTn>
+                                        <p:tgtEl>
+                                          <p:spTgt spid="10"/>
+                                        </p:tgtEl>
+                                        <p:attrNameLst>
+                                          <p:attrName>style.visibility</p:attrName>
+                                        </p:attrNameLst>
+                                      </p:cBhvr>
+                                      <p:to>
+                                        <p:strVal val="visible"/>
+                                      </p:to>
+                                    </p:set>
+                                  </p:childTnLst>
+                                </p:cTn>
+                              </p:par>
+                              <p:par>
+                                <p:cTn id="17" presetID="1" presetClass="entr" presetSubtype="0" fill="hold" grpId="0" nodeType="withEffect">
+                                  <p:stCondLst>
+                                    <p:cond delay="0"/>
+                                  </p:stCondLst>
+                                  <p:childTnLst>
+                                    <p:set>
+                                      <p:cBhvr>
+                                        <p:cTn id="18" dur="1" fill="hold">
+                                          <p:stCondLst>
+                                            <p:cond delay="0"/>
+                                          </p:stCondLst>
+                                        </p:cTn>
+                                        <p:tgtEl>
+                                          <p:spTgt spid="3"/>
+                                        </p:tgtEl>
+                                        <p:attrNameLst>
+                                          <p:attrName>style.visibility</p:attrName>
+                                        </p:attrNameLst>
+                                      </p:cBhvr>
+                                      <p:to>
+                                        <p:strVal val="visible"/>
+                                      </p:to>
+                                    </p:set>
+                                  </p:childTnLst>
+                                </p:cTn>
+                              </p:par>
+                              <p:par>
+                                <p:cTn id="19" presetID="1" presetClass="entr" presetSubtype="0" fill="hold" grpId="0" nodeType="withEffect">
+                                  <p:stCondLst>
+                                    <p:cond delay="0"/>
+                                  </p:stCondLst>
+                                  <p:childTnLst>
+                                    <p:set>
+                                      <p:cBhvr>
+                                        <p:cTn id="20" dur="1" fill="hold">
+                                          <p:stCondLst>
+                                            <p:cond delay="0"/>
+                                          </p:stCondLst>
+                                        </p:cTn>
+                                        <p:tgtEl>
+                                          <p:spTgt spid="7"/>
+                                        </p:tgtEl>
+                                        <p:attrNameLst>
+                                          <p:attrName>style.visibility</p:attrName>
+                                        </p:attrNameLst>
+                                      </p:cBhvr>
+                                      <p:to>
+                                        <p:strVal val="visible"/>
+                                      </p:to>
+                                    </p:set>
+                                  </p:childTnLst>
+                                </p:cTn>
+                              </p:par>
+                            </p:childTnLst>
+                          </p:cTn>
+                        </p:par>
+                      </p:childTnLst>
+                    </p:cTn>
+                  </p:par>
+                  <p:par>
+                    <p:cTn id="21" fill="hold">
+                      <p:stCondLst>
+                        <p:cond delay="indefinite"/>
+                      </p:stCondLst>
+                      <p:childTnLst>
+                        <p:par>
+                          <p:cTn id="22" fill="hold">
+                            <p:stCondLst>
+                              <p:cond delay="0"/>
+                            </p:stCondLst>
+                            <p:childTnLst>
+                              <p:par>
+                                <p:cTn id="23" presetID="1" presetClass="entr" presetSubtype="0" fill="hold" grpId="0" nodeType="clickEffect">
+                                  <p:stCondLst>
+                                    <p:cond delay="0"/>
+                                  </p:stCondLst>
+                                  <p:childTnLst>
+                                    <p:set>
+                                      <p:cBhvr>
+                                        <p:cTn id="24" dur="1" fill="hold">
+                                          <p:stCondLst>
+                                            <p:cond delay="0"/>
+                                          </p:stCondLst>
+                                        </p:cTn>
+                                        <p:tgtEl>
+                                          <p:spTgt spid="16"/>
+                                        </p:tgtEl>
+                                        <p:attrNameLst>
+                                          <p:attrName>style.visibility</p:attrName>
+                                        </p:attrNameLst>
+                                      </p:cBhvr>
+                                      <p:to>
+                                        <p:strVal val="visible"/>
+                                      </p:to>
+                                    </p:set>
+                                  </p:childTnLst>
+                                </p:cTn>
+                              </p:par>
+                            </p:childTnLst>
+                          </p:cTn>
+                        </p:par>
+                      </p:childTnLst>
+                    </p:cTn>
+                  </p:par>
+                </p:childTnLst>
+              </p:cTn>
+              <p:prevCondLst>
+                <p:cond evt="onPrev" delay="0">
+                  <p:tgtEl>
+                    <p:sldTgt/>
+                  </p:tgtEl>
+                </p:cond>
+              </p:prevCondLst>
+              <p:nextCondLst>
+                <p:cond evt="onNext" delay="0">
+                  <p:tgtEl>
+                    <p:sldTgt/>
+                  </p:tgtEl>
+                </p:cond>
+              </p:nextCondLst>
+            </p:seq>
+          </p:childTnLst>
+        </p:cTn>
+      </p:par>
+    </p:tnLst>
+    <p:bldLst>
+      <p:bldP spid="3" grpId="0" animBg="1"/>
+      <p:bldP spid="15" grpId="0"/>
+      <p:bldP spid="6" grpId="0"/>
+      <p:bldP spid="2" grpId="0" animBg="1"/>
+      <p:bldP spid="7" grpId="0"/>
+      <p:bldP spid="10" grpId="0"/>
+      <p:bldP spid="16" grpId="0"/>
+    </p:bldLst>
+  </p:timing>
+</p:sld>
+</file>
+
+<file path=ppt/slides/slide4.xml><?xml version="1.0" encoding="utf-8"?>
+<p:sld xmlns:a="http://schemas.openxmlformats.org/drawingml/2006/main" xmlns:r="http://schemas.openxmlformats.org/officeDocument/2006/relationships" xmlns:p="http://schemas.openxmlformats.org/presentationml/2006/main">
+  <p:cSld>
+    <p:spTree>
+      <p:nvGrpSpPr>
+        <p:cNvPr id="1" name=""/>
+        <p:cNvGrpSpPr/>
+        <p:nvPr/>
+      </p:nvGrpSpPr>
+      <p:grpSpPr>
+        <a:xfrm>
+          <a:off x="0" y="0"/>
+          <a:ext cx="0" cy="0"/>
+          <a:chOff x="0" y="0"/>
+          <a:chExt cx="0" cy="0"/>
+        </a:xfrm>
+      </p:grpSpPr>
+      <p:sp>
+        <p:nvSpPr>
+          <p:cNvPr id="4" name="Rectangle 3"/>
+          <p:cNvSpPr/>
+          <p:nvPr/>
+        </p:nvSpPr>
+        <p:spPr>
+          <a:xfrm>
+            <a:off x="646316" y="609600"/>
+            <a:ext cx="7720127" cy="707886"/>
+          </a:xfrm>
+          <a:prstGeom prst="rect">
+            <a:avLst/>
+          </a:prstGeom>
+        </p:spPr>
+        <p:txBody>
+          <a:bodyPr wrap="none">
+            <a:spAutoFit/>
+          </a:bodyPr>
+          <a:lstStyle/>
+          <a:p>
+            <a:pPr algn="ctr"/>
+            <a:r>
+              <a:rPr lang="en-US" sz="4000" dirty="0" smtClean="0">
+                <a:latin typeface="Rockwell" panose="02060603020205020403" pitchFamily="18" charset="0"/>
+              </a:rPr>
+              <a:t>Single threaded, never blocking</a:t>
+            </a:r>
+            <a:endParaRPr lang="ru-RU" sz="4000" dirty="0"/>
+          </a:p>
+        </p:txBody>
+      </p:sp>
+      <p:pic>
+        <p:nvPicPr>
+          <p:cNvPr id="3078" name="Picture 6"/>
+          <p:cNvPicPr>
+            <a:picLocks noChangeAspect="1" noChangeArrowheads="1"/>
+          </p:cNvPicPr>
+          <p:nvPr/>
+        </p:nvPicPr>
+        <p:blipFill>
+          <a:blip r:embed="rId2">
+            <a:extLst>
+              <a:ext uri="{28A0092B-C50C-407E-A947-70E740481C1C}">
+                <a14:useLocalDpi xmlns:a14="http://schemas.microsoft.com/office/drawing/2010/main" val="0"/>
+              </a:ext>
+            </a:extLst>
+          </a:blip>
+          <a:srcRect/>
+          <a:stretch>
+            <a:fillRect/>
+          </a:stretch>
+        </p:blipFill>
+        <p:spPr bwMode="auto">
+          <a:xfrm>
+            <a:off x="3096679" y="2465303"/>
+            <a:ext cx="2819400" cy="2581275"/>
+          </a:xfrm>
+          <a:prstGeom prst="rect">
+            <a:avLst/>
+          </a:prstGeom>
+          <a:noFill/>
+          <a:ln>
+            <a:noFill/>
+          </a:ln>
+          <a:extLst>
+            <a:ext uri="{909E8E84-426E-40DD-AFC4-6F175D3DCCD1}">
+              <a14:hiddenFill xmlns:a14="http://schemas.microsoft.com/office/drawing/2010/main">
+                <a:solidFill>
+                  <a:schemeClr val="accent1"/>
+                </a:solidFill>
+              </a14:hiddenFill>
+            </a:ext>
+            <a:ext uri="{91240B29-F687-4F45-9708-019B960494DF}">
+              <a14:hiddenLine xmlns:a14="http://schemas.microsoft.com/office/drawing/2010/main" w="9525">
+                <a:solidFill>
+                  <a:schemeClr val="tx1"/>
+                </a:solidFill>
+                <a:miter lim="800000"/>
+                <a:headEnd/>
+                <a:tailEnd/>
+              </a14:hiddenLine>
+            </a:ext>
+          </a:extLst>
+        </p:spPr>
+      </p:pic>
+      <p:sp>
+        <p:nvSpPr>
+          <p:cNvPr id="12" name="TextBox 11"/>
+          <p:cNvSpPr txBox="1"/>
+          <p:nvPr/>
+        </p:nvSpPr>
+        <p:spPr>
+          <a:xfrm>
+            <a:off x="258828" y="2049804"/>
+            <a:ext cx="1524000" cy="830997"/>
+          </a:xfrm>
+          <a:prstGeom prst="rect">
+            <a:avLst/>
+          </a:prstGeom>
+          <a:noFill/>
+        </p:spPr>
+        <p:txBody>
+          <a:bodyPr wrap="square" rtlCol="0">
+            <a:spAutoFit/>
+          </a:bodyPr>
+          <a:lstStyle/>
+          <a:p>
+            <a:r>
+              <a:rPr lang="en-US" sz="2400" dirty="0" smtClean="0"/>
+              <a:t>functions call stack</a:t>
+            </a:r>
+            <a:endParaRPr lang="en-US" sz="2400" dirty="0"/>
+          </a:p>
+        </p:txBody>
+      </p:sp>
+      <p:cxnSp>
+        <p:nvCxnSpPr>
+          <p:cNvPr id="8" name="Straight Arrow Connector 7"/>
+          <p:cNvCxnSpPr>
+            <a:stCxn id="12" idx="3"/>
+          </p:cNvCxnSpPr>
+          <p:nvPr/>
+        </p:nvCxnSpPr>
+        <p:spPr>
+          <a:xfrm>
+            <a:off x="1782828" y="2465303"/>
+            <a:ext cx="1036572" cy="63322"/>
+          </a:xfrm>
+          <a:prstGeom prst="straightConnector1">
+            <a:avLst/>
+          </a:prstGeom>
+          <a:ln>
+            <a:tailEnd type="arrow"/>
+          </a:ln>
+        </p:spPr>
+        <p:style>
+          <a:lnRef idx="1">
+            <a:schemeClr val="accent1"/>
+          </a:lnRef>
+          <a:fillRef idx="0">
+            <a:schemeClr val="accent1"/>
+          </a:fillRef>
+          <a:effectRef idx="0">
+            <a:schemeClr val="accent1"/>
+          </a:effectRef>
+          <a:fontRef idx="minor">
+            <a:schemeClr val="tx1"/>
+          </a:fontRef>
+        </p:style>
+      </p:cxnSp>
+      <p:sp>
+        <p:nvSpPr>
+          <p:cNvPr id="14" name="TextBox 13"/>
+          <p:cNvSpPr txBox="1"/>
+          <p:nvPr/>
+        </p:nvSpPr>
+        <p:spPr>
+          <a:xfrm>
+            <a:off x="4800600" y="5424684"/>
+            <a:ext cx="3947916" cy="461665"/>
+          </a:xfrm>
+          <a:prstGeom prst="rect">
+            <a:avLst/>
+          </a:prstGeom>
+          <a:noFill/>
+        </p:spPr>
+        <p:txBody>
+          <a:bodyPr wrap="square" rtlCol="0">
+            <a:spAutoFit/>
+          </a:bodyPr>
+          <a:lstStyle/>
+          <a:p>
+            <a:r>
+              <a:rPr lang="en-US" sz="2400" dirty="0" smtClean="0"/>
+              <a:t>message queue / event loop</a:t>
+            </a:r>
+            <a:endParaRPr lang="en-US" sz="2400" dirty="0"/>
+          </a:p>
+        </p:txBody>
+      </p:sp>
+      <p:cxnSp>
+        <p:nvCxnSpPr>
+          <p:cNvPr id="13" name="Straight Arrow Connector 12"/>
+          <p:cNvCxnSpPr/>
+          <p:nvPr/>
+        </p:nvCxnSpPr>
+        <p:spPr>
+          <a:xfrm flipH="1" flipV="1">
+            <a:off x="5791201" y="5105400"/>
+            <a:ext cx="380999" cy="319284"/>
+          </a:xfrm>
+          <a:prstGeom prst="straightConnector1">
+            <a:avLst/>
+          </a:prstGeom>
+          <a:ln>
+            <a:tailEnd type="arrow"/>
+          </a:ln>
+        </p:spPr>
+        <p:style>
+          <a:lnRef idx="1">
+            <a:schemeClr val="accent1"/>
+          </a:lnRef>
+          <a:fillRef idx="0">
+            <a:schemeClr val="accent1"/>
+          </a:fillRef>
+          <a:effectRef idx="0">
+            <a:schemeClr val="accent1"/>
+          </a:effectRef>
+          <a:fontRef idx="minor">
+            <a:schemeClr val="tx1"/>
+          </a:fontRef>
+        </p:style>
+      </p:cxnSp>
+      <p:sp>
+        <p:nvSpPr>
+          <p:cNvPr id="19" name="TextBox 18"/>
+          <p:cNvSpPr txBox="1"/>
+          <p:nvPr/>
+        </p:nvSpPr>
+        <p:spPr>
+          <a:xfrm>
+            <a:off x="5181600" y="5829123"/>
+            <a:ext cx="2971800" cy="307777"/>
+          </a:xfrm>
+          <a:prstGeom prst="rect">
+            <a:avLst/>
+          </a:prstGeom>
+          <a:noFill/>
+        </p:spPr>
+        <p:txBody>
+          <a:bodyPr wrap="square" rtlCol="0">
+            <a:spAutoFit/>
+          </a:bodyPr>
+          <a:lstStyle/>
+          <a:p>
+            <a:r>
+              <a:rPr lang="en-US" sz="1400" dirty="0" err="1" smtClean="0"/>
+              <a:t>setTimeout</a:t>
+            </a:r>
+            <a:r>
+              <a:rPr lang="en-US" sz="1400" dirty="0" smtClean="0"/>
+              <a:t> / </a:t>
+            </a:r>
+            <a:r>
+              <a:rPr lang="en-US" sz="1400" dirty="0" err="1" smtClean="0"/>
+              <a:t>setInterval</a:t>
+            </a:r>
+            <a:r>
+              <a:rPr lang="en-US" sz="1400" dirty="0" smtClean="0"/>
+              <a:t> and events</a:t>
+            </a:r>
+            <a:endParaRPr lang="en-US" sz="1400" dirty="0"/>
+          </a:p>
+        </p:txBody>
+      </p:sp>
+      <p:sp>
+        <p:nvSpPr>
+          <p:cNvPr id="20" name="TextBox 19"/>
+          <p:cNvSpPr txBox="1"/>
+          <p:nvPr/>
+        </p:nvSpPr>
+        <p:spPr>
+          <a:xfrm>
+            <a:off x="228600" y="2880973"/>
+            <a:ext cx="2971800" cy="523220"/>
+          </a:xfrm>
+          <a:prstGeom prst="rect">
+            <a:avLst/>
+          </a:prstGeom>
+          <a:noFill/>
+        </p:spPr>
+        <p:txBody>
+          <a:bodyPr wrap="square" rtlCol="0">
+            <a:spAutoFit/>
+          </a:bodyPr>
+          <a:lstStyle/>
+          <a:p>
+            <a:r>
+              <a:rPr lang="en-US" sz="1400" dirty="0" smtClean="0"/>
+              <a:t>starts from handler function </a:t>
+            </a:r>
+          </a:p>
+          <a:p>
+            <a:r>
+              <a:rPr lang="en-US" sz="1400" dirty="0" smtClean="0"/>
+              <a:t>in queue and goes down</a:t>
+            </a:r>
+            <a:endParaRPr lang="en-US" sz="1400" dirty="0"/>
+          </a:p>
+        </p:txBody>
+      </p:sp>
+      <p:sp>
+        <p:nvSpPr>
+          <p:cNvPr id="22" name="TextBox 21"/>
+          <p:cNvSpPr txBox="1"/>
+          <p:nvPr/>
+        </p:nvSpPr>
+        <p:spPr>
+          <a:xfrm>
+            <a:off x="6842443" y="1524000"/>
+            <a:ext cx="1524000" cy="830997"/>
+          </a:xfrm>
+          <a:prstGeom prst="rect">
+            <a:avLst/>
+          </a:prstGeom>
+          <a:noFill/>
+        </p:spPr>
+        <p:txBody>
+          <a:bodyPr wrap="square" rtlCol="0">
+            <a:spAutoFit/>
+          </a:bodyPr>
+          <a:lstStyle/>
+          <a:p>
+            <a:r>
+              <a:rPr lang="en-US" sz="2400" dirty="0" smtClean="0"/>
+              <a:t>memory for objects</a:t>
+            </a:r>
+            <a:endParaRPr lang="en-US" sz="2400" dirty="0"/>
+          </a:p>
+        </p:txBody>
+      </p:sp>
+      <p:cxnSp>
+        <p:nvCxnSpPr>
+          <p:cNvPr id="23" name="Straight Arrow Connector 22"/>
+          <p:cNvCxnSpPr/>
+          <p:nvPr/>
+        </p:nvCxnSpPr>
+        <p:spPr>
+          <a:xfrm flipH="1">
+            <a:off x="5981700" y="2160118"/>
+            <a:ext cx="860744" cy="368507"/>
+          </a:xfrm>
+          <a:prstGeom prst="straightConnector1">
+            <a:avLst/>
+          </a:prstGeom>
+          <a:ln>
+            <a:tailEnd type="arrow"/>
+          </a:ln>
+        </p:spPr>
+        <p:style>
+          <a:lnRef idx="1">
+            <a:schemeClr val="accent1"/>
+          </a:lnRef>
+          <a:fillRef idx="0">
+            <a:schemeClr val="accent1"/>
+          </a:fillRef>
+          <a:effectRef idx="0">
+            <a:schemeClr val="accent1"/>
+          </a:effectRef>
+          <a:fontRef idx="minor">
+            <a:schemeClr val="tx1"/>
+          </a:fontRef>
+        </p:style>
+      </p:cxnSp>
+      <p:cxnSp>
+        <p:nvCxnSpPr>
+          <p:cNvPr id="26" name="Straight Arrow Connector 25"/>
+          <p:cNvCxnSpPr/>
+          <p:nvPr/>
+        </p:nvCxnSpPr>
+        <p:spPr>
+          <a:xfrm flipV="1">
+            <a:off x="2819400" y="2667000"/>
+            <a:ext cx="0" cy="1905000"/>
+          </a:xfrm>
+          <a:prstGeom prst="straightConnector1">
+            <a:avLst/>
+          </a:prstGeom>
+          <a:ln>
+            <a:tailEnd type="arrow"/>
+          </a:ln>
+        </p:spPr>
+        <p:style>
+          <a:lnRef idx="2">
+            <a:schemeClr val="accent2"/>
+          </a:lnRef>
+          <a:fillRef idx="0">
+            <a:schemeClr val="accent2"/>
+          </a:fillRef>
+          <a:effectRef idx="1">
+            <a:schemeClr val="accent2"/>
+          </a:effectRef>
+          <a:fontRef idx="minor">
+            <a:schemeClr val="tx1"/>
+          </a:fontRef>
+        </p:style>
+      </p:cxnSp>
+      <p:cxnSp>
+        <p:nvCxnSpPr>
+          <p:cNvPr id="28" name="Straight Arrow Connector 27"/>
+          <p:cNvCxnSpPr/>
+          <p:nvPr/>
+        </p:nvCxnSpPr>
+        <p:spPr>
+          <a:xfrm>
+            <a:off x="2933700" y="2667000"/>
+            <a:ext cx="0" cy="1981200"/>
+          </a:xfrm>
+          <a:prstGeom prst="straightConnector1">
+            <a:avLst/>
+          </a:prstGeom>
+          <a:ln>
+            <a:tailEnd type="arrow"/>
+          </a:ln>
+        </p:spPr>
+        <p:style>
+          <a:lnRef idx="2">
+            <a:schemeClr val="accent2"/>
+          </a:lnRef>
+          <a:fillRef idx="0">
+            <a:schemeClr val="accent2"/>
+          </a:fillRef>
+          <a:effectRef idx="1">
+            <a:schemeClr val="accent2"/>
+          </a:effectRef>
+          <a:fontRef idx="minor">
+            <a:schemeClr val="tx1"/>
+          </a:fontRef>
+        </p:style>
+      </p:cxnSp>
+      <p:sp>
+        <p:nvSpPr>
+          <p:cNvPr id="32" name="TextBox 31"/>
+          <p:cNvSpPr txBox="1"/>
+          <p:nvPr/>
+        </p:nvSpPr>
+        <p:spPr>
+          <a:xfrm>
+            <a:off x="381000" y="4724400"/>
+            <a:ext cx="2590800" cy="461665"/>
+          </a:xfrm>
+          <a:prstGeom prst="rect">
+            <a:avLst/>
+          </a:prstGeom>
+        </p:spPr>
+        <p:style>
+          <a:lnRef idx="2">
+            <a:schemeClr val="accent2"/>
+          </a:lnRef>
+          <a:fillRef idx="1">
+            <a:schemeClr val="lt1"/>
+          </a:fillRef>
+          <a:effectRef idx="0">
+            <a:schemeClr val="accent2"/>
+          </a:effectRef>
+          <a:fontRef idx="minor">
+            <a:schemeClr val="dk1"/>
+          </a:fontRef>
+        </p:style>
+        <p:txBody>
+          <a:bodyPr wrap="square" rtlCol="0">
+            <a:spAutoFit/>
+          </a:bodyPr>
+          <a:lstStyle/>
+          <a:p>
+            <a:r>
+              <a:rPr lang="en-US" sz="2400" dirty="0" smtClean="0"/>
+              <a:t>runs-to-completion</a:t>
+            </a:r>
+            <a:endParaRPr lang="en-US" sz="2400" dirty="0"/>
+          </a:p>
+        </p:txBody>
+      </p:sp>
+      <p:sp>
+        <p:nvSpPr>
+          <p:cNvPr id="33" name="TextBox 32"/>
+          <p:cNvSpPr txBox="1"/>
+          <p:nvPr/>
+        </p:nvSpPr>
+        <p:spPr>
+          <a:xfrm>
+            <a:off x="379111" y="5281731"/>
+            <a:ext cx="2971800" cy="738664"/>
+          </a:xfrm>
+          <a:prstGeom prst="rect">
+            <a:avLst/>
+          </a:prstGeom>
+          <a:noFill/>
+        </p:spPr>
+        <p:txBody>
+          <a:bodyPr wrap="square" rtlCol="0">
+            <a:spAutoFit/>
+          </a:bodyPr>
+          <a:lstStyle/>
+          <a:p>
+            <a:r>
+              <a:rPr lang="en-US" sz="1400" dirty="0" smtClean="0"/>
+              <a:t>cannot be stopped like in java, every function runs till end and nothing can stop it</a:t>
+            </a:r>
+            <a:endParaRPr lang="en-US" sz="1400" dirty="0"/>
+          </a:p>
+        </p:txBody>
+      </p:sp>
+      <p:sp>
+        <p:nvSpPr>
+          <p:cNvPr id="34" name="TextBox 33"/>
+          <p:cNvSpPr txBox="1"/>
+          <p:nvPr/>
+        </p:nvSpPr>
+        <p:spPr>
+          <a:xfrm>
+            <a:off x="614199" y="6136900"/>
+            <a:ext cx="1900401" cy="369332"/>
+          </a:xfrm>
+          <a:prstGeom prst="rect">
+            <a:avLst/>
+          </a:prstGeom>
+          <a:noFill/>
+        </p:spPr>
+        <p:txBody>
+          <a:bodyPr wrap="square" rtlCol="0">
+            <a:spAutoFit/>
+          </a:bodyPr>
+          <a:lstStyle/>
+          <a:p>
+            <a:r>
+              <a:rPr lang="en-US" b="1" dirty="0" smtClean="0"/>
+              <a:t>FPS</a:t>
+            </a:r>
+            <a:r>
+              <a:rPr lang="en-US" dirty="0" smtClean="0"/>
+              <a:t> !important</a:t>
+            </a:r>
+            <a:endParaRPr lang="en-US" dirty="0"/>
+          </a:p>
+        </p:txBody>
+      </p:sp>
+      <p:sp>
+        <p:nvSpPr>
+          <p:cNvPr id="35" name="TextBox 34"/>
+          <p:cNvSpPr txBox="1"/>
+          <p:nvPr/>
+        </p:nvSpPr>
+        <p:spPr>
+          <a:xfrm>
+            <a:off x="3173321" y="1822502"/>
+            <a:ext cx="2590800" cy="461665"/>
+          </a:xfrm>
+          <a:prstGeom prst="rect">
+            <a:avLst/>
+          </a:prstGeom>
+          <a:noFill/>
+        </p:spPr>
+        <p:txBody>
+          <a:bodyPr wrap="square" rtlCol="0">
+            <a:spAutoFit/>
+          </a:bodyPr>
+          <a:lstStyle/>
+          <a:p>
+            <a:r>
+              <a:rPr lang="en-US" sz="2400" dirty="0" err="1" smtClean="0"/>
+              <a:t>js</a:t>
+            </a:r>
+            <a:r>
+              <a:rPr lang="en-US" sz="2400" dirty="0" smtClean="0"/>
+              <a:t> engine model</a:t>
+            </a:r>
+            <a:endParaRPr lang="en-US" sz="2400" dirty="0"/>
+          </a:p>
+        </p:txBody>
+      </p:sp>
+      <p:pic>
+        <p:nvPicPr>
+          <p:cNvPr id="6148" name="Picture 4" descr="http://icons.veryicon.com/256/System/Small%20%26%20Flat/cogs.png"/>
+          <p:cNvPicPr>
+            <a:picLocks noChangeAspect="1" noChangeArrowheads="1"/>
+          </p:cNvPicPr>
+          <p:nvPr/>
+        </p:nvPicPr>
+        <p:blipFill>
+          <a:blip r:embed="rId3" cstate="print">
+            <a:extLst>
+              <a:ext uri="{28A0092B-C50C-407E-A947-70E740481C1C}">
+                <a14:useLocalDpi xmlns:a14="http://schemas.microsoft.com/office/drawing/2010/main" val="0"/>
+              </a:ext>
+            </a:extLst>
+          </a:blip>
+          <a:srcRect/>
+          <a:stretch>
+            <a:fillRect/>
+          </a:stretch>
+        </p:blipFill>
+        <p:spPr bwMode="auto">
+          <a:xfrm>
+            <a:off x="5295207" y="1739368"/>
+            <a:ext cx="620871" cy="620871"/>
+          </a:xfrm>
+          <a:prstGeom prst="rect">
+            <a:avLst/>
+          </a:prstGeom>
+          <a:noFill/>
+          <a:extLst>
+            <a:ext uri="{909E8E84-426E-40DD-AFC4-6F175D3DCCD1}">
+              <a14:hiddenFill xmlns:a14="http://schemas.microsoft.com/office/drawing/2010/main">
+                <a:solidFill>
+                  <a:srgbClr val="FFFFFF"/>
+                </a:solidFill>
+              </a14:hiddenFill>
+            </a:ext>
+          </a:extLst>
+        </p:spPr>
+      </p:pic>
+    </p:spTree>
+    <p:extLst>
+      <p:ext uri="{BB962C8B-B14F-4D97-AF65-F5344CB8AC3E}">
+        <p14:creationId xmlns:p14="http://schemas.microsoft.com/office/powerpoint/2010/main" val="710293032"/>
+      </p:ext>
+    </p:extLst>
+  </p:cSld>
+  <p:clrMapOvr>
+    <a:masterClrMapping/>
+  </p:clrMapOvr>
+  <p:timing>
+    <p:tnLst>
+      <p:par>
+        <p:cTn id="1" dur="indefinite" restart="never" nodeType="tmRoot">
+          <p:childTnLst>
+            <p:seq concurrent="1" nextAc="seek">
+              <p:cTn id="2" dur="indefinite" nodeType="mainSeq">
+                <p:childTnLst>
+                  <p:par>
+                    <p:cTn id="3" fill="hold">
+                      <p:stCondLst>
+                        <p:cond delay="indefinite"/>
+                      </p:stCondLst>
+                      <p:childTnLst>
+                        <p:par>
+                          <p:cTn id="4" fill="hold">
+                            <p:stCondLst>
+                              <p:cond delay="0"/>
+                            </p:stCondLst>
+                            <p:childTnLst>
+                              <p:par>
+                                <p:cTn id="5" presetID="1" presetClass="entr" presetSubtype="0" fill="hold" grpId="0" nodeType="clickEffect">
+                                  <p:stCondLst>
+                                    <p:cond delay="0"/>
+                                  </p:stCondLst>
+                                  <p:childTnLst>
+                                    <p:set>
+                                      <p:cBhvr>
+                                        <p:cTn id="6" dur="1" fill="hold">
+                                          <p:stCondLst>
+                                            <p:cond delay="0"/>
+                                          </p:stCondLst>
+                                        </p:cTn>
+                                        <p:tgtEl>
+                                          <p:spTgt spid="35"/>
+                                        </p:tgtEl>
+                                        <p:attrNameLst>
+                                          <p:attrName>style.visibility</p:attrName>
+                                        </p:attrNameLst>
+                                      </p:cBhvr>
+                                      <p:to>
+                                        <p:strVal val="visible"/>
+                                      </p:to>
+                                    </p:set>
+                                  </p:childTnLst>
+                                </p:cTn>
+                              </p:par>
+                              <p:par>
+                                <p:cTn id="7" presetID="1" presetClass="entr" presetSubtype="0" fill="hold" nodeType="withEffect">
+                                  <p:stCondLst>
+                                    <p:cond delay="0"/>
+                                  </p:stCondLst>
+                                  <p:childTnLst>
+                                    <p:set>
+                                      <p:cBhvr>
+                                        <p:cTn id="8" dur="1" fill="hold">
+                                          <p:stCondLst>
+                                            <p:cond delay="0"/>
+                                          </p:stCondLst>
+                                        </p:cTn>
+                                        <p:tgtEl>
+                                          <p:spTgt spid="6148"/>
+                                        </p:tgtEl>
+                                        <p:attrNameLst>
+                                          <p:attrName>style.visibility</p:attrName>
+                                        </p:attrNameLst>
+                                      </p:cBhvr>
+                                      <p:to>
+                                        <p:strVal val="visible"/>
+                                      </p:to>
+                                    </p:set>
+                                  </p:childTnLst>
+                                </p:cTn>
+                              </p:par>
+                              <p:par>
+                                <p:cTn id="9" presetID="1" presetClass="entr" presetSubtype="0" fill="hold" nodeType="withEffect">
+                                  <p:stCondLst>
+                                    <p:cond delay="0"/>
+                                  </p:stCondLst>
+                                  <p:childTnLst>
+                                    <p:set>
+                                      <p:cBhvr>
+                                        <p:cTn id="10" dur="1" fill="hold">
+                                          <p:stCondLst>
+                                            <p:cond delay="0"/>
+                                          </p:stCondLst>
+                                        </p:cTn>
+                                        <p:tgtEl>
+                                          <p:spTgt spid="3078"/>
+                                        </p:tgtEl>
+                                        <p:attrNameLst>
+                                          <p:attrName>style.visibility</p:attrName>
+                                        </p:attrNameLst>
+                                      </p:cBhvr>
+                                      <p:to>
+                                        <p:strVal val="visible"/>
+                                      </p:to>
+                                    </p:set>
+                                  </p:childTnLst>
+                                </p:cTn>
+                              </p:par>
+                            </p:childTnLst>
+                          </p:cTn>
+                        </p:par>
+                      </p:childTnLst>
+                    </p:cTn>
+                  </p:par>
+                  <p:par>
+                    <p:cTn id="11" fill="hold">
+                      <p:stCondLst>
+                        <p:cond delay="indefinite"/>
+                      </p:stCondLst>
+                      <p:childTnLst>
+                        <p:par>
+                          <p:cTn id="12" fill="hold">
+                            <p:stCondLst>
+                              <p:cond delay="0"/>
+                            </p:stCondLst>
+                            <p:childTnLst>
+                              <p:par>
+                                <p:cTn id="13" presetID="1" presetClass="entr" presetSubtype="0" fill="hold" nodeType="clickEffect">
+                                  <p:stCondLst>
+                                    <p:cond delay="0"/>
+                                  </p:stCondLst>
+                                  <p:childTnLst>
+                                    <p:set>
+                                      <p:cBhvr>
+                                        <p:cTn id="14" dur="1" fill="hold">
+                                          <p:stCondLst>
+                                            <p:cond delay="0"/>
+                                          </p:stCondLst>
+                                        </p:cTn>
+                                        <p:tgtEl>
+                                          <p:spTgt spid="13"/>
+                                        </p:tgtEl>
+                                        <p:attrNameLst>
+                                          <p:attrName>style.visibility</p:attrName>
+                                        </p:attrNameLst>
+                                      </p:cBhvr>
+                                      <p:to>
+                                        <p:strVal val="visible"/>
+                                      </p:to>
+                                    </p:set>
+                                  </p:childTnLst>
+                                </p:cTn>
+                              </p:par>
+                              <p:par>
+                                <p:cTn id="15" presetID="1" presetClass="entr" presetSubtype="0" fill="hold" grpId="0" nodeType="withEffect">
+                                  <p:stCondLst>
+                                    <p:cond delay="0"/>
+                                  </p:stCondLst>
+                                  <p:childTnLst>
+                                    <p:set>
+                                      <p:cBhvr>
+                                        <p:cTn id="16" dur="1" fill="hold">
+                                          <p:stCondLst>
+                                            <p:cond delay="0"/>
+                                          </p:stCondLst>
+                                        </p:cTn>
+                                        <p:tgtEl>
+                                          <p:spTgt spid="14"/>
+                                        </p:tgtEl>
+                                        <p:attrNameLst>
+                                          <p:attrName>style.visibility</p:attrName>
+                                        </p:attrNameLst>
+                                      </p:cBhvr>
+                                      <p:to>
+                                        <p:strVal val="visible"/>
+                                      </p:to>
+                                    </p:set>
+                                  </p:childTnLst>
+                                </p:cTn>
+                              </p:par>
+                              <p:par>
+                                <p:cTn id="17" presetID="1" presetClass="entr" presetSubtype="0" fill="hold" grpId="0" nodeType="withEffect">
+                                  <p:stCondLst>
+                                    <p:cond delay="0"/>
+                                  </p:stCondLst>
+                                  <p:childTnLst>
+                                    <p:set>
+                                      <p:cBhvr>
+                                        <p:cTn id="18" dur="1" fill="hold">
+                                          <p:stCondLst>
+                                            <p:cond delay="0"/>
+                                          </p:stCondLst>
+                                        </p:cTn>
+                                        <p:tgtEl>
+                                          <p:spTgt spid="19"/>
+                                        </p:tgtEl>
+                                        <p:attrNameLst>
+                                          <p:attrName>style.visibility</p:attrName>
+                                        </p:attrNameLst>
+                                      </p:cBhvr>
+                                      <p:to>
+                                        <p:strVal val="visible"/>
+                                      </p:to>
+                                    </p:set>
+                                  </p:childTnLst>
+                                </p:cTn>
+                              </p:par>
+                            </p:childTnLst>
+                          </p:cTn>
+                        </p:par>
+                      </p:childTnLst>
+                    </p:cTn>
+                  </p:par>
+                  <p:par>
+                    <p:cTn id="19" fill="hold">
+                      <p:stCondLst>
+                        <p:cond delay="indefinite"/>
+                      </p:stCondLst>
+                      <p:childTnLst>
+                        <p:par>
+                          <p:cTn id="20" fill="hold">
+                            <p:stCondLst>
+                              <p:cond delay="0"/>
+                            </p:stCondLst>
+                            <p:childTnLst>
+                              <p:par>
+                                <p:cTn id="21" presetID="1" presetClass="entr" presetSubtype="0" fill="hold" grpId="0" nodeType="clickEffect">
+                                  <p:stCondLst>
+                                    <p:cond delay="0"/>
+                                  </p:stCondLst>
+                                  <p:childTnLst>
+                                    <p:set>
+                                      <p:cBhvr>
+                                        <p:cTn id="22" dur="1" fill="hold">
+                                          <p:stCondLst>
+                                            <p:cond delay="0"/>
+                                          </p:stCondLst>
+                                        </p:cTn>
+                                        <p:tgtEl>
+                                          <p:spTgt spid="12"/>
+                                        </p:tgtEl>
+                                        <p:attrNameLst>
+                                          <p:attrName>style.visibility</p:attrName>
+                                        </p:attrNameLst>
+                                      </p:cBhvr>
+                                      <p:to>
+                                        <p:strVal val="visible"/>
+                                      </p:to>
+                                    </p:set>
+                                  </p:childTnLst>
+                                </p:cTn>
+                              </p:par>
+                              <p:par>
+                                <p:cTn id="23" presetID="1" presetClass="entr" presetSubtype="0" fill="hold" grpId="0" nodeType="withEffect">
+                                  <p:stCondLst>
+                                    <p:cond delay="0"/>
+                                  </p:stCondLst>
+                                  <p:childTnLst>
+                                    <p:set>
+                                      <p:cBhvr>
+                                        <p:cTn id="24" dur="1" fill="hold">
+                                          <p:stCondLst>
+                                            <p:cond delay="0"/>
+                                          </p:stCondLst>
+                                        </p:cTn>
+                                        <p:tgtEl>
+                                          <p:spTgt spid="20"/>
+                                        </p:tgtEl>
+                                        <p:attrNameLst>
+                                          <p:attrName>style.visibility</p:attrName>
+                                        </p:attrNameLst>
+                                      </p:cBhvr>
+                                      <p:to>
+                                        <p:strVal val="visible"/>
+                                      </p:to>
+                                    </p:set>
+                                  </p:childTnLst>
+                                </p:cTn>
+                              </p:par>
+                              <p:par>
+                                <p:cTn id="25" presetID="1" presetClass="entr" presetSubtype="0" fill="hold" nodeType="withEffect">
+                                  <p:stCondLst>
+                                    <p:cond delay="0"/>
+                                  </p:stCondLst>
+                                  <p:childTnLst>
+                                    <p:set>
+                                      <p:cBhvr>
+                                        <p:cTn id="26" dur="1" fill="hold">
+                                          <p:stCondLst>
+                                            <p:cond delay="0"/>
+                                          </p:stCondLst>
+                                        </p:cTn>
+                                        <p:tgtEl>
+                                          <p:spTgt spid="8"/>
+                                        </p:tgtEl>
+                                        <p:attrNameLst>
+                                          <p:attrName>style.visibility</p:attrName>
+                                        </p:attrNameLst>
+                                      </p:cBhvr>
+                                      <p:to>
+                                        <p:strVal val="visible"/>
+                                      </p:to>
+                                    </p:set>
+                                  </p:childTnLst>
+                                </p:cTn>
+                              </p:par>
+                            </p:childTnLst>
+                          </p:cTn>
+                        </p:par>
+                      </p:childTnLst>
+                    </p:cTn>
+                  </p:par>
+                  <p:par>
+                    <p:cTn id="27" fill="hold">
+                      <p:stCondLst>
+                        <p:cond delay="indefinite"/>
+                      </p:stCondLst>
+                      <p:childTnLst>
+                        <p:par>
+                          <p:cTn id="28" fill="hold">
+                            <p:stCondLst>
+                              <p:cond delay="0"/>
+                            </p:stCondLst>
+                            <p:childTnLst>
+                              <p:par>
+                                <p:cTn id="29" presetID="1" presetClass="entr" presetSubtype="0" fill="hold" grpId="0" nodeType="clickEffect">
+                                  <p:stCondLst>
+                                    <p:cond delay="0"/>
+                                  </p:stCondLst>
+                                  <p:childTnLst>
+                                    <p:set>
+                                      <p:cBhvr>
+                                        <p:cTn id="30" dur="1" fill="hold">
+                                          <p:stCondLst>
+                                            <p:cond delay="0"/>
+                                          </p:stCondLst>
+                                        </p:cTn>
+                                        <p:tgtEl>
+                                          <p:spTgt spid="22"/>
+                                        </p:tgtEl>
+                                        <p:attrNameLst>
+                                          <p:attrName>style.visibility</p:attrName>
+                                        </p:attrNameLst>
+                                      </p:cBhvr>
+                                      <p:to>
+                                        <p:strVal val="visible"/>
+                                      </p:to>
+                                    </p:set>
+                                  </p:childTnLst>
+                                </p:cTn>
+                              </p:par>
+                              <p:par>
+                                <p:cTn id="31" presetID="1" presetClass="entr" presetSubtype="0" fill="hold" nodeType="withEffect">
+                                  <p:stCondLst>
+                                    <p:cond delay="0"/>
+                                  </p:stCondLst>
+                                  <p:childTnLst>
+                                    <p:set>
+                                      <p:cBhvr>
+                                        <p:cTn id="32" dur="1" fill="hold">
+                                          <p:stCondLst>
+                                            <p:cond delay="0"/>
+                                          </p:stCondLst>
+                                        </p:cTn>
+                                        <p:tgtEl>
+                                          <p:spTgt spid="23"/>
+                                        </p:tgtEl>
+                                        <p:attrNameLst>
+                                          <p:attrName>style.visibility</p:attrName>
+                                        </p:attrNameLst>
+                                      </p:cBhvr>
+                                      <p:to>
+                                        <p:strVal val="visible"/>
+                                      </p:to>
+                                    </p:set>
+                                  </p:childTnLst>
+                                </p:cTn>
+                              </p:par>
+                            </p:childTnLst>
+                          </p:cTn>
+                        </p:par>
+                      </p:childTnLst>
+                    </p:cTn>
+                  </p:par>
+                  <p:par>
+                    <p:cTn id="33" fill="hold">
+                      <p:stCondLst>
+                        <p:cond delay="indefinite"/>
+                      </p:stCondLst>
+                      <p:childTnLst>
+                        <p:par>
+                          <p:cTn id="34" fill="hold">
+                            <p:stCondLst>
+                              <p:cond delay="0"/>
+                            </p:stCondLst>
+                            <p:childTnLst>
+                              <p:par>
+                                <p:cTn id="35" presetID="1" presetClass="entr" presetSubtype="0" fill="hold" nodeType="clickEffect">
+                                  <p:stCondLst>
+                                    <p:cond delay="0"/>
+                                  </p:stCondLst>
+                                  <p:childTnLst>
+                                    <p:set>
+                                      <p:cBhvr>
+                                        <p:cTn id="36" dur="1" fill="hold">
+                                          <p:stCondLst>
+                                            <p:cond delay="0"/>
+                                          </p:stCondLst>
+                                        </p:cTn>
+                                        <p:tgtEl>
+                                          <p:spTgt spid="26"/>
+                                        </p:tgtEl>
+                                        <p:attrNameLst>
+                                          <p:attrName>style.visibility</p:attrName>
+                                        </p:attrNameLst>
+                                      </p:cBhvr>
+                                      <p:to>
+                                        <p:strVal val="visible"/>
+                                      </p:to>
+                                    </p:set>
+                                  </p:childTnLst>
+                                </p:cTn>
+                              </p:par>
+                              <p:par>
+                                <p:cTn id="37" presetID="1" presetClass="entr" presetSubtype="0" fill="hold" nodeType="withEffect">
+                                  <p:stCondLst>
+                                    <p:cond delay="0"/>
+                                  </p:stCondLst>
+                                  <p:childTnLst>
+                                    <p:set>
+                                      <p:cBhvr>
+                                        <p:cTn id="38" dur="1" fill="hold">
+                                          <p:stCondLst>
+                                            <p:cond delay="0"/>
+                                          </p:stCondLst>
+                                        </p:cTn>
+                                        <p:tgtEl>
+                                          <p:spTgt spid="28"/>
+                                        </p:tgtEl>
+                                        <p:attrNameLst>
+                                          <p:attrName>style.visibility</p:attrName>
+                                        </p:attrNameLst>
+                                      </p:cBhvr>
+                                      <p:to>
+                                        <p:strVal val="visible"/>
+                                      </p:to>
+                                    </p:set>
+                                  </p:childTnLst>
+                                </p:cTn>
+                              </p:par>
+                              <p:par>
+                                <p:cTn id="39" presetID="1" presetClass="entr" presetSubtype="0" fill="hold" grpId="0" nodeType="withEffect">
+                                  <p:stCondLst>
+                                    <p:cond delay="0"/>
+                                  </p:stCondLst>
+                                  <p:childTnLst>
+                                    <p:set>
+                                      <p:cBhvr>
+                                        <p:cTn id="40" dur="1" fill="hold">
+                                          <p:stCondLst>
+                                            <p:cond delay="0"/>
+                                          </p:stCondLst>
+                                        </p:cTn>
+                                        <p:tgtEl>
+                                          <p:spTgt spid="32"/>
+                                        </p:tgtEl>
+                                        <p:attrNameLst>
+                                          <p:attrName>style.visibility</p:attrName>
+                                        </p:attrNameLst>
+                                      </p:cBhvr>
+                                      <p:to>
+                                        <p:strVal val="visible"/>
+                                      </p:to>
+                                    </p:set>
+                                  </p:childTnLst>
+                                </p:cTn>
+                              </p:par>
+                              <p:par>
+                                <p:cTn id="41" presetID="1" presetClass="entr" presetSubtype="0" fill="hold" grpId="0" nodeType="withEffect">
+                                  <p:stCondLst>
+                                    <p:cond delay="0"/>
+                                  </p:stCondLst>
+                                  <p:childTnLst>
+                                    <p:set>
+                                      <p:cBhvr>
+                                        <p:cTn id="42" dur="1" fill="hold">
+                                          <p:stCondLst>
+                                            <p:cond delay="0"/>
+                                          </p:stCondLst>
+                                        </p:cTn>
+                                        <p:tgtEl>
+                                          <p:spTgt spid="33"/>
+                                        </p:tgtEl>
+                                        <p:attrNameLst>
+                                          <p:attrName>style.visibility</p:attrName>
+                                        </p:attrNameLst>
+                                      </p:cBhvr>
+                                      <p:to>
+                                        <p:strVal val="visible"/>
+                                      </p:to>
+                                    </p:set>
+                                  </p:childTnLst>
+                                </p:cTn>
+                              </p:par>
+                              <p:par>
+                                <p:cTn id="43" presetID="1" presetClass="entr" presetSubtype="0" fill="hold" grpId="0" nodeType="withEffect">
+                                  <p:stCondLst>
+                                    <p:cond delay="0"/>
+                                  </p:stCondLst>
+                                  <p:childTnLst>
+                                    <p:set>
+                                      <p:cBhvr>
+                                        <p:cTn id="44" dur="1" fill="hold">
+                                          <p:stCondLst>
+                                            <p:cond delay="0"/>
+                                          </p:stCondLst>
+                                        </p:cTn>
+                                        <p:tgtEl>
+                                          <p:spTgt spid="34"/>
+                                        </p:tgtEl>
+                                        <p:attrNameLst>
+                                          <p:attrName>style.visibility</p:attrName>
+                                        </p:attrNameLst>
+                                      </p:cBhvr>
+                                      <p:to>
+                                        <p:strVal val="visible"/>
+                                      </p:to>
+                                    </p:set>
+                                  </p:childTnLst>
+                                </p:cTn>
+                              </p:par>
+                            </p:childTnLst>
+                          </p:cTn>
+                        </p:par>
+                      </p:childTnLst>
+                    </p:cTn>
+                  </p:par>
+                </p:childTnLst>
+              </p:cTn>
+              <p:prevCondLst>
+                <p:cond evt="onPrev" delay="0">
+                  <p:tgtEl>
+                    <p:sldTgt/>
+                  </p:tgtEl>
+                </p:cond>
+              </p:prevCondLst>
+              <p:nextCondLst>
+                <p:cond evt="onNext" delay="0">
+                  <p:tgtEl>
+                    <p:sldTgt/>
+                  </p:tgtEl>
+                </p:cond>
+              </p:nextCondLst>
+            </p:seq>
+          </p:childTnLst>
+        </p:cTn>
+      </p:par>
+    </p:tnLst>
+    <p:bldLst>
+      <p:bldP spid="12" grpId="0"/>
+      <p:bldP spid="14" grpId="0"/>
+      <p:bldP spid="19" grpId="0"/>
+      <p:bldP spid="20" grpId="0"/>
+      <p:bldP spid="22" grpId="0"/>
+      <p:bldP spid="32" grpId="0" animBg="1"/>
+      <p:bldP spid="33" grpId="0"/>
+      <p:bldP spid="34" grpId="0"/>
+      <p:bldP spid="35" grpId="0"/>
+    </p:bldLst>
+  </p:timing>
+</p:sld>
+</file>
+
+<file path=ppt/slides/slide5.xml><?xml version="1.0" encoding="utf-8"?>
+<p:sld xmlns:a="http://schemas.openxmlformats.org/drawingml/2006/main" xmlns:r="http://schemas.openxmlformats.org/officeDocument/2006/relationships" xmlns:p="http://schemas.openxmlformats.org/presentationml/2006/main">
+  <p:cSld>
+    <p:spTree>
+      <p:nvGrpSpPr>
+        <p:cNvPr id="1" name=""/>
+        <p:cNvGrpSpPr/>
+        <p:nvPr/>
+      </p:nvGrpSpPr>
+      <p:grpSpPr>
+        <a:xfrm>
+          <a:off x="0" y="0"/>
+          <a:ext cx="0" cy="0"/>
+          <a:chOff x="0" y="0"/>
+          <a:chExt cx="0" cy="0"/>
+        </a:xfrm>
+      </p:grpSpPr>
+      <p:pic>
+        <p:nvPicPr>
+          <p:cNvPr id="5122" name="Picture 2"/>
+          <p:cNvPicPr>
+            <a:picLocks noChangeAspect="1" noChangeArrowheads="1"/>
+          </p:cNvPicPr>
+          <p:nvPr/>
+        </p:nvPicPr>
+        <p:blipFill>
+          <a:blip r:embed="rId2">
+            <a:extLst>
+              <a:ext uri="{28A0092B-C50C-407E-A947-70E740481C1C}">
+                <a14:useLocalDpi xmlns:a14="http://schemas.microsoft.com/office/drawing/2010/main" val="0"/>
+              </a:ext>
+            </a:extLst>
+          </a:blip>
+          <a:srcRect/>
+          <a:stretch>
+            <a:fillRect/>
+          </a:stretch>
+        </p:blipFill>
+        <p:spPr bwMode="auto">
+          <a:xfrm>
+            <a:off x="228600" y="2209800"/>
+            <a:ext cx="5791200" cy="4387978"/>
+          </a:xfrm>
+          <a:prstGeom prst="rect">
+            <a:avLst/>
+          </a:prstGeom>
+          <a:noFill/>
+          <a:ln>
+            <a:noFill/>
+          </a:ln>
+          <a:extLst>
+            <a:ext uri="{909E8E84-426E-40DD-AFC4-6F175D3DCCD1}">
+              <a14:hiddenFill xmlns:a14="http://schemas.microsoft.com/office/drawing/2010/main">
+                <a:solidFill>
+                  <a:schemeClr val="accent1"/>
+                </a:solidFill>
+              </a14:hiddenFill>
+            </a:ext>
+            <a:ext uri="{91240B29-F687-4F45-9708-019B960494DF}">
+              <a14:hiddenLine xmlns:a14="http://schemas.microsoft.com/office/drawing/2010/main" w="9525">
+                <a:solidFill>
+                  <a:schemeClr val="tx1"/>
+                </a:solidFill>
+                <a:miter lim="800000"/>
+                <a:headEnd/>
+                <a:tailEnd/>
+              </a14:hiddenLine>
+            </a:ext>
+          </a:extLst>
+        </p:spPr>
+      </p:pic>
+      <p:sp>
+        <p:nvSpPr>
+          <p:cNvPr id="10" name="Rectangle 9"/>
+          <p:cNvSpPr>
+            <a:spLocks noChangeArrowheads="1"/>
+          </p:cNvSpPr>
+          <p:nvPr/>
+        </p:nvSpPr>
+        <p:spPr bwMode="auto">
+          <a:xfrm>
+            <a:off x="228600" y="411700"/>
+            <a:ext cx="3493264" cy="1631216"/>
+          </a:xfrm>
+          <a:prstGeom prst="rect">
+            <a:avLst/>
+          </a:prstGeom>
+          <a:solidFill>
+            <a:srgbClr val="F5F2F0"/>
+          </a:solidFill>
+          <a:ln>
+            <a:noFill/>
+          </a:ln>
+          <a:effectLst/>
+        </p:spPr>
+        <p:txBody>
+          <a:bodyPr vert="horz" wrap="none" lIns="91440" tIns="45720" rIns="91440" bIns="45720" numCol="1" anchor="ctr" anchorCtr="0" compatLnSpc="1">
+            <a:prstTxWarp prst="textNoShape">
+              <a:avLst/>
+            </a:prstTxWarp>
+            <a:spAutoFit/>
+          </a:bodyPr>
+          <a:lstStyle/>
+          <a:p>
+            <a:pPr marL="0" marR="0" lvl="0" indent="0" algn="l" defTabSz="914400" rtl="0" eaLnBrk="1" fontAlgn="base" latinLnBrk="0" hangingPunct="1">
+              <a:lnSpc>
+                <a:spcPct val="100000"/>
+              </a:lnSpc>
+              <a:spcBef>
+                <a:spcPct val="0"/>
+              </a:spcBef>
+              <a:spcAft>
+                <a:spcPct val="0"/>
+              </a:spcAft>
+              <a:buClrTx/>
+              <a:buSzTx/>
+              <a:buFontTx/>
+              <a:buNone/>
+              <a:tabLst/>
+            </a:pPr>
+            <a:r>
+              <a:rPr kumimoji="0" lang="ru-RU" altLang="ru-RU" sz="1000" b="1" i="0" u="none" strike="noStrike" cap="none" normalizeH="0" baseline="0" dirty="0" smtClean="0">
+                <a:ln>
+                  <a:noFill/>
+                </a:ln>
+                <a:solidFill>
+                  <a:srgbClr val="000080"/>
+                </a:solidFill>
+                <a:effectLst/>
+                <a:latin typeface="Courier New" pitchFamily="49" charset="0"/>
+                <a:cs typeface="Courier New" pitchFamily="49" charset="0"/>
+              </a:rPr>
+              <a:t>function </a:t>
+            </a:r>
+            <a:r>
+              <a:rPr kumimoji="0" lang="ru-RU" altLang="ru-RU" sz="1000" b="0" i="1" u="none" strike="noStrike" cap="none" normalizeH="0" baseline="0" dirty="0" smtClean="0">
+                <a:ln>
+                  <a:noFill/>
+                </a:ln>
+                <a:solidFill>
+                  <a:srgbClr val="000000"/>
+                </a:solidFill>
+                <a:effectLst/>
+                <a:latin typeface="Courier New" pitchFamily="49" charset="0"/>
+                <a:cs typeface="Courier New" pitchFamily="49" charset="0"/>
+              </a:rPr>
+              <a:t>getData</a:t>
+            </a:r>
+            <a:r>
+              <a:rPr kumimoji="0" lang="ru-RU" altLang="ru-RU" sz="1000" b="0" i="0" u="none" strike="noStrike" cap="none" normalizeH="0" baseline="0" dirty="0" smtClean="0">
+                <a:ln>
+                  <a:noFill/>
+                </a:ln>
+                <a:solidFill>
+                  <a:srgbClr val="000000"/>
+                </a:solidFill>
+                <a:effectLst/>
+                <a:latin typeface="Courier New" pitchFamily="49" charset="0"/>
+                <a:cs typeface="Courier New" pitchFamily="49" charset="0"/>
+              </a:rPr>
+              <a:t>(callback) {</a:t>
+            </a:r>
+            <a:br>
+              <a:rPr kumimoji="0" lang="ru-RU" altLang="ru-RU" sz="1000" b="0" i="0" u="none" strike="noStrike" cap="none" normalizeH="0" baseline="0" dirty="0" smtClean="0">
+                <a:ln>
+                  <a:noFill/>
+                </a:ln>
+                <a:solidFill>
+                  <a:srgbClr val="000000"/>
+                </a:solidFill>
+                <a:effectLst/>
+                <a:latin typeface="Courier New" pitchFamily="49" charset="0"/>
+                <a:cs typeface="Courier New" pitchFamily="49" charset="0"/>
+              </a:rPr>
+            </a:br>
+            <a:r>
+              <a:rPr kumimoji="0" lang="ru-RU" altLang="ru-RU" sz="1000" b="0" i="0" u="none" strike="noStrike" cap="none" normalizeH="0" baseline="0" dirty="0" smtClean="0">
+                <a:ln>
+                  <a:noFill/>
+                </a:ln>
+                <a:solidFill>
+                  <a:srgbClr val="000000"/>
+                </a:solidFill>
+                <a:effectLst/>
+                <a:latin typeface="Courier New" pitchFamily="49" charset="0"/>
+                <a:cs typeface="Courier New" pitchFamily="49" charset="0"/>
+              </a:rPr>
+              <a:t>    </a:t>
+            </a:r>
+            <a:r>
+              <a:rPr kumimoji="0" lang="ru-RU" altLang="ru-RU" sz="1000" b="1" i="1" u="none" strike="noStrike" cap="none" normalizeH="0" baseline="0" dirty="0" smtClean="0">
+                <a:ln>
+                  <a:noFill/>
+                </a:ln>
+                <a:solidFill>
+                  <a:srgbClr val="660E7A"/>
+                </a:solidFill>
+                <a:effectLst/>
+                <a:latin typeface="Courier New" pitchFamily="49" charset="0"/>
+                <a:cs typeface="Courier New" pitchFamily="49" charset="0"/>
+              </a:rPr>
+              <a:t>console</a:t>
+            </a:r>
+            <a:r>
+              <a:rPr kumimoji="0" lang="ru-RU" altLang="ru-RU" sz="1000" b="0" i="0" u="none" strike="noStrike" cap="none" normalizeH="0" baseline="0" dirty="0" smtClean="0">
+                <a:ln>
+                  <a:noFill/>
+                </a:ln>
+                <a:solidFill>
+                  <a:srgbClr val="000000"/>
+                </a:solidFill>
+                <a:effectLst/>
+                <a:latin typeface="Courier New" pitchFamily="49" charset="0"/>
+                <a:cs typeface="Courier New" pitchFamily="49" charset="0"/>
+              </a:rPr>
+              <a:t>.</a:t>
+            </a:r>
+            <a:r>
+              <a:rPr kumimoji="0" lang="ru-RU" altLang="ru-RU" sz="1000" b="0" i="0" u="none" strike="noStrike" cap="none" normalizeH="0" baseline="0" dirty="0" smtClean="0">
+                <a:ln>
+                  <a:noFill/>
+                </a:ln>
+                <a:solidFill>
+                  <a:srgbClr val="7A7A43"/>
+                </a:solidFill>
+                <a:effectLst/>
+                <a:latin typeface="Courier New" pitchFamily="49" charset="0"/>
+                <a:cs typeface="Courier New" pitchFamily="49" charset="0"/>
+              </a:rPr>
+              <a:t>log</a:t>
+            </a:r>
+            <a:r>
+              <a:rPr kumimoji="0" lang="ru-RU" altLang="ru-RU" sz="1000" b="0" i="0" u="none" strike="noStrike" cap="none" normalizeH="0" baseline="0" dirty="0" smtClean="0">
+                <a:ln>
+                  <a:noFill/>
+                </a:ln>
+                <a:solidFill>
+                  <a:srgbClr val="000000"/>
+                </a:solidFill>
+                <a:effectLst/>
+                <a:latin typeface="Courier New" pitchFamily="49" charset="0"/>
+                <a:cs typeface="Courier New" pitchFamily="49" charset="0"/>
+              </a:rPr>
+              <a:t>(</a:t>
+            </a:r>
+            <a:r>
+              <a:rPr kumimoji="0" lang="ru-RU" altLang="ru-RU" sz="1000" b="1" i="0" u="none" strike="noStrike" cap="none" normalizeH="0" baseline="0" dirty="0" smtClean="0">
+                <a:ln>
+                  <a:noFill/>
+                </a:ln>
+                <a:solidFill>
+                  <a:srgbClr val="008000"/>
+                </a:solidFill>
+                <a:effectLst/>
+                <a:latin typeface="Courier New" pitchFamily="49" charset="0"/>
+                <a:cs typeface="Courier New" pitchFamily="49" charset="0"/>
+              </a:rPr>
+              <a:t>'long process start...'</a:t>
+            </a:r>
+            <a:r>
+              <a:rPr kumimoji="0" lang="ru-RU" altLang="ru-RU" sz="1000" b="0" i="0" u="none" strike="noStrike" cap="none" normalizeH="0" baseline="0" dirty="0" smtClean="0">
+                <a:ln>
+                  <a:noFill/>
+                </a:ln>
+                <a:solidFill>
+                  <a:srgbClr val="000000"/>
+                </a:solidFill>
+                <a:effectLst/>
+                <a:latin typeface="Courier New" pitchFamily="49" charset="0"/>
+                <a:cs typeface="Courier New" pitchFamily="49" charset="0"/>
+              </a:rPr>
+              <a:t>);</a:t>
+            </a:r>
+            <a:br>
+              <a:rPr kumimoji="0" lang="ru-RU" altLang="ru-RU" sz="1000" b="0" i="0" u="none" strike="noStrike" cap="none" normalizeH="0" baseline="0" dirty="0" smtClean="0">
+                <a:ln>
+                  <a:noFill/>
+                </a:ln>
+                <a:solidFill>
+                  <a:srgbClr val="000000"/>
+                </a:solidFill>
+                <a:effectLst/>
+                <a:latin typeface="Courier New" pitchFamily="49" charset="0"/>
+                <a:cs typeface="Courier New" pitchFamily="49" charset="0"/>
+              </a:rPr>
+            </a:br>
+            <a:r>
+              <a:rPr kumimoji="0" lang="ru-RU" altLang="ru-RU" sz="1000" b="0" i="0" u="none" strike="noStrike" cap="none" normalizeH="0" baseline="0" dirty="0" smtClean="0">
+                <a:ln>
+                  <a:noFill/>
+                </a:ln>
+                <a:solidFill>
+                  <a:srgbClr val="000000"/>
+                </a:solidFill>
+                <a:effectLst/>
+                <a:latin typeface="Courier New" pitchFamily="49" charset="0"/>
+                <a:cs typeface="Courier New" pitchFamily="49" charset="0"/>
+              </a:rPr>
+              <a:t>    </a:t>
+            </a:r>
+            <a:r>
+              <a:rPr kumimoji="0" lang="ru-RU" altLang="ru-RU" sz="1000" b="0" i="1" u="none" strike="noStrike" cap="none" normalizeH="0" baseline="0" dirty="0" smtClean="0">
+                <a:ln>
+                  <a:noFill/>
+                </a:ln>
+                <a:solidFill>
+                  <a:srgbClr val="000000"/>
+                </a:solidFill>
+                <a:effectLst/>
+                <a:latin typeface="Courier New" pitchFamily="49" charset="0"/>
+                <a:cs typeface="Courier New" pitchFamily="49" charset="0"/>
+              </a:rPr>
+              <a:t>setTimeout</a:t>
+            </a:r>
+            <a:r>
+              <a:rPr kumimoji="0" lang="ru-RU" altLang="ru-RU" sz="1000" b="0" i="0" u="none" strike="noStrike" cap="none" normalizeH="0" baseline="0" dirty="0" smtClean="0">
+                <a:ln>
+                  <a:noFill/>
+                </a:ln>
+                <a:solidFill>
+                  <a:srgbClr val="000000"/>
+                </a:solidFill>
+                <a:effectLst/>
+                <a:latin typeface="Courier New" pitchFamily="49" charset="0"/>
+                <a:cs typeface="Courier New" pitchFamily="49" charset="0"/>
+              </a:rPr>
+              <a:t>(</a:t>
+            </a:r>
+            <a:r>
+              <a:rPr kumimoji="0" lang="ru-RU" altLang="ru-RU" sz="1000" b="1" i="0" u="none" strike="noStrike" cap="none" normalizeH="0" baseline="0" dirty="0" smtClean="0">
+                <a:ln>
+                  <a:noFill/>
+                </a:ln>
+                <a:solidFill>
+                  <a:srgbClr val="FF0000"/>
+                </a:solidFill>
+                <a:effectLst/>
+                <a:latin typeface="Courier New" pitchFamily="49" charset="0"/>
+                <a:cs typeface="Courier New" pitchFamily="49" charset="0"/>
+              </a:rPr>
+              <a:t>function</a:t>
+            </a:r>
+            <a:r>
+              <a:rPr kumimoji="0" lang="ru-RU" altLang="ru-RU" sz="1000" b="0" i="0" u="none" strike="noStrike" cap="none" normalizeH="0" baseline="0" dirty="0" smtClean="0">
+                <a:ln>
+                  <a:noFill/>
+                </a:ln>
+                <a:solidFill>
+                  <a:srgbClr val="000000"/>
+                </a:solidFill>
+                <a:effectLst/>
+                <a:latin typeface="Courier New" pitchFamily="49" charset="0"/>
+                <a:cs typeface="Courier New" pitchFamily="49" charset="0"/>
+              </a:rPr>
+              <a:t>() {</a:t>
+            </a:r>
+            <a:br>
+              <a:rPr kumimoji="0" lang="ru-RU" altLang="ru-RU" sz="1000" b="0" i="0" u="none" strike="noStrike" cap="none" normalizeH="0" baseline="0" dirty="0" smtClean="0">
+                <a:ln>
+                  <a:noFill/>
+                </a:ln>
+                <a:solidFill>
+                  <a:srgbClr val="000000"/>
+                </a:solidFill>
+                <a:effectLst/>
+                <a:latin typeface="Courier New" pitchFamily="49" charset="0"/>
+                <a:cs typeface="Courier New" pitchFamily="49" charset="0"/>
+              </a:rPr>
+            </a:br>
+            <a:r>
+              <a:rPr kumimoji="0" lang="ru-RU" altLang="ru-RU" sz="1000" b="0" i="0" u="none" strike="noStrike" cap="none" normalizeH="0" baseline="0" dirty="0" smtClean="0">
+                <a:ln>
+                  <a:noFill/>
+                </a:ln>
+                <a:solidFill>
+                  <a:srgbClr val="000000"/>
+                </a:solidFill>
+                <a:effectLst/>
+                <a:latin typeface="Courier New" pitchFamily="49" charset="0"/>
+                <a:cs typeface="Courier New" pitchFamily="49" charset="0"/>
+              </a:rPr>
+              <a:t>        </a:t>
+            </a:r>
+            <a:r>
+              <a:rPr kumimoji="0" lang="ru-RU" altLang="ru-RU" sz="1000" b="1" i="1" u="none" strike="noStrike" cap="none" normalizeH="0" baseline="0" dirty="0" smtClean="0">
+                <a:ln>
+                  <a:noFill/>
+                </a:ln>
+                <a:solidFill>
+                  <a:srgbClr val="660E7A"/>
+                </a:solidFill>
+                <a:effectLst/>
+                <a:latin typeface="Courier New" pitchFamily="49" charset="0"/>
+                <a:cs typeface="Courier New" pitchFamily="49" charset="0"/>
+              </a:rPr>
+              <a:t>console</a:t>
+            </a:r>
+            <a:r>
+              <a:rPr kumimoji="0" lang="ru-RU" altLang="ru-RU" sz="1000" b="0" i="0" u="none" strike="noStrike" cap="none" normalizeH="0" baseline="0" dirty="0" smtClean="0">
+                <a:ln>
+                  <a:noFill/>
+                </a:ln>
+                <a:solidFill>
+                  <a:srgbClr val="000000"/>
+                </a:solidFill>
+                <a:effectLst/>
+                <a:latin typeface="Courier New" pitchFamily="49" charset="0"/>
+                <a:cs typeface="Courier New" pitchFamily="49" charset="0"/>
+              </a:rPr>
+              <a:t>.</a:t>
+            </a:r>
+            <a:r>
+              <a:rPr kumimoji="0" lang="ru-RU" altLang="ru-RU" sz="1000" b="0" i="0" u="none" strike="noStrike" cap="none" normalizeH="0" baseline="0" dirty="0" smtClean="0">
+                <a:ln>
+                  <a:noFill/>
+                </a:ln>
+                <a:solidFill>
+                  <a:srgbClr val="7A7A43"/>
+                </a:solidFill>
+                <a:effectLst/>
+                <a:latin typeface="Courier New" pitchFamily="49" charset="0"/>
+                <a:cs typeface="Courier New" pitchFamily="49" charset="0"/>
+              </a:rPr>
+              <a:t>log</a:t>
+            </a:r>
+            <a:r>
+              <a:rPr kumimoji="0" lang="ru-RU" altLang="ru-RU" sz="1000" b="0" i="0" u="none" strike="noStrike" cap="none" normalizeH="0" baseline="0" dirty="0" smtClean="0">
+                <a:ln>
+                  <a:noFill/>
+                </a:ln>
+                <a:solidFill>
+                  <a:srgbClr val="000000"/>
+                </a:solidFill>
+                <a:effectLst/>
+                <a:latin typeface="Courier New" pitchFamily="49" charset="0"/>
+                <a:cs typeface="Courier New" pitchFamily="49" charset="0"/>
+              </a:rPr>
+              <a:t>(</a:t>
+            </a:r>
+            <a:r>
+              <a:rPr kumimoji="0" lang="ru-RU" altLang="ru-RU" sz="1000" b="1" i="0" u="none" strike="noStrike" cap="none" normalizeH="0" baseline="0" dirty="0" smtClean="0">
+                <a:ln>
+                  <a:noFill/>
+                </a:ln>
+                <a:solidFill>
+                  <a:srgbClr val="008000"/>
+                </a:solidFill>
+                <a:effectLst/>
+                <a:latin typeface="Courier New" pitchFamily="49" charset="0"/>
+                <a:cs typeface="Courier New" pitchFamily="49" charset="0"/>
+              </a:rPr>
+              <a:t>'...long process end'</a:t>
+            </a:r>
+            <a:r>
+              <a:rPr kumimoji="0" lang="ru-RU" altLang="ru-RU" sz="1000" b="0" i="0" u="none" strike="noStrike" cap="none" normalizeH="0" baseline="0" dirty="0" smtClean="0">
+                <a:ln>
+                  <a:noFill/>
+                </a:ln>
+                <a:solidFill>
+                  <a:srgbClr val="000000"/>
+                </a:solidFill>
+                <a:effectLst/>
+                <a:latin typeface="Courier New" pitchFamily="49" charset="0"/>
+                <a:cs typeface="Courier New" pitchFamily="49" charset="0"/>
+              </a:rPr>
+              <a:t>);</a:t>
+            </a:r>
+            <a:br>
+              <a:rPr kumimoji="0" lang="ru-RU" altLang="ru-RU" sz="1000" b="0" i="0" u="none" strike="noStrike" cap="none" normalizeH="0" baseline="0" dirty="0" smtClean="0">
+                <a:ln>
+                  <a:noFill/>
+                </a:ln>
+                <a:solidFill>
+                  <a:srgbClr val="000000"/>
+                </a:solidFill>
+                <a:effectLst/>
+                <a:latin typeface="Courier New" pitchFamily="49" charset="0"/>
+                <a:cs typeface="Courier New" pitchFamily="49" charset="0"/>
+              </a:rPr>
+            </a:br>
+            <a:r>
+              <a:rPr kumimoji="0" lang="ru-RU" altLang="ru-RU" sz="1000" b="0" i="0" u="none" strike="noStrike" cap="none" normalizeH="0" baseline="0" dirty="0" smtClean="0">
+                <a:ln>
+                  <a:noFill/>
+                </a:ln>
+                <a:solidFill>
+                  <a:srgbClr val="000000"/>
+                </a:solidFill>
+                <a:effectLst/>
+                <a:latin typeface="Courier New" pitchFamily="49" charset="0"/>
+                <a:cs typeface="Courier New" pitchFamily="49" charset="0"/>
+              </a:rPr>
+              <a:t>        callback();</a:t>
+            </a:r>
+            <a:br>
+              <a:rPr kumimoji="0" lang="ru-RU" altLang="ru-RU" sz="1000" b="0" i="0" u="none" strike="noStrike" cap="none" normalizeH="0" baseline="0" dirty="0" smtClean="0">
+                <a:ln>
+                  <a:noFill/>
+                </a:ln>
+                <a:solidFill>
+                  <a:srgbClr val="000000"/>
+                </a:solidFill>
+                <a:effectLst/>
+                <a:latin typeface="Courier New" pitchFamily="49" charset="0"/>
+                <a:cs typeface="Courier New" pitchFamily="49" charset="0"/>
+              </a:rPr>
+            </a:br>
+            <a:r>
+              <a:rPr kumimoji="0" lang="ru-RU" altLang="ru-RU" sz="1000" b="0" i="0" u="none" strike="noStrike" cap="none" normalizeH="0" baseline="0" dirty="0" smtClean="0">
+                <a:ln>
+                  <a:noFill/>
+                </a:ln>
+                <a:solidFill>
+                  <a:srgbClr val="000000"/>
+                </a:solidFill>
+                <a:effectLst/>
+                <a:latin typeface="Courier New" pitchFamily="49" charset="0"/>
+                <a:cs typeface="Courier New" pitchFamily="49" charset="0"/>
+              </a:rPr>
+              <a:t>    }, </a:t>
+            </a:r>
+            <a:r>
+              <a:rPr kumimoji="0" lang="ru-RU" altLang="ru-RU" sz="1000" b="0" i="0" u="none" strike="noStrike" cap="none" normalizeH="0" baseline="0" dirty="0" smtClean="0">
+                <a:ln>
+                  <a:noFill/>
+                </a:ln>
+                <a:solidFill>
+                  <a:srgbClr val="0000FF"/>
+                </a:solidFill>
+                <a:effectLst/>
+                <a:latin typeface="Courier New" pitchFamily="49" charset="0"/>
+                <a:cs typeface="Courier New" pitchFamily="49" charset="0"/>
+              </a:rPr>
+              <a:t>2000</a:t>
+            </a:r>
+            <a:r>
+              <a:rPr kumimoji="0" lang="ru-RU" altLang="ru-RU" sz="1000" b="0" i="0" u="none" strike="noStrike" cap="none" normalizeH="0" baseline="0" dirty="0" smtClean="0">
+                <a:ln>
+                  <a:noFill/>
+                </a:ln>
+                <a:solidFill>
+                  <a:srgbClr val="000000"/>
+                </a:solidFill>
+                <a:effectLst/>
+                <a:latin typeface="Courier New" pitchFamily="49" charset="0"/>
+                <a:cs typeface="Courier New" pitchFamily="49" charset="0"/>
+              </a:rPr>
+              <a:t>);</a:t>
+            </a:r>
+            <a:br>
+              <a:rPr kumimoji="0" lang="ru-RU" altLang="ru-RU" sz="1000" b="0" i="0" u="none" strike="noStrike" cap="none" normalizeH="0" baseline="0" dirty="0" smtClean="0">
+                <a:ln>
+                  <a:noFill/>
+                </a:ln>
+                <a:solidFill>
+                  <a:srgbClr val="000000"/>
+                </a:solidFill>
+                <a:effectLst/>
+                <a:latin typeface="Courier New" pitchFamily="49" charset="0"/>
+                <a:cs typeface="Courier New" pitchFamily="49" charset="0"/>
+              </a:rPr>
+            </a:br>
+            <a:r>
+              <a:rPr kumimoji="0" lang="ru-RU" altLang="ru-RU" sz="1000" b="0" i="0" u="none" strike="noStrike" cap="none" normalizeH="0" baseline="0" dirty="0" smtClean="0">
+                <a:ln>
+                  <a:noFill/>
+                </a:ln>
+                <a:solidFill>
+                  <a:srgbClr val="000000"/>
+                </a:solidFill>
+                <a:effectLst/>
+                <a:latin typeface="Courier New" pitchFamily="49" charset="0"/>
+                <a:cs typeface="Courier New" pitchFamily="49" charset="0"/>
+              </a:rPr>
+              <a:t>}</a:t>
+            </a:r>
+            <a:br>
+              <a:rPr kumimoji="0" lang="ru-RU" altLang="ru-RU" sz="1000" b="0" i="0" u="none" strike="noStrike" cap="none" normalizeH="0" baseline="0" dirty="0" smtClean="0">
+                <a:ln>
+                  <a:noFill/>
+                </a:ln>
+                <a:solidFill>
+                  <a:srgbClr val="000000"/>
+                </a:solidFill>
+                <a:effectLst/>
+                <a:latin typeface="Courier New" pitchFamily="49" charset="0"/>
+                <a:cs typeface="Courier New" pitchFamily="49" charset="0"/>
+              </a:rPr>
+            </a:br>
+            <a:r>
+              <a:rPr kumimoji="0" lang="ru-RU" altLang="ru-RU" sz="1000" b="0" i="1" u="none" strike="noStrike" cap="none" normalizeH="0" baseline="0" dirty="0" smtClean="0">
+                <a:ln>
+                  <a:noFill/>
+                </a:ln>
+                <a:solidFill>
+                  <a:srgbClr val="000000"/>
+                </a:solidFill>
+                <a:effectLst/>
+                <a:latin typeface="Courier New" pitchFamily="49" charset="0"/>
+                <a:cs typeface="Courier New" pitchFamily="49" charset="0"/>
+              </a:rPr>
+              <a:t>getData</a:t>
+            </a:r>
+            <a:r>
+              <a:rPr kumimoji="0" lang="ru-RU" altLang="ru-RU" sz="1000" b="0" i="0" u="none" strike="noStrike" cap="none" normalizeH="0" baseline="0" dirty="0" smtClean="0">
+                <a:ln>
+                  <a:noFill/>
+                </a:ln>
+                <a:solidFill>
+                  <a:srgbClr val="000000"/>
+                </a:solidFill>
+                <a:effectLst/>
+                <a:latin typeface="Courier New" pitchFamily="49" charset="0"/>
+                <a:cs typeface="Courier New" pitchFamily="49" charset="0"/>
+              </a:rPr>
+              <a:t>(</a:t>
+            </a:r>
+            <a:r>
+              <a:rPr kumimoji="0" lang="ru-RU" altLang="ru-RU" sz="1000" b="1" i="0" u="none" strike="noStrike" cap="none" normalizeH="0" baseline="0" dirty="0" smtClean="0">
+                <a:ln>
+                  <a:noFill/>
+                </a:ln>
+                <a:solidFill>
+                  <a:srgbClr val="FF0000"/>
+                </a:solidFill>
+                <a:effectLst/>
+                <a:latin typeface="Courier New" pitchFamily="49" charset="0"/>
+                <a:cs typeface="Courier New" pitchFamily="49" charset="0"/>
+              </a:rPr>
+              <a:t>function</a:t>
+            </a:r>
+            <a:r>
+              <a:rPr kumimoji="0" lang="ru-RU" altLang="ru-RU" sz="1000" b="0" i="0" u="none" strike="noStrike" cap="none" normalizeH="0" baseline="0" dirty="0" smtClean="0">
+                <a:ln>
+                  <a:noFill/>
+                </a:ln>
+                <a:solidFill>
+                  <a:srgbClr val="000000"/>
+                </a:solidFill>
+                <a:effectLst/>
+                <a:latin typeface="Courier New" pitchFamily="49" charset="0"/>
+                <a:cs typeface="Courier New" pitchFamily="49" charset="0"/>
+              </a:rPr>
+              <a:t>(data) {</a:t>
+            </a:r>
+            <a:br>
+              <a:rPr kumimoji="0" lang="ru-RU" altLang="ru-RU" sz="1000" b="0" i="0" u="none" strike="noStrike" cap="none" normalizeH="0" baseline="0" dirty="0" smtClean="0">
+                <a:ln>
+                  <a:noFill/>
+                </a:ln>
+                <a:solidFill>
+                  <a:srgbClr val="000000"/>
+                </a:solidFill>
+                <a:effectLst/>
+                <a:latin typeface="Courier New" pitchFamily="49" charset="0"/>
+                <a:cs typeface="Courier New" pitchFamily="49" charset="0"/>
+              </a:rPr>
+            </a:br>
+            <a:r>
+              <a:rPr kumimoji="0" lang="ru-RU" altLang="ru-RU" sz="1000" b="0" i="0" u="none" strike="noStrike" cap="none" normalizeH="0" baseline="0" dirty="0" smtClean="0">
+                <a:ln>
+                  <a:noFill/>
+                </a:ln>
+                <a:solidFill>
+                  <a:srgbClr val="000000"/>
+                </a:solidFill>
+                <a:effectLst/>
+                <a:latin typeface="Courier New" pitchFamily="49" charset="0"/>
+                <a:cs typeface="Courier New" pitchFamily="49" charset="0"/>
+              </a:rPr>
+              <a:t>    </a:t>
+            </a:r>
+            <a:r>
+              <a:rPr kumimoji="0" lang="ru-RU" altLang="ru-RU" sz="1000" b="1" i="1" u="none" strike="noStrike" cap="none" normalizeH="0" baseline="0" dirty="0" smtClean="0">
+                <a:ln>
+                  <a:noFill/>
+                </a:ln>
+                <a:solidFill>
+                  <a:srgbClr val="660E7A"/>
+                </a:solidFill>
+                <a:effectLst/>
+                <a:latin typeface="Courier New" pitchFamily="49" charset="0"/>
+                <a:cs typeface="Courier New" pitchFamily="49" charset="0"/>
+              </a:rPr>
+              <a:t>console</a:t>
+            </a:r>
+            <a:r>
+              <a:rPr kumimoji="0" lang="ru-RU" altLang="ru-RU" sz="1000" b="0" i="0" u="none" strike="noStrike" cap="none" normalizeH="0" baseline="0" dirty="0" smtClean="0">
+                <a:ln>
+                  <a:noFill/>
+                </a:ln>
+                <a:solidFill>
+                  <a:srgbClr val="000000"/>
+                </a:solidFill>
+                <a:effectLst/>
+                <a:latin typeface="Courier New" pitchFamily="49" charset="0"/>
+                <a:cs typeface="Courier New" pitchFamily="49" charset="0"/>
+              </a:rPr>
+              <a:t>.</a:t>
+            </a:r>
+            <a:r>
+              <a:rPr kumimoji="0" lang="ru-RU" altLang="ru-RU" sz="1000" b="0" i="0" u="none" strike="noStrike" cap="none" normalizeH="0" baseline="0" dirty="0" smtClean="0">
+                <a:ln>
+                  <a:noFill/>
+                </a:ln>
+                <a:solidFill>
+                  <a:srgbClr val="7A7A43"/>
+                </a:solidFill>
+                <a:effectLst/>
+                <a:latin typeface="Courier New" pitchFamily="49" charset="0"/>
+                <a:cs typeface="Courier New" pitchFamily="49" charset="0"/>
+              </a:rPr>
+              <a:t>log</a:t>
+            </a:r>
+            <a:r>
+              <a:rPr kumimoji="0" lang="ru-RU" altLang="ru-RU" sz="1000" b="0" i="0" u="none" strike="noStrike" cap="none" normalizeH="0" baseline="0" dirty="0" smtClean="0">
+                <a:ln>
+                  <a:noFill/>
+                </a:ln>
+                <a:solidFill>
+                  <a:srgbClr val="000000"/>
+                </a:solidFill>
+                <a:effectLst/>
+                <a:latin typeface="Courier New" pitchFamily="49" charset="0"/>
+                <a:cs typeface="Courier New" pitchFamily="49" charset="0"/>
+              </a:rPr>
+              <a:t>(</a:t>
+            </a:r>
+            <a:r>
+              <a:rPr kumimoji="0" lang="ru-RU" altLang="ru-RU" sz="1000" b="1" i="0" u="none" strike="noStrike" cap="none" normalizeH="0" baseline="0" dirty="0" smtClean="0">
+                <a:ln>
+                  <a:noFill/>
+                </a:ln>
+                <a:solidFill>
+                  <a:srgbClr val="008000"/>
+                </a:solidFill>
+                <a:effectLst/>
+                <a:latin typeface="Courier New" pitchFamily="49" charset="0"/>
+                <a:cs typeface="Courier New" pitchFamily="49" charset="0"/>
+              </a:rPr>
+              <a:t>'The data is: ' </a:t>
+            </a:r>
+            <a:r>
+              <a:rPr kumimoji="0" lang="ru-RU" altLang="ru-RU" sz="1000" b="0" i="0" u="none" strike="noStrike" cap="none" normalizeH="0" baseline="0" dirty="0" smtClean="0">
+                <a:ln>
+                  <a:noFill/>
+                </a:ln>
+                <a:solidFill>
+                  <a:srgbClr val="000000"/>
+                </a:solidFill>
+                <a:effectLst/>
+                <a:latin typeface="Courier New" pitchFamily="49" charset="0"/>
+                <a:cs typeface="Courier New" pitchFamily="49" charset="0"/>
+              </a:rPr>
+              <a:t>+ data);</a:t>
+            </a:r>
+            <a:br>
+              <a:rPr kumimoji="0" lang="ru-RU" altLang="ru-RU" sz="1000" b="0" i="0" u="none" strike="noStrike" cap="none" normalizeH="0" baseline="0" dirty="0" smtClean="0">
+                <a:ln>
+                  <a:noFill/>
+                </a:ln>
+                <a:solidFill>
+                  <a:srgbClr val="000000"/>
+                </a:solidFill>
+                <a:effectLst/>
+                <a:latin typeface="Courier New" pitchFamily="49" charset="0"/>
+                <a:cs typeface="Courier New" pitchFamily="49" charset="0"/>
+              </a:rPr>
+            </a:br>
+            <a:r>
+              <a:rPr kumimoji="0" lang="ru-RU" altLang="ru-RU" sz="1000" b="0" i="0" u="none" strike="noStrike" cap="none" normalizeH="0" baseline="0" dirty="0" smtClean="0">
+                <a:ln>
+                  <a:noFill/>
+                </a:ln>
+                <a:solidFill>
+                  <a:srgbClr val="000000"/>
+                </a:solidFill>
+                <a:effectLst/>
+                <a:latin typeface="Courier New" pitchFamily="49" charset="0"/>
+                <a:cs typeface="Courier New" pitchFamily="49" charset="0"/>
+              </a:rPr>
+              <a:t>});</a:t>
+            </a:r>
+            <a:endParaRPr kumimoji="0" lang="ru-RU" altLang="ru-RU" sz="1800" b="0" i="0" u="none" strike="noStrike" cap="none" normalizeH="0" baseline="0" dirty="0" smtClean="0">
+              <a:ln>
+                <a:noFill/>
+              </a:ln>
+              <a:solidFill>
+                <a:schemeClr val="tx1"/>
+              </a:solidFill>
+              <a:effectLst/>
+              <a:latin typeface="Arial" pitchFamily="34" charset="0"/>
+              <a:cs typeface="Arial" pitchFamily="34" charset="0"/>
+            </a:endParaRPr>
+          </a:p>
+        </p:txBody>
+      </p:sp>
+      <p:cxnSp>
+        <p:nvCxnSpPr>
+          <p:cNvPr id="8" name="Straight Arrow Connector 7"/>
+          <p:cNvCxnSpPr/>
+          <p:nvPr/>
+        </p:nvCxnSpPr>
+        <p:spPr>
+          <a:xfrm flipH="1">
+            <a:off x="5867400" y="3886200"/>
+            <a:ext cx="609600" cy="0"/>
+          </a:xfrm>
+          <a:prstGeom prst="straightConnector1">
+            <a:avLst/>
+          </a:prstGeom>
+          <a:ln>
+            <a:tailEnd type="arrow"/>
+          </a:ln>
+        </p:spPr>
+        <p:style>
+          <a:lnRef idx="3">
+            <a:schemeClr val="accent2"/>
+          </a:lnRef>
+          <a:fillRef idx="0">
+            <a:schemeClr val="accent2"/>
+          </a:fillRef>
+          <a:effectRef idx="2">
+            <a:schemeClr val="accent2"/>
+          </a:effectRef>
+          <a:fontRef idx="minor">
+            <a:schemeClr val="tx1"/>
+          </a:fontRef>
+        </p:style>
+      </p:cxnSp>
+      <p:sp>
+        <p:nvSpPr>
+          <p:cNvPr id="14" name="TextBox 13"/>
+          <p:cNvSpPr txBox="1"/>
+          <p:nvPr/>
+        </p:nvSpPr>
+        <p:spPr>
+          <a:xfrm>
+            <a:off x="6629400" y="3732311"/>
+            <a:ext cx="2057400" cy="307777"/>
+          </a:xfrm>
+          <a:prstGeom prst="rect">
+            <a:avLst/>
+          </a:prstGeom>
+          <a:noFill/>
+        </p:spPr>
+        <p:txBody>
+          <a:bodyPr wrap="square" rtlCol="0">
+            <a:spAutoFit/>
+          </a:bodyPr>
+          <a:lstStyle/>
+          <a:p>
+            <a:r>
+              <a:rPr lang="en-US" sz="1400" dirty="0" smtClean="0"/>
+              <a:t>message queue</a:t>
+            </a:r>
+            <a:endParaRPr lang="en-US" sz="1400" dirty="0"/>
+          </a:p>
+        </p:txBody>
+      </p:sp>
+      <p:cxnSp>
+        <p:nvCxnSpPr>
+          <p:cNvPr id="17" name="Straight Arrow Connector 16"/>
+          <p:cNvCxnSpPr/>
+          <p:nvPr/>
+        </p:nvCxnSpPr>
+        <p:spPr>
+          <a:xfrm flipH="1">
+            <a:off x="914400" y="5257800"/>
+            <a:ext cx="609600" cy="0"/>
+          </a:xfrm>
+          <a:prstGeom prst="straightConnector1">
+            <a:avLst/>
+          </a:prstGeom>
+          <a:ln>
+            <a:tailEnd type="arrow"/>
+          </a:ln>
+        </p:spPr>
+        <p:style>
+          <a:lnRef idx="3">
+            <a:schemeClr val="accent2"/>
+          </a:lnRef>
+          <a:fillRef idx="0">
+            <a:schemeClr val="accent2"/>
+          </a:fillRef>
+          <a:effectRef idx="2">
+            <a:schemeClr val="accent2"/>
+          </a:effectRef>
+          <a:fontRef idx="minor">
+            <a:schemeClr val="tx1"/>
+          </a:fontRef>
+        </p:style>
+      </p:cxnSp>
+      <p:sp>
+        <p:nvSpPr>
+          <p:cNvPr id="18" name="TextBox 17"/>
+          <p:cNvSpPr txBox="1"/>
+          <p:nvPr/>
+        </p:nvSpPr>
+        <p:spPr>
+          <a:xfrm>
+            <a:off x="1600200" y="5103911"/>
+            <a:ext cx="2057400" cy="307777"/>
+          </a:xfrm>
+          <a:prstGeom prst="rect">
+            <a:avLst/>
+          </a:prstGeom>
+          <a:noFill/>
+        </p:spPr>
+        <p:txBody>
+          <a:bodyPr wrap="square" rtlCol="0">
+            <a:spAutoFit/>
+          </a:bodyPr>
+          <a:lstStyle/>
+          <a:p>
+            <a:r>
+              <a:rPr lang="en-US" sz="1400" dirty="0" smtClean="0"/>
+              <a:t>our script</a:t>
+            </a:r>
+            <a:endParaRPr lang="en-US" sz="1400" dirty="0"/>
+          </a:p>
+        </p:txBody>
+      </p:sp>
+      <p:cxnSp>
+        <p:nvCxnSpPr>
+          <p:cNvPr id="19" name="Straight Arrow Connector 18"/>
+          <p:cNvCxnSpPr/>
+          <p:nvPr/>
+        </p:nvCxnSpPr>
+        <p:spPr>
+          <a:xfrm flipV="1">
+            <a:off x="2221764" y="3962399"/>
+            <a:ext cx="379111" cy="1141511"/>
+          </a:xfrm>
+          <a:prstGeom prst="straightConnector1">
+            <a:avLst/>
+          </a:prstGeom>
+          <a:ln>
+            <a:tailEnd type="arrow"/>
+          </a:ln>
+        </p:spPr>
+        <p:style>
+          <a:lnRef idx="3">
+            <a:schemeClr val="accent2"/>
+          </a:lnRef>
+          <a:fillRef idx="0">
+            <a:schemeClr val="accent2"/>
+          </a:fillRef>
+          <a:effectRef idx="2">
+            <a:schemeClr val="accent2"/>
+          </a:effectRef>
+          <a:fontRef idx="minor">
+            <a:schemeClr val="tx1"/>
+          </a:fontRef>
+        </p:style>
+      </p:cxnSp>
+      <p:cxnSp>
+        <p:nvCxnSpPr>
+          <p:cNvPr id="21" name="Straight Arrow Connector 20"/>
+          <p:cNvCxnSpPr/>
+          <p:nvPr/>
+        </p:nvCxnSpPr>
+        <p:spPr>
+          <a:xfrm flipH="1">
+            <a:off x="1066800" y="6477000"/>
+            <a:ext cx="609600" cy="0"/>
+          </a:xfrm>
+          <a:prstGeom prst="straightConnector1">
+            <a:avLst/>
+          </a:prstGeom>
+          <a:ln>
+            <a:tailEnd type="arrow"/>
+          </a:ln>
+        </p:spPr>
+        <p:style>
+          <a:lnRef idx="3">
+            <a:schemeClr val="accent2"/>
+          </a:lnRef>
+          <a:fillRef idx="0">
+            <a:schemeClr val="accent2"/>
+          </a:fillRef>
+          <a:effectRef idx="2">
+            <a:schemeClr val="accent2"/>
+          </a:effectRef>
+          <a:fontRef idx="minor">
+            <a:schemeClr val="tx1"/>
+          </a:fontRef>
+        </p:style>
+      </p:cxnSp>
+      <p:sp>
+        <p:nvSpPr>
+          <p:cNvPr id="22" name="TextBox 21"/>
+          <p:cNvSpPr txBox="1"/>
+          <p:nvPr/>
+        </p:nvSpPr>
+        <p:spPr>
+          <a:xfrm>
+            <a:off x="1828800" y="6323111"/>
+            <a:ext cx="2057400" cy="307777"/>
+          </a:xfrm>
+          <a:prstGeom prst="rect">
+            <a:avLst/>
+          </a:prstGeom>
+          <a:noFill/>
+        </p:spPr>
+        <p:txBody>
+          <a:bodyPr wrap="square" rtlCol="0">
+            <a:spAutoFit/>
+          </a:bodyPr>
+          <a:lstStyle/>
+          <a:p>
+            <a:r>
+              <a:rPr lang="en-US" sz="1400" dirty="0" smtClean="0"/>
+              <a:t>execution time</a:t>
+            </a:r>
+            <a:endParaRPr lang="en-US" sz="1400" dirty="0"/>
+          </a:p>
+        </p:txBody>
+      </p:sp>
+      <p:cxnSp>
+        <p:nvCxnSpPr>
+          <p:cNvPr id="23" name="Straight Arrow Connector 22"/>
+          <p:cNvCxnSpPr/>
+          <p:nvPr/>
+        </p:nvCxnSpPr>
+        <p:spPr>
+          <a:xfrm flipH="1">
+            <a:off x="3124200" y="2667000"/>
+            <a:ext cx="3048000" cy="609600"/>
+          </a:xfrm>
+          <a:prstGeom prst="straightConnector1">
+            <a:avLst/>
+          </a:prstGeom>
+          <a:ln>
+            <a:tailEnd type="arrow"/>
+          </a:ln>
+        </p:spPr>
+        <p:style>
+          <a:lnRef idx="3">
+            <a:schemeClr val="accent2"/>
+          </a:lnRef>
+          <a:fillRef idx="0">
+            <a:schemeClr val="accent2"/>
+          </a:fillRef>
+          <a:effectRef idx="2">
+            <a:schemeClr val="accent2"/>
+          </a:effectRef>
+          <a:fontRef idx="minor">
+            <a:schemeClr val="tx1"/>
+          </a:fontRef>
+        </p:style>
+      </p:cxnSp>
+      <p:sp>
+        <p:nvSpPr>
+          <p:cNvPr id="25" name="TextBox 24"/>
+          <p:cNvSpPr txBox="1"/>
+          <p:nvPr/>
+        </p:nvSpPr>
+        <p:spPr>
+          <a:xfrm>
+            <a:off x="6324600" y="2513111"/>
+            <a:ext cx="2057400" cy="523220"/>
+          </a:xfrm>
+          <a:prstGeom prst="rect">
+            <a:avLst/>
+          </a:prstGeom>
+          <a:noFill/>
+        </p:spPr>
+        <p:txBody>
+          <a:bodyPr wrap="square" rtlCol="0">
+            <a:spAutoFit/>
+          </a:bodyPr>
+          <a:lstStyle/>
+          <a:p>
+            <a:r>
+              <a:rPr lang="en-US" sz="1400" b="1" dirty="0" smtClean="0"/>
+              <a:t>14.1 </a:t>
+            </a:r>
+            <a:r>
+              <a:rPr lang="en-US" sz="1400" b="1" dirty="0" err="1" smtClean="0"/>
+              <a:t>ms</a:t>
+            </a:r>
+            <a:r>
+              <a:rPr lang="en-US" sz="1400" b="1" dirty="0" smtClean="0"/>
+              <a:t> </a:t>
+            </a:r>
+            <a:r>
+              <a:rPr lang="en-US" sz="1400" dirty="0" smtClean="0"/>
+              <a:t>is a good frame</a:t>
+            </a:r>
+          </a:p>
+          <a:p>
+            <a:r>
+              <a:rPr lang="en-US" sz="1400" dirty="0" smtClean="0"/>
+              <a:t>about </a:t>
+            </a:r>
+            <a:r>
+              <a:rPr lang="en-US" sz="1400" b="1" dirty="0" smtClean="0"/>
+              <a:t>71 FPS</a:t>
+            </a:r>
+            <a:endParaRPr lang="en-US" sz="1400" b="1" dirty="0"/>
+          </a:p>
+        </p:txBody>
+      </p:sp>
+      <p:sp>
+        <p:nvSpPr>
+          <p:cNvPr id="26" name="TextBox 25"/>
+          <p:cNvSpPr txBox="1"/>
+          <p:nvPr/>
+        </p:nvSpPr>
+        <p:spPr>
+          <a:xfrm>
+            <a:off x="3905722" y="5638800"/>
+            <a:ext cx="4648200" cy="369332"/>
+          </a:xfrm>
+          <a:prstGeom prst="rect">
+            <a:avLst/>
+          </a:prstGeom>
+          <a:noFill/>
+        </p:spPr>
+        <p:txBody>
+          <a:bodyPr wrap="square" rtlCol="0">
+            <a:spAutoFit/>
+          </a:bodyPr>
+          <a:lstStyle/>
+          <a:p>
+            <a:r>
+              <a:rPr lang="en-US" dirty="0" smtClean="0"/>
+              <a:t>the function execution time should be small </a:t>
+            </a:r>
+            <a:endParaRPr lang="en-US" dirty="0"/>
+          </a:p>
+        </p:txBody>
+      </p:sp>
+      <p:sp>
+        <p:nvSpPr>
+          <p:cNvPr id="27" name="TextBox 26"/>
+          <p:cNvSpPr txBox="1"/>
+          <p:nvPr/>
+        </p:nvSpPr>
+        <p:spPr>
+          <a:xfrm>
+            <a:off x="4114800" y="6024506"/>
+            <a:ext cx="1504478" cy="369332"/>
+          </a:xfrm>
+          <a:prstGeom prst="rect">
+            <a:avLst/>
+          </a:prstGeom>
+          <a:noFill/>
+        </p:spPr>
+        <p:txBody>
+          <a:bodyPr wrap="square" rtlCol="0">
+            <a:spAutoFit/>
+          </a:bodyPr>
+          <a:lstStyle/>
+          <a:p>
+            <a:r>
+              <a:rPr lang="en-US" dirty="0" smtClean="0"/>
+              <a:t>FPS &gt; 24 = OK </a:t>
+            </a:r>
+            <a:endParaRPr lang="en-US" dirty="0"/>
+          </a:p>
+        </p:txBody>
+      </p:sp>
+    </p:spTree>
+    <p:extLst>
+      <p:ext uri="{BB962C8B-B14F-4D97-AF65-F5344CB8AC3E}">
+        <p14:creationId xmlns:p14="http://schemas.microsoft.com/office/powerpoint/2010/main" val="3491736538"/>
+      </p:ext>
+    </p:extLst>
+  </p:cSld>
+  <p:clrMapOvr>
+    <a:masterClrMapping/>
+  </p:clrMapOvr>
+  <p:timing>
+    <p:tnLst>
+      <p:par>
+        <p:cTn id="1" dur="indefinite" restart="never" nodeType="tmRoot">
+          <p:childTnLst>
+            <p:seq concurrent="1" nextAc="seek">
+              <p:cTn id="2" dur="indefinite" nodeType="mainSeq">
+                <p:childTnLst>
+                  <p:par>
+                    <p:cTn id="3" fill="hold">
+                      <p:stCondLst>
+                        <p:cond delay="indefinite"/>
+                        <p:cond evt="onBegin" delay="0">
+                          <p:tn val="2"/>
+                        </p:cond>
+                      </p:stCondLst>
+                      <p:childTnLst>
+                        <p:par>
+                          <p:cTn id="4" fill="hold">
+                            <p:stCondLst>
+                              <p:cond delay="0"/>
+                            </p:stCondLst>
+                            <p:childTnLst>
+                              <p:par>
+                                <p:cTn id="5" presetID="1" presetClass="entr" presetSubtype="0" fill="hold" grpId="0" nodeType="withEffect">
+                                  <p:stCondLst>
+                                    <p:cond delay="0"/>
+                                  </p:stCondLst>
+                                  <p:childTnLst>
+                                    <p:set>
+                                      <p:cBhvr>
+                                        <p:cTn id="6" dur="1" fill="hold">
+                                          <p:stCondLst>
+                                            <p:cond delay="0"/>
+                                          </p:stCondLst>
+                                        </p:cTn>
+                                        <p:tgtEl>
+                                          <p:spTgt spid="10"/>
+                                        </p:tgtEl>
+                                        <p:attrNameLst>
+                                          <p:attrName>style.visibility</p:attrName>
+                                        </p:attrNameLst>
+                                      </p:cBhvr>
+                                      <p:to>
+                                        <p:strVal val="visible"/>
+                                      </p:to>
+                                    </p:set>
+                                  </p:childTnLst>
+                                </p:cTn>
+                              </p:par>
+                              <p:par>
+                                <p:cTn id="7" presetID="1" presetClass="entr" presetSubtype="0" fill="hold" grpId="0" nodeType="withEffect">
+                                  <p:stCondLst>
+                                    <p:cond delay="0"/>
+                                  </p:stCondLst>
+                                  <p:childTnLst>
+                                    <p:set>
+                                      <p:cBhvr>
+                                        <p:cTn id="8" dur="1" fill="hold">
+                                          <p:stCondLst>
+                                            <p:cond delay="0"/>
+                                          </p:stCondLst>
+                                        </p:cTn>
+                                        <p:tgtEl>
+                                          <p:spTgt spid="14"/>
+                                        </p:tgtEl>
+                                        <p:attrNameLst>
+                                          <p:attrName>style.visibility</p:attrName>
+                                        </p:attrNameLst>
+                                      </p:cBhvr>
+                                      <p:to>
+                                        <p:strVal val="visible"/>
+                                      </p:to>
+                                    </p:set>
+                                  </p:childTnLst>
+                                </p:cTn>
+                              </p:par>
+                              <p:par>
+                                <p:cTn id="9" presetID="1" presetClass="entr" presetSubtype="0" fill="hold" grpId="0" nodeType="withEffect">
+                                  <p:stCondLst>
+                                    <p:cond delay="0"/>
+                                  </p:stCondLst>
+                                  <p:childTnLst>
+                                    <p:set>
+                                      <p:cBhvr>
+                                        <p:cTn id="10" dur="1" fill="hold">
+                                          <p:stCondLst>
+                                            <p:cond delay="0"/>
+                                          </p:stCondLst>
+                                        </p:cTn>
+                                        <p:tgtEl>
+                                          <p:spTgt spid="18"/>
+                                        </p:tgtEl>
+                                        <p:attrNameLst>
+                                          <p:attrName>style.visibility</p:attrName>
+                                        </p:attrNameLst>
+                                      </p:cBhvr>
+                                      <p:to>
+                                        <p:strVal val="visible"/>
+                                      </p:to>
+                                    </p:set>
+                                  </p:childTnLst>
+                                </p:cTn>
+                              </p:par>
+                              <p:par>
+                                <p:cTn id="11" presetID="1" presetClass="entr" presetSubtype="0" fill="hold" grpId="0" nodeType="withEffect">
+                                  <p:stCondLst>
+                                    <p:cond delay="0"/>
+                                  </p:stCondLst>
+                                  <p:childTnLst>
+                                    <p:set>
+                                      <p:cBhvr>
+                                        <p:cTn id="12" dur="1" fill="hold">
+                                          <p:stCondLst>
+                                            <p:cond delay="0"/>
+                                          </p:stCondLst>
+                                        </p:cTn>
+                                        <p:tgtEl>
+                                          <p:spTgt spid="22"/>
+                                        </p:tgtEl>
+                                        <p:attrNameLst>
+                                          <p:attrName>style.visibility</p:attrName>
+                                        </p:attrNameLst>
+                                      </p:cBhvr>
+                                      <p:to>
+                                        <p:strVal val="visible"/>
+                                      </p:to>
+                                    </p:set>
+                                  </p:childTnLst>
+                                </p:cTn>
+                              </p:par>
+                              <p:par>
+                                <p:cTn id="13" presetID="1" presetClass="entr" presetSubtype="0" fill="hold" grpId="0" nodeType="withEffect">
+                                  <p:stCondLst>
+                                    <p:cond delay="0"/>
+                                  </p:stCondLst>
+                                  <p:childTnLst>
+                                    <p:set>
+                                      <p:cBhvr>
+                                        <p:cTn id="14" dur="1" fill="hold">
+                                          <p:stCondLst>
+                                            <p:cond delay="0"/>
+                                          </p:stCondLst>
+                                        </p:cTn>
+                                        <p:tgtEl>
+                                          <p:spTgt spid="25"/>
+                                        </p:tgtEl>
+                                        <p:attrNameLst>
+                                          <p:attrName>style.visibility</p:attrName>
+                                        </p:attrNameLst>
+                                      </p:cBhvr>
+                                      <p:to>
+                                        <p:strVal val="visible"/>
+                                      </p:to>
+                                    </p:set>
+                                  </p:childTnLst>
+                                </p:cTn>
+                              </p:par>
+                              <p:par>
+                                <p:cTn id="15" presetID="1" presetClass="entr" presetSubtype="0" fill="hold" grpId="0" nodeType="withEffect">
+                                  <p:stCondLst>
+                                    <p:cond delay="0"/>
+                                  </p:stCondLst>
+                                  <p:childTnLst>
+                                    <p:set>
+                                      <p:cBhvr>
+                                        <p:cTn id="16" dur="1" fill="hold">
+                                          <p:stCondLst>
+                                            <p:cond delay="0"/>
+                                          </p:stCondLst>
+                                        </p:cTn>
+                                        <p:tgtEl>
+                                          <p:spTgt spid="26"/>
+                                        </p:tgtEl>
+                                        <p:attrNameLst>
+                                          <p:attrName>style.visibility</p:attrName>
+                                        </p:attrNameLst>
+                                      </p:cBhvr>
+                                      <p:to>
+                                        <p:strVal val="visible"/>
+                                      </p:to>
+                                    </p:set>
+                                  </p:childTnLst>
+                                </p:cTn>
+                              </p:par>
+                              <p:par>
+                                <p:cTn id="17" presetID="1" presetClass="entr" presetSubtype="0" fill="hold" grpId="0" nodeType="withEffect">
+                                  <p:stCondLst>
+                                    <p:cond delay="0"/>
+                                  </p:stCondLst>
+                                  <p:childTnLst>
+                                    <p:set>
+                                      <p:cBhvr>
+                                        <p:cTn id="18" dur="1" fill="hold">
+                                          <p:stCondLst>
+                                            <p:cond delay="0"/>
+                                          </p:stCondLst>
+                                        </p:cTn>
+                                        <p:tgtEl>
+                                          <p:spTgt spid="27"/>
+                                        </p:tgtEl>
+                                        <p:attrNameLst>
+                                          <p:attrName>style.visibility</p:attrName>
+                                        </p:attrNameLst>
+                                      </p:cBhvr>
+                                      <p:to>
+                                        <p:strVal val="visible"/>
+                                      </p:to>
+                                    </p:set>
+                                  </p:childTnLst>
+                                </p:cTn>
+                              </p:par>
+                            </p:childTnLst>
+                          </p:cTn>
+                        </p:par>
+                      </p:childTnLst>
+                    </p:cTn>
+                  </p:par>
+                </p:childTnLst>
+              </p:cTn>
+              <p:prevCondLst>
+                <p:cond evt="onPrev" delay="0">
+                  <p:tgtEl>
+                    <p:sldTgt/>
+                  </p:tgtEl>
+                </p:cond>
+              </p:prevCondLst>
+              <p:nextCondLst>
+                <p:cond evt="onNext" delay="0">
+                  <p:tgtEl>
+                    <p:sldTgt/>
+                  </p:tgtEl>
+                </p:cond>
+              </p:nextCondLst>
+            </p:seq>
+          </p:childTnLst>
+        </p:cTn>
+      </p:par>
+    </p:tnLst>
+    <p:bldLst>
+      <p:bldP spid="10" grpId="0" animBg="1"/>
+      <p:bldP spid="14" grpId="0"/>
+      <p:bldP spid="18" grpId="0"/>
+      <p:bldP spid="22" grpId="0"/>
+      <p:bldP spid="25" grpId="0"/>
+      <p:bldP spid="26" grpId="0"/>
+      <p:bldP spid="27" grpId="0"/>
+    </p:bldLst>
+  </p:timing>
+</p:sld>
+</file>
+
+<file path=ppt/slides/slide6.xml><?xml version="1.0" encoding="utf-8"?>
+<p:sld xmlns:a="http://schemas.openxmlformats.org/drawingml/2006/main" xmlns:r="http://schemas.openxmlformats.org/officeDocument/2006/relationships" xmlns:p="http://schemas.openxmlformats.org/presentationml/2006/main">
+  <p:cSld>
+    <p:spTree>
+      <p:nvGrpSpPr>
+        <p:cNvPr id="1" name=""/>
+        <p:cNvGrpSpPr/>
+        <p:nvPr/>
+      </p:nvGrpSpPr>
+      <p:grpSpPr>
+        <a:xfrm>
+          <a:off x="0" y="0"/>
+          <a:ext cx="0" cy="0"/>
+          <a:chOff x="0" y="0"/>
+          <a:chExt cx="0" cy="0"/>
+        </a:xfrm>
+      </p:grpSpPr>
+      <p:sp>
+        <p:nvSpPr>
+          <p:cNvPr id="15" name="TextBox 14"/>
+          <p:cNvSpPr txBox="1"/>
+          <p:nvPr/>
+        </p:nvSpPr>
+        <p:spPr>
+          <a:xfrm>
+            <a:off x="343082" y="1524000"/>
+            <a:ext cx="4305118" cy="369332"/>
+          </a:xfrm>
+          <a:prstGeom prst="rect">
+            <a:avLst/>
+          </a:prstGeom>
+          <a:noFill/>
+        </p:spPr>
+        <p:txBody>
+          <a:bodyPr wrap="square" rtlCol="0">
+            <a:spAutoFit/>
+          </a:bodyPr>
+          <a:lstStyle/>
+          <a:p>
+            <a:r>
+              <a:rPr lang="en-US" dirty="0" smtClean="0"/>
+              <a:t>special types: null, undefined</a:t>
+            </a:r>
+            <a:endParaRPr lang="en-US" dirty="0"/>
+          </a:p>
+        </p:txBody>
+      </p:sp>
+      <p:sp>
+        <p:nvSpPr>
+          <p:cNvPr id="4" name="Rectangle 3"/>
+          <p:cNvSpPr/>
+          <p:nvPr/>
+        </p:nvSpPr>
+        <p:spPr>
+          <a:xfrm>
+            <a:off x="2120224" y="609600"/>
+            <a:ext cx="4772332" cy="707886"/>
+          </a:xfrm>
+          <a:prstGeom prst="rect">
+            <a:avLst/>
+          </a:prstGeom>
+        </p:spPr>
+        <p:txBody>
+          <a:bodyPr wrap="none">
+            <a:spAutoFit/>
+          </a:bodyPr>
+          <a:lstStyle/>
+          <a:p>
+            <a:pPr algn="ctr"/>
+            <a:r>
+              <a:rPr lang="en-US" sz="4000" dirty="0" smtClean="0">
+                <a:latin typeface="Rockwell" panose="02060603020205020403" pitchFamily="18" charset="0"/>
+              </a:rPr>
+              <a:t>JavaScript engine??</a:t>
+            </a:r>
+            <a:endParaRPr lang="ru-RU" sz="4000" dirty="0"/>
+          </a:p>
+        </p:txBody>
+      </p:sp>
+    </p:spTree>
+    <p:extLst>
+      <p:ext uri="{BB962C8B-B14F-4D97-AF65-F5344CB8AC3E}">
+        <p14:creationId xmlns:p14="http://schemas.microsoft.com/office/powerpoint/2010/main" val="300201473"/>
+      </p:ext>
+    </p:extLst>
+  </p:cSld>
+  <p:clrMapOvr>
+    <a:masterClrMapping/>
+  </p:clrMapOvr>
+  <p:timing>
+    <p:tnLst>
+      <p:par>
+        <p:cTn id="1" dur="indefinite" restart="never" nodeType="tmRoot"/>
+      </p:par>
+    </p:tnLst>
+  </p:timing>
+</p:sld>
+</file>
+
+<file path=ppt/slides/slide7.xml><?xml version="1.0" encoding="utf-8"?>
+<p:sld xmlns:a="http://schemas.openxmlformats.org/drawingml/2006/main" xmlns:r="http://schemas.openxmlformats.org/officeDocument/2006/relationships" xmlns:p="http://schemas.openxmlformats.org/presentationml/2006/main">
+  <p:cSld>
+    <p:spTree>
+      <p:nvGrpSpPr>
+        <p:cNvPr id="1" name=""/>
+        <p:cNvGrpSpPr/>
+        <p:nvPr/>
+      </p:nvGrpSpPr>
+      <p:grpSpPr>
+        <a:xfrm>
+          <a:off x="0" y="0"/>
+          <a:ext cx="0" cy="0"/>
+          <a:chOff x="0" y="0"/>
+          <a:chExt cx="0" cy="0"/>
+        </a:xfrm>
+      </p:grpSpPr>
+      <p:sp>
+        <p:nvSpPr>
+          <p:cNvPr id="15" name="TextBox 14"/>
+          <p:cNvSpPr txBox="1"/>
+          <p:nvPr/>
+        </p:nvSpPr>
+        <p:spPr>
+          <a:xfrm>
+            <a:off x="343082" y="1524000"/>
+            <a:ext cx="4305118" cy="369332"/>
+          </a:xfrm>
+          <a:prstGeom prst="rect">
+            <a:avLst/>
+          </a:prstGeom>
+          <a:noFill/>
+        </p:spPr>
+        <p:txBody>
+          <a:bodyPr wrap="square" rtlCol="0">
+            <a:spAutoFit/>
+          </a:bodyPr>
+          <a:lstStyle/>
+          <a:p>
+            <a:r>
+              <a:rPr lang="en-US" dirty="0" smtClean="0"/>
+              <a:t>special types: null, undefined</a:t>
+            </a:r>
+            <a:endParaRPr lang="en-US" dirty="0"/>
+          </a:p>
+        </p:txBody>
+      </p:sp>
+      <p:sp>
+        <p:nvSpPr>
+          <p:cNvPr id="4" name="Rectangle 3"/>
+          <p:cNvSpPr/>
+          <p:nvPr/>
+        </p:nvSpPr>
+        <p:spPr>
+          <a:xfrm>
+            <a:off x="3016232" y="609600"/>
+            <a:ext cx="2980303" cy="707886"/>
+          </a:xfrm>
+          <a:prstGeom prst="rect">
+            <a:avLst/>
+          </a:prstGeom>
+        </p:spPr>
+        <p:txBody>
+          <a:bodyPr wrap="none">
+            <a:spAutoFit/>
+          </a:bodyPr>
+          <a:lstStyle/>
+          <a:p>
+            <a:pPr algn="ctr"/>
+            <a:r>
+              <a:rPr lang="en-US" sz="4000" dirty="0" smtClean="0">
+                <a:latin typeface="Rockwell" panose="02060603020205020403" pitchFamily="18" charset="0"/>
+              </a:rPr>
+              <a:t>== !== ===</a:t>
+            </a:r>
+            <a:endParaRPr lang="ru-RU" sz="4000" dirty="0"/>
+          </a:p>
+        </p:txBody>
+      </p:sp>
+    </p:spTree>
+    <p:extLst>
+      <p:ext uri="{BB962C8B-B14F-4D97-AF65-F5344CB8AC3E}">
+        <p14:creationId xmlns:p14="http://schemas.microsoft.com/office/powerpoint/2010/main" val="3945281434"/>
+      </p:ext>
+    </p:extLst>
+  </p:cSld>
+  <p:clrMapOvr>
+    <a:masterClrMapping/>
+  </p:clrMapOvr>
+  <p:timing>
+    <p:tnLst>
+      <p:par>
+        <p:cTn id="1" dur="indefinite" restart="never" nodeType="tmRoot"/>
+      </p:par>
+    </p:tnLst>
+  </p:timing>
+</p:sld>
+</file>
+
+<file path=ppt/slides/slide8.xml><?xml version="1.0" encoding="utf-8"?>
+<p:sld xmlns:a="http://schemas.openxmlformats.org/drawingml/2006/main" xmlns:r="http://schemas.openxmlformats.org/officeDocument/2006/relationships" xmlns:p="http://schemas.openxmlformats.org/presentationml/2006/main">
+  <p:cSld>
+    <p:spTree>
+      <p:nvGrpSpPr>
+        <p:cNvPr id="1" name=""/>
+        <p:cNvGrpSpPr/>
+        <p:nvPr/>
+      </p:nvGrpSpPr>
+      <p:grpSpPr>
+        <a:xfrm>
+          <a:off x="0" y="0"/>
+          <a:ext cx="0" cy="0"/>
+          <a:chOff x="0" y="0"/>
+          <a:chExt cx="0" cy="0"/>
+        </a:xfrm>
+      </p:grpSpPr>
+      <p:sp>
+        <p:nvSpPr>
+          <p:cNvPr id="15" name="TextBox 14"/>
+          <p:cNvSpPr txBox="1"/>
+          <p:nvPr/>
+        </p:nvSpPr>
+        <p:spPr>
+          <a:xfrm>
+            <a:off x="2514600" y="1317486"/>
+            <a:ext cx="4191000" cy="369332"/>
+          </a:xfrm>
+          <a:prstGeom prst="rect">
+            <a:avLst/>
+          </a:prstGeom>
+          <a:noFill/>
+        </p:spPr>
+        <p:txBody>
+          <a:bodyPr wrap="square" rtlCol="0">
+            <a:spAutoFit/>
+          </a:bodyPr>
+          <a:lstStyle/>
+          <a:p>
+            <a:r>
+              <a:rPr lang="en-US" dirty="0" smtClean="0"/>
+              <a:t>Every JavaScript object has a prototype</a:t>
+            </a:r>
+            <a:endParaRPr lang="en-US" dirty="0"/>
+          </a:p>
+        </p:txBody>
+      </p:sp>
+      <p:sp>
+        <p:nvSpPr>
+          <p:cNvPr id="4" name="Rectangle 3"/>
+          <p:cNvSpPr/>
+          <p:nvPr/>
+        </p:nvSpPr>
+        <p:spPr>
+          <a:xfrm>
+            <a:off x="3270928" y="609600"/>
+            <a:ext cx="2470869" cy="707886"/>
+          </a:xfrm>
+          <a:prstGeom prst="rect">
+            <a:avLst/>
+          </a:prstGeom>
+        </p:spPr>
+        <p:txBody>
+          <a:bodyPr wrap="none">
+            <a:spAutoFit/>
+          </a:bodyPr>
+          <a:lstStyle/>
+          <a:p>
+            <a:pPr algn="ctr"/>
+            <a:r>
+              <a:rPr lang="en-US" sz="4000" dirty="0" smtClean="0">
+                <a:latin typeface="Rockwell" panose="02060603020205020403" pitchFamily="18" charset="0"/>
+              </a:rPr>
+              <a:t>Prototype</a:t>
+            </a:r>
+            <a:endParaRPr lang="ru-RU" sz="4000" dirty="0"/>
+          </a:p>
+        </p:txBody>
+      </p:sp>
+    </p:spTree>
+    <p:extLst>
+      <p:ext uri="{BB962C8B-B14F-4D97-AF65-F5344CB8AC3E}">
+        <p14:creationId xmlns:p14="http://schemas.microsoft.com/office/powerpoint/2010/main" val="2460709966"/>
+      </p:ext>
+    </p:extLst>
+  </p:cSld>
+  <p:clrMapOvr>
+    <a:masterClrMapping/>
+  </p:clrMapOvr>
+  <p:timing>
+    <p:tnLst>
+      <p:par>
+        <p:cTn id="1" dur="indefinite" restart="never" nodeType="tmRoot"/>
+      </p:par>
+    </p:tnLst>
+  </p:timing>
+</p:sld>
+</file>
+
+<file path=ppt/slides/slide9.xml><?xml version="1.0" encoding="utf-8"?>
+<p:sld xmlns:a="http://schemas.openxmlformats.org/drawingml/2006/main" xmlns:r="http://schemas.openxmlformats.org/officeDocument/2006/relationships" xmlns:p="http://schemas.openxmlformats.org/presentationml/2006/main">
+  <p:cSld>
+    <p:spTree>
+      <p:nvGrpSpPr>
+        <p:cNvPr id="1" name=""/>
+        <p:cNvGrpSpPr/>
+        <p:nvPr/>
+      </p:nvGrpSpPr>
+      <p:grpSpPr>
+        <a:xfrm>
+          <a:off x="0" y="0"/>
+          <a:ext cx="0" cy="0"/>
+          <a:chOff x="0" y="0"/>
+          <a:chExt cx="0" cy="0"/>
+        </a:xfrm>
+      </p:grpSpPr>
+      <p:sp>
+        <p:nvSpPr>
+          <p:cNvPr id="5" name="Rectangle 4"/>
+          <p:cNvSpPr/>
+          <p:nvPr/>
+        </p:nvSpPr>
+        <p:spPr>
+          <a:xfrm>
+            <a:off x="2961389" y="609600"/>
+            <a:ext cx="3089948" cy="707886"/>
+          </a:xfrm>
+          <a:prstGeom prst="rect">
+            <a:avLst/>
+          </a:prstGeom>
+        </p:spPr>
+        <p:txBody>
+          <a:bodyPr wrap="none">
+            <a:spAutoFit/>
+          </a:bodyPr>
+          <a:lstStyle/>
+          <a:p>
+            <a:pPr algn="ctr"/>
+            <a:r>
+              <a:rPr lang="en-US" sz="4000" dirty="0" err="1" smtClean="0">
+                <a:latin typeface="Rockwell" panose="02060603020205020403" pitchFamily="18" charset="0"/>
+              </a:rPr>
+              <a:t>ECMAScript</a:t>
+            </a:r>
+            <a:endParaRPr lang="ru-RU" sz="4000" dirty="0"/>
+          </a:p>
+        </p:txBody>
+      </p:sp>
+      <p:sp>
+        <p:nvSpPr>
+          <p:cNvPr id="15" name="TextBox 14"/>
+          <p:cNvSpPr txBox="1"/>
+          <p:nvPr/>
+        </p:nvSpPr>
+        <p:spPr>
+          <a:xfrm>
+            <a:off x="2514600" y="1317486"/>
+            <a:ext cx="4191000" cy="369332"/>
+          </a:xfrm>
+          <a:prstGeom prst="rect">
+            <a:avLst/>
+          </a:prstGeom>
+          <a:noFill/>
+        </p:spPr>
+        <p:txBody>
+          <a:bodyPr wrap="square" rtlCol="0">
+            <a:spAutoFit/>
+          </a:bodyPr>
+          <a:lstStyle/>
+          <a:p>
+            <a:r>
+              <a:rPr lang="en-US" dirty="0" smtClean="0"/>
+              <a:t>specification for the </a:t>
+            </a:r>
+            <a:r>
+              <a:rPr lang="en-US" dirty="0" err="1" smtClean="0"/>
+              <a:t>Javascript</a:t>
+            </a:r>
+            <a:r>
+              <a:rPr lang="en-US" dirty="0" smtClean="0"/>
+              <a:t> language</a:t>
+            </a:r>
+            <a:endParaRPr lang="en-US" dirty="0"/>
+          </a:p>
+        </p:txBody>
+      </p:sp>
+    </p:spTree>
+    <p:extLst>
+      <p:ext uri="{BB962C8B-B14F-4D97-AF65-F5344CB8AC3E}">
+        <p14:creationId xmlns:p14="http://schemas.microsoft.com/office/powerpoint/2010/main" val="4086330065"/>
+      </p:ext>
+    </p:extLst>
+  </p:cSld>
+  <p:clrMapOvr>
+    <a:masterClrMapping/>
+  </p:clrMapOvr>
   <p:timing>
     <p:tnLst>
       <p:par>

--- a/docs/00_jsbasics.pptx
+++ b/docs/00_jsbasics.pptx
@@ -5,25 +5,28 @@
     <p:sldMasterId id="2147483648" r:id="rId1"/>
   </p:sldMasterIdLst>
   <p:notesMasterIdLst>
-    <p:notesMasterId r:id="rId18"/>
+    <p:notesMasterId r:id="rId21"/>
   </p:notesMasterIdLst>
   <p:sldIdLst>
     <p:sldId id="277" r:id="rId2"/>
     <p:sldId id="256" r:id="rId3"/>
-    <p:sldId id="280" r:id="rId4"/>
-    <p:sldId id="285" r:id="rId5"/>
-    <p:sldId id="284" r:id="rId6"/>
-    <p:sldId id="287" r:id="rId7"/>
-    <p:sldId id="286" r:id="rId8"/>
-    <p:sldId id="282" r:id="rId9"/>
-    <p:sldId id="281" r:id="rId10"/>
-    <p:sldId id="283" r:id="rId11"/>
-    <p:sldId id="279" r:id="rId12"/>
-    <p:sldId id="278" r:id="rId13"/>
-    <p:sldId id="276" r:id="rId14"/>
-    <p:sldId id="275" r:id="rId15"/>
-    <p:sldId id="273" r:id="rId16"/>
-    <p:sldId id="274" r:id="rId17"/>
+    <p:sldId id="288" r:id="rId4"/>
+    <p:sldId id="290" r:id="rId5"/>
+    <p:sldId id="280" r:id="rId6"/>
+    <p:sldId id="285" r:id="rId7"/>
+    <p:sldId id="284" r:id="rId8"/>
+    <p:sldId id="287" r:id="rId9"/>
+    <p:sldId id="286" r:id="rId10"/>
+    <p:sldId id="282" r:id="rId11"/>
+    <p:sldId id="289" r:id="rId12"/>
+    <p:sldId id="281" r:id="rId13"/>
+    <p:sldId id="283" r:id="rId14"/>
+    <p:sldId id="279" r:id="rId15"/>
+    <p:sldId id="278" r:id="rId16"/>
+    <p:sldId id="276" r:id="rId17"/>
+    <p:sldId id="275" r:id="rId18"/>
+    <p:sldId id="273" r:id="rId19"/>
+    <p:sldId id="274" r:id="rId20"/>
   </p:sldIdLst>
   <p:sldSz cx="9144000" cy="6858000" type="screen4x3"/>
   <p:notesSz cx="6858000" cy="9144000"/>
@@ -124,7 +127,7 @@
   </p:defaultTextStyle>
   <p:extLst>
     <p:ext uri="{EFAFB233-063F-42B5-8137-9DF3F51BA10A}">
-      <p15:sldGuideLst xmlns:p15="http://schemas.microsoft.com/office/powerpoint/2012/main" xmlns="">
+      <p15:sldGuideLst xmlns:p15="http://schemas.microsoft.com/office/powerpoint/2012/main">
         <p15:guide id="1" orient="horz" pos="2160">
           <p15:clr>
             <a:srgbClr val="A4A3A4"/>
@@ -656,7 +659,7 @@
           <a:p>
             <a:fld id="{DA8CAE91-5FC7-41E5-8054-44424FFBB7AB}" type="slidenum">
               <a:rPr lang="ru-RU" smtClean="0"/>
-              <a:t>13</a:t>
+              <a:t>16</a:t>
             </a:fld>
             <a:endParaRPr lang="ru-RU"/>
           </a:p>
@@ -748,7 +751,7 @@
           <a:p>
             <a:fld id="{DA8CAE91-5FC7-41E5-8054-44424FFBB7AB}" type="slidenum">
               <a:rPr lang="ru-RU" smtClean="0"/>
-              <a:t>14</a:t>
+              <a:t>17</a:t>
             </a:fld>
             <a:endParaRPr lang="ru-RU"/>
           </a:p>
@@ -840,7 +843,7 @@
           <a:p>
             <a:fld id="{DA8CAE91-5FC7-41E5-8054-44424FFBB7AB}" type="slidenum">
               <a:rPr lang="ru-RU" smtClean="0"/>
-              <a:t>15</a:t>
+              <a:t>18</a:t>
             </a:fld>
             <a:endParaRPr lang="ru-RU"/>
           </a:p>
@@ -932,7 +935,7 @@
           <a:p>
             <a:fld id="{DA8CAE91-5FC7-41E5-8054-44424FFBB7AB}" type="slidenum">
               <a:rPr lang="ru-RU" smtClean="0"/>
-              <a:t>16</a:t>
+              <a:t>19</a:t>
             </a:fld>
             <a:endParaRPr lang="ru-RU"/>
           </a:p>
@@ -4225,6 +4228,393 @@
       </p:grpSpPr>
       <p:sp>
         <p:nvSpPr>
+          <p:cNvPr id="15" name="TextBox 14"/>
+          <p:cNvSpPr txBox="1"/>
+          <p:nvPr/>
+        </p:nvSpPr>
+        <p:spPr>
+          <a:xfrm>
+            <a:off x="2514600" y="1317486"/>
+            <a:ext cx="4191000" cy="369332"/>
+          </a:xfrm>
+          <a:prstGeom prst="rect">
+            <a:avLst/>
+          </a:prstGeom>
+          <a:noFill/>
+        </p:spPr>
+        <p:txBody>
+          <a:bodyPr wrap="square" rtlCol="0">
+            <a:spAutoFit/>
+          </a:bodyPr>
+          <a:lstStyle/>
+          <a:p>
+            <a:r>
+              <a:rPr lang="en-US" dirty="0" smtClean="0"/>
+              <a:t>Every JavaScript object has a prototype</a:t>
+            </a:r>
+            <a:endParaRPr lang="en-US" dirty="0"/>
+          </a:p>
+        </p:txBody>
+      </p:sp>
+      <p:sp>
+        <p:nvSpPr>
+          <p:cNvPr id="4" name="Rectangle 3"/>
+          <p:cNvSpPr/>
+          <p:nvPr/>
+        </p:nvSpPr>
+        <p:spPr>
+          <a:xfrm>
+            <a:off x="3270928" y="609600"/>
+            <a:ext cx="2470869" cy="707886"/>
+          </a:xfrm>
+          <a:prstGeom prst="rect">
+            <a:avLst/>
+          </a:prstGeom>
+        </p:spPr>
+        <p:txBody>
+          <a:bodyPr wrap="none">
+            <a:spAutoFit/>
+          </a:bodyPr>
+          <a:lstStyle/>
+          <a:p>
+            <a:pPr algn="ctr"/>
+            <a:r>
+              <a:rPr lang="en-US" sz="4000" dirty="0" smtClean="0">
+                <a:latin typeface="Rockwell" panose="02060603020205020403" pitchFamily="18" charset="0"/>
+              </a:rPr>
+              <a:t>Prototype</a:t>
+            </a:r>
+            <a:endParaRPr lang="ru-RU" sz="4000" dirty="0"/>
+          </a:p>
+        </p:txBody>
+      </p:sp>
+    </p:spTree>
+    <p:extLst>
+      <p:ext uri="{BB962C8B-B14F-4D97-AF65-F5344CB8AC3E}">
+        <p14:creationId xmlns:p14="http://schemas.microsoft.com/office/powerpoint/2010/main" val="2460709966"/>
+      </p:ext>
+    </p:extLst>
+  </p:cSld>
+  <p:clrMapOvr>
+    <a:masterClrMapping/>
+  </p:clrMapOvr>
+  <p:timing>
+    <p:tnLst>
+      <p:par>
+        <p:cTn id="1" dur="indefinite" restart="never" nodeType="tmRoot"/>
+      </p:par>
+    </p:tnLst>
+  </p:timing>
+</p:sld>
+</file>
+
+<file path=ppt/slides/slide11.xml><?xml version="1.0" encoding="utf-8"?>
+<p:sld xmlns:a="http://schemas.openxmlformats.org/drawingml/2006/main" xmlns:r="http://schemas.openxmlformats.org/officeDocument/2006/relationships" xmlns:p="http://schemas.openxmlformats.org/presentationml/2006/main">
+  <p:cSld>
+    <p:spTree>
+      <p:nvGrpSpPr>
+        <p:cNvPr id="1" name=""/>
+        <p:cNvGrpSpPr/>
+        <p:nvPr/>
+      </p:nvGrpSpPr>
+      <p:grpSpPr>
+        <a:xfrm>
+          <a:off x="0" y="0"/>
+          <a:ext cx="0" cy="0"/>
+          <a:chOff x="0" y="0"/>
+          <a:chExt cx="0" cy="0"/>
+        </a:xfrm>
+      </p:grpSpPr>
+      <p:sp>
+        <p:nvSpPr>
+          <p:cNvPr id="15" name="TextBox 14"/>
+          <p:cNvSpPr txBox="1"/>
+          <p:nvPr/>
+        </p:nvSpPr>
+        <p:spPr>
+          <a:xfrm>
+            <a:off x="343082" y="1524000"/>
+            <a:ext cx="4305118" cy="369332"/>
+          </a:xfrm>
+          <a:prstGeom prst="rect">
+            <a:avLst/>
+          </a:prstGeom>
+          <a:noFill/>
+        </p:spPr>
+        <p:txBody>
+          <a:bodyPr wrap="square" rtlCol="0">
+            <a:spAutoFit/>
+          </a:bodyPr>
+          <a:lstStyle/>
+          <a:p>
+            <a:r>
+              <a:rPr lang="en-US" dirty="0" smtClean="0"/>
+              <a:t>special types: null, undefined</a:t>
+            </a:r>
+            <a:endParaRPr lang="en-US" dirty="0"/>
+          </a:p>
+        </p:txBody>
+      </p:sp>
+      <p:sp>
+        <p:nvSpPr>
+          <p:cNvPr id="4" name="Rectangle 3"/>
+          <p:cNvSpPr/>
+          <p:nvPr/>
+        </p:nvSpPr>
+        <p:spPr>
+          <a:xfrm>
+            <a:off x="2371482" y="609600"/>
+            <a:ext cx="4269823" cy="707886"/>
+          </a:xfrm>
+          <a:prstGeom prst="rect">
+            <a:avLst/>
+          </a:prstGeom>
+        </p:spPr>
+        <p:txBody>
+          <a:bodyPr wrap="none">
+            <a:spAutoFit/>
+          </a:bodyPr>
+          <a:lstStyle/>
+          <a:p>
+            <a:pPr algn="ctr"/>
+            <a:r>
+              <a:rPr lang="en-US" sz="4000" dirty="0" smtClean="0">
+                <a:latin typeface="Rockwell" panose="02060603020205020403" pitchFamily="18" charset="0"/>
+              </a:rPr>
+              <a:t>Browser vs Node</a:t>
+            </a:r>
+            <a:endParaRPr lang="ru-RU" sz="4000" dirty="0"/>
+          </a:p>
+        </p:txBody>
+      </p:sp>
+    </p:spTree>
+    <p:extLst>
+      <p:ext uri="{BB962C8B-B14F-4D97-AF65-F5344CB8AC3E}">
+        <p14:creationId xmlns:p14="http://schemas.microsoft.com/office/powerpoint/2010/main" val="3540698239"/>
+      </p:ext>
+    </p:extLst>
+  </p:cSld>
+  <p:clrMapOvr>
+    <a:masterClrMapping/>
+  </p:clrMapOvr>
+  <p:timing>
+    <p:tnLst>
+      <p:par>
+        <p:cTn id="1" dur="indefinite" restart="never" nodeType="tmRoot"/>
+      </p:par>
+    </p:tnLst>
+  </p:timing>
+</p:sld>
+</file>
+
+<file path=ppt/slides/slide12.xml><?xml version="1.0" encoding="utf-8"?>
+<p:sld xmlns:a="http://schemas.openxmlformats.org/drawingml/2006/main" xmlns:r="http://schemas.openxmlformats.org/officeDocument/2006/relationships" xmlns:p="http://schemas.openxmlformats.org/presentationml/2006/main">
+  <p:cSld>
+    <p:spTree>
+      <p:nvGrpSpPr>
+        <p:cNvPr id="1" name=""/>
+        <p:cNvGrpSpPr/>
+        <p:nvPr/>
+      </p:nvGrpSpPr>
+      <p:grpSpPr>
+        <a:xfrm>
+          <a:off x="0" y="0"/>
+          <a:ext cx="0" cy="0"/>
+          <a:chOff x="0" y="0"/>
+          <a:chExt cx="0" cy="0"/>
+        </a:xfrm>
+      </p:grpSpPr>
+      <p:sp>
+        <p:nvSpPr>
+          <p:cNvPr id="5" name="Rectangle 4"/>
+          <p:cNvSpPr/>
+          <p:nvPr/>
+        </p:nvSpPr>
+        <p:spPr>
+          <a:xfrm>
+            <a:off x="2961389" y="609600"/>
+            <a:ext cx="3089948" cy="707886"/>
+          </a:xfrm>
+          <a:prstGeom prst="rect">
+            <a:avLst/>
+          </a:prstGeom>
+        </p:spPr>
+        <p:txBody>
+          <a:bodyPr wrap="none">
+            <a:spAutoFit/>
+          </a:bodyPr>
+          <a:lstStyle/>
+          <a:p>
+            <a:pPr algn="ctr"/>
+            <a:r>
+              <a:rPr lang="en-US" sz="4000" dirty="0" err="1" smtClean="0">
+                <a:latin typeface="Rockwell" panose="02060603020205020403" pitchFamily="18" charset="0"/>
+              </a:rPr>
+              <a:t>ECMAScript</a:t>
+            </a:r>
+            <a:endParaRPr lang="ru-RU" sz="4000" dirty="0"/>
+          </a:p>
+        </p:txBody>
+      </p:sp>
+      <p:sp>
+        <p:nvSpPr>
+          <p:cNvPr id="15" name="TextBox 14"/>
+          <p:cNvSpPr txBox="1"/>
+          <p:nvPr/>
+        </p:nvSpPr>
+        <p:spPr>
+          <a:xfrm>
+            <a:off x="2514600" y="1317486"/>
+            <a:ext cx="4191000" cy="369332"/>
+          </a:xfrm>
+          <a:prstGeom prst="rect">
+            <a:avLst/>
+          </a:prstGeom>
+          <a:noFill/>
+        </p:spPr>
+        <p:txBody>
+          <a:bodyPr wrap="square" rtlCol="0">
+            <a:spAutoFit/>
+          </a:bodyPr>
+          <a:lstStyle/>
+          <a:p>
+            <a:r>
+              <a:rPr lang="en-US" dirty="0" smtClean="0"/>
+              <a:t>specification for the </a:t>
+            </a:r>
+            <a:r>
+              <a:rPr lang="en-US" dirty="0" err="1" smtClean="0"/>
+              <a:t>Javascript</a:t>
+            </a:r>
+            <a:r>
+              <a:rPr lang="en-US" dirty="0" smtClean="0"/>
+              <a:t> language</a:t>
+            </a:r>
+            <a:endParaRPr lang="en-US" dirty="0"/>
+          </a:p>
+        </p:txBody>
+      </p:sp>
+      <p:pic>
+        <p:nvPicPr>
+          <p:cNvPr id="1026" name="Picture 2" descr="http://shustov.su/images/items/ecma.gif"/>
+          <p:cNvPicPr>
+            <a:picLocks noChangeAspect="1" noChangeArrowheads="1"/>
+          </p:cNvPicPr>
+          <p:nvPr/>
+        </p:nvPicPr>
+        <p:blipFill>
+          <a:blip r:embed="rId2">
+            <a:extLst>
+              <a:ext uri="{28A0092B-C50C-407E-A947-70E740481C1C}">
+                <a14:useLocalDpi xmlns:a14="http://schemas.microsoft.com/office/drawing/2010/main" val="0"/>
+              </a:ext>
+            </a:extLst>
+          </a:blip>
+          <a:srcRect/>
+          <a:stretch>
+            <a:fillRect/>
+          </a:stretch>
+        </p:blipFill>
+        <p:spPr bwMode="auto">
+          <a:xfrm>
+            <a:off x="457200" y="2020312"/>
+            <a:ext cx="2857500" cy="2857500"/>
+          </a:xfrm>
+          <a:prstGeom prst="rect">
+            <a:avLst/>
+          </a:prstGeom>
+          <a:noFill/>
+          <a:extLst>
+            <a:ext uri="{909E8E84-426E-40DD-AFC4-6F175D3DCCD1}">
+              <a14:hiddenFill xmlns:a14="http://schemas.microsoft.com/office/drawing/2010/main">
+                <a:solidFill>
+                  <a:srgbClr val="FFFFFF"/>
+                </a:solidFill>
+              </a14:hiddenFill>
+            </a:ext>
+          </a:extLst>
+        </p:spPr>
+      </p:pic>
+      <p:pic>
+        <p:nvPicPr>
+          <p:cNvPr id="1028" name="Picture 4" descr="Image result for ecmascript"/>
+          <p:cNvPicPr>
+            <a:picLocks noChangeAspect="1" noChangeArrowheads="1"/>
+          </p:cNvPicPr>
+          <p:nvPr/>
+        </p:nvPicPr>
+        <p:blipFill>
+          <a:blip r:embed="rId3">
+            <a:extLst>
+              <a:ext uri="{28A0092B-C50C-407E-A947-70E740481C1C}">
+                <a14:useLocalDpi xmlns:a14="http://schemas.microsoft.com/office/drawing/2010/main" val="0"/>
+              </a:ext>
+            </a:extLst>
+          </a:blip>
+          <a:srcRect/>
+          <a:stretch>
+            <a:fillRect/>
+          </a:stretch>
+        </p:blipFill>
+        <p:spPr bwMode="auto">
+          <a:xfrm>
+            <a:off x="3962400" y="2020312"/>
+            <a:ext cx="4581525" cy="3924301"/>
+          </a:xfrm>
+          <a:prstGeom prst="rect">
+            <a:avLst/>
+          </a:prstGeom>
+          <a:noFill/>
+          <a:extLst>
+            <a:ext uri="{909E8E84-426E-40DD-AFC4-6F175D3DCCD1}">
+              <a14:hiddenFill xmlns:a14="http://schemas.microsoft.com/office/drawing/2010/main">
+                <a:solidFill>
+                  <a:srgbClr val="FFFFFF"/>
+                </a:solidFill>
+              </a14:hiddenFill>
+            </a:ext>
+          </a:extLst>
+        </p:spPr>
+      </p:pic>
+    </p:spTree>
+    <p:extLst>
+      <p:ext uri="{BB962C8B-B14F-4D97-AF65-F5344CB8AC3E}">
+        <p14:creationId xmlns:p14="http://schemas.microsoft.com/office/powerpoint/2010/main" val="4086330065"/>
+      </p:ext>
+    </p:extLst>
+  </p:cSld>
+  <p:clrMapOvr>
+    <a:masterClrMapping/>
+  </p:clrMapOvr>
+  <p:timing>
+    <p:tnLst>
+      <p:par>
+        <p:cTn id="1" dur="indefinite" restart="never" nodeType="tmRoot"/>
+      </p:par>
+    </p:tnLst>
+  </p:timing>
+</p:sld>
+</file>
+
+<file path=ppt/slides/slide13.xml><?xml version="1.0" encoding="utf-8"?>
+<p:sld xmlns:a="http://schemas.openxmlformats.org/drawingml/2006/main" xmlns:r="http://schemas.openxmlformats.org/officeDocument/2006/relationships" xmlns:p="http://schemas.openxmlformats.org/presentationml/2006/main">
+  <p:cSld>
+    <p:spTree>
+      <p:nvGrpSpPr>
+        <p:cNvPr id="1" name=""/>
+        <p:cNvGrpSpPr/>
+        <p:nvPr/>
+      </p:nvGrpSpPr>
+      <p:grpSpPr>
+        <a:xfrm>
+          <a:off x="0" y="0"/>
+          <a:ext cx="0" cy="0"/>
+          <a:chOff x="0" y="0"/>
+          <a:chExt cx="0" cy="0"/>
+        </a:xfrm>
+      </p:grpSpPr>
+      <p:sp>
+        <p:nvSpPr>
           <p:cNvPr id="5" name="Rectangle 4"/>
           <p:cNvSpPr/>
           <p:nvPr/>
@@ -4317,7 +4707,7 @@
 </p:sld>
 </file>
 
-<file path=ppt/slides/slide11.xml><?xml version="1.0" encoding="utf-8"?>
+<file path=ppt/slides/slide14.xml><?xml version="1.0" encoding="utf-8"?>
 <p:sld xmlns:a="http://schemas.openxmlformats.org/drawingml/2006/main" xmlns:r="http://schemas.openxmlformats.org/officeDocument/2006/relationships" xmlns:p="http://schemas.openxmlformats.org/presentationml/2006/main">
   <p:cSld>
     <p:spTree>
@@ -4808,7 +5198,7 @@
 </p:sld>
 </file>
 
-<file path=ppt/slides/slide12.xml><?xml version="1.0" encoding="utf-8"?>
+<file path=ppt/slides/slide15.xml><?xml version="1.0" encoding="utf-8"?>
 <p:sld xmlns:a="http://schemas.openxmlformats.org/drawingml/2006/main" xmlns:r="http://schemas.openxmlformats.org/officeDocument/2006/relationships" xmlns:p="http://schemas.openxmlformats.org/presentationml/2006/main">
   <p:cSld>
     <p:spTree>
@@ -4925,7 +5315,7 @@
 </p:sld>
 </file>
 
-<file path=ppt/slides/slide13.xml><?xml version="1.0" encoding="utf-8"?>
+<file path=ppt/slides/slide16.xml><?xml version="1.0" encoding="utf-8"?>
 <p:sld xmlns:a="http://schemas.openxmlformats.org/drawingml/2006/main" xmlns:r="http://schemas.openxmlformats.org/officeDocument/2006/relationships" xmlns:p="http://schemas.openxmlformats.org/presentationml/2006/main">
   <p:cSld>
     <p:spTree>
@@ -5021,7 +5411,7 @@
 </p:sld>
 </file>
 
-<file path=ppt/slides/slide14.xml><?xml version="1.0" encoding="utf-8"?>
+<file path=ppt/slides/slide17.xml><?xml version="1.0" encoding="utf-8"?>
 <p:sld xmlns:a="http://schemas.openxmlformats.org/drawingml/2006/main" xmlns:r="http://schemas.openxmlformats.org/officeDocument/2006/relationships" xmlns:p="http://schemas.openxmlformats.org/presentationml/2006/main">
   <p:cSld>
     <p:spTree>
@@ -6190,7 +6580,7 @@
 </p:sld>
 </file>
 
-<file path=ppt/slides/slide15.xml><?xml version="1.0" encoding="utf-8"?>
+<file path=ppt/slides/slide18.xml><?xml version="1.0" encoding="utf-8"?>
 <p:sld xmlns:a="http://schemas.openxmlformats.org/drawingml/2006/main" xmlns:r="http://schemas.openxmlformats.org/officeDocument/2006/relationships" xmlns:p="http://schemas.openxmlformats.org/presentationml/2006/main">
   <p:cSld>
     <p:spTree>
@@ -6265,7 +6655,7 @@
 </p:sld>
 </file>
 
-<file path=ppt/slides/slide16.xml><?xml version="1.0" encoding="utf-8"?>
+<file path=ppt/slides/slide19.xml><?xml version="1.0" encoding="utf-8"?>
 <p:sld xmlns:a="http://schemas.openxmlformats.org/drawingml/2006/main" xmlns:r="http://schemas.openxmlformats.org/officeDocument/2006/relationships" xmlns:p="http://schemas.openxmlformats.org/presentationml/2006/main">
   <p:cSld>
     <p:spTree>
@@ -6367,6 +6757,52 @@
       </p:grpSpPr>
       <p:sp>
         <p:nvSpPr>
+          <p:cNvPr id="26" name="Rectangle 25"/>
+          <p:cNvSpPr/>
+          <p:nvPr/>
+        </p:nvSpPr>
+        <p:spPr>
+          <a:xfrm>
+            <a:off x="2292906" y="2980336"/>
+            <a:ext cx="4871102" cy="894627"/>
+          </a:xfrm>
+          <a:prstGeom prst="rect">
+            <a:avLst/>
+          </a:prstGeom>
+          <a:solidFill>
+            <a:srgbClr val="ECEFF1"/>
+          </a:solidFill>
+          <a:ln>
+            <a:noFill/>
+          </a:ln>
+        </p:spPr>
+        <p:style>
+          <a:lnRef idx="2">
+            <a:schemeClr val="accent1">
+              <a:shade val="50000"/>
+            </a:schemeClr>
+          </a:lnRef>
+          <a:fillRef idx="1">
+            <a:schemeClr val="accent1"/>
+          </a:fillRef>
+          <a:effectRef idx="0">
+            <a:schemeClr val="accent1"/>
+          </a:effectRef>
+          <a:fontRef idx="minor">
+            <a:schemeClr val="lt1"/>
+          </a:fontRef>
+        </p:style>
+        <p:txBody>
+          <a:bodyPr rtlCol="0" anchor="ctr"/>
+          <a:lstStyle/>
+          <a:p>
+            <a:pPr algn="ctr"/>
+            <a:endParaRPr lang="ru-RU"/>
+          </a:p>
+        </p:txBody>
+      </p:sp>
+      <p:sp>
+        <p:nvSpPr>
           <p:cNvPr id="5" name="Rectangle 4"/>
           <p:cNvSpPr/>
           <p:nvPr/>
@@ -6416,8 +6852,8 @@
           <p:nvPr/>
         </p:nvSpPr>
         <p:spPr>
-          <a:xfrm rot="20463772">
-            <a:off x="625092" y="1752540"/>
+          <a:xfrm rot="20907297">
+            <a:off x="370277" y="1519268"/>
             <a:ext cx="2133600" cy="369332"/>
           </a:xfrm>
           <a:prstGeom prst="rect">
@@ -6446,8 +6882,8 @@
           <p:nvPr/>
         </p:nvSpPr>
         <p:spPr>
-          <a:xfrm rot="20873258">
-            <a:off x="2356317" y="2811321"/>
+          <a:xfrm>
+            <a:off x="596373" y="2396321"/>
             <a:ext cx="2803908" cy="369332"/>
           </a:xfrm>
           <a:prstGeom prst="rect">
@@ -6476,8 +6912,8 @@
           <p:nvPr/>
         </p:nvSpPr>
         <p:spPr>
-          <a:xfrm rot="20545607">
-            <a:off x="1601331" y="2131242"/>
+          <a:xfrm rot="21126651">
+            <a:off x="654564" y="1868908"/>
             <a:ext cx="2877963" cy="369332"/>
           </a:xfrm>
           <a:prstGeom prst="rect">
@@ -6507,7 +6943,7 @@
         </p:nvSpPr>
         <p:spPr>
           <a:xfrm>
-            <a:off x="2064938" y="4252462"/>
+            <a:off x="423047" y="4665256"/>
             <a:ext cx="4335862" cy="461665"/>
           </a:xfrm>
           <a:prstGeom prst="rect">
@@ -6539,7 +6975,7 @@
         </p:nvSpPr>
         <p:spPr bwMode="auto">
           <a:xfrm>
-            <a:off x="2591271" y="4989147"/>
+            <a:off x="949380" y="5401941"/>
             <a:ext cx="2925481" cy="338554"/>
           </a:xfrm>
           <a:prstGeom prst="rect">
@@ -6876,7 +7312,7 @@
         </p:nvSpPr>
         <p:spPr bwMode="auto">
           <a:xfrm>
-            <a:off x="2591271" y="5562600"/>
+            <a:off x="949380" y="5975394"/>
             <a:ext cx="1905971" cy="338554"/>
           </a:xfrm>
           <a:prstGeom prst="rect">
@@ -7225,7 +7661,7 @@
         </p:nvSpPr>
         <p:spPr>
           <a:xfrm>
-            <a:off x="5781124" y="4989147"/>
+            <a:off x="4139233" y="5401941"/>
             <a:ext cx="1676400" cy="307777"/>
           </a:xfrm>
           <a:prstGeom prst="rect">
@@ -7241,11 +7677,7 @@
           <a:p>
             <a:r>
               <a:rPr lang="en-US" sz="1400" dirty="0" smtClean="0"/>
-              <a:t>is it</a:t>
-            </a:r>
-            <a:r>
-              <a:rPr lang="en-US" sz="1400" dirty="0" smtClean="0"/>
-              <a:t> ok?</a:t>
+              <a:t>is it ok?</a:t>
             </a:r>
             <a:endParaRPr lang="en-US" sz="1400" dirty="0"/>
           </a:p>
@@ -7259,7 +7691,7 @@
         </p:nvSpPr>
         <p:spPr>
           <a:xfrm>
-            <a:off x="4897582" y="5593377"/>
+            <a:off x="3255691" y="6006171"/>
             <a:ext cx="1676400" cy="307777"/>
           </a:xfrm>
           <a:prstGeom prst="rect">
@@ -7289,7 +7721,7 @@
         </p:nvSpPr>
         <p:spPr>
           <a:xfrm rot="19914995">
-            <a:off x="1934708" y="5528742"/>
+            <a:off x="568019" y="6050149"/>
             <a:ext cx="388688" cy="307777"/>
           </a:xfrm>
           <a:prstGeom prst="rect">
@@ -7319,7 +7751,7 @@
         </p:nvSpPr>
         <p:spPr>
           <a:xfrm rot="222270">
-            <a:off x="3615760" y="5951052"/>
+            <a:off x="1973869" y="6363846"/>
             <a:ext cx="388688" cy="307777"/>
           </a:xfrm>
           <a:prstGeom prst="rect">
@@ -7349,7 +7781,7 @@
         </p:nvSpPr>
         <p:spPr>
           <a:xfrm rot="20365161">
-            <a:off x="2617811" y="5926533"/>
+            <a:off x="975920" y="6339327"/>
             <a:ext cx="388688" cy="307777"/>
           </a:xfrm>
           <a:prstGeom prst="rect">
@@ -7379,7 +7811,7 @@
         </p:nvSpPr>
         <p:spPr>
           <a:xfrm>
-            <a:off x="2022891" y="5848117"/>
+            <a:off x="381000" y="6260911"/>
             <a:ext cx="388688" cy="307777"/>
           </a:xfrm>
           <a:prstGeom prst="rect">
@@ -7409,7 +7841,7 @@
         </p:nvSpPr>
         <p:spPr>
           <a:xfrm>
-            <a:off x="2217235" y="5399623"/>
+            <a:off x="575344" y="5812417"/>
             <a:ext cx="388688" cy="307777"/>
           </a:xfrm>
           <a:prstGeom prst="rect">
@@ -7439,7 +7871,7 @@
         </p:nvSpPr>
         <p:spPr>
           <a:xfrm rot="388425">
-            <a:off x="4467895" y="5389166"/>
+            <a:off x="2826004" y="5801960"/>
             <a:ext cx="388688" cy="307777"/>
           </a:xfrm>
           <a:prstGeom prst="rect">
@@ -7469,7 +7901,7 @@
         </p:nvSpPr>
         <p:spPr>
           <a:xfrm rot="741824">
-            <a:off x="4638569" y="5537768"/>
+            <a:off x="2996678" y="5950562"/>
             <a:ext cx="388688" cy="307777"/>
           </a:xfrm>
           <a:prstGeom prst="rect">
@@ -7499,7 +7931,7 @@
         </p:nvSpPr>
         <p:spPr>
           <a:xfrm rot="2360207">
-            <a:off x="4550758" y="5747267"/>
+            <a:off x="2908867" y="6160061"/>
             <a:ext cx="388688" cy="307777"/>
           </a:xfrm>
           <a:prstGeom prst="rect">
@@ -7529,7 +7961,7 @@
         </p:nvSpPr>
         <p:spPr>
           <a:xfrm>
-            <a:off x="6573982" y="5588178"/>
+            <a:off x="4932091" y="6000972"/>
             <a:ext cx="1676400" cy="307777"/>
           </a:xfrm>
           <a:prstGeom prst="rect">
@@ -7559,7 +7991,7 @@
         </p:nvCxnSpPr>
         <p:spPr>
           <a:xfrm flipV="1">
-            <a:off x="5867400" y="5731877"/>
+            <a:off x="4225509" y="6144671"/>
             <a:ext cx="609600" cy="15388"/>
           </a:xfrm>
           <a:prstGeom prst="straightConnector1">
@@ -7592,7 +8024,7 @@
         </p:nvSpPr>
         <p:spPr>
           <a:xfrm>
-            <a:off x="6619324" y="5883589"/>
+            <a:off x="4977433" y="6296383"/>
             <a:ext cx="1676400" cy="276999"/>
           </a:xfrm>
           <a:prstGeom prst="rect">
@@ -7616,1179 +8048,168 @@
       </p:sp>
       <p:sp>
         <p:nvSpPr>
-          <p:cNvPr id="8" name="Rectangle 4"/>
-          <p:cNvSpPr>
-            <a:spLocks noChangeArrowheads="1"/>
-          </p:cNvSpPr>
+          <p:cNvPr id="24" name="TextBox 23"/>
+          <p:cNvSpPr txBox="1"/>
           <p:nvPr/>
         </p:nvSpPr>
-        <p:spPr bwMode="auto">
+        <p:spPr>
           <a:xfrm>
-            <a:off x="5334000" y="1937206"/>
-            <a:ext cx="3050515" cy="1862048"/>
+            <a:off x="4195056" y="1424406"/>
+            <a:ext cx="2662943" cy="400110"/>
           </a:xfrm>
           <a:prstGeom prst="rect">
             <a:avLst/>
           </a:prstGeom>
-          <a:solidFill>
-            <a:srgbClr val="F5F2F0"/>
-          </a:solidFill>
           <a:ln>
-            <a:noFill/>
+            <a:solidFill>
+              <a:srgbClr val="FBDE34"/>
+            </a:solidFill>
           </a:ln>
-          <a:effectLst/>
-          <a:extLst>
-            <a:ext uri="{91240B29-F687-4F45-9708-019B960494DF}">
-              <a14:hiddenLine xmlns:a14="http://schemas.microsoft.com/office/drawing/2010/main" w="9525">
-                <a:solidFill>
-                  <a:schemeClr val="tx1"/>
-                </a:solidFill>
-                <a:miter lim="800000"/>
-                <a:headEnd/>
-                <a:tailEnd/>
-              </a14:hiddenLine>
-            </a:ext>
-            <a:ext uri="{AF507438-7753-43E0-B8FC-AC1667EBCBE1}">
-              <a14:hiddenEffects xmlns:a14="http://schemas.microsoft.com/office/drawing/2010/main">
-                <a:effectLst>
-                  <a:outerShdw dist="35921" dir="2700000" algn="ctr" rotWithShape="0">
-                    <a:schemeClr val="bg2"/>
-                  </a:outerShdw>
-                </a:effectLst>
-              </a14:hiddenEffects>
-            </a:ext>
-          </a:extLst>
         </p:spPr>
+        <p:style>
+          <a:lnRef idx="2">
+            <a:schemeClr val="accent3"/>
+          </a:lnRef>
+          <a:fillRef idx="1">
+            <a:schemeClr val="lt1"/>
+          </a:fillRef>
+          <a:effectRef idx="0">
+            <a:schemeClr val="accent3"/>
+          </a:effectRef>
+          <a:fontRef idx="minor">
+            <a:schemeClr val="dk1"/>
+          </a:fontRef>
+        </p:style>
         <p:txBody>
-          <a:bodyPr vert="horz" wrap="none" lIns="0" tIns="0" rIns="0" bIns="0" numCol="1" anchor="ctr" anchorCtr="0" compatLnSpc="1">
-            <a:prstTxWarp prst="textNoShape">
-              <a:avLst/>
-            </a:prstTxWarp>
+          <a:bodyPr wrap="square" rtlCol="0">
             <a:spAutoFit/>
           </a:bodyPr>
           <a:lstStyle/>
           <a:p>
-            <a:pPr marL="0" marR="0" lvl="0" indent="0" algn="l" defTabSz="914400" rtl="0" eaLnBrk="1" fontAlgn="base" latinLnBrk="0" hangingPunct="1">
-              <a:lnSpc>
-                <a:spcPct val="100000"/>
-              </a:lnSpc>
-              <a:spcBef>
-                <a:spcPct val="0"/>
-              </a:spcBef>
-              <a:spcAft>
-                <a:spcPct val="0"/>
-              </a:spcAft>
-              <a:buClrTx/>
-              <a:buSzTx/>
-              <a:buFontTx/>
-              <a:buNone/>
-              <a:tabLst/>
-            </a:pPr>
-            <a:r>
-              <a:rPr kumimoji="0" lang="ru-RU" altLang="ru-RU" sz="1100" b="0" i="0" u="none" strike="noStrike" cap="none" normalizeH="0" baseline="0" dirty="0" smtClean="0">
-                <a:ln>
-                  <a:noFill/>
-                </a:ln>
-                <a:solidFill>
-                  <a:srgbClr val="0077AA"/>
-                </a:solidFill>
-                <a:effectLst/>
-                <a:latin typeface="Courier New" pitchFamily="49" charset="0"/>
-                <a:cs typeface="Courier New" pitchFamily="49" charset="0"/>
-              </a:rPr>
-              <a:t>function</a:t>
-            </a:r>
-            <a:r>
-              <a:rPr kumimoji="0" lang="ru-RU" altLang="ru-RU" sz="1100" b="0" i="0" u="none" strike="noStrike" cap="none" normalizeH="0" baseline="0" dirty="0" smtClean="0">
-                <a:ln>
-                  <a:noFill/>
-                </a:ln>
-                <a:solidFill>
-                  <a:srgbClr val="000000"/>
-                </a:solidFill>
-                <a:effectLst/>
-                <a:latin typeface="Consolas" pitchFamily="49" charset="0"/>
-                <a:cs typeface="Consolas" pitchFamily="49" charset="0"/>
-              </a:rPr>
-              <a:t> </a:t>
-            </a:r>
-            <a:r>
-              <a:rPr kumimoji="0" lang="ru-RU" altLang="ru-RU" sz="1100" b="0" i="0" u="none" strike="noStrike" cap="none" normalizeH="0" baseline="0" dirty="0" smtClean="0">
-                <a:ln>
-                  <a:noFill/>
-                </a:ln>
-                <a:solidFill>
-                  <a:srgbClr val="DD4A68"/>
-                </a:solidFill>
-                <a:effectLst/>
-                <a:latin typeface="Courier New" pitchFamily="49" charset="0"/>
-                <a:cs typeface="Courier New" pitchFamily="49" charset="0"/>
-              </a:rPr>
-              <a:t>doIfTrue</a:t>
-            </a:r>
-            <a:r>
-              <a:rPr kumimoji="0" lang="ru-RU" altLang="ru-RU" sz="1100" b="0" i="0" u="none" strike="noStrike" cap="none" normalizeH="0" baseline="0" dirty="0" smtClean="0">
-                <a:ln>
-                  <a:noFill/>
-                </a:ln>
-                <a:solidFill>
-                  <a:srgbClr val="999999"/>
-                </a:solidFill>
-                <a:effectLst/>
-                <a:latin typeface="Courier New" pitchFamily="49" charset="0"/>
-                <a:cs typeface="Courier New" pitchFamily="49" charset="0"/>
-              </a:rPr>
-              <a:t>(</a:t>
-            </a:r>
-            <a:r>
-              <a:rPr kumimoji="0" lang="ru-RU" altLang="ru-RU" sz="1100" b="0" i="0" u="none" strike="noStrike" cap="none" normalizeH="0" baseline="0" dirty="0" smtClean="0">
-                <a:ln>
-                  <a:noFill/>
-                </a:ln>
-                <a:solidFill>
-                  <a:srgbClr val="000000"/>
-                </a:solidFill>
-                <a:effectLst/>
-                <a:latin typeface="Consolas" pitchFamily="49" charset="0"/>
-                <a:cs typeface="Consolas" pitchFamily="49" charset="0"/>
-              </a:rPr>
-              <a:t>isTrue</a:t>
-            </a:r>
-            <a:r>
-              <a:rPr kumimoji="0" lang="ru-RU" altLang="ru-RU" sz="1100" b="0" i="0" u="none" strike="noStrike" cap="none" normalizeH="0" baseline="0" dirty="0" smtClean="0">
-                <a:ln>
-                  <a:noFill/>
-                </a:ln>
-                <a:solidFill>
-                  <a:srgbClr val="999999"/>
-                </a:solidFill>
-                <a:effectLst/>
-                <a:latin typeface="Courier New" pitchFamily="49" charset="0"/>
-                <a:cs typeface="Courier New" pitchFamily="49" charset="0"/>
-              </a:rPr>
-              <a:t>,</a:t>
-            </a:r>
-            <a:r>
-              <a:rPr kumimoji="0" lang="ru-RU" altLang="ru-RU" sz="1100" b="0" i="0" u="none" strike="noStrike" cap="none" normalizeH="0" baseline="0" dirty="0" smtClean="0">
-                <a:ln>
-                  <a:noFill/>
-                </a:ln>
-                <a:solidFill>
-                  <a:srgbClr val="000000"/>
-                </a:solidFill>
-                <a:effectLst/>
-                <a:latin typeface="Consolas" pitchFamily="49" charset="0"/>
-                <a:cs typeface="Consolas" pitchFamily="49" charset="0"/>
-              </a:rPr>
-              <a:t> whatToDo</a:t>
-            </a:r>
-            <a:r>
-              <a:rPr kumimoji="0" lang="ru-RU" altLang="ru-RU" sz="1100" b="0" i="0" u="none" strike="noStrike" cap="none" normalizeH="0" baseline="0" dirty="0" smtClean="0">
-                <a:ln>
-                  <a:noFill/>
-                </a:ln>
-                <a:solidFill>
-                  <a:srgbClr val="999999"/>
-                </a:solidFill>
-                <a:effectLst/>
-                <a:latin typeface="Courier New" pitchFamily="49" charset="0"/>
-                <a:cs typeface="Courier New" pitchFamily="49" charset="0"/>
-              </a:rPr>
-              <a:t>)</a:t>
-            </a:r>
-            <a:r>
-              <a:rPr kumimoji="0" lang="ru-RU" altLang="ru-RU" sz="1100" b="0" i="0" u="none" strike="noStrike" cap="none" normalizeH="0" baseline="0" dirty="0" smtClean="0">
-                <a:ln>
-                  <a:noFill/>
-                </a:ln>
-                <a:solidFill>
-                  <a:srgbClr val="000000"/>
-                </a:solidFill>
-                <a:effectLst/>
-                <a:latin typeface="Consolas" pitchFamily="49" charset="0"/>
-                <a:cs typeface="Consolas" pitchFamily="49" charset="0"/>
-              </a:rPr>
-              <a:t> </a:t>
-            </a:r>
-            <a:r>
-              <a:rPr kumimoji="0" lang="ru-RU" altLang="ru-RU" sz="1100" b="0" i="0" u="none" strike="noStrike" cap="none" normalizeH="0" baseline="0" dirty="0" smtClean="0">
-                <a:ln>
-                  <a:noFill/>
-                </a:ln>
-                <a:solidFill>
-                  <a:srgbClr val="999999"/>
-                </a:solidFill>
-                <a:effectLst/>
-                <a:latin typeface="Courier New" pitchFamily="49" charset="0"/>
-                <a:cs typeface="Courier New" pitchFamily="49" charset="0"/>
-              </a:rPr>
-              <a:t>{</a:t>
-            </a:r>
-            <a:endParaRPr kumimoji="0" lang="en-US" altLang="ru-RU" sz="1100" b="0" i="0" u="none" strike="noStrike" cap="none" normalizeH="0" baseline="0" dirty="0" smtClean="0">
-              <a:ln>
-                <a:noFill/>
-              </a:ln>
+            <a:r>
+              <a:rPr lang="en-US" sz="2000" dirty="0" err="1" smtClean="0">
+                <a:solidFill>
+                  <a:srgbClr val="343433"/>
+                </a:solidFill>
+              </a:rPr>
+              <a:t>ECMAScript</a:t>
+            </a:r>
+            <a:r>
+              <a:rPr lang="en-US" sz="2000" dirty="0" smtClean="0">
+                <a:solidFill>
+                  <a:srgbClr val="343433"/>
+                </a:solidFill>
+              </a:rPr>
+              <a:t> = </a:t>
+            </a:r>
+            <a:r>
+              <a:rPr lang="en-US" sz="2000" dirty="0" err="1" smtClean="0">
+                <a:solidFill>
+                  <a:srgbClr val="343433"/>
+                </a:solidFill>
+              </a:rPr>
+              <a:t>js</a:t>
+            </a:r>
+            <a:r>
+              <a:rPr lang="en-US" sz="2000" dirty="0" smtClean="0">
+                <a:solidFill>
+                  <a:srgbClr val="343433"/>
+                </a:solidFill>
+              </a:rPr>
+              <a:t> spec</a:t>
+            </a:r>
+            <a:endParaRPr lang="en-US" sz="2000" dirty="0">
               <a:solidFill>
-                <a:srgbClr val="999999"/>
+                <a:srgbClr val="343433"/>
               </a:solidFill>
-              <a:effectLst/>
-              <a:latin typeface="Courier New" pitchFamily="49" charset="0"/>
-              <a:cs typeface="Courier New" pitchFamily="49" charset="0"/>
-            </a:endParaRPr>
-          </a:p>
-          <a:p>
-            <a:pPr lvl="0" fontAlgn="base">
-              <a:spcBef>
-                <a:spcPct val="0"/>
-              </a:spcBef>
-              <a:spcAft>
-                <a:spcPct val="0"/>
-              </a:spcAft>
-            </a:pPr>
-            <a:r>
-              <a:rPr lang="en-US" altLang="ru-RU" sz="1100" dirty="0">
-                <a:solidFill>
-                  <a:srgbClr val="000000"/>
-                </a:solidFill>
-                <a:latin typeface="Consolas" pitchFamily="49" charset="0"/>
-                <a:cs typeface="Consolas" pitchFamily="49" charset="0"/>
-              </a:rPr>
-              <a:t> </a:t>
-            </a:r>
-            <a:r>
-              <a:rPr lang="en-US" altLang="ru-RU" sz="1100" dirty="0" smtClean="0">
-                <a:solidFill>
-                  <a:srgbClr val="000000"/>
-                </a:solidFill>
-                <a:latin typeface="Consolas" pitchFamily="49" charset="0"/>
-                <a:cs typeface="Consolas" pitchFamily="49" charset="0"/>
-              </a:rPr>
-              <a:t> </a:t>
-            </a:r>
-            <a:r>
-              <a:rPr kumimoji="0" lang="ru-RU" altLang="ru-RU" sz="1100" b="0" i="0" u="none" strike="noStrike" cap="none" normalizeH="0" baseline="0" dirty="0" smtClean="0">
-                <a:ln>
-                  <a:noFill/>
-                </a:ln>
-                <a:solidFill>
-                  <a:srgbClr val="0077AA"/>
-                </a:solidFill>
-                <a:effectLst/>
-                <a:latin typeface="Courier New" pitchFamily="49" charset="0"/>
-                <a:cs typeface="Courier New" pitchFamily="49" charset="0"/>
-              </a:rPr>
-              <a:t>if</a:t>
-            </a:r>
-            <a:r>
-              <a:rPr kumimoji="0" lang="ru-RU" altLang="ru-RU" sz="1100" b="0" i="0" u="none" strike="noStrike" cap="none" normalizeH="0" baseline="0" dirty="0" smtClean="0">
-                <a:ln>
-                  <a:noFill/>
-                </a:ln>
-                <a:solidFill>
-                  <a:srgbClr val="999999"/>
-                </a:solidFill>
-                <a:effectLst/>
-                <a:latin typeface="Courier New" pitchFamily="49" charset="0"/>
-                <a:cs typeface="Courier New" pitchFamily="49" charset="0"/>
-              </a:rPr>
-              <a:t>(</a:t>
-            </a:r>
-            <a:r>
-              <a:rPr kumimoji="0" lang="ru-RU" altLang="ru-RU" sz="1100" b="0" i="0" u="none" strike="noStrike" cap="none" normalizeH="0" baseline="0" dirty="0" smtClean="0">
-                <a:ln>
-                  <a:noFill/>
-                </a:ln>
-                <a:solidFill>
-                  <a:srgbClr val="000000"/>
-                </a:solidFill>
-                <a:effectLst/>
-                <a:latin typeface="Consolas" pitchFamily="49" charset="0"/>
-                <a:cs typeface="Consolas" pitchFamily="49" charset="0"/>
-              </a:rPr>
-              <a:t>isTrue</a:t>
-            </a:r>
-            <a:r>
-              <a:rPr kumimoji="0" lang="ru-RU" altLang="ru-RU" sz="1100" b="0" i="0" u="none" strike="noStrike" cap="none" normalizeH="0" baseline="0" dirty="0" smtClean="0">
-                <a:ln>
-                  <a:noFill/>
-                </a:ln>
-                <a:solidFill>
-                  <a:srgbClr val="999999"/>
-                </a:solidFill>
-                <a:effectLst/>
-                <a:latin typeface="Courier New" pitchFamily="49" charset="0"/>
-                <a:cs typeface="Courier New" pitchFamily="49" charset="0"/>
-              </a:rPr>
-              <a:t>)</a:t>
-            </a:r>
-            <a:r>
-              <a:rPr kumimoji="0" lang="ru-RU" altLang="ru-RU" sz="1100" b="0" i="0" u="none" strike="noStrike" cap="none" normalizeH="0" baseline="0" dirty="0" smtClean="0">
-                <a:ln>
-                  <a:noFill/>
-                </a:ln>
-                <a:solidFill>
-                  <a:srgbClr val="000000"/>
-                </a:solidFill>
-                <a:effectLst/>
-                <a:latin typeface="Consolas" pitchFamily="49" charset="0"/>
-                <a:cs typeface="Consolas" pitchFamily="49" charset="0"/>
-              </a:rPr>
-              <a:t> </a:t>
-            </a:r>
-            <a:r>
-              <a:rPr lang="ru-RU" altLang="ru-RU" sz="1100" dirty="0">
-                <a:solidFill>
-                  <a:srgbClr val="999999"/>
-                </a:solidFill>
-                <a:latin typeface="Courier New" pitchFamily="49" charset="0"/>
-                <a:cs typeface="Courier New" pitchFamily="49" charset="0"/>
-              </a:rPr>
-              <a:t>{</a:t>
-            </a:r>
-            <a:endParaRPr kumimoji="0" lang="en-US" altLang="ru-RU" sz="1100" b="0" i="0" u="none" strike="noStrike" cap="none" normalizeH="0" baseline="0" dirty="0" smtClean="0">
-              <a:ln>
-                <a:noFill/>
-              </a:ln>
-              <a:solidFill>
-                <a:srgbClr val="000000"/>
-              </a:solidFill>
-              <a:effectLst/>
-              <a:latin typeface="Consolas" pitchFamily="49" charset="0"/>
-              <a:cs typeface="Consolas" pitchFamily="49" charset="0"/>
-            </a:endParaRPr>
-          </a:p>
-          <a:p>
-            <a:pPr marL="0" marR="0" lvl="0" indent="0" algn="l" defTabSz="914400" rtl="0" eaLnBrk="1" fontAlgn="base" latinLnBrk="0" hangingPunct="1">
-              <a:lnSpc>
-                <a:spcPct val="100000"/>
-              </a:lnSpc>
-              <a:spcBef>
-                <a:spcPct val="0"/>
-              </a:spcBef>
-              <a:spcAft>
-                <a:spcPct val="0"/>
-              </a:spcAft>
-              <a:buClrTx/>
-              <a:buSzTx/>
-              <a:buFontTx/>
-              <a:buNone/>
-              <a:tabLst/>
-            </a:pPr>
-            <a:r>
-              <a:rPr lang="en-US" altLang="ru-RU" sz="1100" dirty="0">
-                <a:solidFill>
-                  <a:srgbClr val="000000"/>
-                </a:solidFill>
-                <a:latin typeface="Consolas" pitchFamily="49" charset="0"/>
-                <a:cs typeface="Consolas" pitchFamily="49" charset="0"/>
-              </a:rPr>
-              <a:t> </a:t>
-            </a:r>
-            <a:r>
-              <a:rPr lang="en-US" altLang="ru-RU" sz="1100" dirty="0" smtClean="0">
-                <a:solidFill>
-                  <a:srgbClr val="000000"/>
-                </a:solidFill>
-                <a:latin typeface="Consolas" pitchFamily="49" charset="0"/>
-                <a:cs typeface="Consolas" pitchFamily="49" charset="0"/>
-              </a:rPr>
-              <a:t>    </a:t>
-            </a:r>
-            <a:r>
-              <a:rPr kumimoji="0" lang="ru-RU" altLang="ru-RU" sz="1100" b="0" i="0" u="none" strike="noStrike" cap="none" normalizeH="0" baseline="0" dirty="0" smtClean="0">
-                <a:ln>
-                  <a:noFill/>
-                </a:ln>
-                <a:solidFill>
-                  <a:srgbClr val="DD4A68"/>
-                </a:solidFill>
-                <a:effectLst/>
-                <a:latin typeface="Courier New" pitchFamily="49" charset="0"/>
-                <a:cs typeface="Courier New" pitchFamily="49" charset="0"/>
-              </a:rPr>
-              <a:t>whatToDo</a:t>
-            </a:r>
-            <a:r>
-              <a:rPr kumimoji="0" lang="ru-RU" altLang="ru-RU" sz="1100" b="0" i="0" u="none" strike="noStrike" cap="none" normalizeH="0" baseline="0" dirty="0" smtClean="0">
-                <a:ln>
-                  <a:noFill/>
-                </a:ln>
-                <a:solidFill>
-                  <a:srgbClr val="999999"/>
-                </a:solidFill>
-                <a:effectLst/>
-                <a:latin typeface="Courier New" pitchFamily="49" charset="0"/>
-                <a:cs typeface="Courier New" pitchFamily="49" charset="0"/>
-              </a:rPr>
-              <a:t>();</a:t>
-            </a:r>
-            <a:endParaRPr kumimoji="0" lang="en-US" altLang="ru-RU" sz="1100" b="0" i="0" u="none" strike="noStrike" cap="none" normalizeH="0" baseline="0" dirty="0" smtClean="0">
-              <a:ln>
-                <a:noFill/>
-              </a:ln>
-              <a:solidFill>
-                <a:srgbClr val="999999"/>
-              </a:solidFill>
-              <a:effectLst/>
-              <a:latin typeface="Courier New" pitchFamily="49" charset="0"/>
-              <a:cs typeface="Courier New" pitchFamily="49" charset="0"/>
-            </a:endParaRPr>
-          </a:p>
-          <a:p>
-            <a:pPr lvl="0" fontAlgn="base">
-              <a:spcBef>
-                <a:spcPct val="0"/>
-              </a:spcBef>
-              <a:spcAft>
-                <a:spcPct val="0"/>
-              </a:spcAft>
-            </a:pPr>
-            <a:r>
-              <a:rPr lang="en-US" altLang="ru-RU" sz="1100" dirty="0" smtClean="0">
-                <a:solidFill>
-                  <a:srgbClr val="999999"/>
-                </a:solidFill>
-                <a:latin typeface="Courier New" pitchFamily="49" charset="0"/>
-                <a:cs typeface="Courier New" pitchFamily="49" charset="0"/>
-              </a:rPr>
-              <a:t>  </a:t>
-            </a:r>
-            <a:r>
-              <a:rPr lang="ru-RU" altLang="ru-RU" sz="1100" dirty="0" smtClean="0">
-                <a:solidFill>
-                  <a:srgbClr val="999999"/>
-                </a:solidFill>
-                <a:latin typeface="Courier New" pitchFamily="49" charset="0"/>
-                <a:cs typeface="Courier New" pitchFamily="49" charset="0"/>
-              </a:rPr>
-              <a:t>}</a:t>
-            </a:r>
-            <a:endParaRPr kumimoji="0" lang="en-US" altLang="ru-RU" sz="1100" b="0" i="0" u="none" strike="noStrike" cap="none" normalizeH="0" baseline="0" dirty="0" smtClean="0">
-              <a:ln>
-                <a:noFill/>
-              </a:ln>
-              <a:solidFill>
-                <a:srgbClr val="999999"/>
-              </a:solidFill>
-              <a:effectLst/>
-              <a:latin typeface="Courier New" pitchFamily="49" charset="0"/>
-              <a:cs typeface="Courier New" pitchFamily="49" charset="0"/>
-            </a:endParaRPr>
-          </a:p>
-          <a:p>
-            <a:pPr marL="0" marR="0" lvl="0" indent="0" algn="l" defTabSz="914400" rtl="0" eaLnBrk="1" fontAlgn="base" latinLnBrk="0" hangingPunct="1">
-              <a:lnSpc>
-                <a:spcPct val="100000"/>
-              </a:lnSpc>
-              <a:spcBef>
-                <a:spcPct val="0"/>
-              </a:spcBef>
-              <a:spcAft>
-                <a:spcPct val="0"/>
-              </a:spcAft>
-              <a:buClrTx/>
-              <a:buSzTx/>
-              <a:buFontTx/>
-              <a:buNone/>
-              <a:tabLst/>
-            </a:pPr>
-            <a:r>
-              <a:rPr kumimoji="0" lang="ru-RU" altLang="ru-RU" sz="1100" b="0" i="0" u="none" strike="noStrike" cap="none" normalizeH="0" baseline="0" dirty="0" smtClean="0">
-                <a:ln>
-                  <a:noFill/>
-                </a:ln>
-                <a:solidFill>
-                  <a:srgbClr val="999999"/>
-                </a:solidFill>
-                <a:effectLst/>
-                <a:latin typeface="Courier New" pitchFamily="49" charset="0"/>
-                <a:cs typeface="Courier New" pitchFamily="49" charset="0"/>
-              </a:rPr>
-              <a:t>}</a:t>
-            </a:r>
-            <a:r>
-              <a:rPr kumimoji="0" lang="ru-RU" altLang="ru-RU" sz="1100" b="0" i="0" u="none" strike="noStrike" cap="none" normalizeH="0" baseline="0" dirty="0" smtClean="0">
-                <a:ln>
-                  <a:noFill/>
-                </a:ln>
-                <a:solidFill>
-                  <a:srgbClr val="000000"/>
-                </a:solidFill>
-                <a:effectLst/>
-                <a:latin typeface="Consolas" pitchFamily="49" charset="0"/>
-                <a:cs typeface="Consolas" pitchFamily="49" charset="0"/>
-              </a:rPr>
-              <a:t> </a:t>
-            </a:r>
-            <a:endParaRPr kumimoji="0" lang="en-US" altLang="ru-RU" sz="1100" b="0" i="0" u="none" strike="noStrike" cap="none" normalizeH="0" baseline="0" dirty="0" smtClean="0">
-              <a:ln>
-                <a:noFill/>
-              </a:ln>
-              <a:solidFill>
-                <a:srgbClr val="000000"/>
-              </a:solidFill>
-              <a:effectLst/>
-              <a:latin typeface="Consolas" pitchFamily="49" charset="0"/>
-              <a:cs typeface="Consolas" pitchFamily="49" charset="0"/>
-            </a:endParaRPr>
-          </a:p>
-          <a:p>
-            <a:pPr marL="0" marR="0" lvl="0" indent="0" algn="l" defTabSz="914400" rtl="0" eaLnBrk="1" fontAlgn="base" latinLnBrk="0" hangingPunct="1">
-              <a:lnSpc>
-                <a:spcPct val="100000"/>
-              </a:lnSpc>
-              <a:spcBef>
-                <a:spcPct val="0"/>
-              </a:spcBef>
-              <a:spcAft>
-                <a:spcPct val="0"/>
-              </a:spcAft>
-              <a:buClrTx/>
-              <a:buSzTx/>
-              <a:buFontTx/>
-              <a:buNone/>
-              <a:tabLst/>
-            </a:pPr>
-            <a:r>
-              <a:rPr kumimoji="0" lang="ru-RU" altLang="ru-RU" sz="1100" b="0" i="0" u="none" strike="noStrike" cap="none" normalizeH="0" baseline="0" dirty="0" smtClean="0">
-                <a:ln>
-                  <a:noFill/>
-                </a:ln>
-                <a:solidFill>
-                  <a:srgbClr val="DD4A68"/>
-                </a:solidFill>
-                <a:effectLst/>
-                <a:latin typeface="Courier New" pitchFamily="49" charset="0"/>
-                <a:cs typeface="Courier New" pitchFamily="49" charset="0"/>
-              </a:rPr>
-              <a:t>doIfTrue</a:t>
-            </a:r>
-            <a:r>
-              <a:rPr kumimoji="0" lang="ru-RU" altLang="ru-RU" sz="1100" b="0" i="0" u="none" strike="noStrike" cap="none" normalizeH="0" baseline="0" dirty="0" smtClean="0">
-                <a:ln>
-                  <a:noFill/>
-                </a:ln>
-                <a:solidFill>
-                  <a:srgbClr val="999999"/>
-                </a:solidFill>
-                <a:effectLst/>
-                <a:latin typeface="Courier New" pitchFamily="49" charset="0"/>
-                <a:cs typeface="Courier New" pitchFamily="49" charset="0"/>
-              </a:rPr>
-              <a:t>(</a:t>
-            </a:r>
-            <a:r>
-              <a:rPr kumimoji="0" lang="ru-RU" altLang="ru-RU" sz="1100" b="0" i="0" u="none" strike="noStrike" cap="none" normalizeH="0" baseline="0" dirty="0" smtClean="0">
-                <a:ln>
-                  <a:noFill/>
-                </a:ln>
-                <a:solidFill>
-                  <a:srgbClr val="990055"/>
-                </a:solidFill>
-                <a:effectLst/>
-                <a:latin typeface="Courier New" pitchFamily="49" charset="0"/>
-                <a:cs typeface="Courier New" pitchFamily="49" charset="0"/>
-              </a:rPr>
-              <a:t>true</a:t>
-            </a:r>
-            <a:r>
-              <a:rPr kumimoji="0" lang="ru-RU" altLang="ru-RU" sz="1100" b="0" i="0" u="none" strike="noStrike" cap="none" normalizeH="0" baseline="0" dirty="0" smtClean="0">
-                <a:ln>
-                  <a:noFill/>
-                </a:ln>
-                <a:solidFill>
-                  <a:srgbClr val="999999"/>
-                </a:solidFill>
-                <a:effectLst/>
-                <a:latin typeface="Courier New" pitchFamily="49" charset="0"/>
-                <a:cs typeface="Courier New" pitchFamily="49" charset="0"/>
-              </a:rPr>
-              <a:t>,</a:t>
-            </a:r>
-            <a:r>
-              <a:rPr kumimoji="0" lang="ru-RU" altLang="ru-RU" sz="1100" b="0" i="0" u="none" strike="noStrike" cap="none" normalizeH="0" baseline="0" dirty="0" smtClean="0">
-                <a:ln>
-                  <a:noFill/>
-                </a:ln>
-                <a:solidFill>
-                  <a:srgbClr val="000000"/>
-                </a:solidFill>
-                <a:effectLst/>
-                <a:latin typeface="Consolas" pitchFamily="49" charset="0"/>
-                <a:cs typeface="Consolas" pitchFamily="49" charset="0"/>
-              </a:rPr>
-              <a:t> </a:t>
-            </a:r>
-            <a:r>
-              <a:rPr kumimoji="0" lang="ru-RU" altLang="ru-RU" sz="1100" b="0" i="0" u="none" strike="noStrike" cap="none" normalizeH="0" baseline="0" dirty="0" smtClean="0">
-                <a:ln>
-                  <a:noFill/>
-                </a:ln>
-                <a:solidFill>
-                  <a:srgbClr val="0077AA"/>
-                </a:solidFill>
-                <a:effectLst/>
-                <a:latin typeface="Courier New" pitchFamily="49" charset="0"/>
-                <a:cs typeface="Courier New" pitchFamily="49" charset="0"/>
-              </a:rPr>
-              <a:t>function</a:t>
-            </a:r>
-            <a:r>
-              <a:rPr kumimoji="0" lang="ru-RU" altLang="ru-RU" sz="1100" b="0" i="0" u="none" strike="noStrike" cap="none" normalizeH="0" baseline="0" dirty="0" smtClean="0">
-                <a:ln>
-                  <a:noFill/>
-                </a:ln>
-                <a:solidFill>
-                  <a:srgbClr val="999999"/>
-                </a:solidFill>
-                <a:effectLst/>
-                <a:latin typeface="Courier New" pitchFamily="49" charset="0"/>
-                <a:cs typeface="Courier New" pitchFamily="49" charset="0"/>
-              </a:rPr>
-              <a:t>()</a:t>
-            </a:r>
-            <a:r>
-              <a:rPr kumimoji="0" lang="ru-RU" altLang="ru-RU" sz="1100" b="0" i="0" u="none" strike="noStrike" cap="none" normalizeH="0" baseline="0" dirty="0" smtClean="0">
-                <a:ln>
-                  <a:noFill/>
-                </a:ln>
-                <a:solidFill>
-                  <a:srgbClr val="000000"/>
-                </a:solidFill>
-                <a:effectLst/>
-                <a:latin typeface="Consolas" pitchFamily="49" charset="0"/>
-                <a:cs typeface="Consolas" pitchFamily="49" charset="0"/>
-              </a:rPr>
-              <a:t> </a:t>
-            </a:r>
-            <a:r>
-              <a:rPr kumimoji="0" lang="ru-RU" altLang="ru-RU" sz="1100" b="0" i="0" u="none" strike="noStrike" cap="none" normalizeH="0" baseline="0" dirty="0" smtClean="0">
-                <a:ln>
-                  <a:noFill/>
-                </a:ln>
-                <a:solidFill>
-                  <a:srgbClr val="999999"/>
-                </a:solidFill>
-                <a:effectLst/>
-                <a:latin typeface="Courier New" pitchFamily="49" charset="0"/>
-                <a:cs typeface="Courier New" pitchFamily="49" charset="0"/>
-              </a:rPr>
-              <a:t>{</a:t>
-            </a:r>
-            <a:endParaRPr kumimoji="0" lang="en-US" altLang="ru-RU" sz="1100" b="0" i="0" u="none" strike="noStrike" cap="none" normalizeH="0" baseline="0" dirty="0" smtClean="0">
-              <a:ln>
-                <a:noFill/>
-              </a:ln>
-              <a:solidFill>
-                <a:srgbClr val="999999"/>
-              </a:solidFill>
-              <a:effectLst/>
-              <a:latin typeface="Courier New" pitchFamily="49" charset="0"/>
-              <a:cs typeface="Courier New" pitchFamily="49" charset="0"/>
-            </a:endParaRPr>
-          </a:p>
-          <a:p>
-            <a:pPr fontAlgn="base">
-              <a:spcBef>
-                <a:spcPct val="0"/>
-              </a:spcBef>
-              <a:spcAft>
-                <a:spcPct val="0"/>
-              </a:spcAft>
-            </a:pPr>
-            <a:r>
-              <a:rPr lang="en-US" altLang="ru-RU" sz="1100" dirty="0">
-                <a:solidFill>
-                  <a:srgbClr val="999999"/>
-                </a:solidFill>
-                <a:latin typeface="Courier New" pitchFamily="49" charset="0"/>
-                <a:cs typeface="Courier New" pitchFamily="49" charset="0"/>
-              </a:rPr>
-              <a:t> </a:t>
-            </a:r>
-            <a:r>
-              <a:rPr lang="en-US" altLang="ru-RU" sz="1100" dirty="0" smtClean="0">
-                <a:solidFill>
-                  <a:srgbClr val="999999"/>
-                </a:solidFill>
-                <a:latin typeface="Courier New" pitchFamily="49" charset="0"/>
-                <a:cs typeface="Courier New" pitchFamily="49" charset="0"/>
-              </a:rPr>
-              <a:t> </a:t>
-            </a:r>
-            <a:r>
-              <a:rPr kumimoji="0" lang="ru-RU" altLang="ru-RU" sz="1100" b="0" i="0" u="none" strike="noStrike" cap="none" normalizeH="0" baseline="0" dirty="0" smtClean="0">
-                <a:ln>
-                  <a:noFill/>
-                </a:ln>
-                <a:solidFill>
-                  <a:srgbClr val="DD4A68"/>
-                </a:solidFill>
-                <a:effectLst/>
-                <a:latin typeface="Courier New" pitchFamily="49" charset="0"/>
-                <a:cs typeface="Courier New" pitchFamily="49" charset="0"/>
-              </a:rPr>
-              <a:t>alert</a:t>
-            </a:r>
-            <a:r>
-              <a:rPr kumimoji="0" lang="ru-RU" altLang="ru-RU" sz="1100" b="0" i="0" u="none" strike="noStrike" cap="none" normalizeH="0" baseline="0" dirty="0" smtClean="0">
-                <a:ln>
-                  <a:noFill/>
-                </a:ln>
-                <a:solidFill>
-                  <a:srgbClr val="999999"/>
-                </a:solidFill>
-                <a:effectLst/>
-                <a:latin typeface="Courier New" pitchFamily="49" charset="0"/>
-                <a:cs typeface="Courier New" pitchFamily="49" charset="0"/>
-              </a:rPr>
-              <a:t>(</a:t>
-            </a:r>
-            <a:r>
-              <a:rPr kumimoji="0" lang="ru-RU" altLang="ru-RU" sz="1100" b="0" i="0" u="none" strike="noStrike" cap="none" normalizeH="0" baseline="0" dirty="0" smtClean="0">
-                <a:ln>
-                  <a:noFill/>
-                </a:ln>
-                <a:solidFill>
-                  <a:srgbClr val="669900"/>
-                </a:solidFill>
-                <a:effectLst/>
-                <a:latin typeface="Courier New" pitchFamily="49" charset="0"/>
-                <a:cs typeface="Courier New" pitchFamily="49" charset="0"/>
-              </a:rPr>
-              <a:t>'hello'</a:t>
-            </a:r>
-            <a:r>
-              <a:rPr kumimoji="0" lang="ru-RU" altLang="ru-RU" sz="1100" b="0" i="0" u="none" strike="noStrike" cap="none" normalizeH="0" baseline="0" dirty="0" smtClean="0">
-                <a:ln>
-                  <a:noFill/>
-                </a:ln>
-                <a:solidFill>
-                  <a:srgbClr val="999999"/>
-                </a:solidFill>
-                <a:effectLst/>
-                <a:latin typeface="Courier New" pitchFamily="49" charset="0"/>
-                <a:cs typeface="Courier New" pitchFamily="49" charset="0"/>
-              </a:rPr>
-              <a:t>);</a:t>
-            </a:r>
-            <a:r>
-              <a:rPr lang="ru-RU" altLang="ru-RU" sz="1100" dirty="0">
-                <a:solidFill>
-                  <a:srgbClr val="708090"/>
-                </a:solidFill>
-                <a:latin typeface="Courier New" pitchFamily="49" charset="0"/>
-                <a:cs typeface="Courier New" pitchFamily="49" charset="0"/>
-              </a:rPr>
-              <a:t> // alerts "world"</a:t>
-            </a:r>
-            <a:r>
-              <a:rPr lang="ru-RU" altLang="ru-RU" sz="1100" dirty="0">
-                <a:solidFill>
-                  <a:srgbClr val="000000"/>
-                </a:solidFill>
-                <a:latin typeface="Consolas" pitchFamily="49" charset="0"/>
-                <a:cs typeface="Consolas" pitchFamily="49" charset="0"/>
-              </a:rPr>
-              <a:t> </a:t>
-            </a:r>
-            <a:endParaRPr lang="en-US" altLang="ru-RU" sz="1100" dirty="0">
-              <a:solidFill>
-                <a:srgbClr val="000000"/>
-              </a:solidFill>
-              <a:latin typeface="Consolas" pitchFamily="49" charset="0"/>
-              <a:cs typeface="Consolas" pitchFamily="49" charset="0"/>
-            </a:endParaRPr>
-          </a:p>
-          <a:p>
-            <a:pPr marL="0" marR="0" lvl="0" indent="0" algn="l" defTabSz="914400" rtl="0" eaLnBrk="1" fontAlgn="base" latinLnBrk="0" hangingPunct="1">
-              <a:lnSpc>
-                <a:spcPct val="100000"/>
-              </a:lnSpc>
-              <a:spcBef>
-                <a:spcPct val="0"/>
-              </a:spcBef>
-              <a:spcAft>
-                <a:spcPct val="0"/>
-              </a:spcAft>
-              <a:buClrTx/>
-              <a:buSzTx/>
-              <a:buFontTx/>
-              <a:buNone/>
-              <a:tabLst/>
-            </a:pPr>
-            <a:r>
-              <a:rPr kumimoji="0" lang="ru-RU" altLang="ru-RU" sz="1100" b="0" i="0" u="none" strike="noStrike" cap="none" normalizeH="0" baseline="0" dirty="0" smtClean="0">
-                <a:ln>
-                  <a:noFill/>
-                </a:ln>
-                <a:solidFill>
-                  <a:srgbClr val="999999"/>
-                </a:solidFill>
-                <a:effectLst/>
-                <a:latin typeface="Courier New" pitchFamily="49" charset="0"/>
-                <a:cs typeface="Courier New" pitchFamily="49" charset="0"/>
-              </a:rPr>
-              <a:t>});</a:t>
-            </a:r>
-            <a:endParaRPr kumimoji="0" lang="en-US" altLang="ru-RU" sz="1100" b="0" i="0" u="none" strike="noStrike" cap="none" normalizeH="0" baseline="0" dirty="0" smtClean="0">
-              <a:ln>
-                <a:noFill/>
-              </a:ln>
-              <a:solidFill>
-                <a:srgbClr val="999999"/>
-              </a:solidFill>
-              <a:effectLst/>
-              <a:latin typeface="Courier New" pitchFamily="49" charset="0"/>
-              <a:cs typeface="Courier New" pitchFamily="49" charset="0"/>
-            </a:endParaRPr>
-          </a:p>
-          <a:p>
-            <a:pPr marL="0" marR="0" lvl="0" indent="0" algn="l" defTabSz="914400" rtl="0" eaLnBrk="1" fontAlgn="base" latinLnBrk="0" hangingPunct="1">
-              <a:lnSpc>
-                <a:spcPct val="100000"/>
-              </a:lnSpc>
-              <a:spcBef>
-                <a:spcPct val="0"/>
-              </a:spcBef>
-              <a:spcAft>
-                <a:spcPct val="0"/>
-              </a:spcAft>
-              <a:buClrTx/>
-              <a:buSzTx/>
-              <a:buFontTx/>
-              <a:buNone/>
-              <a:tabLst/>
-            </a:pPr>
-            <a:r>
-              <a:rPr kumimoji="0" lang="ru-RU" altLang="ru-RU" sz="1100" b="0" i="0" u="none" strike="noStrike" cap="none" normalizeH="0" baseline="0" dirty="0" smtClean="0">
-                <a:ln>
-                  <a:noFill/>
-                </a:ln>
-                <a:solidFill>
-                  <a:srgbClr val="DD4A68"/>
-                </a:solidFill>
-                <a:effectLst/>
-                <a:latin typeface="Courier New" pitchFamily="49" charset="0"/>
-                <a:cs typeface="Courier New" pitchFamily="49" charset="0"/>
-              </a:rPr>
-              <a:t>doIfTrue</a:t>
-            </a:r>
-            <a:r>
-              <a:rPr kumimoji="0" lang="ru-RU" altLang="ru-RU" sz="1100" b="0" i="0" u="none" strike="noStrike" cap="none" normalizeH="0" baseline="0" dirty="0" smtClean="0">
-                <a:ln>
-                  <a:noFill/>
-                </a:ln>
-                <a:solidFill>
-                  <a:srgbClr val="999999"/>
-                </a:solidFill>
-                <a:effectLst/>
-                <a:latin typeface="Courier New" pitchFamily="49" charset="0"/>
-                <a:cs typeface="Courier New" pitchFamily="49" charset="0"/>
-              </a:rPr>
-              <a:t>(</a:t>
-            </a:r>
-            <a:r>
-              <a:rPr kumimoji="0" lang="ru-RU" altLang="ru-RU" sz="1100" b="0" i="0" u="none" strike="noStrike" cap="none" normalizeH="0" baseline="0" dirty="0" smtClean="0">
-                <a:ln>
-                  <a:noFill/>
-                </a:ln>
-                <a:solidFill>
-                  <a:srgbClr val="990055"/>
-                </a:solidFill>
-                <a:effectLst/>
-                <a:latin typeface="Courier New" pitchFamily="49" charset="0"/>
-                <a:cs typeface="Courier New" pitchFamily="49" charset="0"/>
-              </a:rPr>
-              <a:t>false</a:t>
-            </a:r>
-            <a:r>
-              <a:rPr kumimoji="0" lang="ru-RU" altLang="ru-RU" sz="1100" b="0" i="0" u="none" strike="noStrike" cap="none" normalizeH="0" baseline="0" dirty="0" smtClean="0">
-                <a:ln>
-                  <a:noFill/>
-                </a:ln>
-                <a:solidFill>
-                  <a:srgbClr val="999999"/>
-                </a:solidFill>
-                <a:effectLst/>
-                <a:latin typeface="Courier New" pitchFamily="49" charset="0"/>
-                <a:cs typeface="Courier New" pitchFamily="49" charset="0"/>
-              </a:rPr>
-              <a:t>,</a:t>
-            </a:r>
-            <a:r>
-              <a:rPr kumimoji="0" lang="ru-RU" altLang="ru-RU" sz="1100" b="0" i="0" u="none" strike="noStrike" cap="none" normalizeH="0" baseline="0" dirty="0" smtClean="0">
-                <a:ln>
-                  <a:noFill/>
-                </a:ln>
-                <a:solidFill>
-                  <a:srgbClr val="000000"/>
-                </a:solidFill>
-                <a:effectLst/>
-                <a:latin typeface="Consolas" pitchFamily="49" charset="0"/>
-                <a:cs typeface="Consolas" pitchFamily="49" charset="0"/>
-              </a:rPr>
-              <a:t> </a:t>
-            </a:r>
-            <a:r>
-              <a:rPr kumimoji="0" lang="ru-RU" altLang="ru-RU" sz="1100" b="0" i="0" u="none" strike="noStrike" cap="none" normalizeH="0" baseline="0" dirty="0" smtClean="0">
-                <a:ln>
-                  <a:noFill/>
-                </a:ln>
-                <a:solidFill>
-                  <a:srgbClr val="0077AA"/>
-                </a:solidFill>
-                <a:effectLst/>
-                <a:latin typeface="Courier New" pitchFamily="49" charset="0"/>
-                <a:cs typeface="Courier New" pitchFamily="49" charset="0"/>
-              </a:rPr>
-              <a:t>function</a:t>
-            </a:r>
-            <a:r>
-              <a:rPr kumimoji="0" lang="ru-RU" altLang="ru-RU" sz="1100" b="0" i="0" u="none" strike="noStrike" cap="none" normalizeH="0" baseline="0" dirty="0" smtClean="0">
-                <a:ln>
-                  <a:noFill/>
-                </a:ln>
-                <a:solidFill>
-                  <a:srgbClr val="999999"/>
-                </a:solidFill>
-                <a:effectLst/>
-                <a:latin typeface="Courier New" pitchFamily="49" charset="0"/>
-                <a:cs typeface="Courier New" pitchFamily="49" charset="0"/>
-              </a:rPr>
-              <a:t>()</a:t>
-            </a:r>
-            <a:r>
-              <a:rPr kumimoji="0" lang="ru-RU" altLang="ru-RU" sz="1100" b="0" i="0" u="none" strike="noStrike" cap="none" normalizeH="0" baseline="0" dirty="0" smtClean="0">
-                <a:ln>
-                  <a:noFill/>
-                </a:ln>
-                <a:solidFill>
-                  <a:srgbClr val="000000"/>
-                </a:solidFill>
-                <a:effectLst/>
-                <a:latin typeface="Consolas" pitchFamily="49" charset="0"/>
-                <a:cs typeface="Consolas" pitchFamily="49" charset="0"/>
-              </a:rPr>
-              <a:t> </a:t>
-            </a:r>
-            <a:r>
-              <a:rPr kumimoji="0" lang="ru-RU" altLang="ru-RU" sz="1100" b="0" i="0" u="none" strike="noStrike" cap="none" normalizeH="0" baseline="0" dirty="0" smtClean="0">
-                <a:ln>
-                  <a:noFill/>
-                </a:ln>
-                <a:solidFill>
-                  <a:srgbClr val="999999"/>
-                </a:solidFill>
-                <a:effectLst/>
-                <a:latin typeface="Courier New" pitchFamily="49" charset="0"/>
-                <a:cs typeface="Courier New" pitchFamily="49" charset="0"/>
-              </a:rPr>
-              <a:t>{</a:t>
-            </a:r>
-            <a:endParaRPr kumimoji="0" lang="en-US" altLang="ru-RU" sz="1100" b="0" i="0" u="none" strike="noStrike" cap="none" normalizeH="0" baseline="0" dirty="0" smtClean="0">
-              <a:ln>
-                <a:noFill/>
-              </a:ln>
-              <a:solidFill>
-                <a:srgbClr val="999999"/>
-              </a:solidFill>
-              <a:effectLst/>
-              <a:latin typeface="Courier New" pitchFamily="49" charset="0"/>
-              <a:cs typeface="Courier New" pitchFamily="49" charset="0"/>
-            </a:endParaRPr>
-          </a:p>
-          <a:p>
-            <a:pPr lvl="0" fontAlgn="base">
-              <a:spcBef>
-                <a:spcPct val="0"/>
-              </a:spcBef>
-              <a:spcAft>
-                <a:spcPct val="0"/>
-              </a:spcAft>
-            </a:pPr>
-            <a:r>
-              <a:rPr lang="en-US" altLang="ru-RU" sz="1100" dirty="0">
-                <a:solidFill>
-                  <a:srgbClr val="999999"/>
-                </a:solidFill>
-                <a:latin typeface="Courier New" pitchFamily="49" charset="0"/>
-                <a:cs typeface="Courier New" pitchFamily="49" charset="0"/>
-              </a:rPr>
-              <a:t> </a:t>
-            </a:r>
-            <a:r>
-              <a:rPr lang="en-US" altLang="ru-RU" sz="1100" dirty="0" smtClean="0">
-                <a:solidFill>
-                  <a:srgbClr val="999999"/>
-                </a:solidFill>
-                <a:latin typeface="Courier New" pitchFamily="49" charset="0"/>
-                <a:cs typeface="Courier New" pitchFamily="49" charset="0"/>
-              </a:rPr>
-              <a:t> </a:t>
-            </a:r>
-            <a:r>
-              <a:rPr kumimoji="0" lang="ru-RU" altLang="ru-RU" sz="1100" b="0" i="0" u="none" strike="noStrike" cap="none" normalizeH="0" baseline="0" dirty="0" smtClean="0">
-                <a:ln>
-                  <a:noFill/>
-                </a:ln>
-                <a:solidFill>
-                  <a:srgbClr val="DD4A68"/>
-                </a:solidFill>
-                <a:effectLst/>
-                <a:latin typeface="Courier New" pitchFamily="49" charset="0"/>
-                <a:cs typeface="Courier New" pitchFamily="49" charset="0"/>
-              </a:rPr>
-              <a:t>alert</a:t>
-            </a:r>
-            <a:r>
-              <a:rPr kumimoji="0" lang="ru-RU" altLang="ru-RU" sz="1100" b="0" i="0" u="none" strike="noStrike" cap="none" normalizeH="0" baseline="0" dirty="0" smtClean="0">
-                <a:ln>
-                  <a:noFill/>
-                </a:ln>
-                <a:solidFill>
-                  <a:srgbClr val="999999"/>
-                </a:solidFill>
-                <a:effectLst/>
-                <a:latin typeface="Courier New" pitchFamily="49" charset="0"/>
-                <a:cs typeface="Courier New" pitchFamily="49" charset="0"/>
-              </a:rPr>
-              <a:t>(</a:t>
-            </a:r>
-            <a:r>
-              <a:rPr kumimoji="0" lang="ru-RU" altLang="ru-RU" sz="1100" b="0" i="0" u="none" strike="noStrike" cap="none" normalizeH="0" baseline="0" dirty="0" smtClean="0">
-                <a:ln>
-                  <a:noFill/>
-                </a:ln>
-                <a:solidFill>
-                  <a:srgbClr val="669900"/>
-                </a:solidFill>
-                <a:effectLst/>
-                <a:latin typeface="Courier New" pitchFamily="49" charset="0"/>
-                <a:cs typeface="Courier New" pitchFamily="49" charset="0"/>
-              </a:rPr>
-              <a:t>'world'</a:t>
-            </a:r>
-            <a:r>
-              <a:rPr kumimoji="0" lang="ru-RU" altLang="ru-RU" sz="1100" b="0" i="0" u="none" strike="noStrike" cap="none" normalizeH="0" baseline="0" dirty="0" smtClean="0">
-                <a:ln>
-                  <a:noFill/>
-                </a:ln>
-                <a:solidFill>
-                  <a:srgbClr val="999999"/>
-                </a:solidFill>
-                <a:effectLst/>
-                <a:latin typeface="Courier New" pitchFamily="49" charset="0"/>
-                <a:cs typeface="Courier New" pitchFamily="49" charset="0"/>
-              </a:rPr>
-              <a:t>);</a:t>
-            </a:r>
-            <a:r>
-              <a:rPr kumimoji="0" lang="ru-RU" altLang="ru-RU" sz="1100" b="0" i="0" u="none" strike="noStrike" cap="none" normalizeH="0" baseline="0" dirty="0" smtClean="0">
-                <a:ln>
-                  <a:noFill/>
-                </a:ln>
-                <a:solidFill>
-                  <a:srgbClr val="000000"/>
-                </a:solidFill>
-                <a:effectLst/>
-                <a:latin typeface="Consolas" pitchFamily="49" charset="0"/>
-                <a:cs typeface="Consolas" pitchFamily="49" charset="0"/>
-              </a:rPr>
-              <a:t> </a:t>
-            </a:r>
-            <a:r>
-              <a:rPr kumimoji="0" lang="ru-RU" altLang="ru-RU" sz="1100" b="0" i="0" u="none" strike="noStrike" cap="none" normalizeH="0" baseline="0" dirty="0" smtClean="0">
-                <a:ln>
-                  <a:noFill/>
-                </a:ln>
-                <a:solidFill>
-                  <a:srgbClr val="708090"/>
-                </a:solidFill>
-                <a:effectLst/>
-                <a:latin typeface="Courier New" pitchFamily="49" charset="0"/>
-                <a:cs typeface="Courier New" pitchFamily="49" charset="0"/>
-              </a:rPr>
-              <a:t>// does nothing</a:t>
-            </a:r>
-            <a:endParaRPr kumimoji="0" lang="en-US" altLang="ru-RU" sz="1100" b="0" i="0" u="none" strike="noStrike" cap="none" normalizeH="0" baseline="0" dirty="0" smtClean="0">
-              <a:ln>
-                <a:noFill/>
-              </a:ln>
-              <a:solidFill>
-                <a:srgbClr val="708090"/>
-              </a:solidFill>
-              <a:effectLst/>
-              <a:latin typeface="Courier New" pitchFamily="49" charset="0"/>
-              <a:cs typeface="Courier New" pitchFamily="49" charset="0"/>
-            </a:endParaRPr>
-          </a:p>
-          <a:p>
-            <a:pPr lvl="0" fontAlgn="base">
-              <a:spcBef>
-                <a:spcPct val="0"/>
-              </a:spcBef>
-              <a:spcAft>
-                <a:spcPct val="0"/>
-              </a:spcAft>
-            </a:pPr>
-            <a:r>
-              <a:rPr lang="ru-RU" altLang="ru-RU" sz="1100" dirty="0" smtClean="0">
-                <a:solidFill>
-                  <a:srgbClr val="999999"/>
-                </a:solidFill>
-                <a:latin typeface="Courier New" pitchFamily="49" charset="0"/>
-                <a:cs typeface="Courier New" pitchFamily="49" charset="0"/>
-              </a:rPr>
-              <a:t>});</a:t>
-            </a:r>
-            <a:endParaRPr kumimoji="0" lang="en-US" altLang="ru-RU" sz="1100" b="0" i="0" u="none" strike="noStrike" cap="none" normalizeH="0" baseline="0" dirty="0" smtClean="0">
-              <a:ln>
-                <a:noFill/>
-              </a:ln>
-              <a:solidFill>
-                <a:srgbClr val="708090"/>
-              </a:solidFill>
-              <a:effectLst/>
-              <a:latin typeface="Courier New" pitchFamily="49" charset="0"/>
-              <a:cs typeface="Courier New" pitchFamily="49" charset="0"/>
             </a:endParaRPr>
           </a:p>
         </p:txBody>
       </p:sp>
-      <p:cxnSp>
-        <p:nvCxnSpPr>
-          <p:cNvPr id="32" name="Straight Arrow Connector 31"/>
-          <p:cNvCxnSpPr/>
+      <p:sp>
+        <p:nvSpPr>
+          <p:cNvPr id="25" name="TextBox 24"/>
+          <p:cNvSpPr txBox="1"/>
           <p:nvPr/>
-        </p:nvCxnSpPr>
+        </p:nvSpPr>
         <p:spPr>
-          <a:xfrm flipH="1" flipV="1">
-            <a:off x="7010400" y="3899425"/>
-            <a:ext cx="458457" cy="1656854"/>
+          <a:xfrm>
+            <a:off x="2471155" y="3073706"/>
+            <a:ext cx="4692853" cy="707886"/>
           </a:xfrm>
-          <a:prstGeom prst="straightConnector1">
+          <a:prstGeom prst="rect">
             <a:avLst/>
           </a:prstGeom>
-          <a:ln>
-            <a:tailEnd type="arrow"/>
-          </a:ln>
+          <a:noFill/>
         </p:spPr>
-        <p:style>
-          <a:lnRef idx="1">
-            <a:schemeClr val="accent1"/>
-          </a:lnRef>
-          <a:fillRef idx="0">
-            <a:schemeClr val="accent1"/>
-          </a:fillRef>
-          <a:effectRef idx="0">
-            <a:schemeClr val="accent1"/>
-          </a:effectRef>
-          <a:fontRef idx="minor">
-            <a:schemeClr val="tx1"/>
-          </a:fontRef>
-        </p:style>
-      </p:cxnSp>
+        <p:txBody>
+          <a:bodyPr wrap="square" rtlCol="0">
+            <a:spAutoFit/>
+          </a:bodyPr>
+          <a:lstStyle/>
+          <a:p>
+            <a:r>
+              <a:rPr lang="en-US" sz="4000" dirty="0" smtClean="0"/>
+              <a:t>Fantastic Community</a:t>
+            </a:r>
+            <a:endParaRPr lang="en-US" sz="4000" dirty="0"/>
+          </a:p>
+        </p:txBody>
+      </p:sp>
+      <p:pic>
+        <p:nvPicPr>
+          <p:cNvPr id="4" name="Picture 3"/>
+          <p:cNvPicPr>
+            <a:picLocks noChangeAspect="1"/>
+          </p:cNvPicPr>
+          <p:nvPr/>
+        </p:nvPicPr>
+        <p:blipFill>
+          <a:blip r:embed="rId2"/>
+          <a:stretch>
+            <a:fillRect/>
+          </a:stretch>
+        </p:blipFill>
+        <p:spPr>
+          <a:xfrm>
+            <a:off x="3766935" y="1411140"/>
+            <a:ext cx="428122" cy="428122"/>
+          </a:xfrm>
+          <a:prstGeom prst="rect">
+            <a:avLst/>
+          </a:prstGeom>
+        </p:spPr>
+      </p:pic>
+      <p:sp>
+        <p:nvSpPr>
+          <p:cNvPr id="30" name="TextBox 29"/>
+          <p:cNvSpPr txBox="1"/>
+          <p:nvPr/>
+        </p:nvSpPr>
+        <p:spPr>
+          <a:xfrm>
+            <a:off x="451782" y="4145610"/>
+            <a:ext cx="8158817" cy="369332"/>
+          </a:xfrm>
+          <a:prstGeom prst="rect">
+            <a:avLst/>
+          </a:prstGeom>
+          <a:noFill/>
+        </p:spPr>
+        <p:txBody>
+          <a:bodyPr wrap="square" rtlCol="0">
+            <a:spAutoFit/>
+          </a:bodyPr>
+          <a:lstStyle/>
+          <a:p>
+            <a:r>
+              <a:rPr lang="en-US" dirty="0" smtClean="0"/>
+              <a:t>Interpreted, not compiled</a:t>
+            </a:r>
+            <a:endParaRPr lang="en-US" dirty="0"/>
+          </a:p>
+        </p:txBody>
+      </p:sp>
     </p:spTree>
     <p:extLst>
       <p:ext uri="{BB962C8B-B14F-4D97-AF65-F5344CB8AC3E}">
@@ -9459,7 +8880,7 @@
                             </p:stCondLst>
                             <p:childTnLst>
                               <p:par>
-                                <p:cTn id="57" presetID="1" presetClass="entr" presetSubtype="0" fill="hold" nodeType="clickEffect">
+                                <p:cTn id="57" presetID="1" presetClass="entr" presetSubtype="0" fill="hold" grpId="0" nodeType="clickEffect">
                                   <p:stCondLst>
                                     <p:cond delay="0"/>
                                   </p:stCondLst>
@@ -9472,7 +8893,52 @@
                                           </p:stCondLst>
                                         </p:cTn>
                                         <p:tgtEl>
-                                          <p:spTgt spid="32"/>
+                                          <p:spTgt spid="24"/>
+                                        </p:tgtEl>
+                                        <p:attrNameLst>
+                                          <p:attrName>style.visibility</p:attrName>
+                                        </p:attrNameLst>
+                                      </p:cBhvr>
+                                      <p:to>
+                                        <p:strVal val="visible"/>
+                                      </p:to>
+                                    </p:set>
+                                  </p:childTnLst>
+                                </p:cTn>
+                              </p:par>
+                            </p:childTnLst>
+                          </p:cTn>
+                        </p:par>
+                      </p:childTnLst>
+                    </p:cTn>
+                  </p:par>
+                  <p:par>
+                    <p:cTn id="59" fill="hold">
+                      <p:stCondLst>
+                        <p:cond delay="indefinite"/>
+                      </p:stCondLst>
+                      <p:childTnLst>
+                        <p:par>
+                          <p:cTn id="60" fill="hold">
+                            <p:stCondLst>
+                              <p:cond delay="0"/>
+                            </p:stCondLst>
+                            <p:childTnLst>
+                              <p:par>
+                                <p:cTn id="61" presetID="1" presetClass="entr" presetSubtype="0" fill="hold" grpId="0" nodeType="clickEffect">
+                                  <p:stCondLst>
+                                    <p:cond delay="0"/>
+                                  </p:stCondLst>
+                                  <p:childTnLst>
+                                    <p:set>
+                                      <p:cBhvr>
+                                        <p:cTn id="62" dur="1" fill="hold">
+                                          <p:stCondLst>
+                                            <p:cond delay="0"/>
+                                          </p:stCondLst>
+                                        </p:cTn>
+                                        <p:tgtEl>
+                                          <p:spTgt spid="25"/>
                                         </p:tgtEl>
                                         <p:attrNameLst>
                                           <p:attrName>style.visibility</p:attrName>
@@ -9486,20 +8952,65 @@
                                 </p:cTn>
                               </p:par>
                               <p:par>
-                                <p:cTn id="59" presetID="1" presetClass="entr" presetSubtype="0" fill="hold" grpId="0" nodeType="withEffect">
+                                <p:cTn id="63" presetID="1" presetClass="entr" presetSubtype="0" fill="hold" grpId="0" nodeType="withEffect">
                                   <p:stCondLst>
                                     <p:cond delay="0"/>
                                   </p:stCondLst>
                                   <p:childTnLst>
                                     <p:set>
                                       <p:cBhvr>
-                                        <p:cTn id="60" dur="1" fill="hold">
+                                        <p:cTn id="64" dur="1" fill="hold">
                                           <p:stCondLst>
                                             <p:cond delay="0"/>
                                           </p:stCondLst>
                                         </p:cTn>
                                         <p:tgtEl>
-                                          <p:spTgt spid="8"/>
+                                          <p:spTgt spid="26"/>
+                                        </p:tgtEl>
+                                        <p:attrNameLst>
+                                          <p:attrName>style.visibility</p:attrName>
+                                        </p:attrNameLst>
+                                      </p:cBhvr>
+                                      <p:to>
+                                        <p:strVal val="visible"/>
+                                      </p:to>
+                                    </p:set>
+                                  </p:childTnLst>
+                                </p:cTn>
+                              </p:par>
+                            </p:childTnLst>
+                          </p:cTn>
+                        </p:par>
+                      </p:childTnLst>
+                    </p:cTn>
+                  </p:par>
+                  <p:par>
+                    <p:cTn id="65" fill="hold">
+                      <p:stCondLst>
+                        <p:cond delay="indefinite"/>
+                      </p:stCondLst>
+                      <p:childTnLst>
+                        <p:par>
+                          <p:cTn id="66" fill="hold">
+                            <p:stCondLst>
+                              <p:cond delay="0"/>
+                            </p:stCondLst>
+                            <p:childTnLst>
+                              <p:par>
+                                <p:cTn id="67" presetID="1" presetClass="entr" presetSubtype="0" fill="hold" grpId="0" nodeType="clickEffect">
+                                  <p:stCondLst>
+                                    <p:cond delay="0"/>
+                                  </p:stCondLst>
+                                  <p:childTnLst>
+                                    <p:set>
+                                      <p:cBhvr>
+                                        <p:cTn id="68" dur="1" fill="hold">
+                                          <p:stCondLst>
+                                            <p:cond delay="0"/>
+                                          </p:stCondLst>
+                                        </p:cTn>
+                                        <p:tgtEl>
+                                          <p:spTgt spid="30"/>
                                         </p:tgtEl>
                                         <p:attrNameLst>
                                           <p:attrName>style.visibility</p:attrName>
@@ -9540,6 +9051,7 @@
       </p:par>
     </p:tnLst>
     <p:bldLst>
+      <p:bldP spid="26" grpId="0" animBg="1"/>
       <p:bldP spid="14" grpId="0"/>
       <p:bldP spid="15" grpId="0"/>
       <p:bldP spid="16" grpId="0"/>
@@ -9558,13 +9070,2545 @@
       <p:bldP spid="21" grpId="0"/>
       <p:bldP spid="22" grpId="0"/>
       <p:bldP spid="23" grpId="0"/>
-      <p:bldP spid="8" grpId="0" animBg="1"/>
+      <p:bldP spid="24" grpId="0" animBg="1"/>
+      <p:bldP spid="25" grpId="0"/>
+      <p:bldP spid="30" grpId="0"/>
     </p:bldLst>
   </p:timing>
 </p:sld>
 </file>
 
 <file path=ppt/slides/slide3.xml><?xml version="1.0" encoding="utf-8"?>
+<p:sld xmlns:a="http://schemas.openxmlformats.org/drawingml/2006/main" xmlns:r="http://schemas.openxmlformats.org/officeDocument/2006/relationships" xmlns:p="http://schemas.openxmlformats.org/presentationml/2006/main">
+  <p:cSld>
+    <p:spTree>
+      <p:nvGrpSpPr>
+        <p:cNvPr id="1" name=""/>
+        <p:cNvGrpSpPr/>
+        <p:nvPr/>
+      </p:nvGrpSpPr>
+      <p:grpSpPr>
+        <a:xfrm>
+          <a:off x="0" y="0"/>
+          <a:ext cx="0" cy="0"/>
+          <a:chOff x="0" y="0"/>
+          <a:chExt cx="0" cy="0"/>
+        </a:xfrm>
+      </p:grpSpPr>
+      <p:sp>
+        <p:nvSpPr>
+          <p:cNvPr id="5" name="Rectangle 4"/>
+          <p:cNvSpPr/>
+          <p:nvPr/>
+        </p:nvSpPr>
+        <p:spPr>
+          <a:xfrm>
+            <a:off x="660314" y="609600"/>
+            <a:ext cx="7692106" cy="707886"/>
+          </a:xfrm>
+          <a:prstGeom prst="rect">
+            <a:avLst/>
+          </a:prstGeom>
+        </p:spPr>
+        <p:txBody>
+          <a:bodyPr wrap="none">
+            <a:spAutoFit/>
+          </a:bodyPr>
+          <a:lstStyle/>
+          <a:p>
+            <a:pPr algn="ctr"/>
+            <a:r>
+              <a:rPr lang="en-US" sz="4000" dirty="0">
+                <a:latin typeface="Rockwell" panose="02060603020205020403" pitchFamily="18" charset="0"/>
+              </a:rPr>
+              <a:t>f</a:t>
+            </a:r>
+            <a:r>
+              <a:rPr lang="en-US" sz="4000" dirty="0" smtClean="0">
+                <a:latin typeface="Rockwell" panose="02060603020205020403" pitchFamily="18" charset="0"/>
+              </a:rPr>
+              <a:t>unction </a:t>
+            </a:r>
+            <a:r>
+              <a:rPr lang="en-US" sz="4000" dirty="0" err="1" smtClean="0">
+                <a:latin typeface="Rockwell" panose="02060603020205020403" pitchFamily="18" charset="0"/>
+              </a:rPr>
+              <a:t>Function</a:t>
+            </a:r>
+            <a:r>
+              <a:rPr lang="en-US" sz="4000" dirty="0" smtClean="0">
+                <a:latin typeface="Rockwell" panose="02060603020205020403" pitchFamily="18" charset="0"/>
+              </a:rPr>
+              <a:t>, object </a:t>
+            </a:r>
+            <a:r>
+              <a:rPr lang="en-US" sz="4000" dirty="0" err="1" smtClean="0">
+                <a:latin typeface="Rockwell" panose="02060603020205020403" pitchFamily="18" charset="0"/>
+              </a:rPr>
+              <a:t>Object</a:t>
+            </a:r>
+            <a:endParaRPr lang="ru-RU" sz="4000" dirty="0"/>
+          </a:p>
+        </p:txBody>
+      </p:sp>
+      <p:sp>
+        <p:nvSpPr>
+          <p:cNvPr id="8" name="Rectangle 4"/>
+          <p:cNvSpPr>
+            <a:spLocks noChangeArrowheads="1"/>
+          </p:cNvSpPr>
+          <p:nvPr/>
+        </p:nvSpPr>
+        <p:spPr bwMode="auto">
+          <a:xfrm>
+            <a:off x="1676400" y="3962400"/>
+            <a:ext cx="3050515" cy="1862048"/>
+          </a:xfrm>
+          <a:prstGeom prst="rect">
+            <a:avLst/>
+          </a:prstGeom>
+          <a:solidFill>
+            <a:srgbClr val="F5F2F0"/>
+          </a:solidFill>
+          <a:ln>
+            <a:noFill/>
+          </a:ln>
+          <a:effectLst/>
+          <a:extLst>
+            <a:ext uri="{91240B29-F687-4F45-9708-019B960494DF}">
+              <a14:hiddenLine xmlns:a14="http://schemas.microsoft.com/office/drawing/2010/main" w="9525">
+                <a:solidFill>
+                  <a:schemeClr val="tx1"/>
+                </a:solidFill>
+                <a:miter lim="800000"/>
+                <a:headEnd/>
+                <a:tailEnd/>
+              </a14:hiddenLine>
+            </a:ext>
+            <a:ext uri="{AF507438-7753-43E0-B8FC-AC1667EBCBE1}">
+              <a14:hiddenEffects xmlns:a14="http://schemas.microsoft.com/office/drawing/2010/main">
+                <a:effectLst>
+                  <a:outerShdw dist="35921" dir="2700000" algn="ctr" rotWithShape="0">
+                    <a:schemeClr val="bg2"/>
+                  </a:outerShdw>
+                </a:effectLst>
+              </a14:hiddenEffects>
+            </a:ext>
+          </a:extLst>
+        </p:spPr>
+        <p:txBody>
+          <a:bodyPr vert="horz" wrap="none" lIns="0" tIns="0" rIns="0" bIns="0" numCol="1" anchor="ctr" anchorCtr="0" compatLnSpc="1">
+            <a:prstTxWarp prst="textNoShape">
+              <a:avLst/>
+            </a:prstTxWarp>
+            <a:spAutoFit/>
+          </a:bodyPr>
+          <a:lstStyle/>
+          <a:p>
+            <a:pPr marL="0" marR="0" lvl="0" indent="0" algn="l" defTabSz="914400" rtl="0" eaLnBrk="1" fontAlgn="base" latinLnBrk="0" hangingPunct="1">
+              <a:lnSpc>
+                <a:spcPct val="100000"/>
+              </a:lnSpc>
+              <a:spcBef>
+                <a:spcPct val="0"/>
+              </a:spcBef>
+              <a:spcAft>
+                <a:spcPct val="0"/>
+              </a:spcAft>
+              <a:buClrTx/>
+              <a:buSzTx/>
+              <a:buFontTx/>
+              <a:buNone/>
+              <a:tabLst/>
+            </a:pPr>
+            <a:r>
+              <a:rPr kumimoji="0" lang="ru-RU" altLang="ru-RU" sz="1100" b="0" i="0" u="none" strike="noStrike" cap="none" normalizeH="0" baseline="0" dirty="0" smtClean="0">
+                <a:ln>
+                  <a:noFill/>
+                </a:ln>
+                <a:solidFill>
+                  <a:srgbClr val="0077AA"/>
+                </a:solidFill>
+                <a:effectLst/>
+                <a:latin typeface="Courier New" pitchFamily="49" charset="0"/>
+                <a:cs typeface="Courier New" pitchFamily="49" charset="0"/>
+              </a:rPr>
+              <a:t>function</a:t>
+            </a:r>
+            <a:r>
+              <a:rPr kumimoji="0" lang="ru-RU" altLang="ru-RU" sz="1100" b="0" i="0" u="none" strike="noStrike" cap="none" normalizeH="0" baseline="0" dirty="0" smtClean="0">
+                <a:ln>
+                  <a:noFill/>
+                </a:ln>
+                <a:solidFill>
+                  <a:srgbClr val="000000"/>
+                </a:solidFill>
+                <a:effectLst/>
+                <a:latin typeface="Consolas" pitchFamily="49" charset="0"/>
+                <a:cs typeface="Consolas" pitchFamily="49" charset="0"/>
+              </a:rPr>
+              <a:t> </a:t>
+            </a:r>
+            <a:r>
+              <a:rPr kumimoji="0" lang="ru-RU" altLang="ru-RU" sz="1100" b="0" i="0" u="none" strike="noStrike" cap="none" normalizeH="0" baseline="0" dirty="0" smtClean="0">
+                <a:ln>
+                  <a:noFill/>
+                </a:ln>
+                <a:solidFill>
+                  <a:srgbClr val="DD4A68"/>
+                </a:solidFill>
+                <a:effectLst/>
+                <a:latin typeface="Courier New" pitchFamily="49" charset="0"/>
+                <a:cs typeface="Courier New" pitchFamily="49" charset="0"/>
+              </a:rPr>
+              <a:t>doIfTrue</a:t>
+            </a:r>
+            <a:r>
+              <a:rPr kumimoji="0" lang="ru-RU" altLang="ru-RU" sz="1100" b="0" i="0" u="none" strike="noStrike" cap="none" normalizeH="0" baseline="0" dirty="0" smtClean="0">
+                <a:ln>
+                  <a:noFill/>
+                </a:ln>
+                <a:solidFill>
+                  <a:srgbClr val="999999"/>
+                </a:solidFill>
+                <a:effectLst/>
+                <a:latin typeface="Courier New" pitchFamily="49" charset="0"/>
+                <a:cs typeface="Courier New" pitchFamily="49" charset="0"/>
+              </a:rPr>
+              <a:t>(</a:t>
+            </a:r>
+            <a:r>
+              <a:rPr kumimoji="0" lang="ru-RU" altLang="ru-RU" sz="1100" b="0" i="0" u="none" strike="noStrike" cap="none" normalizeH="0" baseline="0" dirty="0" smtClean="0">
+                <a:ln>
+                  <a:noFill/>
+                </a:ln>
+                <a:solidFill>
+                  <a:srgbClr val="000000"/>
+                </a:solidFill>
+                <a:effectLst/>
+                <a:latin typeface="Consolas" pitchFamily="49" charset="0"/>
+                <a:cs typeface="Consolas" pitchFamily="49" charset="0"/>
+              </a:rPr>
+              <a:t>isTrue</a:t>
+            </a:r>
+            <a:r>
+              <a:rPr kumimoji="0" lang="ru-RU" altLang="ru-RU" sz="1100" b="0" i="0" u="none" strike="noStrike" cap="none" normalizeH="0" baseline="0" dirty="0" smtClean="0">
+                <a:ln>
+                  <a:noFill/>
+                </a:ln>
+                <a:solidFill>
+                  <a:srgbClr val="999999"/>
+                </a:solidFill>
+                <a:effectLst/>
+                <a:latin typeface="Courier New" pitchFamily="49" charset="0"/>
+                <a:cs typeface="Courier New" pitchFamily="49" charset="0"/>
+              </a:rPr>
+              <a:t>,</a:t>
+            </a:r>
+            <a:r>
+              <a:rPr kumimoji="0" lang="ru-RU" altLang="ru-RU" sz="1100" b="0" i="0" u="none" strike="noStrike" cap="none" normalizeH="0" baseline="0" dirty="0" smtClean="0">
+                <a:ln>
+                  <a:noFill/>
+                </a:ln>
+                <a:solidFill>
+                  <a:srgbClr val="000000"/>
+                </a:solidFill>
+                <a:effectLst/>
+                <a:latin typeface="Consolas" pitchFamily="49" charset="0"/>
+                <a:cs typeface="Consolas" pitchFamily="49" charset="0"/>
+              </a:rPr>
+              <a:t> whatToDo</a:t>
+            </a:r>
+            <a:r>
+              <a:rPr kumimoji="0" lang="ru-RU" altLang="ru-RU" sz="1100" b="0" i="0" u="none" strike="noStrike" cap="none" normalizeH="0" baseline="0" dirty="0" smtClean="0">
+                <a:ln>
+                  <a:noFill/>
+                </a:ln>
+                <a:solidFill>
+                  <a:srgbClr val="999999"/>
+                </a:solidFill>
+                <a:effectLst/>
+                <a:latin typeface="Courier New" pitchFamily="49" charset="0"/>
+                <a:cs typeface="Courier New" pitchFamily="49" charset="0"/>
+              </a:rPr>
+              <a:t>)</a:t>
+            </a:r>
+            <a:r>
+              <a:rPr kumimoji="0" lang="ru-RU" altLang="ru-RU" sz="1100" b="0" i="0" u="none" strike="noStrike" cap="none" normalizeH="0" baseline="0" dirty="0" smtClean="0">
+                <a:ln>
+                  <a:noFill/>
+                </a:ln>
+                <a:solidFill>
+                  <a:srgbClr val="000000"/>
+                </a:solidFill>
+                <a:effectLst/>
+                <a:latin typeface="Consolas" pitchFamily="49" charset="0"/>
+                <a:cs typeface="Consolas" pitchFamily="49" charset="0"/>
+              </a:rPr>
+              <a:t> </a:t>
+            </a:r>
+            <a:r>
+              <a:rPr kumimoji="0" lang="ru-RU" altLang="ru-RU" sz="1100" b="0" i="0" u="none" strike="noStrike" cap="none" normalizeH="0" baseline="0" dirty="0" smtClean="0">
+                <a:ln>
+                  <a:noFill/>
+                </a:ln>
+                <a:solidFill>
+                  <a:srgbClr val="999999"/>
+                </a:solidFill>
+                <a:effectLst/>
+                <a:latin typeface="Courier New" pitchFamily="49" charset="0"/>
+                <a:cs typeface="Courier New" pitchFamily="49" charset="0"/>
+              </a:rPr>
+              <a:t>{</a:t>
+            </a:r>
+            <a:endParaRPr kumimoji="0" lang="en-US" altLang="ru-RU" sz="1100" b="0" i="0" u="none" strike="noStrike" cap="none" normalizeH="0" baseline="0" dirty="0" smtClean="0">
+              <a:ln>
+                <a:noFill/>
+              </a:ln>
+              <a:solidFill>
+                <a:srgbClr val="999999"/>
+              </a:solidFill>
+              <a:effectLst/>
+              <a:latin typeface="Courier New" pitchFamily="49" charset="0"/>
+              <a:cs typeface="Courier New" pitchFamily="49" charset="0"/>
+            </a:endParaRPr>
+          </a:p>
+          <a:p>
+            <a:pPr lvl="0" fontAlgn="base">
+              <a:spcBef>
+                <a:spcPct val="0"/>
+              </a:spcBef>
+              <a:spcAft>
+                <a:spcPct val="0"/>
+              </a:spcAft>
+            </a:pPr>
+            <a:r>
+              <a:rPr lang="en-US" altLang="ru-RU" sz="1100" dirty="0">
+                <a:solidFill>
+                  <a:srgbClr val="000000"/>
+                </a:solidFill>
+                <a:latin typeface="Consolas" pitchFamily="49" charset="0"/>
+                <a:cs typeface="Consolas" pitchFamily="49" charset="0"/>
+              </a:rPr>
+              <a:t> </a:t>
+            </a:r>
+            <a:r>
+              <a:rPr lang="en-US" altLang="ru-RU" sz="1100" dirty="0" smtClean="0">
+                <a:solidFill>
+                  <a:srgbClr val="000000"/>
+                </a:solidFill>
+                <a:latin typeface="Consolas" pitchFamily="49" charset="0"/>
+                <a:cs typeface="Consolas" pitchFamily="49" charset="0"/>
+              </a:rPr>
+              <a:t> </a:t>
+            </a:r>
+            <a:r>
+              <a:rPr kumimoji="0" lang="ru-RU" altLang="ru-RU" sz="1100" b="0" i="0" u="none" strike="noStrike" cap="none" normalizeH="0" baseline="0" dirty="0" smtClean="0">
+                <a:ln>
+                  <a:noFill/>
+                </a:ln>
+                <a:solidFill>
+                  <a:srgbClr val="0077AA"/>
+                </a:solidFill>
+                <a:effectLst/>
+                <a:latin typeface="Courier New" pitchFamily="49" charset="0"/>
+                <a:cs typeface="Courier New" pitchFamily="49" charset="0"/>
+              </a:rPr>
+              <a:t>if</a:t>
+            </a:r>
+            <a:r>
+              <a:rPr kumimoji="0" lang="ru-RU" altLang="ru-RU" sz="1100" b="0" i="0" u="none" strike="noStrike" cap="none" normalizeH="0" baseline="0" dirty="0" smtClean="0">
+                <a:ln>
+                  <a:noFill/>
+                </a:ln>
+                <a:solidFill>
+                  <a:srgbClr val="999999"/>
+                </a:solidFill>
+                <a:effectLst/>
+                <a:latin typeface="Courier New" pitchFamily="49" charset="0"/>
+                <a:cs typeface="Courier New" pitchFamily="49" charset="0"/>
+              </a:rPr>
+              <a:t>(</a:t>
+            </a:r>
+            <a:r>
+              <a:rPr kumimoji="0" lang="ru-RU" altLang="ru-RU" sz="1100" b="0" i="0" u="none" strike="noStrike" cap="none" normalizeH="0" baseline="0" dirty="0" smtClean="0">
+                <a:ln>
+                  <a:noFill/>
+                </a:ln>
+                <a:solidFill>
+                  <a:srgbClr val="000000"/>
+                </a:solidFill>
+                <a:effectLst/>
+                <a:latin typeface="Consolas" pitchFamily="49" charset="0"/>
+                <a:cs typeface="Consolas" pitchFamily="49" charset="0"/>
+              </a:rPr>
+              <a:t>isTrue</a:t>
+            </a:r>
+            <a:r>
+              <a:rPr kumimoji="0" lang="ru-RU" altLang="ru-RU" sz="1100" b="0" i="0" u="none" strike="noStrike" cap="none" normalizeH="0" baseline="0" dirty="0" smtClean="0">
+                <a:ln>
+                  <a:noFill/>
+                </a:ln>
+                <a:solidFill>
+                  <a:srgbClr val="999999"/>
+                </a:solidFill>
+                <a:effectLst/>
+                <a:latin typeface="Courier New" pitchFamily="49" charset="0"/>
+                <a:cs typeface="Courier New" pitchFamily="49" charset="0"/>
+              </a:rPr>
+              <a:t>)</a:t>
+            </a:r>
+            <a:r>
+              <a:rPr kumimoji="0" lang="ru-RU" altLang="ru-RU" sz="1100" b="0" i="0" u="none" strike="noStrike" cap="none" normalizeH="0" baseline="0" dirty="0" smtClean="0">
+                <a:ln>
+                  <a:noFill/>
+                </a:ln>
+                <a:solidFill>
+                  <a:srgbClr val="000000"/>
+                </a:solidFill>
+                <a:effectLst/>
+                <a:latin typeface="Consolas" pitchFamily="49" charset="0"/>
+                <a:cs typeface="Consolas" pitchFamily="49" charset="0"/>
+              </a:rPr>
+              <a:t> </a:t>
+            </a:r>
+            <a:r>
+              <a:rPr lang="ru-RU" altLang="ru-RU" sz="1100" dirty="0">
+                <a:solidFill>
+                  <a:srgbClr val="999999"/>
+                </a:solidFill>
+                <a:latin typeface="Courier New" pitchFamily="49" charset="0"/>
+                <a:cs typeface="Courier New" pitchFamily="49" charset="0"/>
+              </a:rPr>
+              <a:t>{</a:t>
+            </a:r>
+            <a:endParaRPr kumimoji="0" lang="en-US" altLang="ru-RU" sz="1100" b="0" i="0" u="none" strike="noStrike" cap="none" normalizeH="0" baseline="0" dirty="0" smtClean="0">
+              <a:ln>
+                <a:noFill/>
+              </a:ln>
+              <a:solidFill>
+                <a:srgbClr val="000000"/>
+              </a:solidFill>
+              <a:effectLst/>
+              <a:latin typeface="Consolas" pitchFamily="49" charset="0"/>
+              <a:cs typeface="Consolas" pitchFamily="49" charset="0"/>
+            </a:endParaRPr>
+          </a:p>
+          <a:p>
+            <a:pPr marL="0" marR="0" lvl="0" indent="0" algn="l" defTabSz="914400" rtl="0" eaLnBrk="1" fontAlgn="base" latinLnBrk="0" hangingPunct="1">
+              <a:lnSpc>
+                <a:spcPct val="100000"/>
+              </a:lnSpc>
+              <a:spcBef>
+                <a:spcPct val="0"/>
+              </a:spcBef>
+              <a:spcAft>
+                <a:spcPct val="0"/>
+              </a:spcAft>
+              <a:buClrTx/>
+              <a:buSzTx/>
+              <a:buFontTx/>
+              <a:buNone/>
+              <a:tabLst/>
+            </a:pPr>
+            <a:r>
+              <a:rPr lang="en-US" altLang="ru-RU" sz="1100" dirty="0">
+                <a:solidFill>
+                  <a:srgbClr val="000000"/>
+                </a:solidFill>
+                <a:latin typeface="Consolas" pitchFamily="49" charset="0"/>
+                <a:cs typeface="Consolas" pitchFamily="49" charset="0"/>
+              </a:rPr>
+              <a:t> </a:t>
+            </a:r>
+            <a:r>
+              <a:rPr lang="en-US" altLang="ru-RU" sz="1100" dirty="0" smtClean="0">
+                <a:solidFill>
+                  <a:srgbClr val="000000"/>
+                </a:solidFill>
+                <a:latin typeface="Consolas" pitchFamily="49" charset="0"/>
+                <a:cs typeface="Consolas" pitchFamily="49" charset="0"/>
+              </a:rPr>
+              <a:t>    </a:t>
+            </a:r>
+            <a:r>
+              <a:rPr kumimoji="0" lang="ru-RU" altLang="ru-RU" sz="1100" b="0" i="0" u="none" strike="noStrike" cap="none" normalizeH="0" baseline="0" dirty="0" smtClean="0">
+                <a:ln>
+                  <a:noFill/>
+                </a:ln>
+                <a:solidFill>
+                  <a:srgbClr val="DD4A68"/>
+                </a:solidFill>
+                <a:effectLst/>
+                <a:latin typeface="Courier New" pitchFamily="49" charset="0"/>
+                <a:cs typeface="Courier New" pitchFamily="49" charset="0"/>
+              </a:rPr>
+              <a:t>whatToDo</a:t>
+            </a:r>
+            <a:r>
+              <a:rPr kumimoji="0" lang="ru-RU" altLang="ru-RU" sz="1100" b="0" i="0" u="none" strike="noStrike" cap="none" normalizeH="0" baseline="0" dirty="0" smtClean="0">
+                <a:ln>
+                  <a:noFill/>
+                </a:ln>
+                <a:solidFill>
+                  <a:srgbClr val="999999"/>
+                </a:solidFill>
+                <a:effectLst/>
+                <a:latin typeface="Courier New" pitchFamily="49" charset="0"/>
+                <a:cs typeface="Courier New" pitchFamily="49" charset="0"/>
+              </a:rPr>
+              <a:t>();</a:t>
+            </a:r>
+            <a:endParaRPr kumimoji="0" lang="en-US" altLang="ru-RU" sz="1100" b="0" i="0" u="none" strike="noStrike" cap="none" normalizeH="0" baseline="0" dirty="0" smtClean="0">
+              <a:ln>
+                <a:noFill/>
+              </a:ln>
+              <a:solidFill>
+                <a:srgbClr val="999999"/>
+              </a:solidFill>
+              <a:effectLst/>
+              <a:latin typeface="Courier New" pitchFamily="49" charset="0"/>
+              <a:cs typeface="Courier New" pitchFamily="49" charset="0"/>
+            </a:endParaRPr>
+          </a:p>
+          <a:p>
+            <a:pPr lvl="0" fontAlgn="base">
+              <a:spcBef>
+                <a:spcPct val="0"/>
+              </a:spcBef>
+              <a:spcAft>
+                <a:spcPct val="0"/>
+              </a:spcAft>
+            </a:pPr>
+            <a:r>
+              <a:rPr lang="en-US" altLang="ru-RU" sz="1100" dirty="0" smtClean="0">
+                <a:solidFill>
+                  <a:srgbClr val="999999"/>
+                </a:solidFill>
+                <a:latin typeface="Courier New" pitchFamily="49" charset="0"/>
+                <a:cs typeface="Courier New" pitchFamily="49" charset="0"/>
+              </a:rPr>
+              <a:t>  </a:t>
+            </a:r>
+            <a:r>
+              <a:rPr lang="ru-RU" altLang="ru-RU" sz="1100" dirty="0" smtClean="0">
+                <a:solidFill>
+                  <a:srgbClr val="999999"/>
+                </a:solidFill>
+                <a:latin typeface="Courier New" pitchFamily="49" charset="0"/>
+                <a:cs typeface="Courier New" pitchFamily="49" charset="0"/>
+              </a:rPr>
+              <a:t>}</a:t>
+            </a:r>
+            <a:endParaRPr kumimoji="0" lang="en-US" altLang="ru-RU" sz="1100" b="0" i="0" u="none" strike="noStrike" cap="none" normalizeH="0" baseline="0" dirty="0" smtClean="0">
+              <a:ln>
+                <a:noFill/>
+              </a:ln>
+              <a:solidFill>
+                <a:srgbClr val="999999"/>
+              </a:solidFill>
+              <a:effectLst/>
+              <a:latin typeface="Courier New" pitchFamily="49" charset="0"/>
+              <a:cs typeface="Courier New" pitchFamily="49" charset="0"/>
+            </a:endParaRPr>
+          </a:p>
+          <a:p>
+            <a:pPr marL="0" marR="0" lvl="0" indent="0" algn="l" defTabSz="914400" rtl="0" eaLnBrk="1" fontAlgn="base" latinLnBrk="0" hangingPunct="1">
+              <a:lnSpc>
+                <a:spcPct val="100000"/>
+              </a:lnSpc>
+              <a:spcBef>
+                <a:spcPct val="0"/>
+              </a:spcBef>
+              <a:spcAft>
+                <a:spcPct val="0"/>
+              </a:spcAft>
+              <a:buClrTx/>
+              <a:buSzTx/>
+              <a:buFontTx/>
+              <a:buNone/>
+              <a:tabLst/>
+            </a:pPr>
+            <a:r>
+              <a:rPr kumimoji="0" lang="ru-RU" altLang="ru-RU" sz="1100" b="0" i="0" u="none" strike="noStrike" cap="none" normalizeH="0" baseline="0" dirty="0" smtClean="0">
+                <a:ln>
+                  <a:noFill/>
+                </a:ln>
+                <a:solidFill>
+                  <a:srgbClr val="999999"/>
+                </a:solidFill>
+                <a:effectLst/>
+                <a:latin typeface="Courier New" pitchFamily="49" charset="0"/>
+                <a:cs typeface="Courier New" pitchFamily="49" charset="0"/>
+              </a:rPr>
+              <a:t>}</a:t>
+            </a:r>
+            <a:r>
+              <a:rPr kumimoji="0" lang="ru-RU" altLang="ru-RU" sz="1100" b="0" i="0" u="none" strike="noStrike" cap="none" normalizeH="0" baseline="0" dirty="0" smtClean="0">
+                <a:ln>
+                  <a:noFill/>
+                </a:ln>
+                <a:solidFill>
+                  <a:srgbClr val="000000"/>
+                </a:solidFill>
+                <a:effectLst/>
+                <a:latin typeface="Consolas" pitchFamily="49" charset="0"/>
+                <a:cs typeface="Consolas" pitchFamily="49" charset="0"/>
+              </a:rPr>
+              <a:t> </a:t>
+            </a:r>
+            <a:endParaRPr kumimoji="0" lang="en-US" altLang="ru-RU" sz="1100" b="0" i="0" u="none" strike="noStrike" cap="none" normalizeH="0" baseline="0" dirty="0" smtClean="0">
+              <a:ln>
+                <a:noFill/>
+              </a:ln>
+              <a:solidFill>
+                <a:srgbClr val="000000"/>
+              </a:solidFill>
+              <a:effectLst/>
+              <a:latin typeface="Consolas" pitchFamily="49" charset="0"/>
+              <a:cs typeface="Consolas" pitchFamily="49" charset="0"/>
+            </a:endParaRPr>
+          </a:p>
+          <a:p>
+            <a:pPr marL="0" marR="0" lvl="0" indent="0" algn="l" defTabSz="914400" rtl="0" eaLnBrk="1" fontAlgn="base" latinLnBrk="0" hangingPunct="1">
+              <a:lnSpc>
+                <a:spcPct val="100000"/>
+              </a:lnSpc>
+              <a:spcBef>
+                <a:spcPct val="0"/>
+              </a:spcBef>
+              <a:spcAft>
+                <a:spcPct val="0"/>
+              </a:spcAft>
+              <a:buClrTx/>
+              <a:buSzTx/>
+              <a:buFontTx/>
+              <a:buNone/>
+              <a:tabLst/>
+            </a:pPr>
+            <a:r>
+              <a:rPr kumimoji="0" lang="ru-RU" altLang="ru-RU" sz="1100" b="0" i="0" u="none" strike="noStrike" cap="none" normalizeH="0" baseline="0" dirty="0" smtClean="0">
+                <a:ln>
+                  <a:noFill/>
+                </a:ln>
+                <a:solidFill>
+                  <a:srgbClr val="DD4A68"/>
+                </a:solidFill>
+                <a:effectLst/>
+                <a:latin typeface="Courier New" pitchFamily="49" charset="0"/>
+                <a:cs typeface="Courier New" pitchFamily="49" charset="0"/>
+              </a:rPr>
+              <a:t>doIfTrue</a:t>
+            </a:r>
+            <a:r>
+              <a:rPr kumimoji="0" lang="ru-RU" altLang="ru-RU" sz="1100" b="0" i="0" u="none" strike="noStrike" cap="none" normalizeH="0" baseline="0" dirty="0" smtClean="0">
+                <a:ln>
+                  <a:noFill/>
+                </a:ln>
+                <a:solidFill>
+                  <a:srgbClr val="999999"/>
+                </a:solidFill>
+                <a:effectLst/>
+                <a:latin typeface="Courier New" pitchFamily="49" charset="0"/>
+                <a:cs typeface="Courier New" pitchFamily="49" charset="0"/>
+              </a:rPr>
+              <a:t>(</a:t>
+            </a:r>
+            <a:r>
+              <a:rPr kumimoji="0" lang="ru-RU" altLang="ru-RU" sz="1100" b="0" i="0" u="none" strike="noStrike" cap="none" normalizeH="0" baseline="0" dirty="0" smtClean="0">
+                <a:ln>
+                  <a:noFill/>
+                </a:ln>
+                <a:solidFill>
+                  <a:srgbClr val="990055"/>
+                </a:solidFill>
+                <a:effectLst/>
+                <a:latin typeface="Courier New" pitchFamily="49" charset="0"/>
+                <a:cs typeface="Courier New" pitchFamily="49" charset="0"/>
+              </a:rPr>
+              <a:t>true</a:t>
+            </a:r>
+            <a:r>
+              <a:rPr kumimoji="0" lang="ru-RU" altLang="ru-RU" sz="1100" b="0" i="0" u="none" strike="noStrike" cap="none" normalizeH="0" baseline="0" dirty="0" smtClean="0">
+                <a:ln>
+                  <a:noFill/>
+                </a:ln>
+                <a:solidFill>
+                  <a:srgbClr val="999999"/>
+                </a:solidFill>
+                <a:effectLst/>
+                <a:latin typeface="Courier New" pitchFamily="49" charset="0"/>
+                <a:cs typeface="Courier New" pitchFamily="49" charset="0"/>
+              </a:rPr>
+              <a:t>,</a:t>
+            </a:r>
+            <a:r>
+              <a:rPr kumimoji="0" lang="ru-RU" altLang="ru-RU" sz="1100" b="0" i="0" u="none" strike="noStrike" cap="none" normalizeH="0" baseline="0" dirty="0" smtClean="0">
+                <a:ln>
+                  <a:noFill/>
+                </a:ln>
+                <a:solidFill>
+                  <a:srgbClr val="000000"/>
+                </a:solidFill>
+                <a:effectLst/>
+                <a:latin typeface="Consolas" pitchFamily="49" charset="0"/>
+                <a:cs typeface="Consolas" pitchFamily="49" charset="0"/>
+              </a:rPr>
+              <a:t> </a:t>
+            </a:r>
+            <a:r>
+              <a:rPr kumimoji="0" lang="ru-RU" altLang="ru-RU" sz="1100" b="0" i="0" u="none" strike="noStrike" cap="none" normalizeH="0" baseline="0" dirty="0" smtClean="0">
+                <a:ln>
+                  <a:noFill/>
+                </a:ln>
+                <a:solidFill>
+                  <a:srgbClr val="0077AA"/>
+                </a:solidFill>
+                <a:effectLst/>
+                <a:latin typeface="Courier New" pitchFamily="49" charset="0"/>
+                <a:cs typeface="Courier New" pitchFamily="49" charset="0"/>
+              </a:rPr>
+              <a:t>function</a:t>
+            </a:r>
+            <a:r>
+              <a:rPr kumimoji="0" lang="ru-RU" altLang="ru-RU" sz="1100" b="0" i="0" u="none" strike="noStrike" cap="none" normalizeH="0" baseline="0" dirty="0" smtClean="0">
+                <a:ln>
+                  <a:noFill/>
+                </a:ln>
+                <a:solidFill>
+                  <a:srgbClr val="999999"/>
+                </a:solidFill>
+                <a:effectLst/>
+                <a:latin typeface="Courier New" pitchFamily="49" charset="0"/>
+                <a:cs typeface="Courier New" pitchFamily="49" charset="0"/>
+              </a:rPr>
+              <a:t>()</a:t>
+            </a:r>
+            <a:r>
+              <a:rPr kumimoji="0" lang="ru-RU" altLang="ru-RU" sz="1100" b="0" i="0" u="none" strike="noStrike" cap="none" normalizeH="0" baseline="0" dirty="0" smtClean="0">
+                <a:ln>
+                  <a:noFill/>
+                </a:ln>
+                <a:solidFill>
+                  <a:srgbClr val="000000"/>
+                </a:solidFill>
+                <a:effectLst/>
+                <a:latin typeface="Consolas" pitchFamily="49" charset="0"/>
+                <a:cs typeface="Consolas" pitchFamily="49" charset="0"/>
+              </a:rPr>
+              <a:t> </a:t>
+            </a:r>
+            <a:r>
+              <a:rPr kumimoji="0" lang="ru-RU" altLang="ru-RU" sz="1100" b="0" i="0" u="none" strike="noStrike" cap="none" normalizeH="0" baseline="0" dirty="0" smtClean="0">
+                <a:ln>
+                  <a:noFill/>
+                </a:ln>
+                <a:solidFill>
+                  <a:srgbClr val="999999"/>
+                </a:solidFill>
+                <a:effectLst/>
+                <a:latin typeface="Courier New" pitchFamily="49" charset="0"/>
+                <a:cs typeface="Courier New" pitchFamily="49" charset="0"/>
+              </a:rPr>
+              <a:t>{</a:t>
+            </a:r>
+            <a:endParaRPr kumimoji="0" lang="en-US" altLang="ru-RU" sz="1100" b="0" i="0" u="none" strike="noStrike" cap="none" normalizeH="0" baseline="0" dirty="0" smtClean="0">
+              <a:ln>
+                <a:noFill/>
+              </a:ln>
+              <a:solidFill>
+                <a:srgbClr val="999999"/>
+              </a:solidFill>
+              <a:effectLst/>
+              <a:latin typeface="Courier New" pitchFamily="49" charset="0"/>
+              <a:cs typeface="Courier New" pitchFamily="49" charset="0"/>
+            </a:endParaRPr>
+          </a:p>
+          <a:p>
+            <a:pPr fontAlgn="base">
+              <a:spcBef>
+                <a:spcPct val="0"/>
+              </a:spcBef>
+              <a:spcAft>
+                <a:spcPct val="0"/>
+              </a:spcAft>
+            </a:pPr>
+            <a:r>
+              <a:rPr lang="en-US" altLang="ru-RU" sz="1100" dirty="0">
+                <a:solidFill>
+                  <a:srgbClr val="999999"/>
+                </a:solidFill>
+                <a:latin typeface="Courier New" pitchFamily="49" charset="0"/>
+                <a:cs typeface="Courier New" pitchFamily="49" charset="0"/>
+              </a:rPr>
+              <a:t> </a:t>
+            </a:r>
+            <a:r>
+              <a:rPr lang="en-US" altLang="ru-RU" sz="1100" dirty="0" smtClean="0">
+                <a:solidFill>
+                  <a:srgbClr val="999999"/>
+                </a:solidFill>
+                <a:latin typeface="Courier New" pitchFamily="49" charset="0"/>
+                <a:cs typeface="Courier New" pitchFamily="49" charset="0"/>
+              </a:rPr>
+              <a:t> </a:t>
+            </a:r>
+            <a:r>
+              <a:rPr kumimoji="0" lang="ru-RU" altLang="ru-RU" sz="1100" b="0" i="0" u="none" strike="noStrike" cap="none" normalizeH="0" baseline="0" dirty="0" smtClean="0">
+                <a:ln>
+                  <a:noFill/>
+                </a:ln>
+                <a:solidFill>
+                  <a:srgbClr val="DD4A68"/>
+                </a:solidFill>
+                <a:effectLst/>
+                <a:latin typeface="Courier New" pitchFamily="49" charset="0"/>
+                <a:cs typeface="Courier New" pitchFamily="49" charset="0"/>
+              </a:rPr>
+              <a:t>alert</a:t>
+            </a:r>
+            <a:r>
+              <a:rPr kumimoji="0" lang="ru-RU" altLang="ru-RU" sz="1100" b="0" i="0" u="none" strike="noStrike" cap="none" normalizeH="0" baseline="0" dirty="0" smtClean="0">
+                <a:ln>
+                  <a:noFill/>
+                </a:ln>
+                <a:solidFill>
+                  <a:srgbClr val="999999"/>
+                </a:solidFill>
+                <a:effectLst/>
+                <a:latin typeface="Courier New" pitchFamily="49" charset="0"/>
+                <a:cs typeface="Courier New" pitchFamily="49" charset="0"/>
+              </a:rPr>
+              <a:t>(</a:t>
+            </a:r>
+            <a:r>
+              <a:rPr kumimoji="0" lang="ru-RU" altLang="ru-RU" sz="1100" b="0" i="0" u="none" strike="noStrike" cap="none" normalizeH="0" baseline="0" dirty="0" smtClean="0">
+                <a:ln>
+                  <a:noFill/>
+                </a:ln>
+                <a:solidFill>
+                  <a:srgbClr val="669900"/>
+                </a:solidFill>
+                <a:effectLst/>
+                <a:latin typeface="Courier New" pitchFamily="49" charset="0"/>
+                <a:cs typeface="Courier New" pitchFamily="49" charset="0"/>
+              </a:rPr>
+              <a:t>'hello'</a:t>
+            </a:r>
+            <a:r>
+              <a:rPr kumimoji="0" lang="ru-RU" altLang="ru-RU" sz="1100" b="0" i="0" u="none" strike="noStrike" cap="none" normalizeH="0" baseline="0" dirty="0" smtClean="0">
+                <a:ln>
+                  <a:noFill/>
+                </a:ln>
+                <a:solidFill>
+                  <a:srgbClr val="999999"/>
+                </a:solidFill>
+                <a:effectLst/>
+                <a:latin typeface="Courier New" pitchFamily="49" charset="0"/>
+                <a:cs typeface="Courier New" pitchFamily="49" charset="0"/>
+              </a:rPr>
+              <a:t>);</a:t>
+            </a:r>
+            <a:r>
+              <a:rPr lang="ru-RU" altLang="ru-RU" sz="1100" dirty="0">
+                <a:solidFill>
+                  <a:srgbClr val="708090"/>
+                </a:solidFill>
+                <a:latin typeface="Courier New" pitchFamily="49" charset="0"/>
+                <a:cs typeface="Courier New" pitchFamily="49" charset="0"/>
+              </a:rPr>
+              <a:t> // alerts "world"</a:t>
+            </a:r>
+            <a:r>
+              <a:rPr lang="ru-RU" altLang="ru-RU" sz="1100" dirty="0">
+                <a:solidFill>
+                  <a:srgbClr val="000000"/>
+                </a:solidFill>
+                <a:latin typeface="Consolas" pitchFamily="49" charset="0"/>
+                <a:cs typeface="Consolas" pitchFamily="49" charset="0"/>
+              </a:rPr>
+              <a:t> </a:t>
+            </a:r>
+            <a:endParaRPr lang="en-US" altLang="ru-RU" sz="1100" dirty="0">
+              <a:solidFill>
+                <a:srgbClr val="000000"/>
+              </a:solidFill>
+              <a:latin typeface="Consolas" pitchFamily="49" charset="0"/>
+              <a:cs typeface="Consolas" pitchFamily="49" charset="0"/>
+            </a:endParaRPr>
+          </a:p>
+          <a:p>
+            <a:pPr marL="0" marR="0" lvl="0" indent="0" algn="l" defTabSz="914400" rtl="0" eaLnBrk="1" fontAlgn="base" latinLnBrk="0" hangingPunct="1">
+              <a:lnSpc>
+                <a:spcPct val="100000"/>
+              </a:lnSpc>
+              <a:spcBef>
+                <a:spcPct val="0"/>
+              </a:spcBef>
+              <a:spcAft>
+                <a:spcPct val="0"/>
+              </a:spcAft>
+              <a:buClrTx/>
+              <a:buSzTx/>
+              <a:buFontTx/>
+              <a:buNone/>
+              <a:tabLst/>
+            </a:pPr>
+            <a:r>
+              <a:rPr kumimoji="0" lang="ru-RU" altLang="ru-RU" sz="1100" b="0" i="0" u="none" strike="noStrike" cap="none" normalizeH="0" baseline="0" dirty="0" smtClean="0">
+                <a:ln>
+                  <a:noFill/>
+                </a:ln>
+                <a:solidFill>
+                  <a:srgbClr val="999999"/>
+                </a:solidFill>
+                <a:effectLst/>
+                <a:latin typeface="Courier New" pitchFamily="49" charset="0"/>
+                <a:cs typeface="Courier New" pitchFamily="49" charset="0"/>
+              </a:rPr>
+              <a:t>});</a:t>
+            </a:r>
+            <a:endParaRPr kumimoji="0" lang="en-US" altLang="ru-RU" sz="1100" b="0" i="0" u="none" strike="noStrike" cap="none" normalizeH="0" baseline="0" dirty="0" smtClean="0">
+              <a:ln>
+                <a:noFill/>
+              </a:ln>
+              <a:solidFill>
+                <a:srgbClr val="999999"/>
+              </a:solidFill>
+              <a:effectLst/>
+              <a:latin typeface="Courier New" pitchFamily="49" charset="0"/>
+              <a:cs typeface="Courier New" pitchFamily="49" charset="0"/>
+            </a:endParaRPr>
+          </a:p>
+          <a:p>
+            <a:pPr marL="0" marR="0" lvl="0" indent="0" algn="l" defTabSz="914400" rtl="0" eaLnBrk="1" fontAlgn="base" latinLnBrk="0" hangingPunct="1">
+              <a:lnSpc>
+                <a:spcPct val="100000"/>
+              </a:lnSpc>
+              <a:spcBef>
+                <a:spcPct val="0"/>
+              </a:spcBef>
+              <a:spcAft>
+                <a:spcPct val="0"/>
+              </a:spcAft>
+              <a:buClrTx/>
+              <a:buSzTx/>
+              <a:buFontTx/>
+              <a:buNone/>
+              <a:tabLst/>
+            </a:pPr>
+            <a:r>
+              <a:rPr kumimoji="0" lang="ru-RU" altLang="ru-RU" sz="1100" b="0" i="0" u="none" strike="noStrike" cap="none" normalizeH="0" baseline="0" dirty="0" smtClean="0">
+                <a:ln>
+                  <a:noFill/>
+                </a:ln>
+                <a:solidFill>
+                  <a:srgbClr val="DD4A68"/>
+                </a:solidFill>
+                <a:effectLst/>
+                <a:latin typeface="Courier New" pitchFamily="49" charset="0"/>
+                <a:cs typeface="Courier New" pitchFamily="49" charset="0"/>
+              </a:rPr>
+              <a:t>doIfTrue</a:t>
+            </a:r>
+            <a:r>
+              <a:rPr kumimoji="0" lang="ru-RU" altLang="ru-RU" sz="1100" b="0" i="0" u="none" strike="noStrike" cap="none" normalizeH="0" baseline="0" dirty="0" smtClean="0">
+                <a:ln>
+                  <a:noFill/>
+                </a:ln>
+                <a:solidFill>
+                  <a:srgbClr val="999999"/>
+                </a:solidFill>
+                <a:effectLst/>
+                <a:latin typeface="Courier New" pitchFamily="49" charset="0"/>
+                <a:cs typeface="Courier New" pitchFamily="49" charset="0"/>
+              </a:rPr>
+              <a:t>(</a:t>
+            </a:r>
+            <a:r>
+              <a:rPr kumimoji="0" lang="ru-RU" altLang="ru-RU" sz="1100" b="0" i="0" u="none" strike="noStrike" cap="none" normalizeH="0" baseline="0" dirty="0" smtClean="0">
+                <a:ln>
+                  <a:noFill/>
+                </a:ln>
+                <a:solidFill>
+                  <a:srgbClr val="990055"/>
+                </a:solidFill>
+                <a:effectLst/>
+                <a:latin typeface="Courier New" pitchFamily="49" charset="0"/>
+                <a:cs typeface="Courier New" pitchFamily="49" charset="0"/>
+              </a:rPr>
+              <a:t>false</a:t>
+            </a:r>
+            <a:r>
+              <a:rPr kumimoji="0" lang="ru-RU" altLang="ru-RU" sz="1100" b="0" i="0" u="none" strike="noStrike" cap="none" normalizeH="0" baseline="0" dirty="0" smtClean="0">
+                <a:ln>
+                  <a:noFill/>
+                </a:ln>
+                <a:solidFill>
+                  <a:srgbClr val="999999"/>
+                </a:solidFill>
+                <a:effectLst/>
+                <a:latin typeface="Courier New" pitchFamily="49" charset="0"/>
+                <a:cs typeface="Courier New" pitchFamily="49" charset="0"/>
+              </a:rPr>
+              <a:t>,</a:t>
+            </a:r>
+            <a:r>
+              <a:rPr kumimoji="0" lang="ru-RU" altLang="ru-RU" sz="1100" b="0" i="0" u="none" strike="noStrike" cap="none" normalizeH="0" baseline="0" dirty="0" smtClean="0">
+                <a:ln>
+                  <a:noFill/>
+                </a:ln>
+                <a:solidFill>
+                  <a:srgbClr val="000000"/>
+                </a:solidFill>
+                <a:effectLst/>
+                <a:latin typeface="Consolas" pitchFamily="49" charset="0"/>
+                <a:cs typeface="Consolas" pitchFamily="49" charset="0"/>
+              </a:rPr>
+              <a:t> </a:t>
+            </a:r>
+            <a:r>
+              <a:rPr kumimoji="0" lang="ru-RU" altLang="ru-RU" sz="1100" b="0" i="0" u="none" strike="noStrike" cap="none" normalizeH="0" baseline="0" dirty="0" smtClean="0">
+                <a:ln>
+                  <a:noFill/>
+                </a:ln>
+                <a:solidFill>
+                  <a:srgbClr val="0077AA"/>
+                </a:solidFill>
+                <a:effectLst/>
+                <a:latin typeface="Courier New" pitchFamily="49" charset="0"/>
+                <a:cs typeface="Courier New" pitchFamily="49" charset="0"/>
+              </a:rPr>
+              <a:t>function</a:t>
+            </a:r>
+            <a:r>
+              <a:rPr kumimoji="0" lang="ru-RU" altLang="ru-RU" sz="1100" b="0" i="0" u="none" strike="noStrike" cap="none" normalizeH="0" baseline="0" dirty="0" smtClean="0">
+                <a:ln>
+                  <a:noFill/>
+                </a:ln>
+                <a:solidFill>
+                  <a:srgbClr val="999999"/>
+                </a:solidFill>
+                <a:effectLst/>
+                <a:latin typeface="Courier New" pitchFamily="49" charset="0"/>
+                <a:cs typeface="Courier New" pitchFamily="49" charset="0"/>
+              </a:rPr>
+              <a:t>()</a:t>
+            </a:r>
+            <a:r>
+              <a:rPr kumimoji="0" lang="ru-RU" altLang="ru-RU" sz="1100" b="0" i="0" u="none" strike="noStrike" cap="none" normalizeH="0" baseline="0" dirty="0" smtClean="0">
+                <a:ln>
+                  <a:noFill/>
+                </a:ln>
+                <a:solidFill>
+                  <a:srgbClr val="000000"/>
+                </a:solidFill>
+                <a:effectLst/>
+                <a:latin typeface="Consolas" pitchFamily="49" charset="0"/>
+                <a:cs typeface="Consolas" pitchFamily="49" charset="0"/>
+              </a:rPr>
+              <a:t> </a:t>
+            </a:r>
+            <a:r>
+              <a:rPr kumimoji="0" lang="ru-RU" altLang="ru-RU" sz="1100" b="0" i="0" u="none" strike="noStrike" cap="none" normalizeH="0" baseline="0" dirty="0" smtClean="0">
+                <a:ln>
+                  <a:noFill/>
+                </a:ln>
+                <a:solidFill>
+                  <a:srgbClr val="999999"/>
+                </a:solidFill>
+                <a:effectLst/>
+                <a:latin typeface="Courier New" pitchFamily="49" charset="0"/>
+                <a:cs typeface="Courier New" pitchFamily="49" charset="0"/>
+              </a:rPr>
+              <a:t>{</a:t>
+            </a:r>
+            <a:endParaRPr kumimoji="0" lang="en-US" altLang="ru-RU" sz="1100" b="0" i="0" u="none" strike="noStrike" cap="none" normalizeH="0" baseline="0" dirty="0" smtClean="0">
+              <a:ln>
+                <a:noFill/>
+              </a:ln>
+              <a:solidFill>
+                <a:srgbClr val="999999"/>
+              </a:solidFill>
+              <a:effectLst/>
+              <a:latin typeface="Courier New" pitchFamily="49" charset="0"/>
+              <a:cs typeface="Courier New" pitchFamily="49" charset="0"/>
+            </a:endParaRPr>
+          </a:p>
+          <a:p>
+            <a:pPr lvl="0" fontAlgn="base">
+              <a:spcBef>
+                <a:spcPct val="0"/>
+              </a:spcBef>
+              <a:spcAft>
+                <a:spcPct val="0"/>
+              </a:spcAft>
+            </a:pPr>
+            <a:r>
+              <a:rPr lang="en-US" altLang="ru-RU" sz="1100" dirty="0">
+                <a:solidFill>
+                  <a:srgbClr val="999999"/>
+                </a:solidFill>
+                <a:latin typeface="Courier New" pitchFamily="49" charset="0"/>
+                <a:cs typeface="Courier New" pitchFamily="49" charset="0"/>
+              </a:rPr>
+              <a:t> </a:t>
+            </a:r>
+            <a:r>
+              <a:rPr lang="en-US" altLang="ru-RU" sz="1100" dirty="0" smtClean="0">
+                <a:solidFill>
+                  <a:srgbClr val="999999"/>
+                </a:solidFill>
+                <a:latin typeface="Courier New" pitchFamily="49" charset="0"/>
+                <a:cs typeface="Courier New" pitchFamily="49" charset="0"/>
+              </a:rPr>
+              <a:t> </a:t>
+            </a:r>
+            <a:r>
+              <a:rPr kumimoji="0" lang="ru-RU" altLang="ru-RU" sz="1100" b="0" i="0" u="none" strike="noStrike" cap="none" normalizeH="0" baseline="0" dirty="0" smtClean="0">
+                <a:ln>
+                  <a:noFill/>
+                </a:ln>
+                <a:solidFill>
+                  <a:srgbClr val="DD4A68"/>
+                </a:solidFill>
+                <a:effectLst/>
+                <a:latin typeface="Courier New" pitchFamily="49" charset="0"/>
+                <a:cs typeface="Courier New" pitchFamily="49" charset="0"/>
+              </a:rPr>
+              <a:t>alert</a:t>
+            </a:r>
+            <a:r>
+              <a:rPr kumimoji="0" lang="ru-RU" altLang="ru-RU" sz="1100" b="0" i="0" u="none" strike="noStrike" cap="none" normalizeH="0" baseline="0" dirty="0" smtClean="0">
+                <a:ln>
+                  <a:noFill/>
+                </a:ln>
+                <a:solidFill>
+                  <a:srgbClr val="999999"/>
+                </a:solidFill>
+                <a:effectLst/>
+                <a:latin typeface="Courier New" pitchFamily="49" charset="0"/>
+                <a:cs typeface="Courier New" pitchFamily="49" charset="0"/>
+              </a:rPr>
+              <a:t>(</a:t>
+            </a:r>
+            <a:r>
+              <a:rPr kumimoji="0" lang="ru-RU" altLang="ru-RU" sz="1100" b="0" i="0" u="none" strike="noStrike" cap="none" normalizeH="0" baseline="0" dirty="0" smtClean="0">
+                <a:ln>
+                  <a:noFill/>
+                </a:ln>
+                <a:solidFill>
+                  <a:srgbClr val="669900"/>
+                </a:solidFill>
+                <a:effectLst/>
+                <a:latin typeface="Courier New" pitchFamily="49" charset="0"/>
+                <a:cs typeface="Courier New" pitchFamily="49" charset="0"/>
+              </a:rPr>
+              <a:t>'world'</a:t>
+            </a:r>
+            <a:r>
+              <a:rPr kumimoji="0" lang="ru-RU" altLang="ru-RU" sz="1100" b="0" i="0" u="none" strike="noStrike" cap="none" normalizeH="0" baseline="0" dirty="0" smtClean="0">
+                <a:ln>
+                  <a:noFill/>
+                </a:ln>
+                <a:solidFill>
+                  <a:srgbClr val="999999"/>
+                </a:solidFill>
+                <a:effectLst/>
+                <a:latin typeface="Courier New" pitchFamily="49" charset="0"/>
+                <a:cs typeface="Courier New" pitchFamily="49" charset="0"/>
+              </a:rPr>
+              <a:t>);</a:t>
+            </a:r>
+            <a:r>
+              <a:rPr kumimoji="0" lang="ru-RU" altLang="ru-RU" sz="1100" b="0" i="0" u="none" strike="noStrike" cap="none" normalizeH="0" baseline="0" dirty="0" smtClean="0">
+                <a:ln>
+                  <a:noFill/>
+                </a:ln>
+                <a:solidFill>
+                  <a:srgbClr val="000000"/>
+                </a:solidFill>
+                <a:effectLst/>
+                <a:latin typeface="Consolas" pitchFamily="49" charset="0"/>
+                <a:cs typeface="Consolas" pitchFamily="49" charset="0"/>
+              </a:rPr>
+              <a:t> </a:t>
+            </a:r>
+            <a:r>
+              <a:rPr kumimoji="0" lang="ru-RU" altLang="ru-RU" sz="1100" b="0" i="0" u="none" strike="noStrike" cap="none" normalizeH="0" baseline="0" dirty="0" smtClean="0">
+                <a:ln>
+                  <a:noFill/>
+                </a:ln>
+                <a:solidFill>
+                  <a:srgbClr val="708090"/>
+                </a:solidFill>
+                <a:effectLst/>
+                <a:latin typeface="Courier New" pitchFamily="49" charset="0"/>
+                <a:cs typeface="Courier New" pitchFamily="49" charset="0"/>
+              </a:rPr>
+              <a:t>// does nothing</a:t>
+            </a:r>
+            <a:endParaRPr kumimoji="0" lang="en-US" altLang="ru-RU" sz="1100" b="0" i="0" u="none" strike="noStrike" cap="none" normalizeH="0" baseline="0" dirty="0" smtClean="0">
+              <a:ln>
+                <a:noFill/>
+              </a:ln>
+              <a:solidFill>
+                <a:srgbClr val="708090"/>
+              </a:solidFill>
+              <a:effectLst/>
+              <a:latin typeface="Courier New" pitchFamily="49" charset="0"/>
+              <a:cs typeface="Courier New" pitchFamily="49" charset="0"/>
+            </a:endParaRPr>
+          </a:p>
+          <a:p>
+            <a:pPr lvl="0" fontAlgn="base">
+              <a:spcBef>
+                <a:spcPct val="0"/>
+              </a:spcBef>
+              <a:spcAft>
+                <a:spcPct val="0"/>
+              </a:spcAft>
+            </a:pPr>
+            <a:r>
+              <a:rPr lang="ru-RU" altLang="ru-RU" sz="1100" dirty="0" smtClean="0">
+                <a:solidFill>
+                  <a:srgbClr val="999999"/>
+                </a:solidFill>
+                <a:latin typeface="Courier New" pitchFamily="49" charset="0"/>
+                <a:cs typeface="Courier New" pitchFamily="49" charset="0"/>
+              </a:rPr>
+              <a:t>});</a:t>
+            </a:r>
+            <a:endParaRPr kumimoji="0" lang="en-US" altLang="ru-RU" sz="1100" b="0" i="0" u="none" strike="noStrike" cap="none" normalizeH="0" baseline="0" dirty="0" smtClean="0">
+              <a:ln>
+                <a:noFill/>
+              </a:ln>
+              <a:solidFill>
+                <a:srgbClr val="708090"/>
+              </a:solidFill>
+              <a:effectLst/>
+              <a:latin typeface="Courier New" pitchFamily="49" charset="0"/>
+              <a:cs typeface="Courier New" pitchFamily="49" charset="0"/>
+            </a:endParaRPr>
+          </a:p>
+        </p:txBody>
+      </p:sp>
+      <p:sp>
+        <p:nvSpPr>
+          <p:cNvPr id="24" name="TextBox 23"/>
+          <p:cNvSpPr txBox="1"/>
+          <p:nvPr/>
+        </p:nvSpPr>
+        <p:spPr>
+          <a:xfrm>
+            <a:off x="397748" y="1752600"/>
+            <a:ext cx="3336051" cy="369332"/>
+          </a:xfrm>
+          <a:prstGeom prst="rect">
+            <a:avLst/>
+          </a:prstGeom>
+          <a:noFill/>
+        </p:spPr>
+        <p:txBody>
+          <a:bodyPr wrap="square" rtlCol="0">
+            <a:spAutoFit/>
+          </a:bodyPr>
+          <a:lstStyle/>
+          <a:p>
+            <a:r>
+              <a:rPr lang="en-US" dirty="0" smtClean="0"/>
+              <a:t>function </a:t>
+            </a:r>
+            <a:r>
+              <a:rPr lang="en-US" dirty="0" err="1" smtClean="0"/>
+              <a:t>Function</a:t>
+            </a:r>
+            <a:r>
+              <a:rPr lang="en-US" dirty="0" smtClean="0"/>
+              <a:t>, </a:t>
+            </a:r>
+            <a:r>
+              <a:rPr lang="en-US" dirty="0" smtClean="0"/>
+              <a:t>object </a:t>
+            </a:r>
+            <a:r>
+              <a:rPr lang="en-US" dirty="0" err="1" smtClean="0"/>
+              <a:t>Object</a:t>
+            </a:r>
+            <a:endParaRPr lang="en-US" dirty="0"/>
+          </a:p>
+        </p:txBody>
+      </p:sp>
+    </p:spTree>
+    <p:extLst>
+      <p:ext uri="{BB962C8B-B14F-4D97-AF65-F5344CB8AC3E}">
+        <p14:creationId xmlns:p14="http://schemas.microsoft.com/office/powerpoint/2010/main" val="2562526255"/>
+      </p:ext>
+    </p:extLst>
+  </p:cSld>
+  <p:clrMapOvr>
+    <a:masterClrMapping/>
+  </p:clrMapOvr>
+  <p:timing>
+    <p:tnLst>
+      <p:par>
+        <p:cTn id="1" dur="indefinite" restart="never" nodeType="tmRoot"/>
+      </p:par>
+    </p:tnLst>
+  </p:timing>
+</p:sld>
+</file>
+
+<file path=ppt/slides/slide4.xml><?xml version="1.0" encoding="utf-8"?>
+<p:sld xmlns:a="http://schemas.openxmlformats.org/drawingml/2006/main" xmlns:r="http://schemas.openxmlformats.org/officeDocument/2006/relationships" xmlns:p="http://schemas.openxmlformats.org/presentationml/2006/main">
+  <p:cSld>
+    <p:spTree>
+      <p:nvGrpSpPr>
+        <p:cNvPr id="1" name=""/>
+        <p:cNvGrpSpPr/>
+        <p:nvPr/>
+      </p:nvGrpSpPr>
+      <p:grpSpPr>
+        <a:xfrm>
+          <a:off x="0" y="0"/>
+          <a:ext cx="0" cy="0"/>
+          <a:chOff x="0" y="0"/>
+          <a:chExt cx="0" cy="0"/>
+        </a:xfrm>
+      </p:grpSpPr>
+      <p:sp>
+        <p:nvSpPr>
+          <p:cNvPr id="5" name="Rectangle 4"/>
+          <p:cNvSpPr/>
+          <p:nvPr/>
+        </p:nvSpPr>
+        <p:spPr>
+          <a:xfrm>
+            <a:off x="3690281" y="609600"/>
+            <a:ext cx="1632178" cy="707886"/>
+          </a:xfrm>
+          <a:prstGeom prst="rect">
+            <a:avLst/>
+          </a:prstGeom>
+        </p:spPr>
+        <p:txBody>
+          <a:bodyPr wrap="none">
+            <a:spAutoFit/>
+          </a:bodyPr>
+          <a:lstStyle/>
+          <a:p>
+            <a:pPr algn="ctr"/>
+            <a:r>
+              <a:rPr lang="en-US" sz="4000" dirty="0" smtClean="0">
+                <a:latin typeface="Rockwell" panose="02060603020205020403" pitchFamily="18" charset="0"/>
+              </a:rPr>
+              <a:t>Scope</a:t>
+            </a:r>
+            <a:endParaRPr lang="ru-RU" sz="4000" dirty="0"/>
+          </a:p>
+        </p:txBody>
+      </p:sp>
+      <p:sp>
+        <p:nvSpPr>
+          <p:cNvPr id="8" name="Rectangle 4"/>
+          <p:cNvSpPr>
+            <a:spLocks noChangeArrowheads="1"/>
+          </p:cNvSpPr>
+          <p:nvPr/>
+        </p:nvSpPr>
+        <p:spPr bwMode="auto">
+          <a:xfrm>
+            <a:off x="1676400" y="3962400"/>
+            <a:ext cx="3050515" cy="1862048"/>
+          </a:xfrm>
+          <a:prstGeom prst="rect">
+            <a:avLst/>
+          </a:prstGeom>
+          <a:solidFill>
+            <a:srgbClr val="F5F2F0"/>
+          </a:solidFill>
+          <a:ln>
+            <a:noFill/>
+          </a:ln>
+          <a:effectLst/>
+          <a:extLst>
+            <a:ext uri="{91240B29-F687-4F45-9708-019B960494DF}">
+              <a14:hiddenLine xmlns:a14="http://schemas.microsoft.com/office/drawing/2010/main" w="9525">
+                <a:solidFill>
+                  <a:schemeClr val="tx1"/>
+                </a:solidFill>
+                <a:miter lim="800000"/>
+                <a:headEnd/>
+                <a:tailEnd/>
+              </a14:hiddenLine>
+            </a:ext>
+            <a:ext uri="{AF507438-7753-43E0-B8FC-AC1667EBCBE1}">
+              <a14:hiddenEffects xmlns:a14="http://schemas.microsoft.com/office/drawing/2010/main">
+                <a:effectLst>
+                  <a:outerShdw dist="35921" dir="2700000" algn="ctr" rotWithShape="0">
+                    <a:schemeClr val="bg2"/>
+                  </a:outerShdw>
+                </a:effectLst>
+              </a14:hiddenEffects>
+            </a:ext>
+          </a:extLst>
+        </p:spPr>
+        <p:txBody>
+          <a:bodyPr vert="horz" wrap="none" lIns="0" tIns="0" rIns="0" bIns="0" numCol="1" anchor="ctr" anchorCtr="0" compatLnSpc="1">
+            <a:prstTxWarp prst="textNoShape">
+              <a:avLst/>
+            </a:prstTxWarp>
+            <a:spAutoFit/>
+          </a:bodyPr>
+          <a:lstStyle/>
+          <a:p>
+            <a:pPr marL="0" marR="0" lvl="0" indent="0" algn="l" defTabSz="914400" rtl="0" eaLnBrk="1" fontAlgn="base" latinLnBrk="0" hangingPunct="1">
+              <a:lnSpc>
+                <a:spcPct val="100000"/>
+              </a:lnSpc>
+              <a:spcBef>
+                <a:spcPct val="0"/>
+              </a:spcBef>
+              <a:spcAft>
+                <a:spcPct val="0"/>
+              </a:spcAft>
+              <a:buClrTx/>
+              <a:buSzTx/>
+              <a:buFontTx/>
+              <a:buNone/>
+              <a:tabLst/>
+            </a:pPr>
+            <a:r>
+              <a:rPr kumimoji="0" lang="ru-RU" altLang="ru-RU" sz="1100" b="0" i="0" u="none" strike="noStrike" cap="none" normalizeH="0" baseline="0" dirty="0" smtClean="0">
+                <a:ln>
+                  <a:noFill/>
+                </a:ln>
+                <a:solidFill>
+                  <a:srgbClr val="0077AA"/>
+                </a:solidFill>
+                <a:effectLst/>
+                <a:latin typeface="Courier New" pitchFamily="49" charset="0"/>
+                <a:cs typeface="Courier New" pitchFamily="49" charset="0"/>
+              </a:rPr>
+              <a:t>function</a:t>
+            </a:r>
+            <a:r>
+              <a:rPr kumimoji="0" lang="ru-RU" altLang="ru-RU" sz="1100" b="0" i="0" u="none" strike="noStrike" cap="none" normalizeH="0" baseline="0" dirty="0" smtClean="0">
+                <a:ln>
+                  <a:noFill/>
+                </a:ln>
+                <a:solidFill>
+                  <a:srgbClr val="000000"/>
+                </a:solidFill>
+                <a:effectLst/>
+                <a:latin typeface="Consolas" pitchFamily="49" charset="0"/>
+                <a:cs typeface="Consolas" pitchFamily="49" charset="0"/>
+              </a:rPr>
+              <a:t> </a:t>
+            </a:r>
+            <a:r>
+              <a:rPr kumimoji="0" lang="ru-RU" altLang="ru-RU" sz="1100" b="0" i="0" u="none" strike="noStrike" cap="none" normalizeH="0" baseline="0" dirty="0" smtClean="0">
+                <a:ln>
+                  <a:noFill/>
+                </a:ln>
+                <a:solidFill>
+                  <a:srgbClr val="DD4A68"/>
+                </a:solidFill>
+                <a:effectLst/>
+                <a:latin typeface="Courier New" pitchFamily="49" charset="0"/>
+                <a:cs typeface="Courier New" pitchFamily="49" charset="0"/>
+              </a:rPr>
+              <a:t>doIfTrue</a:t>
+            </a:r>
+            <a:r>
+              <a:rPr kumimoji="0" lang="ru-RU" altLang="ru-RU" sz="1100" b="0" i="0" u="none" strike="noStrike" cap="none" normalizeH="0" baseline="0" dirty="0" smtClean="0">
+                <a:ln>
+                  <a:noFill/>
+                </a:ln>
+                <a:solidFill>
+                  <a:srgbClr val="999999"/>
+                </a:solidFill>
+                <a:effectLst/>
+                <a:latin typeface="Courier New" pitchFamily="49" charset="0"/>
+                <a:cs typeface="Courier New" pitchFamily="49" charset="0"/>
+              </a:rPr>
+              <a:t>(</a:t>
+            </a:r>
+            <a:r>
+              <a:rPr kumimoji="0" lang="ru-RU" altLang="ru-RU" sz="1100" b="0" i="0" u="none" strike="noStrike" cap="none" normalizeH="0" baseline="0" dirty="0" smtClean="0">
+                <a:ln>
+                  <a:noFill/>
+                </a:ln>
+                <a:solidFill>
+                  <a:srgbClr val="000000"/>
+                </a:solidFill>
+                <a:effectLst/>
+                <a:latin typeface="Consolas" pitchFamily="49" charset="0"/>
+                <a:cs typeface="Consolas" pitchFamily="49" charset="0"/>
+              </a:rPr>
+              <a:t>isTrue</a:t>
+            </a:r>
+            <a:r>
+              <a:rPr kumimoji="0" lang="ru-RU" altLang="ru-RU" sz="1100" b="0" i="0" u="none" strike="noStrike" cap="none" normalizeH="0" baseline="0" dirty="0" smtClean="0">
+                <a:ln>
+                  <a:noFill/>
+                </a:ln>
+                <a:solidFill>
+                  <a:srgbClr val="999999"/>
+                </a:solidFill>
+                <a:effectLst/>
+                <a:latin typeface="Courier New" pitchFamily="49" charset="0"/>
+                <a:cs typeface="Courier New" pitchFamily="49" charset="0"/>
+              </a:rPr>
+              <a:t>,</a:t>
+            </a:r>
+            <a:r>
+              <a:rPr kumimoji="0" lang="ru-RU" altLang="ru-RU" sz="1100" b="0" i="0" u="none" strike="noStrike" cap="none" normalizeH="0" baseline="0" dirty="0" smtClean="0">
+                <a:ln>
+                  <a:noFill/>
+                </a:ln>
+                <a:solidFill>
+                  <a:srgbClr val="000000"/>
+                </a:solidFill>
+                <a:effectLst/>
+                <a:latin typeface="Consolas" pitchFamily="49" charset="0"/>
+                <a:cs typeface="Consolas" pitchFamily="49" charset="0"/>
+              </a:rPr>
+              <a:t> whatToDo</a:t>
+            </a:r>
+            <a:r>
+              <a:rPr kumimoji="0" lang="ru-RU" altLang="ru-RU" sz="1100" b="0" i="0" u="none" strike="noStrike" cap="none" normalizeH="0" baseline="0" dirty="0" smtClean="0">
+                <a:ln>
+                  <a:noFill/>
+                </a:ln>
+                <a:solidFill>
+                  <a:srgbClr val="999999"/>
+                </a:solidFill>
+                <a:effectLst/>
+                <a:latin typeface="Courier New" pitchFamily="49" charset="0"/>
+                <a:cs typeface="Courier New" pitchFamily="49" charset="0"/>
+              </a:rPr>
+              <a:t>)</a:t>
+            </a:r>
+            <a:r>
+              <a:rPr kumimoji="0" lang="ru-RU" altLang="ru-RU" sz="1100" b="0" i="0" u="none" strike="noStrike" cap="none" normalizeH="0" baseline="0" dirty="0" smtClean="0">
+                <a:ln>
+                  <a:noFill/>
+                </a:ln>
+                <a:solidFill>
+                  <a:srgbClr val="000000"/>
+                </a:solidFill>
+                <a:effectLst/>
+                <a:latin typeface="Consolas" pitchFamily="49" charset="0"/>
+                <a:cs typeface="Consolas" pitchFamily="49" charset="0"/>
+              </a:rPr>
+              <a:t> </a:t>
+            </a:r>
+            <a:r>
+              <a:rPr kumimoji="0" lang="ru-RU" altLang="ru-RU" sz="1100" b="0" i="0" u="none" strike="noStrike" cap="none" normalizeH="0" baseline="0" dirty="0" smtClean="0">
+                <a:ln>
+                  <a:noFill/>
+                </a:ln>
+                <a:solidFill>
+                  <a:srgbClr val="999999"/>
+                </a:solidFill>
+                <a:effectLst/>
+                <a:latin typeface="Courier New" pitchFamily="49" charset="0"/>
+                <a:cs typeface="Courier New" pitchFamily="49" charset="0"/>
+              </a:rPr>
+              <a:t>{</a:t>
+            </a:r>
+            <a:endParaRPr kumimoji="0" lang="en-US" altLang="ru-RU" sz="1100" b="0" i="0" u="none" strike="noStrike" cap="none" normalizeH="0" baseline="0" dirty="0" smtClean="0">
+              <a:ln>
+                <a:noFill/>
+              </a:ln>
+              <a:solidFill>
+                <a:srgbClr val="999999"/>
+              </a:solidFill>
+              <a:effectLst/>
+              <a:latin typeface="Courier New" pitchFamily="49" charset="0"/>
+              <a:cs typeface="Courier New" pitchFamily="49" charset="0"/>
+            </a:endParaRPr>
+          </a:p>
+          <a:p>
+            <a:pPr lvl="0" fontAlgn="base">
+              <a:spcBef>
+                <a:spcPct val="0"/>
+              </a:spcBef>
+              <a:spcAft>
+                <a:spcPct val="0"/>
+              </a:spcAft>
+            </a:pPr>
+            <a:r>
+              <a:rPr lang="en-US" altLang="ru-RU" sz="1100" dirty="0">
+                <a:solidFill>
+                  <a:srgbClr val="000000"/>
+                </a:solidFill>
+                <a:latin typeface="Consolas" pitchFamily="49" charset="0"/>
+                <a:cs typeface="Consolas" pitchFamily="49" charset="0"/>
+              </a:rPr>
+              <a:t> </a:t>
+            </a:r>
+            <a:r>
+              <a:rPr lang="en-US" altLang="ru-RU" sz="1100" dirty="0" smtClean="0">
+                <a:solidFill>
+                  <a:srgbClr val="000000"/>
+                </a:solidFill>
+                <a:latin typeface="Consolas" pitchFamily="49" charset="0"/>
+                <a:cs typeface="Consolas" pitchFamily="49" charset="0"/>
+              </a:rPr>
+              <a:t> </a:t>
+            </a:r>
+            <a:r>
+              <a:rPr kumimoji="0" lang="ru-RU" altLang="ru-RU" sz="1100" b="0" i="0" u="none" strike="noStrike" cap="none" normalizeH="0" baseline="0" dirty="0" smtClean="0">
+                <a:ln>
+                  <a:noFill/>
+                </a:ln>
+                <a:solidFill>
+                  <a:srgbClr val="0077AA"/>
+                </a:solidFill>
+                <a:effectLst/>
+                <a:latin typeface="Courier New" pitchFamily="49" charset="0"/>
+                <a:cs typeface="Courier New" pitchFamily="49" charset="0"/>
+              </a:rPr>
+              <a:t>if</a:t>
+            </a:r>
+            <a:r>
+              <a:rPr kumimoji="0" lang="ru-RU" altLang="ru-RU" sz="1100" b="0" i="0" u="none" strike="noStrike" cap="none" normalizeH="0" baseline="0" dirty="0" smtClean="0">
+                <a:ln>
+                  <a:noFill/>
+                </a:ln>
+                <a:solidFill>
+                  <a:srgbClr val="999999"/>
+                </a:solidFill>
+                <a:effectLst/>
+                <a:latin typeface="Courier New" pitchFamily="49" charset="0"/>
+                <a:cs typeface="Courier New" pitchFamily="49" charset="0"/>
+              </a:rPr>
+              <a:t>(</a:t>
+            </a:r>
+            <a:r>
+              <a:rPr kumimoji="0" lang="ru-RU" altLang="ru-RU" sz="1100" b="0" i="0" u="none" strike="noStrike" cap="none" normalizeH="0" baseline="0" dirty="0" smtClean="0">
+                <a:ln>
+                  <a:noFill/>
+                </a:ln>
+                <a:solidFill>
+                  <a:srgbClr val="000000"/>
+                </a:solidFill>
+                <a:effectLst/>
+                <a:latin typeface="Consolas" pitchFamily="49" charset="0"/>
+                <a:cs typeface="Consolas" pitchFamily="49" charset="0"/>
+              </a:rPr>
+              <a:t>isTrue</a:t>
+            </a:r>
+            <a:r>
+              <a:rPr kumimoji="0" lang="ru-RU" altLang="ru-RU" sz="1100" b="0" i="0" u="none" strike="noStrike" cap="none" normalizeH="0" baseline="0" dirty="0" smtClean="0">
+                <a:ln>
+                  <a:noFill/>
+                </a:ln>
+                <a:solidFill>
+                  <a:srgbClr val="999999"/>
+                </a:solidFill>
+                <a:effectLst/>
+                <a:latin typeface="Courier New" pitchFamily="49" charset="0"/>
+                <a:cs typeface="Courier New" pitchFamily="49" charset="0"/>
+              </a:rPr>
+              <a:t>)</a:t>
+            </a:r>
+            <a:r>
+              <a:rPr kumimoji="0" lang="ru-RU" altLang="ru-RU" sz="1100" b="0" i="0" u="none" strike="noStrike" cap="none" normalizeH="0" baseline="0" dirty="0" smtClean="0">
+                <a:ln>
+                  <a:noFill/>
+                </a:ln>
+                <a:solidFill>
+                  <a:srgbClr val="000000"/>
+                </a:solidFill>
+                <a:effectLst/>
+                <a:latin typeface="Consolas" pitchFamily="49" charset="0"/>
+                <a:cs typeface="Consolas" pitchFamily="49" charset="0"/>
+              </a:rPr>
+              <a:t> </a:t>
+            </a:r>
+            <a:r>
+              <a:rPr lang="ru-RU" altLang="ru-RU" sz="1100" dirty="0">
+                <a:solidFill>
+                  <a:srgbClr val="999999"/>
+                </a:solidFill>
+                <a:latin typeface="Courier New" pitchFamily="49" charset="0"/>
+                <a:cs typeface="Courier New" pitchFamily="49" charset="0"/>
+              </a:rPr>
+              <a:t>{</a:t>
+            </a:r>
+            <a:endParaRPr kumimoji="0" lang="en-US" altLang="ru-RU" sz="1100" b="0" i="0" u="none" strike="noStrike" cap="none" normalizeH="0" baseline="0" dirty="0" smtClean="0">
+              <a:ln>
+                <a:noFill/>
+              </a:ln>
+              <a:solidFill>
+                <a:srgbClr val="000000"/>
+              </a:solidFill>
+              <a:effectLst/>
+              <a:latin typeface="Consolas" pitchFamily="49" charset="0"/>
+              <a:cs typeface="Consolas" pitchFamily="49" charset="0"/>
+            </a:endParaRPr>
+          </a:p>
+          <a:p>
+            <a:pPr marL="0" marR="0" lvl="0" indent="0" algn="l" defTabSz="914400" rtl="0" eaLnBrk="1" fontAlgn="base" latinLnBrk="0" hangingPunct="1">
+              <a:lnSpc>
+                <a:spcPct val="100000"/>
+              </a:lnSpc>
+              <a:spcBef>
+                <a:spcPct val="0"/>
+              </a:spcBef>
+              <a:spcAft>
+                <a:spcPct val="0"/>
+              </a:spcAft>
+              <a:buClrTx/>
+              <a:buSzTx/>
+              <a:buFontTx/>
+              <a:buNone/>
+              <a:tabLst/>
+            </a:pPr>
+            <a:r>
+              <a:rPr lang="en-US" altLang="ru-RU" sz="1100" dirty="0">
+                <a:solidFill>
+                  <a:srgbClr val="000000"/>
+                </a:solidFill>
+                <a:latin typeface="Consolas" pitchFamily="49" charset="0"/>
+                <a:cs typeface="Consolas" pitchFamily="49" charset="0"/>
+              </a:rPr>
+              <a:t> </a:t>
+            </a:r>
+            <a:r>
+              <a:rPr lang="en-US" altLang="ru-RU" sz="1100" dirty="0" smtClean="0">
+                <a:solidFill>
+                  <a:srgbClr val="000000"/>
+                </a:solidFill>
+                <a:latin typeface="Consolas" pitchFamily="49" charset="0"/>
+                <a:cs typeface="Consolas" pitchFamily="49" charset="0"/>
+              </a:rPr>
+              <a:t>    </a:t>
+            </a:r>
+            <a:r>
+              <a:rPr kumimoji="0" lang="ru-RU" altLang="ru-RU" sz="1100" b="0" i="0" u="none" strike="noStrike" cap="none" normalizeH="0" baseline="0" dirty="0" smtClean="0">
+                <a:ln>
+                  <a:noFill/>
+                </a:ln>
+                <a:solidFill>
+                  <a:srgbClr val="DD4A68"/>
+                </a:solidFill>
+                <a:effectLst/>
+                <a:latin typeface="Courier New" pitchFamily="49" charset="0"/>
+                <a:cs typeface="Courier New" pitchFamily="49" charset="0"/>
+              </a:rPr>
+              <a:t>whatToDo</a:t>
+            </a:r>
+            <a:r>
+              <a:rPr kumimoji="0" lang="ru-RU" altLang="ru-RU" sz="1100" b="0" i="0" u="none" strike="noStrike" cap="none" normalizeH="0" baseline="0" dirty="0" smtClean="0">
+                <a:ln>
+                  <a:noFill/>
+                </a:ln>
+                <a:solidFill>
+                  <a:srgbClr val="999999"/>
+                </a:solidFill>
+                <a:effectLst/>
+                <a:latin typeface="Courier New" pitchFamily="49" charset="0"/>
+                <a:cs typeface="Courier New" pitchFamily="49" charset="0"/>
+              </a:rPr>
+              <a:t>();</a:t>
+            </a:r>
+            <a:endParaRPr kumimoji="0" lang="en-US" altLang="ru-RU" sz="1100" b="0" i="0" u="none" strike="noStrike" cap="none" normalizeH="0" baseline="0" dirty="0" smtClean="0">
+              <a:ln>
+                <a:noFill/>
+              </a:ln>
+              <a:solidFill>
+                <a:srgbClr val="999999"/>
+              </a:solidFill>
+              <a:effectLst/>
+              <a:latin typeface="Courier New" pitchFamily="49" charset="0"/>
+              <a:cs typeface="Courier New" pitchFamily="49" charset="0"/>
+            </a:endParaRPr>
+          </a:p>
+          <a:p>
+            <a:pPr lvl="0" fontAlgn="base">
+              <a:spcBef>
+                <a:spcPct val="0"/>
+              </a:spcBef>
+              <a:spcAft>
+                <a:spcPct val="0"/>
+              </a:spcAft>
+            </a:pPr>
+            <a:r>
+              <a:rPr lang="en-US" altLang="ru-RU" sz="1100" dirty="0" smtClean="0">
+                <a:solidFill>
+                  <a:srgbClr val="999999"/>
+                </a:solidFill>
+                <a:latin typeface="Courier New" pitchFamily="49" charset="0"/>
+                <a:cs typeface="Courier New" pitchFamily="49" charset="0"/>
+              </a:rPr>
+              <a:t>  </a:t>
+            </a:r>
+            <a:r>
+              <a:rPr lang="ru-RU" altLang="ru-RU" sz="1100" dirty="0" smtClean="0">
+                <a:solidFill>
+                  <a:srgbClr val="999999"/>
+                </a:solidFill>
+                <a:latin typeface="Courier New" pitchFamily="49" charset="0"/>
+                <a:cs typeface="Courier New" pitchFamily="49" charset="0"/>
+              </a:rPr>
+              <a:t>}</a:t>
+            </a:r>
+            <a:endParaRPr kumimoji="0" lang="en-US" altLang="ru-RU" sz="1100" b="0" i="0" u="none" strike="noStrike" cap="none" normalizeH="0" baseline="0" dirty="0" smtClean="0">
+              <a:ln>
+                <a:noFill/>
+              </a:ln>
+              <a:solidFill>
+                <a:srgbClr val="999999"/>
+              </a:solidFill>
+              <a:effectLst/>
+              <a:latin typeface="Courier New" pitchFamily="49" charset="0"/>
+              <a:cs typeface="Courier New" pitchFamily="49" charset="0"/>
+            </a:endParaRPr>
+          </a:p>
+          <a:p>
+            <a:pPr marL="0" marR="0" lvl="0" indent="0" algn="l" defTabSz="914400" rtl="0" eaLnBrk="1" fontAlgn="base" latinLnBrk="0" hangingPunct="1">
+              <a:lnSpc>
+                <a:spcPct val="100000"/>
+              </a:lnSpc>
+              <a:spcBef>
+                <a:spcPct val="0"/>
+              </a:spcBef>
+              <a:spcAft>
+                <a:spcPct val="0"/>
+              </a:spcAft>
+              <a:buClrTx/>
+              <a:buSzTx/>
+              <a:buFontTx/>
+              <a:buNone/>
+              <a:tabLst/>
+            </a:pPr>
+            <a:r>
+              <a:rPr kumimoji="0" lang="ru-RU" altLang="ru-RU" sz="1100" b="0" i="0" u="none" strike="noStrike" cap="none" normalizeH="0" baseline="0" dirty="0" smtClean="0">
+                <a:ln>
+                  <a:noFill/>
+                </a:ln>
+                <a:solidFill>
+                  <a:srgbClr val="999999"/>
+                </a:solidFill>
+                <a:effectLst/>
+                <a:latin typeface="Courier New" pitchFamily="49" charset="0"/>
+                <a:cs typeface="Courier New" pitchFamily="49" charset="0"/>
+              </a:rPr>
+              <a:t>}</a:t>
+            </a:r>
+            <a:r>
+              <a:rPr kumimoji="0" lang="ru-RU" altLang="ru-RU" sz="1100" b="0" i="0" u="none" strike="noStrike" cap="none" normalizeH="0" baseline="0" dirty="0" smtClean="0">
+                <a:ln>
+                  <a:noFill/>
+                </a:ln>
+                <a:solidFill>
+                  <a:srgbClr val="000000"/>
+                </a:solidFill>
+                <a:effectLst/>
+                <a:latin typeface="Consolas" pitchFamily="49" charset="0"/>
+                <a:cs typeface="Consolas" pitchFamily="49" charset="0"/>
+              </a:rPr>
+              <a:t> </a:t>
+            </a:r>
+            <a:endParaRPr kumimoji="0" lang="en-US" altLang="ru-RU" sz="1100" b="0" i="0" u="none" strike="noStrike" cap="none" normalizeH="0" baseline="0" dirty="0" smtClean="0">
+              <a:ln>
+                <a:noFill/>
+              </a:ln>
+              <a:solidFill>
+                <a:srgbClr val="000000"/>
+              </a:solidFill>
+              <a:effectLst/>
+              <a:latin typeface="Consolas" pitchFamily="49" charset="0"/>
+              <a:cs typeface="Consolas" pitchFamily="49" charset="0"/>
+            </a:endParaRPr>
+          </a:p>
+          <a:p>
+            <a:pPr marL="0" marR="0" lvl="0" indent="0" algn="l" defTabSz="914400" rtl="0" eaLnBrk="1" fontAlgn="base" latinLnBrk="0" hangingPunct="1">
+              <a:lnSpc>
+                <a:spcPct val="100000"/>
+              </a:lnSpc>
+              <a:spcBef>
+                <a:spcPct val="0"/>
+              </a:spcBef>
+              <a:spcAft>
+                <a:spcPct val="0"/>
+              </a:spcAft>
+              <a:buClrTx/>
+              <a:buSzTx/>
+              <a:buFontTx/>
+              <a:buNone/>
+              <a:tabLst/>
+            </a:pPr>
+            <a:r>
+              <a:rPr kumimoji="0" lang="ru-RU" altLang="ru-RU" sz="1100" b="0" i="0" u="none" strike="noStrike" cap="none" normalizeH="0" baseline="0" dirty="0" smtClean="0">
+                <a:ln>
+                  <a:noFill/>
+                </a:ln>
+                <a:solidFill>
+                  <a:srgbClr val="DD4A68"/>
+                </a:solidFill>
+                <a:effectLst/>
+                <a:latin typeface="Courier New" pitchFamily="49" charset="0"/>
+                <a:cs typeface="Courier New" pitchFamily="49" charset="0"/>
+              </a:rPr>
+              <a:t>doIfTrue</a:t>
+            </a:r>
+            <a:r>
+              <a:rPr kumimoji="0" lang="ru-RU" altLang="ru-RU" sz="1100" b="0" i="0" u="none" strike="noStrike" cap="none" normalizeH="0" baseline="0" dirty="0" smtClean="0">
+                <a:ln>
+                  <a:noFill/>
+                </a:ln>
+                <a:solidFill>
+                  <a:srgbClr val="999999"/>
+                </a:solidFill>
+                <a:effectLst/>
+                <a:latin typeface="Courier New" pitchFamily="49" charset="0"/>
+                <a:cs typeface="Courier New" pitchFamily="49" charset="0"/>
+              </a:rPr>
+              <a:t>(</a:t>
+            </a:r>
+            <a:r>
+              <a:rPr kumimoji="0" lang="ru-RU" altLang="ru-RU" sz="1100" b="0" i="0" u="none" strike="noStrike" cap="none" normalizeH="0" baseline="0" dirty="0" smtClean="0">
+                <a:ln>
+                  <a:noFill/>
+                </a:ln>
+                <a:solidFill>
+                  <a:srgbClr val="990055"/>
+                </a:solidFill>
+                <a:effectLst/>
+                <a:latin typeface="Courier New" pitchFamily="49" charset="0"/>
+                <a:cs typeface="Courier New" pitchFamily="49" charset="0"/>
+              </a:rPr>
+              <a:t>true</a:t>
+            </a:r>
+            <a:r>
+              <a:rPr kumimoji="0" lang="ru-RU" altLang="ru-RU" sz="1100" b="0" i="0" u="none" strike="noStrike" cap="none" normalizeH="0" baseline="0" dirty="0" smtClean="0">
+                <a:ln>
+                  <a:noFill/>
+                </a:ln>
+                <a:solidFill>
+                  <a:srgbClr val="999999"/>
+                </a:solidFill>
+                <a:effectLst/>
+                <a:latin typeface="Courier New" pitchFamily="49" charset="0"/>
+                <a:cs typeface="Courier New" pitchFamily="49" charset="0"/>
+              </a:rPr>
+              <a:t>,</a:t>
+            </a:r>
+            <a:r>
+              <a:rPr kumimoji="0" lang="ru-RU" altLang="ru-RU" sz="1100" b="0" i="0" u="none" strike="noStrike" cap="none" normalizeH="0" baseline="0" dirty="0" smtClean="0">
+                <a:ln>
+                  <a:noFill/>
+                </a:ln>
+                <a:solidFill>
+                  <a:srgbClr val="000000"/>
+                </a:solidFill>
+                <a:effectLst/>
+                <a:latin typeface="Consolas" pitchFamily="49" charset="0"/>
+                <a:cs typeface="Consolas" pitchFamily="49" charset="0"/>
+              </a:rPr>
+              <a:t> </a:t>
+            </a:r>
+            <a:r>
+              <a:rPr kumimoji="0" lang="ru-RU" altLang="ru-RU" sz="1100" b="0" i="0" u="none" strike="noStrike" cap="none" normalizeH="0" baseline="0" dirty="0" smtClean="0">
+                <a:ln>
+                  <a:noFill/>
+                </a:ln>
+                <a:solidFill>
+                  <a:srgbClr val="0077AA"/>
+                </a:solidFill>
+                <a:effectLst/>
+                <a:latin typeface="Courier New" pitchFamily="49" charset="0"/>
+                <a:cs typeface="Courier New" pitchFamily="49" charset="0"/>
+              </a:rPr>
+              <a:t>function</a:t>
+            </a:r>
+            <a:r>
+              <a:rPr kumimoji="0" lang="ru-RU" altLang="ru-RU" sz="1100" b="0" i="0" u="none" strike="noStrike" cap="none" normalizeH="0" baseline="0" dirty="0" smtClean="0">
+                <a:ln>
+                  <a:noFill/>
+                </a:ln>
+                <a:solidFill>
+                  <a:srgbClr val="999999"/>
+                </a:solidFill>
+                <a:effectLst/>
+                <a:latin typeface="Courier New" pitchFamily="49" charset="0"/>
+                <a:cs typeface="Courier New" pitchFamily="49" charset="0"/>
+              </a:rPr>
+              <a:t>()</a:t>
+            </a:r>
+            <a:r>
+              <a:rPr kumimoji="0" lang="ru-RU" altLang="ru-RU" sz="1100" b="0" i="0" u="none" strike="noStrike" cap="none" normalizeH="0" baseline="0" dirty="0" smtClean="0">
+                <a:ln>
+                  <a:noFill/>
+                </a:ln>
+                <a:solidFill>
+                  <a:srgbClr val="000000"/>
+                </a:solidFill>
+                <a:effectLst/>
+                <a:latin typeface="Consolas" pitchFamily="49" charset="0"/>
+                <a:cs typeface="Consolas" pitchFamily="49" charset="0"/>
+              </a:rPr>
+              <a:t> </a:t>
+            </a:r>
+            <a:r>
+              <a:rPr kumimoji="0" lang="ru-RU" altLang="ru-RU" sz="1100" b="0" i="0" u="none" strike="noStrike" cap="none" normalizeH="0" baseline="0" dirty="0" smtClean="0">
+                <a:ln>
+                  <a:noFill/>
+                </a:ln>
+                <a:solidFill>
+                  <a:srgbClr val="999999"/>
+                </a:solidFill>
+                <a:effectLst/>
+                <a:latin typeface="Courier New" pitchFamily="49" charset="0"/>
+                <a:cs typeface="Courier New" pitchFamily="49" charset="0"/>
+              </a:rPr>
+              <a:t>{</a:t>
+            </a:r>
+            <a:endParaRPr kumimoji="0" lang="en-US" altLang="ru-RU" sz="1100" b="0" i="0" u="none" strike="noStrike" cap="none" normalizeH="0" baseline="0" dirty="0" smtClean="0">
+              <a:ln>
+                <a:noFill/>
+              </a:ln>
+              <a:solidFill>
+                <a:srgbClr val="999999"/>
+              </a:solidFill>
+              <a:effectLst/>
+              <a:latin typeface="Courier New" pitchFamily="49" charset="0"/>
+              <a:cs typeface="Courier New" pitchFamily="49" charset="0"/>
+            </a:endParaRPr>
+          </a:p>
+          <a:p>
+            <a:pPr fontAlgn="base">
+              <a:spcBef>
+                <a:spcPct val="0"/>
+              </a:spcBef>
+              <a:spcAft>
+                <a:spcPct val="0"/>
+              </a:spcAft>
+            </a:pPr>
+            <a:r>
+              <a:rPr lang="en-US" altLang="ru-RU" sz="1100" dirty="0">
+                <a:solidFill>
+                  <a:srgbClr val="999999"/>
+                </a:solidFill>
+                <a:latin typeface="Courier New" pitchFamily="49" charset="0"/>
+                <a:cs typeface="Courier New" pitchFamily="49" charset="0"/>
+              </a:rPr>
+              <a:t> </a:t>
+            </a:r>
+            <a:r>
+              <a:rPr lang="en-US" altLang="ru-RU" sz="1100" dirty="0" smtClean="0">
+                <a:solidFill>
+                  <a:srgbClr val="999999"/>
+                </a:solidFill>
+                <a:latin typeface="Courier New" pitchFamily="49" charset="0"/>
+                <a:cs typeface="Courier New" pitchFamily="49" charset="0"/>
+              </a:rPr>
+              <a:t> </a:t>
+            </a:r>
+            <a:r>
+              <a:rPr kumimoji="0" lang="ru-RU" altLang="ru-RU" sz="1100" b="0" i="0" u="none" strike="noStrike" cap="none" normalizeH="0" baseline="0" dirty="0" smtClean="0">
+                <a:ln>
+                  <a:noFill/>
+                </a:ln>
+                <a:solidFill>
+                  <a:srgbClr val="DD4A68"/>
+                </a:solidFill>
+                <a:effectLst/>
+                <a:latin typeface="Courier New" pitchFamily="49" charset="0"/>
+                <a:cs typeface="Courier New" pitchFamily="49" charset="0"/>
+              </a:rPr>
+              <a:t>alert</a:t>
+            </a:r>
+            <a:r>
+              <a:rPr kumimoji="0" lang="ru-RU" altLang="ru-RU" sz="1100" b="0" i="0" u="none" strike="noStrike" cap="none" normalizeH="0" baseline="0" dirty="0" smtClean="0">
+                <a:ln>
+                  <a:noFill/>
+                </a:ln>
+                <a:solidFill>
+                  <a:srgbClr val="999999"/>
+                </a:solidFill>
+                <a:effectLst/>
+                <a:latin typeface="Courier New" pitchFamily="49" charset="0"/>
+                <a:cs typeface="Courier New" pitchFamily="49" charset="0"/>
+              </a:rPr>
+              <a:t>(</a:t>
+            </a:r>
+            <a:r>
+              <a:rPr kumimoji="0" lang="ru-RU" altLang="ru-RU" sz="1100" b="0" i="0" u="none" strike="noStrike" cap="none" normalizeH="0" baseline="0" dirty="0" smtClean="0">
+                <a:ln>
+                  <a:noFill/>
+                </a:ln>
+                <a:solidFill>
+                  <a:srgbClr val="669900"/>
+                </a:solidFill>
+                <a:effectLst/>
+                <a:latin typeface="Courier New" pitchFamily="49" charset="0"/>
+                <a:cs typeface="Courier New" pitchFamily="49" charset="0"/>
+              </a:rPr>
+              <a:t>'hello'</a:t>
+            </a:r>
+            <a:r>
+              <a:rPr kumimoji="0" lang="ru-RU" altLang="ru-RU" sz="1100" b="0" i="0" u="none" strike="noStrike" cap="none" normalizeH="0" baseline="0" dirty="0" smtClean="0">
+                <a:ln>
+                  <a:noFill/>
+                </a:ln>
+                <a:solidFill>
+                  <a:srgbClr val="999999"/>
+                </a:solidFill>
+                <a:effectLst/>
+                <a:latin typeface="Courier New" pitchFamily="49" charset="0"/>
+                <a:cs typeface="Courier New" pitchFamily="49" charset="0"/>
+              </a:rPr>
+              <a:t>);</a:t>
+            </a:r>
+            <a:r>
+              <a:rPr lang="ru-RU" altLang="ru-RU" sz="1100" dirty="0">
+                <a:solidFill>
+                  <a:srgbClr val="708090"/>
+                </a:solidFill>
+                <a:latin typeface="Courier New" pitchFamily="49" charset="0"/>
+                <a:cs typeface="Courier New" pitchFamily="49" charset="0"/>
+              </a:rPr>
+              <a:t> // alerts "world"</a:t>
+            </a:r>
+            <a:r>
+              <a:rPr lang="ru-RU" altLang="ru-RU" sz="1100" dirty="0">
+                <a:solidFill>
+                  <a:srgbClr val="000000"/>
+                </a:solidFill>
+                <a:latin typeface="Consolas" pitchFamily="49" charset="0"/>
+                <a:cs typeface="Consolas" pitchFamily="49" charset="0"/>
+              </a:rPr>
+              <a:t> </a:t>
+            </a:r>
+            <a:endParaRPr lang="en-US" altLang="ru-RU" sz="1100" dirty="0">
+              <a:solidFill>
+                <a:srgbClr val="000000"/>
+              </a:solidFill>
+              <a:latin typeface="Consolas" pitchFamily="49" charset="0"/>
+              <a:cs typeface="Consolas" pitchFamily="49" charset="0"/>
+            </a:endParaRPr>
+          </a:p>
+          <a:p>
+            <a:pPr marL="0" marR="0" lvl="0" indent="0" algn="l" defTabSz="914400" rtl="0" eaLnBrk="1" fontAlgn="base" latinLnBrk="0" hangingPunct="1">
+              <a:lnSpc>
+                <a:spcPct val="100000"/>
+              </a:lnSpc>
+              <a:spcBef>
+                <a:spcPct val="0"/>
+              </a:spcBef>
+              <a:spcAft>
+                <a:spcPct val="0"/>
+              </a:spcAft>
+              <a:buClrTx/>
+              <a:buSzTx/>
+              <a:buFontTx/>
+              <a:buNone/>
+              <a:tabLst/>
+            </a:pPr>
+            <a:r>
+              <a:rPr kumimoji="0" lang="ru-RU" altLang="ru-RU" sz="1100" b="0" i="0" u="none" strike="noStrike" cap="none" normalizeH="0" baseline="0" dirty="0" smtClean="0">
+                <a:ln>
+                  <a:noFill/>
+                </a:ln>
+                <a:solidFill>
+                  <a:srgbClr val="999999"/>
+                </a:solidFill>
+                <a:effectLst/>
+                <a:latin typeface="Courier New" pitchFamily="49" charset="0"/>
+                <a:cs typeface="Courier New" pitchFamily="49" charset="0"/>
+              </a:rPr>
+              <a:t>});</a:t>
+            </a:r>
+            <a:endParaRPr kumimoji="0" lang="en-US" altLang="ru-RU" sz="1100" b="0" i="0" u="none" strike="noStrike" cap="none" normalizeH="0" baseline="0" dirty="0" smtClean="0">
+              <a:ln>
+                <a:noFill/>
+              </a:ln>
+              <a:solidFill>
+                <a:srgbClr val="999999"/>
+              </a:solidFill>
+              <a:effectLst/>
+              <a:latin typeface="Courier New" pitchFamily="49" charset="0"/>
+              <a:cs typeface="Courier New" pitchFamily="49" charset="0"/>
+            </a:endParaRPr>
+          </a:p>
+          <a:p>
+            <a:pPr marL="0" marR="0" lvl="0" indent="0" algn="l" defTabSz="914400" rtl="0" eaLnBrk="1" fontAlgn="base" latinLnBrk="0" hangingPunct="1">
+              <a:lnSpc>
+                <a:spcPct val="100000"/>
+              </a:lnSpc>
+              <a:spcBef>
+                <a:spcPct val="0"/>
+              </a:spcBef>
+              <a:spcAft>
+                <a:spcPct val="0"/>
+              </a:spcAft>
+              <a:buClrTx/>
+              <a:buSzTx/>
+              <a:buFontTx/>
+              <a:buNone/>
+              <a:tabLst/>
+            </a:pPr>
+            <a:r>
+              <a:rPr kumimoji="0" lang="ru-RU" altLang="ru-RU" sz="1100" b="0" i="0" u="none" strike="noStrike" cap="none" normalizeH="0" baseline="0" dirty="0" smtClean="0">
+                <a:ln>
+                  <a:noFill/>
+                </a:ln>
+                <a:solidFill>
+                  <a:srgbClr val="DD4A68"/>
+                </a:solidFill>
+                <a:effectLst/>
+                <a:latin typeface="Courier New" pitchFamily="49" charset="0"/>
+                <a:cs typeface="Courier New" pitchFamily="49" charset="0"/>
+              </a:rPr>
+              <a:t>doIfTrue</a:t>
+            </a:r>
+            <a:r>
+              <a:rPr kumimoji="0" lang="ru-RU" altLang="ru-RU" sz="1100" b="0" i="0" u="none" strike="noStrike" cap="none" normalizeH="0" baseline="0" dirty="0" smtClean="0">
+                <a:ln>
+                  <a:noFill/>
+                </a:ln>
+                <a:solidFill>
+                  <a:srgbClr val="999999"/>
+                </a:solidFill>
+                <a:effectLst/>
+                <a:latin typeface="Courier New" pitchFamily="49" charset="0"/>
+                <a:cs typeface="Courier New" pitchFamily="49" charset="0"/>
+              </a:rPr>
+              <a:t>(</a:t>
+            </a:r>
+            <a:r>
+              <a:rPr kumimoji="0" lang="ru-RU" altLang="ru-RU" sz="1100" b="0" i="0" u="none" strike="noStrike" cap="none" normalizeH="0" baseline="0" dirty="0" smtClean="0">
+                <a:ln>
+                  <a:noFill/>
+                </a:ln>
+                <a:solidFill>
+                  <a:srgbClr val="990055"/>
+                </a:solidFill>
+                <a:effectLst/>
+                <a:latin typeface="Courier New" pitchFamily="49" charset="0"/>
+                <a:cs typeface="Courier New" pitchFamily="49" charset="0"/>
+              </a:rPr>
+              <a:t>false</a:t>
+            </a:r>
+            <a:r>
+              <a:rPr kumimoji="0" lang="ru-RU" altLang="ru-RU" sz="1100" b="0" i="0" u="none" strike="noStrike" cap="none" normalizeH="0" baseline="0" dirty="0" smtClean="0">
+                <a:ln>
+                  <a:noFill/>
+                </a:ln>
+                <a:solidFill>
+                  <a:srgbClr val="999999"/>
+                </a:solidFill>
+                <a:effectLst/>
+                <a:latin typeface="Courier New" pitchFamily="49" charset="0"/>
+                <a:cs typeface="Courier New" pitchFamily="49" charset="0"/>
+              </a:rPr>
+              <a:t>,</a:t>
+            </a:r>
+            <a:r>
+              <a:rPr kumimoji="0" lang="ru-RU" altLang="ru-RU" sz="1100" b="0" i="0" u="none" strike="noStrike" cap="none" normalizeH="0" baseline="0" dirty="0" smtClean="0">
+                <a:ln>
+                  <a:noFill/>
+                </a:ln>
+                <a:solidFill>
+                  <a:srgbClr val="000000"/>
+                </a:solidFill>
+                <a:effectLst/>
+                <a:latin typeface="Consolas" pitchFamily="49" charset="0"/>
+                <a:cs typeface="Consolas" pitchFamily="49" charset="0"/>
+              </a:rPr>
+              <a:t> </a:t>
+            </a:r>
+            <a:r>
+              <a:rPr kumimoji="0" lang="ru-RU" altLang="ru-RU" sz="1100" b="0" i="0" u="none" strike="noStrike" cap="none" normalizeH="0" baseline="0" dirty="0" smtClean="0">
+                <a:ln>
+                  <a:noFill/>
+                </a:ln>
+                <a:solidFill>
+                  <a:srgbClr val="0077AA"/>
+                </a:solidFill>
+                <a:effectLst/>
+                <a:latin typeface="Courier New" pitchFamily="49" charset="0"/>
+                <a:cs typeface="Courier New" pitchFamily="49" charset="0"/>
+              </a:rPr>
+              <a:t>function</a:t>
+            </a:r>
+            <a:r>
+              <a:rPr kumimoji="0" lang="ru-RU" altLang="ru-RU" sz="1100" b="0" i="0" u="none" strike="noStrike" cap="none" normalizeH="0" baseline="0" dirty="0" smtClean="0">
+                <a:ln>
+                  <a:noFill/>
+                </a:ln>
+                <a:solidFill>
+                  <a:srgbClr val="999999"/>
+                </a:solidFill>
+                <a:effectLst/>
+                <a:latin typeface="Courier New" pitchFamily="49" charset="0"/>
+                <a:cs typeface="Courier New" pitchFamily="49" charset="0"/>
+              </a:rPr>
+              <a:t>()</a:t>
+            </a:r>
+            <a:r>
+              <a:rPr kumimoji="0" lang="ru-RU" altLang="ru-RU" sz="1100" b="0" i="0" u="none" strike="noStrike" cap="none" normalizeH="0" baseline="0" dirty="0" smtClean="0">
+                <a:ln>
+                  <a:noFill/>
+                </a:ln>
+                <a:solidFill>
+                  <a:srgbClr val="000000"/>
+                </a:solidFill>
+                <a:effectLst/>
+                <a:latin typeface="Consolas" pitchFamily="49" charset="0"/>
+                <a:cs typeface="Consolas" pitchFamily="49" charset="0"/>
+              </a:rPr>
+              <a:t> </a:t>
+            </a:r>
+            <a:r>
+              <a:rPr kumimoji="0" lang="ru-RU" altLang="ru-RU" sz="1100" b="0" i="0" u="none" strike="noStrike" cap="none" normalizeH="0" baseline="0" dirty="0" smtClean="0">
+                <a:ln>
+                  <a:noFill/>
+                </a:ln>
+                <a:solidFill>
+                  <a:srgbClr val="999999"/>
+                </a:solidFill>
+                <a:effectLst/>
+                <a:latin typeface="Courier New" pitchFamily="49" charset="0"/>
+                <a:cs typeface="Courier New" pitchFamily="49" charset="0"/>
+              </a:rPr>
+              <a:t>{</a:t>
+            </a:r>
+            <a:endParaRPr kumimoji="0" lang="en-US" altLang="ru-RU" sz="1100" b="0" i="0" u="none" strike="noStrike" cap="none" normalizeH="0" baseline="0" dirty="0" smtClean="0">
+              <a:ln>
+                <a:noFill/>
+              </a:ln>
+              <a:solidFill>
+                <a:srgbClr val="999999"/>
+              </a:solidFill>
+              <a:effectLst/>
+              <a:latin typeface="Courier New" pitchFamily="49" charset="0"/>
+              <a:cs typeface="Courier New" pitchFamily="49" charset="0"/>
+            </a:endParaRPr>
+          </a:p>
+          <a:p>
+            <a:pPr lvl="0" fontAlgn="base">
+              <a:spcBef>
+                <a:spcPct val="0"/>
+              </a:spcBef>
+              <a:spcAft>
+                <a:spcPct val="0"/>
+              </a:spcAft>
+            </a:pPr>
+            <a:r>
+              <a:rPr lang="en-US" altLang="ru-RU" sz="1100" dirty="0">
+                <a:solidFill>
+                  <a:srgbClr val="999999"/>
+                </a:solidFill>
+                <a:latin typeface="Courier New" pitchFamily="49" charset="0"/>
+                <a:cs typeface="Courier New" pitchFamily="49" charset="0"/>
+              </a:rPr>
+              <a:t> </a:t>
+            </a:r>
+            <a:r>
+              <a:rPr lang="en-US" altLang="ru-RU" sz="1100" dirty="0" smtClean="0">
+                <a:solidFill>
+                  <a:srgbClr val="999999"/>
+                </a:solidFill>
+                <a:latin typeface="Courier New" pitchFamily="49" charset="0"/>
+                <a:cs typeface="Courier New" pitchFamily="49" charset="0"/>
+              </a:rPr>
+              <a:t> </a:t>
+            </a:r>
+            <a:r>
+              <a:rPr kumimoji="0" lang="ru-RU" altLang="ru-RU" sz="1100" b="0" i="0" u="none" strike="noStrike" cap="none" normalizeH="0" baseline="0" dirty="0" smtClean="0">
+                <a:ln>
+                  <a:noFill/>
+                </a:ln>
+                <a:solidFill>
+                  <a:srgbClr val="DD4A68"/>
+                </a:solidFill>
+                <a:effectLst/>
+                <a:latin typeface="Courier New" pitchFamily="49" charset="0"/>
+                <a:cs typeface="Courier New" pitchFamily="49" charset="0"/>
+              </a:rPr>
+              <a:t>alert</a:t>
+            </a:r>
+            <a:r>
+              <a:rPr kumimoji="0" lang="ru-RU" altLang="ru-RU" sz="1100" b="0" i="0" u="none" strike="noStrike" cap="none" normalizeH="0" baseline="0" dirty="0" smtClean="0">
+                <a:ln>
+                  <a:noFill/>
+                </a:ln>
+                <a:solidFill>
+                  <a:srgbClr val="999999"/>
+                </a:solidFill>
+                <a:effectLst/>
+                <a:latin typeface="Courier New" pitchFamily="49" charset="0"/>
+                <a:cs typeface="Courier New" pitchFamily="49" charset="0"/>
+              </a:rPr>
+              <a:t>(</a:t>
+            </a:r>
+            <a:r>
+              <a:rPr kumimoji="0" lang="ru-RU" altLang="ru-RU" sz="1100" b="0" i="0" u="none" strike="noStrike" cap="none" normalizeH="0" baseline="0" dirty="0" smtClean="0">
+                <a:ln>
+                  <a:noFill/>
+                </a:ln>
+                <a:solidFill>
+                  <a:srgbClr val="669900"/>
+                </a:solidFill>
+                <a:effectLst/>
+                <a:latin typeface="Courier New" pitchFamily="49" charset="0"/>
+                <a:cs typeface="Courier New" pitchFamily="49" charset="0"/>
+              </a:rPr>
+              <a:t>'world'</a:t>
+            </a:r>
+            <a:r>
+              <a:rPr kumimoji="0" lang="ru-RU" altLang="ru-RU" sz="1100" b="0" i="0" u="none" strike="noStrike" cap="none" normalizeH="0" baseline="0" dirty="0" smtClean="0">
+                <a:ln>
+                  <a:noFill/>
+                </a:ln>
+                <a:solidFill>
+                  <a:srgbClr val="999999"/>
+                </a:solidFill>
+                <a:effectLst/>
+                <a:latin typeface="Courier New" pitchFamily="49" charset="0"/>
+                <a:cs typeface="Courier New" pitchFamily="49" charset="0"/>
+              </a:rPr>
+              <a:t>);</a:t>
+            </a:r>
+            <a:r>
+              <a:rPr kumimoji="0" lang="ru-RU" altLang="ru-RU" sz="1100" b="0" i="0" u="none" strike="noStrike" cap="none" normalizeH="0" baseline="0" dirty="0" smtClean="0">
+                <a:ln>
+                  <a:noFill/>
+                </a:ln>
+                <a:solidFill>
+                  <a:srgbClr val="000000"/>
+                </a:solidFill>
+                <a:effectLst/>
+                <a:latin typeface="Consolas" pitchFamily="49" charset="0"/>
+                <a:cs typeface="Consolas" pitchFamily="49" charset="0"/>
+              </a:rPr>
+              <a:t> </a:t>
+            </a:r>
+            <a:r>
+              <a:rPr kumimoji="0" lang="ru-RU" altLang="ru-RU" sz="1100" b="0" i="0" u="none" strike="noStrike" cap="none" normalizeH="0" baseline="0" dirty="0" smtClean="0">
+                <a:ln>
+                  <a:noFill/>
+                </a:ln>
+                <a:solidFill>
+                  <a:srgbClr val="708090"/>
+                </a:solidFill>
+                <a:effectLst/>
+                <a:latin typeface="Courier New" pitchFamily="49" charset="0"/>
+                <a:cs typeface="Courier New" pitchFamily="49" charset="0"/>
+              </a:rPr>
+              <a:t>// does nothing</a:t>
+            </a:r>
+            <a:endParaRPr kumimoji="0" lang="en-US" altLang="ru-RU" sz="1100" b="0" i="0" u="none" strike="noStrike" cap="none" normalizeH="0" baseline="0" dirty="0" smtClean="0">
+              <a:ln>
+                <a:noFill/>
+              </a:ln>
+              <a:solidFill>
+                <a:srgbClr val="708090"/>
+              </a:solidFill>
+              <a:effectLst/>
+              <a:latin typeface="Courier New" pitchFamily="49" charset="0"/>
+              <a:cs typeface="Courier New" pitchFamily="49" charset="0"/>
+            </a:endParaRPr>
+          </a:p>
+          <a:p>
+            <a:pPr lvl="0" fontAlgn="base">
+              <a:spcBef>
+                <a:spcPct val="0"/>
+              </a:spcBef>
+              <a:spcAft>
+                <a:spcPct val="0"/>
+              </a:spcAft>
+            </a:pPr>
+            <a:r>
+              <a:rPr lang="ru-RU" altLang="ru-RU" sz="1100" dirty="0" smtClean="0">
+                <a:solidFill>
+                  <a:srgbClr val="999999"/>
+                </a:solidFill>
+                <a:latin typeface="Courier New" pitchFamily="49" charset="0"/>
+                <a:cs typeface="Courier New" pitchFamily="49" charset="0"/>
+              </a:rPr>
+              <a:t>});</a:t>
+            </a:r>
+            <a:endParaRPr kumimoji="0" lang="en-US" altLang="ru-RU" sz="1100" b="0" i="0" u="none" strike="noStrike" cap="none" normalizeH="0" baseline="0" dirty="0" smtClean="0">
+              <a:ln>
+                <a:noFill/>
+              </a:ln>
+              <a:solidFill>
+                <a:srgbClr val="708090"/>
+              </a:solidFill>
+              <a:effectLst/>
+              <a:latin typeface="Courier New" pitchFamily="49" charset="0"/>
+              <a:cs typeface="Courier New" pitchFamily="49" charset="0"/>
+            </a:endParaRPr>
+          </a:p>
+        </p:txBody>
+      </p:sp>
+      <p:sp>
+        <p:nvSpPr>
+          <p:cNvPr id="24" name="TextBox 23"/>
+          <p:cNvSpPr txBox="1"/>
+          <p:nvPr/>
+        </p:nvSpPr>
+        <p:spPr>
+          <a:xfrm>
+            <a:off x="609600" y="1371600"/>
+            <a:ext cx="3336051" cy="369332"/>
+          </a:xfrm>
+          <a:prstGeom prst="rect">
+            <a:avLst/>
+          </a:prstGeom>
+          <a:noFill/>
+        </p:spPr>
+        <p:txBody>
+          <a:bodyPr wrap="square" rtlCol="0">
+            <a:spAutoFit/>
+          </a:bodyPr>
+          <a:lstStyle/>
+          <a:p>
+            <a:r>
+              <a:rPr lang="en-US" dirty="0" smtClean="0"/>
+              <a:t>function scoping via “</a:t>
+            </a:r>
+            <a:r>
+              <a:rPr lang="en-US" dirty="0" err="1" smtClean="0"/>
+              <a:t>var</a:t>
+            </a:r>
+            <a:r>
+              <a:rPr lang="en-US" dirty="0" smtClean="0"/>
+              <a:t>”</a:t>
+            </a:r>
+            <a:endParaRPr lang="en-US" dirty="0"/>
+          </a:p>
+        </p:txBody>
+      </p:sp>
+    </p:spTree>
+    <p:extLst>
+      <p:ext uri="{BB962C8B-B14F-4D97-AF65-F5344CB8AC3E}">
+        <p14:creationId xmlns:p14="http://schemas.microsoft.com/office/powerpoint/2010/main" val="2631243317"/>
+      </p:ext>
+    </p:extLst>
+  </p:cSld>
+  <p:clrMapOvr>
+    <a:masterClrMapping/>
+  </p:clrMapOvr>
+  <p:timing>
+    <p:tnLst>
+      <p:par>
+        <p:cTn id="1" dur="indefinite" restart="never" nodeType="tmRoot"/>
+      </p:par>
+    </p:tnLst>
+  </p:timing>
+</p:sld>
+</file>
+
+<file path=ppt/slides/slide5.xml><?xml version="1.0" encoding="utf-8"?>
 <p:sld xmlns:a="http://schemas.openxmlformats.org/drawingml/2006/main" xmlns:r="http://schemas.openxmlformats.org/officeDocument/2006/relationships" xmlns:p="http://schemas.openxmlformats.org/presentationml/2006/main">
   <p:cSld>
     <p:spTree>
@@ -10862,7 +12906,7 @@
 </p:sld>
 </file>
 
-<file path=ppt/slides/slide4.xml><?xml version="1.0" encoding="utf-8"?>
+<file path=ppt/slides/slide6.xml><?xml version="1.0" encoding="utf-8"?>
 <p:sld xmlns:a="http://schemas.openxmlformats.org/drawingml/2006/main" xmlns:r="http://schemas.openxmlformats.org/officeDocument/2006/relationships" xmlns:p="http://schemas.openxmlformats.org/presentationml/2006/main">
   <p:cSld>
     <p:spTree>
@@ -12058,7 +14102,7 @@
 </p:sld>
 </file>
 
-<file path=ppt/slides/slide5.xml><?xml version="1.0" encoding="utf-8"?>
+<file path=ppt/slides/slide7.xml><?xml version="1.0" encoding="utf-8"?>
 <p:sld xmlns:a="http://schemas.openxmlformats.org/drawingml/2006/main" xmlns:r="http://schemas.openxmlformats.org/officeDocument/2006/relationships" xmlns:p="http://schemas.openxmlformats.org/presentationml/2006/main">
   <p:cSld>
     <p:spTree>
@@ -13484,7 +15528,7 @@
 </p:sld>
 </file>
 
-<file path=ppt/slides/slide6.xml><?xml version="1.0" encoding="utf-8"?>
+<file path=ppt/slides/slide8.xml><?xml version="1.0" encoding="utf-8"?>
 <p:sld xmlns:a="http://schemas.openxmlformats.org/drawingml/2006/main" xmlns:r="http://schemas.openxmlformats.org/officeDocument/2006/relationships" xmlns:p="http://schemas.openxmlformats.org/presentationml/2006/main">
   <p:cSld>
     <p:spTree>
@@ -13583,7 +15627,7 @@
 </p:sld>
 </file>
 
-<file path=ppt/slides/slide7.xml><?xml version="1.0" encoding="utf-8"?>
+<file path=ppt/slides/slide9.xml><?xml version="1.0" encoding="utf-8"?>
 <p:sld xmlns:a="http://schemas.openxmlformats.org/drawingml/2006/main" xmlns:r="http://schemas.openxmlformats.org/officeDocument/2006/relationships" xmlns:p="http://schemas.openxmlformats.org/presentationml/2006/main">
   <p:cSld>
     <p:spTree>
@@ -13666,212 +15710,6 @@
     <p:extLst>
       <p:ext uri="{BB962C8B-B14F-4D97-AF65-F5344CB8AC3E}">
         <p14:creationId xmlns:p14="http://schemas.microsoft.com/office/powerpoint/2010/main" val="3945281434"/>
-      </p:ext>
-    </p:extLst>
-  </p:cSld>
-  <p:clrMapOvr>
-    <a:masterClrMapping/>
-  </p:clrMapOvr>
-  <p:timing>
-    <p:tnLst>
-      <p:par>
-        <p:cTn id="1" dur="indefinite" restart="never" nodeType="tmRoot"/>
-      </p:par>
-    </p:tnLst>
-  </p:timing>
-</p:sld>
-</file>
-
-<file path=ppt/slides/slide8.xml><?xml version="1.0" encoding="utf-8"?>
-<p:sld xmlns:a="http://schemas.openxmlformats.org/drawingml/2006/main" xmlns:r="http://schemas.openxmlformats.org/officeDocument/2006/relationships" xmlns:p="http://schemas.openxmlformats.org/presentationml/2006/main">
-  <p:cSld>
-    <p:spTree>
-      <p:nvGrpSpPr>
-        <p:cNvPr id="1" name=""/>
-        <p:cNvGrpSpPr/>
-        <p:nvPr/>
-      </p:nvGrpSpPr>
-      <p:grpSpPr>
-        <a:xfrm>
-          <a:off x="0" y="0"/>
-          <a:ext cx="0" cy="0"/>
-          <a:chOff x="0" y="0"/>
-          <a:chExt cx="0" cy="0"/>
-        </a:xfrm>
-      </p:grpSpPr>
-      <p:sp>
-        <p:nvSpPr>
-          <p:cNvPr id="15" name="TextBox 14"/>
-          <p:cNvSpPr txBox="1"/>
-          <p:nvPr/>
-        </p:nvSpPr>
-        <p:spPr>
-          <a:xfrm>
-            <a:off x="2514600" y="1317486"/>
-            <a:ext cx="4191000" cy="369332"/>
-          </a:xfrm>
-          <a:prstGeom prst="rect">
-            <a:avLst/>
-          </a:prstGeom>
-          <a:noFill/>
-        </p:spPr>
-        <p:txBody>
-          <a:bodyPr wrap="square" rtlCol="0">
-            <a:spAutoFit/>
-          </a:bodyPr>
-          <a:lstStyle/>
-          <a:p>
-            <a:r>
-              <a:rPr lang="en-US" dirty="0" smtClean="0"/>
-              <a:t>Every JavaScript object has a prototype</a:t>
-            </a:r>
-            <a:endParaRPr lang="en-US" dirty="0"/>
-          </a:p>
-        </p:txBody>
-      </p:sp>
-      <p:sp>
-        <p:nvSpPr>
-          <p:cNvPr id="4" name="Rectangle 3"/>
-          <p:cNvSpPr/>
-          <p:nvPr/>
-        </p:nvSpPr>
-        <p:spPr>
-          <a:xfrm>
-            <a:off x="3270928" y="609600"/>
-            <a:ext cx="2470869" cy="707886"/>
-          </a:xfrm>
-          <a:prstGeom prst="rect">
-            <a:avLst/>
-          </a:prstGeom>
-        </p:spPr>
-        <p:txBody>
-          <a:bodyPr wrap="none">
-            <a:spAutoFit/>
-          </a:bodyPr>
-          <a:lstStyle/>
-          <a:p>
-            <a:pPr algn="ctr"/>
-            <a:r>
-              <a:rPr lang="en-US" sz="4000" dirty="0" smtClean="0">
-                <a:latin typeface="Rockwell" panose="02060603020205020403" pitchFamily="18" charset="0"/>
-              </a:rPr>
-              <a:t>Prototype</a:t>
-            </a:r>
-            <a:endParaRPr lang="ru-RU" sz="4000" dirty="0"/>
-          </a:p>
-        </p:txBody>
-      </p:sp>
-    </p:spTree>
-    <p:extLst>
-      <p:ext uri="{BB962C8B-B14F-4D97-AF65-F5344CB8AC3E}">
-        <p14:creationId xmlns:p14="http://schemas.microsoft.com/office/powerpoint/2010/main" val="2460709966"/>
-      </p:ext>
-    </p:extLst>
-  </p:cSld>
-  <p:clrMapOvr>
-    <a:masterClrMapping/>
-  </p:clrMapOvr>
-  <p:timing>
-    <p:tnLst>
-      <p:par>
-        <p:cTn id="1" dur="indefinite" restart="never" nodeType="tmRoot"/>
-      </p:par>
-    </p:tnLst>
-  </p:timing>
-</p:sld>
-</file>
-
-<file path=ppt/slides/slide9.xml><?xml version="1.0" encoding="utf-8"?>
-<p:sld xmlns:a="http://schemas.openxmlformats.org/drawingml/2006/main" xmlns:r="http://schemas.openxmlformats.org/officeDocument/2006/relationships" xmlns:p="http://schemas.openxmlformats.org/presentationml/2006/main">
-  <p:cSld>
-    <p:spTree>
-      <p:nvGrpSpPr>
-        <p:cNvPr id="1" name=""/>
-        <p:cNvGrpSpPr/>
-        <p:nvPr/>
-      </p:nvGrpSpPr>
-      <p:grpSpPr>
-        <a:xfrm>
-          <a:off x="0" y="0"/>
-          <a:ext cx="0" cy="0"/>
-          <a:chOff x="0" y="0"/>
-          <a:chExt cx="0" cy="0"/>
-        </a:xfrm>
-      </p:grpSpPr>
-      <p:sp>
-        <p:nvSpPr>
-          <p:cNvPr id="5" name="Rectangle 4"/>
-          <p:cNvSpPr/>
-          <p:nvPr/>
-        </p:nvSpPr>
-        <p:spPr>
-          <a:xfrm>
-            <a:off x="2961389" y="609600"/>
-            <a:ext cx="3089948" cy="707886"/>
-          </a:xfrm>
-          <a:prstGeom prst="rect">
-            <a:avLst/>
-          </a:prstGeom>
-        </p:spPr>
-        <p:txBody>
-          <a:bodyPr wrap="none">
-            <a:spAutoFit/>
-          </a:bodyPr>
-          <a:lstStyle/>
-          <a:p>
-            <a:pPr algn="ctr"/>
-            <a:r>
-              <a:rPr lang="en-US" sz="4000" dirty="0" err="1" smtClean="0">
-                <a:latin typeface="Rockwell" panose="02060603020205020403" pitchFamily="18" charset="0"/>
-              </a:rPr>
-              <a:t>ECMAScript</a:t>
-            </a:r>
-            <a:endParaRPr lang="ru-RU" sz="4000" dirty="0"/>
-          </a:p>
-        </p:txBody>
-      </p:sp>
-      <p:sp>
-        <p:nvSpPr>
-          <p:cNvPr id="15" name="TextBox 14"/>
-          <p:cNvSpPr txBox="1"/>
-          <p:nvPr/>
-        </p:nvSpPr>
-        <p:spPr>
-          <a:xfrm>
-            <a:off x="2514600" y="1317486"/>
-            <a:ext cx="4191000" cy="369332"/>
-          </a:xfrm>
-          <a:prstGeom prst="rect">
-            <a:avLst/>
-          </a:prstGeom>
-          <a:noFill/>
-        </p:spPr>
-        <p:txBody>
-          <a:bodyPr wrap="square" rtlCol="0">
-            <a:spAutoFit/>
-          </a:bodyPr>
-          <a:lstStyle/>
-          <a:p>
-            <a:r>
-              <a:rPr lang="en-US" dirty="0" smtClean="0"/>
-              <a:t>specification for the </a:t>
-            </a:r>
-            <a:r>
-              <a:rPr lang="en-US" dirty="0" err="1" smtClean="0"/>
-              <a:t>Javascript</a:t>
-            </a:r>
-            <a:r>
-              <a:rPr lang="en-US" dirty="0" smtClean="0"/>
-              <a:t> language</a:t>
-            </a:r>
-            <a:endParaRPr lang="en-US" dirty="0"/>
-          </a:p>
-        </p:txBody>
-      </p:sp>
-    </p:spTree>
-    <p:extLst>
-      <p:ext uri="{BB962C8B-B14F-4D97-AF65-F5344CB8AC3E}">
-        <p14:creationId xmlns:p14="http://schemas.microsoft.com/office/powerpoint/2010/main" val="4086330065"/>
       </p:ext>
     </p:extLst>
   </p:cSld>
